--- a/Whats New in ASP.NET Core 2.0.pptx
+++ b/Whats New in ASP.NET Core 2.0.pptx
@@ -147,6 +147,10 @@
 </p:presentation>
 </file>
 
+<file path=ppt/revisionInfo.xml><?xml version="1.0" encoding="utf-8"?>
+<p1510:revInfo xmlns:a="http://schemas.openxmlformats.org/drawingml/2006/main" xmlns:r="http://schemas.openxmlformats.org/officeDocument/2006/relationships" xmlns:p1510="http://schemas.microsoft.com/office/powerpoint/2015/10/main"/>
+</file>
+
 <file path=ppt/notesMasters/notesMaster1.xml><?xml version="1.0" encoding="utf-8"?>
 <p:notesMaster xmlns:a="http://schemas.openxmlformats.org/drawingml/2006/main" xmlns:r="http://schemas.openxmlformats.org/officeDocument/2006/relationships" xmlns:p="http://schemas.openxmlformats.org/presentationml/2006/main">
   <p:cSld>
@@ -762,17 +766,37 @@
           <a:bodyPr/>
           <a:lstStyle/>
           <a:p>
+            <a:pPr marL="171450" marR="0" lvl="0" indent="-171450" algn="l" defTabSz="914400" rtl="0" eaLnBrk="1" fontAlgn="auto" latinLnBrk="0" hangingPunct="1">
+              <a:lnSpc>
+                <a:spcPct val="100000"/>
+              </a:lnSpc>
+              <a:spcBef>
+                <a:spcPts val="0"/>
+              </a:spcBef>
+              <a:spcAft>
+                <a:spcPts val="0"/>
+              </a:spcAft>
+              <a:buClrTx/>
+              <a:buSzTx/>
+              <a:buFontTx/>
+              <a:buChar char="-"/>
+              <a:tabLst/>
+              <a:defRPr/>
+            </a:pPr>
+            <a:r>
+              <a:rPr lang="en-US" dirty="0"/>
+              <a:t>1.x is the “donut of ASP.NET Core”</a:t>
+            </a:r>
+          </a:p>
+          <a:p>
             <a:pPr marL="171450" indent="-171450">
               <a:buFontTx/>
               <a:buChar char="-"/>
             </a:pPr>
             <a:r>
               <a:rPr lang="en-US" dirty="0"/>
-              <a:t>Release mode publishes</a:t>
-            </a:r>
-          </a:p>
-          <a:p>
-            <a:endParaRPr lang="en-US" dirty="0"/>
+              <a:t>Release mode, FDD publish</a:t>
+            </a:r>
           </a:p>
         </p:txBody>
       </p:sp>
@@ -856,7 +880,10 @@
           <a:bodyPr/>
           <a:lstStyle/>
           <a:p>
-            <a:endParaRPr lang="en-US"/>
+            <a:r>
+              <a:rPr lang="en-US" dirty="0"/>
+              <a:t>On by default</a:t>
+            </a:r>
           </a:p>
         </p:txBody>
       </p:sp>
@@ -11211,7 +11238,11 @@
               <a:buNone/>
             </a:pPr>
             <a:r>
-              <a:rPr lang="en-US" b="1" u="sng" dirty="0"/>
+              <a:rPr lang="en-US" b="1" u="sng" dirty="0">
+                <a:solidFill>
+                  <a:srgbClr val="A0C4E5"/>
+                </a:solidFill>
+              </a:rPr>
               <a:t>1.1</a:t>
             </a:r>
           </a:p>
@@ -11251,6 +11282,9 @@
             </a:pPr>
             <a:r>
               <a:rPr lang="en-US" b="1" u="sng" dirty="0">
+                <a:solidFill>
+                  <a:srgbClr val="A0C4E5"/>
+                </a:solidFill>
                 <a:sym typeface="Wingdings" panose="05000000000000000000" pitchFamily="2" charset="2"/>
               </a:rPr>
               <a:t>2.0</a:t>
@@ -11291,6 +11325,307 @@
   <p:clrMapOvr>
     <a:masterClrMapping/>
   </p:clrMapOvr>
+  <p:timing>
+    <p:tnLst>
+      <p:par>
+        <p:cTn id="1" dur="indefinite" restart="never" nodeType="tmRoot">
+          <p:childTnLst>
+            <p:seq concurrent="1" nextAc="seek">
+              <p:cTn id="2" dur="indefinite" nodeType="mainSeq">
+                <p:childTnLst>
+                  <p:par>
+                    <p:cTn id="3" fill="hold">
+                      <p:stCondLst>
+                        <p:cond delay="indefinite"/>
+                      </p:stCondLst>
+                      <p:childTnLst>
+                        <p:par>
+                          <p:cTn id="4" fill="hold">
+                            <p:stCondLst>
+                              <p:cond delay="0"/>
+                            </p:stCondLst>
+                            <p:childTnLst>
+                              <p:par>
+                                <p:cTn id="5" presetID="1" presetClass="entr" presetSubtype="0" fill="hold" nodeType="clickEffect">
+                                  <p:stCondLst>
+                                    <p:cond delay="0"/>
+                                  </p:stCondLst>
+                                  <p:childTnLst>
+                                    <p:set>
+                                      <p:cBhvr>
+                                        <p:cTn id="6" dur="1" fill="hold">
+                                          <p:stCondLst>
+                                            <p:cond delay="0"/>
+                                          </p:stCondLst>
+                                        </p:cTn>
+                                        <p:tgtEl>
+                                          <p:spTgt spid="5">
+                                            <p:txEl>
+                                              <p:pRg st="0" end="0"/>
+                                            </p:txEl>
+                                          </p:spTgt>
+                                        </p:tgtEl>
+                                        <p:attrNameLst>
+                                          <p:attrName>style.visibility</p:attrName>
+                                        </p:attrNameLst>
+                                      </p:cBhvr>
+                                      <p:to>
+                                        <p:strVal val="visible"/>
+                                      </p:to>
+                                    </p:set>
+                                  </p:childTnLst>
+                                </p:cTn>
+                              </p:par>
+                            </p:childTnLst>
+                          </p:cTn>
+                        </p:par>
+                      </p:childTnLst>
+                    </p:cTn>
+                  </p:par>
+                  <p:par>
+                    <p:cTn id="7" fill="hold">
+                      <p:stCondLst>
+                        <p:cond delay="indefinite"/>
+                      </p:stCondLst>
+                      <p:childTnLst>
+                        <p:par>
+                          <p:cTn id="8" fill="hold">
+                            <p:stCondLst>
+                              <p:cond delay="0"/>
+                            </p:stCondLst>
+                            <p:childTnLst>
+                              <p:par>
+                                <p:cTn id="9" presetID="1" presetClass="entr" presetSubtype="0" fill="hold" nodeType="clickEffect">
+                                  <p:stCondLst>
+                                    <p:cond delay="0"/>
+                                  </p:stCondLst>
+                                  <p:childTnLst>
+                                    <p:set>
+                                      <p:cBhvr>
+                                        <p:cTn id="10" dur="1" fill="hold">
+                                          <p:stCondLst>
+                                            <p:cond delay="0"/>
+                                          </p:stCondLst>
+                                        </p:cTn>
+                                        <p:tgtEl>
+                                          <p:spTgt spid="5">
+                                            <p:txEl>
+                                              <p:pRg st="2" end="2"/>
+                                            </p:txEl>
+                                          </p:spTgt>
+                                        </p:tgtEl>
+                                        <p:attrNameLst>
+                                          <p:attrName>style.visibility</p:attrName>
+                                        </p:attrNameLst>
+                                      </p:cBhvr>
+                                      <p:to>
+                                        <p:strVal val="visible"/>
+                                      </p:to>
+                                    </p:set>
+                                  </p:childTnLst>
+                                </p:cTn>
+                              </p:par>
+                              <p:par>
+                                <p:cTn id="11" presetID="1" presetClass="entr" presetSubtype="0" fill="hold" nodeType="withEffect">
+                                  <p:stCondLst>
+                                    <p:cond delay="0"/>
+                                  </p:stCondLst>
+                                  <p:childTnLst>
+                                    <p:set>
+                                      <p:cBhvr>
+                                        <p:cTn id="12" dur="1" fill="hold">
+                                          <p:stCondLst>
+                                            <p:cond delay="0"/>
+                                          </p:stCondLst>
+                                        </p:cTn>
+                                        <p:tgtEl>
+                                          <p:spTgt spid="5">
+                                            <p:txEl>
+                                              <p:pRg st="3" end="3"/>
+                                            </p:txEl>
+                                          </p:spTgt>
+                                        </p:tgtEl>
+                                        <p:attrNameLst>
+                                          <p:attrName>style.visibility</p:attrName>
+                                        </p:attrNameLst>
+                                      </p:cBhvr>
+                                      <p:to>
+                                        <p:strVal val="visible"/>
+                                      </p:to>
+                                    </p:set>
+                                  </p:childTnLst>
+                                </p:cTn>
+                              </p:par>
+                              <p:par>
+                                <p:cTn id="13" presetID="1" presetClass="entr" presetSubtype="0" fill="hold" nodeType="withEffect">
+                                  <p:stCondLst>
+                                    <p:cond delay="0"/>
+                                  </p:stCondLst>
+                                  <p:childTnLst>
+                                    <p:set>
+                                      <p:cBhvr>
+                                        <p:cTn id="14" dur="1" fill="hold">
+                                          <p:stCondLst>
+                                            <p:cond delay="0"/>
+                                          </p:stCondLst>
+                                        </p:cTn>
+                                        <p:tgtEl>
+                                          <p:spTgt spid="5">
+                                            <p:txEl>
+                                              <p:pRg st="4" end="4"/>
+                                            </p:txEl>
+                                          </p:spTgt>
+                                        </p:tgtEl>
+                                        <p:attrNameLst>
+                                          <p:attrName>style.visibility</p:attrName>
+                                        </p:attrNameLst>
+                                      </p:cBhvr>
+                                      <p:to>
+                                        <p:strVal val="visible"/>
+                                      </p:to>
+                                    </p:set>
+                                  </p:childTnLst>
+                                </p:cTn>
+                              </p:par>
+                            </p:childTnLst>
+                          </p:cTn>
+                        </p:par>
+                      </p:childTnLst>
+                    </p:cTn>
+                  </p:par>
+                  <p:par>
+                    <p:cTn id="15" fill="hold">
+                      <p:stCondLst>
+                        <p:cond delay="indefinite"/>
+                      </p:stCondLst>
+                      <p:childTnLst>
+                        <p:par>
+                          <p:cTn id="16" fill="hold">
+                            <p:stCondLst>
+                              <p:cond delay="0"/>
+                            </p:stCondLst>
+                            <p:childTnLst>
+                              <p:par>
+                                <p:cTn id="17" presetID="1" presetClass="entr" presetSubtype="0" fill="hold" nodeType="clickEffect">
+                                  <p:stCondLst>
+                                    <p:cond delay="0"/>
+                                  </p:stCondLst>
+                                  <p:childTnLst>
+                                    <p:set>
+                                      <p:cBhvr>
+                                        <p:cTn id="18" dur="1" fill="hold">
+                                          <p:stCondLst>
+                                            <p:cond delay="0"/>
+                                          </p:stCondLst>
+                                        </p:cTn>
+                                        <p:tgtEl>
+                                          <p:spTgt spid="5">
+                                            <p:txEl>
+                                              <p:pRg st="6" end="6"/>
+                                            </p:txEl>
+                                          </p:spTgt>
+                                        </p:tgtEl>
+                                        <p:attrNameLst>
+                                          <p:attrName>style.visibility</p:attrName>
+                                        </p:attrNameLst>
+                                      </p:cBhvr>
+                                      <p:to>
+                                        <p:strVal val="visible"/>
+                                      </p:to>
+                                    </p:set>
+                                  </p:childTnLst>
+                                </p:cTn>
+                              </p:par>
+                              <p:par>
+                                <p:cTn id="19" presetID="1" presetClass="entr" presetSubtype="0" fill="hold" nodeType="withEffect">
+                                  <p:stCondLst>
+                                    <p:cond delay="0"/>
+                                  </p:stCondLst>
+                                  <p:childTnLst>
+                                    <p:set>
+                                      <p:cBhvr>
+                                        <p:cTn id="20" dur="1" fill="hold">
+                                          <p:stCondLst>
+                                            <p:cond delay="0"/>
+                                          </p:stCondLst>
+                                        </p:cTn>
+                                        <p:tgtEl>
+                                          <p:spTgt spid="5">
+                                            <p:txEl>
+                                              <p:pRg st="7" end="7"/>
+                                            </p:txEl>
+                                          </p:spTgt>
+                                        </p:tgtEl>
+                                        <p:attrNameLst>
+                                          <p:attrName>style.visibility</p:attrName>
+                                        </p:attrNameLst>
+                                      </p:cBhvr>
+                                      <p:to>
+                                        <p:strVal val="visible"/>
+                                      </p:to>
+                                    </p:set>
+                                  </p:childTnLst>
+                                </p:cTn>
+                              </p:par>
+                              <p:par>
+                                <p:cTn id="21" presetID="1" presetClass="entr" presetSubtype="0" fill="hold" nodeType="withEffect">
+                                  <p:stCondLst>
+                                    <p:cond delay="0"/>
+                                  </p:stCondLst>
+                                  <p:childTnLst>
+                                    <p:set>
+                                      <p:cBhvr>
+                                        <p:cTn id="22" dur="1" fill="hold">
+                                          <p:stCondLst>
+                                            <p:cond delay="0"/>
+                                          </p:stCondLst>
+                                        </p:cTn>
+                                        <p:tgtEl>
+                                          <p:spTgt spid="5">
+                                            <p:txEl>
+                                              <p:pRg st="8" end="8"/>
+                                            </p:txEl>
+                                          </p:spTgt>
+                                        </p:tgtEl>
+                                        <p:attrNameLst>
+                                          <p:attrName>style.visibility</p:attrName>
+                                        </p:attrNameLst>
+                                      </p:cBhvr>
+                                      <p:to>
+                                        <p:strVal val="visible"/>
+                                      </p:to>
+                                    </p:set>
+                                  </p:childTnLst>
+                                </p:cTn>
+                              </p:par>
+                            </p:childTnLst>
+                          </p:cTn>
+                        </p:par>
+                      </p:childTnLst>
+                    </p:cTn>
+                  </p:par>
+                </p:childTnLst>
+              </p:cTn>
+              <p:prevCondLst>
+                <p:cond evt="onPrev" delay="0">
+                  <p:tgtEl>
+                    <p:sldTgt/>
+                  </p:tgtEl>
+                </p:cond>
+              </p:prevCondLst>
+              <p:nextCondLst>
+                <p:cond evt="onNext" delay="0">
+                  <p:tgtEl>
+                    <p:sldTgt/>
+                  </p:tgtEl>
+                </p:cond>
+              </p:nextCondLst>
+            </p:seq>
+          </p:childTnLst>
+        </p:cTn>
+      </p:par>
+    </p:tnLst>
+  </p:timing>
 </p:sld>
 </file>
 
@@ -11360,43 +11695,1004 @@
             <a:spLocks noGrp="1"/>
           </p:cNvSpPr>
           <p:nvPr>
-            <p:ph sz="half" idx="1"/>
+            <p:ph idx="1"/>
           </p:nvPr>
         </p:nvSpPr>
         <p:spPr/>
         <p:txBody>
-          <a:bodyPr/>
+          <a:bodyPr>
+            <a:normAutofit/>
+          </a:bodyPr>
           <a:lstStyle/>
           <a:p>
-            <a:endParaRPr lang="en-US" dirty="0"/>
+            <a:pPr marL="0" indent="0">
+              <a:buNone/>
+            </a:pPr>
+            <a:endParaRPr lang="en-US" sz="2000" dirty="0">
+              <a:solidFill>
+                <a:srgbClr val="569CD6"/>
+              </a:solidFill>
+              <a:latin typeface="Consolas" panose="020B0609020204030204" pitchFamily="49" charset="0"/>
+            </a:endParaRPr>
+          </a:p>
+          <a:p>
+            <a:pPr marL="0" indent="0">
+              <a:buNone/>
+            </a:pPr>
+            <a:endParaRPr lang="en-US" sz="2000" dirty="0">
+              <a:solidFill>
+                <a:srgbClr val="569CD6"/>
+              </a:solidFill>
+              <a:latin typeface="Consolas" panose="020B0609020204030204" pitchFamily="49" charset="0"/>
+            </a:endParaRPr>
+          </a:p>
+          <a:p>
+            <a:pPr marL="0" indent="0">
+              <a:buNone/>
+            </a:pPr>
+            <a:endParaRPr lang="en-US" sz="2000" dirty="0">
+              <a:solidFill>
+                <a:srgbClr val="569CD6"/>
+              </a:solidFill>
+              <a:latin typeface="Consolas" panose="020B0609020204030204" pitchFamily="49" charset="0"/>
+            </a:endParaRPr>
+          </a:p>
+          <a:p>
+            <a:pPr marL="0" indent="0">
+              <a:buNone/>
+            </a:pPr>
+            <a:endParaRPr lang="en-US" sz="2000" dirty="0"/>
+          </a:p>
+          <a:p>
+            <a:pPr marL="0" indent="0">
+              <a:buNone/>
+            </a:pPr>
+            <a:endParaRPr lang="en-US" sz="2000" dirty="0"/>
           </a:p>
         </p:txBody>
       </p:sp>
-      <p:sp>
-        <p:nvSpPr>
-          <p:cNvPr id="5" name="Content Placeholder 4">
+      <p:graphicFrame>
+        <p:nvGraphicFramePr>
+          <p:cNvPr id="7" name="Table 6">
             <a:extLst>
               <a:ext uri="{FF2B5EF4-FFF2-40B4-BE49-F238E27FC236}">
-                <a16:creationId xmlns:a16="http://schemas.microsoft.com/office/drawing/2014/main" id="{B9012F0A-1710-4125-BBBE-3F11CE106E8A}"/>
+                <a16:creationId xmlns:a16="http://schemas.microsoft.com/office/drawing/2014/main" id="{D4EC7F52-7DC9-448B-85DB-5E1C4DDC9EC6}"/>
               </a:ext>
             </a:extLst>
           </p:cNvPr>
-          <p:cNvSpPr>
-            <a:spLocks noGrp="1"/>
-          </p:cNvSpPr>
-          <p:nvPr>
-            <p:ph sz="half" idx="2"/>
-          </p:nvPr>
-        </p:nvSpPr>
-        <p:spPr/>
+          <p:cNvGraphicFramePr>
+            <a:graphicFrameLocks noGrp="1"/>
+          </p:cNvGraphicFramePr>
+          <p:nvPr>
+            <p:extLst>
+              <p:ext uri="{D42A27DB-BD31-4B8C-83A1-F6EECF244321}">
+                <p14:modId xmlns:p14="http://schemas.microsoft.com/office/powerpoint/2010/main" val="1222825255"/>
+              </p:ext>
+            </p:extLst>
+          </p:nvPr>
+        </p:nvGraphicFramePr>
+        <p:xfrm>
+          <a:off x="937490" y="2211476"/>
+          <a:ext cx="10416310" cy="1615440"/>
+        </p:xfrm>
+        <a:graphic>
+          <a:graphicData uri="http://schemas.openxmlformats.org/drawingml/2006/table">
+            <a:tbl>
+              <a:tblPr firstRow="1" bandRow="1">
+                <a:tableStyleId>{5C22544A-7EE6-4342-B048-85BDC9FD1C3A}</a:tableStyleId>
+              </a:tblPr>
+              <a:tblGrid>
+                <a:gridCol w="10416310">
+                  <a:extLst>
+                    <a:ext uri="{9D8B030D-6E8A-4147-A177-3AD203B41FA5}">
+                      <a16:colId xmlns:a16="http://schemas.microsoft.com/office/drawing/2014/main" val="1057070397"/>
+                    </a:ext>
+                  </a:extLst>
+                </a:gridCol>
+              </a:tblGrid>
+              <a:tr h="584446">
+                <a:tc>
+                  <a:txBody>
+                    <a:bodyPr/>
+                    <a:lstStyle/>
+                    <a:p>
+                      <a:pPr marL="0" indent="0">
+                        <a:buNone/>
+                      </a:pPr>
+                      <a:r>
+                        <a:rPr lang="en-US" sz="2000" dirty="0">
+                          <a:solidFill>
+                            <a:srgbClr val="569CD6"/>
+                          </a:solidFill>
+                          <a:latin typeface="Consolas" panose="020B0609020204030204" pitchFamily="49" charset="0"/>
+                        </a:rPr>
+                        <a:t>&lt;Project </a:t>
+                      </a:r>
+                      <a:r>
+                        <a:rPr lang="en-US" sz="2000" dirty="0" err="1">
+                          <a:solidFill>
+                            <a:srgbClr val="9CDCFE"/>
+                          </a:solidFill>
+                          <a:latin typeface="Consolas" panose="020B0609020204030204" pitchFamily="49" charset="0"/>
+                        </a:rPr>
+                        <a:t>Sdk</a:t>
+                      </a:r>
+                      <a:r>
+                        <a:rPr lang="en-US" sz="2000" dirty="0">
+                          <a:solidFill>
+                            <a:srgbClr val="569CD6"/>
+                          </a:solidFill>
+                          <a:latin typeface="Consolas" panose="020B0609020204030204" pitchFamily="49" charset="0"/>
+                        </a:rPr>
+                        <a:t>=</a:t>
+                      </a:r>
+                      <a:r>
+                        <a:rPr lang="en-US" sz="2000" dirty="0">
+                          <a:solidFill>
+                            <a:srgbClr val="CE9178"/>
+                          </a:solidFill>
+                          <a:latin typeface="Consolas" panose="020B0609020204030204" pitchFamily="49" charset="0"/>
+                        </a:rPr>
+                        <a:t>"</a:t>
+                      </a:r>
+                      <a:r>
+                        <a:rPr lang="en-US" sz="2000" dirty="0" err="1">
+                          <a:solidFill>
+                            <a:srgbClr val="CE9178"/>
+                          </a:solidFill>
+                          <a:latin typeface="Consolas" panose="020B0609020204030204" pitchFamily="49" charset="0"/>
+                        </a:rPr>
+                        <a:t>Microsoft.NET.Sdk.Web</a:t>
+                      </a:r>
+                      <a:r>
+                        <a:rPr lang="en-US" sz="2000" dirty="0">
+                          <a:solidFill>
+                            <a:srgbClr val="CE9178"/>
+                          </a:solidFill>
+                          <a:latin typeface="Consolas" panose="020B0609020204030204" pitchFamily="49" charset="0"/>
+                        </a:rPr>
+                        <a:t>"</a:t>
+                      </a:r>
+                      <a:r>
+                        <a:rPr lang="en-US" sz="2000" dirty="0">
+                          <a:solidFill>
+                            <a:srgbClr val="569CD6"/>
+                          </a:solidFill>
+                          <a:latin typeface="Consolas" panose="020B0609020204030204" pitchFamily="49" charset="0"/>
+                        </a:rPr>
+                        <a:t>&gt;</a:t>
+                      </a:r>
+                      <a:endParaRPr lang="en-US" sz="2000" dirty="0">
+                        <a:solidFill>
+                          <a:srgbClr val="FAFCFE"/>
+                        </a:solidFill>
+                        <a:latin typeface="Consolas" panose="020B0609020204030204" pitchFamily="49" charset="0"/>
+                      </a:endParaRPr>
+                    </a:p>
+                    <a:p>
+                      <a:pPr marL="0" indent="0">
+                        <a:buNone/>
+                      </a:pPr>
+                      <a:r>
+                        <a:rPr lang="en-US" sz="2000" dirty="0">
+                          <a:solidFill>
+                            <a:srgbClr val="FAFCFE"/>
+                          </a:solidFill>
+                          <a:latin typeface="Consolas" panose="020B0609020204030204" pitchFamily="49" charset="0"/>
+                        </a:rPr>
+                        <a:t>	</a:t>
+                      </a:r>
+                      <a:r>
+                        <a:rPr lang="en-US" sz="2000" dirty="0">
+                          <a:solidFill>
+                            <a:srgbClr val="569CD6"/>
+                          </a:solidFill>
+                          <a:latin typeface="Consolas" panose="020B0609020204030204" pitchFamily="49" charset="0"/>
+                        </a:rPr>
+                        <a:t>&lt;</a:t>
+                      </a:r>
+                      <a:r>
+                        <a:rPr lang="en-US" sz="2000" dirty="0" err="1">
+                          <a:solidFill>
+                            <a:srgbClr val="569CD6"/>
+                          </a:solidFill>
+                          <a:latin typeface="Consolas" panose="020B0609020204030204" pitchFamily="49" charset="0"/>
+                        </a:rPr>
+                        <a:t>PropertyGroup</a:t>
+                      </a:r>
+                      <a:r>
+                        <a:rPr lang="en-US" sz="2000" dirty="0">
+                          <a:solidFill>
+                            <a:srgbClr val="569CD6"/>
+                          </a:solidFill>
+                          <a:latin typeface="Consolas" panose="020B0609020204030204" pitchFamily="49" charset="0"/>
+                        </a:rPr>
+                        <a:t>&gt;</a:t>
+                      </a:r>
+                      <a:endParaRPr lang="en-US" sz="2000" dirty="0">
+                        <a:solidFill>
+                          <a:srgbClr val="FAFCFE"/>
+                        </a:solidFill>
+                        <a:latin typeface="Consolas" panose="020B0609020204030204" pitchFamily="49" charset="0"/>
+                      </a:endParaRPr>
+                    </a:p>
+                    <a:p>
+                      <a:pPr marL="0" indent="0">
+                        <a:buNone/>
+                      </a:pPr>
+                      <a:r>
+                        <a:rPr lang="en-US" sz="2000" dirty="0">
+                          <a:solidFill>
+                            <a:srgbClr val="FAFCFE"/>
+                          </a:solidFill>
+                          <a:latin typeface="Consolas" panose="020B0609020204030204" pitchFamily="49" charset="0"/>
+                        </a:rPr>
+                        <a:t>		</a:t>
+                      </a:r>
+                      <a:r>
+                        <a:rPr lang="en-US" sz="2000" dirty="0">
+                          <a:solidFill>
+                            <a:srgbClr val="569CD6"/>
+                          </a:solidFill>
+                          <a:latin typeface="Consolas" panose="020B0609020204030204" pitchFamily="49" charset="0"/>
+                        </a:rPr>
+                        <a:t>&lt;</a:t>
+                      </a:r>
+                      <a:r>
+                        <a:rPr lang="en-US" sz="2000" dirty="0" err="1">
+                          <a:solidFill>
+                            <a:srgbClr val="569CD6"/>
+                          </a:solidFill>
+                          <a:latin typeface="Consolas" panose="020B0609020204030204" pitchFamily="49" charset="0"/>
+                        </a:rPr>
+                        <a:t>TargetFramework</a:t>
+                      </a:r>
+                      <a:r>
+                        <a:rPr lang="en-US" sz="2000" dirty="0">
+                          <a:solidFill>
+                            <a:srgbClr val="569CD6"/>
+                          </a:solidFill>
+                          <a:latin typeface="Consolas" panose="020B0609020204030204" pitchFamily="49" charset="0"/>
+                        </a:rPr>
+                        <a:t>&gt;</a:t>
+                      </a:r>
+                      <a:r>
+                        <a:rPr lang="en-US" sz="2000" dirty="0">
+                          <a:solidFill>
+                            <a:srgbClr val="CE9178"/>
+                          </a:solidFill>
+                          <a:latin typeface="Consolas" panose="020B0609020204030204" pitchFamily="49" charset="0"/>
+                        </a:rPr>
+                        <a:t>netcoreapp2.0</a:t>
+                      </a:r>
+                      <a:r>
+                        <a:rPr lang="en-US" sz="2000" dirty="0">
+                          <a:solidFill>
+                            <a:srgbClr val="569CD6"/>
+                          </a:solidFill>
+                          <a:latin typeface="Consolas" panose="020B0609020204030204" pitchFamily="49" charset="0"/>
+                        </a:rPr>
+                        <a:t>&lt;/</a:t>
+                      </a:r>
+                      <a:r>
+                        <a:rPr lang="en-US" sz="2000" dirty="0" err="1">
+                          <a:solidFill>
+                            <a:srgbClr val="569CD6"/>
+                          </a:solidFill>
+                          <a:latin typeface="Consolas" panose="020B0609020204030204" pitchFamily="49" charset="0"/>
+                        </a:rPr>
+                        <a:t>TargetFramework</a:t>
+                      </a:r>
+                      <a:r>
+                        <a:rPr lang="en-US" sz="2000" dirty="0">
+                          <a:solidFill>
+                            <a:srgbClr val="569CD6"/>
+                          </a:solidFill>
+                          <a:latin typeface="Consolas" panose="020B0609020204030204" pitchFamily="49" charset="0"/>
+                        </a:rPr>
+                        <a:t>&gt;</a:t>
+                      </a:r>
+                      <a:r>
+                        <a:rPr lang="en-US" sz="2000" dirty="0">
+                          <a:solidFill>
+                            <a:srgbClr val="FAFCFE"/>
+                          </a:solidFill>
+                          <a:latin typeface="Consolas" panose="020B0609020204030204" pitchFamily="49" charset="0"/>
+                        </a:rPr>
+                        <a:t> 				</a:t>
+                      </a:r>
+                      <a:r>
+                        <a:rPr lang="en-US" sz="2000" dirty="0">
+                          <a:solidFill>
+                            <a:srgbClr val="569CD6"/>
+                          </a:solidFill>
+                          <a:latin typeface="Consolas" panose="020B0609020204030204" pitchFamily="49" charset="0"/>
+                        </a:rPr>
+                        <a:t>&lt;</a:t>
+                      </a:r>
+                      <a:r>
+                        <a:rPr lang="en-US" sz="2000" dirty="0" err="1">
+                          <a:solidFill>
+                            <a:srgbClr val="569CD6"/>
+                          </a:solidFill>
+                          <a:latin typeface="Consolas" panose="020B0609020204030204" pitchFamily="49" charset="0"/>
+                        </a:rPr>
+                        <a:t>MvcRazorCompileOnPublish</a:t>
+                      </a:r>
+                      <a:r>
+                        <a:rPr lang="en-US" sz="2000" dirty="0">
+                          <a:solidFill>
+                            <a:srgbClr val="569CD6"/>
+                          </a:solidFill>
+                          <a:latin typeface="Consolas" panose="020B0609020204030204" pitchFamily="49" charset="0"/>
+                        </a:rPr>
+                        <a:t>&gt;</a:t>
+                      </a:r>
+                      <a:r>
+                        <a:rPr lang="en-US" sz="2000" dirty="0">
+                          <a:solidFill>
+                            <a:srgbClr val="CE9178"/>
+                          </a:solidFill>
+                          <a:latin typeface="Consolas" panose="020B0609020204030204" pitchFamily="49" charset="0"/>
+                        </a:rPr>
+                        <a:t>false</a:t>
+                      </a:r>
+                      <a:r>
+                        <a:rPr lang="en-US" sz="2000" dirty="0">
+                          <a:solidFill>
+                            <a:srgbClr val="569CD6"/>
+                          </a:solidFill>
+                          <a:latin typeface="Consolas" panose="020B0609020204030204" pitchFamily="49" charset="0"/>
+                        </a:rPr>
+                        <a:t>&lt;/</a:t>
+                      </a:r>
+                      <a:r>
+                        <a:rPr lang="en-US" sz="2000" dirty="0" err="1">
+                          <a:solidFill>
+                            <a:srgbClr val="569CD6"/>
+                          </a:solidFill>
+                          <a:latin typeface="Consolas" panose="020B0609020204030204" pitchFamily="49" charset="0"/>
+                        </a:rPr>
+                        <a:t>MvcRazorCompileOnPublish</a:t>
+                      </a:r>
+                      <a:r>
+                        <a:rPr lang="en-US" sz="2000" dirty="0">
+                          <a:solidFill>
+                            <a:srgbClr val="569CD6"/>
+                          </a:solidFill>
+                          <a:latin typeface="Consolas" panose="020B0609020204030204" pitchFamily="49" charset="0"/>
+                        </a:rPr>
+                        <a:t>&gt;</a:t>
+                      </a:r>
+                      <a:r>
+                        <a:rPr lang="en-US" sz="2000" dirty="0">
+                          <a:solidFill>
+                            <a:srgbClr val="FAFCFE"/>
+                          </a:solidFill>
+                          <a:latin typeface="Consolas" panose="020B0609020204030204" pitchFamily="49" charset="0"/>
+                        </a:rPr>
+                        <a:t> 	</a:t>
+                      </a:r>
+                      <a:r>
+                        <a:rPr lang="en-US" sz="2000" dirty="0">
+                          <a:solidFill>
+                            <a:srgbClr val="569CD6"/>
+                          </a:solidFill>
+                          <a:latin typeface="Consolas" panose="020B0609020204030204" pitchFamily="49" charset="0"/>
+                        </a:rPr>
+                        <a:t>&lt;/</a:t>
+                      </a:r>
+                      <a:r>
+                        <a:rPr lang="en-US" sz="2000" dirty="0" err="1">
+                          <a:solidFill>
+                            <a:srgbClr val="569CD6"/>
+                          </a:solidFill>
+                          <a:latin typeface="Consolas" panose="020B0609020204030204" pitchFamily="49" charset="0"/>
+                        </a:rPr>
+                        <a:t>PropertyGroup</a:t>
+                      </a:r>
+                      <a:r>
+                        <a:rPr lang="en-US" sz="2000" dirty="0">
+                          <a:solidFill>
+                            <a:srgbClr val="569CD6"/>
+                          </a:solidFill>
+                          <a:latin typeface="Consolas" panose="020B0609020204030204" pitchFamily="49" charset="0"/>
+                        </a:rPr>
+                        <a:t>&gt;</a:t>
+                      </a:r>
+                      <a:endParaRPr lang="en-US" sz="2000" dirty="0">
+                        <a:solidFill>
+                          <a:srgbClr val="000000"/>
+                        </a:solidFill>
+                        <a:latin typeface="Consolas" panose="020B0609020204030204" pitchFamily="49" charset="0"/>
+                      </a:endParaRPr>
+                    </a:p>
+                  </a:txBody>
+                  <a:tcPr>
+                    <a:lnL w="12700" cap="flat" cmpd="sng" algn="ctr">
+                      <a:solidFill>
+                        <a:schemeClr val="tx1"/>
+                      </a:solidFill>
+                      <a:prstDash val="solid"/>
+                      <a:round/>
+                      <a:headEnd type="none" w="med" len="med"/>
+                      <a:tailEnd type="none" w="med" len="med"/>
+                    </a:lnL>
+                    <a:lnR w="12700" cap="flat" cmpd="sng" algn="ctr">
+                      <a:solidFill>
+                        <a:schemeClr val="tx1"/>
+                      </a:solidFill>
+                      <a:prstDash val="solid"/>
+                      <a:round/>
+                      <a:headEnd type="none" w="med" len="med"/>
+                      <a:tailEnd type="none" w="med" len="med"/>
+                    </a:lnR>
+                    <a:lnT w="12700" cap="flat" cmpd="sng" algn="ctr">
+                      <a:solidFill>
+                        <a:schemeClr val="tx1"/>
+                      </a:solidFill>
+                      <a:prstDash val="solid"/>
+                      <a:round/>
+                      <a:headEnd type="none" w="med" len="med"/>
+                      <a:tailEnd type="none" w="med" len="med"/>
+                    </a:lnT>
+                    <a:lnB w="12700" cap="flat" cmpd="sng" algn="ctr">
+                      <a:solidFill>
+                        <a:schemeClr val="tx1"/>
+                      </a:solidFill>
+                      <a:prstDash val="solid"/>
+                      <a:round/>
+                      <a:headEnd type="none" w="med" len="med"/>
+                      <a:tailEnd type="none" w="med" len="med"/>
+                    </a:lnB>
+                    <a:solidFill>
+                      <a:schemeClr val="tx1"/>
+                    </a:solidFill>
+                  </a:tcPr>
+                </a:tc>
+                <a:extLst>
+                  <a:ext uri="{0D108BD9-81ED-4DB2-BD59-A6C34878D82A}">
+                    <a16:rowId xmlns:a16="http://schemas.microsoft.com/office/drawing/2014/main" val="3473222697"/>
+                  </a:ext>
+                </a:extLst>
+              </a:tr>
+            </a:tbl>
+          </a:graphicData>
+        </a:graphic>
+      </p:graphicFrame>
+      <p:sp>
+        <p:nvSpPr>
+          <p:cNvPr id="8" name="Rectangle 7">
+            <a:extLst>
+              <a:ext uri="{FF2B5EF4-FFF2-40B4-BE49-F238E27FC236}">
+                <a16:creationId xmlns:a16="http://schemas.microsoft.com/office/drawing/2014/main" id="{32EE0222-9DF9-496C-B082-C5D30FC330F3}"/>
+              </a:ext>
+            </a:extLst>
+          </p:cNvPr>
+          <p:cNvSpPr/>
+          <p:nvPr/>
+        </p:nvSpPr>
+        <p:spPr>
+          <a:xfrm>
+            <a:off x="950278" y="1764907"/>
+            <a:ext cx="2900800" cy="446567"/>
+          </a:xfrm>
+          <a:prstGeom prst="rect">
+            <a:avLst/>
+          </a:prstGeom>
+          <a:ln w="57150">
+            <a:solidFill>
+              <a:schemeClr val="accent1">
+                <a:lumMod val="50000"/>
+              </a:schemeClr>
+            </a:solidFill>
+          </a:ln>
+        </p:spPr>
+        <p:style>
+          <a:lnRef idx="1">
+            <a:schemeClr val="accent1"/>
+          </a:lnRef>
+          <a:fillRef idx="2">
+            <a:schemeClr val="accent1"/>
+          </a:fillRef>
+          <a:effectRef idx="1">
+            <a:schemeClr val="accent1"/>
+          </a:effectRef>
+          <a:fontRef idx="minor">
+            <a:schemeClr val="dk1"/>
+          </a:fontRef>
+        </p:style>
         <p:txBody>
-          <a:bodyPr/>
+          <a:bodyPr rtlCol="0" anchor="ctr"/>
           <a:lstStyle/>
           <a:p>
-            <a:endParaRPr lang="en-US"/>
+            <a:pPr algn="ctr"/>
+            <a:r>
+              <a:rPr lang="en-US" b="1" dirty="0"/>
+              <a:t>2xCoreApp.csproj</a:t>
+            </a:r>
           </a:p>
         </p:txBody>
       </p:sp>
+      <p:graphicFrame>
+        <p:nvGraphicFramePr>
+          <p:cNvPr id="9" name="Table 8">
+            <a:extLst>
+              <a:ext uri="{FF2B5EF4-FFF2-40B4-BE49-F238E27FC236}">
+                <a16:creationId xmlns:a16="http://schemas.microsoft.com/office/drawing/2014/main" id="{6681CE37-17F7-4A84-8315-EE9AAE9B4981}"/>
+              </a:ext>
+            </a:extLst>
+          </p:cNvPr>
+          <p:cNvGraphicFramePr>
+            <a:graphicFrameLocks noGrp="1"/>
+          </p:cNvGraphicFramePr>
+          <p:nvPr>
+            <p:extLst>
+              <p:ext uri="{D42A27DB-BD31-4B8C-83A1-F6EECF244321}">
+                <p14:modId xmlns:p14="http://schemas.microsoft.com/office/powerpoint/2010/main" val="905393098"/>
+              </p:ext>
+            </p:extLst>
+          </p:nvPr>
+        </p:nvGraphicFramePr>
+        <p:xfrm>
+          <a:off x="937490" y="4887321"/>
+          <a:ext cx="10416310" cy="1310640"/>
+        </p:xfrm>
+        <a:graphic>
+          <a:graphicData uri="http://schemas.openxmlformats.org/drawingml/2006/table">
+            <a:tbl>
+              <a:tblPr firstRow="1" bandRow="1">
+                <a:tableStyleId>{5C22544A-7EE6-4342-B048-85BDC9FD1C3A}</a:tableStyleId>
+              </a:tblPr>
+              <a:tblGrid>
+                <a:gridCol w="10416310">
+                  <a:extLst>
+                    <a:ext uri="{9D8B030D-6E8A-4147-A177-3AD203B41FA5}">
+                      <a16:colId xmlns:a16="http://schemas.microsoft.com/office/drawing/2014/main" val="1057070397"/>
+                    </a:ext>
+                  </a:extLst>
+                </a:gridCol>
+              </a:tblGrid>
+              <a:tr h="584446">
+                <a:tc>
+                  <a:txBody>
+                    <a:bodyPr/>
+                    <a:lstStyle/>
+                    <a:p>
+                      <a:pPr marL="0" indent="0">
+                        <a:buNone/>
+                      </a:pPr>
+                      <a:r>
+                        <a:rPr lang="en-US" sz="2000" dirty="0">
+                          <a:solidFill>
+                            <a:srgbClr val="569CD6"/>
+                          </a:solidFill>
+                          <a:latin typeface="Consolas" panose="020B0609020204030204" pitchFamily="49" charset="0"/>
+                        </a:rPr>
+                        <a:t>&lt;Project </a:t>
+                      </a:r>
+                      <a:r>
+                        <a:rPr lang="en-US" sz="2000" dirty="0" err="1">
+                          <a:solidFill>
+                            <a:srgbClr val="9CDCFE"/>
+                          </a:solidFill>
+                          <a:latin typeface="Consolas" panose="020B0609020204030204" pitchFamily="49" charset="0"/>
+                        </a:rPr>
+                        <a:t>Sdk</a:t>
+                      </a:r>
+                      <a:r>
+                        <a:rPr lang="en-US" sz="2000" dirty="0">
+                          <a:solidFill>
+                            <a:srgbClr val="569CD6"/>
+                          </a:solidFill>
+                          <a:latin typeface="Consolas" panose="020B0609020204030204" pitchFamily="49" charset="0"/>
+                        </a:rPr>
+                        <a:t>=</a:t>
+                      </a:r>
+                      <a:r>
+                        <a:rPr lang="en-US" sz="2000" dirty="0">
+                          <a:solidFill>
+                            <a:srgbClr val="CE9178"/>
+                          </a:solidFill>
+                          <a:latin typeface="Consolas" panose="020B0609020204030204" pitchFamily="49" charset="0"/>
+                        </a:rPr>
+                        <a:t>"</a:t>
+                      </a:r>
+                      <a:r>
+                        <a:rPr lang="en-US" sz="2000" dirty="0" err="1">
+                          <a:solidFill>
+                            <a:srgbClr val="CE9178"/>
+                          </a:solidFill>
+                          <a:latin typeface="Consolas" panose="020B0609020204030204" pitchFamily="49" charset="0"/>
+                        </a:rPr>
+                        <a:t>Microsoft.NET.Sdk.Web</a:t>
+                      </a:r>
+                      <a:r>
+                        <a:rPr lang="en-US" sz="2000" dirty="0">
+                          <a:solidFill>
+                            <a:srgbClr val="CE9178"/>
+                          </a:solidFill>
+                          <a:latin typeface="Consolas" panose="020B0609020204030204" pitchFamily="49" charset="0"/>
+                        </a:rPr>
+                        <a:t>"</a:t>
+                      </a:r>
+                      <a:r>
+                        <a:rPr lang="en-US" sz="2000" dirty="0">
+                          <a:solidFill>
+                            <a:srgbClr val="569CD6"/>
+                          </a:solidFill>
+                          <a:latin typeface="Consolas" panose="020B0609020204030204" pitchFamily="49" charset="0"/>
+                        </a:rPr>
+                        <a:t>&gt;</a:t>
+                      </a:r>
+                      <a:endParaRPr lang="en-US" sz="2000" dirty="0">
+                        <a:solidFill>
+                          <a:srgbClr val="FAFCFE"/>
+                        </a:solidFill>
+                        <a:latin typeface="Consolas" panose="020B0609020204030204" pitchFamily="49" charset="0"/>
+                      </a:endParaRPr>
+                    </a:p>
+                    <a:p>
+                      <a:pPr marL="0" indent="0">
+                        <a:buNone/>
+                      </a:pPr>
+                      <a:r>
+                        <a:rPr lang="en-US" sz="2000" dirty="0">
+                          <a:solidFill>
+                            <a:srgbClr val="FAFCFE"/>
+                          </a:solidFill>
+                          <a:latin typeface="Consolas" panose="020B0609020204030204" pitchFamily="49" charset="0"/>
+                        </a:rPr>
+                        <a:t>	</a:t>
+                      </a:r>
+                      <a:r>
+                        <a:rPr lang="en-US" sz="2000" dirty="0">
+                          <a:solidFill>
+                            <a:srgbClr val="569CD6"/>
+                          </a:solidFill>
+                          <a:latin typeface="Consolas" panose="020B0609020204030204" pitchFamily="49" charset="0"/>
+                        </a:rPr>
+                        <a:t>&lt;</a:t>
+                      </a:r>
+                      <a:r>
+                        <a:rPr lang="en-US" sz="2000" dirty="0" err="1">
+                          <a:solidFill>
+                            <a:srgbClr val="569CD6"/>
+                          </a:solidFill>
+                          <a:latin typeface="Consolas" panose="020B0609020204030204" pitchFamily="49" charset="0"/>
+                        </a:rPr>
+                        <a:t>PropertyGroup</a:t>
+                      </a:r>
+                      <a:r>
+                        <a:rPr lang="en-US" sz="2000" dirty="0">
+                          <a:solidFill>
+                            <a:srgbClr val="569CD6"/>
+                          </a:solidFill>
+                          <a:latin typeface="Consolas" panose="020B0609020204030204" pitchFamily="49" charset="0"/>
+                        </a:rPr>
+                        <a:t>&gt;</a:t>
+                      </a:r>
+                      <a:endParaRPr lang="en-US" sz="2000" dirty="0">
+                        <a:solidFill>
+                          <a:srgbClr val="FAFCFE"/>
+                        </a:solidFill>
+                        <a:latin typeface="Consolas" panose="020B0609020204030204" pitchFamily="49" charset="0"/>
+                      </a:endParaRPr>
+                    </a:p>
+                    <a:p>
+                      <a:pPr marL="0" indent="0">
+                        <a:buNone/>
+                      </a:pPr>
+                      <a:r>
+                        <a:rPr lang="en-US" sz="2000" dirty="0">
+                          <a:solidFill>
+                            <a:srgbClr val="FAFCFE"/>
+                          </a:solidFill>
+                          <a:latin typeface="Consolas" panose="020B0609020204030204" pitchFamily="49" charset="0"/>
+                        </a:rPr>
+                        <a:t>		</a:t>
+                      </a:r>
+                      <a:r>
+                        <a:rPr lang="en-US" sz="2000" dirty="0">
+                          <a:solidFill>
+                            <a:srgbClr val="569CD6"/>
+                          </a:solidFill>
+                          <a:latin typeface="Consolas" panose="020B0609020204030204" pitchFamily="49" charset="0"/>
+                        </a:rPr>
+                        <a:t>&lt;</a:t>
+                      </a:r>
+                      <a:r>
+                        <a:rPr lang="en-US" sz="2000" dirty="0" err="1">
+                          <a:solidFill>
+                            <a:srgbClr val="569CD6"/>
+                          </a:solidFill>
+                          <a:latin typeface="Consolas" panose="020B0609020204030204" pitchFamily="49" charset="0"/>
+                        </a:rPr>
+                        <a:t>TargetFramework</a:t>
+                      </a:r>
+                      <a:r>
+                        <a:rPr lang="en-US" sz="2000" dirty="0">
+                          <a:solidFill>
+                            <a:srgbClr val="569CD6"/>
+                          </a:solidFill>
+                          <a:latin typeface="Consolas" panose="020B0609020204030204" pitchFamily="49" charset="0"/>
+                        </a:rPr>
+                        <a:t>&gt;</a:t>
+                      </a:r>
+                      <a:r>
+                        <a:rPr lang="en-US" sz="2000" dirty="0">
+                          <a:solidFill>
+                            <a:srgbClr val="CE9178"/>
+                          </a:solidFill>
+                          <a:latin typeface="Consolas" panose="020B0609020204030204" pitchFamily="49" charset="0"/>
+                        </a:rPr>
+                        <a:t>netcoreapp2.0</a:t>
+                      </a:r>
+                      <a:r>
+                        <a:rPr lang="en-US" sz="2000" dirty="0">
+                          <a:solidFill>
+                            <a:srgbClr val="569CD6"/>
+                          </a:solidFill>
+                          <a:latin typeface="Consolas" panose="020B0609020204030204" pitchFamily="49" charset="0"/>
+                        </a:rPr>
+                        <a:t>&lt;/</a:t>
+                      </a:r>
+                      <a:r>
+                        <a:rPr lang="en-US" sz="2000" dirty="0" err="1">
+                          <a:solidFill>
+                            <a:srgbClr val="569CD6"/>
+                          </a:solidFill>
+                          <a:latin typeface="Consolas" panose="020B0609020204030204" pitchFamily="49" charset="0"/>
+                        </a:rPr>
+                        <a:t>TargetFramework</a:t>
+                      </a:r>
+                      <a:r>
+                        <a:rPr lang="en-US" sz="2000" dirty="0">
+                          <a:solidFill>
+                            <a:srgbClr val="569CD6"/>
+                          </a:solidFill>
+                          <a:latin typeface="Consolas" panose="020B0609020204030204" pitchFamily="49" charset="0"/>
+                        </a:rPr>
+                        <a:t>&gt;</a:t>
+                      </a:r>
+                      <a:r>
+                        <a:rPr lang="en-US" sz="2000" dirty="0">
+                          <a:solidFill>
+                            <a:srgbClr val="FAFCFE"/>
+                          </a:solidFill>
+                          <a:latin typeface="Consolas" panose="020B0609020204030204" pitchFamily="49" charset="0"/>
+                        </a:rPr>
+                        <a:t> 			</a:t>
+                      </a:r>
+                      <a:r>
+                        <a:rPr lang="en-US" sz="2000" dirty="0">
+                          <a:solidFill>
+                            <a:srgbClr val="569CD6"/>
+                          </a:solidFill>
+                          <a:latin typeface="Consolas" panose="020B0609020204030204" pitchFamily="49" charset="0"/>
+                        </a:rPr>
+                        <a:t>&lt;/</a:t>
+                      </a:r>
+                      <a:r>
+                        <a:rPr lang="en-US" sz="2000" dirty="0" err="1">
+                          <a:solidFill>
+                            <a:srgbClr val="569CD6"/>
+                          </a:solidFill>
+                          <a:latin typeface="Consolas" panose="020B0609020204030204" pitchFamily="49" charset="0"/>
+                        </a:rPr>
+                        <a:t>PropertyGroup</a:t>
+                      </a:r>
+                      <a:r>
+                        <a:rPr lang="en-US" sz="2000" dirty="0">
+                          <a:solidFill>
+                            <a:srgbClr val="569CD6"/>
+                          </a:solidFill>
+                          <a:latin typeface="Consolas" panose="020B0609020204030204" pitchFamily="49" charset="0"/>
+                        </a:rPr>
+                        <a:t>&gt;</a:t>
+                      </a:r>
+                      <a:endParaRPr lang="en-US" sz="2000" dirty="0">
+                        <a:solidFill>
+                          <a:srgbClr val="000000"/>
+                        </a:solidFill>
+                        <a:latin typeface="Consolas" panose="020B0609020204030204" pitchFamily="49" charset="0"/>
+                      </a:endParaRPr>
+                    </a:p>
+                  </a:txBody>
+                  <a:tcPr>
+                    <a:lnL w="12700" cap="flat" cmpd="sng" algn="ctr">
+                      <a:solidFill>
+                        <a:schemeClr val="tx1"/>
+                      </a:solidFill>
+                      <a:prstDash val="solid"/>
+                      <a:round/>
+                      <a:headEnd type="none" w="med" len="med"/>
+                      <a:tailEnd type="none" w="med" len="med"/>
+                    </a:lnL>
+                    <a:lnR w="12700" cap="flat" cmpd="sng" algn="ctr">
+                      <a:solidFill>
+                        <a:schemeClr val="tx1"/>
+                      </a:solidFill>
+                      <a:prstDash val="solid"/>
+                      <a:round/>
+                      <a:headEnd type="none" w="med" len="med"/>
+                      <a:tailEnd type="none" w="med" len="med"/>
+                    </a:lnR>
+                    <a:lnT w="12700" cap="flat" cmpd="sng" algn="ctr">
+                      <a:solidFill>
+                        <a:schemeClr val="tx1"/>
+                      </a:solidFill>
+                      <a:prstDash val="solid"/>
+                      <a:round/>
+                      <a:headEnd type="none" w="med" len="med"/>
+                      <a:tailEnd type="none" w="med" len="med"/>
+                    </a:lnT>
+                    <a:lnB w="12700" cap="flat" cmpd="sng" algn="ctr">
+                      <a:solidFill>
+                        <a:schemeClr val="tx1"/>
+                      </a:solidFill>
+                      <a:prstDash val="solid"/>
+                      <a:round/>
+                      <a:headEnd type="none" w="med" len="med"/>
+                      <a:tailEnd type="none" w="med" len="med"/>
+                    </a:lnB>
+                    <a:solidFill>
+                      <a:schemeClr val="tx1"/>
+                    </a:solidFill>
+                  </a:tcPr>
+                </a:tc>
+                <a:extLst>
+                  <a:ext uri="{0D108BD9-81ED-4DB2-BD59-A6C34878D82A}">
+                    <a16:rowId xmlns:a16="http://schemas.microsoft.com/office/drawing/2014/main" val="3473222697"/>
+                  </a:ext>
+                </a:extLst>
+              </a:tr>
+            </a:tbl>
+          </a:graphicData>
+        </a:graphic>
+      </p:graphicFrame>
+      <p:sp>
+        <p:nvSpPr>
+          <p:cNvPr id="10" name="Rectangle 9">
+            <a:extLst>
+              <a:ext uri="{FF2B5EF4-FFF2-40B4-BE49-F238E27FC236}">
+                <a16:creationId xmlns:a16="http://schemas.microsoft.com/office/drawing/2014/main" id="{7705916F-C1D6-4249-8953-242EEA5034C9}"/>
+              </a:ext>
+            </a:extLst>
+          </p:cNvPr>
+          <p:cNvSpPr/>
+          <p:nvPr/>
+        </p:nvSpPr>
+        <p:spPr>
+          <a:xfrm>
+            <a:off x="8430966" y="4440754"/>
+            <a:ext cx="2900800" cy="446567"/>
+          </a:xfrm>
+          <a:prstGeom prst="rect">
+            <a:avLst/>
+          </a:prstGeom>
+          <a:ln w="57150">
+            <a:solidFill>
+              <a:schemeClr val="tx1">
+                <a:lumMod val="75000"/>
+              </a:schemeClr>
+            </a:solidFill>
+          </a:ln>
+        </p:spPr>
+        <p:style>
+          <a:lnRef idx="1">
+            <a:schemeClr val="accent1"/>
+          </a:lnRef>
+          <a:fillRef idx="2">
+            <a:schemeClr val="accent1"/>
+          </a:fillRef>
+          <a:effectRef idx="1">
+            <a:schemeClr val="accent1"/>
+          </a:effectRef>
+          <a:fontRef idx="minor">
+            <a:schemeClr val="dk1"/>
+          </a:fontRef>
+        </p:style>
+        <p:txBody>
+          <a:bodyPr rtlCol="0" anchor="ctr"/>
+          <a:lstStyle/>
+          <a:p>
+            <a:pPr algn="ctr"/>
+            <a:r>
+              <a:rPr lang="en-US" b="1" dirty="0"/>
+              <a:t>2xCoreApp.csproj</a:t>
+            </a:r>
+          </a:p>
+        </p:txBody>
+      </p:sp>
+      <p:pic>
+        <p:nvPicPr>
+          <p:cNvPr id="11" name="Picture 10">
+            <a:extLst>
+              <a:ext uri="{FF2B5EF4-FFF2-40B4-BE49-F238E27FC236}">
+                <a16:creationId xmlns:a16="http://schemas.microsoft.com/office/drawing/2014/main" id="{09D12214-CB13-40E1-AF32-E32394C7E88E}"/>
+              </a:ext>
+            </a:extLst>
+          </p:cNvPr>
+          <p:cNvPicPr>
+            <a:picLocks noChangeAspect="1"/>
+          </p:cNvPicPr>
+          <p:nvPr/>
+        </p:nvPicPr>
+        <p:blipFill>
+          <a:blip r:embed="rId3"/>
+          <a:stretch>
+            <a:fillRect/>
+          </a:stretch>
+        </p:blipFill>
+        <p:spPr>
+          <a:xfrm>
+            <a:off x="931228" y="3019196"/>
+            <a:ext cx="3171825" cy="3619500"/>
+          </a:xfrm>
+          <a:prstGeom prst="rect">
+            <a:avLst/>
+          </a:prstGeom>
+          <a:ln w="57150">
+            <a:solidFill>
+              <a:schemeClr val="tx1">
+                <a:lumMod val="75000"/>
+              </a:schemeClr>
+            </a:solidFill>
+          </a:ln>
+          <a:effectLst>
+            <a:outerShdw blurRad="50800" dist="38100" dir="2700000" algn="tl" rotWithShape="0">
+              <a:prstClr val="black">
+                <a:alpha val="40000"/>
+              </a:prstClr>
+            </a:outerShdw>
+          </a:effectLst>
+        </p:spPr>
+      </p:pic>
+      <p:pic>
+        <p:nvPicPr>
+          <p:cNvPr id="12" name="Picture 11">
+            <a:extLst>
+              <a:ext uri="{FF2B5EF4-FFF2-40B4-BE49-F238E27FC236}">
+                <a16:creationId xmlns:a16="http://schemas.microsoft.com/office/drawing/2014/main" id="{D7583CE9-E7BC-4895-B85B-B9E55E78BAB2}"/>
+              </a:ext>
+            </a:extLst>
+          </p:cNvPr>
+          <p:cNvPicPr>
+            <a:picLocks noChangeAspect="1"/>
+          </p:cNvPicPr>
+          <p:nvPr/>
+        </p:nvPicPr>
+        <p:blipFill>
+          <a:blip r:embed="rId4"/>
+          <a:stretch>
+            <a:fillRect/>
+          </a:stretch>
+        </p:blipFill>
+        <p:spPr>
+          <a:xfrm>
+            <a:off x="8420100" y="716915"/>
+            <a:ext cx="2933700" cy="3600450"/>
+          </a:xfrm>
+          <a:prstGeom prst="rect">
+            <a:avLst/>
+          </a:prstGeom>
+          <a:ln w="57150">
+            <a:solidFill>
+              <a:schemeClr val="accent1">
+                <a:lumMod val="50000"/>
+              </a:schemeClr>
+            </a:solidFill>
+          </a:ln>
+          <a:effectLst>
+            <a:outerShdw blurRad="50800" dist="38100" dir="8100000" algn="tr" rotWithShape="0">
+              <a:prstClr val="black">
+                <a:alpha val="40000"/>
+              </a:prstClr>
+            </a:outerShdw>
+          </a:effectLst>
+        </p:spPr>
+      </p:pic>
     </p:spTree>
     <p:extLst>
       <p:ext uri="{BB962C8B-B14F-4D97-AF65-F5344CB8AC3E}">
@@ -11407,6 +12703,366 @@
   <p:clrMapOvr>
     <a:masterClrMapping/>
   </p:clrMapOvr>
+  <p:timing>
+    <p:tnLst>
+      <p:par>
+        <p:cTn id="1" dur="indefinite" restart="never" nodeType="tmRoot">
+          <p:childTnLst>
+            <p:seq concurrent="1" nextAc="seek">
+              <p:cTn id="2" dur="indefinite" nodeType="mainSeq">
+                <p:childTnLst>
+                  <p:par>
+                    <p:cTn id="3" fill="hold">
+                      <p:stCondLst>
+                        <p:cond delay="indefinite"/>
+                      </p:stCondLst>
+                      <p:childTnLst>
+                        <p:par>
+                          <p:cTn id="4" fill="hold">
+                            <p:stCondLst>
+                              <p:cond delay="0"/>
+                            </p:stCondLst>
+                            <p:childTnLst>
+                              <p:par>
+                                <p:cTn id="5" presetID="1" presetClass="entr" presetSubtype="0" fill="hold" nodeType="clickEffect">
+                                  <p:stCondLst>
+                                    <p:cond delay="0"/>
+                                  </p:stCondLst>
+                                  <p:childTnLst>
+                                    <p:set>
+                                      <p:cBhvr>
+                                        <p:cTn id="6" dur="1" fill="hold">
+                                          <p:stCondLst>
+                                            <p:cond delay="0"/>
+                                          </p:stCondLst>
+                                        </p:cTn>
+                                        <p:tgtEl>
+                                          <p:spTgt spid="7"/>
+                                        </p:tgtEl>
+                                        <p:attrNameLst>
+                                          <p:attrName>style.visibility</p:attrName>
+                                        </p:attrNameLst>
+                                      </p:cBhvr>
+                                      <p:to>
+                                        <p:strVal val="visible"/>
+                                      </p:to>
+                                    </p:set>
+                                  </p:childTnLst>
+                                </p:cTn>
+                              </p:par>
+                              <p:par>
+                                <p:cTn id="7" presetID="1" presetClass="entr" presetSubtype="0" fill="hold" grpId="0" nodeType="withEffect">
+                                  <p:stCondLst>
+                                    <p:cond delay="0"/>
+                                  </p:stCondLst>
+                                  <p:childTnLst>
+                                    <p:set>
+                                      <p:cBhvr>
+                                        <p:cTn id="8" dur="1" fill="hold">
+                                          <p:stCondLst>
+                                            <p:cond delay="0"/>
+                                          </p:stCondLst>
+                                        </p:cTn>
+                                        <p:tgtEl>
+                                          <p:spTgt spid="8"/>
+                                        </p:tgtEl>
+                                        <p:attrNameLst>
+                                          <p:attrName>style.visibility</p:attrName>
+                                        </p:attrNameLst>
+                                      </p:cBhvr>
+                                      <p:to>
+                                        <p:strVal val="visible"/>
+                                      </p:to>
+                                    </p:set>
+                                  </p:childTnLst>
+                                </p:cTn>
+                              </p:par>
+                            </p:childTnLst>
+                          </p:cTn>
+                        </p:par>
+                      </p:childTnLst>
+                    </p:cTn>
+                  </p:par>
+                  <p:par>
+                    <p:cTn id="9" fill="hold">
+                      <p:stCondLst>
+                        <p:cond delay="indefinite"/>
+                      </p:stCondLst>
+                      <p:childTnLst>
+                        <p:par>
+                          <p:cTn id="10" fill="hold">
+                            <p:stCondLst>
+                              <p:cond delay="0"/>
+                            </p:stCondLst>
+                            <p:childTnLst>
+                              <p:par>
+                                <p:cTn id="11" presetID="2" presetClass="entr" presetSubtype="4" fill="hold" nodeType="clickEffect">
+                                  <p:stCondLst>
+                                    <p:cond delay="0"/>
+                                  </p:stCondLst>
+                                  <p:childTnLst>
+                                    <p:set>
+                                      <p:cBhvr>
+                                        <p:cTn id="12" dur="1" fill="hold">
+                                          <p:stCondLst>
+                                            <p:cond delay="0"/>
+                                          </p:stCondLst>
+                                        </p:cTn>
+                                        <p:tgtEl>
+                                          <p:spTgt spid="12"/>
+                                        </p:tgtEl>
+                                        <p:attrNameLst>
+                                          <p:attrName>style.visibility</p:attrName>
+                                        </p:attrNameLst>
+                                      </p:cBhvr>
+                                      <p:to>
+                                        <p:strVal val="visible"/>
+                                      </p:to>
+                                    </p:set>
+                                    <p:anim calcmode="lin" valueType="num">
+                                      <p:cBhvr additive="base">
+                                        <p:cTn id="13" dur="500" fill="hold"/>
+                                        <p:tgtEl>
+                                          <p:spTgt spid="12"/>
+                                        </p:tgtEl>
+                                        <p:attrNameLst>
+                                          <p:attrName>ppt_x</p:attrName>
+                                        </p:attrNameLst>
+                                      </p:cBhvr>
+                                      <p:tavLst>
+                                        <p:tav tm="0">
+                                          <p:val>
+                                            <p:strVal val="#ppt_x"/>
+                                          </p:val>
+                                        </p:tav>
+                                        <p:tav tm="100000">
+                                          <p:val>
+                                            <p:strVal val="#ppt_x"/>
+                                          </p:val>
+                                        </p:tav>
+                                      </p:tavLst>
+                                    </p:anim>
+                                    <p:anim calcmode="lin" valueType="num">
+                                      <p:cBhvr additive="base">
+                                        <p:cTn id="14" dur="500" fill="hold"/>
+                                        <p:tgtEl>
+                                          <p:spTgt spid="12"/>
+                                        </p:tgtEl>
+                                        <p:attrNameLst>
+                                          <p:attrName>ppt_y</p:attrName>
+                                        </p:attrNameLst>
+                                      </p:cBhvr>
+                                      <p:tavLst>
+                                        <p:tav tm="0">
+                                          <p:val>
+                                            <p:strVal val="1+#ppt_h/2"/>
+                                          </p:val>
+                                        </p:tav>
+                                        <p:tav tm="100000">
+                                          <p:val>
+                                            <p:strVal val="#ppt_y"/>
+                                          </p:val>
+                                        </p:tav>
+                                      </p:tavLst>
+                                    </p:anim>
+                                  </p:childTnLst>
+                                </p:cTn>
+                              </p:par>
+                            </p:childTnLst>
+                          </p:cTn>
+                        </p:par>
+                      </p:childTnLst>
+                    </p:cTn>
+                  </p:par>
+                  <p:par>
+                    <p:cTn id="15" fill="hold">
+                      <p:stCondLst>
+                        <p:cond delay="indefinite"/>
+                      </p:stCondLst>
+                      <p:childTnLst>
+                        <p:par>
+                          <p:cTn id="16" fill="hold">
+                            <p:stCondLst>
+                              <p:cond delay="0"/>
+                            </p:stCondLst>
+                            <p:childTnLst>
+                              <p:par>
+                                <p:cTn id="17" presetID="1" presetClass="entr" presetSubtype="0" fill="hold" nodeType="clickEffect">
+                                  <p:stCondLst>
+                                    <p:cond delay="0"/>
+                                  </p:stCondLst>
+                                  <p:childTnLst>
+                                    <p:set>
+                                      <p:cBhvr>
+                                        <p:cTn id="18" dur="1" fill="hold">
+                                          <p:stCondLst>
+                                            <p:cond delay="0"/>
+                                          </p:stCondLst>
+                                        </p:cTn>
+                                        <p:tgtEl>
+                                          <p:spTgt spid="9"/>
+                                        </p:tgtEl>
+                                        <p:attrNameLst>
+                                          <p:attrName>style.visibility</p:attrName>
+                                        </p:attrNameLst>
+                                      </p:cBhvr>
+                                      <p:to>
+                                        <p:strVal val="visible"/>
+                                      </p:to>
+                                    </p:set>
+                                  </p:childTnLst>
+                                </p:cTn>
+                              </p:par>
+                              <p:par>
+                                <p:cTn id="19" presetID="1" presetClass="entr" presetSubtype="0" fill="hold" grpId="0" nodeType="withEffect">
+                                  <p:stCondLst>
+                                    <p:cond delay="0"/>
+                                  </p:stCondLst>
+                                  <p:childTnLst>
+                                    <p:set>
+                                      <p:cBhvr>
+                                        <p:cTn id="20" dur="1" fill="hold">
+                                          <p:stCondLst>
+                                            <p:cond delay="0"/>
+                                          </p:stCondLst>
+                                        </p:cTn>
+                                        <p:tgtEl>
+                                          <p:spTgt spid="10"/>
+                                        </p:tgtEl>
+                                        <p:attrNameLst>
+                                          <p:attrName>style.visibility</p:attrName>
+                                        </p:attrNameLst>
+                                      </p:cBhvr>
+                                      <p:to>
+                                        <p:strVal val="visible"/>
+                                      </p:to>
+                                    </p:set>
+                                  </p:childTnLst>
+                                </p:cTn>
+                              </p:par>
+                            </p:childTnLst>
+                          </p:cTn>
+                        </p:par>
+                      </p:childTnLst>
+                    </p:cTn>
+                  </p:par>
+                  <p:par>
+                    <p:cTn id="21" fill="hold">
+                      <p:stCondLst>
+                        <p:cond delay="indefinite"/>
+                      </p:stCondLst>
+                      <p:childTnLst>
+                        <p:par>
+                          <p:cTn id="22" fill="hold">
+                            <p:stCondLst>
+                              <p:cond delay="0"/>
+                            </p:stCondLst>
+                            <p:childTnLst>
+                              <p:par>
+                                <p:cTn id="23" presetID="2" presetClass="entr" presetSubtype="4" fill="hold" nodeType="clickEffect">
+                                  <p:stCondLst>
+                                    <p:cond delay="0"/>
+                                  </p:stCondLst>
+                                  <p:childTnLst>
+                                    <p:set>
+                                      <p:cBhvr>
+                                        <p:cTn id="24" dur="1" fill="hold">
+                                          <p:stCondLst>
+                                            <p:cond delay="0"/>
+                                          </p:stCondLst>
+                                        </p:cTn>
+                                        <p:tgtEl>
+                                          <p:spTgt spid="11"/>
+                                        </p:tgtEl>
+                                        <p:attrNameLst>
+                                          <p:attrName>style.visibility</p:attrName>
+                                        </p:attrNameLst>
+                                      </p:cBhvr>
+                                      <p:to>
+                                        <p:strVal val="visible"/>
+                                      </p:to>
+                                    </p:set>
+                                    <p:anim calcmode="lin" valueType="num">
+                                      <p:cBhvr additive="base">
+                                        <p:cTn id="25" dur="500" fill="hold"/>
+                                        <p:tgtEl>
+                                          <p:spTgt spid="11"/>
+                                        </p:tgtEl>
+                                        <p:attrNameLst>
+                                          <p:attrName>ppt_x</p:attrName>
+                                        </p:attrNameLst>
+                                      </p:cBhvr>
+                                      <p:tavLst>
+                                        <p:tav tm="0">
+                                          <p:val>
+                                            <p:strVal val="#ppt_x"/>
+                                          </p:val>
+                                        </p:tav>
+                                        <p:tav tm="100000">
+                                          <p:val>
+                                            <p:strVal val="#ppt_x"/>
+                                          </p:val>
+                                        </p:tav>
+                                      </p:tavLst>
+                                    </p:anim>
+                                    <p:anim calcmode="lin" valueType="num">
+                                      <p:cBhvr additive="base">
+                                        <p:cTn id="26" dur="500" fill="hold"/>
+                                        <p:tgtEl>
+                                          <p:spTgt spid="11"/>
+                                        </p:tgtEl>
+                                        <p:attrNameLst>
+                                          <p:attrName>ppt_y</p:attrName>
+                                        </p:attrNameLst>
+                                      </p:cBhvr>
+                                      <p:tavLst>
+                                        <p:tav tm="0">
+                                          <p:val>
+                                            <p:strVal val="1+#ppt_h/2"/>
+                                          </p:val>
+                                        </p:tav>
+                                        <p:tav tm="100000">
+                                          <p:val>
+                                            <p:strVal val="#ppt_y"/>
+                                          </p:val>
+                                        </p:tav>
+                                      </p:tavLst>
+                                    </p:anim>
+                                  </p:childTnLst>
+                                </p:cTn>
+                              </p:par>
+                            </p:childTnLst>
+                          </p:cTn>
+                        </p:par>
+                      </p:childTnLst>
+                    </p:cTn>
+                  </p:par>
+                </p:childTnLst>
+              </p:cTn>
+              <p:prevCondLst>
+                <p:cond evt="onPrev" delay="0">
+                  <p:tgtEl>
+                    <p:sldTgt/>
+                  </p:tgtEl>
+                </p:cond>
+              </p:prevCondLst>
+              <p:nextCondLst>
+                <p:cond evt="onNext" delay="0">
+                  <p:tgtEl>
+                    <p:sldTgt/>
+                  </p:tgtEl>
+                </p:cond>
+              </p:nextCondLst>
+            </p:seq>
+          </p:childTnLst>
+        </p:cTn>
+      </p:par>
+    </p:tnLst>
+    <p:bldLst>
+      <p:bldP spid="8" grpId="0" animBg="1"/>
+      <p:bldP spid="10" grpId="0" animBg="1"/>
+    </p:bldLst>
+  </p:timing>
 </p:sld>
 </file>
 

--- a/Whats New in ASP.NET Core 2.0.pptx
+++ b/Whats New in ASP.NET Core 2.0.pptx
@@ -795,7 +795,15 @@
             </a:pPr>
             <a:r>
               <a:rPr lang="en-US" dirty="0"/>
-              <a:t>Release mode, FDD publish</a:t>
+              <a:t>Release mode, FDD publish, </a:t>
+            </a:r>
+            <a:r>
+              <a:rPr lang="en-US" dirty="0" err="1"/>
+              <a:t>PublishOutput</a:t>
+            </a:r>
+            <a:r>
+              <a:rPr lang="en-US" dirty="0"/>
+              <a:t> folder</a:t>
             </a:r>
           </a:p>
         </p:txBody>
@@ -11766,7 +11774,7 @@
           <p:nvPr>
             <p:extLst>
               <p:ext uri="{D42A27DB-BD31-4B8C-83A1-F6EECF244321}">
-                <p14:modId xmlns:p14="http://schemas.microsoft.com/office/powerpoint/2010/main" val="1222825255"/>
+                <p14:modId xmlns:p14="http://schemas.microsoft.com/office/powerpoint/2010/main" val="1933325337"/>
               </p:ext>
             </p:extLst>
           </p:nvPr>
@@ -12110,36 +12118,28 @@
                   </a:txBody>
                   <a:tcPr>
                     <a:lnL w="12700" cap="flat" cmpd="sng" algn="ctr">
-                      <a:solidFill>
-                        <a:schemeClr val="tx1"/>
-                      </a:solidFill>
+                      <a:noFill/>
                       <a:prstDash val="solid"/>
                       <a:round/>
                       <a:headEnd type="none" w="med" len="med"/>
                       <a:tailEnd type="none" w="med" len="med"/>
                     </a:lnL>
                     <a:lnR w="12700" cap="flat" cmpd="sng" algn="ctr">
-                      <a:solidFill>
-                        <a:schemeClr val="tx1"/>
-                      </a:solidFill>
+                      <a:noFill/>
                       <a:prstDash val="solid"/>
                       <a:round/>
                       <a:headEnd type="none" w="med" len="med"/>
                       <a:tailEnd type="none" w="med" len="med"/>
                     </a:lnR>
                     <a:lnT w="12700" cap="flat" cmpd="sng" algn="ctr">
-                      <a:solidFill>
-                        <a:schemeClr val="tx1"/>
-                      </a:solidFill>
+                      <a:noFill/>
                       <a:prstDash val="solid"/>
                       <a:round/>
                       <a:headEnd type="none" w="med" len="med"/>
                       <a:tailEnd type="none" w="med" len="med"/>
                     </a:lnT>
                     <a:lnB w="12700" cap="flat" cmpd="sng" algn="ctr">
-                      <a:solidFill>
-                        <a:schemeClr val="tx1"/>
-                      </a:solidFill>
+                      <a:noFill/>
                       <a:prstDash val="solid"/>
                       <a:round/>
                       <a:headEnd type="none" w="med" len="med"/>
@@ -13726,35 +13726,6 @@
           </a:prstGeom>
         </p:spPr>
       </p:pic>
-      <p:pic>
-        <p:nvPicPr>
-          <p:cNvPr id="7" name="Content Placeholder 6"/>
-          <p:cNvPicPr>
-            <a:picLocks noGrp="1" noChangeAspect="1"/>
-          </p:cNvPicPr>
-          <p:nvPr>
-            <p:ph sz="half" idx="1"/>
-          </p:nvPr>
-        </p:nvPicPr>
-        <p:blipFill>
-          <a:blip r:embed="rId4">
-            <a:extLst>
-              <a:ext uri="{28A0092B-C50C-407E-A947-70E740481C1C}">
-                <a14:useLocalDpi xmlns:a14="http://schemas.microsoft.com/office/drawing/2010/main" val="0"/>
-              </a:ext>
-            </a:extLst>
-          </a:blip>
-          <a:stretch>
-            <a:fillRect/>
-          </a:stretch>
-        </p:blipFill>
-        <p:spPr>
-          <a:xfrm>
-            <a:off x="1253331" y="1825625"/>
-            <a:ext cx="4351338" cy="4351338"/>
-          </a:xfrm>
-        </p:spPr>
-      </p:pic>
       <p:sp>
         <p:nvSpPr>
           <p:cNvPr id="2" name="Title 1"/>
@@ -13903,7 +13874,7 @@
           <p:nvPr/>
         </p:nvPicPr>
         <p:blipFill>
-          <a:blip r:embed="rId5" cstate="print">
+          <a:blip r:embed="rId4" cstate="print">
             <a:extLst>
               <a:ext uri="{28A0092B-C50C-407E-A947-70E740481C1C}">
                 <a14:useLocalDpi xmlns:a14="http://schemas.microsoft.com/office/drawing/2010/main" val="0"/>
@@ -13933,7 +13904,7 @@
           <p:nvPr/>
         </p:nvPicPr>
         <p:blipFill>
-          <a:blip r:embed="rId6">
+          <a:blip r:embed="rId5">
             <a:lum bright="70000" contrast="-70000"/>
             <a:extLst>
               <a:ext uri="{28A0092B-C50C-407E-A947-70E740481C1C}">
@@ -13966,6 +13937,67 @@
           </a:extLst>
         </p:spPr>
       </p:pic>
+      <p:pic>
+        <p:nvPicPr>
+          <p:cNvPr id="5" name="Picture 4" descr="A close up of text on a black background&#10;&#10;Description generated with high confidence">
+            <a:extLst>
+              <a:ext uri="{FF2B5EF4-FFF2-40B4-BE49-F238E27FC236}">
+                <a16:creationId xmlns:a16="http://schemas.microsoft.com/office/drawing/2014/main" id="{2179D1B5-7DA0-4010-AC0C-4CD6109EA998}"/>
+              </a:ext>
+            </a:extLst>
+          </p:cNvPr>
+          <p:cNvPicPr>
+            <a:picLocks noChangeAspect="1"/>
+          </p:cNvPicPr>
+          <p:nvPr/>
+        </p:nvPicPr>
+        <p:blipFill>
+          <a:blip r:embed="rId6">
+            <a:extLst>
+              <a:ext uri="{28A0092B-C50C-407E-A947-70E740481C1C}">
+                <a14:useLocalDpi xmlns:a14="http://schemas.microsoft.com/office/drawing/2010/main" val="0"/>
+              </a:ext>
+            </a:extLst>
+          </a:blip>
+          <a:stretch>
+            <a:fillRect/>
+          </a:stretch>
+        </p:blipFill>
+        <p:spPr>
+          <a:xfrm>
+            <a:off x="838200" y="1777888"/>
+            <a:ext cx="4286250" cy="4286250"/>
+          </a:xfrm>
+          <a:prstGeom prst="rect">
+            <a:avLst/>
+          </a:prstGeom>
+        </p:spPr>
+      </p:pic>
+      <p:sp>
+        <p:nvSpPr>
+          <p:cNvPr id="10" name="Content Placeholder 9">
+            <a:extLst>
+              <a:ext uri="{FF2B5EF4-FFF2-40B4-BE49-F238E27FC236}">
+                <a16:creationId xmlns:a16="http://schemas.microsoft.com/office/drawing/2014/main" id="{9F04A7FB-E40B-4BC7-BAE0-674530CE7575}"/>
+              </a:ext>
+            </a:extLst>
+          </p:cNvPr>
+          <p:cNvSpPr>
+            <a:spLocks noGrp="1"/>
+          </p:cNvSpPr>
+          <p:nvPr>
+            <p:ph sz="half" idx="1"/>
+          </p:nvPr>
+        </p:nvSpPr>
+        <p:spPr/>
+        <p:txBody>
+          <a:bodyPr/>
+          <a:lstStyle/>
+          <a:p>
+            <a:endParaRPr lang="en-US" dirty="0"/>
+          </a:p>
+        </p:txBody>
+      </p:sp>
     </p:spTree>
     <p:extLst>
       <p:ext uri="{BB962C8B-B14F-4D97-AF65-F5344CB8AC3E}">

--- a/Whats New in ASP.NET Core 2.0.pptx
+++ b/Whats New in ASP.NET Core 2.0.pptx
@@ -6,17 +6,18 @@
     <p:sldMasterId id="2147483847" r:id="rId2"/>
   </p:sldMasterIdLst>
   <p:notesMasterIdLst>
-    <p:notesMasterId r:id="rId11"/>
+    <p:notesMasterId r:id="rId12"/>
   </p:notesMasterIdLst>
   <p:sldIdLst>
     <p:sldId id="342" r:id="rId3"/>
     <p:sldId id="322" r:id="rId4"/>
     <p:sldId id="344" r:id="rId5"/>
     <p:sldId id="346" r:id="rId6"/>
-    <p:sldId id="345" r:id="rId7"/>
-    <p:sldId id="341" r:id="rId8"/>
-    <p:sldId id="343" r:id="rId9"/>
-    <p:sldId id="320" r:id="rId10"/>
+    <p:sldId id="347" r:id="rId7"/>
+    <p:sldId id="345" r:id="rId8"/>
+    <p:sldId id="341" r:id="rId9"/>
+    <p:sldId id="343" r:id="rId10"/>
+    <p:sldId id="320" r:id="rId11"/>
   </p:sldIdLst>
   <p:sldSz cx="12192000" cy="6858000"/>
   <p:notesSz cx="6858000" cy="9144000"/>
@@ -129,6 +130,7 @@
             <p14:sldId id="322"/>
             <p14:sldId id="344"/>
             <p14:sldId id="346"/>
+            <p14:sldId id="347"/>
             <p14:sldId id="345"/>
             <p14:sldId id="341"/>
             <p14:sldId id="343"/>
@@ -806,6 +808,16 @@
               <a:t> folder</a:t>
             </a:r>
           </a:p>
+          <a:p>
+            <a:pPr marL="171450" indent="-171450">
+              <a:buFontTx/>
+              <a:buChar char="-"/>
+            </a:pPr>
+            <a:r>
+              <a:rPr lang="en-US" dirty="0"/>
+              <a:t>2 factors: View Compilation &amp; Runtime Store</a:t>
+            </a:r>
+          </a:p>
         </p:txBody>
       </p:sp>
       <p:sp>
@@ -1035,7 +1047,37 @@
           <a:bodyPr/>
           <a:lstStyle/>
           <a:p>
-            <a:endParaRPr lang="en-US"/>
+            <a:pPr marL="171450" indent="-171450">
+              <a:buFontTx/>
+              <a:buChar char="-"/>
+            </a:pPr>
+            <a:r>
+              <a:rPr lang="en-US" dirty="0"/>
+              <a:t>.NET Core 2.0 only (no .NET </a:t>
+            </a:r>
+            <a:r>
+              <a:rPr lang="en-US" dirty="0" err="1"/>
+              <a:t>Fx</a:t>
+            </a:r>
+            <a:r>
+              <a:rPr lang="en-US" dirty="0"/>
+              <a:t> support)</a:t>
+            </a:r>
+          </a:p>
+          <a:p>
+            <a:pPr marL="171450" indent="-171450">
+              <a:buFontTx/>
+              <a:buChar char="-"/>
+            </a:pPr>
+            <a:r>
+              <a:rPr lang="en-US" dirty="0"/>
+              <a:t>Package version aligns w/ </a:t>
+            </a:r>
+            <a:r>
+              <a:rPr lang="en-US"/>
+              <a:t>product version</a:t>
+            </a:r>
+            <a:endParaRPr lang="en-US" dirty="0"/>
           </a:p>
         </p:txBody>
       </p:sp>
@@ -1125,7 +1167,7 @@
     </p:spTree>
     <p:extLst>
       <p:ext uri="{BB962C8B-B14F-4D97-AF65-F5344CB8AC3E}">
-        <p14:creationId xmlns:p14="http://schemas.microsoft.com/office/powerpoint/2010/main" val="3309239607"/>
+        <p14:creationId xmlns:p14="http://schemas.microsoft.com/office/powerpoint/2010/main" val="945789481"/>
       </p:ext>
     </p:extLst>
   </p:cSld>
@@ -1179,11 +1221,7 @@
           <a:bodyPr/>
           <a:lstStyle/>
           <a:p>
-            <a:pPr marL="0" indent="0">
-              <a:buFontTx/>
-              <a:buNone/>
-            </a:pPr>
-            <a:endParaRPr lang="en-US" dirty="0"/>
+            <a:endParaRPr lang="en-US"/>
           </a:p>
         </p:txBody>
       </p:sp>
@@ -1273,7 +1311,7 @@
     </p:spTree>
     <p:extLst>
       <p:ext uri="{BB962C8B-B14F-4D97-AF65-F5344CB8AC3E}">
-        <p14:creationId xmlns:p14="http://schemas.microsoft.com/office/powerpoint/2010/main" val="187632969"/>
+        <p14:creationId xmlns:p14="http://schemas.microsoft.com/office/powerpoint/2010/main" val="3309239607"/>
       </p:ext>
     </p:extLst>
   </p:cSld>
@@ -1284,90 +1322,6 @@
 </file>
 
 <file path=ppt/notesSlides/notesSlide7.xml><?xml version="1.0" encoding="utf-8"?>
-<p:notes xmlns:a="http://schemas.openxmlformats.org/drawingml/2006/main" xmlns:r="http://schemas.openxmlformats.org/officeDocument/2006/relationships" xmlns:p="http://schemas.openxmlformats.org/presentationml/2006/main">
-  <p:cSld>
-    <p:spTree>
-      <p:nvGrpSpPr>
-        <p:cNvPr id="1" name=""/>
-        <p:cNvGrpSpPr/>
-        <p:nvPr/>
-      </p:nvGrpSpPr>
-      <p:grpSpPr>
-        <a:xfrm>
-          <a:off x="0" y="0"/>
-          <a:ext cx="0" cy="0"/>
-          <a:chOff x="0" y="0"/>
-          <a:chExt cx="0" cy="0"/>
-        </a:xfrm>
-      </p:grpSpPr>
-      <p:sp>
-        <p:nvSpPr>
-          <p:cNvPr id="2" name="Slide Image Placeholder 1"/>
-          <p:cNvSpPr>
-            <a:spLocks noGrp="1" noRot="1" noChangeAspect="1"/>
-          </p:cNvSpPr>
-          <p:nvPr>
-            <p:ph type="sldImg"/>
-          </p:nvPr>
-        </p:nvSpPr>
-        <p:spPr/>
-      </p:sp>
-      <p:sp>
-        <p:nvSpPr>
-          <p:cNvPr id="3" name="Notes Placeholder 2"/>
-          <p:cNvSpPr>
-            <a:spLocks noGrp="1"/>
-          </p:cNvSpPr>
-          <p:nvPr>
-            <p:ph type="body" idx="1"/>
-          </p:nvPr>
-        </p:nvSpPr>
-        <p:spPr/>
-        <p:txBody>
-          <a:bodyPr/>
-          <a:lstStyle/>
-          <a:p>
-            <a:endParaRPr lang="en-US"/>
-          </a:p>
-        </p:txBody>
-      </p:sp>
-      <p:sp>
-        <p:nvSpPr>
-          <p:cNvPr id="4" name="Slide Number Placeholder 3"/>
-          <p:cNvSpPr>
-            <a:spLocks noGrp="1"/>
-          </p:cNvSpPr>
-          <p:nvPr>
-            <p:ph type="sldNum" sz="quarter" idx="10"/>
-          </p:nvPr>
-        </p:nvSpPr>
-        <p:spPr/>
-        <p:txBody>
-          <a:bodyPr/>
-          <a:lstStyle/>
-          <a:p>
-            <a:fld id="{16A87904-88DE-4022-A424-ACD2E6FC1751}" type="slidenum">
-              <a:rPr lang="en-US" smtClean="0"/>
-              <a:t>7</a:t>
-            </a:fld>
-            <a:endParaRPr lang="en-US"/>
-          </a:p>
-        </p:txBody>
-      </p:sp>
-    </p:spTree>
-    <p:extLst>
-      <p:ext uri="{BB962C8B-B14F-4D97-AF65-F5344CB8AC3E}">
-        <p14:creationId xmlns:p14="http://schemas.microsoft.com/office/powerpoint/2010/main" val="3440875708"/>
-      </p:ext>
-    </p:extLst>
-  </p:cSld>
-  <p:clrMapOvr>
-    <a:masterClrMapping/>
-  </p:clrMapOvr>
-</p:notes>
-</file>
-
-<file path=ppt/notesSlides/notesSlide8.xml><?xml version="1.0" encoding="utf-8"?>
 <p:notes xmlns:a="http://schemas.openxmlformats.org/drawingml/2006/main" xmlns:r="http://schemas.openxmlformats.org/officeDocument/2006/relationships" xmlns:p="http://schemas.openxmlformats.org/presentationml/2006/main">
   <p:cSld>
     <p:spTree>
@@ -1483,7 +1437,239 @@
                 <a:tabLst/>
                 <a:defRPr/>
               </a:pPr>
+              <a:t>7</a:t>
+            </a:fld>
+            <a:endParaRPr kumimoji="0" lang="en-US" sz="1200" b="0" i="0" u="none" strike="noStrike" kern="1200" cap="none" spc="0" normalizeH="0" baseline="0" noProof="0">
+              <a:ln>
+                <a:noFill/>
+              </a:ln>
+              <a:solidFill>
+                <a:prstClr val="black"/>
+              </a:solidFill>
+              <a:effectLst/>
+              <a:uLnTx/>
+              <a:uFillTx/>
+              <a:latin typeface="Calibri" panose="020F0502020204030204"/>
+              <a:ea typeface="+mn-ea"/>
+              <a:cs typeface="+mn-cs"/>
+            </a:endParaRPr>
+          </a:p>
+        </p:txBody>
+      </p:sp>
+    </p:spTree>
+    <p:extLst>
+      <p:ext uri="{BB962C8B-B14F-4D97-AF65-F5344CB8AC3E}">
+        <p14:creationId xmlns:p14="http://schemas.microsoft.com/office/powerpoint/2010/main" val="187632969"/>
+      </p:ext>
+    </p:extLst>
+  </p:cSld>
+  <p:clrMapOvr>
+    <a:masterClrMapping/>
+  </p:clrMapOvr>
+</p:notes>
+</file>
+
+<file path=ppt/notesSlides/notesSlide8.xml><?xml version="1.0" encoding="utf-8"?>
+<p:notes xmlns:a="http://schemas.openxmlformats.org/drawingml/2006/main" xmlns:r="http://schemas.openxmlformats.org/officeDocument/2006/relationships" xmlns:p="http://schemas.openxmlformats.org/presentationml/2006/main">
+  <p:cSld>
+    <p:spTree>
+      <p:nvGrpSpPr>
+        <p:cNvPr id="1" name=""/>
+        <p:cNvGrpSpPr/>
+        <p:nvPr/>
+      </p:nvGrpSpPr>
+      <p:grpSpPr>
+        <a:xfrm>
+          <a:off x="0" y="0"/>
+          <a:ext cx="0" cy="0"/>
+          <a:chOff x="0" y="0"/>
+          <a:chExt cx="0" cy="0"/>
+        </a:xfrm>
+      </p:grpSpPr>
+      <p:sp>
+        <p:nvSpPr>
+          <p:cNvPr id="2" name="Slide Image Placeholder 1"/>
+          <p:cNvSpPr>
+            <a:spLocks noGrp="1" noRot="1" noChangeAspect="1"/>
+          </p:cNvSpPr>
+          <p:nvPr>
+            <p:ph type="sldImg"/>
+          </p:nvPr>
+        </p:nvSpPr>
+        <p:spPr/>
+      </p:sp>
+      <p:sp>
+        <p:nvSpPr>
+          <p:cNvPr id="3" name="Notes Placeholder 2"/>
+          <p:cNvSpPr>
+            <a:spLocks noGrp="1"/>
+          </p:cNvSpPr>
+          <p:nvPr>
+            <p:ph type="body" idx="1"/>
+          </p:nvPr>
+        </p:nvSpPr>
+        <p:spPr/>
+        <p:txBody>
+          <a:bodyPr/>
+          <a:lstStyle/>
+          <a:p>
+            <a:endParaRPr lang="en-US"/>
+          </a:p>
+        </p:txBody>
+      </p:sp>
+      <p:sp>
+        <p:nvSpPr>
+          <p:cNvPr id="4" name="Slide Number Placeholder 3"/>
+          <p:cNvSpPr>
+            <a:spLocks noGrp="1"/>
+          </p:cNvSpPr>
+          <p:nvPr>
+            <p:ph type="sldNum" sz="quarter" idx="10"/>
+          </p:nvPr>
+        </p:nvSpPr>
+        <p:spPr/>
+        <p:txBody>
+          <a:bodyPr/>
+          <a:lstStyle/>
+          <a:p>
+            <a:fld id="{16A87904-88DE-4022-A424-ACD2E6FC1751}" type="slidenum">
+              <a:rPr lang="en-US" smtClean="0"/>
               <a:t>8</a:t>
+            </a:fld>
+            <a:endParaRPr lang="en-US"/>
+          </a:p>
+        </p:txBody>
+      </p:sp>
+    </p:spTree>
+    <p:extLst>
+      <p:ext uri="{BB962C8B-B14F-4D97-AF65-F5344CB8AC3E}">
+        <p14:creationId xmlns:p14="http://schemas.microsoft.com/office/powerpoint/2010/main" val="3440875708"/>
+      </p:ext>
+    </p:extLst>
+  </p:cSld>
+  <p:clrMapOvr>
+    <a:masterClrMapping/>
+  </p:clrMapOvr>
+</p:notes>
+</file>
+
+<file path=ppt/notesSlides/notesSlide9.xml><?xml version="1.0" encoding="utf-8"?>
+<p:notes xmlns:a="http://schemas.openxmlformats.org/drawingml/2006/main" xmlns:r="http://schemas.openxmlformats.org/officeDocument/2006/relationships" xmlns:p="http://schemas.openxmlformats.org/presentationml/2006/main">
+  <p:cSld>
+    <p:spTree>
+      <p:nvGrpSpPr>
+        <p:cNvPr id="1" name=""/>
+        <p:cNvGrpSpPr/>
+        <p:nvPr/>
+      </p:nvGrpSpPr>
+      <p:grpSpPr>
+        <a:xfrm>
+          <a:off x="0" y="0"/>
+          <a:ext cx="0" cy="0"/>
+          <a:chOff x="0" y="0"/>
+          <a:chExt cx="0" cy="0"/>
+        </a:xfrm>
+      </p:grpSpPr>
+      <p:sp>
+        <p:nvSpPr>
+          <p:cNvPr id="2" name="Slide Image Placeholder 1"/>
+          <p:cNvSpPr>
+            <a:spLocks noGrp="1" noRot="1" noChangeAspect="1"/>
+          </p:cNvSpPr>
+          <p:nvPr>
+            <p:ph type="sldImg"/>
+          </p:nvPr>
+        </p:nvSpPr>
+        <p:spPr/>
+      </p:sp>
+      <p:sp>
+        <p:nvSpPr>
+          <p:cNvPr id="3" name="Notes Placeholder 2"/>
+          <p:cNvSpPr>
+            <a:spLocks noGrp="1"/>
+          </p:cNvSpPr>
+          <p:nvPr>
+            <p:ph type="body" idx="1"/>
+          </p:nvPr>
+        </p:nvSpPr>
+        <p:spPr/>
+        <p:txBody>
+          <a:bodyPr/>
+          <a:lstStyle/>
+          <a:p>
+            <a:pPr marL="0" indent="0">
+              <a:buFontTx/>
+              <a:buNone/>
+            </a:pPr>
+            <a:endParaRPr lang="en-US" dirty="0"/>
+          </a:p>
+        </p:txBody>
+      </p:sp>
+      <p:sp>
+        <p:nvSpPr>
+          <p:cNvPr id="4" name="Slide Number Placeholder 3"/>
+          <p:cNvSpPr>
+            <a:spLocks noGrp="1"/>
+          </p:cNvSpPr>
+          <p:nvPr>
+            <p:ph type="sldNum" sz="quarter" idx="10"/>
+          </p:nvPr>
+        </p:nvSpPr>
+        <p:spPr/>
+        <p:txBody>
+          <a:bodyPr/>
+          <a:lstStyle/>
+          <a:p>
+            <a:pPr marL="0" marR="0" lvl="0" indent="0" algn="r" defTabSz="457200" rtl="0" eaLnBrk="1" fontAlgn="auto" latinLnBrk="0" hangingPunct="1">
+              <a:lnSpc>
+                <a:spcPct val="100000"/>
+              </a:lnSpc>
+              <a:spcBef>
+                <a:spcPts val="0"/>
+              </a:spcBef>
+              <a:spcAft>
+                <a:spcPts val="0"/>
+              </a:spcAft>
+              <a:buClrTx/>
+              <a:buSzTx/>
+              <a:buFontTx/>
+              <a:buNone/>
+              <a:tabLst/>
+              <a:defRPr/>
+            </a:pPr>
+            <a:fld id="{16A87904-88DE-4022-A424-ACD2E6FC1751}" type="slidenum">
+              <a:rPr kumimoji="0" lang="en-US" sz="1200" b="0" i="0" u="none" strike="noStrike" kern="1200" cap="none" spc="0" normalizeH="0" baseline="0" noProof="0" smtClean="0">
+                <a:ln>
+                  <a:noFill/>
+                </a:ln>
+                <a:solidFill>
+                  <a:prstClr val="black"/>
+                </a:solidFill>
+                <a:effectLst/>
+                <a:uLnTx/>
+                <a:uFillTx/>
+                <a:latin typeface="Calibri" panose="020F0502020204030204"/>
+                <a:ea typeface="+mn-ea"/>
+                <a:cs typeface="+mn-cs"/>
+              </a:rPr>
+              <a:pPr marL="0" marR="0" lvl="0" indent="0" algn="r" defTabSz="457200" rtl="0" eaLnBrk="1" fontAlgn="auto" latinLnBrk="0" hangingPunct="1">
+                <a:lnSpc>
+                  <a:spcPct val="100000"/>
+                </a:lnSpc>
+                <a:spcBef>
+                  <a:spcPts val="0"/>
+                </a:spcBef>
+                <a:spcAft>
+                  <a:spcPts val="0"/>
+                </a:spcAft>
+                <a:buClrTx/>
+                <a:buSzTx/>
+                <a:buFontTx/>
+                <a:buNone/>
+                <a:tabLst/>
+                <a:defRPr/>
+              </a:pPr>
+              <a:t>9</a:t>
             </a:fld>
             <a:endParaRPr kumimoji="0" lang="en-US" sz="1200" b="0" i="0" u="none" strike="noStrike" kern="1200" cap="none" spc="0" normalizeH="0" baseline="0" noProof="0">
               <a:ln>
@@ -10597,13 +10783,13 @@
           <a:p>
             <a:r>
               <a:rPr lang="en-US" dirty="0"/>
-              <a:t>Project templates</a:t>
+              <a:t>Simplification</a:t>
             </a:r>
           </a:p>
           <a:p>
             <a:r>
               <a:rPr lang="en-US" dirty="0"/>
-              <a:t>Simplification</a:t>
+              <a:t>Publish size reduction</a:t>
             </a:r>
           </a:p>
           <a:p>
@@ -10622,7 +10808,7 @@
           <a:p>
             <a:r>
               <a:rPr lang="en-US" dirty="0"/>
-              <a:t>Reduced publish size</a:t>
+              <a:t>Project templates</a:t>
             </a:r>
           </a:p>
           <a:p>
@@ -10685,7 +10871,7 @@
                                         <p:tgtEl>
                                           <p:spTgt spid="3">
                                             <p:txEl>
-                                              <p:pRg st="0" end="0"/>
+                                              <p:pRg st="4" end="4"/>
                                             </p:txEl>
                                           </p:spTgt>
                                         </p:tgtEl>
@@ -10703,7 +10889,7 @@
                                         <p:tgtEl>
                                           <p:spTgt spid="3">
                                             <p:txEl>
-                                              <p:pRg st="0" end="0"/>
+                                              <p:pRg st="4" end="4"/>
                                             </p:txEl>
                                           </p:spTgt>
                                         </p:tgtEl>
@@ -10807,7 +10993,7 @@
                                         <p:tgtEl>
                                           <p:spTgt spid="3">
                                             <p:txEl>
-                                              <p:pRg st="2" end="2"/>
+                                              <p:pRg st="0" end="0"/>
                                             </p:txEl>
                                           </p:spTgt>
                                         </p:tgtEl>
@@ -10825,7 +11011,7 @@
                                         <p:tgtEl>
                                           <p:spTgt spid="3">
                                             <p:txEl>
-                                              <p:pRg st="2" end="2"/>
+                                              <p:pRg st="0" end="0"/>
                                             </p:txEl>
                                           </p:spTgt>
                                         </p:tgtEl>
@@ -10929,7 +11115,7 @@
                                         <p:tgtEl>
                                           <p:spTgt spid="3">
                                             <p:txEl>
-                                              <p:pRg st="4" end="4"/>
+                                              <p:pRg st="2" end="2"/>
                                             </p:txEl>
                                           </p:spTgt>
                                         </p:tgtEl>
@@ -10947,7 +11133,7 @@
                                         <p:tgtEl>
                                           <p:spTgt spid="3">
                                             <p:txEl>
-                                              <p:pRg st="4" end="4"/>
+                                              <p:pRg st="2" end="2"/>
                                             </p:txEl>
                                           </p:spTgt>
                                         </p:tgtEl>
@@ -11181,6 +11367,15 @@
         <p:blipFill>
           <a:blip r:embed="rId3">
             <a:extLst>
+              <a:ext uri="{BEBA8EAE-BF5A-486C-A8C5-ECC9F3942E4B}">
+                <a14:imgProps xmlns:a14="http://schemas.microsoft.com/office/drawing/2010/main">
+                  <a14:imgLayer r:embed="rId4">
+                    <a14:imgEffect>
+                      <a14:artisticChalkSketch/>
+                    </a14:imgEffect>
+                  </a14:imgLayer>
+                </a14:imgProps>
+              </a:ext>
               <a:ext uri="{28A0092B-C50C-407E-A947-70E740481C1C}">
                 <a14:useLocalDpi xmlns:a14="http://schemas.microsoft.com/office/drawing/2010/main" val="0"/>
               </a:ext>
@@ -13113,6 +13308,777 @@
           <a:lstStyle/>
           <a:p>
             <a:r>
+              <a:rPr lang="en-US" dirty="0" err="1"/>
+              <a:t>Metapackage</a:t>
+            </a:r>
+            <a:endParaRPr lang="en-US" dirty="0"/>
+          </a:p>
+        </p:txBody>
+      </p:sp>
+      <p:sp>
+        <p:nvSpPr>
+          <p:cNvPr id="4" name="Content Placeholder 3">
+            <a:extLst>
+              <a:ext uri="{FF2B5EF4-FFF2-40B4-BE49-F238E27FC236}">
+                <a16:creationId xmlns:a16="http://schemas.microsoft.com/office/drawing/2014/main" id="{5047F788-AF1A-4ED1-AD0A-5BD1321974EF}"/>
+              </a:ext>
+            </a:extLst>
+          </p:cNvPr>
+          <p:cNvSpPr>
+            <a:spLocks noGrp="1"/>
+          </p:cNvSpPr>
+          <p:nvPr>
+            <p:ph idx="1"/>
+          </p:nvPr>
+        </p:nvSpPr>
+        <p:spPr/>
+        <p:txBody>
+          <a:bodyPr>
+            <a:normAutofit/>
+          </a:bodyPr>
+          <a:lstStyle/>
+          <a:p>
+            <a:pPr marL="0" indent="0">
+              <a:buNone/>
+            </a:pPr>
+            <a:endParaRPr lang="en-US" sz="2000" dirty="0">
+              <a:solidFill>
+                <a:srgbClr val="569CD6"/>
+              </a:solidFill>
+              <a:latin typeface="Consolas" panose="020B0609020204030204" pitchFamily="49" charset="0"/>
+            </a:endParaRPr>
+          </a:p>
+          <a:p>
+            <a:pPr marL="0" indent="0">
+              <a:buNone/>
+            </a:pPr>
+            <a:endParaRPr lang="en-US" sz="2000" dirty="0">
+              <a:solidFill>
+                <a:srgbClr val="569CD6"/>
+              </a:solidFill>
+              <a:latin typeface="Consolas" panose="020B0609020204030204" pitchFamily="49" charset="0"/>
+            </a:endParaRPr>
+          </a:p>
+          <a:p>
+            <a:pPr marL="0" indent="0">
+              <a:buNone/>
+            </a:pPr>
+            <a:endParaRPr lang="en-US" sz="2000" dirty="0">
+              <a:solidFill>
+                <a:srgbClr val="569CD6"/>
+              </a:solidFill>
+              <a:latin typeface="Consolas" panose="020B0609020204030204" pitchFamily="49" charset="0"/>
+            </a:endParaRPr>
+          </a:p>
+          <a:p>
+            <a:pPr marL="0" indent="0">
+              <a:buNone/>
+            </a:pPr>
+            <a:endParaRPr lang="en-US" sz="2000" dirty="0"/>
+          </a:p>
+          <a:p>
+            <a:pPr marL="0" indent="0">
+              <a:buNone/>
+            </a:pPr>
+            <a:endParaRPr lang="en-US" sz="2000" dirty="0"/>
+          </a:p>
+        </p:txBody>
+      </p:sp>
+      <p:graphicFrame>
+        <p:nvGraphicFramePr>
+          <p:cNvPr id="7" name="Table 6">
+            <a:extLst>
+              <a:ext uri="{FF2B5EF4-FFF2-40B4-BE49-F238E27FC236}">
+                <a16:creationId xmlns:a16="http://schemas.microsoft.com/office/drawing/2014/main" id="{D4EC7F52-7DC9-448B-85DB-5E1C4DDC9EC6}"/>
+              </a:ext>
+            </a:extLst>
+          </p:cNvPr>
+          <p:cNvGraphicFramePr>
+            <a:graphicFrameLocks noGrp="1"/>
+          </p:cNvGraphicFramePr>
+          <p:nvPr>
+            <p:extLst>
+              <p:ext uri="{D42A27DB-BD31-4B8C-83A1-F6EECF244321}">
+                <p14:modId xmlns:p14="http://schemas.microsoft.com/office/powerpoint/2010/main" val="4251254320"/>
+              </p:ext>
+            </p:extLst>
+          </p:nvPr>
+        </p:nvGraphicFramePr>
+        <p:xfrm>
+          <a:off x="937490" y="2211476"/>
+          <a:ext cx="10416310" cy="1615440"/>
+        </p:xfrm>
+        <a:graphic>
+          <a:graphicData uri="http://schemas.openxmlformats.org/drawingml/2006/table">
+            <a:tbl>
+              <a:tblPr firstRow="1" bandRow="1">
+                <a:tableStyleId>{5C22544A-7EE6-4342-B048-85BDC9FD1C3A}</a:tableStyleId>
+              </a:tblPr>
+              <a:tblGrid>
+                <a:gridCol w="10416310">
+                  <a:extLst>
+                    <a:ext uri="{9D8B030D-6E8A-4147-A177-3AD203B41FA5}">
+                      <a16:colId xmlns:a16="http://schemas.microsoft.com/office/drawing/2014/main" val="1057070397"/>
+                    </a:ext>
+                  </a:extLst>
+                </a:gridCol>
+              </a:tblGrid>
+              <a:tr h="584446">
+                <a:tc>
+                  <a:txBody>
+                    <a:bodyPr/>
+                    <a:lstStyle/>
+                    <a:p>
+                      <a:pPr marL="0" indent="0">
+                        <a:buNone/>
+                      </a:pPr>
+                      <a:r>
+                        <a:rPr lang="en-US" sz="2000" dirty="0">
+                          <a:solidFill>
+                            <a:srgbClr val="569CD6"/>
+                          </a:solidFill>
+                          <a:latin typeface="Consolas" panose="020B0609020204030204" pitchFamily="49" charset="0"/>
+                        </a:rPr>
+                        <a:t>&lt;</a:t>
+                      </a:r>
+                      <a:r>
+                        <a:rPr lang="en-US" sz="2000" dirty="0" err="1">
+                          <a:solidFill>
+                            <a:srgbClr val="569CD6"/>
+                          </a:solidFill>
+                          <a:latin typeface="Consolas" panose="020B0609020204030204" pitchFamily="49" charset="0"/>
+                        </a:rPr>
+                        <a:t>ItemGroup</a:t>
+                      </a:r>
+                      <a:r>
+                        <a:rPr lang="en-US" sz="2000" dirty="0">
+                          <a:solidFill>
+                            <a:srgbClr val="569CD6"/>
+                          </a:solidFill>
+                          <a:latin typeface="Consolas" panose="020B0609020204030204" pitchFamily="49" charset="0"/>
+                        </a:rPr>
+                        <a:t>&gt;</a:t>
+                      </a:r>
+                      <a:endParaRPr lang="en-US" sz="2000" dirty="0">
+                        <a:solidFill>
+                          <a:srgbClr val="FAFCFE"/>
+                        </a:solidFill>
+                        <a:latin typeface="Consolas" panose="020B0609020204030204" pitchFamily="49" charset="0"/>
+                      </a:endParaRPr>
+                    </a:p>
+                    <a:p>
+                      <a:pPr marL="0" indent="0">
+                        <a:buNone/>
+                      </a:pPr>
+                      <a:r>
+                        <a:rPr lang="en-US" sz="2000" dirty="0">
+                          <a:solidFill>
+                            <a:srgbClr val="569CD6"/>
+                          </a:solidFill>
+                          <a:latin typeface="Consolas" panose="020B0609020204030204" pitchFamily="49" charset="0"/>
+                        </a:rPr>
+                        <a:t>  &lt;</a:t>
+                      </a:r>
+                      <a:r>
+                        <a:rPr lang="en-US" sz="2000" dirty="0" err="1">
+                          <a:solidFill>
+                            <a:srgbClr val="569CD6"/>
+                          </a:solidFill>
+                          <a:latin typeface="Consolas" panose="020B0609020204030204" pitchFamily="49" charset="0"/>
+                        </a:rPr>
+                        <a:t>PackageReference</a:t>
+                      </a:r>
+                      <a:r>
+                        <a:rPr lang="en-US" sz="2000" dirty="0">
+                          <a:solidFill>
+                            <a:srgbClr val="569CD6"/>
+                          </a:solidFill>
+                          <a:latin typeface="Consolas" panose="020B0609020204030204" pitchFamily="49" charset="0"/>
+                        </a:rPr>
+                        <a:t> </a:t>
+                      </a:r>
+                    </a:p>
+                    <a:p>
+                      <a:pPr marL="0" indent="0">
+                        <a:buNone/>
+                      </a:pPr>
+                      <a:r>
+                        <a:rPr lang="en-US" sz="2000" dirty="0">
+                          <a:solidFill>
+                            <a:srgbClr val="569CD6"/>
+                          </a:solidFill>
+                          <a:latin typeface="Consolas" panose="020B0609020204030204" pitchFamily="49" charset="0"/>
+                        </a:rPr>
+                        <a:t>       </a:t>
+                      </a:r>
+                      <a:r>
+                        <a:rPr lang="en-US" sz="2000" dirty="0">
+                          <a:solidFill>
+                            <a:srgbClr val="9CDCFE"/>
+                          </a:solidFill>
+                          <a:latin typeface="Consolas" panose="020B0609020204030204" pitchFamily="49" charset="0"/>
+                        </a:rPr>
+                        <a:t>Include</a:t>
+                      </a:r>
+                      <a:r>
+                        <a:rPr lang="en-US" sz="2000" dirty="0">
+                          <a:solidFill>
+                            <a:srgbClr val="569CD6"/>
+                          </a:solidFill>
+                          <a:latin typeface="Consolas" panose="020B0609020204030204" pitchFamily="49" charset="0"/>
+                        </a:rPr>
+                        <a:t>=</a:t>
+                      </a:r>
+                      <a:r>
+                        <a:rPr lang="en-US" sz="2000" dirty="0">
+                          <a:solidFill>
+                            <a:srgbClr val="CE9178"/>
+                          </a:solidFill>
+                          <a:latin typeface="Consolas" panose="020B0609020204030204" pitchFamily="49" charset="0"/>
+                        </a:rPr>
+                        <a:t>"</a:t>
+                      </a:r>
+                      <a:r>
+                        <a:rPr lang="en-US" sz="2000" dirty="0" err="1">
+                          <a:solidFill>
+                            <a:srgbClr val="CE9178"/>
+                          </a:solidFill>
+                          <a:latin typeface="Consolas" panose="020B0609020204030204" pitchFamily="49" charset="0"/>
+                        </a:rPr>
+                        <a:t>Microsoft.AspNetCore.All</a:t>
+                      </a:r>
+                      <a:r>
+                        <a:rPr lang="en-US" sz="2000" dirty="0">
+                          <a:solidFill>
+                            <a:srgbClr val="CE9178"/>
+                          </a:solidFill>
+                          <a:latin typeface="Consolas" panose="020B0609020204030204" pitchFamily="49" charset="0"/>
+                        </a:rPr>
+                        <a:t>"</a:t>
+                      </a:r>
+                    </a:p>
+                    <a:p>
+                      <a:pPr marL="0" indent="0">
+                        <a:buNone/>
+                      </a:pPr>
+                      <a:r>
+                        <a:rPr lang="en-US" sz="2000" dirty="0">
+                          <a:solidFill>
+                            <a:srgbClr val="CE9178"/>
+                          </a:solidFill>
+                          <a:latin typeface="Consolas" panose="020B0609020204030204" pitchFamily="49" charset="0"/>
+                        </a:rPr>
+                        <a:t>       </a:t>
+                      </a:r>
+                      <a:r>
+                        <a:rPr lang="en-US" sz="2000" dirty="0">
+                          <a:solidFill>
+                            <a:srgbClr val="9CDCFE"/>
+                          </a:solidFill>
+                          <a:latin typeface="Consolas" panose="020B0609020204030204" pitchFamily="49" charset="0"/>
+                        </a:rPr>
+                        <a:t>Version</a:t>
+                      </a:r>
+                      <a:r>
+                        <a:rPr lang="en-US" sz="2000" dirty="0">
+                          <a:solidFill>
+                            <a:srgbClr val="569CD6"/>
+                          </a:solidFill>
+                          <a:latin typeface="Consolas" panose="020B0609020204030204" pitchFamily="49" charset="0"/>
+                        </a:rPr>
+                        <a:t>=</a:t>
+                      </a:r>
+                      <a:r>
+                        <a:rPr lang="en-US" sz="2000" dirty="0">
+                          <a:solidFill>
+                            <a:srgbClr val="CE9178"/>
+                          </a:solidFill>
+                          <a:latin typeface="Consolas" panose="020B0609020204030204" pitchFamily="49" charset="0"/>
+                        </a:rPr>
+                        <a:t>"2.0.0" </a:t>
+                      </a:r>
+                      <a:r>
+                        <a:rPr lang="en-US" sz="2000" dirty="0">
+                          <a:solidFill>
+                            <a:srgbClr val="569CD6"/>
+                          </a:solidFill>
+                          <a:latin typeface="Consolas" panose="020B0609020204030204" pitchFamily="49" charset="0"/>
+                        </a:rPr>
+                        <a:t>/&gt;</a:t>
+                      </a:r>
+                    </a:p>
+                    <a:p>
+                      <a:pPr marL="0" indent="0">
+                        <a:buNone/>
+                      </a:pPr>
+                      <a:r>
+                        <a:rPr lang="en-US" sz="2000" dirty="0">
+                          <a:solidFill>
+                            <a:srgbClr val="569CD6"/>
+                          </a:solidFill>
+                          <a:latin typeface="Consolas" panose="020B0609020204030204" pitchFamily="49" charset="0"/>
+                        </a:rPr>
+                        <a:t>&lt;/</a:t>
+                      </a:r>
+                      <a:r>
+                        <a:rPr lang="en-US" sz="2000" dirty="0" err="1">
+                          <a:solidFill>
+                            <a:srgbClr val="569CD6"/>
+                          </a:solidFill>
+                          <a:latin typeface="Consolas" panose="020B0609020204030204" pitchFamily="49" charset="0"/>
+                        </a:rPr>
+                        <a:t>ItemGroup</a:t>
+                      </a:r>
+                      <a:r>
+                        <a:rPr lang="en-US" sz="2000" dirty="0">
+                          <a:solidFill>
+                            <a:srgbClr val="569CD6"/>
+                          </a:solidFill>
+                          <a:latin typeface="Consolas" panose="020B0609020204030204" pitchFamily="49" charset="0"/>
+                        </a:rPr>
+                        <a:t>&gt;</a:t>
+                      </a:r>
+                      <a:endParaRPr lang="en-US" sz="2000" dirty="0">
+                        <a:solidFill>
+                          <a:srgbClr val="000000"/>
+                        </a:solidFill>
+                        <a:latin typeface="Consolas" panose="020B0609020204030204" pitchFamily="49" charset="0"/>
+                      </a:endParaRPr>
+                    </a:p>
+                  </a:txBody>
+                  <a:tcPr>
+                    <a:lnL w="12700" cap="flat" cmpd="sng" algn="ctr">
+                      <a:noFill/>
+                      <a:prstDash val="solid"/>
+                      <a:round/>
+                      <a:headEnd type="none" w="med" len="med"/>
+                      <a:tailEnd type="none" w="med" len="med"/>
+                    </a:lnL>
+                    <a:lnR w="12700" cap="flat" cmpd="sng" algn="ctr">
+                      <a:noFill/>
+                      <a:prstDash val="solid"/>
+                      <a:round/>
+                      <a:headEnd type="none" w="med" len="med"/>
+                      <a:tailEnd type="none" w="med" len="med"/>
+                    </a:lnR>
+                    <a:lnT w="12700" cap="flat" cmpd="sng" algn="ctr">
+                      <a:noFill/>
+                      <a:prstDash val="solid"/>
+                      <a:round/>
+                      <a:headEnd type="none" w="med" len="med"/>
+                      <a:tailEnd type="none" w="med" len="med"/>
+                    </a:lnT>
+                    <a:lnB w="12700" cap="flat" cmpd="sng" algn="ctr">
+                      <a:noFill/>
+                      <a:prstDash val="solid"/>
+                      <a:round/>
+                      <a:headEnd type="none" w="med" len="med"/>
+                      <a:tailEnd type="none" w="med" len="med"/>
+                    </a:lnB>
+                    <a:solidFill>
+                      <a:schemeClr val="tx1"/>
+                    </a:solidFill>
+                  </a:tcPr>
+                </a:tc>
+                <a:extLst>
+                  <a:ext uri="{0D108BD9-81ED-4DB2-BD59-A6C34878D82A}">
+                    <a16:rowId xmlns:a16="http://schemas.microsoft.com/office/drawing/2014/main" val="3473222697"/>
+                  </a:ext>
+                </a:extLst>
+              </a:tr>
+            </a:tbl>
+          </a:graphicData>
+        </a:graphic>
+      </p:graphicFrame>
+      <p:sp>
+        <p:nvSpPr>
+          <p:cNvPr id="8" name="Rectangle 7">
+            <a:extLst>
+              <a:ext uri="{FF2B5EF4-FFF2-40B4-BE49-F238E27FC236}">
+                <a16:creationId xmlns:a16="http://schemas.microsoft.com/office/drawing/2014/main" id="{32EE0222-9DF9-496C-B082-C5D30FC330F3}"/>
+              </a:ext>
+            </a:extLst>
+          </p:cNvPr>
+          <p:cNvSpPr/>
+          <p:nvPr/>
+        </p:nvSpPr>
+        <p:spPr>
+          <a:xfrm>
+            <a:off x="950278" y="1764907"/>
+            <a:ext cx="2900800" cy="446567"/>
+          </a:xfrm>
+          <a:prstGeom prst="rect">
+            <a:avLst/>
+          </a:prstGeom>
+          <a:ln w="57150">
+            <a:solidFill>
+              <a:schemeClr val="accent1">
+                <a:lumMod val="50000"/>
+              </a:schemeClr>
+            </a:solidFill>
+          </a:ln>
+        </p:spPr>
+        <p:style>
+          <a:lnRef idx="1">
+            <a:schemeClr val="accent1"/>
+          </a:lnRef>
+          <a:fillRef idx="2">
+            <a:schemeClr val="accent1"/>
+          </a:fillRef>
+          <a:effectRef idx="1">
+            <a:schemeClr val="accent1"/>
+          </a:effectRef>
+          <a:fontRef idx="minor">
+            <a:schemeClr val="dk1"/>
+          </a:fontRef>
+        </p:style>
+        <p:txBody>
+          <a:bodyPr rtlCol="0" anchor="ctr"/>
+          <a:lstStyle/>
+          <a:p>
+            <a:pPr marL="0" marR="0" lvl="0" indent="0" algn="ctr" defTabSz="457200" rtl="0" eaLnBrk="1" fontAlgn="auto" latinLnBrk="0" hangingPunct="1">
+              <a:lnSpc>
+                <a:spcPct val="100000"/>
+              </a:lnSpc>
+              <a:spcBef>
+                <a:spcPts val="0"/>
+              </a:spcBef>
+              <a:spcAft>
+                <a:spcPts val="0"/>
+              </a:spcAft>
+              <a:buClrTx/>
+              <a:buSzTx/>
+              <a:buFontTx/>
+              <a:buNone/>
+              <a:tabLst/>
+              <a:defRPr/>
+            </a:pPr>
+            <a:r>
+              <a:rPr kumimoji="0" lang="en-US" sz="1800" b="1" i="0" u="none" strike="noStrike" kern="1200" cap="none" spc="0" normalizeH="0" baseline="0" noProof="0" dirty="0">
+                <a:ln>
+                  <a:noFill/>
+                </a:ln>
+                <a:solidFill>
+                  <a:prstClr val="black"/>
+                </a:solidFill>
+                <a:effectLst/>
+                <a:uLnTx/>
+                <a:uFillTx/>
+                <a:latin typeface="Segoe UI Light"/>
+                <a:ea typeface="+mn-ea"/>
+                <a:cs typeface="+mn-cs"/>
+              </a:rPr>
+              <a:t>2xCoreApp.csproj</a:t>
+            </a:r>
+          </a:p>
+        </p:txBody>
+      </p:sp>
+      <p:pic>
+        <p:nvPicPr>
+          <p:cNvPr id="12" name="Picture 11">
+            <a:extLst>
+              <a:ext uri="{FF2B5EF4-FFF2-40B4-BE49-F238E27FC236}">
+                <a16:creationId xmlns:a16="http://schemas.microsoft.com/office/drawing/2014/main" id="{D7583CE9-E7BC-4895-B85B-B9E55E78BAB2}"/>
+              </a:ext>
+            </a:extLst>
+          </p:cNvPr>
+          <p:cNvPicPr>
+            <a:picLocks noChangeAspect="1"/>
+          </p:cNvPicPr>
+          <p:nvPr/>
+        </p:nvPicPr>
+        <p:blipFill>
+          <a:blip r:embed="rId3">
+            <a:extLst>
+              <a:ext uri="{28A0092B-C50C-407E-A947-70E740481C1C}">
+                <a14:useLocalDpi xmlns:a14="http://schemas.microsoft.com/office/drawing/2010/main" val="0"/>
+              </a:ext>
+            </a:extLst>
+          </a:blip>
+          <a:stretch>
+            <a:fillRect/>
+          </a:stretch>
+        </p:blipFill>
+        <p:spPr>
+          <a:xfrm>
+            <a:off x="7057046" y="1690688"/>
+            <a:ext cx="4389782" cy="3695778"/>
+          </a:xfrm>
+          <a:prstGeom prst="rect">
+            <a:avLst/>
+          </a:prstGeom>
+          <a:ln w="57150">
+            <a:solidFill>
+              <a:schemeClr val="accent1">
+                <a:lumMod val="50000"/>
+              </a:schemeClr>
+            </a:solidFill>
+          </a:ln>
+          <a:effectLst>
+            <a:outerShdw blurRad="50800" dist="38100" dir="8100000" algn="tr" rotWithShape="0">
+              <a:prstClr val="black">
+                <a:alpha val="40000"/>
+              </a:prstClr>
+            </a:outerShdw>
+          </a:effectLst>
+        </p:spPr>
+      </p:pic>
+    </p:spTree>
+    <p:extLst>
+      <p:ext uri="{BB962C8B-B14F-4D97-AF65-F5344CB8AC3E}">
+        <p14:creationId xmlns:p14="http://schemas.microsoft.com/office/powerpoint/2010/main" val="3790855835"/>
+      </p:ext>
+    </p:extLst>
+  </p:cSld>
+  <p:clrMapOvr>
+    <a:masterClrMapping/>
+  </p:clrMapOvr>
+  <p:timing>
+    <p:tnLst>
+      <p:par>
+        <p:cTn id="1" dur="indefinite" restart="never" nodeType="tmRoot">
+          <p:childTnLst>
+            <p:seq concurrent="1" nextAc="seek">
+              <p:cTn id="2" dur="indefinite" nodeType="mainSeq">
+                <p:childTnLst>
+                  <p:par>
+                    <p:cTn id="3" fill="hold">
+                      <p:stCondLst>
+                        <p:cond delay="indefinite"/>
+                      </p:stCondLst>
+                      <p:childTnLst>
+                        <p:par>
+                          <p:cTn id="4" fill="hold">
+                            <p:stCondLst>
+                              <p:cond delay="0"/>
+                            </p:stCondLst>
+                            <p:childTnLst>
+                              <p:par>
+                                <p:cTn id="5" presetID="1" presetClass="entr" presetSubtype="0" fill="hold" nodeType="clickEffect">
+                                  <p:stCondLst>
+                                    <p:cond delay="0"/>
+                                  </p:stCondLst>
+                                  <p:childTnLst>
+                                    <p:set>
+                                      <p:cBhvr>
+                                        <p:cTn id="6" dur="1" fill="hold">
+                                          <p:stCondLst>
+                                            <p:cond delay="0"/>
+                                          </p:stCondLst>
+                                        </p:cTn>
+                                        <p:tgtEl>
+                                          <p:spTgt spid="7"/>
+                                        </p:tgtEl>
+                                        <p:attrNameLst>
+                                          <p:attrName>style.visibility</p:attrName>
+                                        </p:attrNameLst>
+                                      </p:cBhvr>
+                                      <p:to>
+                                        <p:strVal val="visible"/>
+                                      </p:to>
+                                    </p:set>
+                                  </p:childTnLst>
+                                </p:cTn>
+                              </p:par>
+                              <p:par>
+                                <p:cTn id="7" presetID="1" presetClass="entr" presetSubtype="0" fill="hold" grpId="0" nodeType="withEffect">
+                                  <p:stCondLst>
+                                    <p:cond delay="0"/>
+                                  </p:stCondLst>
+                                  <p:childTnLst>
+                                    <p:set>
+                                      <p:cBhvr>
+                                        <p:cTn id="8" dur="1" fill="hold">
+                                          <p:stCondLst>
+                                            <p:cond delay="0"/>
+                                          </p:stCondLst>
+                                        </p:cTn>
+                                        <p:tgtEl>
+                                          <p:spTgt spid="8"/>
+                                        </p:tgtEl>
+                                        <p:attrNameLst>
+                                          <p:attrName>style.visibility</p:attrName>
+                                        </p:attrNameLst>
+                                      </p:cBhvr>
+                                      <p:to>
+                                        <p:strVal val="visible"/>
+                                      </p:to>
+                                    </p:set>
+                                  </p:childTnLst>
+                                </p:cTn>
+                              </p:par>
+                            </p:childTnLst>
+                          </p:cTn>
+                        </p:par>
+                      </p:childTnLst>
+                    </p:cTn>
+                  </p:par>
+                  <p:par>
+                    <p:cTn id="9" fill="hold">
+                      <p:stCondLst>
+                        <p:cond delay="indefinite"/>
+                      </p:stCondLst>
+                      <p:childTnLst>
+                        <p:par>
+                          <p:cTn id="10" fill="hold">
+                            <p:stCondLst>
+                              <p:cond delay="0"/>
+                            </p:stCondLst>
+                            <p:childTnLst>
+                              <p:par>
+                                <p:cTn id="11" presetID="2" presetClass="entr" presetSubtype="4" fill="hold" nodeType="clickEffect">
+                                  <p:stCondLst>
+                                    <p:cond delay="0"/>
+                                  </p:stCondLst>
+                                  <p:childTnLst>
+                                    <p:set>
+                                      <p:cBhvr>
+                                        <p:cTn id="12" dur="1" fill="hold">
+                                          <p:stCondLst>
+                                            <p:cond delay="0"/>
+                                          </p:stCondLst>
+                                        </p:cTn>
+                                        <p:tgtEl>
+                                          <p:spTgt spid="12"/>
+                                        </p:tgtEl>
+                                        <p:attrNameLst>
+                                          <p:attrName>style.visibility</p:attrName>
+                                        </p:attrNameLst>
+                                      </p:cBhvr>
+                                      <p:to>
+                                        <p:strVal val="visible"/>
+                                      </p:to>
+                                    </p:set>
+                                    <p:anim calcmode="lin" valueType="num">
+                                      <p:cBhvr additive="base">
+                                        <p:cTn id="13" dur="500" fill="hold"/>
+                                        <p:tgtEl>
+                                          <p:spTgt spid="12"/>
+                                        </p:tgtEl>
+                                        <p:attrNameLst>
+                                          <p:attrName>ppt_x</p:attrName>
+                                        </p:attrNameLst>
+                                      </p:cBhvr>
+                                      <p:tavLst>
+                                        <p:tav tm="0">
+                                          <p:val>
+                                            <p:strVal val="#ppt_x"/>
+                                          </p:val>
+                                        </p:tav>
+                                        <p:tav tm="100000">
+                                          <p:val>
+                                            <p:strVal val="#ppt_x"/>
+                                          </p:val>
+                                        </p:tav>
+                                      </p:tavLst>
+                                    </p:anim>
+                                    <p:anim calcmode="lin" valueType="num">
+                                      <p:cBhvr additive="base">
+                                        <p:cTn id="14" dur="500" fill="hold"/>
+                                        <p:tgtEl>
+                                          <p:spTgt spid="12"/>
+                                        </p:tgtEl>
+                                        <p:attrNameLst>
+                                          <p:attrName>ppt_y</p:attrName>
+                                        </p:attrNameLst>
+                                      </p:cBhvr>
+                                      <p:tavLst>
+                                        <p:tav tm="0">
+                                          <p:val>
+                                            <p:strVal val="1+#ppt_h/2"/>
+                                          </p:val>
+                                        </p:tav>
+                                        <p:tav tm="100000">
+                                          <p:val>
+                                            <p:strVal val="#ppt_y"/>
+                                          </p:val>
+                                        </p:tav>
+                                      </p:tavLst>
+                                    </p:anim>
+                                  </p:childTnLst>
+                                </p:cTn>
+                              </p:par>
+                            </p:childTnLst>
+                          </p:cTn>
+                        </p:par>
+                      </p:childTnLst>
+                    </p:cTn>
+                  </p:par>
+                </p:childTnLst>
+              </p:cTn>
+              <p:prevCondLst>
+                <p:cond evt="onPrev" delay="0">
+                  <p:tgtEl>
+                    <p:sldTgt/>
+                  </p:tgtEl>
+                </p:cond>
+              </p:prevCondLst>
+              <p:nextCondLst>
+                <p:cond evt="onNext" delay="0">
+                  <p:tgtEl>
+                    <p:sldTgt/>
+                  </p:tgtEl>
+                </p:cond>
+              </p:nextCondLst>
+            </p:seq>
+          </p:childTnLst>
+        </p:cTn>
+      </p:par>
+    </p:tnLst>
+    <p:bldLst>
+      <p:bldP spid="8" grpId="0" animBg="1"/>
+    </p:bldLst>
+  </p:timing>
+</p:sld>
+</file>
+
+<file path=ppt/slides/slide6.xml><?xml version="1.0" encoding="utf-8"?>
+<p:sld xmlns:a="http://schemas.openxmlformats.org/drawingml/2006/main" xmlns:r="http://schemas.openxmlformats.org/officeDocument/2006/relationships" xmlns:p="http://schemas.openxmlformats.org/presentationml/2006/main">
+  <p:cSld>
+    <p:bg>
+      <p:bgPr>
+        <a:solidFill>
+          <a:srgbClr val="505050"/>
+        </a:solidFill>
+        <a:effectLst/>
+      </p:bgPr>
+    </p:bg>
+    <p:spTree>
+      <p:nvGrpSpPr>
+        <p:cNvPr id="1" name=""/>
+        <p:cNvGrpSpPr/>
+        <p:nvPr/>
+      </p:nvGrpSpPr>
+      <p:grpSpPr>
+        <a:xfrm>
+          <a:off x="0" y="0"/>
+          <a:ext cx="0" cy="0"/>
+          <a:chOff x="0" y="0"/>
+          <a:chExt cx="0" cy="0"/>
+        </a:xfrm>
+      </p:grpSpPr>
+      <p:sp>
+        <p:nvSpPr>
+          <p:cNvPr id="2" name="Title 1">
+            <a:extLst>
+              <a:ext uri="{FF2B5EF4-FFF2-40B4-BE49-F238E27FC236}">
+                <a16:creationId xmlns:a16="http://schemas.microsoft.com/office/drawing/2014/main" id="{C48B19C0-26D2-4677-B051-DAA4927C88D9}"/>
+              </a:ext>
+            </a:extLst>
+          </p:cNvPr>
+          <p:cNvSpPr>
+            <a:spLocks noGrp="1"/>
+          </p:cNvSpPr>
+          <p:nvPr>
+            <p:ph type="title"/>
+          </p:nvPr>
+        </p:nvSpPr>
+        <p:spPr/>
+        <p:txBody>
+          <a:bodyPr/>
+          <a:lstStyle/>
+          <a:p>
+            <a:r>
               <a:rPr lang="en-US" dirty="0"/>
               <a:t>Runtime store</a:t>
             </a:r>
@@ -13182,7 +14148,7 @@
 </p:sld>
 </file>
 
-<file path=ppt/slides/slide6.xml><?xml version="1.0" encoding="utf-8"?>
+<file path=ppt/slides/slide7.xml><?xml version="1.0" encoding="utf-8"?>
 <p:sld xmlns:a="http://schemas.openxmlformats.org/drawingml/2006/main" xmlns:r="http://schemas.openxmlformats.org/officeDocument/2006/relationships" xmlns:p="http://schemas.openxmlformats.org/presentationml/2006/main">
   <p:cSld>
     <p:bg>
@@ -13417,7 +14383,7 @@
 </p:sld>
 </file>
 
-<file path=ppt/slides/slide7.xml><?xml version="1.0" encoding="utf-8"?>
+<file path=ppt/slides/slide8.xml><?xml version="1.0" encoding="utf-8"?>
 <p:sld xmlns:a="http://schemas.openxmlformats.org/drawingml/2006/main" xmlns:r="http://schemas.openxmlformats.org/officeDocument/2006/relationships" xmlns:p="http://schemas.openxmlformats.org/presentationml/2006/main">
   <p:cSld>
     <p:bg>
@@ -13671,7 +14637,7 @@
 </p:sld>
 </file>
 
-<file path=ppt/slides/slide8.xml><?xml version="1.0" encoding="utf-8"?>
+<file path=ppt/slides/slide9.xml><?xml version="1.0" encoding="utf-8"?>
 <p:sld xmlns:a="http://schemas.openxmlformats.org/drawingml/2006/main" xmlns:r="http://schemas.openxmlformats.org/officeDocument/2006/relationships" xmlns:p="http://schemas.openxmlformats.org/presentationml/2006/main">
   <p:cSld>
     <p:bg>

--- a/Whats New in ASP.NET Core 2.0.pptx
+++ b/Whats New in ASP.NET Core 2.0.pptx
@@ -14380,6 +14380,286 @@
   <p:clrMapOvr>
     <a:masterClrMapping/>
   </p:clrMapOvr>
+  <p:timing>
+    <p:tnLst>
+      <p:par>
+        <p:cTn id="1" dur="indefinite" restart="never" nodeType="tmRoot">
+          <p:childTnLst>
+            <p:seq concurrent="1" nextAc="seek">
+              <p:cTn id="2" dur="indefinite" nodeType="mainSeq">
+                <p:childTnLst>
+                  <p:par>
+                    <p:cTn id="3" fill="hold">
+                      <p:stCondLst>
+                        <p:cond delay="indefinite"/>
+                      </p:stCondLst>
+                      <p:childTnLst>
+                        <p:par>
+                          <p:cTn id="4" fill="hold">
+                            <p:stCondLst>
+                              <p:cond delay="0"/>
+                            </p:stCondLst>
+                            <p:childTnLst>
+                              <p:par>
+                                <p:cTn id="5" presetID="1" presetClass="entr" presetSubtype="0" fill="hold" nodeType="clickEffect">
+                                  <p:stCondLst>
+                                    <p:cond delay="0"/>
+                                  </p:stCondLst>
+                                  <p:childTnLst>
+                                    <p:set>
+                                      <p:cBhvr>
+                                        <p:cTn id="6" dur="1" fill="hold">
+                                          <p:stCondLst>
+                                            <p:cond delay="0"/>
+                                          </p:stCondLst>
+                                        </p:cTn>
+                                        <p:tgtEl>
+                                          <p:spTgt spid="11">
+                                            <p:txEl>
+                                              <p:pRg st="1" end="1"/>
+                                            </p:txEl>
+                                          </p:spTgt>
+                                        </p:tgtEl>
+                                        <p:attrNameLst>
+                                          <p:attrName>style.visibility</p:attrName>
+                                        </p:attrNameLst>
+                                      </p:cBhvr>
+                                      <p:to>
+                                        <p:strVal val="visible"/>
+                                      </p:to>
+                                    </p:set>
+                                  </p:childTnLst>
+                                </p:cTn>
+                              </p:par>
+                              <p:par>
+                                <p:cTn id="7" presetID="1" presetClass="entr" presetSubtype="0" fill="hold" nodeType="withEffect">
+                                  <p:stCondLst>
+                                    <p:cond delay="0"/>
+                                  </p:stCondLst>
+                                  <p:childTnLst>
+                                    <p:set>
+                                      <p:cBhvr>
+                                        <p:cTn id="8" dur="1" fill="hold">
+                                          <p:stCondLst>
+                                            <p:cond delay="0"/>
+                                          </p:stCondLst>
+                                        </p:cTn>
+                                        <p:tgtEl>
+                                          <p:spTgt spid="11">
+                                            <p:txEl>
+                                              <p:pRg st="2" end="2"/>
+                                            </p:txEl>
+                                          </p:spTgt>
+                                        </p:tgtEl>
+                                        <p:attrNameLst>
+                                          <p:attrName>style.visibility</p:attrName>
+                                        </p:attrNameLst>
+                                      </p:cBhvr>
+                                      <p:to>
+                                        <p:strVal val="visible"/>
+                                      </p:to>
+                                    </p:set>
+                                  </p:childTnLst>
+                                </p:cTn>
+                              </p:par>
+                            </p:childTnLst>
+                          </p:cTn>
+                        </p:par>
+                      </p:childTnLst>
+                    </p:cTn>
+                  </p:par>
+                  <p:par>
+                    <p:cTn id="9" fill="hold">
+                      <p:stCondLst>
+                        <p:cond delay="indefinite"/>
+                      </p:stCondLst>
+                      <p:childTnLst>
+                        <p:par>
+                          <p:cTn id="10" fill="hold">
+                            <p:stCondLst>
+                              <p:cond delay="0"/>
+                            </p:stCondLst>
+                            <p:childTnLst>
+                              <p:par>
+                                <p:cTn id="11" presetID="1" presetClass="entr" presetSubtype="0" fill="hold" nodeType="clickEffect">
+                                  <p:stCondLst>
+                                    <p:cond delay="0"/>
+                                  </p:stCondLst>
+                                  <p:childTnLst>
+                                    <p:set>
+                                      <p:cBhvr>
+                                        <p:cTn id="12" dur="1" fill="hold">
+                                          <p:stCondLst>
+                                            <p:cond delay="0"/>
+                                          </p:stCondLst>
+                                        </p:cTn>
+                                        <p:tgtEl>
+                                          <p:spTgt spid="3"/>
+                                        </p:tgtEl>
+                                        <p:attrNameLst>
+                                          <p:attrName>style.visibility</p:attrName>
+                                        </p:attrNameLst>
+                                      </p:cBhvr>
+                                      <p:to>
+                                        <p:strVal val="visible"/>
+                                      </p:to>
+                                    </p:set>
+                                  </p:childTnLst>
+                                </p:cTn>
+                              </p:par>
+                            </p:childTnLst>
+                          </p:cTn>
+                        </p:par>
+                      </p:childTnLst>
+                    </p:cTn>
+                  </p:par>
+                  <p:par>
+                    <p:cTn id="13" fill="hold">
+                      <p:stCondLst>
+                        <p:cond delay="indefinite"/>
+                      </p:stCondLst>
+                      <p:childTnLst>
+                        <p:par>
+                          <p:cTn id="14" fill="hold">
+                            <p:stCondLst>
+                              <p:cond delay="0"/>
+                            </p:stCondLst>
+                            <p:childTnLst>
+                              <p:par>
+                                <p:cTn id="15" presetID="1" presetClass="entr" presetSubtype="0" fill="hold" nodeType="clickEffect">
+                                  <p:stCondLst>
+                                    <p:cond delay="0"/>
+                                  </p:stCondLst>
+                                  <p:childTnLst>
+                                    <p:set>
+                                      <p:cBhvr>
+                                        <p:cTn id="16" dur="1" fill="hold">
+                                          <p:stCondLst>
+                                            <p:cond delay="0"/>
+                                          </p:stCondLst>
+                                        </p:cTn>
+                                        <p:tgtEl>
+                                          <p:spTgt spid="11">
+                                            <p:txEl>
+                                              <p:pRg st="6" end="6"/>
+                                            </p:txEl>
+                                          </p:spTgt>
+                                        </p:tgtEl>
+                                        <p:attrNameLst>
+                                          <p:attrName>style.visibility</p:attrName>
+                                        </p:attrNameLst>
+                                      </p:cBhvr>
+                                      <p:to>
+                                        <p:strVal val="visible"/>
+                                      </p:to>
+                                    </p:set>
+                                  </p:childTnLst>
+                                </p:cTn>
+                              </p:par>
+                              <p:par>
+                                <p:cTn id="17" presetID="1" presetClass="entr" presetSubtype="0" fill="hold" nodeType="withEffect">
+                                  <p:stCondLst>
+                                    <p:cond delay="0"/>
+                                  </p:stCondLst>
+                                  <p:childTnLst>
+                                    <p:set>
+                                      <p:cBhvr>
+                                        <p:cTn id="18" dur="1" fill="hold">
+                                          <p:stCondLst>
+                                            <p:cond delay="0"/>
+                                          </p:stCondLst>
+                                        </p:cTn>
+                                        <p:tgtEl>
+                                          <p:spTgt spid="11">
+                                            <p:txEl>
+                                              <p:pRg st="7" end="7"/>
+                                            </p:txEl>
+                                          </p:spTgt>
+                                        </p:tgtEl>
+                                        <p:attrNameLst>
+                                          <p:attrName>style.visibility</p:attrName>
+                                        </p:attrNameLst>
+                                      </p:cBhvr>
+                                      <p:to>
+                                        <p:strVal val="visible"/>
+                                      </p:to>
+                                    </p:set>
+                                  </p:childTnLst>
+                                </p:cTn>
+                              </p:par>
+                            </p:childTnLst>
+                          </p:cTn>
+                        </p:par>
+                      </p:childTnLst>
+                    </p:cTn>
+                  </p:par>
+                  <p:par>
+                    <p:cTn id="19" fill="hold">
+                      <p:stCondLst>
+                        <p:cond delay="indefinite"/>
+                      </p:stCondLst>
+                      <p:childTnLst>
+                        <p:par>
+                          <p:cTn id="20" fill="hold">
+                            <p:stCondLst>
+                              <p:cond delay="0"/>
+                            </p:stCondLst>
+                            <p:childTnLst>
+                              <p:par>
+                                <p:cTn id="21" presetID="1" presetClass="entr" presetSubtype="0" fill="hold" nodeType="clickEffect">
+                                  <p:stCondLst>
+                                    <p:cond delay="0"/>
+                                  </p:stCondLst>
+                                  <p:childTnLst>
+                                    <p:set>
+                                      <p:cBhvr>
+                                        <p:cTn id="22" dur="1" fill="hold">
+                                          <p:stCondLst>
+                                            <p:cond delay="0"/>
+                                          </p:stCondLst>
+                                        </p:cTn>
+                                        <p:tgtEl>
+                                          <p:spTgt spid="4"/>
+                                        </p:tgtEl>
+                                        <p:attrNameLst>
+                                          <p:attrName>style.visibility</p:attrName>
+                                        </p:attrNameLst>
+                                      </p:cBhvr>
+                                      <p:to>
+                                        <p:strVal val="visible"/>
+                                      </p:to>
+                                    </p:set>
+                                  </p:childTnLst>
+                                </p:cTn>
+                              </p:par>
+                            </p:childTnLst>
+                          </p:cTn>
+                        </p:par>
+                      </p:childTnLst>
+                    </p:cTn>
+                  </p:par>
+                </p:childTnLst>
+              </p:cTn>
+              <p:prevCondLst>
+                <p:cond evt="onPrev" delay="0">
+                  <p:tgtEl>
+                    <p:sldTgt/>
+                  </p:tgtEl>
+                </p:cond>
+              </p:prevCondLst>
+              <p:nextCondLst>
+                <p:cond evt="onNext" delay="0">
+                  <p:tgtEl>
+                    <p:sldTgt/>
+                  </p:tgtEl>
+                </p:cond>
+              </p:nextCondLst>
+            </p:seq>
+          </p:childTnLst>
+        </p:cTn>
+      </p:par>
+    </p:tnLst>
+  </p:timing>
 </p:sld>
 </file>
 

--- a/Whats New in ASP.NET Core 2.0.pptx
+++ b/Whats New in ASP.NET Core 2.0.pptx
@@ -1221,7 +1221,16 @@
           <a:bodyPr/>
           <a:lstStyle/>
           <a:p>
-            <a:endParaRPr lang="en-US"/>
+            <a:r>
+              <a:rPr lang="en-US" dirty="0"/>
+              <a:t>- all EF Core &amp; ASP.NET Core deps</a:t>
+            </a:r>
+          </a:p>
+          <a:p>
+            <a:r>
+              <a:rPr lang="en-US" dirty="0"/>
+              <a:t>- FDD only</a:t>
+            </a:r>
           </a:p>
         </p:txBody>
       </p:sp>
@@ -14085,56 +14094,292 @@
           </a:p>
         </p:txBody>
       </p:sp>
-      <p:sp>
-        <p:nvSpPr>
-          <p:cNvPr id="4" name="Content Placeholder 3">
+      <p:graphicFrame>
+        <p:nvGraphicFramePr>
+          <p:cNvPr id="3" name="Content Placeholder 2">
             <a:extLst>
               <a:ext uri="{FF2B5EF4-FFF2-40B4-BE49-F238E27FC236}">
-                <a16:creationId xmlns:a16="http://schemas.microsoft.com/office/drawing/2014/main" id="{5047F788-AF1A-4ED1-AD0A-5BD1321974EF}"/>
+                <a16:creationId xmlns:a16="http://schemas.microsoft.com/office/drawing/2014/main" id="{758ED536-B0FF-4C2F-B370-CFC88E911737}"/>
               </a:ext>
             </a:extLst>
           </p:cNvPr>
-          <p:cNvSpPr>
-            <a:spLocks noGrp="1"/>
-          </p:cNvSpPr>
+          <p:cNvGraphicFramePr>
+            <a:graphicFrameLocks noGrp="1"/>
+          </p:cNvGraphicFramePr>
           <p:nvPr>
             <p:ph sz="half" idx="1"/>
+            <p:extLst>
+              <p:ext uri="{D42A27DB-BD31-4B8C-83A1-F6EECF244321}">
+                <p14:modId xmlns:p14="http://schemas.microsoft.com/office/powerpoint/2010/main" val="194765330"/>
+              </p:ext>
+            </p:extLst>
           </p:nvPr>
-        </p:nvSpPr>
-        <p:spPr/>
-        <p:txBody>
-          <a:bodyPr/>
-          <a:lstStyle/>
-          <a:p>
-            <a:endParaRPr lang="en-US" dirty="0"/>
-          </a:p>
-        </p:txBody>
-      </p:sp>
-      <p:sp>
-        <p:nvSpPr>
-          <p:cNvPr id="5" name="Content Placeholder 4">
+        </p:nvGraphicFramePr>
+        <p:xfrm>
+          <a:off x="838198" y="1825623"/>
+          <a:ext cx="10515602" cy="1413334"/>
+        </p:xfrm>
+        <a:graphic>
+          <a:graphicData uri="http://schemas.openxmlformats.org/drawingml/2006/table">
+            <a:tbl>
+              <a:tblPr firstRow="1" bandRow="1">
+                <a:tableStyleId>{125E5076-3810-47DD-B79F-674D7AD40C01}</a:tableStyleId>
+              </a:tblPr>
+              <a:tblGrid>
+                <a:gridCol w="5257801">
+                  <a:extLst>
+                    <a:ext uri="{9D8B030D-6E8A-4147-A177-3AD203B41FA5}">
+                      <a16:colId xmlns:a16="http://schemas.microsoft.com/office/drawing/2014/main" val="646715418"/>
+                    </a:ext>
+                  </a:extLst>
+                </a:gridCol>
+                <a:gridCol w="5257801">
+                  <a:extLst>
+                    <a:ext uri="{9D8B030D-6E8A-4147-A177-3AD203B41FA5}">
+                      <a16:colId xmlns:a16="http://schemas.microsoft.com/office/drawing/2014/main" val="70901629"/>
+                    </a:ext>
+                  </a:extLst>
+                </a:gridCol>
+              </a:tblGrid>
+              <a:tr h="706667">
+                <a:tc>
+                  <a:txBody>
+                    <a:bodyPr/>
+                    <a:lstStyle/>
+                    <a:p>
+                      <a:endParaRPr lang="en-US" dirty="0"/>
+                    </a:p>
+                  </a:txBody>
+                  <a:tcPr/>
+                </a:tc>
+                <a:tc>
+                  <a:txBody>
+                    <a:bodyPr/>
+                    <a:lstStyle/>
+                    <a:p>
+                      <a:endParaRPr lang="en-US" dirty="0"/>
+                    </a:p>
+                  </a:txBody>
+                  <a:tcPr/>
+                </a:tc>
+                <a:extLst>
+                  <a:ext uri="{0D108BD9-81ED-4DB2-BD59-A6C34878D82A}">
+                    <a16:rowId xmlns:a16="http://schemas.microsoft.com/office/drawing/2014/main" val="695694885"/>
+                  </a:ext>
+                </a:extLst>
+              </a:tr>
+              <a:tr h="706667">
+                <a:tc>
+                  <a:txBody>
+                    <a:bodyPr/>
+                    <a:lstStyle/>
+                    <a:p>
+                      <a:r>
+                        <a:rPr lang="en-US" dirty="0"/>
+                        <a:t>C:\Program Files\</a:t>
+                      </a:r>
+                      <a:r>
+                        <a:rPr lang="en-US" dirty="0" err="1"/>
+                        <a:t>dotnet</a:t>
+                      </a:r>
+                      <a:r>
+                        <a:rPr lang="en-US" dirty="0"/>
+                        <a:t>\store</a:t>
+                      </a:r>
+                    </a:p>
+                  </a:txBody>
+                  <a:tcPr/>
+                </a:tc>
+                <a:tc>
+                  <a:txBody>
+                    <a:bodyPr/>
+                    <a:lstStyle/>
+                    <a:p>
+                      <a:r>
+                        <a:rPr lang="en-US" sz="1800" kern="1200" dirty="0">
+                          <a:effectLst/>
+                        </a:rPr>
+                        <a:t>/</a:t>
+                      </a:r>
+                      <a:r>
+                        <a:rPr lang="en-US" sz="1800" kern="1200" dirty="0" err="1">
+                          <a:effectLst/>
+                        </a:rPr>
+                        <a:t>usr</a:t>
+                      </a:r>
+                      <a:r>
+                        <a:rPr lang="en-US" sz="1800" kern="1200" dirty="0">
+                          <a:effectLst/>
+                        </a:rPr>
+                        <a:t>/local/share/</a:t>
+                      </a:r>
+                      <a:r>
+                        <a:rPr lang="en-US" sz="1800" kern="1200" dirty="0" err="1">
+                          <a:effectLst/>
+                        </a:rPr>
+                        <a:t>dotnet</a:t>
+                      </a:r>
+                      <a:r>
+                        <a:rPr lang="en-US" sz="1800" kern="1200" dirty="0">
+                          <a:effectLst/>
+                        </a:rPr>
+                        <a:t>/store</a:t>
+                      </a:r>
+                      <a:endParaRPr lang="en-US" i="0" dirty="0"/>
+                    </a:p>
+                  </a:txBody>
+                  <a:tcPr/>
+                </a:tc>
+                <a:extLst>
+                  <a:ext uri="{0D108BD9-81ED-4DB2-BD59-A6C34878D82A}">
+                    <a16:rowId xmlns:a16="http://schemas.microsoft.com/office/drawing/2014/main" val="1420948474"/>
+                  </a:ext>
+                </a:extLst>
+              </a:tr>
+            </a:tbl>
+          </a:graphicData>
+        </a:graphic>
+      </p:graphicFrame>
+      <p:pic>
+        <p:nvPicPr>
+          <p:cNvPr id="6" name="Picture 6" descr="C:\temp\WinAzure_rgb_Wht_S.png">
             <a:extLst>
               <a:ext uri="{FF2B5EF4-FFF2-40B4-BE49-F238E27FC236}">
-                <a16:creationId xmlns:a16="http://schemas.microsoft.com/office/drawing/2014/main" id="{B9012F0A-1710-4125-BBBE-3F11CE106E8A}"/>
+                <a16:creationId xmlns:a16="http://schemas.microsoft.com/office/drawing/2014/main" id="{3780108E-D6B1-45FD-BACD-A8B320583875}"/>
               </a:ext>
             </a:extLst>
           </p:cNvPr>
-          <p:cNvSpPr>
-            <a:spLocks noGrp="1"/>
-          </p:cNvSpPr>
+          <p:cNvPicPr>
+            <a:picLocks noChangeAspect="1" noChangeArrowheads="1"/>
+          </p:cNvPicPr>
+          <p:nvPr/>
+        </p:nvPicPr>
+        <p:blipFill rotWithShape="1">
+          <a:blip r:embed="rId3" cstate="print">
+            <a:extLst>
+              <a:ext uri="{28A0092B-C50C-407E-A947-70E740481C1C}">
+                <a14:useLocalDpi xmlns:a14="http://schemas.microsoft.com/office/drawing/2010/main" val="0"/>
+              </a:ext>
+            </a:extLst>
+          </a:blip>
+          <a:srcRect l="3371" t="15460" r="80628" b="15496"/>
+          <a:stretch/>
+        </p:blipFill>
+        <p:spPr bwMode="auto">
+          <a:xfrm>
+            <a:off x="980561" y="1965024"/>
+            <a:ext cx="455848" cy="462964"/>
+          </a:xfrm>
+          <a:prstGeom prst="rect">
+            <a:avLst/>
+          </a:prstGeom>
+          <a:noFill/>
+          <a:extLst>
+            <a:ext uri="{909E8E84-426E-40DD-AFC4-6F175D3DCCD1}">
+              <a14:hiddenFill xmlns:a14="http://schemas.microsoft.com/office/drawing/2010/main">
+                <a:solidFill>
+                  <a:srgbClr val="FFFFFF"/>
+                </a:solidFill>
+              </a14:hiddenFill>
+            </a:ext>
+          </a:extLst>
+        </p:spPr>
+      </p:pic>
+      <p:pic>
+        <p:nvPicPr>
+          <p:cNvPr id="7" name="Picture 6">
+            <a:extLst>
+              <a:ext uri="{FF2B5EF4-FFF2-40B4-BE49-F238E27FC236}">
+                <a16:creationId xmlns:a16="http://schemas.microsoft.com/office/drawing/2014/main" id="{70E441B1-B5FB-4333-8F1A-E091C0B2CAE1}"/>
+              </a:ext>
+            </a:extLst>
+          </p:cNvPr>
+          <p:cNvPicPr>
+            <a:picLocks noChangeAspect="1"/>
+          </p:cNvPicPr>
+          <p:nvPr/>
+        </p:nvPicPr>
+        <p:blipFill>
+          <a:blip r:embed="rId4"/>
+          <a:stretch>
+            <a:fillRect/>
+          </a:stretch>
+        </p:blipFill>
+        <p:spPr>
+          <a:xfrm>
+            <a:off x="6267154" y="1940452"/>
+            <a:ext cx="1133954" cy="512108"/>
+          </a:xfrm>
+          <a:prstGeom prst="rect">
+            <a:avLst/>
+          </a:prstGeom>
+        </p:spPr>
+      </p:pic>
+      <p:pic>
+        <p:nvPicPr>
+          <p:cNvPr id="5" name="Content Placeholder 4" descr="A screenshot of a cell phone&#10;&#10;Description generated with very high confidence">
+            <a:extLst>
+              <a:ext uri="{FF2B5EF4-FFF2-40B4-BE49-F238E27FC236}">
+                <a16:creationId xmlns:a16="http://schemas.microsoft.com/office/drawing/2014/main" id="{0ACED995-33FD-4BCB-9B17-8B8B3B9BA11F}"/>
+              </a:ext>
+            </a:extLst>
+          </p:cNvPr>
+          <p:cNvPicPr>
+            <a:picLocks noGrp="1" noChangeAspect="1"/>
+          </p:cNvPicPr>
           <p:nvPr>
             <p:ph sz="half" idx="2"/>
           </p:nvPr>
-        </p:nvSpPr>
-        <p:spPr/>
-        <p:txBody>
-          <a:bodyPr/>
-          <a:lstStyle/>
-          <a:p>
-            <a:endParaRPr lang="en-US"/>
-          </a:p>
-        </p:txBody>
-      </p:sp>
+        </p:nvPicPr>
+        <p:blipFill>
+          <a:blip r:embed="rId5">
+            <a:extLst>
+              <a:ext uri="{28A0092B-C50C-407E-A947-70E740481C1C}">
+                <a14:useLocalDpi xmlns:a14="http://schemas.microsoft.com/office/drawing/2010/main" val="0"/>
+              </a:ext>
+            </a:extLst>
+          </a:blip>
+          <a:stretch>
+            <a:fillRect/>
+          </a:stretch>
+        </p:blipFill>
+        <p:spPr>
+          <a:xfrm>
+            <a:off x="5896778" y="3205510"/>
+            <a:ext cx="5181600" cy="3631678"/>
+          </a:xfrm>
+        </p:spPr>
+      </p:pic>
+      <p:pic>
+        <p:nvPicPr>
+          <p:cNvPr id="8" name="Picture 7">
+            <a:extLst>
+              <a:ext uri="{FF2B5EF4-FFF2-40B4-BE49-F238E27FC236}">
+                <a16:creationId xmlns:a16="http://schemas.microsoft.com/office/drawing/2014/main" id="{8F56F418-14FF-4878-B4DD-249A50B46860}"/>
+              </a:ext>
+            </a:extLst>
+          </p:cNvPr>
+          <p:cNvPicPr>
+            <a:picLocks noChangeAspect="1"/>
+          </p:cNvPicPr>
+          <p:nvPr/>
+        </p:nvPicPr>
+        <p:blipFill>
+          <a:blip r:embed="rId6"/>
+          <a:stretch>
+            <a:fillRect/>
+          </a:stretch>
+        </p:blipFill>
+        <p:spPr>
+          <a:xfrm>
+            <a:off x="980561" y="3373892"/>
+            <a:ext cx="4385946" cy="3294915"/>
+          </a:xfrm>
+          <a:prstGeom prst="rect">
+            <a:avLst/>
+          </a:prstGeom>
+        </p:spPr>
+      </p:pic>
     </p:spTree>
     <p:extLst>
       <p:ext uri="{BB962C8B-B14F-4D97-AF65-F5344CB8AC3E}">

--- a/Whats New in ASP.NET Core 2.0.pptx
+++ b/Whats New in ASP.NET Core 2.0.pptx
@@ -11,7 +11,7 @@
   <p:sldIdLst>
     <p:sldId id="342" r:id="rId3"/>
     <p:sldId id="322" r:id="rId4"/>
-    <p:sldId id="344" r:id="rId5"/>
+    <p:sldId id="348" r:id="rId5"/>
     <p:sldId id="346" r:id="rId6"/>
     <p:sldId id="347" r:id="rId7"/>
     <p:sldId id="345" r:id="rId8"/>
@@ -128,7 +128,7 @@
           <p14:sldIdLst>
             <p14:sldId id="342"/>
             <p14:sldId id="322"/>
-            <p14:sldId id="344"/>
+            <p14:sldId id="348"/>
             <p14:sldId id="346"/>
             <p14:sldId id="347"/>
             <p14:sldId id="345"/>
@@ -151,6 +151,3231 @@
 
 <file path=ppt/revisionInfo.xml><?xml version="1.0" encoding="utf-8"?>
 <p1510:revInfo xmlns:a="http://schemas.openxmlformats.org/drawingml/2006/main" xmlns:r="http://schemas.openxmlformats.org/officeDocument/2006/relationships" xmlns:p1510="http://schemas.microsoft.com/office/powerpoint/2015/10/main"/>
+</file>
+
+<file path=ppt/diagrams/colors1.xml><?xml version="1.0" encoding="utf-8"?>
+<dgm:colorsDef xmlns:dgm="http://schemas.openxmlformats.org/drawingml/2006/diagram" xmlns:a="http://schemas.openxmlformats.org/drawingml/2006/main" uniqueId="urn:microsoft.com/office/officeart/2005/8/colors/accent1_2">
+  <dgm:title val=""/>
+  <dgm:desc val=""/>
+  <dgm:catLst>
+    <dgm:cat type="accent1" pri="11200"/>
+  </dgm:catLst>
+  <dgm:styleLbl name="node0">
+    <dgm:fillClrLst meth="repeat">
+      <a:schemeClr val="accent1"/>
+    </dgm:fillClrLst>
+    <dgm:linClrLst meth="repeat">
+      <a:schemeClr val="lt1"/>
+    </dgm:linClrLst>
+    <dgm:effectClrLst/>
+    <dgm:txLinClrLst/>
+    <dgm:txFillClrLst/>
+    <dgm:txEffectClrLst/>
+  </dgm:styleLbl>
+  <dgm:styleLbl name="alignNode1">
+    <dgm:fillClrLst meth="repeat">
+      <a:schemeClr val="accent1"/>
+    </dgm:fillClrLst>
+    <dgm:linClrLst meth="repeat">
+      <a:schemeClr val="accent1"/>
+    </dgm:linClrLst>
+    <dgm:effectClrLst/>
+    <dgm:txLinClrLst/>
+    <dgm:txFillClrLst/>
+    <dgm:txEffectClrLst/>
+  </dgm:styleLbl>
+  <dgm:styleLbl name="node1">
+    <dgm:fillClrLst meth="repeat">
+      <a:schemeClr val="accent1"/>
+    </dgm:fillClrLst>
+    <dgm:linClrLst meth="repeat">
+      <a:schemeClr val="lt1"/>
+    </dgm:linClrLst>
+    <dgm:effectClrLst/>
+    <dgm:txLinClrLst/>
+    <dgm:txFillClrLst/>
+    <dgm:txEffectClrLst/>
+  </dgm:styleLbl>
+  <dgm:styleLbl name="lnNode1">
+    <dgm:fillClrLst meth="repeat">
+      <a:schemeClr val="accent1"/>
+    </dgm:fillClrLst>
+    <dgm:linClrLst meth="repeat">
+      <a:schemeClr val="lt1"/>
+    </dgm:linClrLst>
+    <dgm:effectClrLst/>
+    <dgm:txLinClrLst/>
+    <dgm:txFillClrLst/>
+    <dgm:txEffectClrLst/>
+  </dgm:styleLbl>
+  <dgm:styleLbl name="vennNode1">
+    <dgm:fillClrLst meth="repeat">
+      <a:schemeClr val="accent1">
+        <a:alpha val="50000"/>
+      </a:schemeClr>
+    </dgm:fillClrLst>
+    <dgm:linClrLst meth="repeat">
+      <a:schemeClr val="lt1"/>
+    </dgm:linClrLst>
+    <dgm:effectClrLst/>
+    <dgm:txLinClrLst/>
+    <dgm:txFillClrLst/>
+    <dgm:txEffectClrLst/>
+  </dgm:styleLbl>
+  <dgm:styleLbl name="node2">
+    <dgm:fillClrLst meth="repeat">
+      <a:schemeClr val="accent1"/>
+    </dgm:fillClrLst>
+    <dgm:linClrLst meth="repeat">
+      <a:schemeClr val="lt1"/>
+    </dgm:linClrLst>
+    <dgm:effectClrLst/>
+    <dgm:txLinClrLst/>
+    <dgm:txFillClrLst/>
+    <dgm:txEffectClrLst/>
+  </dgm:styleLbl>
+  <dgm:styleLbl name="node3">
+    <dgm:fillClrLst meth="repeat">
+      <a:schemeClr val="accent1"/>
+    </dgm:fillClrLst>
+    <dgm:linClrLst meth="repeat">
+      <a:schemeClr val="lt1"/>
+    </dgm:linClrLst>
+    <dgm:effectClrLst/>
+    <dgm:txLinClrLst/>
+    <dgm:txFillClrLst/>
+    <dgm:txEffectClrLst/>
+  </dgm:styleLbl>
+  <dgm:styleLbl name="node4">
+    <dgm:fillClrLst meth="repeat">
+      <a:schemeClr val="accent1"/>
+    </dgm:fillClrLst>
+    <dgm:linClrLst meth="repeat">
+      <a:schemeClr val="lt1"/>
+    </dgm:linClrLst>
+    <dgm:effectClrLst/>
+    <dgm:txLinClrLst/>
+    <dgm:txFillClrLst/>
+    <dgm:txEffectClrLst/>
+  </dgm:styleLbl>
+  <dgm:styleLbl name="fgImgPlace1">
+    <dgm:fillClrLst meth="repeat">
+      <a:schemeClr val="accent1">
+        <a:tint val="50000"/>
+      </a:schemeClr>
+    </dgm:fillClrLst>
+    <dgm:linClrLst meth="repeat">
+      <a:schemeClr val="lt1"/>
+    </dgm:linClrLst>
+    <dgm:effectClrLst/>
+    <dgm:txLinClrLst/>
+    <dgm:txFillClrLst meth="repeat">
+      <a:schemeClr val="lt1"/>
+    </dgm:txFillClrLst>
+    <dgm:txEffectClrLst/>
+  </dgm:styleLbl>
+  <dgm:styleLbl name="alignImgPlace1">
+    <dgm:fillClrLst meth="repeat">
+      <a:schemeClr val="accent1">
+        <a:tint val="50000"/>
+      </a:schemeClr>
+    </dgm:fillClrLst>
+    <dgm:linClrLst meth="repeat">
+      <a:schemeClr val="lt1"/>
+    </dgm:linClrLst>
+    <dgm:effectClrLst/>
+    <dgm:txLinClrLst/>
+    <dgm:txFillClrLst meth="repeat">
+      <a:schemeClr val="lt1"/>
+    </dgm:txFillClrLst>
+    <dgm:txEffectClrLst/>
+  </dgm:styleLbl>
+  <dgm:styleLbl name="bgImgPlace1">
+    <dgm:fillClrLst meth="repeat">
+      <a:schemeClr val="accent1">
+        <a:tint val="50000"/>
+      </a:schemeClr>
+    </dgm:fillClrLst>
+    <dgm:linClrLst meth="repeat">
+      <a:schemeClr val="lt1"/>
+    </dgm:linClrLst>
+    <dgm:effectClrLst/>
+    <dgm:txLinClrLst/>
+    <dgm:txFillClrLst meth="repeat">
+      <a:schemeClr val="lt1"/>
+    </dgm:txFillClrLst>
+    <dgm:txEffectClrLst/>
+  </dgm:styleLbl>
+  <dgm:styleLbl name="sibTrans2D1">
+    <dgm:fillClrLst meth="repeat">
+      <a:schemeClr val="accent1">
+        <a:tint val="60000"/>
+      </a:schemeClr>
+    </dgm:fillClrLst>
+    <dgm:linClrLst meth="repeat">
+      <a:schemeClr val="accent1">
+        <a:tint val="60000"/>
+      </a:schemeClr>
+    </dgm:linClrLst>
+    <dgm:effectClrLst/>
+    <dgm:txLinClrLst/>
+    <dgm:txFillClrLst/>
+    <dgm:txEffectClrLst/>
+  </dgm:styleLbl>
+  <dgm:styleLbl name="fgSibTrans2D1">
+    <dgm:fillClrLst meth="repeat">
+      <a:schemeClr val="accent1">
+        <a:tint val="60000"/>
+      </a:schemeClr>
+    </dgm:fillClrLst>
+    <dgm:linClrLst meth="repeat">
+      <a:schemeClr val="accent1">
+        <a:tint val="60000"/>
+      </a:schemeClr>
+    </dgm:linClrLst>
+    <dgm:effectClrLst/>
+    <dgm:txLinClrLst/>
+    <dgm:txFillClrLst/>
+    <dgm:txEffectClrLst/>
+  </dgm:styleLbl>
+  <dgm:styleLbl name="bgSibTrans2D1">
+    <dgm:fillClrLst meth="repeat">
+      <a:schemeClr val="accent1">
+        <a:tint val="60000"/>
+      </a:schemeClr>
+    </dgm:fillClrLst>
+    <dgm:linClrLst meth="repeat">
+      <a:schemeClr val="accent1">
+        <a:tint val="60000"/>
+      </a:schemeClr>
+    </dgm:linClrLst>
+    <dgm:effectClrLst/>
+    <dgm:txLinClrLst/>
+    <dgm:txFillClrLst/>
+    <dgm:txEffectClrLst/>
+  </dgm:styleLbl>
+  <dgm:styleLbl name="sibTrans1D1">
+    <dgm:fillClrLst meth="repeat">
+      <a:schemeClr val="accent1"/>
+    </dgm:fillClrLst>
+    <dgm:linClrLst meth="repeat">
+      <a:schemeClr val="accent1"/>
+    </dgm:linClrLst>
+    <dgm:effectClrLst/>
+    <dgm:txLinClrLst/>
+    <dgm:txFillClrLst meth="repeat">
+      <a:schemeClr val="tx1"/>
+    </dgm:txFillClrLst>
+    <dgm:txEffectClrLst/>
+  </dgm:styleLbl>
+  <dgm:styleLbl name="callout">
+    <dgm:fillClrLst meth="repeat">
+      <a:schemeClr val="accent1"/>
+    </dgm:fillClrLst>
+    <dgm:linClrLst meth="repeat">
+      <a:schemeClr val="accent1">
+        <a:tint val="50000"/>
+      </a:schemeClr>
+    </dgm:linClrLst>
+    <dgm:effectClrLst/>
+    <dgm:txLinClrLst/>
+    <dgm:txFillClrLst meth="repeat">
+      <a:schemeClr val="tx1"/>
+    </dgm:txFillClrLst>
+    <dgm:txEffectClrLst/>
+  </dgm:styleLbl>
+  <dgm:styleLbl name="asst0">
+    <dgm:fillClrLst meth="repeat">
+      <a:schemeClr val="accent1"/>
+    </dgm:fillClrLst>
+    <dgm:linClrLst meth="repeat">
+      <a:schemeClr val="lt1"/>
+    </dgm:linClrLst>
+    <dgm:effectClrLst/>
+    <dgm:txLinClrLst/>
+    <dgm:txFillClrLst/>
+    <dgm:txEffectClrLst/>
+  </dgm:styleLbl>
+  <dgm:styleLbl name="asst1">
+    <dgm:fillClrLst meth="repeat">
+      <a:schemeClr val="accent1"/>
+    </dgm:fillClrLst>
+    <dgm:linClrLst meth="repeat">
+      <a:schemeClr val="lt1"/>
+    </dgm:linClrLst>
+    <dgm:effectClrLst/>
+    <dgm:txLinClrLst/>
+    <dgm:txFillClrLst/>
+    <dgm:txEffectClrLst/>
+  </dgm:styleLbl>
+  <dgm:styleLbl name="asst2">
+    <dgm:fillClrLst meth="repeat">
+      <a:schemeClr val="accent1"/>
+    </dgm:fillClrLst>
+    <dgm:linClrLst meth="repeat">
+      <a:schemeClr val="lt1"/>
+    </dgm:linClrLst>
+    <dgm:effectClrLst/>
+    <dgm:txLinClrLst/>
+    <dgm:txFillClrLst/>
+    <dgm:txEffectClrLst/>
+  </dgm:styleLbl>
+  <dgm:styleLbl name="asst3">
+    <dgm:fillClrLst meth="repeat">
+      <a:schemeClr val="accent1"/>
+    </dgm:fillClrLst>
+    <dgm:linClrLst meth="repeat">
+      <a:schemeClr val="lt1"/>
+    </dgm:linClrLst>
+    <dgm:effectClrLst/>
+    <dgm:txLinClrLst/>
+    <dgm:txFillClrLst/>
+    <dgm:txEffectClrLst/>
+  </dgm:styleLbl>
+  <dgm:styleLbl name="asst4">
+    <dgm:fillClrLst meth="repeat">
+      <a:schemeClr val="accent1"/>
+    </dgm:fillClrLst>
+    <dgm:linClrLst meth="repeat">
+      <a:schemeClr val="lt1"/>
+    </dgm:linClrLst>
+    <dgm:effectClrLst/>
+    <dgm:txLinClrLst/>
+    <dgm:txFillClrLst/>
+    <dgm:txEffectClrLst/>
+  </dgm:styleLbl>
+  <dgm:styleLbl name="parChTrans2D1">
+    <dgm:fillClrLst meth="repeat">
+      <a:schemeClr val="accent1">
+        <a:tint val="60000"/>
+      </a:schemeClr>
+    </dgm:fillClrLst>
+    <dgm:linClrLst meth="repeat">
+      <a:schemeClr val="accent1">
+        <a:tint val="60000"/>
+      </a:schemeClr>
+    </dgm:linClrLst>
+    <dgm:effectClrLst/>
+    <dgm:txLinClrLst/>
+    <dgm:txFillClrLst meth="repeat">
+      <a:schemeClr val="lt1"/>
+    </dgm:txFillClrLst>
+    <dgm:txEffectClrLst/>
+  </dgm:styleLbl>
+  <dgm:styleLbl name="parChTrans2D2">
+    <dgm:fillClrLst meth="repeat">
+      <a:schemeClr val="accent1"/>
+    </dgm:fillClrLst>
+    <dgm:linClrLst meth="repeat">
+      <a:schemeClr val="accent1"/>
+    </dgm:linClrLst>
+    <dgm:effectClrLst/>
+    <dgm:txLinClrLst/>
+    <dgm:txFillClrLst meth="repeat">
+      <a:schemeClr val="lt1"/>
+    </dgm:txFillClrLst>
+    <dgm:txEffectClrLst/>
+  </dgm:styleLbl>
+  <dgm:styleLbl name="parChTrans2D3">
+    <dgm:fillClrLst meth="repeat">
+      <a:schemeClr val="accent1"/>
+    </dgm:fillClrLst>
+    <dgm:linClrLst meth="repeat">
+      <a:schemeClr val="accent1"/>
+    </dgm:linClrLst>
+    <dgm:effectClrLst/>
+    <dgm:txLinClrLst/>
+    <dgm:txFillClrLst meth="repeat">
+      <a:schemeClr val="lt1"/>
+    </dgm:txFillClrLst>
+    <dgm:txEffectClrLst/>
+  </dgm:styleLbl>
+  <dgm:styleLbl name="parChTrans2D4">
+    <dgm:fillClrLst meth="repeat">
+      <a:schemeClr val="accent1"/>
+    </dgm:fillClrLst>
+    <dgm:linClrLst meth="repeat">
+      <a:schemeClr val="accent1"/>
+    </dgm:linClrLst>
+    <dgm:effectClrLst/>
+    <dgm:txLinClrLst/>
+    <dgm:txFillClrLst meth="repeat">
+      <a:schemeClr val="lt1"/>
+    </dgm:txFillClrLst>
+    <dgm:txEffectClrLst/>
+  </dgm:styleLbl>
+  <dgm:styleLbl name="parChTrans1D1">
+    <dgm:fillClrLst meth="repeat">
+      <a:schemeClr val="accent1"/>
+    </dgm:fillClrLst>
+    <dgm:linClrLst meth="repeat">
+      <a:schemeClr val="accent1">
+        <a:shade val="60000"/>
+      </a:schemeClr>
+    </dgm:linClrLst>
+    <dgm:effectClrLst/>
+    <dgm:txLinClrLst/>
+    <dgm:txFillClrLst meth="repeat">
+      <a:schemeClr val="tx1"/>
+    </dgm:txFillClrLst>
+    <dgm:txEffectClrLst/>
+  </dgm:styleLbl>
+  <dgm:styleLbl name="parChTrans1D2">
+    <dgm:fillClrLst meth="repeat">
+      <a:schemeClr val="accent1"/>
+    </dgm:fillClrLst>
+    <dgm:linClrLst meth="repeat">
+      <a:schemeClr val="accent1">
+        <a:shade val="60000"/>
+      </a:schemeClr>
+    </dgm:linClrLst>
+    <dgm:effectClrLst/>
+    <dgm:txLinClrLst/>
+    <dgm:txFillClrLst meth="repeat">
+      <a:schemeClr val="tx1"/>
+    </dgm:txFillClrLst>
+    <dgm:txEffectClrLst/>
+  </dgm:styleLbl>
+  <dgm:styleLbl name="parChTrans1D3">
+    <dgm:fillClrLst meth="repeat">
+      <a:schemeClr val="accent1"/>
+    </dgm:fillClrLst>
+    <dgm:linClrLst meth="repeat">
+      <a:schemeClr val="accent1">
+        <a:shade val="80000"/>
+      </a:schemeClr>
+    </dgm:linClrLst>
+    <dgm:effectClrLst/>
+    <dgm:txLinClrLst/>
+    <dgm:txFillClrLst meth="repeat">
+      <a:schemeClr val="tx1"/>
+    </dgm:txFillClrLst>
+    <dgm:txEffectClrLst/>
+  </dgm:styleLbl>
+  <dgm:styleLbl name="parChTrans1D4">
+    <dgm:fillClrLst meth="repeat">
+      <a:schemeClr val="accent1"/>
+    </dgm:fillClrLst>
+    <dgm:linClrLst meth="repeat">
+      <a:schemeClr val="accent1">
+        <a:shade val="80000"/>
+      </a:schemeClr>
+    </dgm:linClrLst>
+    <dgm:effectClrLst/>
+    <dgm:txLinClrLst/>
+    <dgm:txFillClrLst meth="repeat">
+      <a:schemeClr val="tx1"/>
+    </dgm:txFillClrLst>
+    <dgm:txEffectClrLst/>
+  </dgm:styleLbl>
+  <dgm:styleLbl name="fgAcc1">
+    <dgm:fillClrLst meth="repeat">
+      <a:schemeClr val="lt1">
+        <a:alpha val="90000"/>
+      </a:schemeClr>
+    </dgm:fillClrLst>
+    <dgm:linClrLst meth="repeat">
+      <a:schemeClr val="accent1"/>
+    </dgm:linClrLst>
+    <dgm:effectClrLst/>
+    <dgm:txLinClrLst/>
+    <dgm:txFillClrLst meth="repeat">
+      <a:schemeClr val="dk1"/>
+    </dgm:txFillClrLst>
+    <dgm:txEffectClrLst/>
+  </dgm:styleLbl>
+  <dgm:styleLbl name="conFgAcc1">
+    <dgm:fillClrLst meth="repeat">
+      <a:schemeClr val="lt1">
+        <a:alpha val="90000"/>
+      </a:schemeClr>
+    </dgm:fillClrLst>
+    <dgm:linClrLst meth="repeat">
+      <a:schemeClr val="accent1"/>
+    </dgm:linClrLst>
+    <dgm:effectClrLst/>
+    <dgm:txLinClrLst/>
+    <dgm:txFillClrLst meth="repeat">
+      <a:schemeClr val="dk1"/>
+    </dgm:txFillClrLst>
+    <dgm:txEffectClrLst/>
+  </dgm:styleLbl>
+  <dgm:styleLbl name="alignAcc1">
+    <dgm:fillClrLst meth="repeat">
+      <a:schemeClr val="lt1">
+        <a:alpha val="90000"/>
+      </a:schemeClr>
+    </dgm:fillClrLst>
+    <dgm:linClrLst meth="repeat">
+      <a:schemeClr val="accent1"/>
+    </dgm:linClrLst>
+    <dgm:effectClrLst/>
+    <dgm:txLinClrLst/>
+    <dgm:txFillClrLst meth="repeat">
+      <a:schemeClr val="dk1"/>
+    </dgm:txFillClrLst>
+    <dgm:txEffectClrLst/>
+  </dgm:styleLbl>
+  <dgm:styleLbl name="trAlignAcc1">
+    <dgm:fillClrLst meth="repeat">
+      <a:schemeClr val="lt1">
+        <a:alpha val="40000"/>
+      </a:schemeClr>
+    </dgm:fillClrLst>
+    <dgm:linClrLst meth="repeat">
+      <a:schemeClr val="accent1"/>
+    </dgm:linClrLst>
+    <dgm:effectClrLst/>
+    <dgm:txLinClrLst/>
+    <dgm:txFillClrLst meth="repeat">
+      <a:schemeClr val="dk1"/>
+    </dgm:txFillClrLst>
+    <dgm:txEffectClrLst/>
+  </dgm:styleLbl>
+  <dgm:styleLbl name="bgAcc1">
+    <dgm:fillClrLst meth="repeat">
+      <a:schemeClr val="lt1">
+        <a:alpha val="90000"/>
+      </a:schemeClr>
+    </dgm:fillClrLst>
+    <dgm:linClrLst meth="repeat">
+      <a:schemeClr val="accent1"/>
+    </dgm:linClrLst>
+    <dgm:effectClrLst/>
+    <dgm:txLinClrLst/>
+    <dgm:txFillClrLst meth="repeat">
+      <a:schemeClr val="dk1"/>
+    </dgm:txFillClrLst>
+    <dgm:txEffectClrLst/>
+  </dgm:styleLbl>
+  <dgm:styleLbl name="solidFgAcc1">
+    <dgm:fillClrLst meth="repeat">
+      <a:schemeClr val="lt1"/>
+    </dgm:fillClrLst>
+    <dgm:linClrLst meth="repeat">
+      <a:schemeClr val="accent1"/>
+    </dgm:linClrLst>
+    <dgm:effectClrLst/>
+    <dgm:txLinClrLst/>
+    <dgm:txFillClrLst meth="repeat">
+      <a:schemeClr val="dk1"/>
+    </dgm:txFillClrLst>
+    <dgm:txEffectClrLst/>
+  </dgm:styleLbl>
+  <dgm:styleLbl name="solidAlignAcc1">
+    <dgm:fillClrLst meth="repeat">
+      <a:schemeClr val="lt1"/>
+    </dgm:fillClrLst>
+    <dgm:linClrLst meth="repeat">
+      <a:schemeClr val="accent1"/>
+    </dgm:linClrLst>
+    <dgm:effectClrLst/>
+    <dgm:txLinClrLst/>
+    <dgm:txFillClrLst meth="repeat">
+      <a:schemeClr val="dk1"/>
+    </dgm:txFillClrLst>
+    <dgm:txEffectClrLst/>
+  </dgm:styleLbl>
+  <dgm:styleLbl name="solidBgAcc1">
+    <dgm:fillClrLst meth="repeat">
+      <a:schemeClr val="lt1"/>
+    </dgm:fillClrLst>
+    <dgm:linClrLst meth="repeat">
+      <a:schemeClr val="accent1"/>
+    </dgm:linClrLst>
+    <dgm:effectClrLst/>
+    <dgm:txLinClrLst/>
+    <dgm:txFillClrLst meth="repeat">
+      <a:schemeClr val="dk1"/>
+    </dgm:txFillClrLst>
+    <dgm:txEffectClrLst/>
+  </dgm:styleLbl>
+  <dgm:styleLbl name="fgAccFollowNode1">
+    <dgm:fillClrLst meth="repeat">
+      <a:schemeClr val="accent1">
+        <a:alpha val="90000"/>
+        <a:tint val="40000"/>
+      </a:schemeClr>
+    </dgm:fillClrLst>
+    <dgm:linClrLst meth="repeat">
+      <a:schemeClr val="accent1">
+        <a:alpha val="90000"/>
+        <a:tint val="40000"/>
+      </a:schemeClr>
+    </dgm:linClrLst>
+    <dgm:effectClrLst/>
+    <dgm:txLinClrLst/>
+    <dgm:txFillClrLst meth="repeat">
+      <a:schemeClr val="dk1"/>
+    </dgm:txFillClrLst>
+    <dgm:txEffectClrLst/>
+  </dgm:styleLbl>
+  <dgm:styleLbl name="alignAccFollowNode1">
+    <dgm:fillClrLst meth="repeat">
+      <a:schemeClr val="accent1">
+        <a:alpha val="90000"/>
+        <a:tint val="40000"/>
+      </a:schemeClr>
+    </dgm:fillClrLst>
+    <dgm:linClrLst meth="repeat">
+      <a:schemeClr val="accent1">
+        <a:alpha val="90000"/>
+        <a:tint val="40000"/>
+      </a:schemeClr>
+    </dgm:linClrLst>
+    <dgm:effectClrLst/>
+    <dgm:txLinClrLst/>
+    <dgm:txFillClrLst meth="repeat">
+      <a:schemeClr val="dk1"/>
+    </dgm:txFillClrLst>
+    <dgm:txEffectClrLst/>
+  </dgm:styleLbl>
+  <dgm:styleLbl name="bgAccFollowNode1">
+    <dgm:fillClrLst meth="repeat">
+      <a:schemeClr val="accent1">
+        <a:alpha val="90000"/>
+        <a:tint val="40000"/>
+      </a:schemeClr>
+    </dgm:fillClrLst>
+    <dgm:linClrLst meth="repeat">
+      <a:schemeClr val="accent1">
+        <a:alpha val="90000"/>
+        <a:tint val="40000"/>
+      </a:schemeClr>
+    </dgm:linClrLst>
+    <dgm:effectClrLst/>
+    <dgm:txLinClrLst/>
+    <dgm:txFillClrLst meth="repeat">
+      <a:schemeClr val="dk1"/>
+    </dgm:txFillClrLst>
+    <dgm:txEffectClrLst/>
+  </dgm:styleLbl>
+  <dgm:styleLbl name="fgAcc0">
+    <dgm:fillClrLst meth="repeat">
+      <a:schemeClr val="lt1">
+        <a:alpha val="90000"/>
+      </a:schemeClr>
+    </dgm:fillClrLst>
+    <dgm:linClrLst meth="repeat">
+      <a:schemeClr val="accent1"/>
+    </dgm:linClrLst>
+    <dgm:effectClrLst/>
+    <dgm:txLinClrLst/>
+    <dgm:txFillClrLst meth="repeat">
+      <a:schemeClr val="dk1"/>
+    </dgm:txFillClrLst>
+    <dgm:txEffectClrLst/>
+  </dgm:styleLbl>
+  <dgm:styleLbl name="fgAcc2">
+    <dgm:fillClrLst meth="repeat">
+      <a:schemeClr val="lt1">
+        <a:alpha val="90000"/>
+      </a:schemeClr>
+    </dgm:fillClrLst>
+    <dgm:linClrLst meth="repeat">
+      <a:schemeClr val="accent1"/>
+    </dgm:linClrLst>
+    <dgm:effectClrLst/>
+    <dgm:txLinClrLst/>
+    <dgm:txFillClrLst meth="repeat">
+      <a:schemeClr val="dk1"/>
+    </dgm:txFillClrLst>
+    <dgm:txEffectClrLst/>
+  </dgm:styleLbl>
+  <dgm:styleLbl name="fgAcc3">
+    <dgm:fillClrLst meth="repeat">
+      <a:schemeClr val="lt1">
+        <a:alpha val="90000"/>
+      </a:schemeClr>
+    </dgm:fillClrLst>
+    <dgm:linClrLst meth="repeat">
+      <a:schemeClr val="accent1"/>
+    </dgm:linClrLst>
+    <dgm:effectClrLst/>
+    <dgm:txLinClrLst/>
+    <dgm:txFillClrLst meth="repeat">
+      <a:schemeClr val="dk1"/>
+    </dgm:txFillClrLst>
+    <dgm:txEffectClrLst/>
+  </dgm:styleLbl>
+  <dgm:styleLbl name="fgAcc4">
+    <dgm:fillClrLst meth="repeat">
+      <a:schemeClr val="lt1">
+        <a:alpha val="90000"/>
+      </a:schemeClr>
+    </dgm:fillClrLst>
+    <dgm:linClrLst meth="repeat">
+      <a:schemeClr val="accent1"/>
+    </dgm:linClrLst>
+    <dgm:effectClrLst/>
+    <dgm:txLinClrLst/>
+    <dgm:txFillClrLst meth="repeat">
+      <a:schemeClr val="dk1"/>
+    </dgm:txFillClrLst>
+    <dgm:txEffectClrLst/>
+  </dgm:styleLbl>
+  <dgm:styleLbl name="bgShp">
+    <dgm:fillClrLst meth="repeat">
+      <a:schemeClr val="accent1">
+        <a:tint val="40000"/>
+      </a:schemeClr>
+    </dgm:fillClrLst>
+    <dgm:linClrLst meth="repeat">
+      <a:schemeClr val="accent1"/>
+    </dgm:linClrLst>
+    <dgm:effectClrLst/>
+    <dgm:txLinClrLst/>
+    <dgm:txFillClrLst meth="repeat">
+      <a:schemeClr val="dk1"/>
+    </dgm:txFillClrLst>
+    <dgm:txEffectClrLst/>
+  </dgm:styleLbl>
+  <dgm:styleLbl name="dkBgShp">
+    <dgm:fillClrLst meth="repeat">
+      <a:schemeClr val="accent1">
+        <a:shade val="80000"/>
+      </a:schemeClr>
+    </dgm:fillClrLst>
+    <dgm:linClrLst meth="repeat">
+      <a:schemeClr val="accent1"/>
+    </dgm:linClrLst>
+    <dgm:effectClrLst/>
+    <dgm:txLinClrLst/>
+    <dgm:txFillClrLst meth="repeat">
+      <a:schemeClr val="lt1"/>
+    </dgm:txFillClrLst>
+    <dgm:txEffectClrLst/>
+  </dgm:styleLbl>
+  <dgm:styleLbl name="trBgShp">
+    <dgm:fillClrLst meth="repeat">
+      <a:schemeClr val="accent1">
+        <a:tint val="50000"/>
+        <a:alpha val="40000"/>
+      </a:schemeClr>
+    </dgm:fillClrLst>
+    <dgm:linClrLst meth="repeat">
+      <a:schemeClr val="accent1"/>
+    </dgm:linClrLst>
+    <dgm:effectClrLst/>
+    <dgm:txLinClrLst/>
+    <dgm:txFillClrLst meth="repeat">
+      <a:schemeClr val="lt1"/>
+    </dgm:txFillClrLst>
+    <dgm:txEffectClrLst/>
+  </dgm:styleLbl>
+  <dgm:styleLbl name="fgShp">
+    <dgm:fillClrLst meth="repeat">
+      <a:schemeClr val="accent1">
+        <a:tint val="60000"/>
+      </a:schemeClr>
+    </dgm:fillClrLst>
+    <dgm:linClrLst meth="repeat">
+      <a:schemeClr val="lt1"/>
+    </dgm:linClrLst>
+    <dgm:effectClrLst/>
+    <dgm:txLinClrLst/>
+    <dgm:txFillClrLst meth="repeat">
+      <a:schemeClr val="dk1"/>
+    </dgm:txFillClrLst>
+    <dgm:txEffectClrLst/>
+  </dgm:styleLbl>
+  <dgm:styleLbl name="revTx">
+    <dgm:fillClrLst meth="repeat">
+      <a:schemeClr val="lt1">
+        <a:alpha val="0"/>
+      </a:schemeClr>
+    </dgm:fillClrLst>
+    <dgm:linClrLst meth="repeat">
+      <a:schemeClr val="dk1">
+        <a:alpha val="0"/>
+      </a:schemeClr>
+    </dgm:linClrLst>
+    <dgm:effectClrLst/>
+    <dgm:txLinClrLst/>
+    <dgm:txFillClrLst meth="repeat">
+      <a:schemeClr val="tx1"/>
+    </dgm:txFillClrLst>
+    <dgm:txEffectClrLst/>
+  </dgm:styleLbl>
+</dgm:colorsDef>
+</file>
+
+<file path=ppt/diagrams/data1.xml><?xml version="1.0" encoding="utf-8"?>
+<dgm:dataModel xmlns:dgm="http://schemas.openxmlformats.org/drawingml/2006/diagram" xmlns:a="http://schemas.openxmlformats.org/drawingml/2006/main">
+  <dgm:ptLst>
+    <dgm:pt modelId="{FA321B98-4DB8-4F99-8E82-4355D4E3B757}" type="doc">
+      <dgm:prSet loTypeId="urn:microsoft.com/office/officeart/2005/8/layout/hierarchy3" loCatId="relationship" qsTypeId="urn:microsoft.com/office/officeart/2005/8/quickstyle/simple1" qsCatId="simple" csTypeId="urn:microsoft.com/office/officeart/2005/8/colors/accent1_2" csCatId="accent1" phldr="1"/>
+      <dgm:spPr/>
+      <dgm:t>
+        <a:bodyPr/>
+        <a:lstStyle/>
+        <a:p>
+          <a:endParaRPr lang="en-US"/>
+        </a:p>
+      </dgm:t>
+    </dgm:pt>
+    <dgm:pt modelId="{888FE06C-09C5-427E-8F03-3F0FD1BA597A}">
+      <dgm:prSet phldrT="[Text]"/>
+      <dgm:spPr/>
+      <dgm:t>
+        <a:bodyPr/>
+        <a:lstStyle/>
+        <a:p>
+          <a:r>
+            <a:rPr lang="en-US" b="1" dirty="0"/>
+            <a:t>v1.1</a:t>
+          </a:r>
+        </a:p>
+      </dgm:t>
+    </dgm:pt>
+    <dgm:pt modelId="{BFC40FF5-F664-4D1D-84FD-EA33D3CF8963}" type="parTrans" cxnId="{AEFE87EF-C72D-4622-B972-327564B79372}">
+      <dgm:prSet/>
+      <dgm:spPr/>
+      <dgm:t>
+        <a:bodyPr/>
+        <a:lstStyle/>
+        <a:p>
+          <a:endParaRPr lang="en-US"/>
+        </a:p>
+      </dgm:t>
+    </dgm:pt>
+    <dgm:pt modelId="{2760B420-4483-461C-931A-73F3A9A34D47}" type="sibTrans" cxnId="{AEFE87EF-C72D-4622-B972-327564B79372}">
+      <dgm:prSet/>
+      <dgm:spPr/>
+      <dgm:t>
+        <a:bodyPr/>
+        <a:lstStyle/>
+        <a:p>
+          <a:endParaRPr lang="en-US"/>
+        </a:p>
+      </dgm:t>
+    </dgm:pt>
+    <dgm:pt modelId="{EB5EC93B-EEC1-4BD0-8B08-190A31CA3884}">
+      <dgm:prSet phldrT="[Text]"/>
+      <dgm:spPr/>
+      <dgm:t>
+        <a:bodyPr/>
+        <a:lstStyle/>
+        <a:p>
+          <a:r>
+            <a:rPr lang="en-US" dirty="0"/>
+            <a:t>16.8 MB</a:t>
+          </a:r>
+        </a:p>
+      </dgm:t>
+    </dgm:pt>
+    <dgm:pt modelId="{ECD8AF99-DF77-4D92-80CB-650E93E41522}" type="parTrans" cxnId="{23994F7C-0024-4C7C-849E-A7E215DC7F86}">
+      <dgm:prSet/>
+      <dgm:spPr/>
+      <dgm:t>
+        <a:bodyPr/>
+        <a:lstStyle/>
+        <a:p>
+          <a:endParaRPr lang="en-US"/>
+        </a:p>
+      </dgm:t>
+    </dgm:pt>
+    <dgm:pt modelId="{78814A8E-E5D0-4A33-A4EC-ECAA85F5D65F}" type="sibTrans" cxnId="{23994F7C-0024-4C7C-849E-A7E215DC7F86}">
+      <dgm:prSet/>
+      <dgm:spPr/>
+      <dgm:t>
+        <a:bodyPr/>
+        <a:lstStyle/>
+        <a:p>
+          <a:endParaRPr lang="en-US"/>
+        </a:p>
+      </dgm:t>
+    </dgm:pt>
+    <dgm:pt modelId="{20A53C6F-CE81-4E75-944F-DC879C141573}">
+      <dgm:prSet phldrT="[Text]"/>
+      <dgm:spPr/>
+      <dgm:t>
+        <a:bodyPr/>
+        <a:lstStyle/>
+        <a:p>
+          <a:r>
+            <a:rPr lang="en-US" dirty="0"/>
+            <a:t>26.7 MB</a:t>
+          </a:r>
+        </a:p>
+        <a:p>
+          <a:r>
+            <a:rPr lang="en-US" dirty="0"/>
+            <a:t>w/ Identity</a:t>
+          </a:r>
+        </a:p>
+      </dgm:t>
+    </dgm:pt>
+    <dgm:pt modelId="{EDCBB501-A7C3-4276-BEBF-B2ED12E10FB3}" type="parTrans" cxnId="{8C8DBF54-F52D-49A5-BBF1-EA5BFA75FE13}">
+      <dgm:prSet/>
+      <dgm:spPr/>
+      <dgm:t>
+        <a:bodyPr/>
+        <a:lstStyle/>
+        <a:p>
+          <a:endParaRPr lang="en-US"/>
+        </a:p>
+      </dgm:t>
+    </dgm:pt>
+    <dgm:pt modelId="{C6EC2D59-1AE3-40A8-9E63-B4827842630E}" type="sibTrans" cxnId="{8C8DBF54-F52D-49A5-BBF1-EA5BFA75FE13}">
+      <dgm:prSet/>
+      <dgm:spPr/>
+      <dgm:t>
+        <a:bodyPr/>
+        <a:lstStyle/>
+        <a:p>
+          <a:endParaRPr lang="en-US"/>
+        </a:p>
+      </dgm:t>
+    </dgm:pt>
+    <dgm:pt modelId="{DCB6FF6C-2336-4BAD-B2BF-3276A7BB684D}">
+      <dgm:prSet phldrT="[Text]"/>
+      <dgm:spPr/>
+      <dgm:t>
+        <a:bodyPr/>
+        <a:lstStyle/>
+        <a:p>
+          <a:r>
+            <a:rPr lang="en-US" b="1" dirty="0"/>
+            <a:t>v2.0</a:t>
+          </a:r>
+        </a:p>
+      </dgm:t>
+    </dgm:pt>
+    <dgm:pt modelId="{988B146A-C019-4DE4-85CE-F6EE4F7F8EE6}" type="parTrans" cxnId="{B949797C-A8A8-4561-9FB3-332F20B3C6FD}">
+      <dgm:prSet/>
+      <dgm:spPr/>
+      <dgm:t>
+        <a:bodyPr/>
+        <a:lstStyle/>
+        <a:p>
+          <a:endParaRPr lang="en-US"/>
+        </a:p>
+      </dgm:t>
+    </dgm:pt>
+    <dgm:pt modelId="{5AF548F0-3AAE-4F64-A077-0A1EA85186CA}" type="sibTrans" cxnId="{B949797C-A8A8-4561-9FB3-332F20B3C6FD}">
+      <dgm:prSet/>
+      <dgm:spPr/>
+      <dgm:t>
+        <a:bodyPr/>
+        <a:lstStyle/>
+        <a:p>
+          <a:endParaRPr lang="en-US"/>
+        </a:p>
+      </dgm:t>
+    </dgm:pt>
+    <dgm:pt modelId="{53027B04-5204-447C-A0FC-41086B4CDC3C}">
+      <dgm:prSet phldrT="[Text]"/>
+      <dgm:spPr/>
+      <dgm:t>
+        <a:bodyPr/>
+        <a:lstStyle/>
+        <a:p>
+          <a:r>
+            <a:rPr lang="en-US" dirty="0"/>
+            <a:t>2.63 MB</a:t>
+          </a:r>
+        </a:p>
+      </dgm:t>
+    </dgm:pt>
+    <dgm:pt modelId="{04491201-B446-4A44-9662-BCAFC1B51149}" type="parTrans" cxnId="{C94F6E9E-FFA2-4DF1-A127-E500CE9D3CE3}">
+      <dgm:prSet/>
+      <dgm:spPr/>
+      <dgm:t>
+        <a:bodyPr/>
+        <a:lstStyle/>
+        <a:p>
+          <a:endParaRPr lang="en-US"/>
+        </a:p>
+      </dgm:t>
+    </dgm:pt>
+    <dgm:pt modelId="{4084F87D-AC83-4AFA-82D4-8D008B6918DD}" type="sibTrans" cxnId="{C94F6E9E-FFA2-4DF1-A127-E500CE9D3CE3}">
+      <dgm:prSet/>
+      <dgm:spPr/>
+      <dgm:t>
+        <a:bodyPr/>
+        <a:lstStyle/>
+        <a:p>
+          <a:endParaRPr lang="en-US"/>
+        </a:p>
+      </dgm:t>
+    </dgm:pt>
+    <dgm:pt modelId="{C892E65A-CF97-4F26-9708-D0622E9B6C00}">
+      <dgm:prSet phldrT="[Text]"/>
+      <dgm:spPr/>
+      <dgm:t>
+        <a:bodyPr/>
+        <a:lstStyle/>
+        <a:p>
+          <a:r>
+            <a:rPr lang="en-US" dirty="0"/>
+            <a:t>3.09 MB</a:t>
+          </a:r>
+        </a:p>
+        <a:p>
+          <a:r>
+            <a:rPr lang="en-US" dirty="0"/>
+            <a:t>w/ Identity</a:t>
+          </a:r>
+        </a:p>
+      </dgm:t>
+    </dgm:pt>
+    <dgm:pt modelId="{56BD50E0-D985-466C-A3D3-4526650F8667}" type="parTrans" cxnId="{006C22A8-A6EF-49AF-834F-A37F09666E35}">
+      <dgm:prSet/>
+      <dgm:spPr/>
+      <dgm:t>
+        <a:bodyPr/>
+        <a:lstStyle/>
+        <a:p>
+          <a:endParaRPr lang="en-US"/>
+        </a:p>
+      </dgm:t>
+    </dgm:pt>
+    <dgm:pt modelId="{CBEFED12-4422-444D-98EA-E4CDC3ED2115}" type="sibTrans" cxnId="{006C22A8-A6EF-49AF-834F-A37F09666E35}">
+      <dgm:prSet/>
+      <dgm:spPr/>
+      <dgm:t>
+        <a:bodyPr/>
+        <a:lstStyle/>
+        <a:p>
+          <a:endParaRPr lang="en-US"/>
+        </a:p>
+      </dgm:t>
+    </dgm:pt>
+    <dgm:pt modelId="{57EEBA12-DBD6-4E88-96AC-8712278DA3CA}" type="pres">
+      <dgm:prSet presAssocID="{FA321B98-4DB8-4F99-8E82-4355D4E3B757}" presName="diagram" presStyleCnt="0">
+        <dgm:presLayoutVars>
+          <dgm:chPref val="1"/>
+          <dgm:dir/>
+          <dgm:animOne val="branch"/>
+          <dgm:animLvl val="lvl"/>
+          <dgm:resizeHandles/>
+        </dgm:presLayoutVars>
+      </dgm:prSet>
+      <dgm:spPr/>
+    </dgm:pt>
+    <dgm:pt modelId="{845F4C06-F1E4-4A65-830B-9C28568EEA82}" type="pres">
+      <dgm:prSet presAssocID="{888FE06C-09C5-427E-8F03-3F0FD1BA597A}" presName="root" presStyleCnt="0"/>
+      <dgm:spPr/>
+    </dgm:pt>
+    <dgm:pt modelId="{2F0D8B24-36CC-4808-8F68-71BAE80CE5E6}" type="pres">
+      <dgm:prSet presAssocID="{888FE06C-09C5-427E-8F03-3F0FD1BA597A}" presName="rootComposite" presStyleCnt="0"/>
+      <dgm:spPr/>
+    </dgm:pt>
+    <dgm:pt modelId="{506DE584-112F-4411-87AF-D5A19FF52CA5}" type="pres">
+      <dgm:prSet presAssocID="{888FE06C-09C5-427E-8F03-3F0FD1BA597A}" presName="rootText" presStyleLbl="node1" presStyleIdx="0" presStyleCnt="2"/>
+      <dgm:spPr/>
+    </dgm:pt>
+    <dgm:pt modelId="{51DF460C-7464-41F1-8DA7-163878DB84CD}" type="pres">
+      <dgm:prSet presAssocID="{888FE06C-09C5-427E-8F03-3F0FD1BA597A}" presName="rootConnector" presStyleLbl="node1" presStyleIdx="0" presStyleCnt="2"/>
+      <dgm:spPr/>
+    </dgm:pt>
+    <dgm:pt modelId="{4E44BEDE-DBCE-4E34-8EFD-C725D5CF7BAF}" type="pres">
+      <dgm:prSet presAssocID="{888FE06C-09C5-427E-8F03-3F0FD1BA597A}" presName="childShape" presStyleCnt="0"/>
+      <dgm:spPr/>
+    </dgm:pt>
+    <dgm:pt modelId="{13BDF7F1-F60A-4CC8-B5C7-4AC4888480E2}" type="pres">
+      <dgm:prSet presAssocID="{ECD8AF99-DF77-4D92-80CB-650E93E41522}" presName="Name13" presStyleLbl="parChTrans1D2" presStyleIdx="0" presStyleCnt="4"/>
+      <dgm:spPr/>
+    </dgm:pt>
+    <dgm:pt modelId="{3C186ECF-48A2-4E12-8167-517070EA2FE3}" type="pres">
+      <dgm:prSet presAssocID="{EB5EC93B-EEC1-4BD0-8B08-190A31CA3884}" presName="childText" presStyleLbl="bgAcc1" presStyleIdx="0" presStyleCnt="4">
+        <dgm:presLayoutVars>
+          <dgm:bulletEnabled val="1"/>
+        </dgm:presLayoutVars>
+      </dgm:prSet>
+      <dgm:spPr/>
+    </dgm:pt>
+    <dgm:pt modelId="{D79E043A-8F5E-495C-9528-6ED53542CAAC}" type="pres">
+      <dgm:prSet presAssocID="{EDCBB501-A7C3-4276-BEBF-B2ED12E10FB3}" presName="Name13" presStyleLbl="parChTrans1D2" presStyleIdx="1" presStyleCnt="4"/>
+      <dgm:spPr/>
+    </dgm:pt>
+    <dgm:pt modelId="{4175C2B0-98EE-4CFF-BA77-BF7BDC7107D4}" type="pres">
+      <dgm:prSet presAssocID="{20A53C6F-CE81-4E75-944F-DC879C141573}" presName="childText" presStyleLbl="bgAcc1" presStyleIdx="1" presStyleCnt="4">
+        <dgm:presLayoutVars>
+          <dgm:bulletEnabled val="1"/>
+        </dgm:presLayoutVars>
+      </dgm:prSet>
+      <dgm:spPr/>
+    </dgm:pt>
+    <dgm:pt modelId="{4CAFE22E-E419-4D5D-9C92-537434DF9913}" type="pres">
+      <dgm:prSet presAssocID="{DCB6FF6C-2336-4BAD-B2BF-3276A7BB684D}" presName="root" presStyleCnt="0"/>
+      <dgm:spPr/>
+    </dgm:pt>
+    <dgm:pt modelId="{F89CA9B4-8755-40D6-9827-15AC8765495A}" type="pres">
+      <dgm:prSet presAssocID="{DCB6FF6C-2336-4BAD-B2BF-3276A7BB684D}" presName="rootComposite" presStyleCnt="0"/>
+      <dgm:spPr/>
+    </dgm:pt>
+    <dgm:pt modelId="{B8DB3067-AFDF-4002-B6B1-3B02EB89B7D0}" type="pres">
+      <dgm:prSet presAssocID="{DCB6FF6C-2336-4BAD-B2BF-3276A7BB684D}" presName="rootText" presStyleLbl="node1" presStyleIdx="1" presStyleCnt="2"/>
+      <dgm:spPr/>
+    </dgm:pt>
+    <dgm:pt modelId="{FC901B6B-7411-4AA9-8818-D801EDEF641D}" type="pres">
+      <dgm:prSet presAssocID="{DCB6FF6C-2336-4BAD-B2BF-3276A7BB684D}" presName="rootConnector" presStyleLbl="node1" presStyleIdx="1" presStyleCnt="2"/>
+      <dgm:spPr/>
+    </dgm:pt>
+    <dgm:pt modelId="{ACC73A8A-8EC4-4297-87FD-283AAA58AD3A}" type="pres">
+      <dgm:prSet presAssocID="{DCB6FF6C-2336-4BAD-B2BF-3276A7BB684D}" presName="childShape" presStyleCnt="0"/>
+      <dgm:spPr/>
+    </dgm:pt>
+    <dgm:pt modelId="{AB2E6A14-D2C9-4F3C-80D8-26A4A525310D}" type="pres">
+      <dgm:prSet presAssocID="{04491201-B446-4A44-9662-BCAFC1B51149}" presName="Name13" presStyleLbl="parChTrans1D2" presStyleIdx="2" presStyleCnt="4"/>
+      <dgm:spPr/>
+    </dgm:pt>
+    <dgm:pt modelId="{8C266EAA-556A-4E43-AA79-FB242CA873BF}" type="pres">
+      <dgm:prSet presAssocID="{53027B04-5204-447C-A0FC-41086B4CDC3C}" presName="childText" presStyleLbl="bgAcc1" presStyleIdx="2" presStyleCnt="4">
+        <dgm:presLayoutVars>
+          <dgm:bulletEnabled val="1"/>
+        </dgm:presLayoutVars>
+      </dgm:prSet>
+      <dgm:spPr/>
+    </dgm:pt>
+    <dgm:pt modelId="{FA34CF02-E2FF-4020-8D81-969A0C9C8636}" type="pres">
+      <dgm:prSet presAssocID="{56BD50E0-D985-466C-A3D3-4526650F8667}" presName="Name13" presStyleLbl="parChTrans1D2" presStyleIdx="3" presStyleCnt="4"/>
+      <dgm:spPr/>
+    </dgm:pt>
+    <dgm:pt modelId="{3A0CB6F7-A194-4B41-9BAD-6D0D04780C8F}" type="pres">
+      <dgm:prSet presAssocID="{C892E65A-CF97-4F26-9708-D0622E9B6C00}" presName="childText" presStyleLbl="bgAcc1" presStyleIdx="3" presStyleCnt="4">
+        <dgm:presLayoutVars>
+          <dgm:bulletEnabled val="1"/>
+        </dgm:presLayoutVars>
+      </dgm:prSet>
+      <dgm:spPr/>
+    </dgm:pt>
+  </dgm:ptLst>
+  <dgm:cxnLst>
+    <dgm:cxn modelId="{2E5B9300-4AA1-465B-9E2E-F12265403F38}" type="presOf" srcId="{20A53C6F-CE81-4E75-944F-DC879C141573}" destId="{4175C2B0-98EE-4CFF-BA77-BF7BDC7107D4}" srcOrd="0" destOrd="0" presId="urn:microsoft.com/office/officeart/2005/8/layout/hierarchy3"/>
+    <dgm:cxn modelId="{2C521809-0E42-4A80-A5A1-7126791C96FA}" type="presOf" srcId="{04491201-B446-4A44-9662-BCAFC1B51149}" destId="{AB2E6A14-D2C9-4F3C-80D8-26A4A525310D}" srcOrd="0" destOrd="0" presId="urn:microsoft.com/office/officeart/2005/8/layout/hierarchy3"/>
+    <dgm:cxn modelId="{648CE009-314F-4E7F-97ED-4D01955E7499}" type="presOf" srcId="{DCB6FF6C-2336-4BAD-B2BF-3276A7BB684D}" destId="{B8DB3067-AFDF-4002-B6B1-3B02EB89B7D0}" srcOrd="0" destOrd="0" presId="urn:microsoft.com/office/officeart/2005/8/layout/hierarchy3"/>
+    <dgm:cxn modelId="{672D440A-19BD-439A-A63E-763A207508A2}" type="presOf" srcId="{ECD8AF99-DF77-4D92-80CB-650E93E41522}" destId="{13BDF7F1-F60A-4CC8-B5C7-4AC4888480E2}" srcOrd="0" destOrd="0" presId="urn:microsoft.com/office/officeart/2005/8/layout/hierarchy3"/>
+    <dgm:cxn modelId="{4CE9070E-43FB-43A4-9B7D-6080BD1AA3CC}" type="presOf" srcId="{56BD50E0-D985-466C-A3D3-4526650F8667}" destId="{FA34CF02-E2FF-4020-8D81-969A0C9C8636}" srcOrd="0" destOrd="0" presId="urn:microsoft.com/office/officeart/2005/8/layout/hierarchy3"/>
+    <dgm:cxn modelId="{A3ABCF26-DD19-4A9E-BCD5-770BB89842B9}" type="presOf" srcId="{EB5EC93B-EEC1-4BD0-8B08-190A31CA3884}" destId="{3C186ECF-48A2-4E12-8167-517070EA2FE3}" srcOrd="0" destOrd="0" presId="urn:microsoft.com/office/officeart/2005/8/layout/hierarchy3"/>
+    <dgm:cxn modelId="{717AF327-1043-4082-B125-C57323FFCF3C}" type="presOf" srcId="{DCB6FF6C-2336-4BAD-B2BF-3276A7BB684D}" destId="{FC901B6B-7411-4AA9-8818-D801EDEF641D}" srcOrd="1" destOrd="0" presId="urn:microsoft.com/office/officeart/2005/8/layout/hierarchy3"/>
+    <dgm:cxn modelId="{D7326D4A-E5A6-43DC-9504-95A87997EB34}" type="presOf" srcId="{FA321B98-4DB8-4F99-8E82-4355D4E3B757}" destId="{57EEBA12-DBD6-4E88-96AC-8712278DA3CA}" srcOrd="0" destOrd="0" presId="urn:microsoft.com/office/officeart/2005/8/layout/hierarchy3"/>
+    <dgm:cxn modelId="{823C954D-F5E4-489A-91C3-7A104882EA47}" type="presOf" srcId="{888FE06C-09C5-427E-8F03-3F0FD1BA597A}" destId="{51DF460C-7464-41F1-8DA7-163878DB84CD}" srcOrd="1" destOrd="0" presId="urn:microsoft.com/office/officeart/2005/8/layout/hierarchy3"/>
+    <dgm:cxn modelId="{8C8DBF54-F52D-49A5-BBF1-EA5BFA75FE13}" srcId="{888FE06C-09C5-427E-8F03-3F0FD1BA597A}" destId="{20A53C6F-CE81-4E75-944F-DC879C141573}" srcOrd="1" destOrd="0" parTransId="{EDCBB501-A7C3-4276-BEBF-B2ED12E10FB3}" sibTransId="{C6EC2D59-1AE3-40A8-9E63-B4827842630E}"/>
+    <dgm:cxn modelId="{23994F7C-0024-4C7C-849E-A7E215DC7F86}" srcId="{888FE06C-09C5-427E-8F03-3F0FD1BA597A}" destId="{EB5EC93B-EEC1-4BD0-8B08-190A31CA3884}" srcOrd="0" destOrd="0" parTransId="{ECD8AF99-DF77-4D92-80CB-650E93E41522}" sibTransId="{78814A8E-E5D0-4A33-A4EC-ECAA85F5D65F}"/>
+    <dgm:cxn modelId="{B949797C-A8A8-4561-9FB3-332F20B3C6FD}" srcId="{FA321B98-4DB8-4F99-8E82-4355D4E3B757}" destId="{DCB6FF6C-2336-4BAD-B2BF-3276A7BB684D}" srcOrd="1" destOrd="0" parTransId="{988B146A-C019-4DE4-85CE-F6EE4F7F8EE6}" sibTransId="{5AF548F0-3AAE-4F64-A077-0A1EA85186CA}"/>
+    <dgm:cxn modelId="{90609C88-F14B-422F-86F7-987E53DF0BEE}" type="presOf" srcId="{EDCBB501-A7C3-4276-BEBF-B2ED12E10FB3}" destId="{D79E043A-8F5E-495C-9528-6ED53542CAAC}" srcOrd="0" destOrd="0" presId="urn:microsoft.com/office/officeart/2005/8/layout/hierarchy3"/>
+    <dgm:cxn modelId="{36D71291-666E-40ED-89D3-19B7811D67F3}" type="presOf" srcId="{888FE06C-09C5-427E-8F03-3F0FD1BA597A}" destId="{506DE584-112F-4411-87AF-D5A19FF52CA5}" srcOrd="0" destOrd="0" presId="urn:microsoft.com/office/officeart/2005/8/layout/hierarchy3"/>
+    <dgm:cxn modelId="{A61EEB9D-6BED-46EB-9E1B-281FA7E03869}" type="presOf" srcId="{C892E65A-CF97-4F26-9708-D0622E9B6C00}" destId="{3A0CB6F7-A194-4B41-9BAD-6D0D04780C8F}" srcOrd="0" destOrd="0" presId="urn:microsoft.com/office/officeart/2005/8/layout/hierarchy3"/>
+    <dgm:cxn modelId="{C94F6E9E-FFA2-4DF1-A127-E500CE9D3CE3}" srcId="{DCB6FF6C-2336-4BAD-B2BF-3276A7BB684D}" destId="{53027B04-5204-447C-A0FC-41086B4CDC3C}" srcOrd="0" destOrd="0" parTransId="{04491201-B446-4A44-9662-BCAFC1B51149}" sibTransId="{4084F87D-AC83-4AFA-82D4-8D008B6918DD}"/>
+    <dgm:cxn modelId="{006C22A8-A6EF-49AF-834F-A37F09666E35}" srcId="{DCB6FF6C-2336-4BAD-B2BF-3276A7BB684D}" destId="{C892E65A-CF97-4F26-9708-D0622E9B6C00}" srcOrd="1" destOrd="0" parTransId="{56BD50E0-D985-466C-A3D3-4526650F8667}" sibTransId="{CBEFED12-4422-444D-98EA-E4CDC3ED2115}"/>
+    <dgm:cxn modelId="{F2FFF3D6-A7CA-485F-80EE-2ADE78D01804}" type="presOf" srcId="{53027B04-5204-447C-A0FC-41086B4CDC3C}" destId="{8C266EAA-556A-4E43-AA79-FB242CA873BF}" srcOrd="0" destOrd="0" presId="urn:microsoft.com/office/officeart/2005/8/layout/hierarchy3"/>
+    <dgm:cxn modelId="{AEFE87EF-C72D-4622-B972-327564B79372}" srcId="{FA321B98-4DB8-4F99-8E82-4355D4E3B757}" destId="{888FE06C-09C5-427E-8F03-3F0FD1BA597A}" srcOrd="0" destOrd="0" parTransId="{BFC40FF5-F664-4D1D-84FD-EA33D3CF8963}" sibTransId="{2760B420-4483-461C-931A-73F3A9A34D47}"/>
+    <dgm:cxn modelId="{316A4FDA-999F-46CC-BB53-D9FF22200569}" type="presParOf" srcId="{57EEBA12-DBD6-4E88-96AC-8712278DA3CA}" destId="{845F4C06-F1E4-4A65-830B-9C28568EEA82}" srcOrd="0" destOrd="0" presId="urn:microsoft.com/office/officeart/2005/8/layout/hierarchy3"/>
+    <dgm:cxn modelId="{6D5BB4AE-5B44-4750-B932-0AB7EBDB454C}" type="presParOf" srcId="{845F4C06-F1E4-4A65-830B-9C28568EEA82}" destId="{2F0D8B24-36CC-4808-8F68-71BAE80CE5E6}" srcOrd="0" destOrd="0" presId="urn:microsoft.com/office/officeart/2005/8/layout/hierarchy3"/>
+    <dgm:cxn modelId="{491CDE75-A192-43B7-957D-D64F40BDEDA5}" type="presParOf" srcId="{2F0D8B24-36CC-4808-8F68-71BAE80CE5E6}" destId="{506DE584-112F-4411-87AF-D5A19FF52CA5}" srcOrd="0" destOrd="0" presId="urn:microsoft.com/office/officeart/2005/8/layout/hierarchy3"/>
+    <dgm:cxn modelId="{1EF1D825-72DE-482D-9EE4-DF15EF3A5B0B}" type="presParOf" srcId="{2F0D8B24-36CC-4808-8F68-71BAE80CE5E6}" destId="{51DF460C-7464-41F1-8DA7-163878DB84CD}" srcOrd="1" destOrd="0" presId="urn:microsoft.com/office/officeart/2005/8/layout/hierarchy3"/>
+    <dgm:cxn modelId="{C7710504-2409-4638-BECE-8CE4F97638E3}" type="presParOf" srcId="{845F4C06-F1E4-4A65-830B-9C28568EEA82}" destId="{4E44BEDE-DBCE-4E34-8EFD-C725D5CF7BAF}" srcOrd="1" destOrd="0" presId="urn:microsoft.com/office/officeart/2005/8/layout/hierarchy3"/>
+    <dgm:cxn modelId="{5A13CF45-E200-47A0-80F8-547CE7EBA509}" type="presParOf" srcId="{4E44BEDE-DBCE-4E34-8EFD-C725D5CF7BAF}" destId="{13BDF7F1-F60A-4CC8-B5C7-4AC4888480E2}" srcOrd="0" destOrd="0" presId="urn:microsoft.com/office/officeart/2005/8/layout/hierarchy3"/>
+    <dgm:cxn modelId="{9B60E24C-78B1-40F4-A06F-CEC1044F646C}" type="presParOf" srcId="{4E44BEDE-DBCE-4E34-8EFD-C725D5CF7BAF}" destId="{3C186ECF-48A2-4E12-8167-517070EA2FE3}" srcOrd="1" destOrd="0" presId="urn:microsoft.com/office/officeart/2005/8/layout/hierarchy3"/>
+    <dgm:cxn modelId="{7A684D30-5B8D-42D9-9000-6D0B691967A4}" type="presParOf" srcId="{4E44BEDE-DBCE-4E34-8EFD-C725D5CF7BAF}" destId="{D79E043A-8F5E-495C-9528-6ED53542CAAC}" srcOrd="2" destOrd="0" presId="urn:microsoft.com/office/officeart/2005/8/layout/hierarchy3"/>
+    <dgm:cxn modelId="{DC00718E-F9A8-4090-8DC8-861CE94D7516}" type="presParOf" srcId="{4E44BEDE-DBCE-4E34-8EFD-C725D5CF7BAF}" destId="{4175C2B0-98EE-4CFF-BA77-BF7BDC7107D4}" srcOrd="3" destOrd="0" presId="urn:microsoft.com/office/officeart/2005/8/layout/hierarchy3"/>
+    <dgm:cxn modelId="{299129C1-0083-46D7-85F7-08EBCC243E1D}" type="presParOf" srcId="{57EEBA12-DBD6-4E88-96AC-8712278DA3CA}" destId="{4CAFE22E-E419-4D5D-9C92-537434DF9913}" srcOrd="1" destOrd="0" presId="urn:microsoft.com/office/officeart/2005/8/layout/hierarchy3"/>
+    <dgm:cxn modelId="{963415FB-47BE-49B4-860B-B4B5733CC25E}" type="presParOf" srcId="{4CAFE22E-E419-4D5D-9C92-537434DF9913}" destId="{F89CA9B4-8755-40D6-9827-15AC8765495A}" srcOrd="0" destOrd="0" presId="urn:microsoft.com/office/officeart/2005/8/layout/hierarchy3"/>
+    <dgm:cxn modelId="{FFF40703-73E1-4BA7-8F9D-2F4BBC924D2A}" type="presParOf" srcId="{F89CA9B4-8755-40D6-9827-15AC8765495A}" destId="{B8DB3067-AFDF-4002-B6B1-3B02EB89B7D0}" srcOrd="0" destOrd="0" presId="urn:microsoft.com/office/officeart/2005/8/layout/hierarchy3"/>
+    <dgm:cxn modelId="{C84212A6-8D44-443A-B6E1-7F7B9E994967}" type="presParOf" srcId="{F89CA9B4-8755-40D6-9827-15AC8765495A}" destId="{FC901B6B-7411-4AA9-8818-D801EDEF641D}" srcOrd="1" destOrd="0" presId="urn:microsoft.com/office/officeart/2005/8/layout/hierarchy3"/>
+    <dgm:cxn modelId="{08F3D32A-CDF0-41F6-B220-D1ED31EC2C10}" type="presParOf" srcId="{4CAFE22E-E419-4D5D-9C92-537434DF9913}" destId="{ACC73A8A-8EC4-4297-87FD-283AAA58AD3A}" srcOrd="1" destOrd="0" presId="urn:microsoft.com/office/officeart/2005/8/layout/hierarchy3"/>
+    <dgm:cxn modelId="{EE0E5C8B-B7C0-48AD-95CC-FAFCF1D4A3C7}" type="presParOf" srcId="{ACC73A8A-8EC4-4297-87FD-283AAA58AD3A}" destId="{AB2E6A14-D2C9-4F3C-80D8-26A4A525310D}" srcOrd="0" destOrd="0" presId="urn:microsoft.com/office/officeart/2005/8/layout/hierarchy3"/>
+    <dgm:cxn modelId="{AEC24ED2-D9A7-4A88-A147-123501B2B1B1}" type="presParOf" srcId="{ACC73A8A-8EC4-4297-87FD-283AAA58AD3A}" destId="{8C266EAA-556A-4E43-AA79-FB242CA873BF}" srcOrd="1" destOrd="0" presId="urn:microsoft.com/office/officeart/2005/8/layout/hierarchy3"/>
+    <dgm:cxn modelId="{9428DA40-D439-4F5E-BFE8-A900B7018B38}" type="presParOf" srcId="{ACC73A8A-8EC4-4297-87FD-283AAA58AD3A}" destId="{FA34CF02-E2FF-4020-8D81-969A0C9C8636}" srcOrd="2" destOrd="0" presId="urn:microsoft.com/office/officeart/2005/8/layout/hierarchy3"/>
+    <dgm:cxn modelId="{30DFFD65-A0FE-4939-AD47-9A787A9073EE}" type="presParOf" srcId="{ACC73A8A-8EC4-4297-87FD-283AAA58AD3A}" destId="{3A0CB6F7-A194-4B41-9BAD-6D0D04780C8F}" srcOrd="3" destOrd="0" presId="urn:microsoft.com/office/officeart/2005/8/layout/hierarchy3"/>
+  </dgm:cxnLst>
+  <dgm:bg/>
+  <dgm:whole/>
+  <dgm:extLst>
+    <a:ext uri="http://schemas.microsoft.com/office/drawing/2008/diagram">
+      <dsp:dataModelExt xmlns:dsp="http://schemas.microsoft.com/office/drawing/2008/diagram" relId="rId9" minVer="http://schemas.openxmlformats.org/drawingml/2006/diagram"/>
+    </a:ext>
+  </dgm:extLst>
+</dgm:dataModel>
+</file>
+
+<file path=ppt/diagrams/drawing1.xml><?xml version="1.0" encoding="utf-8"?>
+<dsp:drawing xmlns:dgm="http://schemas.openxmlformats.org/drawingml/2006/diagram" xmlns:dsp="http://schemas.microsoft.com/office/drawing/2008/diagram" xmlns:a="http://schemas.openxmlformats.org/drawingml/2006/main">
+  <dsp:spTree>
+    <dsp:nvGrpSpPr>
+      <dsp:cNvPr id="0" name=""/>
+      <dsp:cNvGrpSpPr/>
+    </dsp:nvGrpSpPr>
+    <dsp:grpSpPr/>
+    <dsp:sp modelId="{506DE584-112F-4411-87AF-D5A19FF52CA5}">
+      <dsp:nvSpPr>
+        <dsp:cNvPr id="0" name=""/>
+        <dsp:cNvSpPr/>
+      </dsp:nvSpPr>
+      <dsp:spPr>
+        <a:xfrm>
+          <a:off x="505" y="792961"/>
+          <a:ext cx="1839639" cy="919819"/>
+        </a:xfrm>
+        <a:prstGeom prst="roundRect">
+          <a:avLst>
+            <a:gd name="adj" fmla="val 10000"/>
+          </a:avLst>
+        </a:prstGeom>
+        <a:solidFill>
+          <a:schemeClr val="accent1">
+            <a:hueOff val="0"/>
+            <a:satOff val="0"/>
+            <a:lumOff val="0"/>
+            <a:alphaOff val="0"/>
+          </a:schemeClr>
+        </a:solidFill>
+        <a:ln w="12700" cap="flat" cmpd="sng" algn="ctr">
+          <a:solidFill>
+            <a:schemeClr val="lt1">
+              <a:hueOff val="0"/>
+              <a:satOff val="0"/>
+              <a:lumOff val="0"/>
+              <a:alphaOff val="0"/>
+            </a:schemeClr>
+          </a:solidFill>
+          <a:prstDash val="solid"/>
+          <a:miter lim="800000"/>
+        </a:ln>
+        <a:effectLst/>
+      </dsp:spPr>
+      <dsp:style>
+        <a:lnRef idx="2">
+          <a:scrgbClr r="0" g="0" b="0"/>
+        </a:lnRef>
+        <a:fillRef idx="1">
+          <a:scrgbClr r="0" g="0" b="0"/>
+        </a:fillRef>
+        <a:effectRef idx="0">
+          <a:scrgbClr r="0" g="0" b="0"/>
+        </a:effectRef>
+        <a:fontRef idx="minor">
+          <a:schemeClr val="lt1"/>
+        </a:fontRef>
+      </dsp:style>
+      <dsp:txBody>
+        <a:bodyPr spcFirstLastPara="0" vert="horz" wrap="square" lIns="91440" tIns="60960" rIns="91440" bIns="60960" numCol="1" spcCol="1270" anchor="ctr" anchorCtr="0">
+          <a:noAutofit/>
+        </a:bodyPr>
+        <a:lstStyle/>
+        <a:p>
+          <a:pPr marL="0" lvl="0" indent="0" algn="ctr" defTabSz="2133600">
+            <a:lnSpc>
+              <a:spcPct val="90000"/>
+            </a:lnSpc>
+            <a:spcBef>
+              <a:spcPct val="0"/>
+            </a:spcBef>
+            <a:spcAft>
+              <a:spcPct val="35000"/>
+            </a:spcAft>
+            <a:buNone/>
+          </a:pPr>
+          <a:r>
+            <a:rPr lang="en-US" sz="4800" b="1" kern="1200" dirty="0"/>
+            <a:t>v1.1</a:t>
+          </a:r>
+        </a:p>
+      </dsp:txBody>
+      <dsp:txXfrm>
+        <a:off x="27446" y="819902"/>
+        <a:ext cx="1785757" cy="865937"/>
+      </dsp:txXfrm>
+    </dsp:sp>
+    <dsp:sp modelId="{13BDF7F1-F60A-4CC8-B5C7-4AC4888480E2}">
+      <dsp:nvSpPr>
+        <dsp:cNvPr id="0" name=""/>
+        <dsp:cNvSpPr/>
+      </dsp:nvSpPr>
+      <dsp:spPr>
+        <a:xfrm>
+          <a:off x="184469" y="1712781"/>
+          <a:ext cx="183963" cy="689864"/>
+        </a:xfrm>
+        <a:custGeom>
+          <a:avLst/>
+          <a:gdLst/>
+          <a:ahLst/>
+          <a:cxnLst/>
+          <a:rect l="0" t="0" r="0" b="0"/>
+          <a:pathLst>
+            <a:path>
+              <a:moveTo>
+                <a:pt x="0" y="0"/>
+              </a:moveTo>
+              <a:lnTo>
+                <a:pt x="0" y="689864"/>
+              </a:lnTo>
+              <a:lnTo>
+                <a:pt x="183963" y="689864"/>
+              </a:lnTo>
+            </a:path>
+          </a:pathLst>
+        </a:custGeom>
+        <a:noFill/>
+        <a:ln w="12700" cap="flat" cmpd="sng" algn="ctr">
+          <a:solidFill>
+            <a:schemeClr val="accent1">
+              <a:shade val="60000"/>
+              <a:hueOff val="0"/>
+              <a:satOff val="0"/>
+              <a:lumOff val="0"/>
+              <a:alphaOff val="0"/>
+            </a:schemeClr>
+          </a:solidFill>
+          <a:prstDash val="solid"/>
+          <a:miter lim="800000"/>
+        </a:ln>
+        <a:effectLst/>
+      </dsp:spPr>
+      <dsp:style>
+        <a:lnRef idx="2">
+          <a:scrgbClr r="0" g="0" b="0"/>
+        </a:lnRef>
+        <a:fillRef idx="0">
+          <a:scrgbClr r="0" g="0" b="0"/>
+        </a:fillRef>
+        <a:effectRef idx="0">
+          <a:scrgbClr r="0" g="0" b="0"/>
+        </a:effectRef>
+        <a:fontRef idx="minor"/>
+      </dsp:style>
+    </dsp:sp>
+    <dsp:sp modelId="{3C186ECF-48A2-4E12-8167-517070EA2FE3}">
+      <dsp:nvSpPr>
+        <dsp:cNvPr id="0" name=""/>
+        <dsp:cNvSpPr/>
+      </dsp:nvSpPr>
+      <dsp:spPr>
+        <a:xfrm>
+          <a:off x="368433" y="1942736"/>
+          <a:ext cx="1471711" cy="919819"/>
+        </a:xfrm>
+        <a:prstGeom prst="roundRect">
+          <a:avLst>
+            <a:gd name="adj" fmla="val 10000"/>
+          </a:avLst>
+        </a:prstGeom>
+        <a:solidFill>
+          <a:schemeClr val="lt1">
+            <a:alpha val="90000"/>
+            <a:hueOff val="0"/>
+            <a:satOff val="0"/>
+            <a:lumOff val="0"/>
+            <a:alphaOff val="0"/>
+          </a:schemeClr>
+        </a:solidFill>
+        <a:ln w="12700" cap="flat" cmpd="sng" algn="ctr">
+          <a:solidFill>
+            <a:schemeClr val="accent1">
+              <a:hueOff val="0"/>
+              <a:satOff val="0"/>
+              <a:lumOff val="0"/>
+              <a:alphaOff val="0"/>
+            </a:schemeClr>
+          </a:solidFill>
+          <a:prstDash val="solid"/>
+          <a:miter lim="800000"/>
+        </a:ln>
+        <a:effectLst/>
+      </dsp:spPr>
+      <dsp:style>
+        <a:lnRef idx="2">
+          <a:scrgbClr r="0" g="0" b="0"/>
+        </a:lnRef>
+        <a:fillRef idx="1">
+          <a:scrgbClr r="0" g="0" b="0"/>
+        </a:fillRef>
+        <a:effectRef idx="0">
+          <a:scrgbClr r="0" g="0" b="0"/>
+        </a:effectRef>
+        <a:fontRef idx="minor"/>
+      </dsp:style>
+      <dsp:txBody>
+        <a:bodyPr spcFirstLastPara="0" vert="horz" wrap="square" lIns="41910" tIns="27940" rIns="41910" bIns="27940" numCol="1" spcCol="1270" anchor="ctr" anchorCtr="0">
+          <a:noAutofit/>
+        </a:bodyPr>
+        <a:lstStyle/>
+        <a:p>
+          <a:pPr marL="0" lvl="0" indent="0" algn="ctr" defTabSz="977900">
+            <a:lnSpc>
+              <a:spcPct val="90000"/>
+            </a:lnSpc>
+            <a:spcBef>
+              <a:spcPct val="0"/>
+            </a:spcBef>
+            <a:spcAft>
+              <a:spcPct val="35000"/>
+            </a:spcAft>
+            <a:buNone/>
+          </a:pPr>
+          <a:r>
+            <a:rPr lang="en-US" sz="2200" kern="1200" dirty="0"/>
+            <a:t>16.8 MB</a:t>
+          </a:r>
+        </a:p>
+      </dsp:txBody>
+      <dsp:txXfrm>
+        <a:off x="395374" y="1969677"/>
+        <a:ext cx="1417829" cy="865937"/>
+      </dsp:txXfrm>
+    </dsp:sp>
+    <dsp:sp modelId="{D79E043A-8F5E-495C-9528-6ED53542CAAC}">
+      <dsp:nvSpPr>
+        <dsp:cNvPr id="0" name=""/>
+        <dsp:cNvSpPr/>
+      </dsp:nvSpPr>
+      <dsp:spPr>
+        <a:xfrm>
+          <a:off x="184469" y="1712781"/>
+          <a:ext cx="183963" cy="1839639"/>
+        </a:xfrm>
+        <a:custGeom>
+          <a:avLst/>
+          <a:gdLst/>
+          <a:ahLst/>
+          <a:cxnLst/>
+          <a:rect l="0" t="0" r="0" b="0"/>
+          <a:pathLst>
+            <a:path>
+              <a:moveTo>
+                <a:pt x="0" y="0"/>
+              </a:moveTo>
+              <a:lnTo>
+                <a:pt x="0" y="1839639"/>
+              </a:lnTo>
+              <a:lnTo>
+                <a:pt x="183963" y="1839639"/>
+              </a:lnTo>
+            </a:path>
+          </a:pathLst>
+        </a:custGeom>
+        <a:noFill/>
+        <a:ln w="12700" cap="flat" cmpd="sng" algn="ctr">
+          <a:solidFill>
+            <a:schemeClr val="accent1">
+              <a:shade val="60000"/>
+              <a:hueOff val="0"/>
+              <a:satOff val="0"/>
+              <a:lumOff val="0"/>
+              <a:alphaOff val="0"/>
+            </a:schemeClr>
+          </a:solidFill>
+          <a:prstDash val="solid"/>
+          <a:miter lim="800000"/>
+        </a:ln>
+        <a:effectLst/>
+      </dsp:spPr>
+      <dsp:style>
+        <a:lnRef idx="2">
+          <a:scrgbClr r="0" g="0" b="0"/>
+        </a:lnRef>
+        <a:fillRef idx="0">
+          <a:scrgbClr r="0" g="0" b="0"/>
+        </a:fillRef>
+        <a:effectRef idx="0">
+          <a:scrgbClr r="0" g="0" b="0"/>
+        </a:effectRef>
+        <a:fontRef idx="minor"/>
+      </dsp:style>
+    </dsp:sp>
+    <dsp:sp modelId="{4175C2B0-98EE-4CFF-BA77-BF7BDC7107D4}">
+      <dsp:nvSpPr>
+        <dsp:cNvPr id="0" name=""/>
+        <dsp:cNvSpPr/>
+      </dsp:nvSpPr>
+      <dsp:spPr>
+        <a:xfrm>
+          <a:off x="368433" y="3092510"/>
+          <a:ext cx="1471711" cy="919819"/>
+        </a:xfrm>
+        <a:prstGeom prst="roundRect">
+          <a:avLst>
+            <a:gd name="adj" fmla="val 10000"/>
+          </a:avLst>
+        </a:prstGeom>
+        <a:solidFill>
+          <a:schemeClr val="lt1">
+            <a:alpha val="90000"/>
+            <a:hueOff val="0"/>
+            <a:satOff val="0"/>
+            <a:lumOff val="0"/>
+            <a:alphaOff val="0"/>
+          </a:schemeClr>
+        </a:solidFill>
+        <a:ln w="12700" cap="flat" cmpd="sng" algn="ctr">
+          <a:solidFill>
+            <a:schemeClr val="accent1">
+              <a:hueOff val="0"/>
+              <a:satOff val="0"/>
+              <a:lumOff val="0"/>
+              <a:alphaOff val="0"/>
+            </a:schemeClr>
+          </a:solidFill>
+          <a:prstDash val="solid"/>
+          <a:miter lim="800000"/>
+        </a:ln>
+        <a:effectLst/>
+      </dsp:spPr>
+      <dsp:style>
+        <a:lnRef idx="2">
+          <a:scrgbClr r="0" g="0" b="0"/>
+        </a:lnRef>
+        <a:fillRef idx="1">
+          <a:scrgbClr r="0" g="0" b="0"/>
+        </a:fillRef>
+        <a:effectRef idx="0">
+          <a:scrgbClr r="0" g="0" b="0"/>
+        </a:effectRef>
+        <a:fontRef idx="minor"/>
+      </dsp:style>
+      <dsp:txBody>
+        <a:bodyPr spcFirstLastPara="0" vert="horz" wrap="square" lIns="41910" tIns="27940" rIns="41910" bIns="27940" numCol="1" spcCol="1270" anchor="ctr" anchorCtr="0">
+          <a:noAutofit/>
+        </a:bodyPr>
+        <a:lstStyle/>
+        <a:p>
+          <a:pPr marL="0" lvl="0" indent="0" algn="ctr" defTabSz="977900">
+            <a:lnSpc>
+              <a:spcPct val="90000"/>
+            </a:lnSpc>
+            <a:spcBef>
+              <a:spcPct val="0"/>
+            </a:spcBef>
+            <a:spcAft>
+              <a:spcPct val="35000"/>
+            </a:spcAft>
+            <a:buNone/>
+          </a:pPr>
+          <a:r>
+            <a:rPr lang="en-US" sz="2200" kern="1200" dirty="0"/>
+            <a:t>26.7 MB</a:t>
+          </a:r>
+        </a:p>
+        <a:p>
+          <a:pPr marL="0" lvl="0" indent="0" algn="ctr" defTabSz="977900">
+            <a:lnSpc>
+              <a:spcPct val="90000"/>
+            </a:lnSpc>
+            <a:spcBef>
+              <a:spcPct val="0"/>
+            </a:spcBef>
+            <a:spcAft>
+              <a:spcPct val="35000"/>
+            </a:spcAft>
+            <a:buNone/>
+          </a:pPr>
+          <a:r>
+            <a:rPr lang="en-US" sz="2200" kern="1200" dirty="0"/>
+            <a:t>w/ Identity</a:t>
+          </a:r>
+        </a:p>
+      </dsp:txBody>
+      <dsp:txXfrm>
+        <a:off x="395374" y="3119451"/>
+        <a:ext cx="1417829" cy="865937"/>
+      </dsp:txXfrm>
+    </dsp:sp>
+    <dsp:sp modelId="{B8DB3067-AFDF-4002-B6B1-3B02EB89B7D0}">
+      <dsp:nvSpPr>
+        <dsp:cNvPr id="0" name=""/>
+        <dsp:cNvSpPr/>
+      </dsp:nvSpPr>
+      <dsp:spPr>
+        <a:xfrm>
+          <a:off x="2300054" y="792961"/>
+          <a:ext cx="1839639" cy="919819"/>
+        </a:xfrm>
+        <a:prstGeom prst="roundRect">
+          <a:avLst>
+            <a:gd name="adj" fmla="val 10000"/>
+          </a:avLst>
+        </a:prstGeom>
+        <a:solidFill>
+          <a:schemeClr val="accent1">
+            <a:hueOff val="0"/>
+            <a:satOff val="0"/>
+            <a:lumOff val="0"/>
+            <a:alphaOff val="0"/>
+          </a:schemeClr>
+        </a:solidFill>
+        <a:ln w="12700" cap="flat" cmpd="sng" algn="ctr">
+          <a:solidFill>
+            <a:schemeClr val="lt1">
+              <a:hueOff val="0"/>
+              <a:satOff val="0"/>
+              <a:lumOff val="0"/>
+              <a:alphaOff val="0"/>
+            </a:schemeClr>
+          </a:solidFill>
+          <a:prstDash val="solid"/>
+          <a:miter lim="800000"/>
+        </a:ln>
+        <a:effectLst/>
+      </dsp:spPr>
+      <dsp:style>
+        <a:lnRef idx="2">
+          <a:scrgbClr r="0" g="0" b="0"/>
+        </a:lnRef>
+        <a:fillRef idx="1">
+          <a:scrgbClr r="0" g="0" b="0"/>
+        </a:fillRef>
+        <a:effectRef idx="0">
+          <a:scrgbClr r="0" g="0" b="0"/>
+        </a:effectRef>
+        <a:fontRef idx="minor">
+          <a:schemeClr val="lt1"/>
+        </a:fontRef>
+      </dsp:style>
+      <dsp:txBody>
+        <a:bodyPr spcFirstLastPara="0" vert="horz" wrap="square" lIns="91440" tIns="60960" rIns="91440" bIns="60960" numCol="1" spcCol="1270" anchor="ctr" anchorCtr="0">
+          <a:noAutofit/>
+        </a:bodyPr>
+        <a:lstStyle/>
+        <a:p>
+          <a:pPr marL="0" lvl="0" indent="0" algn="ctr" defTabSz="2133600">
+            <a:lnSpc>
+              <a:spcPct val="90000"/>
+            </a:lnSpc>
+            <a:spcBef>
+              <a:spcPct val="0"/>
+            </a:spcBef>
+            <a:spcAft>
+              <a:spcPct val="35000"/>
+            </a:spcAft>
+            <a:buNone/>
+          </a:pPr>
+          <a:r>
+            <a:rPr lang="en-US" sz="4800" b="1" kern="1200" dirty="0"/>
+            <a:t>v2.0</a:t>
+          </a:r>
+        </a:p>
+      </dsp:txBody>
+      <dsp:txXfrm>
+        <a:off x="2326995" y="819902"/>
+        <a:ext cx="1785757" cy="865937"/>
+      </dsp:txXfrm>
+    </dsp:sp>
+    <dsp:sp modelId="{AB2E6A14-D2C9-4F3C-80D8-26A4A525310D}">
+      <dsp:nvSpPr>
+        <dsp:cNvPr id="0" name=""/>
+        <dsp:cNvSpPr/>
+      </dsp:nvSpPr>
+      <dsp:spPr>
+        <a:xfrm>
+          <a:off x="2484018" y="1712781"/>
+          <a:ext cx="183963" cy="689864"/>
+        </a:xfrm>
+        <a:custGeom>
+          <a:avLst/>
+          <a:gdLst/>
+          <a:ahLst/>
+          <a:cxnLst/>
+          <a:rect l="0" t="0" r="0" b="0"/>
+          <a:pathLst>
+            <a:path>
+              <a:moveTo>
+                <a:pt x="0" y="0"/>
+              </a:moveTo>
+              <a:lnTo>
+                <a:pt x="0" y="689864"/>
+              </a:lnTo>
+              <a:lnTo>
+                <a:pt x="183963" y="689864"/>
+              </a:lnTo>
+            </a:path>
+          </a:pathLst>
+        </a:custGeom>
+        <a:noFill/>
+        <a:ln w="12700" cap="flat" cmpd="sng" algn="ctr">
+          <a:solidFill>
+            <a:schemeClr val="accent1">
+              <a:shade val="60000"/>
+              <a:hueOff val="0"/>
+              <a:satOff val="0"/>
+              <a:lumOff val="0"/>
+              <a:alphaOff val="0"/>
+            </a:schemeClr>
+          </a:solidFill>
+          <a:prstDash val="solid"/>
+          <a:miter lim="800000"/>
+        </a:ln>
+        <a:effectLst/>
+      </dsp:spPr>
+      <dsp:style>
+        <a:lnRef idx="2">
+          <a:scrgbClr r="0" g="0" b="0"/>
+        </a:lnRef>
+        <a:fillRef idx="0">
+          <a:scrgbClr r="0" g="0" b="0"/>
+        </a:fillRef>
+        <a:effectRef idx="0">
+          <a:scrgbClr r="0" g="0" b="0"/>
+        </a:effectRef>
+        <a:fontRef idx="minor"/>
+      </dsp:style>
+    </dsp:sp>
+    <dsp:sp modelId="{8C266EAA-556A-4E43-AA79-FB242CA873BF}">
+      <dsp:nvSpPr>
+        <dsp:cNvPr id="0" name=""/>
+        <dsp:cNvSpPr/>
+      </dsp:nvSpPr>
+      <dsp:spPr>
+        <a:xfrm>
+          <a:off x="2667982" y="1942736"/>
+          <a:ext cx="1471711" cy="919819"/>
+        </a:xfrm>
+        <a:prstGeom prst="roundRect">
+          <a:avLst>
+            <a:gd name="adj" fmla="val 10000"/>
+          </a:avLst>
+        </a:prstGeom>
+        <a:solidFill>
+          <a:schemeClr val="lt1">
+            <a:alpha val="90000"/>
+            <a:hueOff val="0"/>
+            <a:satOff val="0"/>
+            <a:lumOff val="0"/>
+            <a:alphaOff val="0"/>
+          </a:schemeClr>
+        </a:solidFill>
+        <a:ln w="12700" cap="flat" cmpd="sng" algn="ctr">
+          <a:solidFill>
+            <a:schemeClr val="accent1">
+              <a:hueOff val="0"/>
+              <a:satOff val="0"/>
+              <a:lumOff val="0"/>
+              <a:alphaOff val="0"/>
+            </a:schemeClr>
+          </a:solidFill>
+          <a:prstDash val="solid"/>
+          <a:miter lim="800000"/>
+        </a:ln>
+        <a:effectLst/>
+      </dsp:spPr>
+      <dsp:style>
+        <a:lnRef idx="2">
+          <a:scrgbClr r="0" g="0" b="0"/>
+        </a:lnRef>
+        <a:fillRef idx="1">
+          <a:scrgbClr r="0" g="0" b="0"/>
+        </a:fillRef>
+        <a:effectRef idx="0">
+          <a:scrgbClr r="0" g="0" b="0"/>
+        </a:effectRef>
+        <a:fontRef idx="minor"/>
+      </dsp:style>
+      <dsp:txBody>
+        <a:bodyPr spcFirstLastPara="0" vert="horz" wrap="square" lIns="41910" tIns="27940" rIns="41910" bIns="27940" numCol="1" spcCol="1270" anchor="ctr" anchorCtr="0">
+          <a:noAutofit/>
+        </a:bodyPr>
+        <a:lstStyle/>
+        <a:p>
+          <a:pPr marL="0" lvl="0" indent="0" algn="ctr" defTabSz="977900">
+            <a:lnSpc>
+              <a:spcPct val="90000"/>
+            </a:lnSpc>
+            <a:spcBef>
+              <a:spcPct val="0"/>
+            </a:spcBef>
+            <a:spcAft>
+              <a:spcPct val="35000"/>
+            </a:spcAft>
+            <a:buNone/>
+          </a:pPr>
+          <a:r>
+            <a:rPr lang="en-US" sz="2200" kern="1200" dirty="0"/>
+            <a:t>2.63 MB</a:t>
+          </a:r>
+        </a:p>
+      </dsp:txBody>
+      <dsp:txXfrm>
+        <a:off x="2694923" y="1969677"/>
+        <a:ext cx="1417829" cy="865937"/>
+      </dsp:txXfrm>
+    </dsp:sp>
+    <dsp:sp modelId="{FA34CF02-E2FF-4020-8D81-969A0C9C8636}">
+      <dsp:nvSpPr>
+        <dsp:cNvPr id="0" name=""/>
+        <dsp:cNvSpPr/>
+      </dsp:nvSpPr>
+      <dsp:spPr>
+        <a:xfrm>
+          <a:off x="2484018" y="1712781"/>
+          <a:ext cx="183963" cy="1839639"/>
+        </a:xfrm>
+        <a:custGeom>
+          <a:avLst/>
+          <a:gdLst/>
+          <a:ahLst/>
+          <a:cxnLst/>
+          <a:rect l="0" t="0" r="0" b="0"/>
+          <a:pathLst>
+            <a:path>
+              <a:moveTo>
+                <a:pt x="0" y="0"/>
+              </a:moveTo>
+              <a:lnTo>
+                <a:pt x="0" y="1839639"/>
+              </a:lnTo>
+              <a:lnTo>
+                <a:pt x="183963" y="1839639"/>
+              </a:lnTo>
+            </a:path>
+          </a:pathLst>
+        </a:custGeom>
+        <a:noFill/>
+        <a:ln w="12700" cap="flat" cmpd="sng" algn="ctr">
+          <a:solidFill>
+            <a:schemeClr val="accent1">
+              <a:shade val="60000"/>
+              <a:hueOff val="0"/>
+              <a:satOff val="0"/>
+              <a:lumOff val="0"/>
+              <a:alphaOff val="0"/>
+            </a:schemeClr>
+          </a:solidFill>
+          <a:prstDash val="solid"/>
+          <a:miter lim="800000"/>
+        </a:ln>
+        <a:effectLst/>
+      </dsp:spPr>
+      <dsp:style>
+        <a:lnRef idx="2">
+          <a:scrgbClr r="0" g="0" b="0"/>
+        </a:lnRef>
+        <a:fillRef idx="0">
+          <a:scrgbClr r="0" g="0" b="0"/>
+        </a:fillRef>
+        <a:effectRef idx="0">
+          <a:scrgbClr r="0" g="0" b="0"/>
+        </a:effectRef>
+        <a:fontRef idx="minor"/>
+      </dsp:style>
+    </dsp:sp>
+    <dsp:sp modelId="{3A0CB6F7-A194-4B41-9BAD-6D0D04780C8F}">
+      <dsp:nvSpPr>
+        <dsp:cNvPr id="0" name=""/>
+        <dsp:cNvSpPr/>
+      </dsp:nvSpPr>
+      <dsp:spPr>
+        <a:xfrm>
+          <a:off x="2667982" y="3092510"/>
+          <a:ext cx="1471711" cy="919819"/>
+        </a:xfrm>
+        <a:prstGeom prst="roundRect">
+          <a:avLst>
+            <a:gd name="adj" fmla="val 10000"/>
+          </a:avLst>
+        </a:prstGeom>
+        <a:solidFill>
+          <a:schemeClr val="lt1">
+            <a:alpha val="90000"/>
+            <a:hueOff val="0"/>
+            <a:satOff val="0"/>
+            <a:lumOff val="0"/>
+            <a:alphaOff val="0"/>
+          </a:schemeClr>
+        </a:solidFill>
+        <a:ln w="12700" cap="flat" cmpd="sng" algn="ctr">
+          <a:solidFill>
+            <a:schemeClr val="accent1">
+              <a:hueOff val="0"/>
+              <a:satOff val="0"/>
+              <a:lumOff val="0"/>
+              <a:alphaOff val="0"/>
+            </a:schemeClr>
+          </a:solidFill>
+          <a:prstDash val="solid"/>
+          <a:miter lim="800000"/>
+        </a:ln>
+        <a:effectLst/>
+      </dsp:spPr>
+      <dsp:style>
+        <a:lnRef idx="2">
+          <a:scrgbClr r="0" g="0" b="0"/>
+        </a:lnRef>
+        <a:fillRef idx="1">
+          <a:scrgbClr r="0" g="0" b="0"/>
+        </a:fillRef>
+        <a:effectRef idx="0">
+          <a:scrgbClr r="0" g="0" b="0"/>
+        </a:effectRef>
+        <a:fontRef idx="minor"/>
+      </dsp:style>
+      <dsp:txBody>
+        <a:bodyPr spcFirstLastPara="0" vert="horz" wrap="square" lIns="41910" tIns="27940" rIns="41910" bIns="27940" numCol="1" spcCol="1270" anchor="ctr" anchorCtr="0">
+          <a:noAutofit/>
+        </a:bodyPr>
+        <a:lstStyle/>
+        <a:p>
+          <a:pPr marL="0" lvl="0" indent="0" algn="ctr" defTabSz="977900">
+            <a:lnSpc>
+              <a:spcPct val="90000"/>
+            </a:lnSpc>
+            <a:spcBef>
+              <a:spcPct val="0"/>
+            </a:spcBef>
+            <a:spcAft>
+              <a:spcPct val="35000"/>
+            </a:spcAft>
+            <a:buNone/>
+          </a:pPr>
+          <a:r>
+            <a:rPr lang="en-US" sz="2200" kern="1200" dirty="0"/>
+            <a:t>3.09 MB</a:t>
+          </a:r>
+        </a:p>
+        <a:p>
+          <a:pPr marL="0" lvl="0" indent="0" algn="ctr" defTabSz="977900">
+            <a:lnSpc>
+              <a:spcPct val="90000"/>
+            </a:lnSpc>
+            <a:spcBef>
+              <a:spcPct val="0"/>
+            </a:spcBef>
+            <a:spcAft>
+              <a:spcPct val="35000"/>
+            </a:spcAft>
+            <a:buNone/>
+          </a:pPr>
+          <a:r>
+            <a:rPr lang="en-US" sz="2200" kern="1200" dirty="0"/>
+            <a:t>w/ Identity</a:t>
+          </a:r>
+        </a:p>
+      </dsp:txBody>
+      <dsp:txXfrm>
+        <a:off x="2694923" y="3119451"/>
+        <a:ext cx="1417829" cy="865937"/>
+      </dsp:txXfrm>
+    </dsp:sp>
+  </dsp:spTree>
+</dsp:drawing>
+</file>
+
+<file path=ppt/diagrams/layout1.xml><?xml version="1.0" encoding="utf-8"?>
+<dgm:layoutDef xmlns:dgm="http://schemas.openxmlformats.org/drawingml/2006/diagram" xmlns:a="http://schemas.openxmlformats.org/drawingml/2006/main" uniqueId="urn:microsoft.com/office/officeart/2005/8/layout/hierarchy3">
+  <dgm:title val=""/>
+  <dgm:desc val=""/>
+  <dgm:catLst>
+    <dgm:cat type="hierarchy" pri="7000"/>
+    <dgm:cat type="list" pri="23000"/>
+    <dgm:cat type="relationship" pri="15000"/>
+    <dgm:cat type="convert" pri="7000"/>
+  </dgm:catLst>
+  <dgm:sampData>
+    <dgm:dataModel>
+      <dgm:ptLst>
+        <dgm:pt modelId="0" type="doc"/>
+        <dgm:pt modelId="1">
+          <dgm:prSet phldr="1"/>
+        </dgm:pt>
+        <dgm:pt modelId="11">
+          <dgm:prSet phldr="1"/>
+        </dgm:pt>
+        <dgm:pt modelId="12">
+          <dgm:prSet phldr="1"/>
+        </dgm:pt>
+        <dgm:pt modelId="2">
+          <dgm:prSet phldr="1"/>
+        </dgm:pt>
+        <dgm:pt modelId="21">
+          <dgm:prSet phldr="1"/>
+        </dgm:pt>
+        <dgm:pt modelId="22">
+          <dgm:prSet phldr="1"/>
+        </dgm:pt>
+      </dgm:ptLst>
+      <dgm:cxnLst>
+        <dgm:cxn modelId="4" srcId="0" destId="1" srcOrd="0" destOrd="0"/>
+        <dgm:cxn modelId="5" srcId="1" destId="11" srcOrd="0" destOrd="0"/>
+        <dgm:cxn modelId="6" srcId="1" destId="12" srcOrd="1" destOrd="0"/>
+        <dgm:cxn modelId="7" srcId="0" destId="2" srcOrd="1" destOrd="0"/>
+        <dgm:cxn modelId="8" srcId="2" destId="21" srcOrd="0" destOrd="0"/>
+        <dgm:cxn modelId="9" srcId="2" destId="22" srcOrd="1" destOrd="0"/>
+      </dgm:cxnLst>
+      <dgm:bg/>
+      <dgm:whole/>
+    </dgm:dataModel>
+  </dgm:sampData>
+  <dgm:styleData>
+    <dgm:dataModel>
+      <dgm:ptLst>
+        <dgm:pt modelId="0" type="doc"/>
+        <dgm:pt modelId="1"/>
+        <dgm:pt modelId="11"/>
+        <dgm:pt modelId="2"/>
+        <dgm:pt modelId="21"/>
+      </dgm:ptLst>
+      <dgm:cxnLst>
+        <dgm:cxn modelId="4" srcId="0" destId="1" srcOrd="0" destOrd="0"/>
+        <dgm:cxn modelId="5" srcId="0" destId="2" srcOrd="1" destOrd="0"/>
+        <dgm:cxn modelId="13" srcId="1" destId="11" srcOrd="0" destOrd="0"/>
+        <dgm:cxn modelId="23" srcId="2" destId="21" srcOrd="0" destOrd="0"/>
+      </dgm:cxnLst>
+      <dgm:bg/>
+      <dgm:whole/>
+    </dgm:dataModel>
+  </dgm:styleData>
+  <dgm:clrData>
+    <dgm:dataModel>
+      <dgm:ptLst>
+        <dgm:pt modelId="0" type="doc"/>
+        <dgm:pt modelId="1"/>
+        <dgm:pt modelId="11"/>
+        <dgm:pt modelId="2"/>
+        <dgm:pt modelId="21"/>
+        <dgm:pt modelId="3"/>
+        <dgm:pt modelId="31"/>
+        <dgm:pt modelId="4"/>
+        <dgm:pt modelId="41"/>
+      </dgm:ptLst>
+      <dgm:cxnLst>
+        <dgm:cxn modelId="5" srcId="0" destId="1" srcOrd="0" destOrd="0"/>
+        <dgm:cxn modelId="6" srcId="0" destId="2" srcOrd="1" destOrd="0"/>
+        <dgm:cxn modelId="7" srcId="0" destId="3" srcOrd="2" destOrd="0"/>
+        <dgm:cxn modelId="8" srcId="0" destId="4" srcOrd="3" destOrd="0"/>
+        <dgm:cxn modelId="13" srcId="1" destId="11" srcOrd="0" destOrd="0"/>
+        <dgm:cxn modelId="23" srcId="2" destId="21" srcOrd="0" destOrd="0"/>
+        <dgm:cxn modelId="33" srcId="3" destId="31" srcOrd="0" destOrd="0"/>
+        <dgm:cxn modelId="43" srcId="4" destId="41" srcOrd="0" destOrd="0"/>
+      </dgm:cxnLst>
+      <dgm:bg/>
+      <dgm:whole/>
+    </dgm:dataModel>
+  </dgm:clrData>
+  <dgm:layoutNode name="diagram">
+    <dgm:varLst>
+      <dgm:chPref val="1"/>
+      <dgm:dir/>
+      <dgm:animOne val="branch"/>
+      <dgm:animLvl val="lvl"/>
+      <dgm:resizeHandles/>
+    </dgm:varLst>
+    <dgm:choose name="Name0">
+      <dgm:if name="Name1" func="var" arg="dir" op="equ" val="norm">
+        <dgm:alg type="hierChild">
+          <dgm:param type="linDir" val="fromL"/>
+        </dgm:alg>
+      </dgm:if>
+      <dgm:else name="Name2">
+        <dgm:alg type="hierChild">
+          <dgm:param type="linDir" val="fromR"/>
+        </dgm:alg>
+      </dgm:else>
+    </dgm:choose>
+    <dgm:shape xmlns:r="http://schemas.openxmlformats.org/officeDocument/2006/relationships" r:blip="">
+      <dgm:adjLst/>
+    </dgm:shape>
+    <dgm:presOf/>
+    <dgm:constrLst>
+      <dgm:constr type="primFontSz" for="des" forName="rootText" op="equ" val="65"/>
+      <dgm:constr type="primFontSz" for="des" forName="childText" op="equ" val="65"/>
+      <dgm:constr type="w" for="des" forName="rootComposite" refType="w"/>
+      <dgm:constr type="h" for="des" forName="rootComposite" refType="w" fact="0.5"/>
+      <dgm:constr type="w" for="des" forName="childText" refType="w" refFor="des" refForName="rootComposite" fact="0.8"/>
+      <dgm:constr type="h" for="des" forName="childText" refType="h" refFor="des" refForName="rootComposite"/>
+      <dgm:constr type="sibSp" refType="w" refFor="des" refForName="rootComposite" fact="0.25"/>
+      <dgm:constr type="sibSp" for="des" forName="childShape" refType="h" refFor="des" refForName="childText" fact="0.25"/>
+      <dgm:constr type="sp" for="des" forName="root" refType="h" refFor="des" refForName="childText" fact="0.25"/>
+    </dgm:constrLst>
+    <dgm:ruleLst/>
+    <dgm:forEach name="Name3" axis="ch">
+      <dgm:forEach name="Name4" axis="self" ptType="node" cnt="1">
+        <dgm:layoutNode name="root">
+          <dgm:choose name="Name5">
+            <dgm:if name="Name6" func="var" arg="dir" op="equ" val="norm">
+              <dgm:alg type="hierRoot">
+                <dgm:param type="hierAlign" val="tL"/>
+              </dgm:alg>
+            </dgm:if>
+            <dgm:else name="Name7">
+              <dgm:alg type="hierRoot">
+                <dgm:param type="hierAlign" val="tR"/>
+              </dgm:alg>
+            </dgm:else>
+          </dgm:choose>
+          <dgm:shape xmlns:r="http://schemas.openxmlformats.org/officeDocument/2006/relationships" r:blip="">
+            <dgm:adjLst/>
+          </dgm:shape>
+          <dgm:presOf/>
+          <dgm:constrLst>
+            <dgm:constr type="alignOff" val="0.2"/>
+          </dgm:constrLst>
+          <dgm:ruleLst/>
+          <dgm:layoutNode name="rootComposite">
+            <dgm:alg type="composite"/>
+            <dgm:shape xmlns:r="http://schemas.openxmlformats.org/officeDocument/2006/relationships" r:blip="">
+              <dgm:adjLst/>
+            </dgm:shape>
+            <dgm:presOf axis="self" ptType="node" cnt="1"/>
+            <dgm:choose name="Name8">
+              <dgm:if name="Name9" func="var" arg="dir" op="equ" val="norm">
+                <dgm:constrLst>
+                  <dgm:constr type="l" for="ch" forName="rootText"/>
+                  <dgm:constr type="t" for="ch" forName="rootText"/>
+                  <dgm:constr type="w" for="ch" forName="rootText" refType="w"/>
+                  <dgm:constr type="h" for="ch" forName="rootText" refType="h"/>
+                  <dgm:constr type="l" for="ch" forName="rootConnector"/>
+                  <dgm:constr type="t" for="ch" forName="rootConnector"/>
+                  <dgm:constr type="w" for="ch" forName="rootConnector" refType="w" refFor="ch" refForName="rootText" fact="0.2"/>
+                  <dgm:constr type="h" for="ch" forName="rootConnector" refType="h" refFor="ch" refForName="rootText"/>
+                </dgm:constrLst>
+              </dgm:if>
+              <dgm:else name="Name10">
+                <dgm:constrLst>
+                  <dgm:constr type="l" for="ch" forName="rootText"/>
+                  <dgm:constr type="t" for="ch" forName="rootText"/>
+                  <dgm:constr type="w" for="ch" forName="rootText" refType="w"/>
+                  <dgm:constr type="h" for="ch" forName="rootText" refType="h"/>
+                  <dgm:constr type="r" for="ch" forName="rootConnector" refType="w"/>
+                  <dgm:constr type="t" for="ch" forName="rootConnector"/>
+                  <dgm:constr type="w" for="ch" forName="rootConnector" refType="w" refFor="ch" refForName="rootText" fact="0.2"/>
+                  <dgm:constr type="h" for="ch" forName="rootConnector" refType="h" refFor="ch" refForName="rootText"/>
+                </dgm:constrLst>
+              </dgm:else>
+            </dgm:choose>
+            <dgm:ruleLst/>
+            <dgm:layoutNode name="rootText" styleLbl="node1">
+              <dgm:alg type="tx"/>
+              <dgm:shape xmlns:r="http://schemas.openxmlformats.org/officeDocument/2006/relationships" type="roundRect" r:blip="">
+                <dgm:adjLst>
+                  <dgm:adj idx="1" val="0.1"/>
+                </dgm:adjLst>
+              </dgm:shape>
+              <dgm:presOf axis="self" ptType="node" cnt="1"/>
+              <dgm:constrLst>
+                <dgm:constr type="tMarg" refType="primFontSz" fact="0.1"/>
+                <dgm:constr type="bMarg" refType="primFontSz" fact="0.1"/>
+                <dgm:constr type="lMarg" refType="primFontSz" fact="0.15"/>
+                <dgm:constr type="rMarg" refType="primFontSz" fact="0.15"/>
+              </dgm:constrLst>
+              <dgm:ruleLst>
+                <dgm:rule type="primFontSz" val="5" fact="NaN" max="NaN"/>
+              </dgm:ruleLst>
+            </dgm:layoutNode>
+            <dgm:layoutNode name="rootConnector" moveWith="rootText">
+              <dgm:alg type="sp"/>
+              <dgm:shape xmlns:r="http://schemas.openxmlformats.org/officeDocument/2006/relationships" type="roundRect" r:blip="" hideGeom="1">
+                <dgm:adjLst>
+                  <dgm:adj idx="1" val="0.1"/>
+                </dgm:adjLst>
+              </dgm:shape>
+              <dgm:presOf axis="self" ptType="node" cnt="1"/>
+              <dgm:constrLst/>
+              <dgm:ruleLst/>
+            </dgm:layoutNode>
+          </dgm:layoutNode>
+          <dgm:layoutNode name="childShape">
+            <dgm:alg type="hierChild">
+              <dgm:param type="chAlign" val="l"/>
+              <dgm:param type="linDir" val="fromT"/>
+            </dgm:alg>
+            <dgm:shape xmlns:r="http://schemas.openxmlformats.org/officeDocument/2006/relationships" r:blip="">
+              <dgm:adjLst/>
+            </dgm:shape>
+            <dgm:presOf/>
+            <dgm:constrLst/>
+            <dgm:ruleLst/>
+            <dgm:forEach name="Name11" axis="ch">
+              <dgm:forEach name="Name12" axis="self" ptType="parTrans" cnt="1">
+                <dgm:layoutNode name="Name13">
+                  <dgm:choose name="Name14">
+                    <dgm:if name="Name15" func="var" arg="dir" op="equ" val="norm">
+                      <dgm:alg type="conn">
+                        <dgm:param type="dim" val="1D"/>
+                        <dgm:param type="endSty" val="noArr"/>
+                        <dgm:param type="connRout" val="bend"/>
+                        <dgm:param type="srcNode" val="rootConnector"/>
+                        <dgm:param type="begPts" val="bCtr"/>
+                        <dgm:param type="endPts" val="midL"/>
+                      </dgm:alg>
+                    </dgm:if>
+                    <dgm:else name="Name16">
+                      <dgm:alg type="conn">
+                        <dgm:param type="dim" val="1D"/>
+                        <dgm:param type="endSty" val="noArr"/>
+                        <dgm:param type="connRout" val="bend"/>
+                        <dgm:param type="srcNode" val="rootConnector"/>
+                        <dgm:param type="begPts" val="bCtr"/>
+                        <dgm:param type="endPts" val="midR"/>
+                      </dgm:alg>
+                    </dgm:else>
+                  </dgm:choose>
+                  <dgm:shape xmlns:r="http://schemas.openxmlformats.org/officeDocument/2006/relationships" type="conn" r:blip="">
+                    <dgm:adjLst/>
+                  </dgm:shape>
+                  <dgm:presOf axis="self"/>
+                  <dgm:constrLst>
+                    <dgm:constr type="begPad"/>
+                    <dgm:constr type="endPad"/>
+                  </dgm:constrLst>
+                  <dgm:ruleLst/>
+                </dgm:layoutNode>
+              </dgm:forEach>
+              <dgm:forEach name="Name17" axis="self" ptType="node">
+                <dgm:layoutNode name="childText" styleLbl="bgAcc1">
+                  <dgm:varLst>
+                    <dgm:bulletEnabled val="1"/>
+                  </dgm:varLst>
+                  <dgm:alg type="tx"/>
+                  <dgm:shape xmlns:r="http://schemas.openxmlformats.org/officeDocument/2006/relationships" type="roundRect" r:blip="">
+                    <dgm:adjLst>
+                      <dgm:adj idx="1" val="0.1"/>
+                    </dgm:adjLst>
+                  </dgm:shape>
+                  <dgm:presOf axis="self desOrSelf" ptType="node node" st="1 1" cnt="1 0"/>
+                  <dgm:constrLst>
+                    <dgm:constr type="tMarg" refType="primFontSz" fact="0.1"/>
+                    <dgm:constr type="bMarg" refType="primFontSz" fact="0.1"/>
+                    <dgm:constr type="lMarg" refType="primFontSz" fact="0.15"/>
+                    <dgm:constr type="rMarg" refType="primFontSz" fact="0.15"/>
+                  </dgm:constrLst>
+                  <dgm:ruleLst>
+                    <dgm:rule type="primFontSz" val="5" fact="NaN" max="NaN"/>
+                  </dgm:ruleLst>
+                </dgm:layoutNode>
+              </dgm:forEach>
+            </dgm:forEach>
+          </dgm:layoutNode>
+        </dgm:layoutNode>
+      </dgm:forEach>
+    </dgm:forEach>
+  </dgm:layoutNode>
+</dgm:layoutDef>
+</file>
+
+<file path=ppt/diagrams/quickStyle1.xml><?xml version="1.0" encoding="utf-8"?>
+<dgm:styleDef xmlns:dgm="http://schemas.openxmlformats.org/drawingml/2006/diagram" xmlns:a="http://schemas.openxmlformats.org/drawingml/2006/main" uniqueId="urn:microsoft.com/office/officeart/2005/8/quickstyle/simple1">
+  <dgm:title val=""/>
+  <dgm:desc val=""/>
+  <dgm:catLst>
+    <dgm:cat type="simple" pri="10100"/>
+  </dgm:catLst>
+  <dgm:scene3d>
+    <a:camera prst="orthographicFront"/>
+    <a:lightRig rig="threePt" dir="t"/>
+  </dgm:scene3d>
+  <dgm:styleLbl name="node0">
+    <dgm:scene3d>
+      <a:camera prst="orthographicFront"/>
+      <a:lightRig rig="threePt" dir="t"/>
+    </dgm:scene3d>
+    <dgm:sp3d/>
+    <dgm:txPr/>
+    <dgm:style>
+      <a:lnRef idx="2">
+        <a:scrgbClr r="0" g="0" b="0"/>
+      </a:lnRef>
+      <a:fillRef idx="1">
+        <a:scrgbClr r="0" g="0" b="0"/>
+      </a:fillRef>
+      <a:effectRef idx="0">
+        <a:scrgbClr r="0" g="0" b="0"/>
+      </a:effectRef>
+      <a:fontRef idx="minor">
+        <a:schemeClr val="lt1"/>
+      </a:fontRef>
+    </dgm:style>
+  </dgm:styleLbl>
+  <dgm:styleLbl name="lnNode1">
+    <dgm:scene3d>
+      <a:camera prst="orthographicFront"/>
+      <a:lightRig rig="threePt" dir="t"/>
+    </dgm:scene3d>
+    <dgm:sp3d/>
+    <dgm:txPr/>
+    <dgm:style>
+      <a:lnRef idx="2">
+        <a:scrgbClr r="0" g="0" b="0"/>
+      </a:lnRef>
+      <a:fillRef idx="1">
+        <a:scrgbClr r="0" g="0" b="0"/>
+      </a:fillRef>
+      <a:effectRef idx="0">
+        <a:scrgbClr r="0" g="0" b="0"/>
+      </a:effectRef>
+      <a:fontRef idx="minor">
+        <a:schemeClr val="lt1"/>
+      </a:fontRef>
+    </dgm:style>
+  </dgm:styleLbl>
+  <dgm:styleLbl name="vennNode1">
+    <dgm:scene3d>
+      <a:camera prst="orthographicFront"/>
+      <a:lightRig rig="threePt" dir="t"/>
+    </dgm:scene3d>
+    <dgm:sp3d/>
+    <dgm:txPr/>
+    <dgm:style>
+      <a:lnRef idx="2">
+        <a:scrgbClr r="0" g="0" b="0"/>
+      </a:lnRef>
+      <a:fillRef idx="1">
+        <a:scrgbClr r="0" g="0" b="0"/>
+      </a:fillRef>
+      <a:effectRef idx="0">
+        <a:scrgbClr r="0" g="0" b="0"/>
+      </a:effectRef>
+      <a:fontRef idx="minor">
+        <a:schemeClr val="tx1"/>
+      </a:fontRef>
+    </dgm:style>
+  </dgm:styleLbl>
+  <dgm:styleLbl name="alignNode1">
+    <dgm:scene3d>
+      <a:camera prst="orthographicFront"/>
+      <a:lightRig rig="threePt" dir="t"/>
+    </dgm:scene3d>
+    <dgm:sp3d/>
+    <dgm:txPr/>
+    <dgm:style>
+      <a:lnRef idx="2">
+        <a:scrgbClr r="0" g="0" b="0"/>
+      </a:lnRef>
+      <a:fillRef idx="1">
+        <a:scrgbClr r="0" g="0" b="0"/>
+      </a:fillRef>
+      <a:effectRef idx="0">
+        <a:scrgbClr r="0" g="0" b="0"/>
+      </a:effectRef>
+      <a:fontRef idx="minor">
+        <a:schemeClr val="lt1"/>
+      </a:fontRef>
+    </dgm:style>
+  </dgm:styleLbl>
+  <dgm:styleLbl name="node1">
+    <dgm:scene3d>
+      <a:camera prst="orthographicFront"/>
+      <a:lightRig rig="threePt" dir="t"/>
+    </dgm:scene3d>
+    <dgm:sp3d/>
+    <dgm:txPr/>
+    <dgm:style>
+      <a:lnRef idx="2">
+        <a:scrgbClr r="0" g="0" b="0"/>
+      </a:lnRef>
+      <a:fillRef idx="1">
+        <a:scrgbClr r="0" g="0" b="0"/>
+      </a:fillRef>
+      <a:effectRef idx="0">
+        <a:scrgbClr r="0" g="0" b="0"/>
+      </a:effectRef>
+      <a:fontRef idx="minor">
+        <a:schemeClr val="lt1"/>
+      </a:fontRef>
+    </dgm:style>
+  </dgm:styleLbl>
+  <dgm:styleLbl name="node2">
+    <dgm:scene3d>
+      <a:camera prst="orthographicFront"/>
+      <a:lightRig rig="threePt" dir="t"/>
+    </dgm:scene3d>
+    <dgm:sp3d/>
+    <dgm:txPr/>
+    <dgm:style>
+      <a:lnRef idx="2">
+        <a:scrgbClr r="0" g="0" b="0"/>
+      </a:lnRef>
+      <a:fillRef idx="1">
+        <a:scrgbClr r="0" g="0" b="0"/>
+      </a:fillRef>
+      <a:effectRef idx="0">
+        <a:scrgbClr r="0" g="0" b="0"/>
+      </a:effectRef>
+      <a:fontRef idx="minor">
+        <a:schemeClr val="lt1"/>
+      </a:fontRef>
+    </dgm:style>
+  </dgm:styleLbl>
+  <dgm:styleLbl name="node3">
+    <dgm:scene3d>
+      <a:camera prst="orthographicFront"/>
+      <a:lightRig rig="threePt" dir="t"/>
+    </dgm:scene3d>
+    <dgm:sp3d/>
+    <dgm:txPr/>
+    <dgm:style>
+      <a:lnRef idx="2">
+        <a:scrgbClr r="0" g="0" b="0"/>
+      </a:lnRef>
+      <a:fillRef idx="1">
+        <a:scrgbClr r="0" g="0" b="0"/>
+      </a:fillRef>
+      <a:effectRef idx="0">
+        <a:scrgbClr r="0" g="0" b="0"/>
+      </a:effectRef>
+      <a:fontRef idx="minor">
+        <a:schemeClr val="lt1"/>
+      </a:fontRef>
+    </dgm:style>
+  </dgm:styleLbl>
+  <dgm:styleLbl name="node4">
+    <dgm:scene3d>
+      <a:camera prst="orthographicFront"/>
+      <a:lightRig rig="threePt" dir="t"/>
+    </dgm:scene3d>
+    <dgm:sp3d/>
+    <dgm:txPr/>
+    <dgm:style>
+      <a:lnRef idx="2">
+        <a:scrgbClr r="0" g="0" b="0"/>
+      </a:lnRef>
+      <a:fillRef idx="1">
+        <a:scrgbClr r="0" g="0" b="0"/>
+      </a:fillRef>
+      <a:effectRef idx="0">
+        <a:scrgbClr r="0" g="0" b="0"/>
+      </a:effectRef>
+      <a:fontRef idx="minor">
+        <a:schemeClr val="lt1"/>
+      </a:fontRef>
+    </dgm:style>
+  </dgm:styleLbl>
+  <dgm:styleLbl name="fgImgPlace1">
+    <dgm:scene3d>
+      <a:camera prst="orthographicFront"/>
+      <a:lightRig rig="threePt" dir="t"/>
+    </dgm:scene3d>
+    <dgm:sp3d/>
+    <dgm:txPr/>
+    <dgm:style>
+      <a:lnRef idx="2">
+        <a:scrgbClr r="0" g="0" b="0"/>
+      </a:lnRef>
+      <a:fillRef idx="1">
+        <a:scrgbClr r="0" g="0" b="0"/>
+      </a:fillRef>
+      <a:effectRef idx="0">
+        <a:scrgbClr r="0" g="0" b="0"/>
+      </a:effectRef>
+      <a:fontRef idx="minor"/>
+    </dgm:style>
+  </dgm:styleLbl>
+  <dgm:styleLbl name="alignImgPlace1">
+    <dgm:scene3d>
+      <a:camera prst="orthographicFront"/>
+      <a:lightRig rig="threePt" dir="t"/>
+    </dgm:scene3d>
+    <dgm:sp3d/>
+    <dgm:txPr/>
+    <dgm:style>
+      <a:lnRef idx="2">
+        <a:scrgbClr r="0" g="0" b="0"/>
+      </a:lnRef>
+      <a:fillRef idx="1">
+        <a:scrgbClr r="0" g="0" b="0"/>
+      </a:fillRef>
+      <a:effectRef idx="0">
+        <a:scrgbClr r="0" g="0" b="0"/>
+      </a:effectRef>
+      <a:fontRef idx="minor"/>
+    </dgm:style>
+  </dgm:styleLbl>
+  <dgm:styleLbl name="bgImgPlace1">
+    <dgm:scene3d>
+      <a:camera prst="orthographicFront"/>
+      <a:lightRig rig="threePt" dir="t"/>
+    </dgm:scene3d>
+    <dgm:sp3d/>
+    <dgm:txPr/>
+    <dgm:style>
+      <a:lnRef idx="2">
+        <a:scrgbClr r="0" g="0" b="0"/>
+      </a:lnRef>
+      <a:fillRef idx="1">
+        <a:scrgbClr r="0" g="0" b="0"/>
+      </a:fillRef>
+      <a:effectRef idx="0">
+        <a:scrgbClr r="0" g="0" b="0"/>
+      </a:effectRef>
+      <a:fontRef idx="minor"/>
+    </dgm:style>
+  </dgm:styleLbl>
+  <dgm:styleLbl name="sibTrans2D1">
+    <dgm:scene3d>
+      <a:camera prst="orthographicFront"/>
+      <a:lightRig rig="threePt" dir="t"/>
+    </dgm:scene3d>
+    <dgm:sp3d/>
+    <dgm:txPr/>
+    <dgm:style>
+      <a:lnRef idx="0">
+        <a:scrgbClr r="0" g="0" b="0"/>
+      </a:lnRef>
+      <a:fillRef idx="1">
+        <a:scrgbClr r="0" g="0" b="0"/>
+      </a:fillRef>
+      <a:effectRef idx="0">
+        <a:scrgbClr r="0" g="0" b="0"/>
+      </a:effectRef>
+      <a:fontRef idx="minor">
+        <a:schemeClr val="lt1"/>
+      </a:fontRef>
+    </dgm:style>
+  </dgm:styleLbl>
+  <dgm:styleLbl name="fgSibTrans2D1">
+    <dgm:scene3d>
+      <a:camera prst="orthographicFront"/>
+      <a:lightRig rig="threePt" dir="t"/>
+    </dgm:scene3d>
+    <dgm:sp3d/>
+    <dgm:txPr/>
+    <dgm:style>
+      <a:lnRef idx="0">
+        <a:scrgbClr r="0" g="0" b="0"/>
+      </a:lnRef>
+      <a:fillRef idx="1">
+        <a:scrgbClr r="0" g="0" b="0"/>
+      </a:fillRef>
+      <a:effectRef idx="0">
+        <a:scrgbClr r="0" g="0" b="0"/>
+      </a:effectRef>
+      <a:fontRef idx="minor">
+        <a:schemeClr val="lt1"/>
+      </a:fontRef>
+    </dgm:style>
+  </dgm:styleLbl>
+  <dgm:styleLbl name="bgSibTrans2D1">
+    <dgm:scene3d>
+      <a:camera prst="orthographicFront"/>
+      <a:lightRig rig="threePt" dir="t"/>
+    </dgm:scene3d>
+    <dgm:sp3d/>
+    <dgm:txPr/>
+    <dgm:style>
+      <a:lnRef idx="0">
+        <a:scrgbClr r="0" g="0" b="0"/>
+      </a:lnRef>
+      <a:fillRef idx="1">
+        <a:scrgbClr r="0" g="0" b="0"/>
+      </a:fillRef>
+      <a:effectRef idx="0">
+        <a:scrgbClr r="0" g="0" b="0"/>
+      </a:effectRef>
+      <a:fontRef idx="minor">
+        <a:schemeClr val="lt1"/>
+      </a:fontRef>
+    </dgm:style>
+  </dgm:styleLbl>
+  <dgm:styleLbl name="sibTrans1D1">
+    <dgm:scene3d>
+      <a:camera prst="orthographicFront"/>
+      <a:lightRig rig="threePt" dir="t"/>
+    </dgm:scene3d>
+    <dgm:sp3d/>
+    <dgm:txPr/>
+    <dgm:style>
+      <a:lnRef idx="1">
+        <a:scrgbClr r="0" g="0" b="0"/>
+      </a:lnRef>
+      <a:fillRef idx="0">
+        <a:scrgbClr r="0" g="0" b="0"/>
+      </a:fillRef>
+      <a:effectRef idx="0">
+        <a:scrgbClr r="0" g="0" b="0"/>
+      </a:effectRef>
+      <a:fontRef idx="minor"/>
+    </dgm:style>
+  </dgm:styleLbl>
+  <dgm:styleLbl name="callout">
+    <dgm:scene3d>
+      <a:camera prst="orthographicFront"/>
+      <a:lightRig rig="threePt" dir="t"/>
+    </dgm:scene3d>
+    <dgm:sp3d/>
+    <dgm:txPr/>
+    <dgm:style>
+      <a:lnRef idx="2">
+        <a:scrgbClr r="0" g="0" b="0"/>
+      </a:lnRef>
+      <a:fillRef idx="1">
+        <a:scrgbClr r="0" g="0" b="0"/>
+      </a:fillRef>
+      <a:effectRef idx="0">
+        <a:scrgbClr r="0" g="0" b="0"/>
+      </a:effectRef>
+      <a:fontRef idx="minor"/>
+    </dgm:style>
+  </dgm:styleLbl>
+  <dgm:styleLbl name="asst0">
+    <dgm:scene3d>
+      <a:camera prst="orthographicFront"/>
+      <a:lightRig rig="threePt" dir="t"/>
+    </dgm:scene3d>
+    <dgm:sp3d/>
+    <dgm:txPr/>
+    <dgm:style>
+      <a:lnRef idx="2">
+        <a:scrgbClr r="0" g="0" b="0"/>
+      </a:lnRef>
+      <a:fillRef idx="1">
+        <a:scrgbClr r="0" g="0" b="0"/>
+      </a:fillRef>
+      <a:effectRef idx="0">
+        <a:scrgbClr r="0" g="0" b="0"/>
+      </a:effectRef>
+      <a:fontRef idx="minor">
+        <a:schemeClr val="lt1"/>
+      </a:fontRef>
+    </dgm:style>
+  </dgm:styleLbl>
+  <dgm:styleLbl name="asst1">
+    <dgm:scene3d>
+      <a:camera prst="orthographicFront"/>
+      <a:lightRig rig="threePt" dir="t"/>
+    </dgm:scene3d>
+    <dgm:sp3d/>
+    <dgm:txPr/>
+    <dgm:style>
+      <a:lnRef idx="2">
+        <a:scrgbClr r="0" g="0" b="0"/>
+      </a:lnRef>
+      <a:fillRef idx="1">
+        <a:scrgbClr r="0" g="0" b="0"/>
+      </a:fillRef>
+      <a:effectRef idx="0">
+        <a:scrgbClr r="0" g="0" b="0"/>
+      </a:effectRef>
+      <a:fontRef idx="minor">
+        <a:schemeClr val="lt1"/>
+      </a:fontRef>
+    </dgm:style>
+  </dgm:styleLbl>
+  <dgm:styleLbl name="asst2">
+    <dgm:scene3d>
+      <a:camera prst="orthographicFront"/>
+      <a:lightRig rig="threePt" dir="t"/>
+    </dgm:scene3d>
+    <dgm:sp3d/>
+    <dgm:txPr/>
+    <dgm:style>
+      <a:lnRef idx="2">
+        <a:scrgbClr r="0" g="0" b="0"/>
+      </a:lnRef>
+      <a:fillRef idx="1">
+        <a:scrgbClr r="0" g="0" b="0"/>
+      </a:fillRef>
+      <a:effectRef idx="0">
+        <a:scrgbClr r="0" g="0" b="0"/>
+      </a:effectRef>
+      <a:fontRef idx="minor">
+        <a:schemeClr val="lt1"/>
+      </a:fontRef>
+    </dgm:style>
+  </dgm:styleLbl>
+  <dgm:styleLbl name="asst3">
+    <dgm:scene3d>
+      <a:camera prst="orthographicFront"/>
+      <a:lightRig rig="threePt" dir="t"/>
+    </dgm:scene3d>
+    <dgm:sp3d/>
+    <dgm:txPr/>
+    <dgm:style>
+      <a:lnRef idx="2">
+        <a:scrgbClr r="0" g="0" b="0"/>
+      </a:lnRef>
+      <a:fillRef idx="1">
+        <a:scrgbClr r="0" g="0" b="0"/>
+      </a:fillRef>
+      <a:effectRef idx="0">
+        <a:scrgbClr r="0" g="0" b="0"/>
+      </a:effectRef>
+      <a:fontRef idx="minor">
+        <a:schemeClr val="lt1"/>
+      </a:fontRef>
+    </dgm:style>
+  </dgm:styleLbl>
+  <dgm:styleLbl name="asst4">
+    <dgm:scene3d>
+      <a:camera prst="orthographicFront"/>
+      <a:lightRig rig="threePt" dir="t"/>
+    </dgm:scene3d>
+    <dgm:sp3d/>
+    <dgm:txPr/>
+    <dgm:style>
+      <a:lnRef idx="2">
+        <a:scrgbClr r="0" g="0" b="0"/>
+      </a:lnRef>
+      <a:fillRef idx="1">
+        <a:scrgbClr r="0" g="0" b="0"/>
+      </a:fillRef>
+      <a:effectRef idx="0">
+        <a:scrgbClr r="0" g="0" b="0"/>
+      </a:effectRef>
+      <a:fontRef idx="minor">
+        <a:schemeClr val="lt1"/>
+      </a:fontRef>
+    </dgm:style>
+  </dgm:styleLbl>
+  <dgm:styleLbl name="parChTrans2D1">
+    <dgm:scene3d>
+      <a:camera prst="orthographicFront"/>
+      <a:lightRig rig="threePt" dir="t"/>
+    </dgm:scene3d>
+    <dgm:sp3d/>
+    <dgm:txPr/>
+    <dgm:style>
+      <a:lnRef idx="2">
+        <a:scrgbClr r="0" g="0" b="0"/>
+      </a:lnRef>
+      <a:fillRef idx="1">
+        <a:scrgbClr r="0" g="0" b="0"/>
+      </a:fillRef>
+      <a:effectRef idx="0">
+        <a:scrgbClr r="0" g="0" b="0"/>
+      </a:effectRef>
+      <a:fontRef idx="minor">
+        <a:schemeClr val="lt1"/>
+      </a:fontRef>
+    </dgm:style>
+  </dgm:styleLbl>
+  <dgm:styleLbl name="parChTrans2D2">
+    <dgm:scene3d>
+      <a:camera prst="orthographicFront"/>
+      <a:lightRig rig="threePt" dir="t"/>
+    </dgm:scene3d>
+    <dgm:sp3d/>
+    <dgm:txPr/>
+    <dgm:style>
+      <a:lnRef idx="2">
+        <a:scrgbClr r="0" g="0" b="0"/>
+      </a:lnRef>
+      <a:fillRef idx="1">
+        <a:scrgbClr r="0" g="0" b="0"/>
+      </a:fillRef>
+      <a:effectRef idx="0">
+        <a:scrgbClr r="0" g="0" b="0"/>
+      </a:effectRef>
+      <a:fontRef idx="minor">
+        <a:schemeClr val="lt1"/>
+      </a:fontRef>
+    </dgm:style>
+  </dgm:styleLbl>
+  <dgm:styleLbl name="parChTrans2D3">
+    <dgm:scene3d>
+      <a:camera prst="orthographicFront"/>
+      <a:lightRig rig="threePt" dir="t"/>
+    </dgm:scene3d>
+    <dgm:sp3d/>
+    <dgm:txPr/>
+    <dgm:style>
+      <a:lnRef idx="2">
+        <a:scrgbClr r="0" g="0" b="0"/>
+      </a:lnRef>
+      <a:fillRef idx="1">
+        <a:scrgbClr r="0" g="0" b="0"/>
+      </a:fillRef>
+      <a:effectRef idx="0">
+        <a:scrgbClr r="0" g="0" b="0"/>
+      </a:effectRef>
+      <a:fontRef idx="minor">
+        <a:schemeClr val="lt1"/>
+      </a:fontRef>
+    </dgm:style>
+  </dgm:styleLbl>
+  <dgm:styleLbl name="parChTrans2D4">
+    <dgm:scene3d>
+      <a:camera prst="orthographicFront"/>
+      <a:lightRig rig="threePt" dir="t"/>
+    </dgm:scene3d>
+    <dgm:sp3d/>
+    <dgm:txPr/>
+    <dgm:style>
+      <a:lnRef idx="2">
+        <a:scrgbClr r="0" g="0" b="0"/>
+      </a:lnRef>
+      <a:fillRef idx="1">
+        <a:scrgbClr r="0" g="0" b="0"/>
+      </a:fillRef>
+      <a:effectRef idx="0">
+        <a:scrgbClr r="0" g="0" b="0"/>
+      </a:effectRef>
+      <a:fontRef idx="minor">
+        <a:schemeClr val="lt1"/>
+      </a:fontRef>
+    </dgm:style>
+  </dgm:styleLbl>
+  <dgm:styleLbl name="parChTrans1D1">
+    <dgm:scene3d>
+      <a:camera prst="orthographicFront"/>
+      <a:lightRig rig="threePt" dir="t"/>
+    </dgm:scene3d>
+    <dgm:sp3d/>
+    <dgm:txPr/>
+    <dgm:style>
+      <a:lnRef idx="2">
+        <a:scrgbClr r="0" g="0" b="0"/>
+      </a:lnRef>
+      <a:fillRef idx="0">
+        <a:scrgbClr r="0" g="0" b="0"/>
+      </a:fillRef>
+      <a:effectRef idx="0">
+        <a:scrgbClr r="0" g="0" b="0"/>
+      </a:effectRef>
+      <a:fontRef idx="minor"/>
+    </dgm:style>
+  </dgm:styleLbl>
+  <dgm:styleLbl name="parChTrans1D2">
+    <dgm:scene3d>
+      <a:camera prst="orthographicFront"/>
+      <a:lightRig rig="threePt" dir="t"/>
+    </dgm:scene3d>
+    <dgm:sp3d/>
+    <dgm:txPr/>
+    <dgm:style>
+      <a:lnRef idx="2">
+        <a:scrgbClr r="0" g="0" b="0"/>
+      </a:lnRef>
+      <a:fillRef idx="0">
+        <a:scrgbClr r="0" g="0" b="0"/>
+      </a:fillRef>
+      <a:effectRef idx="0">
+        <a:scrgbClr r="0" g="0" b="0"/>
+      </a:effectRef>
+      <a:fontRef idx="minor"/>
+    </dgm:style>
+  </dgm:styleLbl>
+  <dgm:styleLbl name="parChTrans1D3">
+    <dgm:scene3d>
+      <a:camera prst="orthographicFront"/>
+      <a:lightRig rig="threePt" dir="t"/>
+    </dgm:scene3d>
+    <dgm:sp3d/>
+    <dgm:txPr/>
+    <dgm:style>
+      <a:lnRef idx="2">
+        <a:scrgbClr r="0" g="0" b="0"/>
+      </a:lnRef>
+      <a:fillRef idx="0">
+        <a:scrgbClr r="0" g="0" b="0"/>
+      </a:fillRef>
+      <a:effectRef idx="0">
+        <a:scrgbClr r="0" g="0" b="0"/>
+      </a:effectRef>
+      <a:fontRef idx="minor"/>
+    </dgm:style>
+  </dgm:styleLbl>
+  <dgm:styleLbl name="parChTrans1D4">
+    <dgm:scene3d>
+      <a:camera prst="orthographicFront"/>
+      <a:lightRig rig="threePt" dir="t"/>
+    </dgm:scene3d>
+    <dgm:sp3d/>
+    <dgm:txPr/>
+    <dgm:style>
+      <a:lnRef idx="2">
+        <a:scrgbClr r="0" g="0" b="0"/>
+      </a:lnRef>
+      <a:fillRef idx="0">
+        <a:scrgbClr r="0" g="0" b="0"/>
+      </a:fillRef>
+      <a:effectRef idx="0">
+        <a:scrgbClr r="0" g="0" b="0"/>
+      </a:effectRef>
+      <a:fontRef idx="minor"/>
+    </dgm:style>
+  </dgm:styleLbl>
+  <dgm:styleLbl name="fgAcc1">
+    <dgm:scene3d>
+      <a:camera prst="orthographicFront"/>
+      <a:lightRig rig="threePt" dir="t"/>
+    </dgm:scene3d>
+    <dgm:sp3d/>
+    <dgm:txPr/>
+    <dgm:style>
+      <a:lnRef idx="2">
+        <a:scrgbClr r="0" g="0" b="0"/>
+      </a:lnRef>
+      <a:fillRef idx="1">
+        <a:scrgbClr r="0" g="0" b="0"/>
+      </a:fillRef>
+      <a:effectRef idx="0">
+        <a:scrgbClr r="0" g="0" b="0"/>
+      </a:effectRef>
+      <a:fontRef idx="minor"/>
+    </dgm:style>
+  </dgm:styleLbl>
+  <dgm:styleLbl name="conFgAcc1">
+    <dgm:scene3d>
+      <a:camera prst="orthographicFront"/>
+      <a:lightRig rig="threePt" dir="t"/>
+    </dgm:scene3d>
+    <dgm:sp3d/>
+    <dgm:txPr/>
+    <dgm:style>
+      <a:lnRef idx="2">
+        <a:scrgbClr r="0" g="0" b="0"/>
+      </a:lnRef>
+      <a:fillRef idx="1">
+        <a:scrgbClr r="0" g="0" b="0"/>
+      </a:fillRef>
+      <a:effectRef idx="0">
+        <a:scrgbClr r="0" g="0" b="0"/>
+      </a:effectRef>
+      <a:fontRef idx="minor"/>
+    </dgm:style>
+  </dgm:styleLbl>
+  <dgm:styleLbl name="alignAcc1">
+    <dgm:scene3d>
+      <a:camera prst="orthographicFront"/>
+      <a:lightRig rig="threePt" dir="t"/>
+    </dgm:scene3d>
+    <dgm:sp3d/>
+    <dgm:txPr/>
+    <dgm:style>
+      <a:lnRef idx="2">
+        <a:scrgbClr r="0" g="0" b="0"/>
+      </a:lnRef>
+      <a:fillRef idx="1">
+        <a:scrgbClr r="0" g="0" b="0"/>
+      </a:fillRef>
+      <a:effectRef idx="0">
+        <a:scrgbClr r="0" g="0" b="0"/>
+      </a:effectRef>
+      <a:fontRef idx="minor"/>
+    </dgm:style>
+  </dgm:styleLbl>
+  <dgm:styleLbl name="trAlignAcc1">
+    <dgm:scene3d>
+      <a:camera prst="orthographicFront"/>
+      <a:lightRig rig="threePt" dir="t"/>
+    </dgm:scene3d>
+    <dgm:sp3d/>
+    <dgm:txPr/>
+    <dgm:style>
+      <a:lnRef idx="1">
+        <a:scrgbClr r="0" g="0" b="0"/>
+      </a:lnRef>
+      <a:fillRef idx="1">
+        <a:scrgbClr r="0" g="0" b="0"/>
+      </a:fillRef>
+      <a:effectRef idx="0">
+        <a:scrgbClr r="0" g="0" b="0"/>
+      </a:effectRef>
+      <a:fontRef idx="minor"/>
+    </dgm:style>
+  </dgm:styleLbl>
+  <dgm:styleLbl name="bgAcc1">
+    <dgm:scene3d>
+      <a:camera prst="orthographicFront"/>
+      <a:lightRig rig="threePt" dir="t"/>
+    </dgm:scene3d>
+    <dgm:sp3d/>
+    <dgm:txPr/>
+    <dgm:style>
+      <a:lnRef idx="2">
+        <a:scrgbClr r="0" g="0" b="0"/>
+      </a:lnRef>
+      <a:fillRef idx="1">
+        <a:scrgbClr r="0" g="0" b="0"/>
+      </a:fillRef>
+      <a:effectRef idx="0">
+        <a:scrgbClr r="0" g="0" b="0"/>
+      </a:effectRef>
+      <a:fontRef idx="minor"/>
+    </dgm:style>
+  </dgm:styleLbl>
+  <dgm:styleLbl name="solidFgAcc1">
+    <dgm:scene3d>
+      <a:camera prst="orthographicFront"/>
+      <a:lightRig rig="threePt" dir="t"/>
+    </dgm:scene3d>
+    <dgm:sp3d/>
+    <dgm:txPr/>
+    <dgm:style>
+      <a:lnRef idx="2">
+        <a:scrgbClr r="0" g="0" b="0"/>
+      </a:lnRef>
+      <a:fillRef idx="1">
+        <a:scrgbClr r="0" g="0" b="0"/>
+      </a:fillRef>
+      <a:effectRef idx="0">
+        <a:scrgbClr r="0" g="0" b="0"/>
+      </a:effectRef>
+      <a:fontRef idx="minor"/>
+    </dgm:style>
+  </dgm:styleLbl>
+  <dgm:styleLbl name="solidAlignAcc1">
+    <dgm:scene3d>
+      <a:camera prst="orthographicFront"/>
+      <a:lightRig rig="threePt" dir="t"/>
+    </dgm:scene3d>
+    <dgm:sp3d/>
+    <dgm:txPr/>
+    <dgm:style>
+      <a:lnRef idx="2">
+        <a:scrgbClr r="0" g="0" b="0"/>
+      </a:lnRef>
+      <a:fillRef idx="1">
+        <a:scrgbClr r="0" g="0" b="0"/>
+      </a:fillRef>
+      <a:effectRef idx="0">
+        <a:scrgbClr r="0" g="0" b="0"/>
+      </a:effectRef>
+      <a:fontRef idx="minor"/>
+    </dgm:style>
+  </dgm:styleLbl>
+  <dgm:styleLbl name="solidBgAcc1">
+    <dgm:scene3d>
+      <a:camera prst="orthographicFront"/>
+      <a:lightRig rig="threePt" dir="t"/>
+    </dgm:scene3d>
+    <dgm:sp3d/>
+    <dgm:txPr/>
+    <dgm:style>
+      <a:lnRef idx="2">
+        <a:scrgbClr r="0" g="0" b="0"/>
+      </a:lnRef>
+      <a:fillRef idx="1">
+        <a:scrgbClr r="0" g="0" b="0"/>
+      </a:fillRef>
+      <a:effectRef idx="0">
+        <a:scrgbClr r="0" g="0" b="0"/>
+      </a:effectRef>
+      <a:fontRef idx="minor"/>
+    </dgm:style>
+  </dgm:styleLbl>
+  <dgm:styleLbl name="fgAccFollowNode1">
+    <dgm:scene3d>
+      <a:camera prst="orthographicFront"/>
+      <a:lightRig rig="threePt" dir="t"/>
+    </dgm:scene3d>
+    <dgm:sp3d/>
+    <dgm:txPr/>
+    <dgm:style>
+      <a:lnRef idx="2">
+        <a:scrgbClr r="0" g="0" b="0"/>
+      </a:lnRef>
+      <a:fillRef idx="1">
+        <a:scrgbClr r="0" g="0" b="0"/>
+      </a:fillRef>
+      <a:effectRef idx="0">
+        <a:scrgbClr r="0" g="0" b="0"/>
+      </a:effectRef>
+      <a:fontRef idx="minor"/>
+    </dgm:style>
+  </dgm:styleLbl>
+  <dgm:styleLbl name="alignAccFollowNode1">
+    <dgm:scene3d>
+      <a:camera prst="orthographicFront"/>
+      <a:lightRig rig="threePt" dir="t"/>
+    </dgm:scene3d>
+    <dgm:sp3d/>
+    <dgm:txPr/>
+    <dgm:style>
+      <a:lnRef idx="2">
+        <a:scrgbClr r="0" g="0" b="0"/>
+      </a:lnRef>
+      <a:fillRef idx="1">
+        <a:scrgbClr r="0" g="0" b="0"/>
+      </a:fillRef>
+      <a:effectRef idx="0">
+        <a:scrgbClr r="0" g="0" b="0"/>
+      </a:effectRef>
+      <a:fontRef idx="minor"/>
+    </dgm:style>
+  </dgm:styleLbl>
+  <dgm:styleLbl name="bgAccFollowNode1">
+    <dgm:scene3d>
+      <a:camera prst="orthographicFront"/>
+      <a:lightRig rig="threePt" dir="t"/>
+    </dgm:scene3d>
+    <dgm:sp3d/>
+    <dgm:txPr/>
+    <dgm:style>
+      <a:lnRef idx="2">
+        <a:scrgbClr r="0" g="0" b="0"/>
+      </a:lnRef>
+      <a:fillRef idx="1">
+        <a:scrgbClr r="0" g="0" b="0"/>
+      </a:fillRef>
+      <a:effectRef idx="0">
+        <a:scrgbClr r="0" g="0" b="0"/>
+      </a:effectRef>
+      <a:fontRef idx="minor"/>
+    </dgm:style>
+  </dgm:styleLbl>
+  <dgm:styleLbl name="fgAcc0">
+    <dgm:scene3d>
+      <a:camera prst="orthographicFront"/>
+      <a:lightRig rig="threePt" dir="t"/>
+    </dgm:scene3d>
+    <dgm:sp3d/>
+    <dgm:txPr/>
+    <dgm:style>
+      <a:lnRef idx="2">
+        <a:scrgbClr r="0" g="0" b="0"/>
+      </a:lnRef>
+      <a:fillRef idx="1">
+        <a:scrgbClr r="0" g="0" b="0"/>
+      </a:fillRef>
+      <a:effectRef idx="0">
+        <a:scrgbClr r="0" g="0" b="0"/>
+      </a:effectRef>
+      <a:fontRef idx="minor"/>
+    </dgm:style>
+  </dgm:styleLbl>
+  <dgm:styleLbl name="fgAcc2">
+    <dgm:scene3d>
+      <a:camera prst="orthographicFront"/>
+      <a:lightRig rig="threePt" dir="t"/>
+    </dgm:scene3d>
+    <dgm:sp3d/>
+    <dgm:txPr/>
+    <dgm:style>
+      <a:lnRef idx="2">
+        <a:scrgbClr r="0" g="0" b="0"/>
+      </a:lnRef>
+      <a:fillRef idx="1">
+        <a:scrgbClr r="0" g="0" b="0"/>
+      </a:fillRef>
+      <a:effectRef idx="0">
+        <a:scrgbClr r="0" g="0" b="0"/>
+      </a:effectRef>
+      <a:fontRef idx="minor"/>
+    </dgm:style>
+  </dgm:styleLbl>
+  <dgm:styleLbl name="fgAcc3">
+    <dgm:scene3d>
+      <a:camera prst="orthographicFront"/>
+      <a:lightRig rig="threePt" dir="t"/>
+    </dgm:scene3d>
+    <dgm:sp3d/>
+    <dgm:txPr/>
+    <dgm:style>
+      <a:lnRef idx="2">
+        <a:scrgbClr r="0" g="0" b="0"/>
+      </a:lnRef>
+      <a:fillRef idx="1">
+        <a:scrgbClr r="0" g="0" b="0"/>
+      </a:fillRef>
+      <a:effectRef idx="0">
+        <a:scrgbClr r="0" g="0" b="0"/>
+      </a:effectRef>
+      <a:fontRef idx="minor"/>
+    </dgm:style>
+  </dgm:styleLbl>
+  <dgm:styleLbl name="fgAcc4">
+    <dgm:scene3d>
+      <a:camera prst="orthographicFront"/>
+      <a:lightRig rig="threePt" dir="t"/>
+    </dgm:scene3d>
+    <dgm:sp3d/>
+    <dgm:txPr/>
+    <dgm:style>
+      <a:lnRef idx="2">
+        <a:scrgbClr r="0" g="0" b="0"/>
+      </a:lnRef>
+      <a:fillRef idx="1">
+        <a:scrgbClr r="0" g="0" b="0"/>
+      </a:fillRef>
+      <a:effectRef idx="0">
+        <a:scrgbClr r="0" g="0" b="0"/>
+      </a:effectRef>
+      <a:fontRef idx="minor"/>
+    </dgm:style>
+  </dgm:styleLbl>
+  <dgm:styleLbl name="bgShp">
+    <dgm:scene3d>
+      <a:camera prst="orthographicFront"/>
+      <a:lightRig rig="threePt" dir="t"/>
+    </dgm:scene3d>
+    <dgm:sp3d/>
+    <dgm:txPr/>
+    <dgm:style>
+      <a:lnRef idx="0">
+        <a:scrgbClr r="0" g="0" b="0"/>
+      </a:lnRef>
+      <a:fillRef idx="1">
+        <a:scrgbClr r="0" g="0" b="0"/>
+      </a:fillRef>
+      <a:effectRef idx="0">
+        <a:scrgbClr r="0" g="0" b="0"/>
+      </a:effectRef>
+      <a:fontRef idx="minor"/>
+    </dgm:style>
+  </dgm:styleLbl>
+  <dgm:styleLbl name="dkBgShp">
+    <dgm:scene3d>
+      <a:camera prst="orthographicFront"/>
+      <a:lightRig rig="threePt" dir="t"/>
+    </dgm:scene3d>
+    <dgm:sp3d/>
+    <dgm:txPr/>
+    <dgm:style>
+      <a:lnRef idx="0">
+        <a:scrgbClr r="0" g="0" b="0"/>
+      </a:lnRef>
+      <a:fillRef idx="1">
+        <a:scrgbClr r="0" g="0" b="0"/>
+      </a:fillRef>
+      <a:effectRef idx="0">
+        <a:scrgbClr r="0" g="0" b="0"/>
+      </a:effectRef>
+      <a:fontRef idx="minor"/>
+    </dgm:style>
+  </dgm:styleLbl>
+  <dgm:styleLbl name="trBgShp">
+    <dgm:scene3d>
+      <a:camera prst="orthographicFront"/>
+      <a:lightRig rig="threePt" dir="t"/>
+    </dgm:scene3d>
+    <dgm:sp3d/>
+    <dgm:txPr/>
+    <dgm:style>
+      <a:lnRef idx="0">
+        <a:scrgbClr r="0" g="0" b="0"/>
+      </a:lnRef>
+      <a:fillRef idx="1">
+        <a:scrgbClr r="0" g="0" b="0"/>
+      </a:fillRef>
+      <a:effectRef idx="0">
+        <a:scrgbClr r="0" g="0" b="0"/>
+      </a:effectRef>
+      <a:fontRef idx="minor"/>
+    </dgm:style>
+  </dgm:styleLbl>
+  <dgm:styleLbl name="fgShp">
+    <dgm:scene3d>
+      <a:camera prst="orthographicFront"/>
+      <a:lightRig rig="threePt" dir="t"/>
+    </dgm:scene3d>
+    <dgm:sp3d/>
+    <dgm:txPr/>
+    <dgm:style>
+      <a:lnRef idx="2">
+        <a:scrgbClr r="0" g="0" b="0"/>
+      </a:lnRef>
+      <a:fillRef idx="1">
+        <a:scrgbClr r="0" g="0" b="0"/>
+      </a:fillRef>
+      <a:effectRef idx="0">
+        <a:scrgbClr r="0" g="0" b="0"/>
+      </a:effectRef>
+      <a:fontRef idx="minor"/>
+    </dgm:style>
+  </dgm:styleLbl>
+  <dgm:styleLbl name="revTx">
+    <dgm:scene3d>
+      <a:camera prst="orthographicFront"/>
+      <a:lightRig rig="threePt" dir="t"/>
+    </dgm:scene3d>
+    <dgm:sp3d/>
+    <dgm:txPr/>
+    <dgm:style>
+      <a:lnRef idx="0">
+        <a:scrgbClr r="0" g="0" b="0"/>
+      </a:lnRef>
+      <a:fillRef idx="0">
+        <a:scrgbClr r="0" g="0" b="0"/>
+      </a:fillRef>
+      <a:effectRef idx="0">
+        <a:scrgbClr r="0" g="0" b="0"/>
+      </a:effectRef>
+      <a:fontRef idx="minor"/>
+    </dgm:style>
+  </dgm:styleLbl>
+</dgm:styleDef>
 </file>
 
 <file path=ppt/notesMasters/notesMaster1.xml><?xml version="1.0" encoding="utf-8"?>
@@ -835,18 +4060,78 @@
           <a:bodyPr/>
           <a:lstStyle/>
           <a:p>
+            <a:pPr marL="0" marR="0" lvl="0" indent="0" algn="r" defTabSz="457200" rtl="0" eaLnBrk="1" fontAlgn="auto" latinLnBrk="0" hangingPunct="1">
+              <a:lnSpc>
+                <a:spcPct val="100000"/>
+              </a:lnSpc>
+              <a:spcBef>
+                <a:spcPts val="0"/>
+              </a:spcBef>
+              <a:spcAft>
+                <a:spcPts val="0"/>
+              </a:spcAft>
+              <a:buClrTx/>
+              <a:buSzTx/>
+              <a:buFontTx/>
+              <a:buNone/>
+              <a:tabLst/>
+              <a:defRPr/>
+            </a:pPr>
             <a:fld id="{16A87904-88DE-4022-A424-ACD2E6FC1751}" type="slidenum">
-              <a:rPr lang="en-US" smtClean="0"/>
+              <a:rPr kumimoji="0" lang="en-US" sz="1200" b="0" i="0" u="none" strike="noStrike" kern="1200" cap="none" spc="0" normalizeH="0" baseline="0" noProof="0" smtClean="0">
+                <a:ln>
+                  <a:noFill/>
+                </a:ln>
+                <a:solidFill>
+                  <a:prstClr val="black"/>
+                </a:solidFill>
+                <a:effectLst/>
+                <a:uLnTx/>
+                <a:uFillTx/>
+                <a:latin typeface="Calibri" panose="020F0502020204030204"/>
+                <a:ea typeface="+mn-ea"/>
+                <a:cs typeface="+mn-cs"/>
+              </a:rPr>
+              <a:pPr marL="0" marR="0" lvl="0" indent="0" algn="r" defTabSz="457200" rtl="0" eaLnBrk="1" fontAlgn="auto" latinLnBrk="0" hangingPunct="1">
+                <a:lnSpc>
+                  <a:spcPct val="100000"/>
+                </a:lnSpc>
+                <a:spcBef>
+                  <a:spcPts val="0"/>
+                </a:spcBef>
+                <a:spcAft>
+                  <a:spcPts val="0"/>
+                </a:spcAft>
+                <a:buClrTx/>
+                <a:buSzTx/>
+                <a:buFontTx/>
+                <a:buNone/>
+                <a:tabLst/>
+                <a:defRPr/>
+              </a:pPr>
               <a:t>3</a:t>
             </a:fld>
-            <a:endParaRPr lang="en-US"/>
+            <a:endParaRPr kumimoji="0" lang="en-US" sz="1200" b="0" i="0" u="none" strike="noStrike" kern="1200" cap="none" spc="0" normalizeH="0" baseline="0" noProof="0">
+              <a:ln>
+                <a:noFill/>
+              </a:ln>
+              <a:solidFill>
+                <a:prstClr val="black"/>
+              </a:solidFill>
+              <a:effectLst/>
+              <a:uLnTx/>
+              <a:uFillTx/>
+              <a:latin typeface="Calibri" panose="020F0502020204030204"/>
+              <a:ea typeface="+mn-ea"/>
+              <a:cs typeface="+mn-cs"/>
+            </a:endParaRPr>
           </a:p>
         </p:txBody>
       </p:sp>
     </p:spTree>
     <p:extLst>
       <p:ext uri="{BB962C8B-B14F-4D97-AF65-F5344CB8AC3E}">
-        <p14:creationId xmlns:p14="http://schemas.microsoft.com/office/powerpoint/2010/main" val="290498970"/>
+        <p14:creationId xmlns:p14="http://schemas.microsoft.com/office/powerpoint/2010/main" val="3226418743"/>
       </p:ext>
     </p:extLst>
   </p:cSld>
@@ -1223,8 +4508,21 @@
           <a:p>
             <a:r>
               <a:rPr lang="en-US" dirty="0"/>
-              <a:t>- all EF Core &amp; ASP.NET Core deps</a:t>
-            </a:r>
+              <a:t>- all EF Core &amp; ASP.NET Core deps (incl. </a:t>
+            </a:r>
+            <a:r>
+              <a:rPr lang="en-US"/>
+              <a:t>3</a:t>
+            </a:r>
+            <a:r>
+              <a:rPr lang="en-US" baseline="30000"/>
+              <a:t>rd</a:t>
+            </a:r>
+            <a:r>
+              <a:rPr lang="en-US"/>
+              <a:t> party)</a:t>
+            </a:r>
+            <a:endParaRPr lang="en-US" dirty="0"/>
           </a:p>
           <a:p>
             <a:r>
@@ -10880,7 +14178,7 @@
                                         <p:tgtEl>
                                           <p:spTgt spid="3">
                                             <p:txEl>
-                                              <p:pRg st="4" end="4"/>
+                                              <p:pRg st="0" end="0"/>
                                             </p:txEl>
                                           </p:spTgt>
                                         </p:tgtEl>
@@ -10898,7 +14196,7 @@
                                         <p:tgtEl>
                                           <p:spTgt spid="3">
                                             <p:txEl>
-                                              <p:pRg st="4" end="4"/>
+                                              <p:pRg st="0" end="0"/>
                                             </p:txEl>
                                           </p:spTgt>
                                         </p:tgtEl>
@@ -11002,7 +14300,7 @@
                                         <p:tgtEl>
                                           <p:spTgt spid="3">
                                             <p:txEl>
-                                              <p:pRg st="0" end="0"/>
+                                              <p:pRg st="2" end="2"/>
                                             </p:txEl>
                                           </p:spTgt>
                                         </p:tgtEl>
@@ -11020,7 +14318,7 @@
                                         <p:tgtEl>
                                           <p:spTgt spid="3">
                                             <p:txEl>
-                                              <p:pRg st="0" end="0"/>
+                                              <p:pRg st="2" end="2"/>
                                             </p:txEl>
                                           </p:spTgt>
                                         </p:tgtEl>
@@ -11124,7 +14422,7 @@
                                         <p:tgtEl>
                                           <p:spTgt spid="3">
                                             <p:txEl>
-                                              <p:pRg st="2" end="2"/>
+                                              <p:pRg st="4" end="4"/>
                                             </p:txEl>
                                           </p:spTgt>
                                         </p:tgtEl>
@@ -11142,7 +14440,7 @@
                                         <p:tgtEl>
                                           <p:spTgt spid="3">
                                             <p:txEl>
-                                              <p:pRg st="2" end="2"/>
+                                              <p:pRg st="4" end="4"/>
                                             </p:txEl>
                                           </p:spTgt>
                                         </p:tgtEl>
@@ -11420,7 +14718,7 @@
         <p:spPr/>
         <p:txBody>
           <a:bodyPr>
-            <a:normAutofit lnSpcReduction="10000"/>
+            <a:normAutofit/>
           </a:bodyPr>
           <a:lstStyle/>
           <a:p>
@@ -11449,395 +14747,48 @@
             <a:pPr marL="0" indent="0">
               <a:buNone/>
             </a:pPr>
-            <a:r>
-              <a:rPr lang="en-US" b="1" u="sng" dirty="0">
-                <a:solidFill>
-                  <a:srgbClr val="A0C4E5"/>
-                </a:solidFill>
-              </a:rPr>
-              <a:t>1.1</a:t>
-            </a:r>
-          </a:p>
-          <a:p>
-            <a:pPr marL="0" indent="0">
-              <a:buNone/>
-            </a:pPr>
-            <a:r>
-              <a:rPr lang="en-US" dirty="0">
-                <a:sym typeface="Wingdings" panose="05000000000000000000" pitchFamily="2" charset="2"/>
-              </a:rPr>
-              <a:t>16.8 MB</a:t>
-            </a:r>
-          </a:p>
-          <a:p>
-            <a:pPr marL="0" indent="0">
-              <a:buNone/>
-            </a:pPr>
-            <a:r>
-              <a:rPr lang="en-US" dirty="0">
-                <a:sym typeface="Wingdings" panose="05000000000000000000" pitchFamily="2" charset="2"/>
-              </a:rPr>
-              <a:t>26.7 MB w/ Identity</a:t>
-            </a:r>
-          </a:p>
-          <a:p>
-            <a:pPr marL="0" indent="0">
-              <a:buNone/>
-            </a:pPr>
-            <a:endParaRPr lang="en-US" dirty="0">
-              <a:sym typeface="Wingdings" panose="05000000000000000000" pitchFamily="2" charset="2"/>
-            </a:endParaRPr>
-          </a:p>
-          <a:p>
-            <a:pPr marL="0" indent="0">
-              <a:buNone/>
-            </a:pPr>
-            <a:r>
-              <a:rPr lang="en-US" b="1" u="sng" dirty="0">
-                <a:solidFill>
-                  <a:srgbClr val="A0C4E5"/>
-                </a:solidFill>
-                <a:sym typeface="Wingdings" panose="05000000000000000000" pitchFamily="2" charset="2"/>
-              </a:rPr>
-              <a:t>2.0</a:t>
-            </a:r>
-          </a:p>
-          <a:p>
-            <a:pPr marL="0" indent="0">
-              <a:buNone/>
-            </a:pPr>
-            <a:r>
-              <a:rPr lang="en-US" dirty="0">
-                <a:sym typeface="Wingdings" panose="05000000000000000000" pitchFamily="2" charset="2"/>
-              </a:rPr>
-              <a:t>2.63 MB</a:t>
-            </a:r>
-          </a:p>
-          <a:p>
-            <a:pPr marL="0" indent="0">
-              <a:buNone/>
-            </a:pPr>
-            <a:r>
-              <a:rPr lang="en-US" dirty="0">
-                <a:sym typeface="Wingdings" panose="05000000000000000000" pitchFamily="2" charset="2"/>
-              </a:rPr>
-              <a:t>3.09 MB w/ Identity</a:t>
-            </a:r>
             <a:endParaRPr lang="en-US" dirty="0"/>
           </a:p>
         </p:txBody>
       </p:sp>
+      <p:graphicFrame>
+        <p:nvGraphicFramePr>
+          <p:cNvPr id="4" name="Diagram 3">
+            <a:extLst>
+              <a:ext uri="{FF2B5EF4-FFF2-40B4-BE49-F238E27FC236}">
+                <a16:creationId xmlns:a16="http://schemas.microsoft.com/office/drawing/2014/main" id="{3B691EE6-8499-4523-B70C-EA73F90CF079}"/>
+              </a:ext>
+            </a:extLst>
+          </p:cNvPr>
+          <p:cNvGraphicFramePr/>
+          <p:nvPr>
+            <p:extLst>
+              <p:ext uri="{D42A27DB-BD31-4B8C-83A1-F6EECF244321}">
+                <p14:modId xmlns:p14="http://schemas.microsoft.com/office/powerpoint/2010/main" val="2729045778"/>
+              </p:ext>
+            </p:extLst>
+          </p:nvPr>
+        </p:nvGraphicFramePr>
+        <p:xfrm>
+          <a:off x="6306239" y="1690688"/>
+          <a:ext cx="4140200" cy="4805292"/>
+        </p:xfrm>
+        <a:graphic>
+          <a:graphicData uri="http://schemas.openxmlformats.org/drawingml/2006/diagram">
+            <dgm:relIds xmlns:dgm="http://schemas.openxmlformats.org/drawingml/2006/diagram" xmlns:r="http://schemas.openxmlformats.org/officeDocument/2006/relationships" r:dm="rId5" r:lo="rId6" r:qs="rId7" r:cs="rId8"/>
+          </a:graphicData>
+        </a:graphic>
+      </p:graphicFrame>
     </p:spTree>
     <p:extLst>
       <p:ext uri="{BB962C8B-B14F-4D97-AF65-F5344CB8AC3E}">
-        <p14:creationId xmlns:p14="http://schemas.microsoft.com/office/powerpoint/2010/main" val="4022469845"/>
+        <p14:creationId xmlns:p14="http://schemas.microsoft.com/office/powerpoint/2010/main" val="1720026892"/>
       </p:ext>
     </p:extLst>
   </p:cSld>
   <p:clrMapOvr>
     <a:masterClrMapping/>
   </p:clrMapOvr>
-  <p:timing>
-    <p:tnLst>
-      <p:par>
-        <p:cTn id="1" dur="indefinite" restart="never" nodeType="tmRoot">
-          <p:childTnLst>
-            <p:seq concurrent="1" nextAc="seek">
-              <p:cTn id="2" dur="indefinite" nodeType="mainSeq">
-                <p:childTnLst>
-                  <p:par>
-                    <p:cTn id="3" fill="hold">
-                      <p:stCondLst>
-                        <p:cond delay="indefinite"/>
-                      </p:stCondLst>
-                      <p:childTnLst>
-                        <p:par>
-                          <p:cTn id="4" fill="hold">
-                            <p:stCondLst>
-                              <p:cond delay="0"/>
-                            </p:stCondLst>
-                            <p:childTnLst>
-                              <p:par>
-                                <p:cTn id="5" presetID="1" presetClass="entr" presetSubtype="0" fill="hold" nodeType="clickEffect">
-                                  <p:stCondLst>
-                                    <p:cond delay="0"/>
-                                  </p:stCondLst>
-                                  <p:childTnLst>
-                                    <p:set>
-                                      <p:cBhvr>
-                                        <p:cTn id="6" dur="1" fill="hold">
-                                          <p:stCondLst>
-                                            <p:cond delay="0"/>
-                                          </p:stCondLst>
-                                        </p:cTn>
-                                        <p:tgtEl>
-                                          <p:spTgt spid="5">
-                                            <p:txEl>
-                                              <p:pRg st="0" end="0"/>
-                                            </p:txEl>
-                                          </p:spTgt>
-                                        </p:tgtEl>
-                                        <p:attrNameLst>
-                                          <p:attrName>style.visibility</p:attrName>
-                                        </p:attrNameLst>
-                                      </p:cBhvr>
-                                      <p:to>
-                                        <p:strVal val="visible"/>
-                                      </p:to>
-                                    </p:set>
-                                  </p:childTnLst>
-                                </p:cTn>
-                              </p:par>
-                            </p:childTnLst>
-                          </p:cTn>
-                        </p:par>
-                      </p:childTnLst>
-                    </p:cTn>
-                  </p:par>
-                  <p:par>
-                    <p:cTn id="7" fill="hold">
-                      <p:stCondLst>
-                        <p:cond delay="indefinite"/>
-                      </p:stCondLst>
-                      <p:childTnLst>
-                        <p:par>
-                          <p:cTn id="8" fill="hold">
-                            <p:stCondLst>
-                              <p:cond delay="0"/>
-                            </p:stCondLst>
-                            <p:childTnLst>
-                              <p:par>
-                                <p:cTn id="9" presetID="1" presetClass="entr" presetSubtype="0" fill="hold" nodeType="clickEffect">
-                                  <p:stCondLst>
-                                    <p:cond delay="0"/>
-                                  </p:stCondLst>
-                                  <p:childTnLst>
-                                    <p:set>
-                                      <p:cBhvr>
-                                        <p:cTn id="10" dur="1" fill="hold">
-                                          <p:stCondLst>
-                                            <p:cond delay="0"/>
-                                          </p:stCondLst>
-                                        </p:cTn>
-                                        <p:tgtEl>
-                                          <p:spTgt spid="5">
-                                            <p:txEl>
-                                              <p:pRg st="2" end="2"/>
-                                            </p:txEl>
-                                          </p:spTgt>
-                                        </p:tgtEl>
-                                        <p:attrNameLst>
-                                          <p:attrName>style.visibility</p:attrName>
-                                        </p:attrNameLst>
-                                      </p:cBhvr>
-                                      <p:to>
-                                        <p:strVal val="visible"/>
-                                      </p:to>
-                                    </p:set>
-                                  </p:childTnLst>
-                                </p:cTn>
-                              </p:par>
-                              <p:par>
-                                <p:cTn id="11" presetID="1" presetClass="entr" presetSubtype="0" fill="hold" nodeType="withEffect">
-                                  <p:stCondLst>
-                                    <p:cond delay="0"/>
-                                  </p:stCondLst>
-                                  <p:childTnLst>
-                                    <p:set>
-                                      <p:cBhvr>
-                                        <p:cTn id="12" dur="1" fill="hold">
-                                          <p:stCondLst>
-                                            <p:cond delay="0"/>
-                                          </p:stCondLst>
-                                        </p:cTn>
-                                        <p:tgtEl>
-                                          <p:spTgt spid="5">
-                                            <p:txEl>
-                                              <p:pRg st="3" end="3"/>
-                                            </p:txEl>
-                                          </p:spTgt>
-                                        </p:tgtEl>
-                                        <p:attrNameLst>
-                                          <p:attrName>style.visibility</p:attrName>
-                                        </p:attrNameLst>
-                                      </p:cBhvr>
-                                      <p:to>
-                                        <p:strVal val="visible"/>
-                                      </p:to>
-                                    </p:set>
-                                  </p:childTnLst>
-                                </p:cTn>
-                              </p:par>
-                              <p:par>
-                                <p:cTn id="13" presetID="1" presetClass="entr" presetSubtype="0" fill="hold" nodeType="withEffect">
-                                  <p:stCondLst>
-                                    <p:cond delay="0"/>
-                                  </p:stCondLst>
-                                  <p:childTnLst>
-                                    <p:set>
-                                      <p:cBhvr>
-                                        <p:cTn id="14" dur="1" fill="hold">
-                                          <p:stCondLst>
-                                            <p:cond delay="0"/>
-                                          </p:stCondLst>
-                                        </p:cTn>
-                                        <p:tgtEl>
-                                          <p:spTgt spid="5">
-                                            <p:txEl>
-                                              <p:pRg st="4" end="4"/>
-                                            </p:txEl>
-                                          </p:spTgt>
-                                        </p:tgtEl>
-                                        <p:attrNameLst>
-                                          <p:attrName>style.visibility</p:attrName>
-                                        </p:attrNameLst>
-                                      </p:cBhvr>
-                                      <p:to>
-                                        <p:strVal val="visible"/>
-                                      </p:to>
-                                    </p:set>
-                                  </p:childTnLst>
-                                </p:cTn>
-                              </p:par>
-                            </p:childTnLst>
-                          </p:cTn>
-                        </p:par>
-                      </p:childTnLst>
-                    </p:cTn>
-                  </p:par>
-                  <p:par>
-                    <p:cTn id="15" fill="hold">
-                      <p:stCondLst>
-                        <p:cond delay="indefinite"/>
-                      </p:stCondLst>
-                      <p:childTnLst>
-                        <p:par>
-                          <p:cTn id="16" fill="hold">
-                            <p:stCondLst>
-                              <p:cond delay="0"/>
-                            </p:stCondLst>
-                            <p:childTnLst>
-                              <p:par>
-                                <p:cTn id="17" presetID="1" presetClass="entr" presetSubtype="0" fill="hold" nodeType="clickEffect">
-                                  <p:stCondLst>
-                                    <p:cond delay="0"/>
-                                  </p:stCondLst>
-                                  <p:childTnLst>
-                                    <p:set>
-                                      <p:cBhvr>
-                                        <p:cTn id="18" dur="1" fill="hold">
-                                          <p:stCondLst>
-                                            <p:cond delay="0"/>
-                                          </p:stCondLst>
-                                        </p:cTn>
-                                        <p:tgtEl>
-                                          <p:spTgt spid="5">
-                                            <p:txEl>
-                                              <p:pRg st="6" end="6"/>
-                                            </p:txEl>
-                                          </p:spTgt>
-                                        </p:tgtEl>
-                                        <p:attrNameLst>
-                                          <p:attrName>style.visibility</p:attrName>
-                                        </p:attrNameLst>
-                                      </p:cBhvr>
-                                      <p:to>
-                                        <p:strVal val="visible"/>
-                                      </p:to>
-                                    </p:set>
-                                  </p:childTnLst>
-                                </p:cTn>
-                              </p:par>
-                              <p:par>
-                                <p:cTn id="19" presetID="1" presetClass="entr" presetSubtype="0" fill="hold" nodeType="withEffect">
-                                  <p:stCondLst>
-                                    <p:cond delay="0"/>
-                                  </p:stCondLst>
-                                  <p:childTnLst>
-                                    <p:set>
-                                      <p:cBhvr>
-                                        <p:cTn id="20" dur="1" fill="hold">
-                                          <p:stCondLst>
-                                            <p:cond delay="0"/>
-                                          </p:stCondLst>
-                                        </p:cTn>
-                                        <p:tgtEl>
-                                          <p:spTgt spid="5">
-                                            <p:txEl>
-                                              <p:pRg st="7" end="7"/>
-                                            </p:txEl>
-                                          </p:spTgt>
-                                        </p:tgtEl>
-                                        <p:attrNameLst>
-                                          <p:attrName>style.visibility</p:attrName>
-                                        </p:attrNameLst>
-                                      </p:cBhvr>
-                                      <p:to>
-                                        <p:strVal val="visible"/>
-                                      </p:to>
-                                    </p:set>
-                                  </p:childTnLst>
-                                </p:cTn>
-                              </p:par>
-                              <p:par>
-                                <p:cTn id="21" presetID="1" presetClass="entr" presetSubtype="0" fill="hold" nodeType="withEffect">
-                                  <p:stCondLst>
-                                    <p:cond delay="0"/>
-                                  </p:stCondLst>
-                                  <p:childTnLst>
-                                    <p:set>
-                                      <p:cBhvr>
-                                        <p:cTn id="22" dur="1" fill="hold">
-                                          <p:stCondLst>
-                                            <p:cond delay="0"/>
-                                          </p:stCondLst>
-                                        </p:cTn>
-                                        <p:tgtEl>
-                                          <p:spTgt spid="5">
-                                            <p:txEl>
-                                              <p:pRg st="8" end="8"/>
-                                            </p:txEl>
-                                          </p:spTgt>
-                                        </p:tgtEl>
-                                        <p:attrNameLst>
-                                          <p:attrName>style.visibility</p:attrName>
-                                        </p:attrNameLst>
-                                      </p:cBhvr>
-                                      <p:to>
-                                        <p:strVal val="visible"/>
-                                      </p:to>
-                                    </p:set>
-                                  </p:childTnLst>
-                                </p:cTn>
-                              </p:par>
-                            </p:childTnLst>
-                          </p:cTn>
-                        </p:par>
-                      </p:childTnLst>
-                    </p:cTn>
-                  </p:par>
-                </p:childTnLst>
-              </p:cTn>
-              <p:prevCondLst>
-                <p:cond evt="onPrev" delay="0">
-                  <p:tgtEl>
-                    <p:sldTgt/>
-                  </p:tgtEl>
-                </p:cond>
-              </p:prevCondLst>
-              <p:nextCondLst>
-                <p:cond evt="onNext" delay="0">
-                  <p:tgtEl>
-                    <p:sldTgt/>
-                  </p:tgtEl>
-                </p:cond>
-              </p:nextCondLst>
-            </p:seq>
-          </p:childTnLst>
-        </p:cTn>
-      </p:par>
-    </p:tnLst>
-  </p:timing>
 </p:sld>
 </file>
 

--- a/Whats New in ASP.NET Core 2.0.pptx
+++ b/Whats New in ASP.NET Core 2.0.pptx
@@ -6,7 +6,7 @@
     <p:sldMasterId id="2147483847" r:id="rId2"/>
   </p:sldMasterIdLst>
   <p:notesMasterIdLst>
-    <p:notesMasterId r:id="rId12"/>
+    <p:notesMasterId r:id="rId13"/>
   </p:notesMasterIdLst>
   <p:sldIdLst>
     <p:sldId id="342" r:id="rId3"/>
@@ -15,9 +15,10 @@
     <p:sldId id="346" r:id="rId6"/>
     <p:sldId id="347" r:id="rId7"/>
     <p:sldId id="345" r:id="rId8"/>
-    <p:sldId id="341" r:id="rId9"/>
-    <p:sldId id="343" r:id="rId10"/>
-    <p:sldId id="320" r:id="rId11"/>
+    <p:sldId id="350" r:id="rId9"/>
+    <p:sldId id="341" r:id="rId10"/>
+    <p:sldId id="343" r:id="rId11"/>
+    <p:sldId id="320" r:id="rId12"/>
   </p:sldIdLst>
   <p:sldSz cx="12192000" cy="6858000"/>
   <p:notesSz cx="6858000" cy="9144000"/>
@@ -132,6 +133,7 @@
             <p14:sldId id="346"/>
             <p14:sldId id="347"/>
             <p14:sldId id="345"/>
+            <p14:sldId id="350"/>
             <p14:sldId id="341"/>
             <p14:sldId id="343"/>
             <p14:sldId id="320"/>
@@ -3865,6 +3867,154 @@
 </p:notes>
 </file>
 
+<file path=ppt/notesSlides/notesSlide10.xml><?xml version="1.0" encoding="utf-8"?>
+<p:notes xmlns:a="http://schemas.openxmlformats.org/drawingml/2006/main" xmlns:r="http://schemas.openxmlformats.org/officeDocument/2006/relationships" xmlns:p="http://schemas.openxmlformats.org/presentationml/2006/main">
+  <p:cSld>
+    <p:spTree>
+      <p:nvGrpSpPr>
+        <p:cNvPr id="1" name=""/>
+        <p:cNvGrpSpPr/>
+        <p:nvPr/>
+      </p:nvGrpSpPr>
+      <p:grpSpPr>
+        <a:xfrm>
+          <a:off x="0" y="0"/>
+          <a:ext cx="0" cy="0"/>
+          <a:chOff x="0" y="0"/>
+          <a:chExt cx="0" cy="0"/>
+        </a:xfrm>
+      </p:grpSpPr>
+      <p:sp>
+        <p:nvSpPr>
+          <p:cNvPr id="2" name="Slide Image Placeholder 1"/>
+          <p:cNvSpPr>
+            <a:spLocks noGrp="1" noRot="1" noChangeAspect="1"/>
+          </p:cNvSpPr>
+          <p:nvPr>
+            <p:ph type="sldImg"/>
+          </p:nvPr>
+        </p:nvSpPr>
+        <p:spPr/>
+      </p:sp>
+      <p:sp>
+        <p:nvSpPr>
+          <p:cNvPr id="3" name="Notes Placeholder 2"/>
+          <p:cNvSpPr>
+            <a:spLocks noGrp="1"/>
+          </p:cNvSpPr>
+          <p:nvPr>
+            <p:ph type="body" idx="1"/>
+          </p:nvPr>
+        </p:nvSpPr>
+        <p:spPr/>
+        <p:txBody>
+          <a:bodyPr/>
+          <a:lstStyle/>
+          <a:p>
+            <a:pPr marL="0" indent="0">
+              <a:buFontTx/>
+              <a:buNone/>
+            </a:pPr>
+            <a:endParaRPr lang="en-US" dirty="0"/>
+          </a:p>
+        </p:txBody>
+      </p:sp>
+      <p:sp>
+        <p:nvSpPr>
+          <p:cNvPr id="4" name="Slide Number Placeholder 3"/>
+          <p:cNvSpPr>
+            <a:spLocks noGrp="1"/>
+          </p:cNvSpPr>
+          <p:nvPr>
+            <p:ph type="sldNum" sz="quarter" idx="10"/>
+          </p:nvPr>
+        </p:nvSpPr>
+        <p:spPr/>
+        <p:txBody>
+          <a:bodyPr/>
+          <a:lstStyle/>
+          <a:p>
+            <a:pPr marL="0" marR="0" lvl="0" indent="0" algn="r" defTabSz="457200" rtl="0" eaLnBrk="1" fontAlgn="auto" latinLnBrk="0" hangingPunct="1">
+              <a:lnSpc>
+                <a:spcPct val="100000"/>
+              </a:lnSpc>
+              <a:spcBef>
+                <a:spcPts val="0"/>
+              </a:spcBef>
+              <a:spcAft>
+                <a:spcPts val="0"/>
+              </a:spcAft>
+              <a:buClrTx/>
+              <a:buSzTx/>
+              <a:buFontTx/>
+              <a:buNone/>
+              <a:tabLst/>
+              <a:defRPr/>
+            </a:pPr>
+            <a:fld id="{16A87904-88DE-4022-A424-ACD2E6FC1751}" type="slidenum">
+              <a:rPr kumimoji="0" lang="en-US" sz="1200" b="0" i="0" u="none" strike="noStrike" kern="1200" cap="none" spc="0" normalizeH="0" baseline="0" noProof="0" smtClean="0">
+                <a:ln>
+                  <a:noFill/>
+                </a:ln>
+                <a:solidFill>
+                  <a:prstClr val="black"/>
+                </a:solidFill>
+                <a:effectLst/>
+                <a:uLnTx/>
+                <a:uFillTx/>
+                <a:latin typeface="Calibri" panose="020F0502020204030204"/>
+                <a:ea typeface="+mn-ea"/>
+                <a:cs typeface="+mn-cs"/>
+              </a:rPr>
+              <a:pPr marL="0" marR="0" lvl="0" indent="0" algn="r" defTabSz="457200" rtl="0" eaLnBrk="1" fontAlgn="auto" latinLnBrk="0" hangingPunct="1">
+                <a:lnSpc>
+                  <a:spcPct val="100000"/>
+                </a:lnSpc>
+                <a:spcBef>
+                  <a:spcPts val="0"/>
+                </a:spcBef>
+                <a:spcAft>
+                  <a:spcPts val="0"/>
+                </a:spcAft>
+                <a:buClrTx/>
+                <a:buSzTx/>
+                <a:buFontTx/>
+                <a:buNone/>
+                <a:tabLst/>
+                <a:defRPr/>
+              </a:pPr>
+              <a:t>10</a:t>
+            </a:fld>
+            <a:endParaRPr kumimoji="0" lang="en-US" sz="1200" b="0" i="0" u="none" strike="noStrike" kern="1200" cap="none" spc="0" normalizeH="0" baseline="0" noProof="0">
+              <a:ln>
+                <a:noFill/>
+              </a:ln>
+              <a:solidFill>
+                <a:prstClr val="black"/>
+              </a:solidFill>
+              <a:effectLst/>
+              <a:uLnTx/>
+              <a:uFillTx/>
+              <a:latin typeface="Calibri" panose="020F0502020204030204"/>
+              <a:ea typeface="+mn-ea"/>
+              <a:cs typeface="+mn-cs"/>
+            </a:endParaRPr>
+          </a:p>
+        </p:txBody>
+      </p:sp>
+    </p:spTree>
+    <p:extLst>
+      <p:ext uri="{BB962C8B-B14F-4D97-AF65-F5344CB8AC3E}">
+        <p14:creationId xmlns:p14="http://schemas.microsoft.com/office/powerpoint/2010/main" val="2086728926"/>
+      </p:ext>
+    </p:extLst>
+  </p:cSld>
+  <p:clrMapOvr>
+    <a:masterClrMapping/>
+  </p:clrMapOvr>
+</p:notes>
+</file>
+
 <file path=ppt/notesSlides/notesSlide2.xml><?xml version="1.0" encoding="utf-8"?>
 <p:notes xmlns:a="http://schemas.openxmlformats.org/drawingml/2006/main" xmlns:r="http://schemas.openxmlformats.org/officeDocument/2006/relationships" xmlns:p="http://schemas.openxmlformats.org/presentationml/2006/main">
   <p:cSld>
@@ -4508,26 +4658,35 @@
           <a:p>
             <a:r>
               <a:rPr lang="en-US" dirty="0"/>
-              <a:t>- all EF Core &amp; ASP.NET Core deps (incl. </a:t>
-            </a:r>
-            <a:r>
-              <a:rPr lang="en-US"/>
-              <a:t>3</a:t>
-            </a:r>
-            <a:r>
-              <a:rPr lang="en-US" baseline="30000"/>
+              <a:t>-   all EF Core &amp; ASP.NET Core deps (incl. 3</a:t>
+            </a:r>
+            <a:r>
+              <a:rPr lang="en-US" baseline="30000" dirty="0"/>
               <a:t>rd</a:t>
             </a:r>
             <a:r>
-              <a:rPr lang="en-US"/>
+              <a:rPr lang="en-US" dirty="0"/>
               <a:t> party)</a:t>
             </a:r>
-            <a:endParaRPr lang="en-US" dirty="0"/>
-          </a:p>
-          <a:p>
+          </a:p>
+          <a:p>
+            <a:pPr marL="171450" indent="-171450">
+              <a:buFontTx/>
+              <a:buChar char="-"/>
+            </a:pPr>
             <a:r>
               <a:rPr lang="en-US" dirty="0"/>
-              <a:t>- FDD only</a:t>
+              <a:t>FDD only</a:t>
+            </a:r>
+          </a:p>
+          <a:p>
+            <a:pPr marL="171450" indent="-171450">
+              <a:buFontTx/>
+              <a:buChar char="-"/>
+            </a:pPr>
+            <a:r>
+              <a:rPr lang="en-US" dirty="0"/>
+              <a:t>installed w/ .NET Core 2.0 SDK</a:t>
             </a:r>
           </a:p>
         </p:txBody>
@@ -4672,11 +4831,7 @@
           <a:bodyPr/>
           <a:lstStyle/>
           <a:p>
-            <a:pPr marL="0" indent="0">
-              <a:buFontTx/>
-              <a:buNone/>
-            </a:pPr>
-            <a:endParaRPr lang="en-US" dirty="0"/>
+            <a:endParaRPr lang="en-US"/>
           </a:p>
         </p:txBody>
       </p:sp>
@@ -4695,78 +4850,18 @@
           <a:bodyPr/>
           <a:lstStyle/>
           <a:p>
-            <a:pPr marL="0" marR="0" lvl="0" indent="0" algn="r" defTabSz="457200" rtl="0" eaLnBrk="1" fontAlgn="auto" latinLnBrk="0" hangingPunct="1">
-              <a:lnSpc>
-                <a:spcPct val="100000"/>
-              </a:lnSpc>
-              <a:spcBef>
-                <a:spcPts val="0"/>
-              </a:spcBef>
-              <a:spcAft>
-                <a:spcPts val="0"/>
-              </a:spcAft>
-              <a:buClrTx/>
-              <a:buSzTx/>
-              <a:buFontTx/>
-              <a:buNone/>
-              <a:tabLst/>
-              <a:defRPr/>
-            </a:pPr>
             <a:fld id="{16A87904-88DE-4022-A424-ACD2E6FC1751}" type="slidenum">
-              <a:rPr kumimoji="0" lang="en-US" sz="1200" b="0" i="0" u="none" strike="noStrike" kern="1200" cap="none" spc="0" normalizeH="0" baseline="0" noProof="0" smtClean="0">
-                <a:ln>
-                  <a:noFill/>
-                </a:ln>
-                <a:solidFill>
-                  <a:prstClr val="black"/>
-                </a:solidFill>
-                <a:effectLst/>
-                <a:uLnTx/>
-                <a:uFillTx/>
-                <a:latin typeface="Calibri" panose="020F0502020204030204"/>
-                <a:ea typeface="+mn-ea"/>
-                <a:cs typeface="+mn-cs"/>
-              </a:rPr>
-              <a:pPr marL="0" marR="0" lvl="0" indent="0" algn="r" defTabSz="457200" rtl="0" eaLnBrk="1" fontAlgn="auto" latinLnBrk="0" hangingPunct="1">
-                <a:lnSpc>
-                  <a:spcPct val="100000"/>
-                </a:lnSpc>
-                <a:spcBef>
-                  <a:spcPts val="0"/>
-                </a:spcBef>
-                <a:spcAft>
-                  <a:spcPts val="0"/>
-                </a:spcAft>
-                <a:buClrTx/>
-                <a:buSzTx/>
-                <a:buFontTx/>
-                <a:buNone/>
-                <a:tabLst/>
-                <a:defRPr/>
-              </a:pPr>
+              <a:rPr lang="en-US" smtClean="0"/>
               <a:t>7</a:t>
             </a:fld>
-            <a:endParaRPr kumimoji="0" lang="en-US" sz="1200" b="0" i="0" u="none" strike="noStrike" kern="1200" cap="none" spc="0" normalizeH="0" baseline="0" noProof="0">
-              <a:ln>
-                <a:noFill/>
-              </a:ln>
-              <a:solidFill>
-                <a:prstClr val="black"/>
-              </a:solidFill>
-              <a:effectLst/>
-              <a:uLnTx/>
-              <a:uFillTx/>
-              <a:latin typeface="Calibri" panose="020F0502020204030204"/>
-              <a:ea typeface="+mn-ea"/>
-              <a:cs typeface="+mn-cs"/>
-            </a:endParaRPr>
+            <a:endParaRPr lang="en-US"/>
           </a:p>
         </p:txBody>
       </p:sp>
     </p:spTree>
     <p:extLst>
       <p:ext uri="{BB962C8B-B14F-4D97-AF65-F5344CB8AC3E}">
-        <p14:creationId xmlns:p14="http://schemas.microsoft.com/office/powerpoint/2010/main" val="187632969"/>
+        <p14:creationId xmlns:p14="http://schemas.microsoft.com/office/powerpoint/2010/main" val="932857803"/>
       </p:ext>
     </p:extLst>
   </p:cSld>
@@ -4820,7 +4915,11 @@
           <a:bodyPr/>
           <a:lstStyle/>
           <a:p>
-            <a:endParaRPr lang="en-US"/>
+            <a:pPr marL="0" indent="0">
+              <a:buFontTx/>
+              <a:buNone/>
+            </a:pPr>
+            <a:endParaRPr lang="en-US" dirty="0"/>
           </a:p>
         </p:txBody>
       </p:sp>
@@ -4839,18 +4938,78 @@
           <a:bodyPr/>
           <a:lstStyle/>
           <a:p>
+            <a:pPr marL="0" marR="0" lvl="0" indent="0" algn="r" defTabSz="457200" rtl="0" eaLnBrk="1" fontAlgn="auto" latinLnBrk="0" hangingPunct="1">
+              <a:lnSpc>
+                <a:spcPct val="100000"/>
+              </a:lnSpc>
+              <a:spcBef>
+                <a:spcPts val="0"/>
+              </a:spcBef>
+              <a:spcAft>
+                <a:spcPts val="0"/>
+              </a:spcAft>
+              <a:buClrTx/>
+              <a:buSzTx/>
+              <a:buFontTx/>
+              <a:buNone/>
+              <a:tabLst/>
+              <a:defRPr/>
+            </a:pPr>
             <a:fld id="{16A87904-88DE-4022-A424-ACD2E6FC1751}" type="slidenum">
-              <a:rPr lang="en-US" smtClean="0"/>
+              <a:rPr kumimoji="0" lang="en-US" sz="1200" b="0" i="0" u="none" strike="noStrike" kern="1200" cap="none" spc="0" normalizeH="0" baseline="0" noProof="0" smtClean="0">
+                <a:ln>
+                  <a:noFill/>
+                </a:ln>
+                <a:solidFill>
+                  <a:prstClr val="black"/>
+                </a:solidFill>
+                <a:effectLst/>
+                <a:uLnTx/>
+                <a:uFillTx/>
+                <a:latin typeface="Calibri" panose="020F0502020204030204"/>
+                <a:ea typeface="+mn-ea"/>
+                <a:cs typeface="+mn-cs"/>
+              </a:rPr>
+              <a:pPr marL="0" marR="0" lvl="0" indent="0" algn="r" defTabSz="457200" rtl="0" eaLnBrk="1" fontAlgn="auto" latinLnBrk="0" hangingPunct="1">
+                <a:lnSpc>
+                  <a:spcPct val="100000"/>
+                </a:lnSpc>
+                <a:spcBef>
+                  <a:spcPts val="0"/>
+                </a:spcBef>
+                <a:spcAft>
+                  <a:spcPts val="0"/>
+                </a:spcAft>
+                <a:buClrTx/>
+                <a:buSzTx/>
+                <a:buFontTx/>
+                <a:buNone/>
+                <a:tabLst/>
+                <a:defRPr/>
+              </a:pPr>
               <a:t>8</a:t>
             </a:fld>
-            <a:endParaRPr lang="en-US"/>
+            <a:endParaRPr kumimoji="0" lang="en-US" sz="1200" b="0" i="0" u="none" strike="noStrike" kern="1200" cap="none" spc="0" normalizeH="0" baseline="0" noProof="0">
+              <a:ln>
+                <a:noFill/>
+              </a:ln>
+              <a:solidFill>
+                <a:prstClr val="black"/>
+              </a:solidFill>
+              <a:effectLst/>
+              <a:uLnTx/>
+              <a:uFillTx/>
+              <a:latin typeface="Calibri" panose="020F0502020204030204"/>
+              <a:ea typeface="+mn-ea"/>
+              <a:cs typeface="+mn-cs"/>
+            </a:endParaRPr>
           </a:p>
         </p:txBody>
       </p:sp>
     </p:spTree>
     <p:extLst>
       <p:ext uri="{BB962C8B-B14F-4D97-AF65-F5344CB8AC3E}">
-        <p14:creationId xmlns:p14="http://schemas.microsoft.com/office/powerpoint/2010/main" val="3440875708"/>
+        <p14:creationId xmlns:p14="http://schemas.microsoft.com/office/powerpoint/2010/main" val="187632969"/>
       </p:ext>
     </p:extLst>
   </p:cSld>
@@ -4904,11 +5063,7 @@
           <a:bodyPr/>
           <a:lstStyle/>
           <a:p>
-            <a:pPr marL="0" indent="0">
-              <a:buFontTx/>
-              <a:buNone/>
-            </a:pPr>
-            <a:endParaRPr lang="en-US" dirty="0"/>
+            <a:endParaRPr lang="en-US"/>
           </a:p>
         </p:txBody>
       </p:sp>
@@ -4927,78 +5082,18 @@
           <a:bodyPr/>
           <a:lstStyle/>
           <a:p>
-            <a:pPr marL="0" marR="0" lvl="0" indent="0" algn="r" defTabSz="457200" rtl="0" eaLnBrk="1" fontAlgn="auto" latinLnBrk="0" hangingPunct="1">
-              <a:lnSpc>
-                <a:spcPct val="100000"/>
-              </a:lnSpc>
-              <a:spcBef>
-                <a:spcPts val="0"/>
-              </a:spcBef>
-              <a:spcAft>
-                <a:spcPts val="0"/>
-              </a:spcAft>
-              <a:buClrTx/>
-              <a:buSzTx/>
-              <a:buFontTx/>
-              <a:buNone/>
-              <a:tabLst/>
-              <a:defRPr/>
-            </a:pPr>
             <a:fld id="{16A87904-88DE-4022-A424-ACD2E6FC1751}" type="slidenum">
-              <a:rPr kumimoji="0" lang="en-US" sz="1200" b="0" i="0" u="none" strike="noStrike" kern="1200" cap="none" spc="0" normalizeH="0" baseline="0" noProof="0" smtClean="0">
-                <a:ln>
-                  <a:noFill/>
-                </a:ln>
-                <a:solidFill>
-                  <a:prstClr val="black"/>
-                </a:solidFill>
-                <a:effectLst/>
-                <a:uLnTx/>
-                <a:uFillTx/>
-                <a:latin typeface="Calibri" panose="020F0502020204030204"/>
-                <a:ea typeface="+mn-ea"/>
-                <a:cs typeface="+mn-cs"/>
-              </a:rPr>
-              <a:pPr marL="0" marR="0" lvl="0" indent="0" algn="r" defTabSz="457200" rtl="0" eaLnBrk="1" fontAlgn="auto" latinLnBrk="0" hangingPunct="1">
-                <a:lnSpc>
-                  <a:spcPct val="100000"/>
-                </a:lnSpc>
-                <a:spcBef>
-                  <a:spcPts val="0"/>
-                </a:spcBef>
-                <a:spcAft>
-                  <a:spcPts val="0"/>
-                </a:spcAft>
-                <a:buClrTx/>
-                <a:buSzTx/>
-                <a:buFontTx/>
-                <a:buNone/>
-                <a:tabLst/>
-                <a:defRPr/>
-              </a:pPr>
+              <a:rPr lang="en-US" smtClean="0"/>
               <a:t>9</a:t>
             </a:fld>
-            <a:endParaRPr kumimoji="0" lang="en-US" sz="1200" b="0" i="0" u="none" strike="noStrike" kern="1200" cap="none" spc="0" normalizeH="0" baseline="0" noProof="0">
-              <a:ln>
-                <a:noFill/>
-              </a:ln>
-              <a:solidFill>
-                <a:prstClr val="black"/>
-              </a:solidFill>
-              <a:effectLst/>
-              <a:uLnTx/>
-              <a:uFillTx/>
-              <a:latin typeface="Calibri" panose="020F0502020204030204"/>
-              <a:ea typeface="+mn-ea"/>
-              <a:cs typeface="+mn-cs"/>
-            </a:endParaRPr>
+            <a:endParaRPr lang="en-US"/>
           </a:p>
         </p:txBody>
       </p:sp>
     </p:spTree>
     <p:extLst>
       <p:ext uri="{BB962C8B-B14F-4D97-AF65-F5344CB8AC3E}">
-        <p14:creationId xmlns:p14="http://schemas.microsoft.com/office/powerpoint/2010/main" val="2086728926"/>
+        <p14:creationId xmlns:p14="http://schemas.microsoft.com/office/powerpoint/2010/main" val="3440875708"/>
       </p:ext>
     </p:extLst>
   </p:cSld>
@@ -14026,6 +14121,346 @@
 </p:sld>
 </file>
 
+<file path=ppt/slides/slide10.xml><?xml version="1.0" encoding="utf-8"?>
+<p:sld xmlns:a="http://schemas.openxmlformats.org/drawingml/2006/main" xmlns:r="http://schemas.openxmlformats.org/officeDocument/2006/relationships" xmlns:p="http://schemas.openxmlformats.org/presentationml/2006/main">
+  <p:cSld>
+    <p:bg>
+      <p:bgPr>
+        <a:solidFill>
+          <a:srgbClr val="505050"/>
+        </a:solidFill>
+        <a:effectLst/>
+      </p:bgPr>
+    </p:bg>
+    <p:spTree>
+      <p:nvGrpSpPr>
+        <p:cNvPr id="1" name=""/>
+        <p:cNvGrpSpPr/>
+        <p:nvPr/>
+      </p:nvGrpSpPr>
+      <p:grpSpPr>
+        <a:xfrm>
+          <a:off x="0" y="0"/>
+          <a:ext cx="0" cy="0"/>
+          <a:chOff x="0" y="0"/>
+          <a:chExt cx="0" cy="0"/>
+        </a:xfrm>
+      </p:grpSpPr>
+      <p:pic>
+        <p:nvPicPr>
+          <p:cNvPr id="17" name="Picture 16"/>
+          <p:cNvPicPr>
+            <a:picLocks noChangeAspect="1"/>
+          </p:cNvPicPr>
+          <p:nvPr/>
+        </p:nvPicPr>
+        <p:blipFill>
+          <a:blip r:embed="rId3">
+            <a:extLst>
+              <a:ext uri="{28A0092B-C50C-407E-A947-70E740481C1C}">
+                <a14:useLocalDpi xmlns:a14="http://schemas.microsoft.com/office/drawing/2010/main" val="0"/>
+              </a:ext>
+            </a:extLst>
+          </a:blip>
+          <a:stretch>
+            <a:fillRect/>
+          </a:stretch>
+        </p:blipFill>
+        <p:spPr>
+          <a:xfrm>
+            <a:off x="6308458" y="3136565"/>
+            <a:ext cx="784448" cy="784448"/>
+          </a:xfrm>
+          <a:prstGeom prst="rect">
+            <a:avLst/>
+          </a:prstGeom>
+        </p:spPr>
+      </p:pic>
+      <p:sp>
+        <p:nvSpPr>
+          <p:cNvPr id="2" name="Title 1"/>
+          <p:cNvSpPr>
+            <a:spLocks noGrp="1"/>
+          </p:cNvSpPr>
+          <p:nvPr>
+            <p:ph type="title"/>
+          </p:nvPr>
+        </p:nvSpPr>
+        <p:spPr/>
+        <p:txBody>
+          <a:bodyPr/>
+          <a:lstStyle/>
+          <a:p>
+            <a:r>
+              <a:rPr lang="en-US" dirty="0"/>
+              <a:t>Thank you!</a:t>
+            </a:r>
+          </a:p>
+        </p:txBody>
+      </p:sp>
+      <p:sp>
+        <p:nvSpPr>
+          <p:cNvPr id="3" name="Content Placeholder 2"/>
+          <p:cNvSpPr>
+            <a:spLocks noGrp="1"/>
+          </p:cNvSpPr>
+          <p:nvPr>
+            <p:ph sz="half" idx="2"/>
+          </p:nvPr>
+        </p:nvSpPr>
+        <p:spPr/>
+        <p:txBody>
+          <a:bodyPr>
+            <a:normAutofit fontScale="92500" lnSpcReduction="20000"/>
+          </a:bodyPr>
+          <a:lstStyle/>
+          <a:p>
+            <a:pPr marL="0" indent="0">
+              <a:buNone/>
+            </a:pPr>
+            <a:r>
+              <a:rPr lang="en-US" dirty="0"/>
+              <a:t>	</a:t>
+            </a:r>
+          </a:p>
+          <a:p>
+            <a:pPr marL="0" indent="0">
+              <a:buNone/>
+            </a:pPr>
+            <a:r>
+              <a:rPr lang="en-US" dirty="0"/>
+              <a:t>	@Scott_Addie</a:t>
+            </a:r>
+          </a:p>
+          <a:p>
+            <a:pPr marL="0" indent="0">
+              <a:buNone/>
+            </a:pPr>
+            <a:endParaRPr lang="en-US" dirty="0"/>
+          </a:p>
+          <a:p>
+            <a:pPr marL="0" indent="0">
+              <a:buNone/>
+            </a:pPr>
+            <a:r>
+              <a:rPr lang="en-US" dirty="0"/>
+              <a:t>	</a:t>
+            </a:r>
+          </a:p>
+          <a:p>
+            <a:pPr marL="0" indent="0">
+              <a:buNone/>
+            </a:pPr>
+            <a:r>
+              <a:rPr lang="en-US" dirty="0"/>
+              <a:t>	docs.asp.net</a:t>
+            </a:r>
+          </a:p>
+          <a:p>
+            <a:pPr marL="0" indent="0">
+              <a:buNone/>
+            </a:pPr>
+            <a:endParaRPr lang="en-US" dirty="0"/>
+          </a:p>
+          <a:p>
+            <a:pPr marL="0" indent="0">
+              <a:buNone/>
+            </a:pPr>
+            <a:r>
+              <a:rPr lang="en-US" sz="2400" dirty="0"/>
+              <a:t>	</a:t>
+            </a:r>
+          </a:p>
+          <a:p>
+            <a:pPr marL="0" indent="0">
+              <a:buNone/>
+            </a:pPr>
+            <a:r>
+              <a:rPr lang="en-US" sz="2400" dirty="0"/>
+              <a:t>	</a:t>
+            </a:r>
+            <a:r>
+              <a:rPr lang="en-US" dirty="0"/>
+              <a:t>github.com/</a:t>
+            </a:r>
+            <a:r>
+              <a:rPr lang="en-US" dirty="0" err="1"/>
+              <a:t>scottaddie</a:t>
+            </a:r>
+            <a:endParaRPr lang="en-US" dirty="0"/>
+          </a:p>
+          <a:p>
+            <a:pPr marL="0" indent="0">
+              <a:buNone/>
+            </a:pPr>
+            <a:r>
+              <a:rPr lang="en-US" dirty="0"/>
+              <a:t>			</a:t>
+            </a:r>
+          </a:p>
+          <a:p>
+            <a:pPr marL="0" indent="0">
+              <a:buNone/>
+            </a:pPr>
+            <a:r>
+              <a:rPr lang="en-US" dirty="0"/>
+              <a:t>	</a:t>
+            </a:r>
+          </a:p>
+          <a:p>
+            <a:pPr marL="0" indent="0">
+              <a:buNone/>
+            </a:pPr>
+            <a:endParaRPr lang="en-US" dirty="0"/>
+          </a:p>
+        </p:txBody>
+      </p:sp>
+      <p:pic>
+        <p:nvPicPr>
+          <p:cNvPr id="8" name="Picture 7"/>
+          <p:cNvPicPr>
+            <a:picLocks noChangeAspect="1"/>
+          </p:cNvPicPr>
+          <p:nvPr/>
+        </p:nvPicPr>
+        <p:blipFill>
+          <a:blip r:embed="rId4" cstate="print">
+            <a:extLst>
+              <a:ext uri="{28A0092B-C50C-407E-A947-70E740481C1C}">
+                <a14:useLocalDpi xmlns:a14="http://schemas.microsoft.com/office/drawing/2010/main" val="0"/>
+              </a:ext>
+            </a:extLst>
+          </a:blip>
+          <a:stretch>
+            <a:fillRect/>
+          </a:stretch>
+        </p:blipFill>
+        <p:spPr>
+          <a:xfrm>
+            <a:off x="6402414" y="1996977"/>
+            <a:ext cx="682893" cy="555188"/>
+          </a:xfrm>
+          <a:prstGeom prst="rect">
+            <a:avLst/>
+          </a:prstGeom>
+        </p:spPr>
+      </p:pic>
+      <p:pic>
+        <p:nvPicPr>
+          <p:cNvPr id="9" name="Picture 2" descr="http://www.freeiconspng.com/uploads/github-logo-icon-30.png"/>
+          <p:cNvPicPr>
+            <a:picLocks noChangeAspect="1" noChangeArrowheads="1"/>
+          </p:cNvPicPr>
+          <p:nvPr/>
+        </p:nvPicPr>
+        <p:blipFill>
+          <a:blip r:embed="rId5">
+            <a:lum bright="70000" contrast="-70000"/>
+            <a:extLst>
+              <a:ext uri="{28A0092B-C50C-407E-A947-70E740481C1C}">
+                <a14:useLocalDpi xmlns:a14="http://schemas.microsoft.com/office/drawing/2010/main" val="0"/>
+              </a:ext>
+            </a:extLst>
+          </a:blip>
+          <a:srcRect/>
+          <a:stretch>
+            <a:fillRect/>
+          </a:stretch>
+        </p:blipFill>
+        <p:spPr bwMode="auto">
+          <a:xfrm>
+            <a:off x="6244128" y="4294173"/>
+            <a:ext cx="913109" cy="913109"/>
+          </a:xfrm>
+          <a:prstGeom prst="rect">
+            <a:avLst/>
+          </a:prstGeom>
+          <a:noFill/>
+          <a:extLst>
+            <a:ext uri="{909E8E84-426E-40DD-AFC4-6F175D3DCCD1}">
+              <a14:hiddenFill xmlns:a14="http://schemas.microsoft.com/office/drawing/2010/main">
+                <a:solidFill>
+                  <a:srgbClr val="FFFFFF"/>
+                </a:solidFill>
+              </a14:hiddenFill>
+            </a:ext>
+          </a:extLst>
+        </p:spPr>
+      </p:pic>
+      <p:pic>
+        <p:nvPicPr>
+          <p:cNvPr id="5" name="Picture 4" descr="A close up of text on a black background&#10;&#10;Description generated with high confidence">
+            <a:extLst>
+              <a:ext uri="{FF2B5EF4-FFF2-40B4-BE49-F238E27FC236}">
+                <a16:creationId xmlns:a16="http://schemas.microsoft.com/office/drawing/2014/main" id="{2179D1B5-7DA0-4010-AC0C-4CD6109EA998}"/>
+              </a:ext>
+            </a:extLst>
+          </p:cNvPr>
+          <p:cNvPicPr>
+            <a:picLocks noChangeAspect="1"/>
+          </p:cNvPicPr>
+          <p:nvPr/>
+        </p:nvPicPr>
+        <p:blipFill>
+          <a:blip r:embed="rId6">
+            <a:extLst>
+              <a:ext uri="{28A0092B-C50C-407E-A947-70E740481C1C}">
+                <a14:useLocalDpi xmlns:a14="http://schemas.microsoft.com/office/drawing/2010/main" val="0"/>
+              </a:ext>
+            </a:extLst>
+          </a:blip>
+          <a:stretch>
+            <a:fillRect/>
+          </a:stretch>
+        </p:blipFill>
+        <p:spPr>
+          <a:xfrm>
+            <a:off x="838200" y="1777888"/>
+            <a:ext cx="4286250" cy="4286250"/>
+          </a:xfrm>
+          <a:prstGeom prst="rect">
+            <a:avLst/>
+          </a:prstGeom>
+        </p:spPr>
+      </p:pic>
+      <p:sp>
+        <p:nvSpPr>
+          <p:cNvPr id="10" name="Content Placeholder 9">
+            <a:extLst>
+              <a:ext uri="{FF2B5EF4-FFF2-40B4-BE49-F238E27FC236}">
+                <a16:creationId xmlns:a16="http://schemas.microsoft.com/office/drawing/2014/main" id="{9F04A7FB-E40B-4BC7-BAE0-674530CE7575}"/>
+              </a:ext>
+            </a:extLst>
+          </p:cNvPr>
+          <p:cNvSpPr>
+            <a:spLocks noGrp="1"/>
+          </p:cNvSpPr>
+          <p:nvPr>
+            <p:ph sz="half" idx="1"/>
+          </p:nvPr>
+        </p:nvSpPr>
+        <p:spPr/>
+        <p:txBody>
+          <a:bodyPr/>
+          <a:lstStyle/>
+          <a:p>
+            <a:endParaRPr lang="en-US" dirty="0"/>
+          </a:p>
+        </p:txBody>
+      </p:sp>
+    </p:spTree>
+    <p:extLst>
+      <p:ext uri="{BB962C8B-B14F-4D97-AF65-F5344CB8AC3E}">
+        <p14:creationId xmlns:p14="http://schemas.microsoft.com/office/powerpoint/2010/main" val="3283277495"/>
+      </p:ext>
+    </p:extLst>
+  </p:cSld>
+  <p:clrMapOvr>
+    <a:masterClrMapping/>
+  </p:clrMapOvr>
+</p:sld>
+</file>
+
 <file path=ppt/slides/slide2.xml><?xml version="1.0" encoding="utf-8"?>
 <p:sld xmlns:a="http://schemas.openxmlformats.org/drawingml/2006/main" xmlns:r="http://schemas.openxmlformats.org/officeDocument/2006/relationships" xmlns:p="http://schemas.openxmlformats.org/presentationml/2006/main">
   <p:cSld>
@@ -17371,6 +17806,100 @@
       </p:grpSpPr>
       <p:sp>
         <p:nvSpPr>
+          <p:cNvPr id="5" name="Title 4">
+            <a:extLst>
+              <a:ext uri="{FF2B5EF4-FFF2-40B4-BE49-F238E27FC236}">
+                <a16:creationId xmlns:a16="http://schemas.microsoft.com/office/drawing/2014/main" id="{F43BA709-5577-422C-9FB6-05CC66D94DB3}"/>
+              </a:ext>
+            </a:extLst>
+          </p:cNvPr>
+          <p:cNvSpPr>
+            <a:spLocks noGrp="1"/>
+          </p:cNvSpPr>
+          <p:nvPr>
+            <p:ph type="title"/>
+          </p:nvPr>
+        </p:nvSpPr>
+        <p:spPr/>
+        <p:txBody>
+          <a:bodyPr/>
+          <a:lstStyle/>
+          <a:p>
+            <a:r>
+              <a:rPr lang="en-US" dirty="0"/>
+              <a:t>DEMO</a:t>
+            </a:r>
+          </a:p>
+        </p:txBody>
+      </p:sp>
+      <p:sp>
+        <p:nvSpPr>
+          <p:cNvPr id="6" name="Text Placeholder 5">
+            <a:extLst>
+              <a:ext uri="{FF2B5EF4-FFF2-40B4-BE49-F238E27FC236}">
+                <a16:creationId xmlns:a16="http://schemas.microsoft.com/office/drawing/2014/main" id="{C8594BAD-33C7-429F-B7C6-F62B424226E0}"/>
+              </a:ext>
+            </a:extLst>
+          </p:cNvPr>
+          <p:cNvSpPr>
+            <a:spLocks noGrp="1"/>
+          </p:cNvSpPr>
+          <p:nvPr>
+            <p:ph type="body" idx="1"/>
+          </p:nvPr>
+        </p:nvSpPr>
+        <p:spPr/>
+        <p:txBody>
+          <a:bodyPr/>
+          <a:lstStyle/>
+          <a:p>
+            <a:r>
+              <a:rPr lang="en-US" dirty="0"/>
+              <a:t>Create a custom runtime store</a:t>
+            </a:r>
+          </a:p>
+        </p:txBody>
+      </p:sp>
+    </p:spTree>
+    <p:extLst>
+      <p:ext uri="{BB962C8B-B14F-4D97-AF65-F5344CB8AC3E}">
+        <p14:creationId xmlns:p14="http://schemas.microsoft.com/office/powerpoint/2010/main" val="1013864104"/>
+      </p:ext>
+    </p:extLst>
+  </p:cSld>
+  <p:clrMapOvr>
+    <a:masterClrMapping/>
+  </p:clrMapOvr>
+</p:sld>
+</file>
+
+<file path=ppt/slides/slide8.xml><?xml version="1.0" encoding="utf-8"?>
+<p:sld xmlns:a="http://schemas.openxmlformats.org/drawingml/2006/main" xmlns:r="http://schemas.openxmlformats.org/officeDocument/2006/relationships" xmlns:p="http://schemas.openxmlformats.org/presentationml/2006/main">
+  <p:cSld>
+    <p:bg>
+      <p:bgPr>
+        <a:solidFill>
+          <a:srgbClr val="505050"/>
+        </a:solidFill>
+        <a:effectLst/>
+      </p:bgPr>
+    </p:bg>
+    <p:spTree>
+      <p:nvGrpSpPr>
+        <p:cNvPr id="1" name=""/>
+        <p:cNvGrpSpPr/>
+        <p:nvPr/>
+      </p:nvGrpSpPr>
+      <p:grpSpPr>
+        <a:xfrm>
+          <a:off x="0" y="0"/>
+          <a:ext cx="0" cy="0"/>
+          <a:chOff x="0" y="0"/>
+          <a:chExt cx="0" cy="0"/>
+        </a:xfrm>
+      </p:grpSpPr>
+      <p:sp>
+        <p:nvSpPr>
           <p:cNvPr id="2" name="Title 1"/>
           <p:cNvSpPr>
             <a:spLocks noGrp="1"/>
@@ -17859,7 +18388,7 @@
 </p:sld>
 </file>
 
-<file path=ppt/slides/slide8.xml><?xml version="1.0" encoding="utf-8"?>
+<file path=ppt/slides/slide9.xml><?xml version="1.0" encoding="utf-8"?>
 <p:sld xmlns:a="http://schemas.openxmlformats.org/drawingml/2006/main" xmlns:r="http://schemas.openxmlformats.org/officeDocument/2006/relationships" xmlns:p="http://schemas.openxmlformats.org/presentationml/2006/main">
   <p:cSld>
     <p:bg>
@@ -18110,346 +18639,6 @@
       </p:transition>
     </mc:Fallback>
   </mc:AlternateContent>
-</p:sld>
-</file>
-
-<file path=ppt/slides/slide9.xml><?xml version="1.0" encoding="utf-8"?>
-<p:sld xmlns:a="http://schemas.openxmlformats.org/drawingml/2006/main" xmlns:r="http://schemas.openxmlformats.org/officeDocument/2006/relationships" xmlns:p="http://schemas.openxmlformats.org/presentationml/2006/main">
-  <p:cSld>
-    <p:bg>
-      <p:bgPr>
-        <a:solidFill>
-          <a:srgbClr val="505050"/>
-        </a:solidFill>
-        <a:effectLst/>
-      </p:bgPr>
-    </p:bg>
-    <p:spTree>
-      <p:nvGrpSpPr>
-        <p:cNvPr id="1" name=""/>
-        <p:cNvGrpSpPr/>
-        <p:nvPr/>
-      </p:nvGrpSpPr>
-      <p:grpSpPr>
-        <a:xfrm>
-          <a:off x="0" y="0"/>
-          <a:ext cx="0" cy="0"/>
-          <a:chOff x="0" y="0"/>
-          <a:chExt cx="0" cy="0"/>
-        </a:xfrm>
-      </p:grpSpPr>
-      <p:pic>
-        <p:nvPicPr>
-          <p:cNvPr id="17" name="Picture 16"/>
-          <p:cNvPicPr>
-            <a:picLocks noChangeAspect="1"/>
-          </p:cNvPicPr>
-          <p:nvPr/>
-        </p:nvPicPr>
-        <p:blipFill>
-          <a:blip r:embed="rId3">
-            <a:extLst>
-              <a:ext uri="{28A0092B-C50C-407E-A947-70E740481C1C}">
-                <a14:useLocalDpi xmlns:a14="http://schemas.microsoft.com/office/drawing/2010/main" val="0"/>
-              </a:ext>
-            </a:extLst>
-          </a:blip>
-          <a:stretch>
-            <a:fillRect/>
-          </a:stretch>
-        </p:blipFill>
-        <p:spPr>
-          <a:xfrm>
-            <a:off x="6308458" y="3136565"/>
-            <a:ext cx="784448" cy="784448"/>
-          </a:xfrm>
-          <a:prstGeom prst="rect">
-            <a:avLst/>
-          </a:prstGeom>
-        </p:spPr>
-      </p:pic>
-      <p:sp>
-        <p:nvSpPr>
-          <p:cNvPr id="2" name="Title 1"/>
-          <p:cNvSpPr>
-            <a:spLocks noGrp="1"/>
-          </p:cNvSpPr>
-          <p:nvPr>
-            <p:ph type="title"/>
-          </p:nvPr>
-        </p:nvSpPr>
-        <p:spPr/>
-        <p:txBody>
-          <a:bodyPr/>
-          <a:lstStyle/>
-          <a:p>
-            <a:r>
-              <a:rPr lang="en-US" dirty="0"/>
-              <a:t>Thank you!</a:t>
-            </a:r>
-          </a:p>
-        </p:txBody>
-      </p:sp>
-      <p:sp>
-        <p:nvSpPr>
-          <p:cNvPr id="3" name="Content Placeholder 2"/>
-          <p:cNvSpPr>
-            <a:spLocks noGrp="1"/>
-          </p:cNvSpPr>
-          <p:nvPr>
-            <p:ph sz="half" idx="2"/>
-          </p:nvPr>
-        </p:nvSpPr>
-        <p:spPr/>
-        <p:txBody>
-          <a:bodyPr>
-            <a:normAutofit fontScale="92500" lnSpcReduction="20000"/>
-          </a:bodyPr>
-          <a:lstStyle/>
-          <a:p>
-            <a:pPr marL="0" indent="0">
-              <a:buNone/>
-            </a:pPr>
-            <a:r>
-              <a:rPr lang="en-US" dirty="0"/>
-              <a:t>	</a:t>
-            </a:r>
-          </a:p>
-          <a:p>
-            <a:pPr marL="0" indent="0">
-              <a:buNone/>
-            </a:pPr>
-            <a:r>
-              <a:rPr lang="en-US" dirty="0"/>
-              <a:t>	@Scott_Addie</a:t>
-            </a:r>
-          </a:p>
-          <a:p>
-            <a:pPr marL="0" indent="0">
-              <a:buNone/>
-            </a:pPr>
-            <a:endParaRPr lang="en-US" dirty="0"/>
-          </a:p>
-          <a:p>
-            <a:pPr marL="0" indent="0">
-              <a:buNone/>
-            </a:pPr>
-            <a:r>
-              <a:rPr lang="en-US" dirty="0"/>
-              <a:t>	</a:t>
-            </a:r>
-          </a:p>
-          <a:p>
-            <a:pPr marL="0" indent="0">
-              <a:buNone/>
-            </a:pPr>
-            <a:r>
-              <a:rPr lang="en-US" dirty="0"/>
-              <a:t>	docs.asp.net</a:t>
-            </a:r>
-          </a:p>
-          <a:p>
-            <a:pPr marL="0" indent="0">
-              <a:buNone/>
-            </a:pPr>
-            <a:endParaRPr lang="en-US" dirty="0"/>
-          </a:p>
-          <a:p>
-            <a:pPr marL="0" indent="0">
-              <a:buNone/>
-            </a:pPr>
-            <a:r>
-              <a:rPr lang="en-US" sz="2400" dirty="0"/>
-              <a:t>	</a:t>
-            </a:r>
-          </a:p>
-          <a:p>
-            <a:pPr marL="0" indent="0">
-              <a:buNone/>
-            </a:pPr>
-            <a:r>
-              <a:rPr lang="en-US" sz="2400" dirty="0"/>
-              <a:t>	</a:t>
-            </a:r>
-            <a:r>
-              <a:rPr lang="en-US" dirty="0"/>
-              <a:t>github.com/</a:t>
-            </a:r>
-            <a:r>
-              <a:rPr lang="en-US" dirty="0" err="1"/>
-              <a:t>scottaddie</a:t>
-            </a:r>
-            <a:endParaRPr lang="en-US" dirty="0"/>
-          </a:p>
-          <a:p>
-            <a:pPr marL="0" indent="0">
-              <a:buNone/>
-            </a:pPr>
-            <a:r>
-              <a:rPr lang="en-US" dirty="0"/>
-              <a:t>			</a:t>
-            </a:r>
-          </a:p>
-          <a:p>
-            <a:pPr marL="0" indent="0">
-              <a:buNone/>
-            </a:pPr>
-            <a:r>
-              <a:rPr lang="en-US" dirty="0"/>
-              <a:t>	</a:t>
-            </a:r>
-          </a:p>
-          <a:p>
-            <a:pPr marL="0" indent="0">
-              <a:buNone/>
-            </a:pPr>
-            <a:endParaRPr lang="en-US" dirty="0"/>
-          </a:p>
-        </p:txBody>
-      </p:sp>
-      <p:pic>
-        <p:nvPicPr>
-          <p:cNvPr id="8" name="Picture 7"/>
-          <p:cNvPicPr>
-            <a:picLocks noChangeAspect="1"/>
-          </p:cNvPicPr>
-          <p:nvPr/>
-        </p:nvPicPr>
-        <p:blipFill>
-          <a:blip r:embed="rId4" cstate="print">
-            <a:extLst>
-              <a:ext uri="{28A0092B-C50C-407E-A947-70E740481C1C}">
-                <a14:useLocalDpi xmlns:a14="http://schemas.microsoft.com/office/drawing/2010/main" val="0"/>
-              </a:ext>
-            </a:extLst>
-          </a:blip>
-          <a:stretch>
-            <a:fillRect/>
-          </a:stretch>
-        </p:blipFill>
-        <p:spPr>
-          <a:xfrm>
-            <a:off x="6402414" y="1996977"/>
-            <a:ext cx="682893" cy="555188"/>
-          </a:xfrm>
-          <a:prstGeom prst="rect">
-            <a:avLst/>
-          </a:prstGeom>
-        </p:spPr>
-      </p:pic>
-      <p:pic>
-        <p:nvPicPr>
-          <p:cNvPr id="9" name="Picture 2" descr="http://www.freeiconspng.com/uploads/github-logo-icon-30.png"/>
-          <p:cNvPicPr>
-            <a:picLocks noChangeAspect="1" noChangeArrowheads="1"/>
-          </p:cNvPicPr>
-          <p:nvPr/>
-        </p:nvPicPr>
-        <p:blipFill>
-          <a:blip r:embed="rId5">
-            <a:lum bright="70000" contrast="-70000"/>
-            <a:extLst>
-              <a:ext uri="{28A0092B-C50C-407E-A947-70E740481C1C}">
-                <a14:useLocalDpi xmlns:a14="http://schemas.microsoft.com/office/drawing/2010/main" val="0"/>
-              </a:ext>
-            </a:extLst>
-          </a:blip>
-          <a:srcRect/>
-          <a:stretch>
-            <a:fillRect/>
-          </a:stretch>
-        </p:blipFill>
-        <p:spPr bwMode="auto">
-          <a:xfrm>
-            <a:off x="6244128" y="4294173"/>
-            <a:ext cx="913109" cy="913109"/>
-          </a:xfrm>
-          <a:prstGeom prst="rect">
-            <a:avLst/>
-          </a:prstGeom>
-          <a:noFill/>
-          <a:extLst>
-            <a:ext uri="{909E8E84-426E-40DD-AFC4-6F175D3DCCD1}">
-              <a14:hiddenFill xmlns:a14="http://schemas.microsoft.com/office/drawing/2010/main">
-                <a:solidFill>
-                  <a:srgbClr val="FFFFFF"/>
-                </a:solidFill>
-              </a14:hiddenFill>
-            </a:ext>
-          </a:extLst>
-        </p:spPr>
-      </p:pic>
-      <p:pic>
-        <p:nvPicPr>
-          <p:cNvPr id="5" name="Picture 4" descr="A close up of text on a black background&#10;&#10;Description generated with high confidence">
-            <a:extLst>
-              <a:ext uri="{FF2B5EF4-FFF2-40B4-BE49-F238E27FC236}">
-                <a16:creationId xmlns:a16="http://schemas.microsoft.com/office/drawing/2014/main" id="{2179D1B5-7DA0-4010-AC0C-4CD6109EA998}"/>
-              </a:ext>
-            </a:extLst>
-          </p:cNvPr>
-          <p:cNvPicPr>
-            <a:picLocks noChangeAspect="1"/>
-          </p:cNvPicPr>
-          <p:nvPr/>
-        </p:nvPicPr>
-        <p:blipFill>
-          <a:blip r:embed="rId6">
-            <a:extLst>
-              <a:ext uri="{28A0092B-C50C-407E-A947-70E740481C1C}">
-                <a14:useLocalDpi xmlns:a14="http://schemas.microsoft.com/office/drawing/2010/main" val="0"/>
-              </a:ext>
-            </a:extLst>
-          </a:blip>
-          <a:stretch>
-            <a:fillRect/>
-          </a:stretch>
-        </p:blipFill>
-        <p:spPr>
-          <a:xfrm>
-            <a:off x="838200" y="1777888"/>
-            <a:ext cx="4286250" cy="4286250"/>
-          </a:xfrm>
-          <a:prstGeom prst="rect">
-            <a:avLst/>
-          </a:prstGeom>
-        </p:spPr>
-      </p:pic>
-      <p:sp>
-        <p:nvSpPr>
-          <p:cNvPr id="10" name="Content Placeholder 9">
-            <a:extLst>
-              <a:ext uri="{FF2B5EF4-FFF2-40B4-BE49-F238E27FC236}">
-                <a16:creationId xmlns:a16="http://schemas.microsoft.com/office/drawing/2014/main" id="{9F04A7FB-E40B-4BC7-BAE0-674530CE7575}"/>
-              </a:ext>
-            </a:extLst>
-          </p:cNvPr>
-          <p:cNvSpPr>
-            <a:spLocks noGrp="1"/>
-          </p:cNvSpPr>
-          <p:nvPr>
-            <p:ph sz="half" idx="1"/>
-          </p:nvPr>
-        </p:nvSpPr>
-        <p:spPr/>
-        <p:txBody>
-          <a:bodyPr/>
-          <a:lstStyle/>
-          <a:p>
-            <a:endParaRPr lang="en-US" dirty="0"/>
-          </a:p>
-        </p:txBody>
-      </p:sp>
-    </p:spTree>
-    <p:extLst>
-      <p:ext uri="{BB962C8B-B14F-4D97-AF65-F5344CB8AC3E}">
-        <p14:creationId xmlns:p14="http://schemas.microsoft.com/office/powerpoint/2010/main" val="3283277495"/>
-      </p:ext>
-    </p:extLst>
-  </p:cSld>
-  <p:clrMapOvr>
-    <a:masterClrMapping/>
-  </p:clrMapOvr>
 </p:sld>
 </file>
 

--- a/Whats New in ASP.NET Core 2.0.pptx
+++ b/Whats New in ASP.NET Core 2.0.pptx
@@ -6,7 +6,7 @@
     <p:sldMasterId id="2147483847" r:id="rId2"/>
   </p:sldMasterIdLst>
   <p:notesMasterIdLst>
-    <p:notesMasterId r:id="rId13"/>
+    <p:notesMasterId r:id="rId16"/>
   </p:notesMasterIdLst>
   <p:sldIdLst>
     <p:sldId id="342" r:id="rId3"/>
@@ -16,9 +16,12 @@
     <p:sldId id="347" r:id="rId7"/>
     <p:sldId id="345" r:id="rId8"/>
     <p:sldId id="350" r:id="rId9"/>
-    <p:sldId id="341" r:id="rId10"/>
-    <p:sldId id="343" r:id="rId11"/>
-    <p:sldId id="320" r:id="rId12"/>
+    <p:sldId id="354" r:id="rId10"/>
+    <p:sldId id="351" r:id="rId11"/>
+    <p:sldId id="353" r:id="rId12"/>
+    <p:sldId id="341" r:id="rId13"/>
+    <p:sldId id="343" r:id="rId14"/>
+    <p:sldId id="320" r:id="rId15"/>
   </p:sldIdLst>
   <p:sldSz cx="12192000" cy="6858000"/>
   <p:notesSz cx="6858000" cy="9144000"/>
@@ -134,6 +137,9 @@
             <p14:sldId id="347"/>
             <p14:sldId id="345"/>
             <p14:sldId id="350"/>
+            <p14:sldId id="354"/>
+            <p14:sldId id="351"/>
+            <p14:sldId id="353"/>
             <p14:sldId id="341"/>
             <p14:sldId id="343"/>
             <p14:sldId id="320"/>
@@ -3911,11 +3917,7 @@
           <a:bodyPr/>
           <a:lstStyle/>
           <a:p>
-            <a:pPr marL="0" indent="0">
-              <a:buFontTx/>
-              <a:buNone/>
-            </a:pPr>
-            <a:endParaRPr lang="en-US" dirty="0"/>
+            <a:endParaRPr lang="en-US"/>
           </a:p>
         </p:txBody>
       </p:sp>
@@ -4005,6 +4007,386 @@
     </p:spTree>
     <p:extLst>
       <p:ext uri="{BB962C8B-B14F-4D97-AF65-F5344CB8AC3E}">
+        <p14:creationId xmlns:p14="http://schemas.microsoft.com/office/powerpoint/2010/main" val="2334602090"/>
+      </p:ext>
+    </p:extLst>
+  </p:cSld>
+  <p:clrMapOvr>
+    <a:masterClrMapping/>
+  </p:clrMapOvr>
+</p:notes>
+</file>
+
+<file path=ppt/notesSlides/notesSlide11.xml><?xml version="1.0" encoding="utf-8"?>
+<p:notes xmlns:a="http://schemas.openxmlformats.org/drawingml/2006/main" xmlns:r="http://schemas.openxmlformats.org/officeDocument/2006/relationships" xmlns:p="http://schemas.openxmlformats.org/presentationml/2006/main">
+  <p:cSld>
+    <p:spTree>
+      <p:nvGrpSpPr>
+        <p:cNvPr id="1" name=""/>
+        <p:cNvGrpSpPr/>
+        <p:nvPr/>
+      </p:nvGrpSpPr>
+      <p:grpSpPr>
+        <a:xfrm>
+          <a:off x="0" y="0"/>
+          <a:ext cx="0" cy="0"/>
+          <a:chOff x="0" y="0"/>
+          <a:chExt cx="0" cy="0"/>
+        </a:xfrm>
+      </p:grpSpPr>
+      <p:sp>
+        <p:nvSpPr>
+          <p:cNvPr id="2" name="Slide Image Placeholder 1"/>
+          <p:cNvSpPr>
+            <a:spLocks noGrp="1" noRot="1" noChangeAspect="1"/>
+          </p:cNvSpPr>
+          <p:nvPr>
+            <p:ph type="sldImg"/>
+          </p:nvPr>
+        </p:nvSpPr>
+        <p:spPr/>
+      </p:sp>
+      <p:sp>
+        <p:nvSpPr>
+          <p:cNvPr id="3" name="Notes Placeholder 2"/>
+          <p:cNvSpPr>
+            <a:spLocks noGrp="1"/>
+          </p:cNvSpPr>
+          <p:nvPr>
+            <p:ph type="body" idx="1"/>
+          </p:nvPr>
+        </p:nvSpPr>
+        <p:spPr/>
+        <p:txBody>
+          <a:bodyPr/>
+          <a:lstStyle/>
+          <a:p>
+            <a:pPr marL="0" indent="0">
+              <a:buFontTx/>
+              <a:buNone/>
+            </a:pPr>
+            <a:endParaRPr lang="en-US" dirty="0"/>
+          </a:p>
+        </p:txBody>
+      </p:sp>
+      <p:sp>
+        <p:nvSpPr>
+          <p:cNvPr id="4" name="Slide Number Placeholder 3"/>
+          <p:cNvSpPr>
+            <a:spLocks noGrp="1"/>
+          </p:cNvSpPr>
+          <p:nvPr>
+            <p:ph type="sldNum" sz="quarter" idx="10"/>
+          </p:nvPr>
+        </p:nvSpPr>
+        <p:spPr/>
+        <p:txBody>
+          <a:bodyPr/>
+          <a:lstStyle/>
+          <a:p>
+            <a:pPr marL="0" marR="0" lvl="0" indent="0" algn="r" defTabSz="457200" rtl="0" eaLnBrk="1" fontAlgn="auto" latinLnBrk="0" hangingPunct="1">
+              <a:lnSpc>
+                <a:spcPct val="100000"/>
+              </a:lnSpc>
+              <a:spcBef>
+                <a:spcPts val="0"/>
+              </a:spcBef>
+              <a:spcAft>
+                <a:spcPts val="0"/>
+              </a:spcAft>
+              <a:buClrTx/>
+              <a:buSzTx/>
+              <a:buFontTx/>
+              <a:buNone/>
+              <a:tabLst/>
+              <a:defRPr/>
+            </a:pPr>
+            <a:fld id="{16A87904-88DE-4022-A424-ACD2E6FC1751}" type="slidenum">
+              <a:rPr kumimoji="0" lang="en-US" sz="1200" b="0" i="0" u="none" strike="noStrike" kern="1200" cap="none" spc="0" normalizeH="0" baseline="0" noProof="0" smtClean="0">
+                <a:ln>
+                  <a:noFill/>
+                </a:ln>
+                <a:solidFill>
+                  <a:prstClr val="black"/>
+                </a:solidFill>
+                <a:effectLst/>
+                <a:uLnTx/>
+                <a:uFillTx/>
+                <a:latin typeface="Calibri" panose="020F0502020204030204"/>
+                <a:ea typeface="+mn-ea"/>
+                <a:cs typeface="+mn-cs"/>
+              </a:rPr>
+              <a:pPr marL="0" marR="0" lvl="0" indent="0" algn="r" defTabSz="457200" rtl="0" eaLnBrk="1" fontAlgn="auto" latinLnBrk="0" hangingPunct="1">
+                <a:lnSpc>
+                  <a:spcPct val="100000"/>
+                </a:lnSpc>
+                <a:spcBef>
+                  <a:spcPts val="0"/>
+                </a:spcBef>
+                <a:spcAft>
+                  <a:spcPts val="0"/>
+                </a:spcAft>
+                <a:buClrTx/>
+                <a:buSzTx/>
+                <a:buFontTx/>
+                <a:buNone/>
+                <a:tabLst/>
+                <a:defRPr/>
+              </a:pPr>
+              <a:t>11</a:t>
+            </a:fld>
+            <a:endParaRPr kumimoji="0" lang="en-US" sz="1200" b="0" i="0" u="none" strike="noStrike" kern="1200" cap="none" spc="0" normalizeH="0" baseline="0" noProof="0">
+              <a:ln>
+                <a:noFill/>
+              </a:ln>
+              <a:solidFill>
+                <a:prstClr val="black"/>
+              </a:solidFill>
+              <a:effectLst/>
+              <a:uLnTx/>
+              <a:uFillTx/>
+              <a:latin typeface="Calibri" panose="020F0502020204030204"/>
+              <a:ea typeface="+mn-ea"/>
+              <a:cs typeface="+mn-cs"/>
+            </a:endParaRPr>
+          </a:p>
+        </p:txBody>
+      </p:sp>
+    </p:spTree>
+    <p:extLst>
+      <p:ext uri="{BB962C8B-B14F-4D97-AF65-F5344CB8AC3E}">
+        <p14:creationId xmlns:p14="http://schemas.microsoft.com/office/powerpoint/2010/main" val="187632969"/>
+      </p:ext>
+    </p:extLst>
+  </p:cSld>
+  <p:clrMapOvr>
+    <a:masterClrMapping/>
+  </p:clrMapOvr>
+</p:notes>
+</file>
+
+<file path=ppt/notesSlides/notesSlide12.xml><?xml version="1.0" encoding="utf-8"?>
+<p:notes xmlns:a="http://schemas.openxmlformats.org/drawingml/2006/main" xmlns:r="http://schemas.openxmlformats.org/officeDocument/2006/relationships" xmlns:p="http://schemas.openxmlformats.org/presentationml/2006/main">
+  <p:cSld>
+    <p:spTree>
+      <p:nvGrpSpPr>
+        <p:cNvPr id="1" name=""/>
+        <p:cNvGrpSpPr/>
+        <p:nvPr/>
+      </p:nvGrpSpPr>
+      <p:grpSpPr>
+        <a:xfrm>
+          <a:off x="0" y="0"/>
+          <a:ext cx="0" cy="0"/>
+          <a:chOff x="0" y="0"/>
+          <a:chExt cx="0" cy="0"/>
+        </a:xfrm>
+      </p:grpSpPr>
+      <p:sp>
+        <p:nvSpPr>
+          <p:cNvPr id="2" name="Slide Image Placeholder 1"/>
+          <p:cNvSpPr>
+            <a:spLocks noGrp="1" noRot="1" noChangeAspect="1"/>
+          </p:cNvSpPr>
+          <p:nvPr>
+            <p:ph type="sldImg"/>
+          </p:nvPr>
+        </p:nvSpPr>
+        <p:spPr/>
+      </p:sp>
+      <p:sp>
+        <p:nvSpPr>
+          <p:cNvPr id="3" name="Notes Placeholder 2"/>
+          <p:cNvSpPr>
+            <a:spLocks noGrp="1"/>
+          </p:cNvSpPr>
+          <p:nvPr>
+            <p:ph type="body" idx="1"/>
+          </p:nvPr>
+        </p:nvSpPr>
+        <p:spPr/>
+        <p:txBody>
+          <a:bodyPr/>
+          <a:lstStyle/>
+          <a:p>
+            <a:endParaRPr lang="en-US"/>
+          </a:p>
+        </p:txBody>
+      </p:sp>
+      <p:sp>
+        <p:nvSpPr>
+          <p:cNvPr id="4" name="Slide Number Placeholder 3"/>
+          <p:cNvSpPr>
+            <a:spLocks noGrp="1"/>
+          </p:cNvSpPr>
+          <p:nvPr>
+            <p:ph type="sldNum" sz="quarter" idx="10"/>
+          </p:nvPr>
+        </p:nvSpPr>
+        <p:spPr/>
+        <p:txBody>
+          <a:bodyPr/>
+          <a:lstStyle/>
+          <a:p>
+            <a:fld id="{16A87904-88DE-4022-A424-ACD2E6FC1751}" type="slidenum">
+              <a:rPr lang="en-US" smtClean="0"/>
+              <a:t>12</a:t>
+            </a:fld>
+            <a:endParaRPr lang="en-US"/>
+          </a:p>
+        </p:txBody>
+      </p:sp>
+    </p:spTree>
+    <p:extLst>
+      <p:ext uri="{BB962C8B-B14F-4D97-AF65-F5344CB8AC3E}">
+        <p14:creationId xmlns:p14="http://schemas.microsoft.com/office/powerpoint/2010/main" val="3440875708"/>
+      </p:ext>
+    </p:extLst>
+  </p:cSld>
+  <p:clrMapOvr>
+    <a:masterClrMapping/>
+  </p:clrMapOvr>
+</p:notes>
+</file>
+
+<file path=ppt/notesSlides/notesSlide13.xml><?xml version="1.0" encoding="utf-8"?>
+<p:notes xmlns:a="http://schemas.openxmlformats.org/drawingml/2006/main" xmlns:r="http://schemas.openxmlformats.org/officeDocument/2006/relationships" xmlns:p="http://schemas.openxmlformats.org/presentationml/2006/main">
+  <p:cSld>
+    <p:spTree>
+      <p:nvGrpSpPr>
+        <p:cNvPr id="1" name=""/>
+        <p:cNvGrpSpPr/>
+        <p:nvPr/>
+      </p:nvGrpSpPr>
+      <p:grpSpPr>
+        <a:xfrm>
+          <a:off x="0" y="0"/>
+          <a:ext cx="0" cy="0"/>
+          <a:chOff x="0" y="0"/>
+          <a:chExt cx="0" cy="0"/>
+        </a:xfrm>
+      </p:grpSpPr>
+      <p:sp>
+        <p:nvSpPr>
+          <p:cNvPr id="2" name="Slide Image Placeholder 1"/>
+          <p:cNvSpPr>
+            <a:spLocks noGrp="1" noRot="1" noChangeAspect="1"/>
+          </p:cNvSpPr>
+          <p:nvPr>
+            <p:ph type="sldImg"/>
+          </p:nvPr>
+        </p:nvSpPr>
+        <p:spPr/>
+      </p:sp>
+      <p:sp>
+        <p:nvSpPr>
+          <p:cNvPr id="3" name="Notes Placeholder 2"/>
+          <p:cNvSpPr>
+            <a:spLocks noGrp="1"/>
+          </p:cNvSpPr>
+          <p:nvPr>
+            <p:ph type="body" idx="1"/>
+          </p:nvPr>
+        </p:nvSpPr>
+        <p:spPr/>
+        <p:txBody>
+          <a:bodyPr/>
+          <a:lstStyle/>
+          <a:p>
+            <a:pPr marL="0" indent="0">
+              <a:buFontTx/>
+              <a:buNone/>
+            </a:pPr>
+            <a:endParaRPr lang="en-US" dirty="0"/>
+          </a:p>
+        </p:txBody>
+      </p:sp>
+      <p:sp>
+        <p:nvSpPr>
+          <p:cNvPr id="4" name="Slide Number Placeholder 3"/>
+          <p:cNvSpPr>
+            <a:spLocks noGrp="1"/>
+          </p:cNvSpPr>
+          <p:nvPr>
+            <p:ph type="sldNum" sz="quarter" idx="10"/>
+          </p:nvPr>
+        </p:nvSpPr>
+        <p:spPr/>
+        <p:txBody>
+          <a:bodyPr/>
+          <a:lstStyle/>
+          <a:p>
+            <a:pPr marL="0" marR="0" lvl="0" indent="0" algn="r" defTabSz="457200" rtl="0" eaLnBrk="1" fontAlgn="auto" latinLnBrk="0" hangingPunct="1">
+              <a:lnSpc>
+                <a:spcPct val="100000"/>
+              </a:lnSpc>
+              <a:spcBef>
+                <a:spcPts val="0"/>
+              </a:spcBef>
+              <a:spcAft>
+                <a:spcPts val="0"/>
+              </a:spcAft>
+              <a:buClrTx/>
+              <a:buSzTx/>
+              <a:buFontTx/>
+              <a:buNone/>
+              <a:tabLst/>
+              <a:defRPr/>
+            </a:pPr>
+            <a:fld id="{16A87904-88DE-4022-A424-ACD2E6FC1751}" type="slidenum">
+              <a:rPr kumimoji="0" lang="en-US" sz="1200" b="0" i="0" u="none" strike="noStrike" kern="1200" cap="none" spc="0" normalizeH="0" baseline="0" noProof="0" smtClean="0">
+                <a:ln>
+                  <a:noFill/>
+                </a:ln>
+                <a:solidFill>
+                  <a:prstClr val="black"/>
+                </a:solidFill>
+                <a:effectLst/>
+                <a:uLnTx/>
+                <a:uFillTx/>
+                <a:latin typeface="Calibri" panose="020F0502020204030204"/>
+                <a:ea typeface="+mn-ea"/>
+                <a:cs typeface="+mn-cs"/>
+              </a:rPr>
+              <a:pPr marL="0" marR="0" lvl="0" indent="0" algn="r" defTabSz="457200" rtl="0" eaLnBrk="1" fontAlgn="auto" latinLnBrk="0" hangingPunct="1">
+                <a:lnSpc>
+                  <a:spcPct val="100000"/>
+                </a:lnSpc>
+                <a:spcBef>
+                  <a:spcPts val="0"/>
+                </a:spcBef>
+                <a:spcAft>
+                  <a:spcPts val="0"/>
+                </a:spcAft>
+                <a:buClrTx/>
+                <a:buSzTx/>
+                <a:buFontTx/>
+                <a:buNone/>
+                <a:tabLst/>
+                <a:defRPr/>
+              </a:pPr>
+              <a:t>13</a:t>
+            </a:fld>
+            <a:endParaRPr kumimoji="0" lang="en-US" sz="1200" b="0" i="0" u="none" strike="noStrike" kern="1200" cap="none" spc="0" normalizeH="0" baseline="0" noProof="0">
+              <a:ln>
+                <a:noFill/>
+              </a:ln>
+              <a:solidFill>
+                <a:prstClr val="black"/>
+              </a:solidFill>
+              <a:effectLst/>
+              <a:uLnTx/>
+              <a:uFillTx/>
+              <a:latin typeface="Calibri" panose="020F0502020204030204"/>
+              <a:ea typeface="+mn-ea"/>
+              <a:cs typeface="+mn-cs"/>
+            </a:endParaRPr>
+          </a:p>
+        </p:txBody>
+      </p:sp>
+    </p:spTree>
+    <p:extLst>
+      <p:ext uri="{BB962C8B-B14F-4D97-AF65-F5344CB8AC3E}">
         <p14:creationId xmlns:p14="http://schemas.microsoft.com/office/powerpoint/2010/main" val="2086728926"/>
       </p:ext>
     </p:extLst>
@@ -4915,11 +5297,7 @@
           <a:bodyPr/>
           <a:lstStyle/>
           <a:p>
-            <a:pPr marL="0" indent="0">
-              <a:buFontTx/>
-              <a:buNone/>
-            </a:pPr>
-            <a:endParaRPr lang="en-US" dirty="0"/>
+            <a:endParaRPr lang="en-US"/>
           </a:p>
         </p:txBody>
       </p:sp>
@@ -4938,78 +5316,18 @@
           <a:bodyPr/>
           <a:lstStyle/>
           <a:p>
-            <a:pPr marL="0" marR="0" lvl="0" indent="0" algn="r" defTabSz="457200" rtl="0" eaLnBrk="1" fontAlgn="auto" latinLnBrk="0" hangingPunct="1">
-              <a:lnSpc>
-                <a:spcPct val="100000"/>
-              </a:lnSpc>
-              <a:spcBef>
-                <a:spcPts val="0"/>
-              </a:spcBef>
-              <a:spcAft>
-                <a:spcPts val="0"/>
-              </a:spcAft>
-              <a:buClrTx/>
-              <a:buSzTx/>
-              <a:buFontTx/>
-              <a:buNone/>
-              <a:tabLst/>
-              <a:defRPr/>
-            </a:pPr>
             <a:fld id="{16A87904-88DE-4022-A424-ACD2E6FC1751}" type="slidenum">
-              <a:rPr kumimoji="0" lang="en-US" sz="1200" b="0" i="0" u="none" strike="noStrike" kern="1200" cap="none" spc="0" normalizeH="0" baseline="0" noProof="0" smtClean="0">
-                <a:ln>
-                  <a:noFill/>
-                </a:ln>
-                <a:solidFill>
-                  <a:prstClr val="black"/>
-                </a:solidFill>
-                <a:effectLst/>
-                <a:uLnTx/>
-                <a:uFillTx/>
-                <a:latin typeface="Calibri" panose="020F0502020204030204"/>
-                <a:ea typeface="+mn-ea"/>
-                <a:cs typeface="+mn-cs"/>
-              </a:rPr>
-              <a:pPr marL="0" marR="0" lvl="0" indent="0" algn="r" defTabSz="457200" rtl="0" eaLnBrk="1" fontAlgn="auto" latinLnBrk="0" hangingPunct="1">
-                <a:lnSpc>
-                  <a:spcPct val="100000"/>
-                </a:lnSpc>
-                <a:spcBef>
-                  <a:spcPts val="0"/>
-                </a:spcBef>
-                <a:spcAft>
-                  <a:spcPts val="0"/>
-                </a:spcAft>
-                <a:buClrTx/>
-                <a:buSzTx/>
-                <a:buFontTx/>
-                <a:buNone/>
-                <a:tabLst/>
-                <a:defRPr/>
-              </a:pPr>
+              <a:rPr lang="en-US" smtClean="0"/>
               <a:t>8</a:t>
             </a:fld>
-            <a:endParaRPr kumimoji="0" lang="en-US" sz="1200" b="0" i="0" u="none" strike="noStrike" kern="1200" cap="none" spc="0" normalizeH="0" baseline="0" noProof="0">
-              <a:ln>
-                <a:noFill/>
-              </a:ln>
-              <a:solidFill>
-                <a:prstClr val="black"/>
-              </a:solidFill>
-              <a:effectLst/>
-              <a:uLnTx/>
-              <a:uFillTx/>
-              <a:latin typeface="Calibri" panose="020F0502020204030204"/>
-              <a:ea typeface="+mn-ea"/>
-              <a:cs typeface="+mn-cs"/>
-            </a:endParaRPr>
+            <a:endParaRPr lang="en-US"/>
           </a:p>
         </p:txBody>
       </p:sp>
     </p:spTree>
     <p:extLst>
       <p:ext uri="{BB962C8B-B14F-4D97-AF65-F5344CB8AC3E}">
-        <p14:creationId xmlns:p14="http://schemas.microsoft.com/office/powerpoint/2010/main" val="187632969"/>
+        <p14:creationId xmlns:p14="http://schemas.microsoft.com/office/powerpoint/2010/main" val="1151958679"/>
       </p:ext>
     </p:extLst>
   </p:cSld>
@@ -5093,7 +5411,7 @@
     </p:spTree>
     <p:extLst>
       <p:ext uri="{BB962C8B-B14F-4D97-AF65-F5344CB8AC3E}">
-        <p14:creationId xmlns:p14="http://schemas.microsoft.com/office/powerpoint/2010/main" val="3440875708"/>
+        <p14:creationId xmlns:p14="http://schemas.microsoft.com/office/powerpoint/2010/main" val="1408417399"/>
       </p:ext>
     </p:extLst>
   </p:cSld>
@@ -14146,6 +14464,873 @@
           <a:chExt cx="0" cy="0"/>
         </a:xfrm>
       </p:grpSpPr>
+      <p:sp>
+        <p:nvSpPr>
+          <p:cNvPr id="5" name="Title 4">
+            <a:extLst>
+              <a:ext uri="{FF2B5EF4-FFF2-40B4-BE49-F238E27FC236}">
+                <a16:creationId xmlns:a16="http://schemas.microsoft.com/office/drawing/2014/main" id="{F43BA709-5577-422C-9FB6-05CC66D94DB3}"/>
+              </a:ext>
+            </a:extLst>
+          </p:cNvPr>
+          <p:cNvSpPr>
+            <a:spLocks noGrp="1"/>
+          </p:cNvSpPr>
+          <p:nvPr>
+            <p:ph type="title"/>
+          </p:nvPr>
+        </p:nvSpPr>
+        <p:spPr/>
+        <p:txBody>
+          <a:bodyPr/>
+          <a:lstStyle/>
+          <a:p>
+            <a:r>
+              <a:rPr lang="en-US" dirty="0">
+                <a:solidFill>
+                  <a:srgbClr val="A0C4E5"/>
+                </a:solidFill>
+              </a:rPr>
+              <a:t>DEMO</a:t>
+            </a:r>
+          </a:p>
+        </p:txBody>
+      </p:sp>
+      <p:sp>
+        <p:nvSpPr>
+          <p:cNvPr id="6" name="Text Placeholder 5">
+            <a:extLst>
+              <a:ext uri="{FF2B5EF4-FFF2-40B4-BE49-F238E27FC236}">
+                <a16:creationId xmlns:a16="http://schemas.microsoft.com/office/drawing/2014/main" id="{C8594BAD-33C7-429F-B7C6-F62B424226E0}"/>
+              </a:ext>
+            </a:extLst>
+          </p:cNvPr>
+          <p:cNvSpPr>
+            <a:spLocks noGrp="1"/>
+          </p:cNvSpPr>
+          <p:nvPr>
+            <p:ph type="body" idx="1"/>
+          </p:nvPr>
+        </p:nvSpPr>
+        <p:spPr/>
+        <p:txBody>
+          <a:bodyPr/>
+          <a:lstStyle/>
+          <a:p>
+            <a:r>
+              <a:rPr lang="en-US" dirty="0"/>
+              <a:t>Add configuration providers</a:t>
+            </a:r>
+          </a:p>
+        </p:txBody>
+      </p:sp>
+    </p:spTree>
+    <p:extLst>
+      <p:ext uri="{BB962C8B-B14F-4D97-AF65-F5344CB8AC3E}">
+        <p14:creationId xmlns:p14="http://schemas.microsoft.com/office/powerpoint/2010/main" val="2713362798"/>
+      </p:ext>
+    </p:extLst>
+  </p:cSld>
+  <p:clrMapOvr>
+    <a:masterClrMapping/>
+  </p:clrMapOvr>
+</p:sld>
+</file>
+
+<file path=ppt/slides/slide11.xml><?xml version="1.0" encoding="utf-8"?>
+<p:sld xmlns:a="http://schemas.openxmlformats.org/drawingml/2006/main" xmlns:r="http://schemas.openxmlformats.org/officeDocument/2006/relationships" xmlns:p="http://schemas.openxmlformats.org/presentationml/2006/main">
+  <p:cSld>
+    <p:bg>
+      <p:bgPr>
+        <a:solidFill>
+          <a:srgbClr val="505050"/>
+        </a:solidFill>
+        <a:effectLst/>
+      </p:bgPr>
+    </p:bg>
+    <p:spTree>
+      <p:nvGrpSpPr>
+        <p:cNvPr id="1" name=""/>
+        <p:cNvGrpSpPr/>
+        <p:nvPr/>
+      </p:nvGrpSpPr>
+      <p:grpSpPr>
+        <a:xfrm>
+          <a:off x="0" y="0"/>
+          <a:ext cx="0" cy="0"/>
+          <a:chOff x="0" y="0"/>
+          <a:chExt cx="0" cy="0"/>
+        </a:xfrm>
+      </p:grpSpPr>
+      <p:sp>
+        <p:nvSpPr>
+          <p:cNvPr id="2" name="Title 1"/>
+          <p:cNvSpPr>
+            <a:spLocks noGrp="1"/>
+          </p:cNvSpPr>
+          <p:nvPr>
+            <p:ph type="title"/>
+          </p:nvPr>
+        </p:nvSpPr>
+        <p:spPr/>
+        <p:txBody>
+          <a:bodyPr/>
+          <a:lstStyle/>
+          <a:p>
+            <a:r>
+              <a:rPr lang="en-US" dirty="0"/>
+              <a:t>Supplementary Resources</a:t>
+            </a:r>
+          </a:p>
+        </p:txBody>
+      </p:sp>
+      <p:sp>
+        <p:nvSpPr>
+          <p:cNvPr id="11" name="Content Placeholder 10"/>
+          <p:cNvSpPr>
+            <a:spLocks noGrp="1"/>
+          </p:cNvSpPr>
+          <p:nvPr>
+            <p:ph sz="half" idx="2"/>
+          </p:nvPr>
+        </p:nvSpPr>
+        <p:spPr>
+          <a:xfrm>
+            <a:off x="838200" y="1825625"/>
+            <a:ext cx="10515600" cy="4351338"/>
+          </a:xfrm>
+        </p:spPr>
+        <p:txBody>
+          <a:bodyPr>
+            <a:normAutofit/>
+          </a:bodyPr>
+          <a:lstStyle/>
+          <a:p>
+            <a:pPr marL="0" indent="0">
+              <a:buNone/>
+            </a:pPr>
+            <a:endParaRPr lang="en-US" sz="2400" i="1" dirty="0"/>
+          </a:p>
+          <a:p>
+            <a:pPr marL="0" indent="0">
+              <a:buNone/>
+            </a:pPr>
+            <a:r>
+              <a:rPr lang="en-US" sz="2400" dirty="0"/>
+              <a:t>Starting point:</a:t>
+            </a:r>
+          </a:p>
+          <a:p>
+            <a:pPr marL="0" indent="0">
+              <a:buNone/>
+            </a:pPr>
+            <a:r>
+              <a:rPr lang="en-US" sz="2400" dirty="0">
+                <a:hlinkClick r:id="rId3"/>
+              </a:rPr>
+              <a:t>http://bit.ly/2xVMWUG</a:t>
+            </a:r>
+            <a:endParaRPr lang="en-US" sz="2400" dirty="0"/>
+          </a:p>
+          <a:p>
+            <a:pPr marL="0" indent="0">
+              <a:buNone/>
+            </a:pPr>
+            <a:endParaRPr lang="en-US" dirty="0"/>
+          </a:p>
+          <a:p>
+            <a:pPr marL="0" indent="0">
+              <a:buNone/>
+            </a:pPr>
+            <a:endParaRPr lang="en-US" dirty="0"/>
+          </a:p>
+          <a:p>
+            <a:pPr marL="0" indent="0">
+              <a:buNone/>
+            </a:pPr>
+            <a:endParaRPr lang="en-US" dirty="0">
+              <a:hlinkClick r:id="rId4"/>
+            </a:endParaRPr>
+          </a:p>
+          <a:p>
+            <a:pPr marL="0" indent="0">
+              <a:buNone/>
+            </a:pPr>
+            <a:r>
+              <a:rPr lang="en-US" sz="2400" dirty="0" err="1"/>
+              <a:t>Auth</a:t>
+            </a:r>
+            <a:r>
+              <a:rPr lang="en-US" sz="2400" dirty="0"/>
+              <a:t> / Identity:</a:t>
+            </a:r>
+          </a:p>
+          <a:p>
+            <a:pPr marL="0" indent="0">
+              <a:buNone/>
+            </a:pPr>
+            <a:r>
+              <a:rPr lang="en-US" sz="2400" dirty="0">
+                <a:hlinkClick r:id="rId4"/>
+              </a:rPr>
+              <a:t>http://bit.ly/2yGO9Nh</a:t>
+            </a:r>
+            <a:endParaRPr lang="en-US" sz="2400" dirty="0"/>
+          </a:p>
+          <a:p>
+            <a:pPr marL="0" indent="0">
+              <a:buNone/>
+            </a:pPr>
+            <a:endParaRPr lang="en-US" dirty="0"/>
+          </a:p>
+        </p:txBody>
+      </p:sp>
+      <p:pic>
+        <p:nvPicPr>
+          <p:cNvPr id="3" name="Picture 2">
+            <a:extLst>
+              <a:ext uri="{FF2B5EF4-FFF2-40B4-BE49-F238E27FC236}">
+                <a16:creationId xmlns:a16="http://schemas.microsoft.com/office/drawing/2014/main" id="{A8E57FC4-1797-49D0-B4D8-9F30FD55FD5C}"/>
+              </a:ext>
+            </a:extLst>
+          </p:cNvPr>
+          <p:cNvPicPr>
+            <a:picLocks noChangeAspect="1"/>
+          </p:cNvPicPr>
+          <p:nvPr/>
+        </p:nvPicPr>
+        <p:blipFill>
+          <a:blip r:embed="rId5"/>
+          <a:stretch>
+            <a:fillRect/>
+          </a:stretch>
+        </p:blipFill>
+        <p:spPr>
+          <a:xfrm>
+            <a:off x="4513517" y="1690688"/>
+            <a:ext cx="6509765" cy="3487102"/>
+          </a:xfrm>
+          <a:prstGeom prst="rect">
+            <a:avLst/>
+          </a:prstGeom>
+          <a:effectLst>
+            <a:outerShdw blurRad="50800" dist="38100" dir="8100000" algn="tr" rotWithShape="0">
+              <a:prstClr val="black">
+                <a:alpha val="40000"/>
+              </a:prstClr>
+            </a:outerShdw>
+          </a:effectLst>
+        </p:spPr>
+      </p:pic>
+      <p:pic>
+        <p:nvPicPr>
+          <p:cNvPr id="4" name="Picture 3">
+            <a:extLst>
+              <a:ext uri="{FF2B5EF4-FFF2-40B4-BE49-F238E27FC236}">
+                <a16:creationId xmlns:a16="http://schemas.microsoft.com/office/drawing/2014/main" id="{28BC22F4-E743-43D0-9896-F196EF6BEDA1}"/>
+              </a:ext>
+            </a:extLst>
+          </p:cNvPr>
+          <p:cNvPicPr>
+            <a:picLocks noChangeAspect="1"/>
+          </p:cNvPicPr>
+          <p:nvPr/>
+        </p:nvPicPr>
+        <p:blipFill>
+          <a:blip r:embed="rId6"/>
+          <a:stretch>
+            <a:fillRect/>
+          </a:stretch>
+        </p:blipFill>
+        <p:spPr>
+          <a:xfrm>
+            <a:off x="4931843" y="3101339"/>
+            <a:ext cx="6502919" cy="3324225"/>
+          </a:xfrm>
+          <a:prstGeom prst="rect">
+            <a:avLst/>
+          </a:prstGeom>
+          <a:effectLst>
+            <a:outerShdw blurRad="63500" sx="102000" sy="102000" algn="ctr" rotWithShape="0">
+              <a:prstClr val="black">
+                <a:alpha val="40000"/>
+              </a:prstClr>
+            </a:outerShdw>
+          </a:effectLst>
+        </p:spPr>
+      </p:pic>
+    </p:spTree>
+    <p:extLst>
+      <p:ext uri="{BB962C8B-B14F-4D97-AF65-F5344CB8AC3E}">
+        <p14:creationId xmlns:p14="http://schemas.microsoft.com/office/powerpoint/2010/main" val="3419977009"/>
+      </p:ext>
+    </p:extLst>
+  </p:cSld>
+  <p:clrMapOvr>
+    <a:masterClrMapping/>
+  </p:clrMapOvr>
+  <p:timing>
+    <p:tnLst>
+      <p:par>
+        <p:cTn id="1" dur="indefinite" restart="never" nodeType="tmRoot">
+          <p:childTnLst>
+            <p:seq concurrent="1" nextAc="seek">
+              <p:cTn id="2" dur="indefinite" nodeType="mainSeq">
+                <p:childTnLst>
+                  <p:par>
+                    <p:cTn id="3" fill="hold">
+                      <p:stCondLst>
+                        <p:cond delay="indefinite"/>
+                      </p:stCondLst>
+                      <p:childTnLst>
+                        <p:par>
+                          <p:cTn id="4" fill="hold">
+                            <p:stCondLst>
+                              <p:cond delay="0"/>
+                            </p:stCondLst>
+                            <p:childTnLst>
+                              <p:par>
+                                <p:cTn id="5" presetID="1" presetClass="entr" presetSubtype="0" fill="hold" nodeType="clickEffect">
+                                  <p:stCondLst>
+                                    <p:cond delay="0"/>
+                                  </p:stCondLst>
+                                  <p:childTnLst>
+                                    <p:set>
+                                      <p:cBhvr>
+                                        <p:cTn id="6" dur="1" fill="hold">
+                                          <p:stCondLst>
+                                            <p:cond delay="0"/>
+                                          </p:stCondLst>
+                                        </p:cTn>
+                                        <p:tgtEl>
+                                          <p:spTgt spid="11">
+                                            <p:txEl>
+                                              <p:pRg st="1" end="1"/>
+                                            </p:txEl>
+                                          </p:spTgt>
+                                        </p:tgtEl>
+                                        <p:attrNameLst>
+                                          <p:attrName>style.visibility</p:attrName>
+                                        </p:attrNameLst>
+                                      </p:cBhvr>
+                                      <p:to>
+                                        <p:strVal val="visible"/>
+                                      </p:to>
+                                    </p:set>
+                                  </p:childTnLst>
+                                </p:cTn>
+                              </p:par>
+                              <p:par>
+                                <p:cTn id="7" presetID="1" presetClass="entr" presetSubtype="0" fill="hold" nodeType="withEffect">
+                                  <p:stCondLst>
+                                    <p:cond delay="0"/>
+                                  </p:stCondLst>
+                                  <p:childTnLst>
+                                    <p:set>
+                                      <p:cBhvr>
+                                        <p:cTn id="8" dur="1" fill="hold">
+                                          <p:stCondLst>
+                                            <p:cond delay="0"/>
+                                          </p:stCondLst>
+                                        </p:cTn>
+                                        <p:tgtEl>
+                                          <p:spTgt spid="11">
+                                            <p:txEl>
+                                              <p:pRg st="2" end="2"/>
+                                            </p:txEl>
+                                          </p:spTgt>
+                                        </p:tgtEl>
+                                        <p:attrNameLst>
+                                          <p:attrName>style.visibility</p:attrName>
+                                        </p:attrNameLst>
+                                      </p:cBhvr>
+                                      <p:to>
+                                        <p:strVal val="visible"/>
+                                      </p:to>
+                                    </p:set>
+                                  </p:childTnLst>
+                                </p:cTn>
+                              </p:par>
+                            </p:childTnLst>
+                          </p:cTn>
+                        </p:par>
+                      </p:childTnLst>
+                    </p:cTn>
+                  </p:par>
+                  <p:par>
+                    <p:cTn id="9" fill="hold">
+                      <p:stCondLst>
+                        <p:cond delay="indefinite"/>
+                      </p:stCondLst>
+                      <p:childTnLst>
+                        <p:par>
+                          <p:cTn id="10" fill="hold">
+                            <p:stCondLst>
+                              <p:cond delay="0"/>
+                            </p:stCondLst>
+                            <p:childTnLst>
+                              <p:par>
+                                <p:cTn id="11" presetID="1" presetClass="entr" presetSubtype="0" fill="hold" nodeType="clickEffect">
+                                  <p:stCondLst>
+                                    <p:cond delay="0"/>
+                                  </p:stCondLst>
+                                  <p:childTnLst>
+                                    <p:set>
+                                      <p:cBhvr>
+                                        <p:cTn id="12" dur="1" fill="hold">
+                                          <p:stCondLst>
+                                            <p:cond delay="0"/>
+                                          </p:stCondLst>
+                                        </p:cTn>
+                                        <p:tgtEl>
+                                          <p:spTgt spid="3"/>
+                                        </p:tgtEl>
+                                        <p:attrNameLst>
+                                          <p:attrName>style.visibility</p:attrName>
+                                        </p:attrNameLst>
+                                      </p:cBhvr>
+                                      <p:to>
+                                        <p:strVal val="visible"/>
+                                      </p:to>
+                                    </p:set>
+                                  </p:childTnLst>
+                                </p:cTn>
+                              </p:par>
+                            </p:childTnLst>
+                          </p:cTn>
+                        </p:par>
+                      </p:childTnLst>
+                    </p:cTn>
+                  </p:par>
+                  <p:par>
+                    <p:cTn id="13" fill="hold">
+                      <p:stCondLst>
+                        <p:cond delay="indefinite"/>
+                      </p:stCondLst>
+                      <p:childTnLst>
+                        <p:par>
+                          <p:cTn id="14" fill="hold">
+                            <p:stCondLst>
+                              <p:cond delay="0"/>
+                            </p:stCondLst>
+                            <p:childTnLst>
+                              <p:par>
+                                <p:cTn id="15" presetID="1" presetClass="entr" presetSubtype="0" fill="hold" nodeType="clickEffect">
+                                  <p:stCondLst>
+                                    <p:cond delay="0"/>
+                                  </p:stCondLst>
+                                  <p:childTnLst>
+                                    <p:set>
+                                      <p:cBhvr>
+                                        <p:cTn id="16" dur="1" fill="hold">
+                                          <p:stCondLst>
+                                            <p:cond delay="0"/>
+                                          </p:stCondLst>
+                                        </p:cTn>
+                                        <p:tgtEl>
+                                          <p:spTgt spid="11">
+                                            <p:txEl>
+                                              <p:pRg st="6" end="6"/>
+                                            </p:txEl>
+                                          </p:spTgt>
+                                        </p:tgtEl>
+                                        <p:attrNameLst>
+                                          <p:attrName>style.visibility</p:attrName>
+                                        </p:attrNameLst>
+                                      </p:cBhvr>
+                                      <p:to>
+                                        <p:strVal val="visible"/>
+                                      </p:to>
+                                    </p:set>
+                                  </p:childTnLst>
+                                </p:cTn>
+                              </p:par>
+                              <p:par>
+                                <p:cTn id="17" presetID="1" presetClass="entr" presetSubtype="0" fill="hold" nodeType="withEffect">
+                                  <p:stCondLst>
+                                    <p:cond delay="0"/>
+                                  </p:stCondLst>
+                                  <p:childTnLst>
+                                    <p:set>
+                                      <p:cBhvr>
+                                        <p:cTn id="18" dur="1" fill="hold">
+                                          <p:stCondLst>
+                                            <p:cond delay="0"/>
+                                          </p:stCondLst>
+                                        </p:cTn>
+                                        <p:tgtEl>
+                                          <p:spTgt spid="11">
+                                            <p:txEl>
+                                              <p:pRg st="7" end="7"/>
+                                            </p:txEl>
+                                          </p:spTgt>
+                                        </p:tgtEl>
+                                        <p:attrNameLst>
+                                          <p:attrName>style.visibility</p:attrName>
+                                        </p:attrNameLst>
+                                      </p:cBhvr>
+                                      <p:to>
+                                        <p:strVal val="visible"/>
+                                      </p:to>
+                                    </p:set>
+                                  </p:childTnLst>
+                                </p:cTn>
+                              </p:par>
+                            </p:childTnLst>
+                          </p:cTn>
+                        </p:par>
+                      </p:childTnLst>
+                    </p:cTn>
+                  </p:par>
+                  <p:par>
+                    <p:cTn id="19" fill="hold">
+                      <p:stCondLst>
+                        <p:cond delay="indefinite"/>
+                      </p:stCondLst>
+                      <p:childTnLst>
+                        <p:par>
+                          <p:cTn id="20" fill="hold">
+                            <p:stCondLst>
+                              <p:cond delay="0"/>
+                            </p:stCondLst>
+                            <p:childTnLst>
+                              <p:par>
+                                <p:cTn id="21" presetID="1" presetClass="entr" presetSubtype="0" fill="hold" nodeType="clickEffect">
+                                  <p:stCondLst>
+                                    <p:cond delay="0"/>
+                                  </p:stCondLst>
+                                  <p:childTnLst>
+                                    <p:set>
+                                      <p:cBhvr>
+                                        <p:cTn id="22" dur="1" fill="hold">
+                                          <p:stCondLst>
+                                            <p:cond delay="0"/>
+                                          </p:stCondLst>
+                                        </p:cTn>
+                                        <p:tgtEl>
+                                          <p:spTgt spid="4"/>
+                                        </p:tgtEl>
+                                        <p:attrNameLst>
+                                          <p:attrName>style.visibility</p:attrName>
+                                        </p:attrNameLst>
+                                      </p:cBhvr>
+                                      <p:to>
+                                        <p:strVal val="visible"/>
+                                      </p:to>
+                                    </p:set>
+                                  </p:childTnLst>
+                                </p:cTn>
+                              </p:par>
+                            </p:childTnLst>
+                          </p:cTn>
+                        </p:par>
+                      </p:childTnLst>
+                    </p:cTn>
+                  </p:par>
+                </p:childTnLst>
+              </p:cTn>
+              <p:prevCondLst>
+                <p:cond evt="onPrev" delay="0">
+                  <p:tgtEl>
+                    <p:sldTgt/>
+                  </p:tgtEl>
+                </p:cond>
+              </p:prevCondLst>
+              <p:nextCondLst>
+                <p:cond evt="onNext" delay="0">
+                  <p:tgtEl>
+                    <p:sldTgt/>
+                  </p:tgtEl>
+                </p:cond>
+              </p:nextCondLst>
+            </p:seq>
+          </p:childTnLst>
+        </p:cTn>
+      </p:par>
+    </p:tnLst>
+  </p:timing>
+</p:sld>
+</file>
+
+<file path=ppt/slides/slide12.xml><?xml version="1.0" encoding="utf-8"?>
+<p:sld xmlns:a="http://schemas.openxmlformats.org/drawingml/2006/main" xmlns:r="http://schemas.openxmlformats.org/officeDocument/2006/relationships" xmlns:p="http://schemas.openxmlformats.org/presentationml/2006/main">
+  <p:cSld>
+    <p:bg>
+      <p:bgPr>
+        <a:solidFill>
+          <a:srgbClr val="505050"/>
+        </a:solidFill>
+        <a:effectLst/>
+      </p:bgPr>
+    </p:bg>
+    <p:spTree>
+      <p:nvGrpSpPr>
+        <p:cNvPr id="1" name=""/>
+        <p:cNvGrpSpPr/>
+        <p:nvPr/>
+      </p:nvGrpSpPr>
+      <p:grpSpPr>
+        <a:xfrm>
+          <a:off x="0" y="0"/>
+          <a:ext cx="0" cy="0"/>
+          <a:chOff x="0" y="0"/>
+          <a:chExt cx="0" cy="0"/>
+        </a:xfrm>
+      </p:grpSpPr>
+      <p:sp>
+        <p:nvSpPr>
+          <p:cNvPr id="2" name="Title 1"/>
+          <p:cNvSpPr>
+            <a:spLocks noGrp="1"/>
+          </p:cNvSpPr>
+          <p:nvPr>
+            <p:ph type="title"/>
+          </p:nvPr>
+        </p:nvSpPr>
+        <p:spPr>
+          <a:xfrm>
+            <a:off x="652668" y="579103"/>
+            <a:ext cx="10777330" cy="1325563"/>
+          </a:xfrm>
+        </p:spPr>
+        <p:txBody>
+          <a:bodyPr>
+            <a:normAutofit/>
+          </a:bodyPr>
+          <a:lstStyle/>
+          <a:p>
+            <a:pPr algn="ctr"/>
+            <a:r>
+              <a:rPr lang="en-US" sz="5400" dirty="0">
+                <a:solidFill>
+                  <a:srgbClr val="00B0F0"/>
+                </a:solidFill>
+                <a:latin typeface="Segoe UI Light" panose="020B0502040204020203" pitchFamily="34" charset="0"/>
+                <a:cs typeface="Segoe UI Light" panose="020B0502040204020203" pitchFamily="34" charset="0"/>
+              </a:rPr>
+              <a:t>Build with Microsoft Tech</a:t>
+            </a:r>
+          </a:p>
+        </p:txBody>
+      </p:sp>
+      <p:sp>
+        <p:nvSpPr>
+          <p:cNvPr id="3" name="Content Placeholder 2"/>
+          <p:cNvSpPr>
+            <a:spLocks noGrp="1"/>
+          </p:cNvSpPr>
+          <p:nvPr>
+            <p:ph idx="1"/>
+          </p:nvPr>
+        </p:nvSpPr>
+        <p:spPr>
+          <a:xfrm>
+            <a:off x="1386162" y="2309226"/>
+            <a:ext cx="9444902" cy="4061659"/>
+          </a:xfrm>
+        </p:spPr>
+        <p:txBody>
+          <a:bodyPr/>
+          <a:lstStyle/>
+          <a:p>
+            <a:pPr marL="0" indent="0" algn="ctr">
+              <a:buNone/>
+            </a:pPr>
+            <a:r>
+              <a:rPr lang="en-US" sz="4000" i="1" dirty="0">
+                <a:latin typeface="Segoe UI Light" panose="020B0502040204020203" pitchFamily="34" charset="0"/>
+                <a:cs typeface="Segoe UI Light" panose="020B0502040204020203" pitchFamily="34" charset="0"/>
+              </a:rPr>
+              <a:t>Explore developer tools, platforms, and APIs </a:t>
+            </a:r>
+          </a:p>
+          <a:p>
+            <a:pPr marL="0" indent="0" algn="ctr">
+              <a:buNone/>
+            </a:pPr>
+            <a:endParaRPr lang="en-US" sz="4000" i="1" dirty="0">
+              <a:solidFill>
+                <a:srgbClr val="00B0F0"/>
+              </a:solidFill>
+              <a:latin typeface="Segoe UI Light" panose="020B0502040204020203" pitchFamily="34" charset="0"/>
+              <a:cs typeface="Segoe UI Light" panose="020B0502040204020203" pitchFamily="34" charset="0"/>
+            </a:endParaRPr>
+          </a:p>
+          <a:p>
+            <a:pPr marL="0" indent="0" algn="ctr">
+              <a:buNone/>
+            </a:pPr>
+            <a:r>
+              <a:rPr lang="en-US" sz="5400" dirty="0">
+                <a:solidFill>
+                  <a:srgbClr val="00B0F0"/>
+                </a:solidFill>
+                <a:latin typeface="Segoe UI Light" panose="020B0502040204020203" pitchFamily="34" charset="0"/>
+                <a:cs typeface="Segoe UI Light" panose="020B0502040204020203" pitchFamily="34" charset="0"/>
+              </a:rPr>
+              <a:t>docs.microsoft.com </a:t>
+            </a:r>
+          </a:p>
+        </p:txBody>
+      </p:sp>
+      <p:pic>
+        <p:nvPicPr>
+          <p:cNvPr id="1026" name="DE0816EB-0799-461B-8CAB-F8639086CFFD" descr="1078F4CF-61B7-46A5-815D-338F62390895@hsd1"/>
+          <p:cNvPicPr>
+            <a:picLocks noChangeAspect="1" noChangeArrowheads="1"/>
+          </p:cNvPicPr>
+          <p:nvPr/>
+        </p:nvPicPr>
+        <p:blipFill>
+          <a:blip r:embed="rId3">
+            <a:extLst>
+              <a:ext uri="{28A0092B-C50C-407E-A947-70E740481C1C}">
+                <a14:useLocalDpi xmlns:a14="http://schemas.microsoft.com/office/drawing/2010/main" val="0"/>
+              </a:ext>
+            </a:extLst>
+          </a:blip>
+          <a:srcRect/>
+          <a:stretch>
+            <a:fillRect/>
+          </a:stretch>
+        </p:blipFill>
+        <p:spPr bwMode="auto">
+          <a:xfrm>
+            <a:off x="9092340" y="-247034"/>
+            <a:ext cx="3343275" cy="2257425"/>
+          </a:xfrm>
+          <a:prstGeom prst="rect">
+            <a:avLst/>
+          </a:prstGeom>
+          <a:noFill/>
+          <a:ln>
+            <a:noFill/>
+          </a:ln>
+          <a:extLst>
+            <a:ext uri="{909E8E84-426E-40DD-AFC4-6F175D3DCCD1}">
+              <a14:hiddenFill xmlns:a14="http://schemas.microsoft.com/office/drawing/2010/main">
+                <a:solidFill>
+                  <a:srgbClr val="FFFFFF"/>
+                </a:solidFill>
+              </a14:hiddenFill>
+            </a:ext>
+            <a:ext uri="{91240B29-F687-4F45-9708-019B960494DF}">
+              <a14:hiddenLine xmlns:a14="http://schemas.microsoft.com/office/drawing/2010/main" w="9525">
+                <a:solidFill>
+                  <a:srgbClr val="000000"/>
+                </a:solidFill>
+                <a:miter lim="800000"/>
+                <a:headEnd/>
+                <a:tailEnd/>
+              </a14:hiddenLine>
+            </a:ext>
+          </a:extLst>
+        </p:spPr>
+      </p:pic>
+      <p:pic>
+        <p:nvPicPr>
+          <p:cNvPr id="1027" name="C1E29E4C-1F3B-47B1-972B-2B7120147472" descr="FD91B74B-F96D-4EAD-BB2E-6CCF265D6248@hsd1"/>
+          <p:cNvPicPr>
+            <a:picLocks noChangeAspect="1" noChangeArrowheads="1"/>
+          </p:cNvPicPr>
+          <p:nvPr/>
+        </p:nvPicPr>
+        <p:blipFill>
+          <a:blip r:embed="rId4">
+            <a:extLst>
+              <a:ext uri="{28A0092B-C50C-407E-A947-70E740481C1C}">
+                <a14:useLocalDpi xmlns:a14="http://schemas.microsoft.com/office/drawing/2010/main" val="0"/>
+              </a:ext>
+            </a:extLst>
+          </a:blip>
+          <a:srcRect/>
+          <a:stretch>
+            <a:fillRect/>
+          </a:stretch>
+        </p:blipFill>
+        <p:spPr bwMode="auto">
+          <a:xfrm>
+            <a:off x="-634278" y="4904077"/>
+            <a:ext cx="3343275" cy="2257425"/>
+          </a:xfrm>
+          <a:prstGeom prst="rect">
+            <a:avLst/>
+          </a:prstGeom>
+          <a:noFill/>
+          <a:ln>
+            <a:noFill/>
+          </a:ln>
+          <a:extLst>
+            <a:ext uri="{909E8E84-426E-40DD-AFC4-6F175D3DCCD1}">
+              <a14:hiddenFill xmlns:a14="http://schemas.microsoft.com/office/drawing/2010/main">
+                <a:solidFill>
+                  <a:srgbClr val="FFFFFF"/>
+                </a:solidFill>
+              </a14:hiddenFill>
+            </a:ext>
+            <a:ext uri="{91240B29-F687-4F45-9708-019B960494DF}">
+              <a14:hiddenLine xmlns:a14="http://schemas.microsoft.com/office/drawing/2010/main" w="9525">
+                <a:solidFill>
+                  <a:srgbClr val="000000"/>
+                </a:solidFill>
+                <a:miter lim="800000"/>
+                <a:headEnd/>
+                <a:tailEnd/>
+              </a14:hiddenLine>
+            </a:ext>
+          </a:extLst>
+        </p:spPr>
+      </p:pic>
+    </p:spTree>
+    <p:extLst>
+      <p:ext uri="{BB962C8B-B14F-4D97-AF65-F5344CB8AC3E}">
+        <p14:creationId xmlns:p14="http://schemas.microsoft.com/office/powerpoint/2010/main" val="2139133909"/>
+      </p:ext>
+    </p:extLst>
+  </p:cSld>
+  <p:clrMapOvr>
+    <a:masterClrMapping/>
+  </p:clrMapOvr>
+  <mc:AlternateContent xmlns:mc="http://schemas.openxmlformats.org/markup-compatibility/2006" xmlns:p159="http://schemas.microsoft.com/office/powerpoint/2015/09/main">
+    <mc:Choice Requires="p159">
+      <p:transition xmlns:p14="http://schemas.microsoft.com/office/powerpoint/2010/main" spd="slow" p14:dur="2000" advClick="0" advTm="10000">
+        <p159:morph option="byObject"/>
+      </p:transition>
+    </mc:Choice>
+    <mc:Fallback xmlns="">
+      <p:transition spd="slow" advClick="0" advTm="10000">
+        <p:fade/>
+      </p:transition>
+    </mc:Fallback>
+  </mc:AlternateContent>
+</p:sld>
+</file>
+
+<file path=ppt/slides/slide13.xml><?xml version="1.0" encoding="utf-8"?>
+<p:sld xmlns:a="http://schemas.openxmlformats.org/drawingml/2006/main" xmlns:r="http://schemas.openxmlformats.org/officeDocument/2006/relationships" xmlns:p="http://schemas.openxmlformats.org/presentationml/2006/main">
+  <p:cSld>
+    <p:bg>
+      <p:bgPr>
+        <a:solidFill>
+          <a:srgbClr val="505050"/>
+        </a:solidFill>
+        <a:effectLst/>
+      </p:bgPr>
+    </p:bg>
+    <p:spTree>
+      <p:nvGrpSpPr>
+        <p:cNvPr id="1" name=""/>
+        <p:cNvGrpSpPr/>
+        <p:nvPr/>
+      </p:nvGrpSpPr>
+      <p:grpSpPr>
+        <a:xfrm>
+          <a:off x="0" y="0"/>
+          <a:ext cx="0" cy="0"/>
+          <a:chOff x="0" y="0"/>
+          <a:chExt cx="0" cy="0"/>
+        </a:xfrm>
+      </p:grpSpPr>
       <p:pic>
         <p:nvPicPr>
           <p:cNvPr id="17" name="Picture 16"/>
@@ -14525,13 +15710,13 @@
           <a:p>
             <a:r>
               <a:rPr lang="en-US" dirty="0"/>
-              <a:t>Simplification</a:t>
+              <a:t>Publish size reduction</a:t>
             </a:r>
           </a:p>
           <a:p>
             <a:r>
               <a:rPr lang="en-US" dirty="0"/>
-              <a:t>Publish size reduction</a:t>
+              <a:t>View compilation changes</a:t>
             </a:r>
           </a:p>
           <a:p>
@@ -14550,6 +15735,12 @@
           <a:p>
             <a:r>
               <a:rPr lang="en-US" dirty="0"/>
+              <a:t>Configuration simplification</a:t>
+            </a:r>
+          </a:p>
+          <a:p>
+            <a:r>
+              <a:rPr lang="en-US" dirty="0"/>
               <a:t>Project templates</a:t>
             </a:r>
           </a:p>
@@ -14557,12 +15748,6 @@
             <a:r>
               <a:rPr lang="en-US" dirty="0"/>
               <a:t>Razor Pages</a:t>
-            </a:r>
-          </a:p>
-          <a:p>
-            <a:r>
-              <a:rPr lang="en-US" dirty="0"/>
-              <a:t>Tag Helper Components</a:t>
             </a:r>
           </a:p>
         </p:txBody>
@@ -17826,7 +19011,11 @@
           <a:lstStyle/>
           <a:p>
             <a:r>
-              <a:rPr lang="en-US" dirty="0"/>
+              <a:rPr lang="en-US" dirty="0">
+                <a:solidFill>
+                  <a:srgbClr val="A0C4E5"/>
+                </a:solidFill>
+              </a:rPr>
               <a:t>DEMO</a:t>
             </a:r>
           </a:p>
@@ -17900,7 +19089,13 @@
       </p:grpSpPr>
       <p:sp>
         <p:nvSpPr>
-          <p:cNvPr id="2" name="Title 1"/>
+          <p:cNvPr id="4" name="Title 3">
+            <a:extLst>
+              <a:ext uri="{FF2B5EF4-FFF2-40B4-BE49-F238E27FC236}">
+                <a16:creationId xmlns:a16="http://schemas.microsoft.com/office/drawing/2014/main" id="{B71A2930-A580-46D5-894C-BB25FA5F1D99}"/>
+              </a:ext>
+            </a:extLst>
+          </p:cNvPr>
           <p:cNvSpPr>
             <a:spLocks noGrp="1"/>
           </p:cNvSpPr>
@@ -17915,190 +19110,834 @@
           <a:p>
             <a:r>
               <a:rPr lang="en-US" dirty="0"/>
-              <a:t>Supplementary Resources</a:t>
+              <a:t>1.x configuration recap</a:t>
             </a:r>
           </a:p>
         </p:txBody>
       </p:sp>
       <p:sp>
         <p:nvSpPr>
-          <p:cNvPr id="11" name="Content Placeholder 10"/>
+          <p:cNvPr id="5" name="Content Placeholder 4">
+            <a:extLst>
+              <a:ext uri="{FF2B5EF4-FFF2-40B4-BE49-F238E27FC236}">
+                <a16:creationId xmlns:a16="http://schemas.microsoft.com/office/drawing/2014/main" id="{9CFBC72C-AB15-47AB-8916-57F86A1148D5}"/>
+              </a:ext>
+            </a:extLst>
+          </p:cNvPr>
           <p:cNvSpPr>
             <a:spLocks noGrp="1"/>
           </p:cNvSpPr>
           <p:nvPr>
-            <p:ph sz="half" idx="2"/>
+            <p:ph idx="1"/>
           </p:nvPr>
         </p:nvSpPr>
-        <p:spPr>
-          <a:xfrm>
-            <a:off x="838200" y="1825625"/>
-            <a:ext cx="10515600" cy="4351338"/>
-          </a:xfrm>
-        </p:spPr>
+        <p:spPr/>
         <p:txBody>
-          <a:bodyPr>
-            <a:normAutofit/>
-          </a:bodyPr>
+          <a:bodyPr/>
           <a:lstStyle/>
-          <a:p>
-            <a:pPr marL="0" indent="0">
-              <a:buNone/>
-            </a:pPr>
-            <a:endParaRPr lang="en-US" sz="2400" i="1" dirty="0"/>
-          </a:p>
-          <a:p>
-            <a:pPr marL="0" indent="0">
-              <a:buNone/>
-            </a:pPr>
-            <a:r>
-              <a:rPr lang="en-US" sz="2400" dirty="0"/>
-              <a:t>Starting point:</a:t>
-            </a:r>
-          </a:p>
-          <a:p>
-            <a:pPr marL="0" indent="0">
-              <a:buNone/>
-            </a:pPr>
-            <a:r>
-              <a:rPr lang="en-US" sz="2400" dirty="0">
-                <a:hlinkClick r:id="rId3"/>
-              </a:rPr>
-              <a:t>http://bit.ly/2xVMWUG</a:t>
-            </a:r>
-            <a:endParaRPr lang="en-US" sz="2400" dirty="0"/>
-          </a:p>
           <a:p>
             <a:pPr marL="0" indent="0">
               <a:buNone/>
             </a:pPr>
             <a:endParaRPr lang="en-US" dirty="0"/>
           </a:p>
-          <a:p>
-            <a:pPr marL="0" indent="0">
-              <a:buNone/>
-            </a:pPr>
-            <a:endParaRPr lang="en-US" dirty="0"/>
-          </a:p>
-          <a:p>
-            <a:pPr marL="0" indent="0">
-              <a:buNone/>
-            </a:pPr>
-            <a:endParaRPr lang="en-US" dirty="0">
-              <a:hlinkClick r:id="rId4"/>
-            </a:endParaRPr>
-          </a:p>
-          <a:p>
-            <a:pPr marL="0" indent="0">
-              <a:buNone/>
-            </a:pPr>
-            <a:r>
-              <a:rPr lang="en-US" sz="2400" dirty="0" err="1"/>
-              <a:t>Auth</a:t>
-            </a:r>
-            <a:r>
-              <a:rPr lang="en-US" sz="2400" dirty="0"/>
-              <a:t> / Identity:</a:t>
-            </a:r>
-          </a:p>
-          <a:p>
-            <a:pPr marL="0" indent="0">
-              <a:buNone/>
-            </a:pPr>
-            <a:r>
-              <a:rPr lang="en-US" sz="2400" dirty="0">
-                <a:hlinkClick r:id="rId4"/>
-              </a:rPr>
-              <a:t>http://bit.ly/2yGO9Nh</a:t>
-            </a:r>
-            <a:endParaRPr lang="en-US" sz="2400" dirty="0"/>
-          </a:p>
-          <a:p>
-            <a:pPr marL="0" indent="0">
-              <a:buNone/>
-            </a:pPr>
-            <a:endParaRPr lang="en-US" dirty="0"/>
-          </a:p>
         </p:txBody>
       </p:sp>
-      <p:pic>
-        <p:nvPicPr>
-          <p:cNvPr id="3" name="Picture 2">
+      <p:graphicFrame>
+        <p:nvGraphicFramePr>
+          <p:cNvPr id="7" name="Table 6">
             <a:extLst>
               <a:ext uri="{FF2B5EF4-FFF2-40B4-BE49-F238E27FC236}">
-                <a16:creationId xmlns:a16="http://schemas.microsoft.com/office/drawing/2014/main" id="{A8E57FC4-1797-49D0-B4D8-9F30FD55FD5C}"/>
+                <a16:creationId xmlns:a16="http://schemas.microsoft.com/office/drawing/2014/main" id="{EA076EF3-C1CD-4316-8EDE-08E7D16599DF}"/>
               </a:ext>
             </a:extLst>
           </p:cNvPr>
-          <p:cNvPicPr>
-            <a:picLocks noChangeAspect="1"/>
-          </p:cNvPicPr>
+          <p:cNvGraphicFramePr>
+            <a:graphicFrameLocks noGrp="1"/>
+          </p:cNvGraphicFramePr>
+          <p:nvPr>
+            <p:extLst>
+              <p:ext uri="{D42A27DB-BD31-4B8C-83A1-F6EECF244321}">
+                <p14:modId xmlns:p14="http://schemas.microsoft.com/office/powerpoint/2010/main" val="2828719527"/>
+              </p:ext>
+            </p:extLst>
+          </p:nvPr>
+        </p:nvGraphicFramePr>
+        <p:xfrm>
+          <a:off x="838200" y="2277318"/>
+          <a:ext cx="10515600" cy="3657600"/>
+        </p:xfrm>
+        <a:graphic>
+          <a:graphicData uri="http://schemas.openxmlformats.org/drawingml/2006/table">
+            <a:tbl>
+              <a:tblPr firstRow="1" bandRow="1">
+                <a:tableStyleId>{5C22544A-7EE6-4342-B048-85BDC9FD1C3A}</a:tableStyleId>
+              </a:tblPr>
+              <a:tblGrid>
+                <a:gridCol w="10515600">
+                  <a:extLst>
+                    <a:ext uri="{9D8B030D-6E8A-4147-A177-3AD203B41FA5}">
+                      <a16:colId xmlns:a16="http://schemas.microsoft.com/office/drawing/2014/main" val="1057070397"/>
+                    </a:ext>
+                  </a:extLst>
+                </a:gridCol>
+              </a:tblGrid>
+              <a:tr h="584446">
+                <a:tc>
+                  <a:txBody>
+                    <a:bodyPr/>
+                    <a:lstStyle/>
+                    <a:p>
+                      <a:r>
+                        <a:rPr lang="en-US" sz="1800" dirty="0">
+                          <a:solidFill>
+                            <a:srgbClr val="0000FF"/>
+                          </a:solidFill>
+                          <a:latin typeface="Consolas" panose="020B0609020204030204" pitchFamily="49" charset="0"/>
+                        </a:rPr>
+                        <a:t>public</a:t>
+                      </a:r>
+                      <a:r>
+                        <a:rPr lang="en-US" sz="1800" dirty="0">
+                          <a:solidFill>
+                            <a:srgbClr val="000000"/>
+                          </a:solidFill>
+                          <a:latin typeface="Consolas" panose="020B0609020204030204" pitchFamily="49" charset="0"/>
+                        </a:rPr>
+                        <a:t> Startup(</a:t>
+                      </a:r>
+                      <a:r>
+                        <a:rPr lang="en-US" sz="1800" dirty="0" err="1">
+                          <a:solidFill>
+                            <a:srgbClr val="2B91AF"/>
+                          </a:solidFill>
+                          <a:latin typeface="Consolas" panose="020B0609020204030204" pitchFamily="49" charset="0"/>
+                        </a:rPr>
+                        <a:t>IHostingEnvironment</a:t>
+                      </a:r>
+                      <a:r>
+                        <a:rPr lang="en-US" sz="1800" dirty="0">
+                          <a:solidFill>
+                            <a:srgbClr val="000000"/>
+                          </a:solidFill>
+                          <a:latin typeface="Consolas" panose="020B0609020204030204" pitchFamily="49" charset="0"/>
+                        </a:rPr>
+                        <a:t> </a:t>
+                      </a:r>
+                      <a:r>
+                        <a:rPr lang="en-US" sz="1800" dirty="0" err="1">
+                          <a:solidFill>
+                            <a:srgbClr val="000000"/>
+                          </a:solidFill>
+                          <a:latin typeface="Consolas" panose="020B0609020204030204" pitchFamily="49" charset="0"/>
+                        </a:rPr>
+                        <a:t>env</a:t>
+                      </a:r>
+                      <a:r>
+                        <a:rPr lang="en-US" sz="1800" dirty="0">
+                          <a:solidFill>
+                            <a:srgbClr val="000000"/>
+                          </a:solidFill>
+                          <a:latin typeface="Consolas" panose="020B0609020204030204" pitchFamily="49" charset="0"/>
+                        </a:rPr>
+                        <a:t>) {</a:t>
+                      </a:r>
+                    </a:p>
+                    <a:p>
+                      <a:r>
+                        <a:rPr lang="en-US" sz="1800" dirty="0">
+                          <a:solidFill>
+                            <a:srgbClr val="000000"/>
+                          </a:solidFill>
+                          <a:latin typeface="Consolas" panose="020B0609020204030204" pitchFamily="49" charset="0"/>
+                        </a:rPr>
+                        <a:t>    </a:t>
+                      </a:r>
+                      <a:r>
+                        <a:rPr lang="en-US" sz="1800" dirty="0" err="1">
+                          <a:solidFill>
+                            <a:srgbClr val="0000FF"/>
+                          </a:solidFill>
+                          <a:latin typeface="Consolas" panose="020B0609020204030204" pitchFamily="49" charset="0"/>
+                        </a:rPr>
+                        <a:t>var</a:t>
+                      </a:r>
+                      <a:r>
+                        <a:rPr lang="en-US" sz="1800" dirty="0">
+                          <a:solidFill>
+                            <a:srgbClr val="000000"/>
+                          </a:solidFill>
+                          <a:latin typeface="Consolas" panose="020B0609020204030204" pitchFamily="49" charset="0"/>
+                        </a:rPr>
+                        <a:t> builder = </a:t>
+                      </a:r>
+                      <a:r>
+                        <a:rPr lang="en-US" sz="1800" dirty="0">
+                          <a:solidFill>
+                            <a:srgbClr val="0000FF"/>
+                          </a:solidFill>
+                          <a:latin typeface="Consolas" panose="020B0609020204030204" pitchFamily="49" charset="0"/>
+                        </a:rPr>
+                        <a:t>new</a:t>
+                      </a:r>
+                      <a:r>
+                        <a:rPr lang="en-US" sz="1800" dirty="0">
+                          <a:solidFill>
+                            <a:srgbClr val="000000"/>
+                          </a:solidFill>
+                          <a:latin typeface="Consolas" panose="020B0609020204030204" pitchFamily="49" charset="0"/>
+                        </a:rPr>
+                        <a:t> </a:t>
+                      </a:r>
+                      <a:r>
+                        <a:rPr lang="en-US" sz="1800" dirty="0" err="1">
+                          <a:solidFill>
+                            <a:srgbClr val="2B91AF"/>
+                          </a:solidFill>
+                          <a:latin typeface="Consolas" panose="020B0609020204030204" pitchFamily="49" charset="0"/>
+                        </a:rPr>
+                        <a:t>ConfigurationBuilder</a:t>
+                      </a:r>
+                      <a:r>
+                        <a:rPr lang="en-US" sz="1800" dirty="0">
+                          <a:solidFill>
+                            <a:srgbClr val="000000"/>
+                          </a:solidFill>
+                          <a:latin typeface="Consolas" panose="020B0609020204030204" pitchFamily="49" charset="0"/>
+                        </a:rPr>
+                        <a:t>()</a:t>
+                      </a:r>
+                    </a:p>
+                    <a:p>
+                      <a:r>
+                        <a:rPr lang="en-US" sz="1800" dirty="0">
+                          <a:solidFill>
+                            <a:srgbClr val="000000"/>
+                          </a:solidFill>
+                          <a:latin typeface="Consolas" panose="020B0609020204030204" pitchFamily="49" charset="0"/>
+                        </a:rPr>
+                        <a:t>         .</a:t>
+                      </a:r>
+                      <a:r>
+                        <a:rPr lang="en-US" sz="1800" dirty="0" err="1">
+                          <a:solidFill>
+                            <a:srgbClr val="000000"/>
+                          </a:solidFill>
+                          <a:latin typeface="Consolas" panose="020B0609020204030204" pitchFamily="49" charset="0"/>
+                        </a:rPr>
+                        <a:t>SetBasePath</a:t>
+                      </a:r>
+                      <a:r>
+                        <a:rPr lang="en-US" sz="1800" dirty="0">
+                          <a:solidFill>
+                            <a:srgbClr val="000000"/>
+                          </a:solidFill>
+                          <a:latin typeface="Consolas" panose="020B0609020204030204" pitchFamily="49" charset="0"/>
+                        </a:rPr>
+                        <a:t>(</a:t>
+                      </a:r>
+                      <a:r>
+                        <a:rPr lang="en-US" sz="1800" dirty="0" err="1">
+                          <a:solidFill>
+                            <a:srgbClr val="000000"/>
+                          </a:solidFill>
+                          <a:latin typeface="Consolas" panose="020B0609020204030204" pitchFamily="49" charset="0"/>
+                        </a:rPr>
+                        <a:t>env.ContentRootPath</a:t>
+                      </a:r>
+                      <a:r>
+                        <a:rPr lang="en-US" sz="1800" dirty="0">
+                          <a:solidFill>
+                            <a:srgbClr val="000000"/>
+                          </a:solidFill>
+                          <a:latin typeface="Consolas" panose="020B0609020204030204" pitchFamily="49" charset="0"/>
+                        </a:rPr>
+                        <a:t>)</a:t>
+                      </a:r>
+                    </a:p>
+                    <a:p>
+                      <a:r>
+                        <a:rPr lang="en-US" sz="1800" dirty="0">
+                          <a:solidFill>
+                            <a:srgbClr val="000000"/>
+                          </a:solidFill>
+                          <a:latin typeface="Consolas" panose="020B0609020204030204" pitchFamily="49" charset="0"/>
+                        </a:rPr>
+                        <a:t>         .</a:t>
+                      </a:r>
+                      <a:r>
+                        <a:rPr lang="en-US" sz="1800" dirty="0" err="1">
+                          <a:solidFill>
+                            <a:srgbClr val="000000"/>
+                          </a:solidFill>
+                          <a:latin typeface="Consolas" panose="020B0609020204030204" pitchFamily="49" charset="0"/>
+                        </a:rPr>
+                        <a:t>AddJsonFile</a:t>
+                      </a:r>
+                      <a:r>
+                        <a:rPr lang="en-US" sz="1800" dirty="0">
+                          <a:solidFill>
+                            <a:srgbClr val="000000"/>
+                          </a:solidFill>
+                          <a:latin typeface="Consolas" panose="020B0609020204030204" pitchFamily="49" charset="0"/>
+                        </a:rPr>
+                        <a:t>(</a:t>
+                      </a:r>
+                      <a:r>
+                        <a:rPr lang="en-US" sz="1800" dirty="0">
+                          <a:solidFill>
+                            <a:srgbClr val="A31515"/>
+                          </a:solidFill>
+                          <a:latin typeface="Consolas" panose="020B0609020204030204" pitchFamily="49" charset="0"/>
+                        </a:rPr>
+                        <a:t>"</a:t>
+                      </a:r>
+                      <a:r>
+                        <a:rPr lang="en-US" sz="1800" dirty="0" err="1">
+                          <a:solidFill>
+                            <a:srgbClr val="A31515"/>
+                          </a:solidFill>
+                          <a:latin typeface="Consolas" panose="020B0609020204030204" pitchFamily="49" charset="0"/>
+                        </a:rPr>
+                        <a:t>appsettings.json</a:t>
+                      </a:r>
+                      <a:r>
+                        <a:rPr lang="en-US" sz="1800" dirty="0">
+                          <a:solidFill>
+                            <a:srgbClr val="A31515"/>
+                          </a:solidFill>
+                          <a:latin typeface="Consolas" panose="020B0609020204030204" pitchFamily="49" charset="0"/>
+                        </a:rPr>
+                        <a:t>"</a:t>
+                      </a:r>
+                      <a:r>
+                        <a:rPr lang="en-US" sz="1800" dirty="0">
+                          <a:solidFill>
+                            <a:srgbClr val="000000"/>
+                          </a:solidFill>
+                          <a:latin typeface="Consolas" panose="020B0609020204030204" pitchFamily="49" charset="0"/>
+                        </a:rPr>
+                        <a:t>, optional: </a:t>
+                      </a:r>
+                      <a:r>
+                        <a:rPr lang="en-US" sz="1800" dirty="0">
+                          <a:solidFill>
+                            <a:srgbClr val="0000FF"/>
+                          </a:solidFill>
+                          <a:latin typeface="Consolas" panose="020B0609020204030204" pitchFamily="49" charset="0"/>
+                        </a:rPr>
+                        <a:t>false</a:t>
+                      </a:r>
+                      <a:r>
+                        <a:rPr lang="en-US" sz="1800" dirty="0">
+                          <a:solidFill>
+                            <a:srgbClr val="000000"/>
+                          </a:solidFill>
+                          <a:latin typeface="Consolas" panose="020B0609020204030204" pitchFamily="49" charset="0"/>
+                        </a:rPr>
+                        <a:t>, </a:t>
+                      </a:r>
+                      <a:r>
+                        <a:rPr lang="en-US" sz="1800" dirty="0" err="1">
+                          <a:solidFill>
+                            <a:srgbClr val="000000"/>
+                          </a:solidFill>
+                          <a:latin typeface="Consolas" panose="020B0609020204030204" pitchFamily="49" charset="0"/>
+                        </a:rPr>
+                        <a:t>reloadOnChange</a:t>
+                      </a:r>
+                      <a:r>
+                        <a:rPr lang="en-US" sz="1800" dirty="0">
+                          <a:solidFill>
+                            <a:srgbClr val="000000"/>
+                          </a:solidFill>
+                          <a:latin typeface="Consolas" panose="020B0609020204030204" pitchFamily="49" charset="0"/>
+                        </a:rPr>
+                        <a:t>: </a:t>
+                      </a:r>
+                      <a:r>
+                        <a:rPr lang="en-US" sz="1800" dirty="0">
+                          <a:solidFill>
+                            <a:srgbClr val="0000FF"/>
+                          </a:solidFill>
+                          <a:latin typeface="Consolas" panose="020B0609020204030204" pitchFamily="49" charset="0"/>
+                        </a:rPr>
+                        <a:t>true</a:t>
+                      </a:r>
+                      <a:r>
+                        <a:rPr lang="en-US" sz="1800" dirty="0">
+                          <a:solidFill>
+                            <a:srgbClr val="000000"/>
+                          </a:solidFill>
+                          <a:latin typeface="Consolas" panose="020B0609020204030204" pitchFamily="49" charset="0"/>
+                        </a:rPr>
+                        <a:t>)</a:t>
+                      </a:r>
+                    </a:p>
+                    <a:p>
+                      <a:r>
+                        <a:rPr lang="en-US" sz="1800" dirty="0">
+                          <a:solidFill>
+                            <a:srgbClr val="000000"/>
+                          </a:solidFill>
+                          <a:latin typeface="Consolas" panose="020B0609020204030204" pitchFamily="49" charset="0"/>
+                        </a:rPr>
+                        <a:t>         .</a:t>
+                      </a:r>
+                      <a:r>
+                        <a:rPr lang="en-US" sz="1800" dirty="0" err="1">
+                          <a:solidFill>
+                            <a:srgbClr val="000000"/>
+                          </a:solidFill>
+                          <a:latin typeface="Consolas" panose="020B0609020204030204" pitchFamily="49" charset="0"/>
+                        </a:rPr>
+                        <a:t>AddJsonFile</a:t>
+                      </a:r>
+                      <a:r>
+                        <a:rPr lang="en-US" sz="1800" dirty="0">
+                          <a:solidFill>
+                            <a:srgbClr val="000000"/>
+                          </a:solidFill>
+                          <a:latin typeface="Consolas" panose="020B0609020204030204" pitchFamily="49" charset="0"/>
+                        </a:rPr>
+                        <a:t>(</a:t>
+                      </a:r>
+                      <a:r>
+                        <a:rPr lang="en-US" sz="1800" dirty="0">
+                          <a:solidFill>
+                            <a:srgbClr val="A31515"/>
+                          </a:solidFill>
+                          <a:latin typeface="Consolas" panose="020B0609020204030204" pitchFamily="49" charset="0"/>
+                        </a:rPr>
+                        <a:t>$"</a:t>
+                      </a:r>
+                      <a:r>
+                        <a:rPr lang="en-US" sz="1800" dirty="0" err="1">
+                          <a:solidFill>
+                            <a:srgbClr val="A31515"/>
+                          </a:solidFill>
+                          <a:latin typeface="Consolas" panose="020B0609020204030204" pitchFamily="49" charset="0"/>
+                        </a:rPr>
+                        <a:t>appsettings</a:t>
+                      </a:r>
+                      <a:r>
+                        <a:rPr lang="en-US" sz="1800" dirty="0">
+                          <a:solidFill>
+                            <a:srgbClr val="A31515"/>
+                          </a:solidFill>
+                          <a:latin typeface="Consolas" panose="020B0609020204030204" pitchFamily="49" charset="0"/>
+                        </a:rPr>
+                        <a:t>.</a:t>
+                      </a:r>
+                      <a:r>
+                        <a:rPr lang="en-US" sz="1800" dirty="0">
+                          <a:solidFill>
+                            <a:srgbClr val="000000"/>
+                          </a:solidFill>
+                          <a:latin typeface="Consolas" panose="020B0609020204030204" pitchFamily="49" charset="0"/>
+                        </a:rPr>
+                        <a:t>{</a:t>
+                      </a:r>
+                      <a:r>
+                        <a:rPr lang="en-US" sz="1800" dirty="0" err="1">
+                          <a:solidFill>
+                            <a:srgbClr val="000000"/>
+                          </a:solidFill>
+                          <a:latin typeface="Consolas" panose="020B0609020204030204" pitchFamily="49" charset="0"/>
+                        </a:rPr>
+                        <a:t>env.EnvironmentName</a:t>
+                      </a:r>
+                      <a:r>
+                        <a:rPr lang="en-US" sz="1800" dirty="0">
+                          <a:solidFill>
+                            <a:srgbClr val="000000"/>
+                          </a:solidFill>
+                          <a:latin typeface="Consolas" panose="020B0609020204030204" pitchFamily="49" charset="0"/>
+                        </a:rPr>
+                        <a:t>}</a:t>
+                      </a:r>
+                      <a:r>
+                        <a:rPr lang="en-US" sz="1800" dirty="0">
+                          <a:solidFill>
+                            <a:srgbClr val="A31515"/>
+                          </a:solidFill>
+                          <a:latin typeface="Consolas" panose="020B0609020204030204" pitchFamily="49" charset="0"/>
+                        </a:rPr>
+                        <a:t>.</a:t>
+                      </a:r>
+                      <a:r>
+                        <a:rPr lang="en-US" sz="1800" dirty="0" err="1">
+                          <a:solidFill>
+                            <a:srgbClr val="A31515"/>
+                          </a:solidFill>
+                          <a:latin typeface="Consolas" panose="020B0609020204030204" pitchFamily="49" charset="0"/>
+                        </a:rPr>
+                        <a:t>json</a:t>
+                      </a:r>
+                      <a:r>
+                        <a:rPr lang="en-US" sz="1800" dirty="0">
+                          <a:solidFill>
+                            <a:srgbClr val="A31515"/>
+                          </a:solidFill>
+                          <a:latin typeface="Consolas" panose="020B0609020204030204" pitchFamily="49" charset="0"/>
+                        </a:rPr>
+                        <a:t>"</a:t>
+                      </a:r>
+                      <a:r>
+                        <a:rPr lang="en-US" sz="1800" dirty="0">
+                          <a:solidFill>
+                            <a:srgbClr val="000000"/>
+                          </a:solidFill>
+                          <a:latin typeface="Consolas" panose="020B0609020204030204" pitchFamily="49" charset="0"/>
+                        </a:rPr>
+                        <a:t>, optional: </a:t>
+                      </a:r>
+                      <a:r>
+                        <a:rPr lang="en-US" sz="1800" dirty="0">
+                          <a:solidFill>
+                            <a:srgbClr val="0000FF"/>
+                          </a:solidFill>
+                          <a:latin typeface="Consolas" panose="020B0609020204030204" pitchFamily="49" charset="0"/>
+                        </a:rPr>
+                        <a:t>true</a:t>
+                      </a:r>
+                      <a:r>
+                        <a:rPr lang="en-US" sz="1800" dirty="0">
+                          <a:solidFill>
+                            <a:srgbClr val="000000"/>
+                          </a:solidFill>
+                          <a:latin typeface="Consolas" panose="020B0609020204030204" pitchFamily="49" charset="0"/>
+                        </a:rPr>
+                        <a:t>);</a:t>
+                      </a:r>
+                    </a:p>
+                    <a:p>
+                      <a:endParaRPr lang="en-US" sz="1800" dirty="0">
+                        <a:solidFill>
+                          <a:srgbClr val="000000"/>
+                        </a:solidFill>
+                        <a:latin typeface="Consolas" panose="020B0609020204030204" pitchFamily="49" charset="0"/>
+                      </a:endParaRPr>
+                    </a:p>
+                    <a:p>
+                      <a:r>
+                        <a:rPr lang="en-US" sz="1800" dirty="0">
+                          <a:solidFill>
+                            <a:srgbClr val="0000FF"/>
+                          </a:solidFill>
+                          <a:latin typeface="Consolas" panose="020B0609020204030204" pitchFamily="49" charset="0"/>
+                        </a:rPr>
+                        <a:t>    if</a:t>
+                      </a:r>
+                      <a:r>
+                        <a:rPr lang="en-US" sz="1800" dirty="0">
+                          <a:solidFill>
+                            <a:srgbClr val="000000"/>
+                          </a:solidFill>
+                          <a:latin typeface="Consolas" panose="020B0609020204030204" pitchFamily="49" charset="0"/>
+                        </a:rPr>
+                        <a:t> (</a:t>
+                      </a:r>
+                      <a:r>
+                        <a:rPr lang="en-US" sz="1800" dirty="0" err="1">
+                          <a:solidFill>
+                            <a:srgbClr val="000000"/>
+                          </a:solidFill>
+                          <a:latin typeface="Consolas" panose="020B0609020204030204" pitchFamily="49" charset="0"/>
+                        </a:rPr>
+                        <a:t>env.IsDevelopment</a:t>
+                      </a:r>
+                      <a:r>
+                        <a:rPr lang="en-US" sz="1800" dirty="0">
+                          <a:solidFill>
+                            <a:srgbClr val="000000"/>
+                          </a:solidFill>
+                          <a:latin typeface="Consolas" panose="020B0609020204030204" pitchFamily="49" charset="0"/>
+                        </a:rPr>
+                        <a:t>()) { </a:t>
+                      </a:r>
+                      <a:r>
+                        <a:rPr lang="en-US" sz="1800" dirty="0" err="1">
+                          <a:solidFill>
+                            <a:srgbClr val="000000"/>
+                          </a:solidFill>
+                          <a:latin typeface="Consolas" panose="020B0609020204030204" pitchFamily="49" charset="0"/>
+                        </a:rPr>
+                        <a:t>builder.AddUserSecrets</a:t>
+                      </a:r>
+                      <a:r>
+                        <a:rPr lang="en-US" sz="1800" dirty="0">
+                          <a:solidFill>
+                            <a:srgbClr val="000000"/>
+                          </a:solidFill>
+                          <a:latin typeface="Consolas" panose="020B0609020204030204" pitchFamily="49" charset="0"/>
+                        </a:rPr>
+                        <a:t>&lt;</a:t>
+                      </a:r>
+                      <a:r>
+                        <a:rPr lang="en-US" sz="1800" dirty="0">
+                          <a:solidFill>
+                            <a:srgbClr val="2B91AF"/>
+                          </a:solidFill>
+                          <a:latin typeface="Consolas" panose="020B0609020204030204" pitchFamily="49" charset="0"/>
+                        </a:rPr>
+                        <a:t>Startup</a:t>
+                      </a:r>
+                      <a:r>
+                        <a:rPr lang="en-US" sz="1800" dirty="0">
+                          <a:solidFill>
+                            <a:srgbClr val="000000"/>
+                          </a:solidFill>
+                          <a:latin typeface="Consolas" panose="020B0609020204030204" pitchFamily="49" charset="0"/>
+                        </a:rPr>
+                        <a:t>&gt;(); }</a:t>
+                      </a:r>
+                    </a:p>
+                    <a:p>
+                      <a:endParaRPr lang="en-US" sz="1800" dirty="0">
+                        <a:solidFill>
+                          <a:srgbClr val="000000"/>
+                        </a:solidFill>
+                        <a:latin typeface="Consolas" panose="020B0609020204030204" pitchFamily="49" charset="0"/>
+                      </a:endParaRPr>
+                    </a:p>
+                    <a:p>
+                      <a:r>
+                        <a:rPr lang="en-US" sz="1800" dirty="0">
+                          <a:solidFill>
+                            <a:srgbClr val="000000"/>
+                          </a:solidFill>
+                          <a:latin typeface="Consolas" panose="020B0609020204030204" pitchFamily="49" charset="0"/>
+                        </a:rPr>
+                        <a:t>    </a:t>
+                      </a:r>
+                      <a:r>
+                        <a:rPr lang="en-US" sz="1800" dirty="0" err="1">
+                          <a:solidFill>
+                            <a:srgbClr val="000000"/>
+                          </a:solidFill>
+                          <a:latin typeface="Consolas" panose="020B0609020204030204" pitchFamily="49" charset="0"/>
+                        </a:rPr>
+                        <a:t>builder.AddEnvironmentVariables</a:t>
+                      </a:r>
+                      <a:r>
+                        <a:rPr lang="en-US" sz="1800" dirty="0">
+                          <a:solidFill>
+                            <a:srgbClr val="000000"/>
+                          </a:solidFill>
+                          <a:latin typeface="Consolas" panose="020B0609020204030204" pitchFamily="49" charset="0"/>
+                        </a:rPr>
+                        <a:t>();</a:t>
+                      </a:r>
+                    </a:p>
+                    <a:p>
+                      <a:r>
+                        <a:rPr lang="en-US" sz="1800" dirty="0">
+                          <a:solidFill>
+                            <a:srgbClr val="000000"/>
+                          </a:solidFill>
+                          <a:latin typeface="Consolas" panose="020B0609020204030204" pitchFamily="49" charset="0"/>
+                        </a:rPr>
+                        <a:t>    Configuration = </a:t>
+                      </a:r>
+                      <a:r>
+                        <a:rPr lang="en-US" sz="1800" dirty="0" err="1">
+                          <a:solidFill>
+                            <a:srgbClr val="000000"/>
+                          </a:solidFill>
+                          <a:latin typeface="Consolas" panose="020B0609020204030204" pitchFamily="49" charset="0"/>
+                        </a:rPr>
+                        <a:t>builder.Build</a:t>
+                      </a:r>
+                      <a:r>
+                        <a:rPr lang="en-US" sz="1800" dirty="0">
+                          <a:solidFill>
+                            <a:srgbClr val="000000"/>
+                          </a:solidFill>
+                          <a:latin typeface="Consolas" panose="020B0609020204030204" pitchFamily="49" charset="0"/>
+                        </a:rPr>
+                        <a:t>();</a:t>
+                      </a:r>
+                    </a:p>
+                    <a:p>
+                      <a:r>
+                        <a:rPr lang="en-US" sz="1800" dirty="0">
+                          <a:solidFill>
+                            <a:srgbClr val="000000"/>
+                          </a:solidFill>
+                          <a:latin typeface="Consolas" panose="020B0609020204030204" pitchFamily="49" charset="0"/>
+                        </a:rPr>
+                        <a:t>}</a:t>
+                      </a:r>
+                    </a:p>
+                    <a:p>
+                      <a:endParaRPr lang="en-US" sz="1800" dirty="0">
+                        <a:solidFill>
+                          <a:srgbClr val="000000"/>
+                        </a:solidFill>
+                        <a:latin typeface="Consolas" panose="020B0609020204030204" pitchFamily="49" charset="0"/>
+                      </a:endParaRPr>
+                    </a:p>
+                    <a:p>
+                      <a:r>
+                        <a:rPr lang="en-US" sz="1800" dirty="0">
+                          <a:solidFill>
+                            <a:srgbClr val="0000FF"/>
+                          </a:solidFill>
+                          <a:latin typeface="Consolas" panose="020B0609020204030204" pitchFamily="49" charset="0"/>
+                        </a:rPr>
+                        <a:t>public</a:t>
+                      </a:r>
+                      <a:r>
+                        <a:rPr lang="en-US" sz="1800" dirty="0">
+                          <a:solidFill>
+                            <a:srgbClr val="000000"/>
+                          </a:solidFill>
+                          <a:latin typeface="Consolas" panose="020B0609020204030204" pitchFamily="49" charset="0"/>
+                        </a:rPr>
+                        <a:t> </a:t>
+                      </a:r>
+                      <a:r>
+                        <a:rPr lang="en-US" sz="1800" dirty="0" err="1">
+                          <a:solidFill>
+                            <a:srgbClr val="2B91AF"/>
+                          </a:solidFill>
+                          <a:latin typeface="Consolas" panose="020B0609020204030204" pitchFamily="49" charset="0"/>
+                        </a:rPr>
+                        <a:t>IConfigurationRoot</a:t>
+                      </a:r>
+                      <a:r>
+                        <a:rPr lang="en-US" sz="1800" dirty="0">
+                          <a:solidFill>
+                            <a:srgbClr val="000000"/>
+                          </a:solidFill>
+                          <a:latin typeface="Consolas" panose="020B0609020204030204" pitchFamily="49" charset="0"/>
+                        </a:rPr>
+                        <a:t> Configuration { </a:t>
+                      </a:r>
+                      <a:r>
+                        <a:rPr lang="en-US" sz="1800" dirty="0">
+                          <a:solidFill>
+                            <a:srgbClr val="0000FF"/>
+                          </a:solidFill>
+                          <a:latin typeface="Consolas" panose="020B0609020204030204" pitchFamily="49" charset="0"/>
+                        </a:rPr>
+                        <a:t>get</a:t>
+                      </a:r>
+                      <a:r>
+                        <a:rPr lang="en-US" sz="1800" dirty="0">
+                          <a:solidFill>
+                            <a:srgbClr val="000000"/>
+                          </a:solidFill>
+                          <a:latin typeface="Consolas" panose="020B0609020204030204" pitchFamily="49" charset="0"/>
+                        </a:rPr>
+                        <a:t>; }</a:t>
+                      </a:r>
+                    </a:p>
+                  </a:txBody>
+                  <a:tcPr>
+                    <a:lnL w="12700" cap="flat" cmpd="sng" algn="ctr">
+                      <a:noFill/>
+                      <a:prstDash val="solid"/>
+                      <a:round/>
+                      <a:headEnd type="none" w="med" len="med"/>
+                      <a:tailEnd type="none" w="med" len="med"/>
+                    </a:lnL>
+                    <a:lnR w="12700" cap="flat" cmpd="sng" algn="ctr">
+                      <a:noFill/>
+                      <a:prstDash val="solid"/>
+                      <a:round/>
+                      <a:headEnd type="none" w="med" len="med"/>
+                      <a:tailEnd type="none" w="med" len="med"/>
+                    </a:lnR>
+                    <a:lnT w="12700" cap="flat" cmpd="sng" algn="ctr">
+                      <a:noFill/>
+                      <a:prstDash val="solid"/>
+                      <a:round/>
+                      <a:headEnd type="none" w="med" len="med"/>
+                      <a:tailEnd type="none" w="med" len="med"/>
+                    </a:lnT>
+                    <a:lnB w="12700" cap="flat" cmpd="sng" algn="ctr">
+                      <a:noFill/>
+                      <a:prstDash val="solid"/>
+                      <a:round/>
+                      <a:headEnd type="none" w="med" len="med"/>
+                      <a:tailEnd type="none" w="med" len="med"/>
+                    </a:lnB>
+                    <a:solidFill>
+                      <a:schemeClr val="tx1"/>
+                    </a:solidFill>
+                  </a:tcPr>
+                </a:tc>
+                <a:extLst>
+                  <a:ext uri="{0D108BD9-81ED-4DB2-BD59-A6C34878D82A}">
+                    <a16:rowId xmlns:a16="http://schemas.microsoft.com/office/drawing/2014/main" val="3473222697"/>
+                  </a:ext>
+                </a:extLst>
+              </a:tr>
+            </a:tbl>
+          </a:graphicData>
+        </a:graphic>
+      </p:graphicFrame>
+      <p:sp>
+        <p:nvSpPr>
+          <p:cNvPr id="8" name="Rectangle 7">
+            <a:extLst>
+              <a:ext uri="{FF2B5EF4-FFF2-40B4-BE49-F238E27FC236}">
+                <a16:creationId xmlns:a16="http://schemas.microsoft.com/office/drawing/2014/main" id="{1275D664-BEFF-44C0-AC98-5BAC68120D94}"/>
+              </a:ext>
+            </a:extLst>
+          </p:cNvPr>
+          <p:cNvSpPr/>
           <p:nvPr/>
-        </p:nvPicPr>
-        <p:blipFill>
-          <a:blip r:embed="rId5"/>
-          <a:stretch>
-            <a:fillRect/>
-          </a:stretch>
-        </p:blipFill>
+        </p:nvSpPr>
         <p:spPr>
           <a:xfrm>
-            <a:off x="4513517" y="1690688"/>
-            <a:ext cx="6509765" cy="3487102"/>
+            <a:off x="850988" y="1830749"/>
+            <a:ext cx="2900800" cy="446567"/>
           </a:xfrm>
           <a:prstGeom prst="rect">
             <a:avLst/>
           </a:prstGeom>
-          <a:effectLst>
-            <a:outerShdw blurRad="50800" dist="38100" dir="8100000" algn="tr" rotWithShape="0">
-              <a:prstClr val="black">
-                <a:alpha val="40000"/>
-              </a:prstClr>
-            </a:outerShdw>
-          </a:effectLst>
+          <a:ln w="57150">
+            <a:solidFill>
+              <a:schemeClr val="accent1">
+                <a:lumMod val="50000"/>
+              </a:schemeClr>
+            </a:solidFill>
+          </a:ln>
         </p:spPr>
-      </p:pic>
-      <p:pic>
-        <p:nvPicPr>
-          <p:cNvPr id="4" name="Picture 3">
-            <a:extLst>
-              <a:ext uri="{FF2B5EF4-FFF2-40B4-BE49-F238E27FC236}">
-                <a16:creationId xmlns:a16="http://schemas.microsoft.com/office/drawing/2014/main" id="{28BC22F4-E743-43D0-9896-F196EF6BEDA1}"/>
-              </a:ext>
-            </a:extLst>
-          </p:cNvPr>
-          <p:cNvPicPr>
-            <a:picLocks noChangeAspect="1"/>
-          </p:cNvPicPr>
-          <p:nvPr/>
-        </p:nvPicPr>
-        <p:blipFill>
-          <a:blip r:embed="rId6"/>
-          <a:stretch>
-            <a:fillRect/>
-          </a:stretch>
-        </p:blipFill>
-        <p:spPr>
-          <a:xfrm>
-            <a:off x="4931843" y="3101339"/>
-            <a:ext cx="6502919" cy="3324225"/>
-          </a:xfrm>
-          <a:prstGeom prst="rect">
-            <a:avLst/>
-          </a:prstGeom>
-          <a:effectLst>
-            <a:outerShdw blurRad="63500" sx="102000" sy="102000" algn="ctr" rotWithShape="0">
-              <a:prstClr val="black">
-                <a:alpha val="40000"/>
-              </a:prstClr>
-            </a:outerShdw>
-          </a:effectLst>
-        </p:spPr>
-      </p:pic>
+        <p:style>
+          <a:lnRef idx="1">
+            <a:schemeClr val="accent1"/>
+          </a:lnRef>
+          <a:fillRef idx="2">
+            <a:schemeClr val="accent1"/>
+          </a:fillRef>
+          <a:effectRef idx="1">
+            <a:schemeClr val="accent1"/>
+          </a:effectRef>
+          <a:fontRef idx="minor">
+            <a:schemeClr val="dk1"/>
+          </a:fontRef>
+        </p:style>
+        <p:txBody>
+          <a:bodyPr rtlCol="0" anchor="ctr"/>
+          <a:lstStyle/>
+          <a:p>
+            <a:pPr algn="ctr"/>
+            <a:r>
+              <a:rPr lang="en-US" b="1" dirty="0" err="1"/>
+              <a:t>Startup.cs</a:t>
+            </a:r>
+            <a:endParaRPr lang="en-US" b="1" dirty="0"/>
+          </a:p>
+        </p:txBody>
+      </p:sp>
     </p:spTree>
     <p:extLst>
       <p:ext uri="{BB962C8B-B14F-4D97-AF65-F5344CB8AC3E}">
-        <p14:creationId xmlns:p14="http://schemas.microsoft.com/office/powerpoint/2010/main" val="3419977009"/>
+        <p14:creationId xmlns:p14="http://schemas.microsoft.com/office/powerpoint/2010/main" val="1613751810"/>
       </p:ext>
     </p:extLst>
   </p:cSld>
@@ -18139,11 +19978,7 @@
                                           </p:stCondLst>
                                         </p:cTn>
                                         <p:tgtEl>
-                                          <p:spTgt spid="11">
-                                            <p:txEl>
-                                              <p:pRg st="1" end="1"/>
-                                            </p:txEl>
-                                          </p:spTgt>
+                                          <p:spTgt spid="7"/>
                                         </p:tgtEl>
                                         <p:attrNameLst>
                                           <p:attrName>style.visibility</p:attrName>
@@ -18157,7 +19992,7 @@
                                 </p:cTn>
                               </p:par>
                               <p:par>
-                                <p:cTn id="7" presetID="1" presetClass="entr" presetSubtype="0" fill="hold" nodeType="withEffect">
+                                <p:cTn id="7" presetID="1" presetClass="entr" presetSubtype="0" fill="hold" grpId="0" nodeType="withEffect">
                                   <p:stCondLst>
                                     <p:cond delay="0"/>
                                   </p:stCondLst>
@@ -18170,181 +20005,7 @@
                                           </p:stCondLst>
                                         </p:cTn>
                                         <p:tgtEl>
-                                          <p:spTgt spid="11">
-                                            <p:txEl>
-                                              <p:pRg st="2" end="2"/>
-                                            </p:txEl>
-                                          </p:spTgt>
-                                        </p:tgtEl>
-                                        <p:attrNameLst>
-                                          <p:attrName>style.visibility</p:attrName>
-                                        </p:attrNameLst>
-                                      </p:cBhvr>
-                                      <p:to>
-                                        <p:strVal val="visible"/>
-                                      </p:to>
-                                    </p:set>
-                                  </p:childTnLst>
-                                </p:cTn>
-                              </p:par>
-                            </p:childTnLst>
-                          </p:cTn>
-                        </p:par>
-                      </p:childTnLst>
-                    </p:cTn>
-                  </p:par>
-                  <p:par>
-                    <p:cTn id="9" fill="hold">
-                      <p:stCondLst>
-                        <p:cond delay="indefinite"/>
-                      </p:stCondLst>
-                      <p:childTnLst>
-                        <p:par>
-                          <p:cTn id="10" fill="hold">
-                            <p:stCondLst>
-                              <p:cond delay="0"/>
-                            </p:stCondLst>
-                            <p:childTnLst>
-                              <p:par>
-                                <p:cTn id="11" presetID="1" presetClass="entr" presetSubtype="0" fill="hold" nodeType="clickEffect">
-                                  <p:stCondLst>
-                                    <p:cond delay="0"/>
-                                  </p:stCondLst>
-                                  <p:childTnLst>
-                                    <p:set>
-                                      <p:cBhvr>
-                                        <p:cTn id="12" dur="1" fill="hold">
-                                          <p:stCondLst>
-                                            <p:cond delay="0"/>
-                                          </p:stCondLst>
-                                        </p:cTn>
-                                        <p:tgtEl>
-                                          <p:spTgt spid="3"/>
-                                        </p:tgtEl>
-                                        <p:attrNameLst>
-                                          <p:attrName>style.visibility</p:attrName>
-                                        </p:attrNameLst>
-                                      </p:cBhvr>
-                                      <p:to>
-                                        <p:strVal val="visible"/>
-                                      </p:to>
-                                    </p:set>
-                                  </p:childTnLst>
-                                </p:cTn>
-                              </p:par>
-                            </p:childTnLst>
-                          </p:cTn>
-                        </p:par>
-                      </p:childTnLst>
-                    </p:cTn>
-                  </p:par>
-                  <p:par>
-                    <p:cTn id="13" fill="hold">
-                      <p:stCondLst>
-                        <p:cond delay="indefinite"/>
-                      </p:stCondLst>
-                      <p:childTnLst>
-                        <p:par>
-                          <p:cTn id="14" fill="hold">
-                            <p:stCondLst>
-                              <p:cond delay="0"/>
-                            </p:stCondLst>
-                            <p:childTnLst>
-                              <p:par>
-                                <p:cTn id="15" presetID="1" presetClass="entr" presetSubtype="0" fill="hold" nodeType="clickEffect">
-                                  <p:stCondLst>
-                                    <p:cond delay="0"/>
-                                  </p:stCondLst>
-                                  <p:childTnLst>
-                                    <p:set>
-                                      <p:cBhvr>
-                                        <p:cTn id="16" dur="1" fill="hold">
-                                          <p:stCondLst>
-                                            <p:cond delay="0"/>
-                                          </p:stCondLst>
-                                        </p:cTn>
-                                        <p:tgtEl>
-                                          <p:spTgt spid="11">
-                                            <p:txEl>
-                                              <p:pRg st="6" end="6"/>
-                                            </p:txEl>
-                                          </p:spTgt>
-                                        </p:tgtEl>
-                                        <p:attrNameLst>
-                                          <p:attrName>style.visibility</p:attrName>
-                                        </p:attrNameLst>
-                                      </p:cBhvr>
-                                      <p:to>
-                                        <p:strVal val="visible"/>
-                                      </p:to>
-                                    </p:set>
-                                  </p:childTnLst>
-                                </p:cTn>
-                              </p:par>
-                              <p:par>
-                                <p:cTn id="17" presetID="1" presetClass="entr" presetSubtype="0" fill="hold" nodeType="withEffect">
-                                  <p:stCondLst>
-                                    <p:cond delay="0"/>
-                                  </p:stCondLst>
-                                  <p:childTnLst>
-                                    <p:set>
-                                      <p:cBhvr>
-                                        <p:cTn id="18" dur="1" fill="hold">
-                                          <p:stCondLst>
-                                            <p:cond delay="0"/>
-                                          </p:stCondLst>
-                                        </p:cTn>
-                                        <p:tgtEl>
-                                          <p:spTgt spid="11">
-                                            <p:txEl>
-                                              <p:pRg st="7" end="7"/>
-                                            </p:txEl>
-                                          </p:spTgt>
-                                        </p:tgtEl>
-                                        <p:attrNameLst>
-                                          <p:attrName>style.visibility</p:attrName>
-                                        </p:attrNameLst>
-                                      </p:cBhvr>
-                                      <p:to>
-                                        <p:strVal val="visible"/>
-                                      </p:to>
-                                    </p:set>
-                                  </p:childTnLst>
-                                </p:cTn>
-                              </p:par>
-                            </p:childTnLst>
-                          </p:cTn>
-                        </p:par>
-                      </p:childTnLst>
-                    </p:cTn>
-                  </p:par>
-                  <p:par>
-                    <p:cTn id="19" fill="hold">
-                      <p:stCondLst>
-                        <p:cond delay="indefinite"/>
-                      </p:stCondLst>
-                      <p:childTnLst>
-                        <p:par>
-                          <p:cTn id="20" fill="hold">
-                            <p:stCondLst>
-                              <p:cond delay="0"/>
-                            </p:stCondLst>
-                            <p:childTnLst>
-                              <p:par>
-                                <p:cTn id="21" presetID="1" presetClass="entr" presetSubtype="0" fill="hold" nodeType="clickEffect">
-                                  <p:stCondLst>
-                                    <p:cond delay="0"/>
-                                  </p:stCondLst>
-                                  <p:childTnLst>
-                                    <p:set>
-                                      <p:cBhvr>
-                                        <p:cTn id="22" dur="1" fill="hold">
-                                          <p:stCondLst>
-                                            <p:cond delay="0"/>
-                                          </p:stCondLst>
-                                        </p:cTn>
-                                        <p:tgtEl>
-                                          <p:spTgt spid="4"/>
+                                          <p:spTgt spid="8"/>
                                         </p:tgtEl>
                                         <p:attrNameLst>
                                           <p:attrName>style.visibility</p:attrName>
@@ -18384,6 +20045,9 @@
         </p:cTn>
       </p:par>
     </p:tnLst>
+    <p:bldLst>
+      <p:bldP spid="8" grpId="0" animBg="1"/>
+    </p:bldLst>
   </p:timing>
 </p:sld>
 </file>
@@ -18415,7 +20079,13 @@
       </p:grpSpPr>
       <p:sp>
         <p:nvSpPr>
-          <p:cNvPr id="2" name="Title 1"/>
+          <p:cNvPr id="4" name="Title 3">
+            <a:extLst>
+              <a:ext uri="{FF2B5EF4-FFF2-40B4-BE49-F238E27FC236}">
+                <a16:creationId xmlns:a16="http://schemas.microsoft.com/office/drawing/2014/main" id="{D17032A2-AE05-4562-87F8-460B924B72DD}"/>
+              </a:ext>
+            </a:extLst>
+          </p:cNvPr>
           <p:cNvSpPr>
             <a:spLocks noGrp="1"/>
           </p:cNvSpPr>
@@ -18423,222 +20093,465 @@
             <p:ph type="title"/>
           </p:nvPr>
         </p:nvSpPr>
-        <p:spPr>
-          <a:xfrm>
-            <a:off x="652668" y="579103"/>
-            <a:ext cx="10777330" cy="1325563"/>
-          </a:xfrm>
-        </p:spPr>
+        <p:spPr/>
         <p:txBody>
-          <a:bodyPr>
-            <a:normAutofit/>
-          </a:bodyPr>
+          <a:bodyPr/>
           <a:lstStyle/>
           <a:p>
-            <a:pPr algn="ctr"/>
-            <a:r>
-              <a:rPr lang="en-US" sz="5400" dirty="0">
-                <a:solidFill>
-                  <a:srgbClr val="00B0F0"/>
-                </a:solidFill>
-                <a:latin typeface="Segoe UI Light" panose="020B0502040204020203" pitchFamily="34" charset="0"/>
-                <a:cs typeface="Segoe UI Light" panose="020B0502040204020203" pitchFamily="34" charset="0"/>
-              </a:rPr>
-              <a:t>Build with Microsoft Tech</a:t>
+            <a:r>
+              <a:rPr lang="en-US" dirty="0"/>
+              <a:t>Configuration simplification</a:t>
             </a:r>
           </a:p>
         </p:txBody>
       </p:sp>
       <p:sp>
         <p:nvSpPr>
-          <p:cNvPr id="3" name="Content Placeholder 2"/>
+          <p:cNvPr id="6" name="Content Placeholder 5">
+            <a:extLst>
+              <a:ext uri="{FF2B5EF4-FFF2-40B4-BE49-F238E27FC236}">
+                <a16:creationId xmlns:a16="http://schemas.microsoft.com/office/drawing/2014/main" id="{5C2E2E16-9748-4A5F-9693-90B3E4BE1AA6}"/>
+              </a:ext>
+            </a:extLst>
+          </p:cNvPr>
           <p:cNvSpPr>
             <a:spLocks noGrp="1"/>
           </p:cNvSpPr>
           <p:nvPr>
-            <p:ph idx="1"/>
+            <p:ph sz="half" idx="1"/>
           </p:nvPr>
+        </p:nvSpPr>
+        <p:spPr/>
+        <p:txBody>
+          <a:bodyPr/>
+          <a:lstStyle/>
+          <a:p>
+            <a:pPr marL="0" indent="0">
+              <a:buNone/>
+            </a:pPr>
+            <a:endParaRPr lang="en-US" dirty="0"/>
+          </a:p>
+        </p:txBody>
+      </p:sp>
+      <p:sp>
+        <p:nvSpPr>
+          <p:cNvPr id="7" name="Content Placeholder 6">
+            <a:extLst>
+              <a:ext uri="{FF2B5EF4-FFF2-40B4-BE49-F238E27FC236}">
+                <a16:creationId xmlns:a16="http://schemas.microsoft.com/office/drawing/2014/main" id="{16BA1113-CBC6-411E-82CC-5BD3EB015665}"/>
+              </a:ext>
+            </a:extLst>
+          </p:cNvPr>
+          <p:cNvSpPr>
+            <a:spLocks noGrp="1"/>
+          </p:cNvSpPr>
+          <p:nvPr>
+            <p:ph sz="half" idx="2"/>
+          </p:nvPr>
+        </p:nvSpPr>
+        <p:spPr/>
+        <p:txBody>
+          <a:bodyPr/>
+          <a:lstStyle/>
+          <a:p>
+            <a:endParaRPr lang="en-US"/>
+          </a:p>
+        </p:txBody>
+      </p:sp>
+      <p:graphicFrame>
+        <p:nvGraphicFramePr>
+          <p:cNvPr id="8" name="Table 7">
+            <a:extLst>
+              <a:ext uri="{FF2B5EF4-FFF2-40B4-BE49-F238E27FC236}">
+                <a16:creationId xmlns:a16="http://schemas.microsoft.com/office/drawing/2014/main" id="{31AB421D-2ADC-4662-BA45-BB7A0ADEAE40}"/>
+              </a:ext>
+            </a:extLst>
+          </p:cNvPr>
+          <p:cNvGraphicFramePr>
+            <a:graphicFrameLocks noGrp="1"/>
+          </p:cNvGraphicFramePr>
+          <p:nvPr>
+            <p:extLst>
+              <p:ext uri="{D42A27DB-BD31-4B8C-83A1-F6EECF244321}">
+                <p14:modId xmlns:p14="http://schemas.microsoft.com/office/powerpoint/2010/main" val="203744605"/>
+              </p:ext>
+            </p:extLst>
+          </p:nvPr>
+        </p:nvGraphicFramePr>
+        <p:xfrm>
+          <a:off x="937490" y="2211476"/>
+          <a:ext cx="10416310" cy="1920240"/>
+        </p:xfrm>
+        <a:graphic>
+          <a:graphicData uri="http://schemas.openxmlformats.org/drawingml/2006/table">
+            <a:tbl>
+              <a:tblPr firstRow="1" bandRow="1">
+                <a:tableStyleId>{5C22544A-7EE6-4342-B048-85BDC9FD1C3A}</a:tableStyleId>
+              </a:tblPr>
+              <a:tblGrid>
+                <a:gridCol w="10416310">
+                  <a:extLst>
+                    <a:ext uri="{9D8B030D-6E8A-4147-A177-3AD203B41FA5}">
+                      <a16:colId xmlns:a16="http://schemas.microsoft.com/office/drawing/2014/main" val="1057070397"/>
+                    </a:ext>
+                  </a:extLst>
+                </a:gridCol>
+              </a:tblGrid>
+              <a:tr h="584446">
+                <a:tc>
+                  <a:txBody>
+                    <a:bodyPr/>
+                    <a:lstStyle/>
+                    <a:p>
+                      <a:r>
+                        <a:rPr lang="en-US" sz="2000" dirty="0">
+                          <a:solidFill>
+                            <a:srgbClr val="0000FF"/>
+                          </a:solidFill>
+                          <a:latin typeface="Consolas" panose="020B0609020204030204" pitchFamily="49" charset="0"/>
+                        </a:rPr>
+                        <a:t>public</a:t>
+                      </a:r>
+                      <a:r>
+                        <a:rPr lang="en-US" sz="2000" dirty="0">
+                          <a:solidFill>
+                            <a:srgbClr val="000000"/>
+                          </a:solidFill>
+                          <a:latin typeface="Consolas" panose="020B0609020204030204" pitchFamily="49" charset="0"/>
+                        </a:rPr>
+                        <a:t> Startup(</a:t>
+                      </a:r>
+                      <a:r>
+                        <a:rPr lang="en-US" sz="2000" dirty="0" err="1">
+                          <a:solidFill>
+                            <a:srgbClr val="2B91AF"/>
+                          </a:solidFill>
+                          <a:latin typeface="Consolas" panose="020B0609020204030204" pitchFamily="49" charset="0"/>
+                        </a:rPr>
+                        <a:t>IConfiguration</a:t>
+                      </a:r>
+                      <a:r>
+                        <a:rPr lang="en-US" sz="2000" dirty="0">
+                          <a:solidFill>
+                            <a:srgbClr val="000000"/>
+                          </a:solidFill>
+                          <a:latin typeface="Consolas" panose="020B0609020204030204" pitchFamily="49" charset="0"/>
+                        </a:rPr>
+                        <a:t> configuration)</a:t>
+                      </a:r>
+                    </a:p>
+                    <a:p>
+                      <a:r>
+                        <a:rPr lang="en-US" sz="2000" dirty="0">
+                          <a:solidFill>
+                            <a:srgbClr val="000000"/>
+                          </a:solidFill>
+                          <a:latin typeface="Consolas" panose="020B0609020204030204" pitchFamily="49" charset="0"/>
+                        </a:rPr>
+                        <a:t>{</a:t>
+                      </a:r>
+                    </a:p>
+                    <a:p>
+                      <a:r>
+                        <a:rPr lang="en-US" sz="2000" dirty="0">
+                          <a:solidFill>
+                            <a:srgbClr val="000000"/>
+                          </a:solidFill>
+                          <a:latin typeface="Consolas" panose="020B0609020204030204" pitchFamily="49" charset="0"/>
+                        </a:rPr>
+                        <a:t>  Configuration = configuration;</a:t>
+                      </a:r>
+                    </a:p>
+                    <a:p>
+                      <a:r>
+                        <a:rPr lang="en-US" sz="2000" dirty="0">
+                          <a:solidFill>
+                            <a:srgbClr val="000000"/>
+                          </a:solidFill>
+                          <a:latin typeface="Consolas" panose="020B0609020204030204" pitchFamily="49" charset="0"/>
+                        </a:rPr>
+                        <a:t>}</a:t>
+                      </a:r>
+                    </a:p>
+                    <a:p>
+                      <a:endParaRPr lang="en-US" sz="2000" dirty="0">
+                        <a:solidFill>
+                          <a:srgbClr val="000000"/>
+                        </a:solidFill>
+                        <a:latin typeface="Consolas" panose="020B0609020204030204" pitchFamily="49" charset="0"/>
+                      </a:endParaRPr>
+                    </a:p>
+                    <a:p>
+                      <a:r>
+                        <a:rPr lang="en-US" sz="2000" dirty="0">
+                          <a:solidFill>
+                            <a:srgbClr val="0000FF"/>
+                          </a:solidFill>
+                          <a:latin typeface="Consolas" panose="020B0609020204030204" pitchFamily="49" charset="0"/>
+                        </a:rPr>
+                        <a:t>public</a:t>
+                      </a:r>
+                      <a:r>
+                        <a:rPr lang="en-US" sz="2000" dirty="0">
+                          <a:solidFill>
+                            <a:srgbClr val="000000"/>
+                          </a:solidFill>
+                          <a:latin typeface="Consolas" panose="020B0609020204030204" pitchFamily="49" charset="0"/>
+                        </a:rPr>
+                        <a:t> </a:t>
+                      </a:r>
+                      <a:r>
+                        <a:rPr lang="en-US" sz="2000" dirty="0" err="1">
+                          <a:solidFill>
+                            <a:srgbClr val="2B91AF"/>
+                          </a:solidFill>
+                          <a:latin typeface="Consolas" panose="020B0609020204030204" pitchFamily="49" charset="0"/>
+                        </a:rPr>
+                        <a:t>IConfiguration</a:t>
+                      </a:r>
+                      <a:r>
+                        <a:rPr lang="en-US" sz="2000" dirty="0">
+                          <a:solidFill>
+                            <a:srgbClr val="000000"/>
+                          </a:solidFill>
+                          <a:latin typeface="Consolas" panose="020B0609020204030204" pitchFamily="49" charset="0"/>
+                        </a:rPr>
+                        <a:t> Configuration { </a:t>
+                      </a:r>
+                      <a:r>
+                        <a:rPr lang="en-US" sz="2000" dirty="0">
+                          <a:solidFill>
+                            <a:srgbClr val="0000FF"/>
+                          </a:solidFill>
+                          <a:latin typeface="Consolas" panose="020B0609020204030204" pitchFamily="49" charset="0"/>
+                        </a:rPr>
+                        <a:t>get</a:t>
+                      </a:r>
+                      <a:r>
+                        <a:rPr lang="en-US" sz="2000" dirty="0">
+                          <a:solidFill>
+                            <a:srgbClr val="000000"/>
+                          </a:solidFill>
+                          <a:latin typeface="Consolas" panose="020B0609020204030204" pitchFamily="49" charset="0"/>
+                        </a:rPr>
+                        <a:t>; }</a:t>
+                      </a:r>
+                    </a:p>
+                  </a:txBody>
+                  <a:tcPr>
+                    <a:lnL w="12700" cap="flat" cmpd="sng" algn="ctr">
+                      <a:noFill/>
+                      <a:prstDash val="solid"/>
+                      <a:round/>
+                      <a:headEnd type="none" w="med" len="med"/>
+                      <a:tailEnd type="none" w="med" len="med"/>
+                    </a:lnL>
+                    <a:lnR w="12700" cap="flat" cmpd="sng" algn="ctr">
+                      <a:noFill/>
+                      <a:prstDash val="solid"/>
+                      <a:round/>
+                      <a:headEnd type="none" w="med" len="med"/>
+                      <a:tailEnd type="none" w="med" len="med"/>
+                    </a:lnR>
+                    <a:lnT w="12700" cap="flat" cmpd="sng" algn="ctr">
+                      <a:noFill/>
+                      <a:prstDash val="solid"/>
+                      <a:round/>
+                      <a:headEnd type="none" w="med" len="med"/>
+                      <a:tailEnd type="none" w="med" len="med"/>
+                    </a:lnT>
+                    <a:lnB w="12700" cap="flat" cmpd="sng" algn="ctr">
+                      <a:noFill/>
+                      <a:prstDash val="solid"/>
+                      <a:round/>
+                      <a:headEnd type="none" w="med" len="med"/>
+                      <a:tailEnd type="none" w="med" len="med"/>
+                    </a:lnB>
+                    <a:solidFill>
+                      <a:schemeClr val="tx1"/>
+                    </a:solidFill>
+                  </a:tcPr>
+                </a:tc>
+                <a:extLst>
+                  <a:ext uri="{0D108BD9-81ED-4DB2-BD59-A6C34878D82A}">
+                    <a16:rowId xmlns:a16="http://schemas.microsoft.com/office/drawing/2014/main" val="3473222697"/>
+                  </a:ext>
+                </a:extLst>
+              </a:tr>
+            </a:tbl>
+          </a:graphicData>
+        </a:graphic>
+      </p:graphicFrame>
+      <p:sp>
+        <p:nvSpPr>
+          <p:cNvPr id="9" name="Rectangle 8">
+            <a:extLst>
+              <a:ext uri="{FF2B5EF4-FFF2-40B4-BE49-F238E27FC236}">
+                <a16:creationId xmlns:a16="http://schemas.microsoft.com/office/drawing/2014/main" id="{3D7F8622-FB00-4218-B020-F494BCE6EA73}"/>
+              </a:ext>
+            </a:extLst>
+          </p:cNvPr>
+          <p:cNvSpPr/>
+          <p:nvPr/>
         </p:nvSpPr>
         <p:spPr>
           <a:xfrm>
-            <a:off x="1386162" y="2309226"/>
-            <a:ext cx="9444902" cy="4061659"/>
-          </a:xfrm>
-        </p:spPr>
-        <p:txBody>
-          <a:bodyPr/>
-          <a:lstStyle/>
-          <a:p>
-            <a:pPr marL="0" indent="0" algn="ctr">
-              <a:buNone/>
-            </a:pPr>
-            <a:r>
-              <a:rPr lang="en-US" sz="4000" i="1" dirty="0">
-                <a:latin typeface="Segoe UI Light" panose="020B0502040204020203" pitchFamily="34" charset="0"/>
-                <a:cs typeface="Segoe UI Light" panose="020B0502040204020203" pitchFamily="34" charset="0"/>
-              </a:rPr>
-              <a:t>Explore developer tools, platforms, and APIs </a:t>
-            </a:r>
-          </a:p>
-          <a:p>
-            <a:pPr marL="0" indent="0" algn="ctr">
-              <a:buNone/>
-            </a:pPr>
-            <a:endParaRPr lang="en-US" sz="4000" i="1" dirty="0">
-              <a:solidFill>
-                <a:srgbClr val="00B0F0"/>
-              </a:solidFill>
-              <a:latin typeface="Segoe UI Light" panose="020B0502040204020203" pitchFamily="34" charset="0"/>
-              <a:cs typeface="Segoe UI Light" panose="020B0502040204020203" pitchFamily="34" charset="0"/>
-            </a:endParaRPr>
-          </a:p>
-          <a:p>
-            <a:pPr marL="0" indent="0" algn="ctr">
-              <a:buNone/>
-            </a:pPr>
-            <a:r>
-              <a:rPr lang="en-US" sz="5400" dirty="0">
-                <a:solidFill>
-                  <a:srgbClr val="00B0F0"/>
-                </a:solidFill>
-                <a:latin typeface="Segoe UI Light" panose="020B0502040204020203" pitchFamily="34" charset="0"/>
-                <a:cs typeface="Segoe UI Light" panose="020B0502040204020203" pitchFamily="34" charset="0"/>
-              </a:rPr>
-              <a:t>docs.microsoft.com </a:t>
-            </a:r>
-          </a:p>
-        </p:txBody>
-      </p:sp>
-      <p:pic>
-        <p:nvPicPr>
-          <p:cNvPr id="1026" name="DE0816EB-0799-461B-8CAB-F8639086CFFD" descr="1078F4CF-61B7-46A5-815D-338F62390895@hsd1"/>
-          <p:cNvPicPr>
-            <a:picLocks noChangeAspect="1" noChangeArrowheads="1"/>
-          </p:cNvPicPr>
-          <p:nvPr/>
-        </p:nvPicPr>
-        <p:blipFill>
-          <a:blip r:embed="rId3">
-            <a:extLst>
-              <a:ext uri="{28A0092B-C50C-407E-A947-70E740481C1C}">
-                <a14:useLocalDpi xmlns:a14="http://schemas.microsoft.com/office/drawing/2010/main" val="0"/>
-              </a:ext>
-            </a:extLst>
-          </a:blip>
-          <a:srcRect/>
-          <a:stretch>
-            <a:fillRect/>
-          </a:stretch>
-        </p:blipFill>
-        <p:spPr bwMode="auto">
-          <a:xfrm>
-            <a:off x="9092340" y="-247034"/>
-            <a:ext cx="3343275" cy="2257425"/>
+            <a:off x="950278" y="1764907"/>
+            <a:ext cx="2900800" cy="446567"/>
           </a:xfrm>
           <a:prstGeom prst="rect">
             <a:avLst/>
           </a:prstGeom>
-          <a:noFill/>
-          <a:ln>
-            <a:noFill/>
+          <a:ln w="57150">
+            <a:solidFill>
+              <a:schemeClr val="accent1">
+                <a:lumMod val="50000"/>
+              </a:schemeClr>
+            </a:solidFill>
           </a:ln>
-          <a:extLst>
-            <a:ext uri="{909E8E84-426E-40DD-AFC4-6F175D3DCCD1}">
-              <a14:hiddenFill xmlns:a14="http://schemas.microsoft.com/office/drawing/2010/main">
-                <a:solidFill>
-                  <a:srgbClr val="FFFFFF"/>
-                </a:solidFill>
-              </a14:hiddenFill>
-            </a:ext>
-            <a:ext uri="{91240B29-F687-4F45-9708-019B960494DF}">
-              <a14:hiddenLine xmlns:a14="http://schemas.microsoft.com/office/drawing/2010/main" w="9525">
-                <a:solidFill>
-                  <a:srgbClr val="000000"/>
-                </a:solidFill>
-                <a:miter lim="800000"/>
-                <a:headEnd/>
-                <a:tailEnd/>
-              </a14:hiddenLine>
-            </a:ext>
-          </a:extLst>
         </p:spPr>
-      </p:pic>
-      <p:pic>
-        <p:nvPicPr>
-          <p:cNvPr id="1027" name="C1E29E4C-1F3B-47B1-972B-2B7120147472" descr="FD91B74B-F96D-4EAD-BB2E-6CCF265D6248@hsd1"/>
-          <p:cNvPicPr>
-            <a:picLocks noChangeAspect="1" noChangeArrowheads="1"/>
-          </p:cNvPicPr>
-          <p:nvPr/>
-        </p:nvPicPr>
-        <p:blipFill>
-          <a:blip r:embed="rId4">
-            <a:extLst>
-              <a:ext uri="{28A0092B-C50C-407E-A947-70E740481C1C}">
-                <a14:useLocalDpi xmlns:a14="http://schemas.microsoft.com/office/drawing/2010/main" val="0"/>
-              </a:ext>
-            </a:extLst>
-          </a:blip>
-          <a:srcRect/>
-          <a:stretch>
-            <a:fillRect/>
-          </a:stretch>
-        </p:blipFill>
-        <p:spPr bwMode="auto">
-          <a:xfrm>
-            <a:off x="-634278" y="4904077"/>
-            <a:ext cx="3343275" cy="2257425"/>
-          </a:xfrm>
-          <a:prstGeom prst="rect">
-            <a:avLst/>
-          </a:prstGeom>
-          <a:noFill/>
-          <a:ln>
-            <a:noFill/>
-          </a:ln>
-          <a:extLst>
-            <a:ext uri="{909E8E84-426E-40DD-AFC4-6F175D3DCCD1}">
-              <a14:hiddenFill xmlns:a14="http://schemas.microsoft.com/office/drawing/2010/main">
-                <a:solidFill>
-                  <a:srgbClr val="FFFFFF"/>
-                </a:solidFill>
-              </a14:hiddenFill>
-            </a:ext>
-            <a:ext uri="{91240B29-F687-4F45-9708-019B960494DF}">
-              <a14:hiddenLine xmlns:a14="http://schemas.microsoft.com/office/drawing/2010/main" w="9525">
-                <a:solidFill>
-                  <a:srgbClr val="000000"/>
-                </a:solidFill>
-                <a:miter lim="800000"/>
-                <a:headEnd/>
-                <a:tailEnd/>
-              </a14:hiddenLine>
-            </a:ext>
-          </a:extLst>
-        </p:spPr>
-      </p:pic>
+        <p:style>
+          <a:lnRef idx="1">
+            <a:schemeClr val="accent1"/>
+          </a:lnRef>
+          <a:fillRef idx="2">
+            <a:schemeClr val="accent1"/>
+          </a:fillRef>
+          <a:effectRef idx="1">
+            <a:schemeClr val="accent1"/>
+          </a:effectRef>
+          <a:fontRef idx="minor">
+            <a:schemeClr val="dk1"/>
+          </a:fontRef>
+        </p:style>
+        <p:txBody>
+          <a:bodyPr rtlCol="0" anchor="ctr"/>
+          <a:lstStyle/>
+          <a:p>
+            <a:pPr algn="ctr"/>
+            <a:r>
+              <a:rPr lang="en-US" b="1" dirty="0" err="1"/>
+              <a:t>Startup.cs</a:t>
+            </a:r>
+            <a:endParaRPr lang="en-US" b="1" dirty="0"/>
+          </a:p>
+        </p:txBody>
+      </p:sp>
     </p:spTree>
     <p:extLst>
       <p:ext uri="{BB962C8B-B14F-4D97-AF65-F5344CB8AC3E}">
-        <p14:creationId xmlns:p14="http://schemas.microsoft.com/office/powerpoint/2010/main" val="2139133909"/>
+        <p14:creationId xmlns:p14="http://schemas.microsoft.com/office/powerpoint/2010/main" val="2569080708"/>
       </p:ext>
     </p:extLst>
   </p:cSld>
   <p:clrMapOvr>
     <a:masterClrMapping/>
   </p:clrMapOvr>
-  <mc:AlternateContent xmlns:mc="http://schemas.openxmlformats.org/markup-compatibility/2006" xmlns:p159="http://schemas.microsoft.com/office/powerpoint/2015/09/main">
-    <mc:Choice Requires="p159">
-      <p:transition xmlns:p14="http://schemas.microsoft.com/office/powerpoint/2010/main" spd="slow" p14:dur="2000" advClick="0" advTm="10000">
-        <p159:morph option="byObject"/>
-      </p:transition>
-    </mc:Choice>
-    <mc:Fallback xmlns="">
-      <p:transition spd="slow" advClick="0" advTm="10000">
-        <p:fade/>
-      </p:transition>
-    </mc:Fallback>
-  </mc:AlternateContent>
+  <p:timing>
+    <p:tnLst>
+      <p:par>
+        <p:cTn id="1" dur="indefinite" restart="never" nodeType="tmRoot">
+          <p:childTnLst>
+            <p:seq concurrent="1" nextAc="seek">
+              <p:cTn id="2" dur="indefinite" nodeType="mainSeq">
+                <p:childTnLst>
+                  <p:par>
+                    <p:cTn id="3" fill="hold">
+                      <p:stCondLst>
+                        <p:cond delay="indefinite"/>
+                      </p:stCondLst>
+                      <p:childTnLst>
+                        <p:par>
+                          <p:cTn id="4" fill="hold">
+                            <p:stCondLst>
+                              <p:cond delay="0"/>
+                            </p:stCondLst>
+                            <p:childTnLst>
+                              <p:par>
+                                <p:cTn id="5" presetID="1" presetClass="entr" presetSubtype="0" fill="hold" nodeType="clickEffect">
+                                  <p:stCondLst>
+                                    <p:cond delay="0"/>
+                                  </p:stCondLst>
+                                  <p:childTnLst>
+                                    <p:set>
+                                      <p:cBhvr>
+                                        <p:cTn id="6" dur="1" fill="hold">
+                                          <p:stCondLst>
+                                            <p:cond delay="0"/>
+                                          </p:stCondLst>
+                                        </p:cTn>
+                                        <p:tgtEl>
+                                          <p:spTgt spid="8"/>
+                                        </p:tgtEl>
+                                        <p:attrNameLst>
+                                          <p:attrName>style.visibility</p:attrName>
+                                        </p:attrNameLst>
+                                      </p:cBhvr>
+                                      <p:to>
+                                        <p:strVal val="visible"/>
+                                      </p:to>
+                                    </p:set>
+                                  </p:childTnLst>
+                                </p:cTn>
+                              </p:par>
+                              <p:par>
+                                <p:cTn id="7" presetID="1" presetClass="entr" presetSubtype="0" fill="hold" grpId="0" nodeType="withEffect">
+                                  <p:stCondLst>
+                                    <p:cond delay="0"/>
+                                  </p:stCondLst>
+                                  <p:childTnLst>
+                                    <p:set>
+                                      <p:cBhvr>
+                                        <p:cTn id="8" dur="1" fill="hold">
+                                          <p:stCondLst>
+                                            <p:cond delay="0"/>
+                                          </p:stCondLst>
+                                        </p:cTn>
+                                        <p:tgtEl>
+                                          <p:spTgt spid="9"/>
+                                        </p:tgtEl>
+                                        <p:attrNameLst>
+                                          <p:attrName>style.visibility</p:attrName>
+                                        </p:attrNameLst>
+                                      </p:cBhvr>
+                                      <p:to>
+                                        <p:strVal val="visible"/>
+                                      </p:to>
+                                    </p:set>
+                                  </p:childTnLst>
+                                </p:cTn>
+                              </p:par>
+                            </p:childTnLst>
+                          </p:cTn>
+                        </p:par>
+                      </p:childTnLst>
+                    </p:cTn>
+                  </p:par>
+                </p:childTnLst>
+              </p:cTn>
+              <p:prevCondLst>
+                <p:cond evt="onPrev" delay="0">
+                  <p:tgtEl>
+                    <p:sldTgt/>
+                  </p:tgtEl>
+                </p:cond>
+              </p:prevCondLst>
+              <p:nextCondLst>
+                <p:cond evt="onNext" delay="0">
+                  <p:tgtEl>
+                    <p:sldTgt/>
+                  </p:tgtEl>
+                </p:cond>
+              </p:nextCondLst>
+            </p:seq>
+          </p:childTnLst>
+        </p:cTn>
+      </p:par>
+    </p:tnLst>
+    <p:bldLst>
+      <p:bldP spid="9" grpId="0" animBg="1"/>
+    </p:bldLst>
+  </p:timing>
 </p:sld>
 </file>
 

--- a/Whats New in ASP.NET Core 2.0.pptx
+++ b/Whats New in ASP.NET Core 2.0.pptx
@@ -5213,7 +5213,7 @@
           <a:bodyPr/>
           <a:lstStyle/>
           <a:p>
-            <a:endParaRPr lang="en-US"/>
+            <a:endParaRPr lang="en-US" dirty="0"/>
           </a:p>
         </p:txBody>
       </p:sp>
@@ -18681,14 +18681,14 @@
             <p:ph sz="half" idx="1"/>
             <p:extLst>
               <p:ext uri="{D42A27DB-BD31-4B8C-83A1-F6EECF244321}">
-                <p14:modId xmlns:p14="http://schemas.microsoft.com/office/powerpoint/2010/main" val="194765330"/>
+                <p14:modId xmlns:p14="http://schemas.microsoft.com/office/powerpoint/2010/main" val="1893771966"/>
               </p:ext>
             </p:extLst>
           </p:nvPr>
         </p:nvGraphicFramePr>
         <p:xfrm>
           <a:off x="838198" y="1825623"/>
-          <a:ext cx="10515602" cy="1413334"/>
+          <a:ext cx="10515604" cy="1413334"/>
         </p:xfrm>
         <a:graphic>
           <a:graphicData uri="http://schemas.openxmlformats.org/drawingml/2006/table">
@@ -18697,17 +18697,31 @@
                 <a:tableStyleId>{125E5076-3810-47DD-B79F-674D7AD40C01}</a:tableStyleId>
               </a:tblPr>
               <a:tblGrid>
-                <a:gridCol w="5257801">
+                <a:gridCol w="814332">
                   <a:extLst>
                     <a:ext uri="{9D8B030D-6E8A-4147-A177-3AD203B41FA5}">
                       <a16:colId xmlns:a16="http://schemas.microsoft.com/office/drawing/2014/main" val="646715418"/>
                     </a:ext>
                   </a:extLst>
                 </a:gridCol>
-                <a:gridCol w="5257801">
+                <a:gridCol w="4443470">
+                  <a:extLst>
+                    <a:ext uri="{9D8B030D-6E8A-4147-A177-3AD203B41FA5}">
+                      <a16:colId xmlns:a16="http://schemas.microsoft.com/office/drawing/2014/main" val="669526958"/>
+                    </a:ext>
+                  </a:extLst>
+                </a:gridCol>
+                <a:gridCol w="1505639">
                   <a:extLst>
                     <a:ext uri="{9D8B030D-6E8A-4147-A177-3AD203B41FA5}">
                       <a16:colId xmlns:a16="http://schemas.microsoft.com/office/drawing/2014/main" val="70901629"/>
+                    </a:ext>
+                  </a:extLst>
+                </a:gridCol>
+                <a:gridCol w="3752163">
+                  <a:extLst>
+                    <a:ext uri="{9D8B030D-6E8A-4147-A177-3AD203B41FA5}">
+                      <a16:colId xmlns:a16="http://schemas.microsoft.com/office/drawing/2014/main" val="293940638"/>
                     </a:ext>
                   </a:extLst>
                 </a:gridCol>
@@ -18728,23 +18742,23 @@
                     <a:bodyPr/>
                     <a:lstStyle/>
                     <a:p>
-                      <a:endParaRPr lang="en-US" dirty="0"/>
-                    </a:p>
-                  </a:txBody>
-                  <a:tcPr/>
-                </a:tc>
-                <a:extLst>
-                  <a:ext uri="{0D108BD9-81ED-4DB2-BD59-A6C34878D82A}">
-                    <a16:rowId xmlns:a16="http://schemas.microsoft.com/office/drawing/2014/main" val="695694885"/>
-                  </a:ext>
-                </a:extLst>
-              </a:tr>
-              <a:tr h="706667">
-                <a:tc>
-                  <a:txBody>
-                    <a:bodyPr/>
-                    <a:lstStyle/>
-                    <a:p>
+                      <a:pPr marL="0" marR="0" lvl="0" indent="0" algn="l" defTabSz="914400" rtl="0" eaLnBrk="1" fontAlgn="auto" latinLnBrk="0" hangingPunct="1">
+                        <a:lnSpc>
+                          <a:spcPct val="100000"/>
+                        </a:lnSpc>
+                        <a:spcBef>
+                          <a:spcPts val="0"/>
+                        </a:spcBef>
+                        <a:spcAft>
+                          <a:spcPts val="0"/>
+                        </a:spcAft>
+                        <a:buClrTx/>
+                        <a:buSzTx/>
+                        <a:buFontTx/>
+                        <a:buNone/>
+                        <a:tabLst/>
+                        <a:defRPr/>
+                      </a:pPr>
                       <a:r>
                         <a:rPr lang="en-US" dirty="0"/>
                         <a:t>C:\Program Files\</a:t>
@@ -18759,6 +18773,16 @@
                       </a:r>
                     </a:p>
                   </a:txBody>
+                  <a:tcPr anchor="ctr"/>
+                </a:tc>
+                <a:tc>
+                  <a:txBody>
+                    <a:bodyPr/>
+                    <a:lstStyle/>
+                    <a:p>
+                      <a:endParaRPr lang="en-US" dirty="0"/>
+                    </a:p>
+                  </a:txBody>
                   <a:tcPr/>
                 </a:tc>
                 <a:tc>
@@ -18766,6 +18790,23 @@
                     <a:bodyPr/>
                     <a:lstStyle/>
                     <a:p>
+                      <a:pPr marL="0" marR="0" lvl="0" indent="0" algn="l" defTabSz="914400" rtl="0" eaLnBrk="1" fontAlgn="auto" latinLnBrk="0" hangingPunct="1">
+                        <a:lnSpc>
+                          <a:spcPct val="100000"/>
+                        </a:lnSpc>
+                        <a:spcBef>
+                          <a:spcPts val="0"/>
+                        </a:spcBef>
+                        <a:spcAft>
+                          <a:spcPts val="0"/>
+                        </a:spcAft>
+                        <a:buClrTx/>
+                        <a:buSzTx/>
+                        <a:buFontTx/>
+                        <a:buNone/>
+                        <a:tabLst/>
+                        <a:defRPr/>
+                      </a:pPr>
                       <a:r>
                         <a:rPr lang="en-US" sz="1800" kern="1200" dirty="0">
                           <a:effectLst/>
@@ -18797,6 +18838,53 @@
                         <a:t>/store</a:t>
                       </a:r>
                       <a:endParaRPr lang="en-US" i="0" dirty="0"/>
+                    </a:p>
+                  </a:txBody>
+                  <a:tcPr anchor="ctr"/>
+                </a:tc>
+                <a:extLst>
+                  <a:ext uri="{0D108BD9-81ED-4DB2-BD59-A6C34878D82A}">
+                    <a16:rowId xmlns:a16="http://schemas.microsoft.com/office/drawing/2014/main" val="695694885"/>
+                  </a:ext>
+                </a:extLst>
+              </a:tr>
+              <a:tr h="706667">
+                <a:tc gridSpan="2">
+                  <a:txBody>
+                    <a:bodyPr/>
+                    <a:lstStyle/>
+                    <a:p>
+                      <a:endParaRPr lang="en-US" dirty="0"/>
+                    </a:p>
+                  </a:txBody>
+                  <a:tcPr/>
+                </a:tc>
+                <a:tc hMerge="1">
+                  <a:txBody>
+                    <a:bodyPr/>
+                    <a:lstStyle/>
+                    <a:p>
+                      <a:endParaRPr lang="en-US"/>
+                    </a:p>
+                  </a:txBody>
+                  <a:tcPr/>
+                </a:tc>
+                <a:tc gridSpan="2">
+                  <a:txBody>
+                    <a:bodyPr/>
+                    <a:lstStyle/>
+                    <a:p>
+                      <a:endParaRPr lang="en-US" i="0" dirty="0"/>
+                    </a:p>
+                  </a:txBody>
+                  <a:tcPr/>
+                </a:tc>
+                <a:tc hMerge="1">
+                  <a:txBody>
+                    <a:bodyPr/>
+                    <a:lstStyle/>
+                    <a:p>
+                      <a:endParaRPr lang="en-US"/>
                     </a:p>
                   </a:txBody>
                   <a:tcPr/>
@@ -18916,7 +19004,7 @@
         </p:blipFill>
         <p:spPr>
           <a:xfrm>
-            <a:off x="5896778" y="3205510"/>
+            <a:off x="5885761" y="2452560"/>
             <a:ext cx="5181600" cy="3631678"/>
           </a:xfrm>
         </p:spPr>
@@ -18943,12 +19031,19 @@
         </p:blipFill>
         <p:spPr>
           <a:xfrm>
-            <a:off x="980561" y="3373892"/>
+            <a:off x="980561" y="2679828"/>
             <a:ext cx="4385946" cy="3294915"/>
           </a:xfrm>
           <a:prstGeom prst="rect">
             <a:avLst/>
           </a:prstGeom>
+          <a:effectLst>
+            <a:outerShdw blurRad="63500" sx="102000" sy="102000" algn="ctr" rotWithShape="0">
+              <a:prstClr val="black">
+                <a:alpha val="40000"/>
+              </a:prstClr>
+            </a:outerShdw>
+          </a:effectLst>
         </p:spPr>
       </p:pic>
     </p:spTree>

--- a/Whats New in ASP.NET Core 2.0.pptx
+++ b/Whats New in ASP.NET Core 2.0.pptx
@@ -3468,7 +3468,7 @@
           <a:p>
             <a:fld id="{3B87D1B5-D667-42F5-9E38-2FD202ABDFA0}" type="datetimeFigureOut">
               <a:rPr lang="en-US" smtClean="0"/>
-              <a:t>10/3/2017</a:t>
+              <a:t>10/4/2017</a:t>
             </a:fld>
             <a:endParaRPr lang="en-US"/>
           </a:p>
@@ -5552,7 +5552,7 @@
           <a:p>
             <a:fld id="{EEC3160E-2579-4584-9765-DC1BA0B358F9}" type="datetimeFigureOut">
               <a:rPr lang="en-US" smtClean="0"/>
-              <a:t>10/3/2017</a:t>
+              <a:t>10/4/2017</a:t>
             </a:fld>
             <a:endParaRPr lang="en-US"/>
           </a:p>
@@ -5722,7 +5722,7 @@
           <a:p>
             <a:fld id="{EEC3160E-2579-4584-9765-DC1BA0B358F9}" type="datetimeFigureOut">
               <a:rPr lang="en-US" smtClean="0"/>
-              <a:t>10/3/2017</a:t>
+              <a:t>10/4/2017</a:t>
             </a:fld>
             <a:endParaRPr lang="en-US"/>
           </a:p>
@@ -5902,7 +5902,7 @@
           <a:p>
             <a:fld id="{EEC3160E-2579-4584-9765-DC1BA0B358F9}" type="datetimeFigureOut">
               <a:rPr lang="en-US" smtClean="0"/>
-              <a:t>10/3/2017</a:t>
+              <a:t>10/4/2017</a:t>
             </a:fld>
             <a:endParaRPr lang="en-US"/>
           </a:p>
@@ -7817,7 +7817,7 @@
           <a:p>
             <a:fld id="{EEC3160E-2579-4584-9765-DC1BA0B358F9}" type="datetimeFigureOut">
               <a:rPr lang="en-US" smtClean="0"/>
-              <a:t>10/3/2017</a:t>
+              <a:t>10/4/2017</a:t>
             </a:fld>
             <a:endParaRPr lang="en-US"/>
           </a:p>
@@ -9299,7 +9299,7 @@
           <a:p>
             <a:fld id="{EEC3160E-2579-4584-9765-DC1BA0B358F9}" type="datetimeFigureOut">
               <a:rPr lang="en-US" smtClean="0"/>
-              <a:t>10/3/2017</a:t>
+              <a:t>10/4/2017</a:t>
             </a:fld>
             <a:endParaRPr lang="en-US"/>
           </a:p>
@@ -10439,7 +10439,7 @@
           <a:p>
             <a:fld id="{EEC3160E-2579-4584-9765-DC1BA0B358F9}" type="datetimeFigureOut">
               <a:rPr lang="en-US" smtClean="0"/>
-              <a:t>10/3/2017</a:t>
+              <a:t>10/4/2017</a:t>
             </a:fld>
             <a:endParaRPr lang="en-US"/>
           </a:p>
@@ -10806,7 +10806,7 @@
           <a:p>
             <a:fld id="{EEC3160E-2579-4584-9765-DC1BA0B358F9}" type="datetimeFigureOut">
               <a:rPr lang="en-US" smtClean="0"/>
-              <a:t>10/3/2017</a:t>
+              <a:t>10/4/2017</a:t>
             </a:fld>
             <a:endParaRPr lang="en-US"/>
           </a:p>
@@ -10924,7 +10924,7 @@
           <a:p>
             <a:fld id="{EEC3160E-2579-4584-9765-DC1BA0B358F9}" type="datetimeFigureOut">
               <a:rPr lang="en-US" smtClean="0"/>
-              <a:t>10/3/2017</a:t>
+              <a:t>10/4/2017</a:t>
             </a:fld>
             <a:endParaRPr lang="en-US"/>
           </a:p>
@@ -11019,7 +11019,7 @@
           <a:p>
             <a:fld id="{EEC3160E-2579-4584-9765-DC1BA0B358F9}" type="datetimeFigureOut">
               <a:rPr lang="en-US" smtClean="0"/>
-              <a:t>10/3/2017</a:t>
+              <a:t>10/4/2017</a:t>
             </a:fld>
             <a:endParaRPr lang="en-US"/>
           </a:p>
@@ -11296,7 +11296,7 @@
           <a:p>
             <a:fld id="{EEC3160E-2579-4584-9765-DC1BA0B358F9}" type="datetimeFigureOut">
               <a:rPr lang="en-US" smtClean="0"/>
-              <a:t>10/3/2017</a:t>
+              <a:t>10/4/2017</a:t>
             </a:fld>
             <a:endParaRPr lang="en-US"/>
           </a:p>
@@ -11553,7 +11553,7 @@
           <a:p>
             <a:fld id="{EEC3160E-2579-4584-9765-DC1BA0B358F9}" type="datetimeFigureOut">
               <a:rPr lang="en-US" smtClean="0"/>
-              <a:t>10/3/2017</a:t>
+              <a:t>10/4/2017</a:t>
             </a:fld>
             <a:endParaRPr lang="en-US"/>
           </a:p>
@@ -11766,7 +11766,7 @@
           <a:p>
             <a:fld id="{EEC3160E-2579-4584-9765-DC1BA0B358F9}" type="datetimeFigureOut">
               <a:rPr lang="en-US" smtClean="0"/>
-              <a:t>10/3/2017</a:t>
+              <a:t>10/4/2017</a:t>
             </a:fld>
             <a:endParaRPr lang="en-US"/>
           </a:p>
@@ -15291,16 +15291,12 @@
   <p:clrMapOvr>
     <a:masterClrMapping/>
   </p:clrMapOvr>
-  <mc:AlternateContent xmlns:mc="http://schemas.openxmlformats.org/markup-compatibility/2006" xmlns:p159="http://schemas.microsoft.com/office/powerpoint/2015/09/main">
-    <mc:Choice Requires="p159">
-      <p:transition xmlns:p14="http://schemas.microsoft.com/office/powerpoint/2010/main" spd="slow" p14:dur="2000" advClick="0" advTm="10000">
-        <p159:morph option="byObject"/>
-      </p:transition>
+  <mc:AlternateContent xmlns:mc="http://schemas.openxmlformats.org/markup-compatibility/2006">
+    <mc:Choice xmlns:p14="http://schemas.microsoft.com/office/powerpoint/2010/main" Requires="p14">
+      <p:transition p14:dur="0" advClick="0" advTm="10000"/>
     </mc:Choice>
-    <mc:Fallback xmlns="">
-      <p:transition spd="slow" advClick="0" advTm="10000">
-        <p:fade/>
-      </p:transition>
+    <mc:Fallback>
+      <p:transition advClick="0" advTm="10000"/>
     </mc:Fallback>
   </mc:AlternateContent>
 </p:sld>

--- a/Whats New in ASP.NET Core 2.0.pptx
+++ b/Whats New in ASP.NET Core 2.0.pptx
@@ -3468,7 +3468,7 @@
           <a:p>
             <a:fld id="{3B87D1B5-D667-42F5-9E38-2FD202ABDFA0}" type="datetimeFigureOut">
               <a:rPr lang="en-US" smtClean="0"/>
-              <a:t>10/4/2017</a:t>
+              <a:t>10/13/2017</a:t>
             </a:fld>
             <a:endParaRPr lang="en-US"/>
           </a:p>
@@ -5552,7 +5552,7 @@
           <a:p>
             <a:fld id="{EEC3160E-2579-4584-9765-DC1BA0B358F9}" type="datetimeFigureOut">
               <a:rPr lang="en-US" smtClean="0"/>
-              <a:t>10/4/2017</a:t>
+              <a:t>10/13/2017</a:t>
             </a:fld>
             <a:endParaRPr lang="en-US"/>
           </a:p>
@@ -5722,7 +5722,7 @@
           <a:p>
             <a:fld id="{EEC3160E-2579-4584-9765-DC1BA0B358F9}" type="datetimeFigureOut">
               <a:rPr lang="en-US" smtClean="0"/>
-              <a:t>10/4/2017</a:t>
+              <a:t>10/13/2017</a:t>
             </a:fld>
             <a:endParaRPr lang="en-US"/>
           </a:p>
@@ -5902,7 +5902,7 @@
           <a:p>
             <a:fld id="{EEC3160E-2579-4584-9765-DC1BA0B358F9}" type="datetimeFigureOut">
               <a:rPr lang="en-US" smtClean="0"/>
-              <a:t>10/4/2017</a:t>
+              <a:t>10/13/2017</a:t>
             </a:fld>
             <a:endParaRPr lang="en-US"/>
           </a:p>
@@ -7817,7 +7817,7 @@
           <a:p>
             <a:fld id="{EEC3160E-2579-4584-9765-DC1BA0B358F9}" type="datetimeFigureOut">
               <a:rPr lang="en-US" smtClean="0"/>
-              <a:t>10/4/2017</a:t>
+              <a:t>10/13/2017</a:t>
             </a:fld>
             <a:endParaRPr lang="en-US"/>
           </a:p>
@@ -9299,7 +9299,7 @@
           <a:p>
             <a:fld id="{EEC3160E-2579-4584-9765-DC1BA0B358F9}" type="datetimeFigureOut">
               <a:rPr lang="en-US" smtClean="0"/>
-              <a:t>10/4/2017</a:t>
+              <a:t>10/13/2017</a:t>
             </a:fld>
             <a:endParaRPr lang="en-US"/>
           </a:p>
@@ -10439,7 +10439,7 @@
           <a:p>
             <a:fld id="{EEC3160E-2579-4584-9765-DC1BA0B358F9}" type="datetimeFigureOut">
               <a:rPr lang="en-US" smtClean="0"/>
-              <a:t>10/4/2017</a:t>
+              <a:t>10/13/2017</a:t>
             </a:fld>
             <a:endParaRPr lang="en-US"/>
           </a:p>
@@ -10806,7 +10806,7 @@
           <a:p>
             <a:fld id="{EEC3160E-2579-4584-9765-DC1BA0B358F9}" type="datetimeFigureOut">
               <a:rPr lang="en-US" smtClean="0"/>
-              <a:t>10/4/2017</a:t>
+              <a:t>10/13/2017</a:t>
             </a:fld>
             <a:endParaRPr lang="en-US"/>
           </a:p>
@@ -10924,7 +10924,7 @@
           <a:p>
             <a:fld id="{EEC3160E-2579-4584-9765-DC1BA0B358F9}" type="datetimeFigureOut">
               <a:rPr lang="en-US" smtClean="0"/>
-              <a:t>10/4/2017</a:t>
+              <a:t>10/13/2017</a:t>
             </a:fld>
             <a:endParaRPr lang="en-US"/>
           </a:p>
@@ -11019,7 +11019,7 @@
           <a:p>
             <a:fld id="{EEC3160E-2579-4584-9765-DC1BA0B358F9}" type="datetimeFigureOut">
               <a:rPr lang="en-US" smtClean="0"/>
-              <a:t>10/4/2017</a:t>
+              <a:t>10/13/2017</a:t>
             </a:fld>
             <a:endParaRPr lang="en-US"/>
           </a:p>
@@ -11296,7 +11296,7 @@
           <a:p>
             <a:fld id="{EEC3160E-2579-4584-9765-DC1BA0B358F9}" type="datetimeFigureOut">
               <a:rPr lang="en-US" smtClean="0"/>
-              <a:t>10/4/2017</a:t>
+              <a:t>10/13/2017</a:t>
             </a:fld>
             <a:endParaRPr lang="en-US"/>
           </a:p>
@@ -11553,7 +11553,7 @@
           <a:p>
             <a:fld id="{EEC3160E-2579-4584-9765-DC1BA0B358F9}" type="datetimeFigureOut">
               <a:rPr lang="en-US" smtClean="0"/>
-              <a:t>10/4/2017</a:t>
+              <a:t>10/13/2017</a:t>
             </a:fld>
             <a:endParaRPr lang="en-US"/>
           </a:p>
@@ -11766,7 +11766,7 @@
           <a:p>
             <a:fld id="{EEC3160E-2579-4584-9765-DC1BA0B358F9}" type="datetimeFigureOut">
               <a:rPr lang="en-US" smtClean="0"/>
-              <a:t>10/4/2017</a:t>
+              <a:t>10/13/2017</a:t>
             </a:fld>
             <a:endParaRPr lang="en-US"/>
           </a:p>
@@ -15291,11 +15291,11 @@
   <p:clrMapOvr>
     <a:masterClrMapping/>
   </p:clrMapOvr>
-  <mc:AlternateContent xmlns:mc="http://schemas.openxmlformats.org/markup-compatibility/2006">
-    <mc:Choice xmlns:p14="http://schemas.microsoft.com/office/powerpoint/2010/main" Requires="p14">
+  <mc:AlternateContent xmlns:mc="http://schemas.openxmlformats.org/markup-compatibility/2006" xmlns:p14="http://schemas.microsoft.com/office/powerpoint/2010/main">
+    <mc:Choice Requires="p14">
       <p:transition p14:dur="0" advClick="0" advTm="10000"/>
     </mc:Choice>
-    <mc:Fallback>
+    <mc:Fallback xmlns="">
       <p:transition advClick="0" advTm="10000"/>
     </mc:Fallback>
   </mc:AlternateContent>
@@ -15596,7 +15596,7 @@
         </p:blipFill>
         <p:spPr>
           <a:xfrm>
-            <a:off x="838200" y="1777888"/>
+            <a:off x="838206" y="1524497"/>
             <a:ext cx="4286250" cy="4286250"/>
           </a:xfrm>
           <a:prstGeom prst="rect">
@@ -15622,10 +15622,70 @@
         </p:nvSpPr>
         <p:spPr/>
         <p:txBody>
-          <a:bodyPr/>
+          <a:bodyPr>
+            <a:normAutofit fontScale="92500" lnSpcReduction="20000"/>
+          </a:bodyPr>
           <a:lstStyle/>
           <a:p>
             <a:endParaRPr lang="en-US" dirty="0"/>
+          </a:p>
+          <a:p>
+            <a:endParaRPr lang="en-US" dirty="0"/>
+          </a:p>
+          <a:p>
+            <a:endParaRPr lang="en-US" dirty="0"/>
+          </a:p>
+          <a:p>
+            <a:endParaRPr lang="en-US" dirty="0"/>
+          </a:p>
+          <a:p>
+            <a:endParaRPr lang="en-US" dirty="0"/>
+          </a:p>
+          <a:p>
+            <a:endParaRPr lang="en-US" dirty="0"/>
+          </a:p>
+          <a:p>
+            <a:endParaRPr lang="en-US" dirty="0"/>
+          </a:p>
+          <a:p>
+            <a:endParaRPr lang="en-US" dirty="0"/>
+          </a:p>
+          <a:p>
+            <a:pPr marL="0" indent="0">
+              <a:buNone/>
+            </a:pPr>
+            <a:endParaRPr lang="en-US" b="1" dirty="0">
+              <a:solidFill>
+                <a:schemeClr val="bg1"/>
+              </a:solidFill>
+            </a:endParaRPr>
+          </a:p>
+          <a:p>
+            <a:pPr marL="0" indent="0">
+              <a:buNone/>
+            </a:pPr>
+            <a:r>
+              <a:rPr lang="en-US" sz="2600" b="1" dirty="0">
+                <a:ln w="9525">
+                  <a:solidFill>
+                    <a:schemeClr val="bg1"/>
+                  </a:solidFill>
+                  <a:prstDash val="solid"/>
+                </a:ln>
+                <a:solidFill>
+                  <a:schemeClr val="bg1"/>
+                </a:solidFill>
+                <a:effectLst>
+                  <a:outerShdw blurRad="12700" dist="38100" dir="2700000" algn="tl" rotWithShape="0">
+                    <a:schemeClr val="accent5">
+                      <a:lumMod val="60000"/>
+                      <a:lumOff val="40000"/>
+                    </a:schemeClr>
+                  </a:outerShdw>
+                </a:effectLst>
+              </a:rPr>
+              <a:t>        http://bit.ly/2yLmkTS</a:t>
+            </a:r>
           </a:p>
         </p:txBody>
       </p:sp>

--- a/Whats New in ASP.NET Core 2.0.pptx
+++ b/Whats New in ASP.NET Core 2.0.pptx
@@ -3496,7 +3496,7 @@
           <a:p>
             <a:fld id="{3B87D1B5-D667-42F5-9E38-2FD202ABDFA0}" type="datetimeFigureOut">
               <a:rPr lang="en-US" smtClean="0"/>
-              <a:t>10/13/2017</a:t>
+              <a:t>10/15/2017</a:t>
             </a:fld>
             <a:endParaRPr lang="en-US"/>
           </a:p>
@@ -4059,7 +4059,33 @@
           <a:bodyPr/>
           <a:lstStyle/>
           <a:p>
-            <a:endParaRPr lang="en-US"/>
+            <a:r>
+              <a:rPr lang="en-US" dirty="0" err="1"/>
+              <a:t>Program.cs</a:t>
+            </a:r>
+            <a:r>
+              <a:rPr lang="en-US" dirty="0"/>
+              <a:t> </a:t>
+            </a:r>
+            <a:r>
+              <a:rPr lang="en-US" dirty="0">
+                <a:sym typeface="Wingdings" panose="05000000000000000000" pitchFamily="2" charset="2"/>
+              </a:rPr>
+              <a:t> </a:t>
+            </a:r>
+            <a:r>
+              <a:rPr lang="en-US" b="1" dirty="0" err="1">
+                <a:sym typeface="Wingdings" panose="05000000000000000000" pitchFamily="2" charset="2"/>
+              </a:rPr>
+              <a:t>CreateDefaultBuilder</a:t>
+            </a:r>
+            <a:r>
+              <a:rPr lang="en-US" dirty="0">
+                <a:sym typeface="Wingdings" panose="05000000000000000000" pitchFamily="2" charset="2"/>
+              </a:rPr>
+              <a:t> method handles boilerplate</a:t>
+            </a:r>
+            <a:endParaRPr lang="en-US" dirty="0"/>
           </a:p>
         </p:txBody>
       </p:sp>
@@ -5802,7 +5828,7 @@
           <a:p>
             <a:fld id="{EEC3160E-2579-4584-9765-DC1BA0B358F9}" type="datetimeFigureOut">
               <a:rPr lang="en-US" smtClean="0"/>
-              <a:t>10/13/2017</a:t>
+              <a:t>10/15/2017</a:t>
             </a:fld>
             <a:endParaRPr lang="en-US"/>
           </a:p>
@@ -5972,7 +5998,7 @@
           <a:p>
             <a:fld id="{EEC3160E-2579-4584-9765-DC1BA0B358F9}" type="datetimeFigureOut">
               <a:rPr lang="en-US" smtClean="0"/>
-              <a:t>10/13/2017</a:t>
+              <a:t>10/15/2017</a:t>
             </a:fld>
             <a:endParaRPr lang="en-US"/>
           </a:p>
@@ -6152,7 +6178,7 @@
           <a:p>
             <a:fld id="{EEC3160E-2579-4584-9765-DC1BA0B358F9}" type="datetimeFigureOut">
               <a:rPr lang="en-US" smtClean="0"/>
-              <a:t>10/13/2017</a:t>
+              <a:t>10/15/2017</a:t>
             </a:fld>
             <a:endParaRPr lang="en-US"/>
           </a:p>
@@ -8067,7 +8093,7 @@
           <a:p>
             <a:fld id="{EEC3160E-2579-4584-9765-DC1BA0B358F9}" type="datetimeFigureOut">
               <a:rPr lang="en-US" smtClean="0"/>
-              <a:t>10/13/2017</a:t>
+              <a:t>10/15/2017</a:t>
             </a:fld>
             <a:endParaRPr lang="en-US"/>
           </a:p>
@@ -9549,7 +9575,7 @@
           <a:p>
             <a:fld id="{EEC3160E-2579-4584-9765-DC1BA0B358F9}" type="datetimeFigureOut">
               <a:rPr lang="en-US" smtClean="0"/>
-              <a:t>10/13/2017</a:t>
+              <a:t>10/15/2017</a:t>
             </a:fld>
             <a:endParaRPr lang="en-US"/>
           </a:p>
@@ -10689,7 +10715,7 @@
           <a:p>
             <a:fld id="{EEC3160E-2579-4584-9765-DC1BA0B358F9}" type="datetimeFigureOut">
               <a:rPr lang="en-US" smtClean="0"/>
-              <a:t>10/13/2017</a:t>
+              <a:t>10/15/2017</a:t>
             </a:fld>
             <a:endParaRPr lang="en-US"/>
           </a:p>
@@ -11056,7 +11082,7 @@
           <a:p>
             <a:fld id="{EEC3160E-2579-4584-9765-DC1BA0B358F9}" type="datetimeFigureOut">
               <a:rPr lang="en-US" smtClean="0"/>
-              <a:t>10/13/2017</a:t>
+              <a:t>10/15/2017</a:t>
             </a:fld>
             <a:endParaRPr lang="en-US"/>
           </a:p>
@@ -11174,7 +11200,7 @@
           <a:p>
             <a:fld id="{EEC3160E-2579-4584-9765-DC1BA0B358F9}" type="datetimeFigureOut">
               <a:rPr lang="en-US" smtClean="0"/>
-              <a:t>10/13/2017</a:t>
+              <a:t>10/15/2017</a:t>
             </a:fld>
             <a:endParaRPr lang="en-US"/>
           </a:p>
@@ -11269,7 +11295,7 @@
           <a:p>
             <a:fld id="{EEC3160E-2579-4584-9765-DC1BA0B358F9}" type="datetimeFigureOut">
               <a:rPr lang="en-US" smtClean="0"/>
-              <a:t>10/13/2017</a:t>
+              <a:t>10/15/2017</a:t>
             </a:fld>
             <a:endParaRPr lang="en-US"/>
           </a:p>
@@ -11546,7 +11572,7 @@
           <a:p>
             <a:fld id="{EEC3160E-2579-4584-9765-DC1BA0B358F9}" type="datetimeFigureOut">
               <a:rPr lang="en-US" smtClean="0"/>
-              <a:t>10/13/2017</a:t>
+              <a:t>10/15/2017</a:t>
             </a:fld>
             <a:endParaRPr lang="en-US"/>
           </a:p>
@@ -11803,7 +11829,7 @@
           <a:p>
             <a:fld id="{EEC3160E-2579-4584-9765-DC1BA0B358F9}" type="datetimeFigureOut">
               <a:rPr lang="en-US" smtClean="0"/>
-              <a:t>10/13/2017</a:t>
+              <a:t>10/15/2017</a:t>
             </a:fld>
             <a:endParaRPr lang="en-US"/>
           </a:p>
@@ -12016,7 +12042,7 @@
           <a:p>
             <a:fld id="{EEC3160E-2579-4584-9765-DC1BA0B358F9}" type="datetimeFigureOut">
               <a:rPr lang="en-US" smtClean="0"/>
-              <a:t>10/13/2017</a:t>
+              <a:t>10/15/2017</a:t>
             </a:fld>
             <a:endParaRPr lang="en-US"/>
           </a:p>
@@ -14415,13 +14441,13 @@
   <p:clrMapOvr>
     <a:masterClrMapping/>
   </p:clrMapOvr>
-  <mc:AlternateContent xmlns:mc="http://schemas.openxmlformats.org/markup-compatibility/2006">
-    <mc:Choice xmlns:p14="http://schemas.microsoft.com/office/powerpoint/2010/main" Requires="p14">
+  <mc:AlternateContent xmlns:mc="http://schemas.openxmlformats.org/markup-compatibility/2006" xmlns:p14="http://schemas.microsoft.com/office/powerpoint/2010/main">
+    <mc:Choice Requires="p14">
       <p:transition spd="med" p14:dur="700" advTm="10000">
         <p:fade/>
       </p:transition>
     </mc:Choice>
-    <mc:Fallback>
+    <mc:Fallback xmlns="">
       <p:transition spd="med" advTm="10000">
         <p:fade/>
       </p:transition>
@@ -14553,68 +14579,12 @@
           <a:chExt cx="0" cy="0"/>
         </a:xfrm>
       </p:grpSpPr>
-      <p:sp>
-        <p:nvSpPr>
-          <p:cNvPr id="4" name="Title 3">
+      <p:graphicFrame>
+        <p:nvGraphicFramePr>
+          <p:cNvPr id="6" name="Table 5">
             <a:extLst>
               <a:ext uri="{FF2B5EF4-FFF2-40B4-BE49-F238E27FC236}">
-                <a16:creationId xmlns:a16="http://schemas.microsoft.com/office/drawing/2014/main" id="{B71A2930-A580-46D5-894C-BB25FA5F1D99}"/>
-              </a:ext>
-            </a:extLst>
-          </p:cNvPr>
-          <p:cNvSpPr>
-            <a:spLocks noGrp="1"/>
-          </p:cNvSpPr>
-          <p:nvPr>
-            <p:ph type="title"/>
-          </p:nvPr>
-        </p:nvSpPr>
-        <p:spPr/>
-        <p:txBody>
-          <a:bodyPr/>
-          <a:lstStyle/>
-          <a:p>
-            <a:r>
-              <a:rPr lang="en-US" dirty="0"/>
-              <a:t>1.x configuration recap</a:t>
-            </a:r>
-          </a:p>
-        </p:txBody>
-      </p:sp>
-      <p:sp>
-        <p:nvSpPr>
-          <p:cNvPr id="5" name="Content Placeholder 4">
-            <a:extLst>
-              <a:ext uri="{FF2B5EF4-FFF2-40B4-BE49-F238E27FC236}">
-                <a16:creationId xmlns:a16="http://schemas.microsoft.com/office/drawing/2014/main" id="{9CFBC72C-AB15-47AB-8916-57F86A1148D5}"/>
-              </a:ext>
-            </a:extLst>
-          </p:cNvPr>
-          <p:cNvSpPr>
-            <a:spLocks noGrp="1"/>
-          </p:cNvSpPr>
-          <p:nvPr>
-            <p:ph idx="1"/>
-          </p:nvPr>
-        </p:nvSpPr>
-        <p:spPr/>
-        <p:txBody>
-          <a:bodyPr/>
-          <a:lstStyle/>
-          <a:p>
-            <a:pPr marL="0" indent="0">
-              <a:buNone/>
-            </a:pPr>
-            <a:endParaRPr lang="en-US" dirty="0"/>
-          </a:p>
-        </p:txBody>
-      </p:sp>
-      <p:graphicFrame>
-        <p:nvGraphicFramePr>
-          <p:cNvPr id="7" name="Table 6">
-            <a:extLst>
-              <a:ext uri="{FF2B5EF4-FFF2-40B4-BE49-F238E27FC236}">
-                <a16:creationId xmlns:a16="http://schemas.microsoft.com/office/drawing/2014/main" id="{EA076EF3-C1CD-4316-8EDE-08E7D16599DF}"/>
+                <a16:creationId xmlns:a16="http://schemas.microsoft.com/office/drawing/2014/main" id="{7DACCB6B-A346-4FFD-B676-32CFC6E35913}"/>
               </a:ext>
             </a:extLst>
           </p:cNvPr>
@@ -14624,14 +14594,14 @@
           <p:nvPr>
             <p:extLst>
               <p:ext uri="{D42A27DB-BD31-4B8C-83A1-F6EECF244321}">
-                <p14:modId xmlns:p14="http://schemas.microsoft.com/office/powerpoint/2010/main" val="2828719527"/>
+                <p14:modId xmlns:p14="http://schemas.microsoft.com/office/powerpoint/2010/main" val="2453041393"/>
               </p:ext>
             </p:extLst>
           </p:nvPr>
         </p:nvGraphicFramePr>
         <p:xfrm>
-          <a:off x="838200" y="2277318"/>
-          <a:ext cx="10515600" cy="3657600"/>
+          <a:off x="838200" y="2278003"/>
+          <a:ext cx="7995249" cy="4206240"/>
         </p:xfrm>
         <a:graphic>
           <a:graphicData uri="http://schemas.openxmlformats.org/drawingml/2006/table">
@@ -14640,7 +14610,7 @@
                 <a:tableStyleId>{5C22544A-7EE6-4342-B048-85BDC9FD1C3A}</a:tableStyleId>
               </a:tblPr>
               <a:tblGrid>
-                <a:gridCol w="10515600">
+                <a:gridCol w="7995249">
                   <a:extLst>
                     <a:ext uri="{9D8B030D-6E8A-4147-A177-3AD203B41FA5}">
                       <a16:colId xmlns:a16="http://schemas.microsoft.com/office/drawing/2014/main" val="1057070397"/>
@@ -14670,44 +14640,41 @@
                           </a:solidFill>
                           <a:latin typeface="Consolas" panose="020B0609020204030204" pitchFamily="49" charset="0"/>
                         </a:rPr>
-                        <a:t> Startup(</a:t>
-                      </a:r>
-                      <a:r>
-                        <a:rPr lang="en-US" sz="1800" dirty="0" err="1">
+                        <a:t> </a:t>
+                      </a:r>
+                      <a:r>
+                        <a:rPr lang="en-US" sz="1800" dirty="0">
+                          <a:solidFill>
+                            <a:srgbClr val="0000FF"/>
+                          </a:solidFill>
+                          <a:latin typeface="Consolas" panose="020B0609020204030204" pitchFamily="49" charset="0"/>
+                        </a:rPr>
+                        <a:t>class</a:t>
+                      </a:r>
+                      <a:r>
+                        <a:rPr lang="en-US" sz="1800" dirty="0">
+                          <a:solidFill>
+                            <a:srgbClr val="000000"/>
+                          </a:solidFill>
+                          <a:latin typeface="Consolas" panose="020B0609020204030204" pitchFamily="49" charset="0"/>
+                        </a:rPr>
+                        <a:t> </a:t>
+                      </a:r>
+                      <a:r>
+                        <a:rPr lang="en-US" sz="1800" dirty="0">
                           <a:solidFill>
                             <a:srgbClr val="2B91AF"/>
                           </a:solidFill>
                           <a:latin typeface="Consolas" panose="020B0609020204030204" pitchFamily="49" charset="0"/>
                         </a:rPr>
-                        <a:t>IHostingEnvironment</a:t>
-                      </a:r>
-                      <a:r>
-                        <a:rPr lang="en-US" sz="1800" dirty="0">
-                          <a:solidFill>
-                            <a:srgbClr val="000000"/>
-                          </a:solidFill>
-                          <a:latin typeface="Consolas" panose="020B0609020204030204" pitchFamily="49" charset="0"/>
-                        </a:rPr>
-                        <a:t> </a:t>
-                      </a:r>
-                      <a:r>
-                        <a:rPr lang="en-US" sz="1800" dirty="0" err="1">
-                          <a:solidFill>
-                            <a:srgbClr val="000000"/>
-                          </a:solidFill>
-                          <a:latin typeface="Consolas" panose="020B0609020204030204" pitchFamily="49" charset="0"/>
-                        </a:rPr>
-                        <a:t>env</a:t>
-                      </a:r>
-                      <a:r>
-                        <a:rPr lang="en-US" sz="1800" dirty="0">
-                          <a:solidFill>
-                            <a:srgbClr val="000000"/>
-                          </a:solidFill>
-                          <a:latin typeface="Consolas" panose="020B0609020204030204" pitchFamily="49" charset="0"/>
-                        </a:rPr>
-                        <a:t>) {</a:t>
-                      </a:r>
+                        <a:t>Program</a:t>
+                      </a:r>
+                      <a:endParaRPr lang="en-US" sz="1800" dirty="0">
+                        <a:solidFill>
+                          <a:srgbClr val="000000"/>
+                        </a:solidFill>
+                        <a:latin typeface="Consolas" panose="020B0609020204030204" pitchFamily="49" charset="0"/>
+                      </a:endParaRPr>
                     </a:p>
                     <a:p>
                       <a:r>
@@ -14717,61 +14684,7 @@
                           </a:solidFill>
                           <a:latin typeface="Consolas" panose="020B0609020204030204" pitchFamily="49" charset="0"/>
                         </a:rPr>
-                        <a:t>    </a:t>
-                      </a:r>
-                      <a:r>
-                        <a:rPr lang="en-US" sz="1800" dirty="0" err="1">
-                          <a:solidFill>
-                            <a:srgbClr val="0000FF"/>
-                          </a:solidFill>
-                          <a:latin typeface="Consolas" panose="020B0609020204030204" pitchFamily="49" charset="0"/>
-                        </a:rPr>
-                        <a:t>var</a:t>
-                      </a:r>
-                      <a:r>
-                        <a:rPr lang="en-US" sz="1800" dirty="0">
-                          <a:solidFill>
-                            <a:srgbClr val="000000"/>
-                          </a:solidFill>
-                          <a:latin typeface="Consolas" panose="020B0609020204030204" pitchFamily="49" charset="0"/>
-                        </a:rPr>
-                        <a:t> builder = </a:t>
-                      </a:r>
-                      <a:r>
-                        <a:rPr lang="en-US" sz="1800" dirty="0">
-                          <a:solidFill>
-                            <a:srgbClr val="0000FF"/>
-                          </a:solidFill>
-                          <a:latin typeface="Consolas" panose="020B0609020204030204" pitchFamily="49" charset="0"/>
-                        </a:rPr>
-                        <a:t>new</a:t>
-                      </a:r>
-                      <a:r>
-                        <a:rPr lang="en-US" sz="1800" dirty="0">
-                          <a:solidFill>
-                            <a:srgbClr val="000000"/>
-                          </a:solidFill>
-                          <a:latin typeface="Consolas" panose="020B0609020204030204" pitchFamily="49" charset="0"/>
-                        </a:rPr>
-                        <a:t> </a:t>
-                      </a:r>
-                      <a:r>
-                        <a:rPr lang="en-US" sz="1800" dirty="0" err="1">
-                          <a:solidFill>
-                            <a:srgbClr val="2B91AF"/>
-                          </a:solidFill>
-                          <a:latin typeface="Consolas" panose="020B0609020204030204" pitchFamily="49" charset="0"/>
-                        </a:rPr>
-                        <a:t>ConfigurationBuilder</a:t>
-                      </a:r>
-                      <a:r>
-                        <a:rPr lang="en-US" sz="1800" dirty="0">
-                          <a:solidFill>
-                            <a:srgbClr val="000000"/>
-                          </a:solidFill>
-                          <a:latin typeface="Consolas" panose="020B0609020204030204" pitchFamily="49" charset="0"/>
-                        </a:rPr>
-                        <a:t>()</a:t>
+                        <a:t>{</a:t>
                       </a:r>
                     </a:p>
                     <a:p>
@@ -14782,7 +14695,79 @@
                           </a:solidFill>
                           <a:latin typeface="Consolas" panose="020B0609020204030204" pitchFamily="49" charset="0"/>
                         </a:rPr>
-                        <a:t>         .</a:t>
+                        <a:t>    </a:t>
+                      </a:r>
+                      <a:r>
+                        <a:rPr lang="en-US" sz="1800" dirty="0">
+                          <a:solidFill>
+                            <a:srgbClr val="0000FF"/>
+                          </a:solidFill>
+                          <a:latin typeface="Consolas" panose="020B0609020204030204" pitchFamily="49" charset="0"/>
+                        </a:rPr>
+                        <a:t>public</a:t>
+                      </a:r>
+                      <a:r>
+                        <a:rPr lang="en-US" sz="1800" dirty="0">
+                          <a:solidFill>
+                            <a:srgbClr val="000000"/>
+                          </a:solidFill>
+                          <a:latin typeface="Consolas" panose="020B0609020204030204" pitchFamily="49" charset="0"/>
+                        </a:rPr>
+                        <a:t> </a:t>
+                      </a:r>
+                      <a:r>
+                        <a:rPr lang="en-US" sz="1800" dirty="0">
+                          <a:solidFill>
+                            <a:srgbClr val="0000FF"/>
+                          </a:solidFill>
+                          <a:latin typeface="Consolas" panose="020B0609020204030204" pitchFamily="49" charset="0"/>
+                        </a:rPr>
+                        <a:t>static</a:t>
+                      </a:r>
+                      <a:r>
+                        <a:rPr lang="en-US" sz="1800" dirty="0">
+                          <a:solidFill>
+                            <a:srgbClr val="000000"/>
+                          </a:solidFill>
+                          <a:latin typeface="Consolas" panose="020B0609020204030204" pitchFamily="49" charset="0"/>
+                        </a:rPr>
+                        <a:t> </a:t>
+                      </a:r>
+                      <a:r>
+                        <a:rPr lang="en-US" sz="1800" dirty="0">
+                          <a:solidFill>
+                            <a:srgbClr val="0000FF"/>
+                          </a:solidFill>
+                          <a:latin typeface="Consolas" panose="020B0609020204030204" pitchFamily="49" charset="0"/>
+                        </a:rPr>
+                        <a:t>void</a:t>
+                      </a:r>
+                      <a:r>
+                        <a:rPr lang="en-US" sz="1800" dirty="0">
+                          <a:solidFill>
+                            <a:srgbClr val="000000"/>
+                          </a:solidFill>
+                          <a:latin typeface="Consolas" panose="020B0609020204030204" pitchFamily="49" charset="0"/>
+                        </a:rPr>
+                        <a:t> Main(</a:t>
+                      </a:r>
+                      <a:r>
+                        <a:rPr lang="en-US" sz="1800" dirty="0">
+                          <a:solidFill>
+                            <a:srgbClr val="0000FF"/>
+                          </a:solidFill>
+                          <a:latin typeface="Consolas" panose="020B0609020204030204" pitchFamily="49" charset="0"/>
+                        </a:rPr>
+                        <a:t>string</a:t>
+                      </a:r>
+                      <a:r>
+                        <a:rPr lang="en-US" sz="1800" dirty="0">
+                          <a:solidFill>
+                            <a:srgbClr val="000000"/>
+                          </a:solidFill>
+                          <a:latin typeface="Consolas" panose="020B0609020204030204" pitchFamily="49" charset="0"/>
+                        </a:rPr>
+                        <a:t>[] </a:t>
                       </a:r>
                       <a:r>
                         <a:rPr lang="en-US" sz="1800" dirty="0" err="1">
@@ -14791,25 +14776,7 @@
                           </a:solidFill>
                           <a:latin typeface="Consolas" panose="020B0609020204030204" pitchFamily="49" charset="0"/>
                         </a:rPr>
-                        <a:t>SetBasePath</a:t>
-                      </a:r>
-                      <a:r>
-                        <a:rPr lang="en-US" sz="1800" dirty="0">
-                          <a:solidFill>
-                            <a:srgbClr val="000000"/>
-                          </a:solidFill>
-                          <a:latin typeface="Consolas" panose="020B0609020204030204" pitchFamily="49" charset="0"/>
-                        </a:rPr>
-                        <a:t>(</a:t>
-                      </a:r>
-                      <a:r>
-                        <a:rPr lang="en-US" sz="1800" dirty="0" err="1">
-                          <a:solidFill>
-                            <a:srgbClr val="000000"/>
-                          </a:solidFill>
-                          <a:latin typeface="Consolas" panose="020B0609020204030204" pitchFamily="49" charset="0"/>
-                        </a:rPr>
-                        <a:t>env.ContentRootPath</a:t>
+                        <a:t>args</a:t>
                       </a:r>
                       <a:r>
                         <a:rPr lang="en-US" sz="1800" dirty="0">
@@ -14829,115 +14796,7 @@
                           </a:solidFill>
                           <a:latin typeface="Consolas" panose="020B0609020204030204" pitchFamily="49" charset="0"/>
                         </a:rPr>
-                        <a:t>         .</a:t>
-                      </a:r>
-                      <a:r>
-                        <a:rPr lang="en-US" sz="1800" dirty="0" err="1">
-                          <a:solidFill>
-                            <a:srgbClr val="000000"/>
-                          </a:solidFill>
-                          <a:latin typeface="Consolas" panose="020B0609020204030204" pitchFamily="49" charset="0"/>
-                        </a:rPr>
-                        <a:t>AddJsonFile</a:t>
-                      </a:r>
-                      <a:r>
-                        <a:rPr lang="en-US" sz="1800" dirty="0">
-                          <a:solidFill>
-                            <a:srgbClr val="000000"/>
-                          </a:solidFill>
-                          <a:latin typeface="Consolas" panose="020B0609020204030204" pitchFamily="49" charset="0"/>
-                        </a:rPr>
-                        <a:t>(</a:t>
-                      </a:r>
-                      <a:r>
-                        <a:rPr lang="en-US" sz="1800" dirty="0">
-                          <a:solidFill>
-                            <a:srgbClr val="A31515"/>
-                          </a:solidFill>
-                          <a:latin typeface="Consolas" panose="020B0609020204030204" pitchFamily="49" charset="0"/>
-                        </a:rPr>
-                        <a:t>"</a:t>
-                      </a:r>
-                      <a:r>
-                        <a:rPr lang="en-US" sz="1800" dirty="0" err="1">
-                          <a:solidFill>
-                            <a:srgbClr val="A31515"/>
-                          </a:solidFill>
-                          <a:latin typeface="Consolas" panose="020B0609020204030204" pitchFamily="49" charset="0"/>
-                        </a:rPr>
-                        <a:t>appsettings.json</a:t>
-                      </a:r>
-                      <a:r>
-                        <a:rPr lang="en-US" sz="1800" dirty="0">
-                          <a:solidFill>
-                            <a:srgbClr val="A31515"/>
-                          </a:solidFill>
-                          <a:latin typeface="Consolas" panose="020B0609020204030204" pitchFamily="49" charset="0"/>
-                        </a:rPr>
-                        <a:t>"</a:t>
-                      </a:r>
-                      <a:r>
-                        <a:rPr lang="en-US" sz="1800" dirty="0">
-                          <a:solidFill>
-                            <a:srgbClr val="000000"/>
-                          </a:solidFill>
-                          <a:latin typeface="Consolas" panose="020B0609020204030204" pitchFamily="49" charset="0"/>
-                        </a:rPr>
-                        <a:t>, optional: </a:t>
-                      </a:r>
-                      <a:r>
-                        <a:rPr lang="en-US" sz="1800" dirty="0">
-                          <a:solidFill>
-                            <a:srgbClr val="0000FF"/>
-                          </a:solidFill>
-                          <a:latin typeface="Consolas" panose="020B0609020204030204" pitchFamily="49" charset="0"/>
-                        </a:rPr>
-                        <a:t>false</a:t>
-                      </a:r>
-                      <a:r>
-                        <a:rPr lang="en-US" sz="1800" dirty="0">
-                          <a:solidFill>
-                            <a:srgbClr val="000000"/>
-                          </a:solidFill>
-                          <a:latin typeface="Consolas" panose="020B0609020204030204" pitchFamily="49" charset="0"/>
-                        </a:rPr>
-                        <a:t>, </a:t>
-                      </a:r>
-                      <a:r>
-                        <a:rPr lang="en-US" sz="1800" dirty="0" err="1">
-                          <a:solidFill>
-                            <a:srgbClr val="000000"/>
-                          </a:solidFill>
-                          <a:latin typeface="Consolas" panose="020B0609020204030204" pitchFamily="49" charset="0"/>
-                        </a:rPr>
-                        <a:t>reloadOnChange</a:t>
-                      </a:r>
-                      <a:r>
-                        <a:rPr lang="en-US" sz="1800" dirty="0">
-                          <a:solidFill>
-                            <a:srgbClr val="000000"/>
-                          </a:solidFill>
-                          <a:latin typeface="Consolas" panose="020B0609020204030204" pitchFamily="49" charset="0"/>
-                        </a:rPr>
-                        <a:t>: </a:t>
-                      </a:r>
-                      <a:r>
-                        <a:rPr lang="en-US" sz="1800" dirty="0">
-                          <a:solidFill>
-                            <a:srgbClr val="0000FF"/>
-                          </a:solidFill>
-                          <a:latin typeface="Consolas" panose="020B0609020204030204" pitchFamily="49" charset="0"/>
-                        </a:rPr>
-                        <a:t>true</a:t>
-                      </a:r>
-                      <a:r>
-                        <a:rPr lang="en-US" sz="1800" dirty="0">
-                          <a:solidFill>
-                            <a:srgbClr val="000000"/>
-                          </a:solidFill>
-                          <a:latin typeface="Consolas" panose="020B0609020204030204" pitchFamily="49" charset="0"/>
-                        </a:rPr>
-                        <a:t>)</a:t>
+                        <a:t>    {</a:t>
                       </a:r>
                     </a:p>
                     <a:p>
@@ -14948,53 +14807,169 @@
                           </a:solidFill>
                           <a:latin typeface="Consolas" panose="020B0609020204030204" pitchFamily="49" charset="0"/>
                         </a:rPr>
-                        <a:t>         .</a:t>
+                        <a:t>        </a:t>
                       </a:r>
                       <a:r>
                         <a:rPr lang="en-US" sz="1800" dirty="0" err="1">
                           <a:solidFill>
+                            <a:srgbClr val="0000FF"/>
+                          </a:solidFill>
+                          <a:latin typeface="Consolas" panose="020B0609020204030204" pitchFamily="49" charset="0"/>
+                        </a:rPr>
+                        <a:t>var</a:t>
+                      </a:r>
+                      <a:r>
+                        <a:rPr lang="en-US" sz="1800" dirty="0">
+                          <a:solidFill>
                             <a:srgbClr val="000000"/>
                           </a:solidFill>
                           <a:latin typeface="Consolas" panose="020B0609020204030204" pitchFamily="49" charset="0"/>
                         </a:rPr>
-                        <a:t>AddJsonFile</a:t>
+                        <a:t> host = </a:t>
                       </a:r>
                       <a:r>
                         <a:rPr lang="en-US" sz="1800" dirty="0">
                           <a:solidFill>
+                            <a:srgbClr val="0000FF"/>
+                          </a:solidFill>
+                          <a:latin typeface="Consolas" panose="020B0609020204030204" pitchFamily="49" charset="0"/>
+                        </a:rPr>
+                        <a:t>new</a:t>
+                      </a:r>
+                      <a:r>
+                        <a:rPr lang="en-US" sz="1800" dirty="0">
+                          <a:solidFill>
                             <a:srgbClr val="000000"/>
                           </a:solidFill>
                           <a:latin typeface="Consolas" panose="020B0609020204030204" pitchFamily="49" charset="0"/>
                         </a:rPr>
+                        <a:t> </a:t>
+                      </a:r>
+                      <a:r>
+                        <a:rPr lang="en-US" sz="1800" dirty="0" err="1">
+                          <a:solidFill>
+                            <a:srgbClr val="000000"/>
+                          </a:solidFill>
+                          <a:latin typeface="Consolas" panose="020B0609020204030204" pitchFamily="49" charset="0"/>
+                        </a:rPr>
+                        <a:t>WebHostBuilder</a:t>
+                      </a:r>
+                      <a:r>
+                        <a:rPr lang="en-US" sz="1800" dirty="0">
+                          <a:solidFill>
+                            <a:srgbClr val="000000"/>
+                          </a:solidFill>
+                          <a:latin typeface="Consolas" panose="020B0609020204030204" pitchFamily="49" charset="0"/>
+                        </a:rPr>
+                        <a:t>()</a:t>
+                      </a:r>
+                    </a:p>
+                    <a:p>
+                      <a:r>
+                        <a:rPr lang="en-US" sz="1800" dirty="0">
+                          <a:solidFill>
+                            <a:srgbClr val="000000"/>
+                          </a:solidFill>
+                          <a:latin typeface="Consolas" panose="020B0609020204030204" pitchFamily="49" charset="0"/>
+                        </a:rPr>
+                        <a:t>            .</a:t>
+                      </a:r>
+                      <a:r>
+                        <a:rPr lang="en-US" sz="1800" dirty="0" err="1">
+                          <a:solidFill>
+                            <a:srgbClr val="000000"/>
+                          </a:solidFill>
+                          <a:latin typeface="Consolas" panose="020B0609020204030204" pitchFamily="49" charset="0"/>
+                        </a:rPr>
+                        <a:t>UseKestrel</a:t>
+                      </a:r>
+                      <a:r>
+                        <a:rPr lang="en-US" sz="1800" dirty="0">
+                          <a:solidFill>
+                            <a:srgbClr val="000000"/>
+                          </a:solidFill>
+                          <a:latin typeface="Consolas" panose="020B0609020204030204" pitchFamily="49" charset="0"/>
+                        </a:rPr>
+                        <a:t>()</a:t>
+                      </a:r>
+                    </a:p>
+                    <a:p>
+                      <a:r>
+                        <a:rPr lang="en-US" sz="1800" dirty="0">
+                          <a:solidFill>
+                            <a:srgbClr val="000000"/>
+                          </a:solidFill>
+                          <a:latin typeface="Consolas" panose="020B0609020204030204" pitchFamily="49" charset="0"/>
+                        </a:rPr>
+                        <a:t>            .</a:t>
+                      </a:r>
+                      <a:r>
+                        <a:rPr lang="en-US" sz="1800" dirty="0" err="1">
+                          <a:solidFill>
+                            <a:srgbClr val="000000"/>
+                          </a:solidFill>
+                          <a:latin typeface="Consolas" panose="020B0609020204030204" pitchFamily="49" charset="0"/>
+                        </a:rPr>
+                        <a:t>UseContentRoot</a:t>
+                      </a:r>
+                      <a:r>
+                        <a:rPr lang="en-US" sz="1800" dirty="0">
+                          <a:solidFill>
+                            <a:srgbClr val="000000"/>
+                          </a:solidFill>
+                          <a:latin typeface="Consolas" panose="020B0609020204030204" pitchFamily="49" charset="0"/>
+                        </a:rPr>
                         <a:t>(</a:t>
                       </a:r>
                       <a:r>
+                        <a:rPr lang="en-US" sz="1800" dirty="0" err="1">
+                          <a:solidFill>
+                            <a:srgbClr val="000000"/>
+                          </a:solidFill>
+                          <a:latin typeface="Consolas" panose="020B0609020204030204" pitchFamily="49" charset="0"/>
+                        </a:rPr>
+                        <a:t>Directory.GetCurrentDirectory</a:t>
+                      </a:r>
+                      <a:r>
                         <a:rPr lang="en-US" sz="1800" dirty="0">
                           <a:solidFill>
-                            <a:srgbClr val="A31515"/>
-                          </a:solidFill>
-                          <a:latin typeface="Consolas" panose="020B0609020204030204" pitchFamily="49" charset="0"/>
-                        </a:rPr>
-                        <a:t>$"</a:t>
+                            <a:srgbClr val="000000"/>
+                          </a:solidFill>
+                          <a:latin typeface="Consolas" panose="020B0609020204030204" pitchFamily="49" charset="0"/>
+                        </a:rPr>
+                        <a:t>())</a:t>
+                      </a:r>
+                    </a:p>
+                    <a:p>
+                      <a:r>
+                        <a:rPr lang="en-US" sz="1800" dirty="0">
+                          <a:solidFill>
+                            <a:srgbClr val="000000"/>
+                          </a:solidFill>
+                          <a:latin typeface="Consolas" panose="020B0609020204030204" pitchFamily="49" charset="0"/>
+                        </a:rPr>
+                        <a:t>            .</a:t>
                       </a:r>
                       <a:r>
                         <a:rPr lang="en-US" sz="1800" dirty="0" err="1">
                           <a:solidFill>
-                            <a:srgbClr val="A31515"/>
-                          </a:solidFill>
-                          <a:latin typeface="Consolas" panose="020B0609020204030204" pitchFamily="49" charset="0"/>
-                        </a:rPr>
-                        <a:t>appsettings</a:t>
+                            <a:srgbClr val="000000"/>
+                          </a:solidFill>
+                          <a:latin typeface="Consolas" panose="020B0609020204030204" pitchFamily="49" charset="0"/>
+                        </a:rPr>
+                        <a:t>UseIISIntegration</a:t>
                       </a:r>
                       <a:r>
                         <a:rPr lang="en-US" sz="1800" dirty="0">
                           <a:solidFill>
-                            <a:srgbClr val="A31515"/>
-                          </a:solidFill>
-                          <a:latin typeface="Consolas" panose="020B0609020204030204" pitchFamily="49" charset="0"/>
-                        </a:rPr>
-                        <a:t>.</a:t>
-                      </a:r>
+                            <a:srgbClr val="000000"/>
+                          </a:solidFill>
+                          <a:latin typeface="Consolas" panose="020B0609020204030204" pitchFamily="49" charset="0"/>
+                        </a:rPr>
+                        <a:t>()</a:t>
+                      </a:r>
+                    </a:p>
+                    <a:p>
                       <a:r>
                         <a:rPr lang="en-US" sz="1800" dirty="0">
                           <a:solidFill>
@@ -15002,7 +14977,7 @@
                           </a:solidFill>
                           <a:latin typeface="Consolas" panose="020B0609020204030204" pitchFamily="49" charset="0"/>
                         </a:rPr>
-                        <a:t>{</a:t>
+                        <a:t>            .</a:t>
                       </a:r>
                       <a:r>
                         <a:rPr lang="en-US" sz="1800" dirty="0" err="1">
@@ -15011,7 +14986,7 @@
                           </a:solidFill>
                           <a:latin typeface="Consolas" panose="020B0609020204030204" pitchFamily="49" charset="0"/>
                         </a:rPr>
-                        <a:t>env.EnvironmentName</a:t>
+                        <a:t>UseStartup</a:t>
                       </a:r>
                       <a:r>
                         <a:rPr lang="en-US" sz="1800" dirty="0">
@@ -15020,35 +14995,39 @@
                           </a:solidFill>
                           <a:latin typeface="Consolas" panose="020B0609020204030204" pitchFamily="49" charset="0"/>
                         </a:rPr>
-                        <a:t>}</a:t>
-                      </a:r>
+                        <a:t>&lt;Startup&gt;()</a:t>
+                      </a:r>
+                    </a:p>
+                    <a:p>
                       <a:r>
                         <a:rPr lang="en-US" sz="1800" dirty="0">
                           <a:solidFill>
-                            <a:srgbClr val="A31515"/>
-                          </a:solidFill>
-                          <a:latin typeface="Consolas" panose="020B0609020204030204" pitchFamily="49" charset="0"/>
-                        </a:rPr>
-                        <a:t>.</a:t>
+                            <a:srgbClr val="000000"/>
+                          </a:solidFill>
+                          <a:latin typeface="Consolas" panose="020B0609020204030204" pitchFamily="49" charset="0"/>
+                        </a:rPr>
+                        <a:t>            .</a:t>
                       </a:r>
                       <a:r>
                         <a:rPr lang="en-US" sz="1800" dirty="0" err="1">
                           <a:solidFill>
-                            <a:srgbClr val="A31515"/>
-                          </a:solidFill>
-                          <a:latin typeface="Consolas" panose="020B0609020204030204" pitchFamily="49" charset="0"/>
-                        </a:rPr>
-                        <a:t>json</a:t>
+                            <a:srgbClr val="000000"/>
+                          </a:solidFill>
+                          <a:latin typeface="Consolas" panose="020B0609020204030204" pitchFamily="49" charset="0"/>
+                        </a:rPr>
+                        <a:t>UseApplicationInsights</a:t>
                       </a:r>
                       <a:r>
                         <a:rPr lang="en-US" sz="1800" dirty="0">
                           <a:solidFill>
-                            <a:srgbClr val="A31515"/>
-                          </a:solidFill>
-                          <a:latin typeface="Consolas" panose="020B0609020204030204" pitchFamily="49" charset="0"/>
-                        </a:rPr>
-                        <a:t>"</a:t>
-                      </a:r>
+                            <a:srgbClr val="000000"/>
+                          </a:solidFill>
+                          <a:latin typeface="Consolas" panose="020B0609020204030204" pitchFamily="49" charset="0"/>
+                        </a:rPr>
+                        <a:t>()</a:t>
+                      </a:r>
+                    </a:p>
+                    <a:p>
                       <a:r>
                         <a:rPr lang="en-US" sz="1800" dirty="0">
                           <a:solidFill>
@@ -15056,25 +15035,7 @@
                           </a:solidFill>
                           <a:latin typeface="Consolas" panose="020B0609020204030204" pitchFamily="49" charset="0"/>
                         </a:rPr>
-                        <a:t>, optional: </a:t>
-                      </a:r>
-                      <a:r>
-                        <a:rPr lang="en-US" sz="1800" dirty="0">
-                          <a:solidFill>
-                            <a:srgbClr val="0000FF"/>
-                          </a:solidFill>
-                          <a:latin typeface="Consolas" panose="020B0609020204030204" pitchFamily="49" charset="0"/>
-                        </a:rPr>
-                        <a:t>true</a:t>
-                      </a:r>
-                      <a:r>
-                        <a:rPr lang="en-US" sz="1800" dirty="0">
-                          <a:solidFill>
-                            <a:srgbClr val="000000"/>
-                          </a:solidFill>
-                          <a:latin typeface="Consolas" panose="020B0609020204030204" pitchFamily="49" charset="0"/>
-                        </a:rPr>
-                        <a:t>);</a:t>
+                        <a:t>            .Build();</a:t>
                       </a:r>
                     </a:p>
                     <a:p>
@@ -15089,11 +15050,20 @@
                       <a:r>
                         <a:rPr lang="en-US" sz="1800" dirty="0">
                           <a:solidFill>
-                            <a:srgbClr val="0000FF"/>
-                          </a:solidFill>
-                          <a:latin typeface="Consolas" panose="020B0609020204030204" pitchFamily="49" charset="0"/>
-                        </a:rPr>
-                        <a:t>    if</a:t>
+                            <a:srgbClr val="000000"/>
+                          </a:solidFill>
+                          <a:latin typeface="Consolas" panose="020B0609020204030204" pitchFamily="49" charset="0"/>
+                        </a:rPr>
+                        <a:t>        </a:t>
+                      </a:r>
+                      <a:r>
+                        <a:rPr lang="en-US" sz="1800" dirty="0" err="1">
+                          <a:solidFill>
+                            <a:srgbClr val="000000"/>
+                          </a:solidFill>
+                          <a:latin typeface="Consolas" panose="020B0609020204030204" pitchFamily="49" charset="0"/>
+                        </a:rPr>
+                        <a:t>host.Run</a:t>
                       </a:r>
                       <a:r>
                         <a:rPr lang="en-US" sz="1800" dirty="0">
@@ -15102,70 +15072,19 @@
                           </a:solidFill>
                           <a:latin typeface="Consolas" panose="020B0609020204030204" pitchFamily="49" charset="0"/>
                         </a:rPr>
-                        <a:t> (</a:t>
-                      </a:r>
-                      <a:r>
-                        <a:rPr lang="en-US" sz="1800" dirty="0" err="1">
-                          <a:solidFill>
-                            <a:srgbClr val="000000"/>
-                          </a:solidFill>
-                          <a:latin typeface="Consolas" panose="020B0609020204030204" pitchFamily="49" charset="0"/>
-                        </a:rPr>
-                        <a:t>env.IsDevelopment</a:t>
-                      </a:r>
-                      <a:r>
-                        <a:rPr lang="en-US" sz="1800" dirty="0">
-                          <a:solidFill>
-                            <a:srgbClr val="000000"/>
-                          </a:solidFill>
-                          <a:latin typeface="Consolas" panose="020B0609020204030204" pitchFamily="49" charset="0"/>
-                        </a:rPr>
-                        <a:t>()) { </a:t>
-                      </a:r>
-                      <a:r>
-                        <a:rPr lang="en-US" sz="1800" dirty="0" err="1">
-                          <a:solidFill>
-                            <a:srgbClr val="000000"/>
-                          </a:solidFill>
-                          <a:latin typeface="Consolas" panose="020B0609020204030204" pitchFamily="49" charset="0"/>
-                        </a:rPr>
-                        <a:t>builder.AddUserSecrets</a:t>
-                      </a:r>
-                      <a:r>
-                        <a:rPr lang="en-US" sz="1800" dirty="0">
-                          <a:solidFill>
-                            <a:srgbClr val="000000"/>
-                          </a:solidFill>
-                          <a:latin typeface="Consolas" panose="020B0609020204030204" pitchFamily="49" charset="0"/>
-                        </a:rPr>
-                        <a:t>&lt;</a:t>
-                      </a:r>
-                      <a:r>
-                        <a:rPr lang="en-US" sz="1800" dirty="0">
-                          <a:solidFill>
-                            <a:srgbClr val="2B91AF"/>
-                          </a:solidFill>
-                          <a:latin typeface="Consolas" panose="020B0609020204030204" pitchFamily="49" charset="0"/>
-                        </a:rPr>
-                        <a:t>Startup</a:t>
-                      </a:r>
-                      <a:r>
-                        <a:rPr lang="en-US" sz="1800" dirty="0">
-                          <a:solidFill>
-                            <a:srgbClr val="000000"/>
-                          </a:solidFill>
-                          <a:latin typeface="Consolas" panose="020B0609020204030204" pitchFamily="49" charset="0"/>
-                        </a:rPr>
-                        <a:t>&gt;(); }</a:t>
+                        <a:t>();</a:t>
                       </a:r>
                     </a:p>
                     <a:p>
-                      <a:endParaRPr lang="en-US" sz="1800" dirty="0">
-                        <a:solidFill>
-                          <a:srgbClr val="000000"/>
-                        </a:solidFill>
-                        <a:latin typeface="Consolas" panose="020B0609020204030204" pitchFamily="49" charset="0"/>
-                      </a:endParaRPr>
+                      <a:r>
+                        <a:rPr lang="en-US" sz="1800" dirty="0">
+                          <a:solidFill>
+                            <a:srgbClr val="000000"/>
+                          </a:solidFill>
+                          <a:latin typeface="Consolas" panose="020B0609020204030204" pitchFamily="49" charset="0"/>
+                        </a:rPr>
+                        <a:t>    }</a:t>
+                      </a:r>
                     </a:p>
                     <a:p>
                       <a:r>
@@ -15175,129 +15094,7 @@
                           </a:solidFill>
                           <a:latin typeface="Consolas" panose="020B0609020204030204" pitchFamily="49" charset="0"/>
                         </a:rPr>
-                        <a:t>    </a:t>
-                      </a:r>
-                      <a:r>
-                        <a:rPr lang="en-US" sz="1800" dirty="0" err="1">
-                          <a:solidFill>
-                            <a:srgbClr val="000000"/>
-                          </a:solidFill>
-                          <a:latin typeface="Consolas" panose="020B0609020204030204" pitchFamily="49" charset="0"/>
-                        </a:rPr>
-                        <a:t>builder.AddEnvironmentVariables</a:t>
-                      </a:r>
-                      <a:r>
-                        <a:rPr lang="en-US" sz="1800" dirty="0">
-                          <a:solidFill>
-                            <a:srgbClr val="000000"/>
-                          </a:solidFill>
-                          <a:latin typeface="Consolas" panose="020B0609020204030204" pitchFamily="49" charset="0"/>
-                        </a:rPr>
-                        <a:t>();</a:t>
-                      </a:r>
-                    </a:p>
-                    <a:p>
-                      <a:r>
-                        <a:rPr lang="en-US" sz="1800" dirty="0">
-                          <a:solidFill>
-                            <a:srgbClr val="000000"/>
-                          </a:solidFill>
-                          <a:latin typeface="Consolas" panose="020B0609020204030204" pitchFamily="49" charset="0"/>
-                        </a:rPr>
-                        <a:t>    Configuration = </a:t>
-                      </a:r>
-                      <a:r>
-                        <a:rPr lang="en-US" sz="1800" dirty="0" err="1">
-                          <a:solidFill>
-                            <a:srgbClr val="000000"/>
-                          </a:solidFill>
-                          <a:latin typeface="Consolas" panose="020B0609020204030204" pitchFamily="49" charset="0"/>
-                        </a:rPr>
-                        <a:t>builder.Build</a:t>
-                      </a:r>
-                      <a:r>
-                        <a:rPr lang="en-US" sz="1800" dirty="0">
-                          <a:solidFill>
-                            <a:srgbClr val="000000"/>
-                          </a:solidFill>
-                          <a:latin typeface="Consolas" panose="020B0609020204030204" pitchFamily="49" charset="0"/>
-                        </a:rPr>
-                        <a:t>();</a:t>
-                      </a:r>
-                    </a:p>
-                    <a:p>
-                      <a:r>
-                        <a:rPr lang="en-US" sz="1800" dirty="0">
-                          <a:solidFill>
-                            <a:srgbClr val="000000"/>
-                          </a:solidFill>
-                          <a:latin typeface="Consolas" panose="020B0609020204030204" pitchFamily="49" charset="0"/>
-                        </a:rPr>
                         <a:t>}</a:t>
-                      </a:r>
-                    </a:p>
-                    <a:p>
-                      <a:endParaRPr lang="en-US" sz="1800" dirty="0">
-                        <a:solidFill>
-                          <a:srgbClr val="000000"/>
-                        </a:solidFill>
-                        <a:latin typeface="Consolas" panose="020B0609020204030204" pitchFamily="49" charset="0"/>
-                      </a:endParaRPr>
-                    </a:p>
-                    <a:p>
-                      <a:r>
-                        <a:rPr lang="en-US" sz="1800" dirty="0">
-                          <a:solidFill>
-                            <a:srgbClr val="0000FF"/>
-                          </a:solidFill>
-                          <a:latin typeface="Consolas" panose="020B0609020204030204" pitchFamily="49" charset="0"/>
-                        </a:rPr>
-                        <a:t>public</a:t>
-                      </a:r>
-                      <a:r>
-                        <a:rPr lang="en-US" sz="1800" dirty="0">
-                          <a:solidFill>
-                            <a:srgbClr val="000000"/>
-                          </a:solidFill>
-                          <a:latin typeface="Consolas" panose="020B0609020204030204" pitchFamily="49" charset="0"/>
-                        </a:rPr>
-                        <a:t> </a:t>
-                      </a:r>
-                      <a:r>
-                        <a:rPr lang="en-US" sz="1800" dirty="0" err="1">
-                          <a:solidFill>
-                            <a:srgbClr val="2B91AF"/>
-                          </a:solidFill>
-                          <a:latin typeface="Consolas" panose="020B0609020204030204" pitchFamily="49" charset="0"/>
-                        </a:rPr>
-                        <a:t>IConfigurationRoot</a:t>
-                      </a:r>
-                      <a:r>
-                        <a:rPr lang="en-US" sz="1800" dirty="0">
-                          <a:solidFill>
-                            <a:srgbClr val="000000"/>
-                          </a:solidFill>
-                          <a:latin typeface="Consolas" panose="020B0609020204030204" pitchFamily="49" charset="0"/>
-                        </a:rPr>
-                        <a:t> Configuration { </a:t>
-                      </a:r>
-                      <a:r>
-                        <a:rPr lang="en-US" sz="1800" dirty="0">
-                          <a:solidFill>
-                            <a:srgbClr val="0000FF"/>
-                          </a:solidFill>
-                          <a:latin typeface="Consolas" panose="020B0609020204030204" pitchFamily="49" charset="0"/>
-                        </a:rPr>
-                        <a:t>get</a:t>
-                      </a:r>
-                      <a:r>
-                        <a:rPr lang="en-US" sz="1800" dirty="0">
-                          <a:solidFill>
-                            <a:srgbClr val="000000"/>
-                          </a:solidFill>
-                          <a:latin typeface="Consolas" panose="020B0609020204030204" pitchFamily="49" charset="0"/>
-                        </a:rPr>
-                        <a:t>; }</a:t>
                       </a:r>
                     </a:p>
                   </a:txBody>
@@ -15347,6 +15144,876 @@
       </p:graphicFrame>
       <p:sp>
         <p:nvSpPr>
+          <p:cNvPr id="5" name="Content Placeholder 4">
+            <a:extLst>
+              <a:ext uri="{FF2B5EF4-FFF2-40B4-BE49-F238E27FC236}">
+                <a16:creationId xmlns:a16="http://schemas.microsoft.com/office/drawing/2014/main" id="{9CFBC72C-AB15-47AB-8916-57F86A1148D5}"/>
+              </a:ext>
+            </a:extLst>
+          </p:cNvPr>
+          <p:cNvSpPr>
+            <a:spLocks noGrp="1"/>
+          </p:cNvSpPr>
+          <p:nvPr>
+            <p:ph idx="1"/>
+          </p:nvPr>
+        </p:nvSpPr>
+        <p:spPr>
+          <a:xfrm>
+            <a:off x="838200" y="1825625"/>
+            <a:ext cx="10515600" cy="4351338"/>
+          </a:xfrm>
+        </p:spPr>
+        <p:txBody>
+          <a:bodyPr/>
+          <a:lstStyle/>
+          <a:p>
+            <a:pPr marL="0" indent="0">
+              <a:buNone/>
+            </a:pPr>
+            <a:endParaRPr lang="en-US" dirty="0"/>
+          </a:p>
+        </p:txBody>
+      </p:sp>
+      <p:sp>
+        <p:nvSpPr>
+          <p:cNvPr id="9" name="Rectangle 8">
+            <a:extLst>
+              <a:ext uri="{FF2B5EF4-FFF2-40B4-BE49-F238E27FC236}">
+                <a16:creationId xmlns:a16="http://schemas.microsoft.com/office/drawing/2014/main" id="{B5A65503-54B9-4B87-848C-09B74EA16989}"/>
+              </a:ext>
+            </a:extLst>
+          </p:cNvPr>
+          <p:cNvSpPr/>
+          <p:nvPr/>
+        </p:nvSpPr>
+        <p:spPr>
+          <a:xfrm>
+            <a:off x="850988" y="1831434"/>
+            <a:ext cx="2900800" cy="446567"/>
+          </a:xfrm>
+          <a:prstGeom prst="rect">
+            <a:avLst/>
+          </a:prstGeom>
+          <a:ln w="57150">
+            <a:solidFill>
+              <a:schemeClr val="accent1">
+                <a:lumMod val="50000"/>
+              </a:schemeClr>
+            </a:solidFill>
+          </a:ln>
+        </p:spPr>
+        <p:style>
+          <a:lnRef idx="1">
+            <a:schemeClr val="accent1"/>
+          </a:lnRef>
+          <a:fillRef idx="2">
+            <a:schemeClr val="accent1"/>
+          </a:fillRef>
+          <a:effectRef idx="1">
+            <a:schemeClr val="accent1"/>
+          </a:effectRef>
+          <a:fontRef idx="minor">
+            <a:schemeClr val="dk1"/>
+          </a:fontRef>
+        </p:style>
+        <p:txBody>
+          <a:bodyPr rtlCol="0" anchor="ctr"/>
+          <a:lstStyle/>
+          <a:p>
+            <a:pPr algn="ctr"/>
+            <a:r>
+              <a:rPr lang="en-US" b="1" dirty="0" err="1"/>
+              <a:t>Program.cs</a:t>
+            </a:r>
+            <a:endParaRPr lang="en-US" b="1" dirty="0"/>
+          </a:p>
+        </p:txBody>
+      </p:sp>
+      <p:sp>
+        <p:nvSpPr>
+          <p:cNvPr id="4" name="Title 3">
+            <a:extLst>
+              <a:ext uri="{FF2B5EF4-FFF2-40B4-BE49-F238E27FC236}">
+                <a16:creationId xmlns:a16="http://schemas.microsoft.com/office/drawing/2014/main" id="{B71A2930-A580-46D5-894C-BB25FA5F1D99}"/>
+              </a:ext>
+            </a:extLst>
+          </p:cNvPr>
+          <p:cNvSpPr>
+            <a:spLocks noGrp="1"/>
+          </p:cNvSpPr>
+          <p:nvPr>
+            <p:ph type="title"/>
+          </p:nvPr>
+        </p:nvSpPr>
+        <p:spPr/>
+        <p:txBody>
+          <a:bodyPr/>
+          <a:lstStyle/>
+          <a:p>
+            <a:r>
+              <a:rPr lang="en-US" dirty="0"/>
+              <a:t>1.x </a:t>
+            </a:r>
+            <a:r>
+              <a:rPr lang="en-US" dirty="0" err="1"/>
+              <a:t>WebHost</a:t>
+            </a:r>
+            <a:r>
+              <a:rPr lang="en-US" dirty="0"/>
+              <a:t> / Startup </a:t>
+            </a:r>
+            <a:r>
+              <a:rPr lang="en-US" strike="sngStrike" dirty="0"/>
+              <a:t>recap</a:t>
+            </a:r>
+            <a:r>
+              <a:rPr lang="en-US" dirty="0"/>
+              <a:t> nightmare</a:t>
+            </a:r>
+          </a:p>
+        </p:txBody>
+      </p:sp>
+      <p:graphicFrame>
+        <p:nvGraphicFramePr>
+          <p:cNvPr id="7" name="Table 6">
+            <a:extLst>
+              <a:ext uri="{FF2B5EF4-FFF2-40B4-BE49-F238E27FC236}">
+                <a16:creationId xmlns:a16="http://schemas.microsoft.com/office/drawing/2014/main" id="{EA076EF3-C1CD-4316-8EDE-08E7D16599DF}"/>
+              </a:ext>
+            </a:extLst>
+          </p:cNvPr>
+          <p:cNvGraphicFramePr>
+            <a:graphicFrameLocks noGrp="1"/>
+          </p:cNvGraphicFramePr>
+          <p:nvPr>
+            <p:extLst>
+              <p:ext uri="{D42A27DB-BD31-4B8C-83A1-F6EECF244321}">
+                <p14:modId xmlns:p14="http://schemas.microsoft.com/office/powerpoint/2010/main" val="1092362688"/>
+              </p:ext>
+            </p:extLst>
+          </p:nvPr>
+        </p:nvGraphicFramePr>
+        <p:xfrm>
+          <a:off x="1430547" y="2826643"/>
+          <a:ext cx="10515600" cy="3657600"/>
+        </p:xfrm>
+        <a:graphic>
+          <a:graphicData uri="http://schemas.openxmlformats.org/drawingml/2006/table">
+            <a:tbl>
+              <a:tblPr firstRow="1" bandRow="1">
+                <a:tableStyleId>{5C22544A-7EE6-4342-B048-85BDC9FD1C3A}</a:tableStyleId>
+              </a:tblPr>
+              <a:tblGrid>
+                <a:gridCol w="10515600">
+                  <a:extLst>
+                    <a:ext uri="{9D8B030D-6E8A-4147-A177-3AD203B41FA5}">
+                      <a16:colId xmlns:a16="http://schemas.microsoft.com/office/drawing/2014/main" val="1057070397"/>
+                    </a:ext>
+                  </a:extLst>
+                </a:gridCol>
+              </a:tblGrid>
+              <a:tr h="584446">
+                <a:tc>
+                  <a:txBody>
+                    <a:bodyPr/>
+                    <a:lstStyle/>
+                    <a:p>
+                      <a:r>
+                        <a:rPr lang="en-US" sz="1800" dirty="0">
+                          <a:solidFill>
+                            <a:srgbClr val="0000FF"/>
+                          </a:solidFill>
+                          <a:latin typeface="Consolas" panose="020B0609020204030204" pitchFamily="49" charset="0"/>
+                        </a:rPr>
+                        <a:t>public</a:t>
+                      </a:r>
+                      <a:r>
+                        <a:rPr lang="en-US" sz="1800" dirty="0">
+                          <a:solidFill>
+                            <a:srgbClr val="000000"/>
+                          </a:solidFill>
+                          <a:latin typeface="Consolas" panose="020B0609020204030204" pitchFamily="49" charset="0"/>
+                        </a:rPr>
+                        <a:t> Startup(</a:t>
+                      </a:r>
+                      <a:r>
+                        <a:rPr lang="en-US" sz="1800" dirty="0" err="1">
+                          <a:solidFill>
+                            <a:srgbClr val="2B91AF"/>
+                          </a:solidFill>
+                          <a:latin typeface="Consolas" panose="020B0609020204030204" pitchFamily="49" charset="0"/>
+                        </a:rPr>
+                        <a:t>IHostingEnvironment</a:t>
+                      </a:r>
+                      <a:r>
+                        <a:rPr lang="en-US" sz="1800" dirty="0">
+                          <a:solidFill>
+                            <a:srgbClr val="000000"/>
+                          </a:solidFill>
+                          <a:latin typeface="Consolas" panose="020B0609020204030204" pitchFamily="49" charset="0"/>
+                        </a:rPr>
+                        <a:t> </a:t>
+                      </a:r>
+                      <a:r>
+                        <a:rPr lang="en-US" sz="1800" dirty="0" err="1">
+                          <a:solidFill>
+                            <a:srgbClr val="000000"/>
+                          </a:solidFill>
+                          <a:latin typeface="Consolas" panose="020B0609020204030204" pitchFamily="49" charset="0"/>
+                        </a:rPr>
+                        <a:t>env</a:t>
+                      </a:r>
+                      <a:r>
+                        <a:rPr lang="en-US" sz="1800" dirty="0">
+                          <a:solidFill>
+                            <a:srgbClr val="000000"/>
+                          </a:solidFill>
+                          <a:latin typeface="Consolas" panose="020B0609020204030204" pitchFamily="49" charset="0"/>
+                        </a:rPr>
+                        <a:t>) {</a:t>
+                      </a:r>
+                    </a:p>
+                    <a:p>
+                      <a:r>
+                        <a:rPr lang="en-US" sz="1800" dirty="0">
+                          <a:solidFill>
+                            <a:srgbClr val="000000"/>
+                          </a:solidFill>
+                          <a:latin typeface="Consolas" panose="020B0609020204030204" pitchFamily="49" charset="0"/>
+                        </a:rPr>
+                        <a:t>    </a:t>
+                      </a:r>
+                      <a:r>
+                        <a:rPr lang="en-US" sz="1800" dirty="0" err="1">
+                          <a:solidFill>
+                            <a:srgbClr val="0000FF"/>
+                          </a:solidFill>
+                          <a:latin typeface="Consolas" panose="020B0609020204030204" pitchFamily="49" charset="0"/>
+                        </a:rPr>
+                        <a:t>var</a:t>
+                      </a:r>
+                      <a:r>
+                        <a:rPr lang="en-US" sz="1800" dirty="0">
+                          <a:solidFill>
+                            <a:srgbClr val="000000"/>
+                          </a:solidFill>
+                          <a:latin typeface="Consolas" panose="020B0609020204030204" pitchFamily="49" charset="0"/>
+                        </a:rPr>
+                        <a:t> builder = </a:t>
+                      </a:r>
+                      <a:r>
+                        <a:rPr lang="en-US" sz="1800" dirty="0">
+                          <a:solidFill>
+                            <a:srgbClr val="0000FF"/>
+                          </a:solidFill>
+                          <a:latin typeface="Consolas" panose="020B0609020204030204" pitchFamily="49" charset="0"/>
+                        </a:rPr>
+                        <a:t>new</a:t>
+                      </a:r>
+                      <a:r>
+                        <a:rPr lang="en-US" sz="1800" dirty="0">
+                          <a:solidFill>
+                            <a:srgbClr val="000000"/>
+                          </a:solidFill>
+                          <a:latin typeface="Consolas" panose="020B0609020204030204" pitchFamily="49" charset="0"/>
+                        </a:rPr>
+                        <a:t> </a:t>
+                      </a:r>
+                      <a:r>
+                        <a:rPr lang="en-US" sz="1800" dirty="0" err="1">
+                          <a:solidFill>
+                            <a:srgbClr val="2B91AF"/>
+                          </a:solidFill>
+                          <a:latin typeface="Consolas" panose="020B0609020204030204" pitchFamily="49" charset="0"/>
+                        </a:rPr>
+                        <a:t>ConfigurationBuilder</a:t>
+                      </a:r>
+                      <a:r>
+                        <a:rPr lang="en-US" sz="1800" dirty="0">
+                          <a:solidFill>
+                            <a:srgbClr val="000000"/>
+                          </a:solidFill>
+                          <a:latin typeface="Consolas" panose="020B0609020204030204" pitchFamily="49" charset="0"/>
+                        </a:rPr>
+                        <a:t>()</a:t>
+                      </a:r>
+                    </a:p>
+                    <a:p>
+                      <a:r>
+                        <a:rPr lang="en-US" sz="1800" dirty="0">
+                          <a:solidFill>
+                            <a:srgbClr val="000000"/>
+                          </a:solidFill>
+                          <a:latin typeface="Consolas" panose="020B0609020204030204" pitchFamily="49" charset="0"/>
+                        </a:rPr>
+                        <a:t>         .</a:t>
+                      </a:r>
+                      <a:r>
+                        <a:rPr lang="en-US" sz="1800" dirty="0" err="1">
+                          <a:solidFill>
+                            <a:srgbClr val="000000"/>
+                          </a:solidFill>
+                          <a:latin typeface="Consolas" panose="020B0609020204030204" pitchFamily="49" charset="0"/>
+                        </a:rPr>
+                        <a:t>SetBasePath</a:t>
+                      </a:r>
+                      <a:r>
+                        <a:rPr lang="en-US" sz="1800" dirty="0">
+                          <a:solidFill>
+                            <a:srgbClr val="000000"/>
+                          </a:solidFill>
+                          <a:latin typeface="Consolas" panose="020B0609020204030204" pitchFamily="49" charset="0"/>
+                        </a:rPr>
+                        <a:t>(</a:t>
+                      </a:r>
+                      <a:r>
+                        <a:rPr lang="en-US" sz="1800" dirty="0" err="1">
+                          <a:solidFill>
+                            <a:srgbClr val="000000"/>
+                          </a:solidFill>
+                          <a:latin typeface="Consolas" panose="020B0609020204030204" pitchFamily="49" charset="0"/>
+                        </a:rPr>
+                        <a:t>env.ContentRootPath</a:t>
+                      </a:r>
+                      <a:r>
+                        <a:rPr lang="en-US" sz="1800" dirty="0">
+                          <a:solidFill>
+                            <a:srgbClr val="000000"/>
+                          </a:solidFill>
+                          <a:latin typeface="Consolas" panose="020B0609020204030204" pitchFamily="49" charset="0"/>
+                        </a:rPr>
+                        <a:t>)</a:t>
+                      </a:r>
+                    </a:p>
+                    <a:p>
+                      <a:r>
+                        <a:rPr lang="en-US" sz="1800" dirty="0">
+                          <a:solidFill>
+                            <a:srgbClr val="000000"/>
+                          </a:solidFill>
+                          <a:latin typeface="Consolas" panose="020B0609020204030204" pitchFamily="49" charset="0"/>
+                        </a:rPr>
+                        <a:t>         .</a:t>
+                      </a:r>
+                      <a:r>
+                        <a:rPr lang="en-US" sz="1800" dirty="0" err="1">
+                          <a:solidFill>
+                            <a:srgbClr val="000000"/>
+                          </a:solidFill>
+                          <a:latin typeface="Consolas" panose="020B0609020204030204" pitchFamily="49" charset="0"/>
+                        </a:rPr>
+                        <a:t>AddJsonFile</a:t>
+                      </a:r>
+                      <a:r>
+                        <a:rPr lang="en-US" sz="1800" dirty="0">
+                          <a:solidFill>
+                            <a:srgbClr val="000000"/>
+                          </a:solidFill>
+                          <a:latin typeface="Consolas" panose="020B0609020204030204" pitchFamily="49" charset="0"/>
+                        </a:rPr>
+                        <a:t>(</a:t>
+                      </a:r>
+                      <a:r>
+                        <a:rPr lang="en-US" sz="1800" dirty="0">
+                          <a:solidFill>
+                            <a:srgbClr val="A31515"/>
+                          </a:solidFill>
+                          <a:latin typeface="Consolas" panose="020B0609020204030204" pitchFamily="49" charset="0"/>
+                        </a:rPr>
+                        <a:t>"</a:t>
+                      </a:r>
+                      <a:r>
+                        <a:rPr lang="en-US" sz="1800" dirty="0" err="1">
+                          <a:solidFill>
+                            <a:srgbClr val="A31515"/>
+                          </a:solidFill>
+                          <a:latin typeface="Consolas" panose="020B0609020204030204" pitchFamily="49" charset="0"/>
+                        </a:rPr>
+                        <a:t>appsettings.json</a:t>
+                      </a:r>
+                      <a:r>
+                        <a:rPr lang="en-US" sz="1800" dirty="0">
+                          <a:solidFill>
+                            <a:srgbClr val="A31515"/>
+                          </a:solidFill>
+                          <a:latin typeface="Consolas" panose="020B0609020204030204" pitchFamily="49" charset="0"/>
+                        </a:rPr>
+                        <a:t>"</a:t>
+                      </a:r>
+                      <a:r>
+                        <a:rPr lang="en-US" sz="1800" dirty="0">
+                          <a:solidFill>
+                            <a:srgbClr val="000000"/>
+                          </a:solidFill>
+                          <a:latin typeface="Consolas" panose="020B0609020204030204" pitchFamily="49" charset="0"/>
+                        </a:rPr>
+                        <a:t>, optional: </a:t>
+                      </a:r>
+                      <a:r>
+                        <a:rPr lang="en-US" sz="1800" dirty="0">
+                          <a:solidFill>
+                            <a:srgbClr val="0000FF"/>
+                          </a:solidFill>
+                          <a:latin typeface="Consolas" panose="020B0609020204030204" pitchFamily="49" charset="0"/>
+                        </a:rPr>
+                        <a:t>false</a:t>
+                      </a:r>
+                      <a:r>
+                        <a:rPr lang="en-US" sz="1800" dirty="0">
+                          <a:solidFill>
+                            <a:srgbClr val="000000"/>
+                          </a:solidFill>
+                          <a:latin typeface="Consolas" panose="020B0609020204030204" pitchFamily="49" charset="0"/>
+                        </a:rPr>
+                        <a:t>, </a:t>
+                      </a:r>
+                      <a:r>
+                        <a:rPr lang="en-US" sz="1800" dirty="0" err="1">
+                          <a:solidFill>
+                            <a:srgbClr val="000000"/>
+                          </a:solidFill>
+                          <a:latin typeface="Consolas" panose="020B0609020204030204" pitchFamily="49" charset="0"/>
+                        </a:rPr>
+                        <a:t>reloadOnChange</a:t>
+                      </a:r>
+                      <a:r>
+                        <a:rPr lang="en-US" sz="1800" dirty="0">
+                          <a:solidFill>
+                            <a:srgbClr val="000000"/>
+                          </a:solidFill>
+                          <a:latin typeface="Consolas" panose="020B0609020204030204" pitchFamily="49" charset="0"/>
+                        </a:rPr>
+                        <a:t>: </a:t>
+                      </a:r>
+                      <a:r>
+                        <a:rPr lang="en-US" sz="1800" dirty="0">
+                          <a:solidFill>
+                            <a:srgbClr val="0000FF"/>
+                          </a:solidFill>
+                          <a:latin typeface="Consolas" panose="020B0609020204030204" pitchFamily="49" charset="0"/>
+                        </a:rPr>
+                        <a:t>true</a:t>
+                      </a:r>
+                      <a:r>
+                        <a:rPr lang="en-US" sz="1800" dirty="0">
+                          <a:solidFill>
+                            <a:srgbClr val="000000"/>
+                          </a:solidFill>
+                          <a:latin typeface="Consolas" panose="020B0609020204030204" pitchFamily="49" charset="0"/>
+                        </a:rPr>
+                        <a:t>)</a:t>
+                      </a:r>
+                    </a:p>
+                    <a:p>
+                      <a:r>
+                        <a:rPr lang="en-US" sz="1800" dirty="0">
+                          <a:solidFill>
+                            <a:srgbClr val="000000"/>
+                          </a:solidFill>
+                          <a:latin typeface="Consolas" panose="020B0609020204030204" pitchFamily="49" charset="0"/>
+                        </a:rPr>
+                        <a:t>         .</a:t>
+                      </a:r>
+                      <a:r>
+                        <a:rPr lang="en-US" sz="1800" dirty="0" err="1">
+                          <a:solidFill>
+                            <a:srgbClr val="000000"/>
+                          </a:solidFill>
+                          <a:latin typeface="Consolas" panose="020B0609020204030204" pitchFamily="49" charset="0"/>
+                        </a:rPr>
+                        <a:t>AddJsonFile</a:t>
+                      </a:r>
+                      <a:r>
+                        <a:rPr lang="en-US" sz="1800" dirty="0">
+                          <a:solidFill>
+                            <a:srgbClr val="000000"/>
+                          </a:solidFill>
+                          <a:latin typeface="Consolas" panose="020B0609020204030204" pitchFamily="49" charset="0"/>
+                        </a:rPr>
+                        <a:t>(</a:t>
+                      </a:r>
+                      <a:r>
+                        <a:rPr lang="en-US" sz="1800" dirty="0">
+                          <a:solidFill>
+                            <a:srgbClr val="A31515"/>
+                          </a:solidFill>
+                          <a:latin typeface="Consolas" panose="020B0609020204030204" pitchFamily="49" charset="0"/>
+                        </a:rPr>
+                        <a:t>$"</a:t>
+                      </a:r>
+                      <a:r>
+                        <a:rPr lang="en-US" sz="1800" dirty="0" err="1">
+                          <a:solidFill>
+                            <a:srgbClr val="A31515"/>
+                          </a:solidFill>
+                          <a:latin typeface="Consolas" panose="020B0609020204030204" pitchFamily="49" charset="0"/>
+                        </a:rPr>
+                        <a:t>appsettings</a:t>
+                      </a:r>
+                      <a:r>
+                        <a:rPr lang="en-US" sz="1800" dirty="0">
+                          <a:solidFill>
+                            <a:srgbClr val="A31515"/>
+                          </a:solidFill>
+                          <a:latin typeface="Consolas" panose="020B0609020204030204" pitchFamily="49" charset="0"/>
+                        </a:rPr>
+                        <a:t>.</a:t>
+                      </a:r>
+                      <a:r>
+                        <a:rPr lang="en-US" sz="1800" dirty="0">
+                          <a:solidFill>
+                            <a:srgbClr val="000000"/>
+                          </a:solidFill>
+                          <a:latin typeface="Consolas" panose="020B0609020204030204" pitchFamily="49" charset="0"/>
+                        </a:rPr>
+                        <a:t>{</a:t>
+                      </a:r>
+                      <a:r>
+                        <a:rPr lang="en-US" sz="1800" dirty="0" err="1">
+                          <a:solidFill>
+                            <a:srgbClr val="000000"/>
+                          </a:solidFill>
+                          <a:latin typeface="Consolas" panose="020B0609020204030204" pitchFamily="49" charset="0"/>
+                        </a:rPr>
+                        <a:t>env.EnvironmentName</a:t>
+                      </a:r>
+                      <a:r>
+                        <a:rPr lang="en-US" sz="1800" dirty="0">
+                          <a:solidFill>
+                            <a:srgbClr val="000000"/>
+                          </a:solidFill>
+                          <a:latin typeface="Consolas" panose="020B0609020204030204" pitchFamily="49" charset="0"/>
+                        </a:rPr>
+                        <a:t>}</a:t>
+                      </a:r>
+                      <a:r>
+                        <a:rPr lang="en-US" sz="1800" dirty="0">
+                          <a:solidFill>
+                            <a:srgbClr val="A31515"/>
+                          </a:solidFill>
+                          <a:latin typeface="Consolas" panose="020B0609020204030204" pitchFamily="49" charset="0"/>
+                        </a:rPr>
+                        <a:t>.</a:t>
+                      </a:r>
+                      <a:r>
+                        <a:rPr lang="en-US" sz="1800" dirty="0" err="1">
+                          <a:solidFill>
+                            <a:srgbClr val="A31515"/>
+                          </a:solidFill>
+                          <a:latin typeface="Consolas" panose="020B0609020204030204" pitchFamily="49" charset="0"/>
+                        </a:rPr>
+                        <a:t>json</a:t>
+                      </a:r>
+                      <a:r>
+                        <a:rPr lang="en-US" sz="1800" dirty="0">
+                          <a:solidFill>
+                            <a:srgbClr val="A31515"/>
+                          </a:solidFill>
+                          <a:latin typeface="Consolas" panose="020B0609020204030204" pitchFamily="49" charset="0"/>
+                        </a:rPr>
+                        <a:t>"</a:t>
+                      </a:r>
+                      <a:r>
+                        <a:rPr lang="en-US" sz="1800" dirty="0">
+                          <a:solidFill>
+                            <a:srgbClr val="000000"/>
+                          </a:solidFill>
+                          <a:latin typeface="Consolas" panose="020B0609020204030204" pitchFamily="49" charset="0"/>
+                        </a:rPr>
+                        <a:t>, optional: </a:t>
+                      </a:r>
+                      <a:r>
+                        <a:rPr lang="en-US" sz="1800" dirty="0">
+                          <a:solidFill>
+                            <a:srgbClr val="0000FF"/>
+                          </a:solidFill>
+                          <a:latin typeface="Consolas" panose="020B0609020204030204" pitchFamily="49" charset="0"/>
+                        </a:rPr>
+                        <a:t>true</a:t>
+                      </a:r>
+                      <a:r>
+                        <a:rPr lang="en-US" sz="1800" dirty="0">
+                          <a:solidFill>
+                            <a:srgbClr val="000000"/>
+                          </a:solidFill>
+                          <a:latin typeface="Consolas" panose="020B0609020204030204" pitchFamily="49" charset="0"/>
+                        </a:rPr>
+                        <a:t>);</a:t>
+                      </a:r>
+                    </a:p>
+                    <a:p>
+                      <a:endParaRPr lang="en-US" sz="1800" dirty="0">
+                        <a:solidFill>
+                          <a:srgbClr val="000000"/>
+                        </a:solidFill>
+                        <a:latin typeface="Consolas" panose="020B0609020204030204" pitchFamily="49" charset="0"/>
+                      </a:endParaRPr>
+                    </a:p>
+                    <a:p>
+                      <a:r>
+                        <a:rPr lang="en-US" sz="1800" dirty="0">
+                          <a:solidFill>
+                            <a:srgbClr val="0000FF"/>
+                          </a:solidFill>
+                          <a:latin typeface="Consolas" panose="020B0609020204030204" pitchFamily="49" charset="0"/>
+                        </a:rPr>
+                        <a:t>    if</a:t>
+                      </a:r>
+                      <a:r>
+                        <a:rPr lang="en-US" sz="1800" dirty="0">
+                          <a:solidFill>
+                            <a:srgbClr val="000000"/>
+                          </a:solidFill>
+                          <a:latin typeface="Consolas" panose="020B0609020204030204" pitchFamily="49" charset="0"/>
+                        </a:rPr>
+                        <a:t> (</a:t>
+                      </a:r>
+                      <a:r>
+                        <a:rPr lang="en-US" sz="1800" dirty="0" err="1">
+                          <a:solidFill>
+                            <a:srgbClr val="000000"/>
+                          </a:solidFill>
+                          <a:latin typeface="Consolas" panose="020B0609020204030204" pitchFamily="49" charset="0"/>
+                        </a:rPr>
+                        <a:t>env.IsDevelopment</a:t>
+                      </a:r>
+                      <a:r>
+                        <a:rPr lang="en-US" sz="1800" dirty="0">
+                          <a:solidFill>
+                            <a:srgbClr val="000000"/>
+                          </a:solidFill>
+                          <a:latin typeface="Consolas" panose="020B0609020204030204" pitchFamily="49" charset="0"/>
+                        </a:rPr>
+                        <a:t>()) { </a:t>
+                      </a:r>
+                      <a:r>
+                        <a:rPr lang="en-US" sz="1800" dirty="0" err="1">
+                          <a:solidFill>
+                            <a:srgbClr val="000000"/>
+                          </a:solidFill>
+                          <a:latin typeface="Consolas" panose="020B0609020204030204" pitchFamily="49" charset="0"/>
+                        </a:rPr>
+                        <a:t>builder.AddUserSecrets</a:t>
+                      </a:r>
+                      <a:r>
+                        <a:rPr lang="en-US" sz="1800" dirty="0">
+                          <a:solidFill>
+                            <a:srgbClr val="000000"/>
+                          </a:solidFill>
+                          <a:latin typeface="Consolas" panose="020B0609020204030204" pitchFamily="49" charset="0"/>
+                        </a:rPr>
+                        <a:t>&lt;</a:t>
+                      </a:r>
+                      <a:r>
+                        <a:rPr lang="en-US" sz="1800" dirty="0">
+                          <a:solidFill>
+                            <a:srgbClr val="2B91AF"/>
+                          </a:solidFill>
+                          <a:latin typeface="Consolas" panose="020B0609020204030204" pitchFamily="49" charset="0"/>
+                        </a:rPr>
+                        <a:t>Startup</a:t>
+                      </a:r>
+                      <a:r>
+                        <a:rPr lang="en-US" sz="1800" dirty="0">
+                          <a:solidFill>
+                            <a:srgbClr val="000000"/>
+                          </a:solidFill>
+                          <a:latin typeface="Consolas" panose="020B0609020204030204" pitchFamily="49" charset="0"/>
+                        </a:rPr>
+                        <a:t>&gt;(); }</a:t>
+                      </a:r>
+                    </a:p>
+                    <a:p>
+                      <a:endParaRPr lang="en-US" sz="1800" dirty="0">
+                        <a:solidFill>
+                          <a:srgbClr val="000000"/>
+                        </a:solidFill>
+                        <a:latin typeface="Consolas" panose="020B0609020204030204" pitchFamily="49" charset="0"/>
+                      </a:endParaRPr>
+                    </a:p>
+                    <a:p>
+                      <a:r>
+                        <a:rPr lang="en-US" sz="1800" dirty="0">
+                          <a:solidFill>
+                            <a:srgbClr val="000000"/>
+                          </a:solidFill>
+                          <a:latin typeface="Consolas" panose="020B0609020204030204" pitchFamily="49" charset="0"/>
+                        </a:rPr>
+                        <a:t>    </a:t>
+                      </a:r>
+                      <a:r>
+                        <a:rPr lang="en-US" sz="1800" dirty="0" err="1">
+                          <a:solidFill>
+                            <a:srgbClr val="000000"/>
+                          </a:solidFill>
+                          <a:latin typeface="Consolas" panose="020B0609020204030204" pitchFamily="49" charset="0"/>
+                        </a:rPr>
+                        <a:t>builder.AddEnvironmentVariables</a:t>
+                      </a:r>
+                      <a:r>
+                        <a:rPr lang="en-US" sz="1800" dirty="0">
+                          <a:solidFill>
+                            <a:srgbClr val="000000"/>
+                          </a:solidFill>
+                          <a:latin typeface="Consolas" panose="020B0609020204030204" pitchFamily="49" charset="0"/>
+                        </a:rPr>
+                        <a:t>();</a:t>
+                      </a:r>
+                    </a:p>
+                    <a:p>
+                      <a:r>
+                        <a:rPr lang="en-US" sz="1800" dirty="0">
+                          <a:solidFill>
+                            <a:srgbClr val="000000"/>
+                          </a:solidFill>
+                          <a:latin typeface="Consolas" panose="020B0609020204030204" pitchFamily="49" charset="0"/>
+                        </a:rPr>
+                        <a:t>    Configuration = </a:t>
+                      </a:r>
+                      <a:r>
+                        <a:rPr lang="en-US" sz="1800" dirty="0" err="1">
+                          <a:solidFill>
+                            <a:srgbClr val="000000"/>
+                          </a:solidFill>
+                          <a:latin typeface="Consolas" panose="020B0609020204030204" pitchFamily="49" charset="0"/>
+                        </a:rPr>
+                        <a:t>builder.Build</a:t>
+                      </a:r>
+                      <a:r>
+                        <a:rPr lang="en-US" sz="1800" dirty="0">
+                          <a:solidFill>
+                            <a:srgbClr val="000000"/>
+                          </a:solidFill>
+                          <a:latin typeface="Consolas" panose="020B0609020204030204" pitchFamily="49" charset="0"/>
+                        </a:rPr>
+                        <a:t>();</a:t>
+                      </a:r>
+                    </a:p>
+                    <a:p>
+                      <a:r>
+                        <a:rPr lang="en-US" sz="1800" dirty="0">
+                          <a:solidFill>
+                            <a:srgbClr val="000000"/>
+                          </a:solidFill>
+                          <a:latin typeface="Consolas" panose="020B0609020204030204" pitchFamily="49" charset="0"/>
+                        </a:rPr>
+                        <a:t>}</a:t>
+                      </a:r>
+                    </a:p>
+                    <a:p>
+                      <a:endParaRPr lang="en-US" sz="1800" dirty="0">
+                        <a:solidFill>
+                          <a:srgbClr val="000000"/>
+                        </a:solidFill>
+                        <a:latin typeface="Consolas" panose="020B0609020204030204" pitchFamily="49" charset="0"/>
+                      </a:endParaRPr>
+                    </a:p>
+                    <a:p>
+                      <a:r>
+                        <a:rPr lang="en-US" sz="1800" dirty="0">
+                          <a:solidFill>
+                            <a:srgbClr val="0000FF"/>
+                          </a:solidFill>
+                          <a:latin typeface="Consolas" panose="020B0609020204030204" pitchFamily="49" charset="0"/>
+                        </a:rPr>
+                        <a:t>public</a:t>
+                      </a:r>
+                      <a:r>
+                        <a:rPr lang="en-US" sz="1800" dirty="0">
+                          <a:solidFill>
+                            <a:srgbClr val="000000"/>
+                          </a:solidFill>
+                          <a:latin typeface="Consolas" panose="020B0609020204030204" pitchFamily="49" charset="0"/>
+                        </a:rPr>
+                        <a:t> </a:t>
+                      </a:r>
+                      <a:r>
+                        <a:rPr lang="en-US" sz="1800" dirty="0" err="1">
+                          <a:solidFill>
+                            <a:srgbClr val="2B91AF"/>
+                          </a:solidFill>
+                          <a:latin typeface="Consolas" panose="020B0609020204030204" pitchFamily="49" charset="0"/>
+                        </a:rPr>
+                        <a:t>IConfigurationRoot</a:t>
+                      </a:r>
+                      <a:r>
+                        <a:rPr lang="en-US" sz="1800" dirty="0">
+                          <a:solidFill>
+                            <a:srgbClr val="000000"/>
+                          </a:solidFill>
+                          <a:latin typeface="Consolas" panose="020B0609020204030204" pitchFamily="49" charset="0"/>
+                        </a:rPr>
+                        <a:t> Configuration { </a:t>
+                      </a:r>
+                      <a:r>
+                        <a:rPr lang="en-US" sz="1800" dirty="0">
+                          <a:solidFill>
+                            <a:srgbClr val="0000FF"/>
+                          </a:solidFill>
+                          <a:latin typeface="Consolas" panose="020B0609020204030204" pitchFamily="49" charset="0"/>
+                        </a:rPr>
+                        <a:t>get</a:t>
+                      </a:r>
+                      <a:r>
+                        <a:rPr lang="en-US" sz="1800" dirty="0">
+                          <a:solidFill>
+                            <a:srgbClr val="000000"/>
+                          </a:solidFill>
+                          <a:latin typeface="Consolas" panose="020B0609020204030204" pitchFamily="49" charset="0"/>
+                        </a:rPr>
+                        <a:t>; }</a:t>
+                      </a:r>
+                    </a:p>
+                  </a:txBody>
+                  <a:tcPr>
+                    <a:lnL w="12700" cap="flat" cmpd="sng" algn="ctr">
+                      <a:noFill/>
+                      <a:prstDash val="solid"/>
+                      <a:round/>
+                      <a:headEnd type="none" w="med" len="med"/>
+                      <a:tailEnd type="none" w="med" len="med"/>
+                    </a:lnL>
+                    <a:lnR w="12700" cap="flat" cmpd="sng" algn="ctr">
+                      <a:noFill/>
+                      <a:prstDash val="solid"/>
+                      <a:round/>
+                      <a:headEnd type="none" w="med" len="med"/>
+                      <a:tailEnd type="none" w="med" len="med"/>
+                    </a:lnR>
+                    <a:lnT w="12700" cap="flat" cmpd="sng" algn="ctr">
+                      <a:noFill/>
+                      <a:prstDash val="solid"/>
+                      <a:round/>
+                      <a:headEnd type="none" w="med" len="med"/>
+                      <a:tailEnd type="none" w="med" len="med"/>
+                    </a:lnT>
+                    <a:lnB w="12700" cap="flat" cmpd="sng" algn="ctr">
+                      <a:noFill/>
+                      <a:prstDash val="solid"/>
+                      <a:round/>
+                      <a:headEnd type="none" w="med" len="med"/>
+                      <a:tailEnd type="none" w="med" len="med"/>
+                    </a:lnB>
+                    <a:solidFill>
+                      <a:schemeClr val="tx2">
+                        <a:lumMod val="90000"/>
+                      </a:schemeClr>
+                    </a:solidFill>
+                  </a:tcPr>
+                </a:tc>
+                <a:extLst>
+                  <a:ext uri="{0D108BD9-81ED-4DB2-BD59-A6C34878D82A}">
+                    <a16:rowId xmlns:a16="http://schemas.microsoft.com/office/drawing/2014/main" val="3473222697"/>
+                  </a:ext>
+                </a:extLst>
+              </a:tr>
+            </a:tbl>
+          </a:graphicData>
+        </a:graphic>
+      </p:graphicFrame>
+      <p:sp>
+        <p:nvSpPr>
           <p:cNvPr id="8" name="Rectangle 7">
             <a:extLst>
               <a:ext uri="{FF2B5EF4-FFF2-40B4-BE49-F238E27FC236}">
@@ -15359,7 +16026,7 @@
         </p:nvSpPr>
         <p:spPr>
           <a:xfrm>
-            <a:off x="850988" y="1830749"/>
+            <a:off x="1443335" y="2380074"/>
             <a:ext cx="2900800" cy="446567"/>
           </a:xfrm>
           <a:prstGeom prst="rect">
@@ -15444,7 +16111,7 @@
                                           </p:stCondLst>
                                         </p:cTn>
                                         <p:tgtEl>
-                                          <p:spTgt spid="7"/>
+                                          <p:spTgt spid="6"/>
                                         </p:tgtEl>
                                         <p:attrNameLst>
                                           <p:attrName>style.visibility</p:attrName>
@@ -15466,6 +16133,78 @@
                                     <p:set>
                                       <p:cBhvr>
                                         <p:cTn id="8" dur="1" fill="hold">
+                                          <p:stCondLst>
+                                            <p:cond delay="0"/>
+                                          </p:stCondLst>
+                                        </p:cTn>
+                                        <p:tgtEl>
+                                          <p:spTgt spid="9"/>
+                                        </p:tgtEl>
+                                        <p:attrNameLst>
+                                          <p:attrName>style.visibility</p:attrName>
+                                        </p:attrNameLst>
+                                      </p:cBhvr>
+                                      <p:to>
+                                        <p:strVal val="visible"/>
+                                      </p:to>
+                                    </p:set>
+                                  </p:childTnLst>
+                                </p:cTn>
+                              </p:par>
+                            </p:childTnLst>
+                          </p:cTn>
+                        </p:par>
+                      </p:childTnLst>
+                    </p:cTn>
+                  </p:par>
+                  <p:par>
+                    <p:cTn id="9" fill="hold">
+                      <p:stCondLst>
+                        <p:cond delay="indefinite"/>
+                      </p:stCondLst>
+                      <p:childTnLst>
+                        <p:par>
+                          <p:cTn id="10" fill="hold">
+                            <p:stCondLst>
+                              <p:cond delay="0"/>
+                            </p:stCondLst>
+                            <p:childTnLst>
+                              <p:par>
+                                <p:cTn id="11" presetID="1" presetClass="entr" presetSubtype="0" fill="hold" nodeType="clickEffect">
+                                  <p:stCondLst>
+                                    <p:cond delay="0"/>
+                                  </p:stCondLst>
+                                  <p:childTnLst>
+                                    <p:set>
+                                      <p:cBhvr>
+                                        <p:cTn id="12" dur="1" fill="hold">
+                                          <p:stCondLst>
+                                            <p:cond delay="0"/>
+                                          </p:stCondLst>
+                                        </p:cTn>
+                                        <p:tgtEl>
+                                          <p:spTgt spid="7"/>
+                                        </p:tgtEl>
+                                        <p:attrNameLst>
+                                          <p:attrName>style.visibility</p:attrName>
+                                        </p:attrNameLst>
+                                      </p:cBhvr>
+                                      <p:to>
+                                        <p:strVal val="visible"/>
+                                      </p:to>
+                                    </p:set>
+                                  </p:childTnLst>
+                                </p:cTn>
+                              </p:par>
+                              <p:par>
+                                <p:cTn id="13" presetID="1" presetClass="entr" presetSubtype="0" fill="hold" grpId="0" nodeType="withEffect">
+                                  <p:stCondLst>
+                                    <p:cond delay="0"/>
+                                  </p:stCondLst>
+                                  <p:childTnLst>
+                                    <p:set>
+                                      <p:cBhvr>
+                                        <p:cTn id="14" dur="1" fill="hold">
                                           <p:stCondLst>
                                             <p:cond delay="0"/>
                                           </p:stCondLst>
@@ -15512,6 +16251,7 @@
       </p:par>
     </p:tnLst>
     <p:bldLst>
+      <p:bldP spid="9" grpId="0" animBg="1"/>
       <p:bldP spid="8" grpId="0" animBg="1"/>
     </p:bldLst>
   </p:timing>
@@ -15565,8 +16305,12 @@
           <a:lstStyle/>
           <a:p>
             <a:r>
+              <a:rPr lang="en-US" dirty="0" err="1"/>
+              <a:t>WebHost</a:t>
+            </a:r>
+            <a:r>
               <a:rPr lang="en-US" dirty="0"/>
-              <a:t>Configuration simplification</a:t>
+              <a:t> / Startup simplification</a:t>
             </a:r>
           </a:p>
         </p:txBody>
@@ -15626,10 +16370,10 @@
       </p:sp>
       <p:graphicFrame>
         <p:nvGraphicFramePr>
-          <p:cNvPr id="8" name="Table 7">
+          <p:cNvPr id="10" name="Table 9">
             <a:extLst>
               <a:ext uri="{FF2B5EF4-FFF2-40B4-BE49-F238E27FC236}">
-                <a16:creationId xmlns:a16="http://schemas.microsoft.com/office/drawing/2014/main" id="{31AB421D-2ADC-4662-BA45-BB7A0ADEAE40}"/>
+                <a16:creationId xmlns:a16="http://schemas.microsoft.com/office/drawing/2014/main" id="{98816DAD-E72C-4325-B427-270EE71B3494}"/>
               </a:ext>
             </a:extLst>
           </p:cNvPr>
@@ -15639,14 +16383,14 @@
           <p:nvPr>
             <p:extLst>
               <p:ext uri="{D42A27DB-BD31-4B8C-83A1-F6EECF244321}">
-                <p14:modId xmlns:p14="http://schemas.microsoft.com/office/powerpoint/2010/main" val="203744605"/>
+                <p14:modId xmlns:p14="http://schemas.microsoft.com/office/powerpoint/2010/main" val="1663258650"/>
               </p:ext>
             </p:extLst>
           </p:nvPr>
         </p:nvGraphicFramePr>
         <p:xfrm>
-          <a:off x="937490" y="2211476"/>
-          <a:ext cx="10416310" cy="1920240"/>
+          <a:off x="838200" y="2286635"/>
+          <a:ext cx="7408653" cy="2834640"/>
         </p:xfrm>
         <a:graphic>
           <a:graphicData uri="http://schemas.openxmlformats.org/drawingml/2006/table">
@@ -15655,7 +16399,7 @@
                 <a:tableStyleId>{5C22544A-7EE6-4342-B048-85BDC9FD1C3A}</a:tableStyleId>
               </a:tblPr>
               <a:tblGrid>
-                <a:gridCol w="10416310">
+                <a:gridCol w="7408653">
                   <a:extLst>
                     <a:ext uri="{9D8B030D-6E8A-4147-A177-3AD203B41FA5}">
                       <a16:colId xmlns:a16="http://schemas.microsoft.com/office/drawing/2014/main" val="1057070397"/>
@@ -15670,7 +16414,7 @@
                     <a:lstStyle/>
                     <a:p>
                       <a:r>
-                        <a:rPr lang="en-US" sz="2000" dirty="0">
+                        <a:rPr lang="en-US" sz="1800" dirty="0">
                           <a:solidFill>
                             <a:srgbClr val="0000FF"/>
                           </a:solidFill>
@@ -15679,68 +16423,42 @@
                         <a:t>public</a:t>
                       </a:r>
                       <a:r>
-                        <a:rPr lang="en-US" sz="2000" dirty="0">
+                        <a:rPr lang="en-US" sz="1800" dirty="0">
                           <a:solidFill>
                             <a:srgbClr val="000000"/>
                           </a:solidFill>
                           <a:latin typeface="Consolas" panose="020B0609020204030204" pitchFamily="49" charset="0"/>
                         </a:rPr>
-                        <a:t> Startup(</a:t>
-                      </a:r>
-                      <a:r>
-                        <a:rPr lang="en-US" sz="2000" dirty="0" err="1">
+                        <a:t> </a:t>
+                      </a:r>
+                      <a:r>
+                        <a:rPr lang="en-US" sz="1800" dirty="0">
+                          <a:solidFill>
+                            <a:srgbClr val="0000FF"/>
+                          </a:solidFill>
+                          <a:latin typeface="Consolas" panose="020B0609020204030204" pitchFamily="49" charset="0"/>
+                        </a:rPr>
+                        <a:t>class</a:t>
+                      </a:r>
+                      <a:r>
+                        <a:rPr lang="en-US" sz="1800" dirty="0">
+                          <a:solidFill>
+                            <a:srgbClr val="000000"/>
+                          </a:solidFill>
+                          <a:latin typeface="Consolas" panose="020B0609020204030204" pitchFamily="49" charset="0"/>
+                        </a:rPr>
+                        <a:t> </a:t>
+                      </a:r>
+                      <a:r>
+                        <a:rPr lang="en-US" sz="1800" dirty="0">
                           <a:solidFill>
                             <a:srgbClr val="2B91AF"/>
                           </a:solidFill>
                           <a:latin typeface="Consolas" panose="020B0609020204030204" pitchFamily="49" charset="0"/>
                         </a:rPr>
-                        <a:t>IConfiguration</a:t>
-                      </a:r>
-                      <a:r>
-                        <a:rPr lang="en-US" sz="2000" dirty="0">
-                          <a:solidFill>
-                            <a:srgbClr val="000000"/>
-                          </a:solidFill>
-                          <a:latin typeface="Consolas" panose="020B0609020204030204" pitchFamily="49" charset="0"/>
-                        </a:rPr>
-                        <a:t> configuration)</a:t>
-                      </a:r>
-                    </a:p>
-                    <a:p>
-                      <a:r>
-                        <a:rPr lang="en-US" sz="2000" dirty="0">
-                          <a:solidFill>
-                            <a:srgbClr val="000000"/>
-                          </a:solidFill>
-                          <a:latin typeface="Consolas" panose="020B0609020204030204" pitchFamily="49" charset="0"/>
-                        </a:rPr>
-                        <a:t>{</a:t>
-                      </a:r>
-                    </a:p>
-                    <a:p>
-                      <a:r>
-                        <a:rPr lang="en-US" sz="2000" dirty="0">
-                          <a:solidFill>
-                            <a:srgbClr val="000000"/>
-                          </a:solidFill>
-                          <a:latin typeface="Consolas" panose="020B0609020204030204" pitchFamily="49" charset="0"/>
-                        </a:rPr>
-                        <a:t>  Configuration = configuration;</a:t>
-                      </a:r>
-                    </a:p>
-                    <a:p>
-                      <a:r>
-                        <a:rPr lang="en-US" sz="2000" dirty="0">
-                          <a:solidFill>
-                            <a:srgbClr val="000000"/>
-                          </a:solidFill>
-                          <a:latin typeface="Consolas" panose="020B0609020204030204" pitchFamily="49" charset="0"/>
-                        </a:rPr>
-                        <a:t>}</a:t>
-                      </a:r>
-                    </a:p>
-                    <a:p>
-                      <a:endParaRPr lang="en-US" sz="2000" dirty="0">
+                        <a:t>Program</a:t>
+                      </a:r>
+                      <a:endParaRPr lang="en-US" sz="1800" dirty="0">
                         <a:solidFill>
                           <a:srgbClr val="000000"/>
                         </a:solidFill>
@@ -15749,7 +16467,27 @@
                     </a:p>
                     <a:p>
                       <a:r>
-                        <a:rPr lang="en-US" sz="2000" dirty="0">
+                        <a:rPr lang="en-US" sz="1800" dirty="0">
+                          <a:solidFill>
+                            <a:srgbClr val="000000"/>
+                          </a:solidFill>
+                          <a:latin typeface="Consolas" panose="020B0609020204030204" pitchFamily="49" charset="0"/>
+                        </a:rPr>
+                        <a:t>{</a:t>
+                      </a:r>
+                    </a:p>
+                    <a:p>
+                      <a:r>
+                        <a:rPr lang="en-US" sz="1800" dirty="0">
+                          <a:solidFill>
+                            <a:srgbClr val="000000"/>
+                          </a:solidFill>
+                          <a:latin typeface="Consolas" panose="020B0609020204030204" pitchFamily="49" charset="0"/>
+                        </a:rPr>
+                        <a:t>    </a:t>
+                      </a:r>
+                      <a:r>
+                        <a:rPr lang="en-US" sz="1800" dirty="0">
                           <a:solidFill>
                             <a:srgbClr val="0000FF"/>
                           </a:solidFill>
@@ -15758,7 +16496,7 @@
                         <a:t>public</a:t>
                       </a:r>
                       <a:r>
-                        <a:rPr lang="en-US" sz="2000" dirty="0">
+                        <a:rPr lang="en-US" sz="1800" dirty="0">
                           <a:solidFill>
                             <a:srgbClr val="000000"/>
                           </a:solidFill>
@@ -15767,40 +16505,348 @@
                         <a:t> </a:t>
                       </a:r>
                       <a:r>
-                        <a:rPr lang="en-US" sz="2000" dirty="0" err="1">
-                          <a:solidFill>
-                            <a:srgbClr val="2B91AF"/>
-                          </a:solidFill>
-                          <a:latin typeface="Consolas" panose="020B0609020204030204" pitchFamily="49" charset="0"/>
-                        </a:rPr>
-                        <a:t>IConfiguration</a:t>
-                      </a:r>
-                      <a:r>
-                        <a:rPr lang="en-US" sz="2000" dirty="0">
+                        <a:rPr lang="en-US" sz="1800" dirty="0">
+                          <a:solidFill>
+                            <a:srgbClr val="0000FF"/>
+                          </a:solidFill>
+                          <a:latin typeface="Consolas" panose="020B0609020204030204" pitchFamily="49" charset="0"/>
+                        </a:rPr>
+                        <a:t>static</a:t>
+                      </a:r>
+                      <a:r>
+                        <a:rPr lang="en-US" sz="1800" dirty="0">
                           <a:solidFill>
                             <a:srgbClr val="000000"/>
                           </a:solidFill>
                           <a:latin typeface="Consolas" panose="020B0609020204030204" pitchFamily="49" charset="0"/>
                         </a:rPr>
-                        <a:t> Configuration { </a:t>
-                      </a:r>
-                      <a:r>
-                        <a:rPr lang="en-US" sz="2000" dirty="0">
+                        <a:t> </a:t>
+                      </a:r>
+                      <a:r>
+                        <a:rPr lang="en-US" sz="1800" dirty="0">
                           <a:solidFill>
                             <a:srgbClr val="0000FF"/>
                           </a:solidFill>
                           <a:latin typeface="Consolas" panose="020B0609020204030204" pitchFamily="49" charset="0"/>
                         </a:rPr>
-                        <a:t>get</a:t>
-                      </a:r>
-                      <a:r>
-                        <a:rPr lang="en-US" sz="2000" dirty="0">
+                        <a:t>void</a:t>
+                      </a:r>
+                      <a:r>
+                        <a:rPr lang="en-US" sz="1800" dirty="0">
                           <a:solidFill>
                             <a:srgbClr val="000000"/>
                           </a:solidFill>
                           <a:latin typeface="Consolas" panose="020B0609020204030204" pitchFamily="49" charset="0"/>
                         </a:rPr>
-                        <a:t>; }</a:t>
+                        <a:t> Main(</a:t>
+                      </a:r>
+                      <a:r>
+                        <a:rPr lang="en-US" sz="1800" dirty="0">
+                          <a:solidFill>
+                            <a:srgbClr val="0000FF"/>
+                          </a:solidFill>
+                          <a:latin typeface="Consolas" panose="020B0609020204030204" pitchFamily="49" charset="0"/>
+                        </a:rPr>
+                        <a:t>string</a:t>
+                      </a:r>
+                      <a:r>
+                        <a:rPr lang="en-US" sz="1800" dirty="0">
+                          <a:solidFill>
+                            <a:srgbClr val="000000"/>
+                          </a:solidFill>
+                          <a:latin typeface="Consolas" panose="020B0609020204030204" pitchFamily="49" charset="0"/>
+                        </a:rPr>
+                        <a:t>[] </a:t>
+                      </a:r>
+                      <a:r>
+                        <a:rPr lang="en-US" sz="1800" dirty="0" err="1">
+                          <a:solidFill>
+                            <a:srgbClr val="000000"/>
+                          </a:solidFill>
+                          <a:latin typeface="Consolas" panose="020B0609020204030204" pitchFamily="49" charset="0"/>
+                        </a:rPr>
+                        <a:t>args</a:t>
+                      </a:r>
+                      <a:r>
+                        <a:rPr lang="en-US" sz="1800" dirty="0">
+                          <a:solidFill>
+                            <a:srgbClr val="000000"/>
+                          </a:solidFill>
+                          <a:latin typeface="Consolas" panose="020B0609020204030204" pitchFamily="49" charset="0"/>
+                        </a:rPr>
+                        <a:t>) =&gt; </a:t>
+                      </a:r>
+                    </a:p>
+                    <a:p>
+                      <a:r>
+                        <a:rPr lang="en-US" sz="1800" dirty="0">
+                          <a:solidFill>
+                            <a:srgbClr val="000000"/>
+                          </a:solidFill>
+                          <a:latin typeface="Consolas" panose="020B0609020204030204" pitchFamily="49" charset="0"/>
+                        </a:rPr>
+                        <a:t>        </a:t>
+                      </a:r>
+                      <a:r>
+                        <a:rPr lang="en-US" sz="1800" dirty="0" err="1">
+                          <a:solidFill>
+                            <a:srgbClr val="000000"/>
+                          </a:solidFill>
+                          <a:latin typeface="Consolas" panose="020B0609020204030204" pitchFamily="49" charset="0"/>
+                        </a:rPr>
+                        <a:t>BuildWebHost</a:t>
+                      </a:r>
+                      <a:r>
+                        <a:rPr lang="en-US" sz="1800" dirty="0">
+                          <a:solidFill>
+                            <a:srgbClr val="000000"/>
+                          </a:solidFill>
+                          <a:latin typeface="Consolas" panose="020B0609020204030204" pitchFamily="49" charset="0"/>
+                        </a:rPr>
+                        <a:t>(</a:t>
+                      </a:r>
+                      <a:r>
+                        <a:rPr lang="en-US" sz="1800" dirty="0" err="1">
+                          <a:solidFill>
+                            <a:srgbClr val="000000"/>
+                          </a:solidFill>
+                          <a:latin typeface="Consolas" panose="020B0609020204030204" pitchFamily="49" charset="0"/>
+                        </a:rPr>
+                        <a:t>args</a:t>
+                      </a:r>
+                      <a:r>
+                        <a:rPr lang="en-US" sz="1800" dirty="0">
+                          <a:solidFill>
+                            <a:srgbClr val="000000"/>
+                          </a:solidFill>
+                          <a:latin typeface="Consolas" panose="020B0609020204030204" pitchFamily="49" charset="0"/>
+                        </a:rPr>
+                        <a:t>).Run();</a:t>
+                      </a:r>
+                    </a:p>
+                    <a:p>
+                      <a:endParaRPr lang="en-US" sz="1800" dirty="0">
+                        <a:solidFill>
+                          <a:srgbClr val="000000"/>
+                        </a:solidFill>
+                        <a:latin typeface="Consolas" panose="020B0609020204030204" pitchFamily="49" charset="0"/>
+                      </a:endParaRPr>
+                    </a:p>
+                    <a:p>
+                      <a:r>
+                        <a:rPr lang="en-US" sz="1800" dirty="0">
+                          <a:solidFill>
+                            <a:srgbClr val="000000"/>
+                          </a:solidFill>
+                          <a:latin typeface="Consolas" panose="020B0609020204030204" pitchFamily="49" charset="0"/>
+                        </a:rPr>
+                        <a:t>    </a:t>
+                      </a:r>
+                      <a:r>
+                        <a:rPr lang="en-US" sz="1800" dirty="0">
+                          <a:solidFill>
+                            <a:srgbClr val="0000FF"/>
+                          </a:solidFill>
+                          <a:latin typeface="Consolas" panose="020B0609020204030204" pitchFamily="49" charset="0"/>
+                        </a:rPr>
+                        <a:t>public</a:t>
+                      </a:r>
+                      <a:r>
+                        <a:rPr lang="en-US" sz="1800" dirty="0">
+                          <a:solidFill>
+                            <a:srgbClr val="000000"/>
+                          </a:solidFill>
+                          <a:latin typeface="Consolas" panose="020B0609020204030204" pitchFamily="49" charset="0"/>
+                        </a:rPr>
+                        <a:t> </a:t>
+                      </a:r>
+                      <a:r>
+                        <a:rPr lang="en-US" sz="1800" dirty="0">
+                          <a:solidFill>
+                            <a:srgbClr val="0000FF"/>
+                          </a:solidFill>
+                          <a:latin typeface="Consolas" panose="020B0609020204030204" pitchFamily="49" charset="0"/>
+                        </a:rPr>
+                        <a:t>static</a:t>
+                      </a:r>
+                      <a:r>
+                        <a:rPr lang="en-US" sz="1800" dirty="0">
+                          <a:solidFill>
+                            <a:srgbClr val="000000"/>
+                          </a:solidFill>
+                          <a:latin typeface="Consolas" panose="020B0609020204030204" pitchFamily="49" charset="0"/>
+                        </a:rPr>
+                        <a:t> </a:t>
+                      </a:r>
+                      <a:r>
+                        <a:rPr lang="en-US" sz="1800" dirty="0" err="1">
+                          <a:solidFill>
+                            <a:srgbClr val="000000"/>
+                          </a:solidFill>
+                          <a:latin typeface="Consolas" panose="020B0609020204030204" pitchFamily="49" charset="0"/>
+                        </a:rPr>
+                        <a:t>IWebHost</a:t>
+                      </a:r>
+                      <a:r>
+                        <a:rPr lang="en-US" sz="1800" dirty="0">
+                          <a:solidFill>
+                            <a:srgbClr val="000000"/>
+                          </a:solidFill>
+                          <a:latin typeface="Consolas" panose="020B0609020204030204" pitchFamily="49" charset="0"/>
+                        </a:rPr>
+                        <a:t> </a:t>
+                      </a:r>
+                      <a:r>
+                        <a:rPr lang="en-US" sz="1800" dirty="0" err="1">
+                          <a:solidFill>
+                            <a:srgbClr val="000000"/>
+                          </a:solidFill>
+                          <a:latin typeface="Consolas" panose="020B0609020204030204" pitchFamily="49" charset="0"/>
+                        </a:rPr>
+                        <a:t>BuildWebHost</a:t>
+                      </a:r>
+                      <a:r>
+                        <a:rPr lang="en-US" sz="1800" dirty="0">
+                          <a:solidFill>
+                            <a:srgbClr val="000000"/>
+                          </a:solidFill>
+                          <a:latin typeface="Consolas" panose="020B0609020204030204" pitchFamily="49" charset="0"/>
+                        </a:rPr>
+                        <a:t>(</a:t>
+                      </a:r>
+                      <a:r>
+                        <a:rPr lang="en-US" sz="1800" dirty="0">
+                          <a:solidFill>
+                            <a:srgbClr val="0000FF"/>
+                          </a:solidFill>
+                          <a:latin typeface="Consolas" panose="020B0609020204030204" pitchFamily="49" charset="0"/>
+                        </a:rPr>
+                        <a:t>string</a:t>
+                      </a:r>
+                      <a:r>
+                        <a:rPr lang="en-US" sz="1800" dirty="0">
+                          <a:solidFill>
+                            <a:srgbClr val="000000"/>
+                          </a:solidFill>
+                          <a:latin typeface="Consolas" panose="020B0609020204030204" pitchFamily="49" charset="0"/>
+                        </a:rPr>
+                        <a:t>[] </a:t>
+                      </a:r>
+                      <a:r>
+                        <a:rPr lang="en-US" sz="1800" dirty="0" err="1">
+                          <a:solidFill>
+                            <a:srgbClr val="000000"/>
+                          </a:solidFill>
+                          <a:latin typeface="Consolas" panose="020B0609020204030204" pitchFamily="49" charset="0"/>
+                        </a:rPr>
+                        <a:t>args</a:t>
+                      </a:r>
+                      <a:r>
+                        <a:rPr lang="en-US" sz="1800" dirty="0">
+                          <a:solidFill>
+                            <a:srgbClr val="000000"/>
+                          </a:solidFill>
+                          <a:latin typeface="Consolas" panose="020B0609020204030204" pitchFamily="49" charset="0"/>
+                        </a:rPr>
+                        <a:t>) =&gt;</a:t>
+                      </a:r>
+                    </a:p>
+                    <a:p>
+                      <a:r>
+                        <a:rPr lang="en-US" sz="1800" dirty="0">
+                          <a:solidFill>
+                            <a:srgbClr val="000000"/>
+                          </a:solidFill>
+                          <a:latin typeface="Consolas" panose="020B0609020204030204" pitchFamily="49" charset="0"/>
+                        </a:rPr>
+                        <a:t>        </a:t>
+                      </a:r>
+                      <a:r>
+                        <a:rPr lang="en-US" sz="1800" dirty="0" err="1">
+                          <a:solidFill>
+                            <a:srgbClr val="000000"/>
+                          </a:solidFill>
+                          <a:latin typeface="Consolas" panose="020B0609020204030204" pitchFamily="49" charset="0"/>
+                        </a:rPr>
+                        <a:t>WebHost.CreateDefaultBuilder</a:t>
+                      </a:r>
+                      <a:r>
+                        <a:rPr lang="en-US" sz="1800" dirty="0">
+                          <a:solidFill>
+                            <a:srgbClr val="000000"/>
+                          </a:solidFill>
+                          <a:latin typeface="Consolas" panose="020B0609020204030204" pitchFamily="49" charset="0"/>
+                        </a:rPr>
+                        <a:t>(</a:t>
+                      </a:r>
+                      <a:r>
+                        <a:rPr lang="en-US" sz="1800" dirty="0" err="1">
+                          <a:solidFill>
+                            <a:srgbClr val="000000"/>
+                          </a:solidFill>
+                          <a:latin typeface="Consolas" panose="020B0609020204030204" pitchFamily="49" charset="0"/>
+                        </a:rPr>
+                        <a:t>args</a:t>
+                      </a:r>
+                      <a:r>
+                        <a:rPr lang="en-US" sz="1800" dirty="0">
+                          <a:solidFill>
+                            <a:srgbClr val="000000"/>
+                          </a:solidFill>
+                          <a:latin typeface="Consolas" panose="020B0609020204030204" pitchFamily="49" charset="0"/>
+                        </a:rPr>
+                        <a:t>)</a:t>
+                      </a:r>
+                    </a:p>
+                    <a:p>
+                      <a:r>
+                        <a:rPr lang="en-US" sz="1800" dirty="0">
+                          <a:solidFill>
+                            <a:srgbClr val="000000"/>
+                          </a:solidFill>
+                          <a:latin typeface="Consolas" panose="020B0609020204030204" pitchFamily="49" charset="0"/>
+                        </a:rPr>
+                        <a:t>            .</a:t>
+                      </a:r>
+                      <a:r>
+                        <a:rPr lang="en-US" sz="1800" dirty="0" err="1">
+                          <a:solidFill>
+                            <a:srgbClr val="000000"/>
+                          </a:solidFill>
+                          <a:latin typeface="Consolas" panose="020B0609020204030204" pitchFamily="49" charset="0"/>
+                        </a:rPr>
+                        <a:t>UseStartup</a:t>
+                      </a:r>
+                      <a:r>
+                        <a:rPr lang="en-US" sz="1800" dirty="0">
+                          <a:solidFill>
+                            <a:srgbClr val="000000"/>
+                          </a:solidFill>
+                          <a:latin typeface="Consolas" panose="020B0609020204030204" pitchFamily="49" charset="0"/>
+                        </a:rPr>
+                        <a:t>&lt;Startup&gt;()</a:t>
+                      </a:r>
+                    </a:p>
+                    <a:p>
+                      <a:r>
+                        <a:rPr lang="en-US" sz="1800" dirty="0">
+                          <a:solidFill>
+                            <a:srgbClr val="000000"/>
+                          </a:solidFill>
+                          <a:latin typeface="Consolas" panose="020B0609020204030204" pitchFamily="49" charset="0"/>
+                        </a:rPr>
+                        <a:t>            .Build();</a:t>
+                      </a:r>
+                    </a:p>
+                    <a:p>
+                      <a:r>
+                        <a:rPr lang="en-US" sz="1800" dirty="0">
+                          <a:solidFill>
+                            <a:srgbClr val="000000"/>
+                          </a:solidFill>
+                          <a:latin typeface="Consolas" panose="020B0609020204030204" pitchFamily="49" charset="0"/>
+                        </a:rPr>
+                        <a:t>}</a:t>
                       </a:r>
                     </a:p>
                   </a:txBody>
@@ -15850,10 +16896,10 @@
       </p:graphicFrame>
       <p:sp>
         <p:nvSpPr>
-          <p:cNvPr id="9" name="Rectangle 8">
+          <p:cNvPr id="11" name="Rectangle 10">
             <a:extLst>
               <a:ext uri="{FF2B5EF4-FFF2-40B4-BE49-F238E27FC236}">
-                <a16:creationId xmlns:a16="http://schemas.microsoft.com/office/drawing/2014/main" id="{3D7F8622-FB00-4218-B020-F494BCE6EA73}"/>
+                <a16:creationId xmlns:a16="http://schemas.microsoft.com/office/drawing/2014/main" id="{3FD31E7E-737B-4F1D-9B31-3301F7C2FA3A}"/>
               </a:ext>
             </a:extLst>
           </p:cNvPr>
@@ -15862,7 +16908,7 @@
         </p:nvSpPr>
         <p:spPr>
           <a:xfrm>
-            <a:off x="950278" y="1764907"/>
+            <a:off x="850988" y="1840066"/>
             <a:ext cx="2900800" cy="446567"/>
           </a:xfrm>
           <a:prstGeom prst="rect">
@@ -15897,9 +16943,323 @@
             <a:pPr algn="ctr"/>
             <a:r>
               <a:rPr lang="en-US" b="1" dirty="0" err="1"/>
+              <a:t>Program.cs</a:t>
+            </a:r>
+            <a:endParaRPr lang="en-US" b="1" dirty="0"/>
+          </a:p>
+        </p:txBody>
+      </p:sp>
+      <p:graphicFrame>
+        <p:nvGraphicFramePr>
+          <p:cNvPr id="12" name="Table 11">
+            <a:extLst>
+              <a:ext uri="{FF2B5EF4-FFF2-40B4-BE49-F238E27FC236}">
+                <a16:creationId xmlns:a16="http://schemas.microsoft.com/office/drawing/2014/main" id="{0D900527-3EF5-48DB-BAA9-05F3521219A1}"/>
+              </a:ext>
+            </a:extLst>
+          </p:cNvPr>
+          <p:cNvGraphicFramePr>
+            <a:graphicFrameLocks noGrp="1"/>
+          </p:cNvGraphicFramePr>
+          <p:nvPr>
+            <p:extLst>
+              <p:ext uri="{D42A27DB-BD31-4B8C-83A1-F6EECF244321}">
+                <p14:modId xmlns:p14="http://schemas.microsoft.com/office/powerpoint/2010/main" val="907461904"/>
+              </p:ext>
+            </p:extLst>
+          </p:nvPr>
+        </p:nvGraphicFramePr>
+        <p:xfrm>
+          <a:off x="5198853" y="4987925"/>
+          <a:ext cx="6154947" cy="1188720"/>
+        </p:xfrm>
+        <a:graphic>
+          <a:graphicData uri="http://schemas.openxmlformats.org/drawingml/2006/table">
+            <a:tbl>
+              <a:tblPr firstRow="1" bandRow="1">
+                <a:tableStyleId>{5C22544A-7EE6-4342-B048-85BDC9FD1C3A}</a:tableStyleId>
+              </a:tblPr>
+              <a:tblGrid>
+                <a:gridCol w="6154947">
+                  <a:extLst>
+                    <a:ext uri="{9D8B030D-6E8A-4147-A177-3AD203B41FA5}">
+                      <a16:colId xmlns:a16="http://schemas.microsoft.com/office/drawing/2014/main" val="1057070397"/>
+                    </a:ext>
+                  </a:extLst>
+                </a:gridCol>
+              </a:tblGrid>
+              <a:tr h="584446">
+                <a:tc>
+                  <a:txBody>
+                    <a:bodyPr/>
+                    <a:lstStyle/>
+                    <a:p>
+                      <a:r>
+                        <a:rPr lang="en-US" sz="1800" dirty="0">
+                          <a:solidFill>
+                            <a:srgbClr val="0000FF"/>
+                          </a:solidFill>
+                          <a:latin typeface="Consolas" panose="020B0609020204030204" pitchFamily="49" charset="0"/>
+                        </a:rPr>
+                        <a:t>public</a:t>
+                      </a:r>
+                      <a:r>
+                        <a:rPr lang="en-US" sz="1800" dirty="0">
+                          <a:solidFill>
+                            <a:srgbClr val="000000"/>
+                          </a:solidFill>
+                          <a:latin typeface="Consolas" panose="020B0609020204030204" pitchFamily="49" charset="0"/>
+                        </a:rPr>
+                        <a:t> Startup(</a:t>
+                      </a:r>
+                      <a:r>
+                        <a:rPr lang="en-US" sz="1800" dirty="0" err="1">
+                          <a:solidFill>
+                            <a:srgbClr val="2B91AF"/>
+                          </a:solidFill>
+                          <a:latin typeface="Consolas" panose="020B0609020204030204" pitchFamily="49" charset="0"/>
+                        </a:rPr>
+                        <a:t>IConfiguration</a:t>
+                      </a:r>
+                      <a:r>
+                        <a:rPr lang="en-US" sz="1800" dirty="0">
+                          <a:solidFill>
+                            <a:srgbClr val="000000"/>
+                          </a:solidFill>
+                          <a:latin typeface="Consolas" panose="020B0609020204030204" pitchFamily="49" charset="0"/>
+                        </a:rPr>
+                        <a:t> configuration) =&gt;</a:t>
+                      </a:r>
+                    </a:p>
+                    <a:p>
+                      <a:r>
+                        <a:rPr lang="en-US" sz="1800" dirty="0">
+                          <a:solidFill>
+                            <a:srgbClr val="000000"/>
+                          </a:solidFill>
+                          <a:latin typeface="Consolas" panose="020B0609020204030204" pitchFamily="49" charset="0"/>
+                        </a:rPr>
+                        <a:t>    Configuration = configuration;</a:t>
+                      </a:r>
+                    </a:p>
+                    <a:p>
+                      <a:endParaRPr lang="en-US" sz="1800" dirty="0">
+                        <a:solidFill>
+                          <a:srgbClr val="000000"/>
+                        </a:solidFill>
+                        <a:latin typeface="Consolas" panose="020B0609020204030204" pitchFamily="49" charset="0"/>
+                      </a:endParaRPr>
+                    </a:p>
+                    <a:p>
+                      <a:r>
+                        <a:rPr lang="en-US" sz="1800" dirty="0">
+                          <a:solidFill>
+                            <a:srgbClr val="0000FF"/>
+                          </a:solidFill>
+                          <a:latin typeface="Consolas" panose="020B0609020204030204" pitchFamily="49" charset="0"/>
+                        </a:rPr>
+                        <a:t>public</a:t>
+                      </a:r>
+                      <a:r>
+                        <a:rPr lang="en-US" sz="1800" dirty="0">
+                          <a:solidFill>
+                            <a:srgbClr val="000000"/>
+                          </a:solidFill>
+                          <a:latin typeface="Consolas" panose="020B0609020204030204" pitchFamily="49" charset="0"/>
+                        </a:rPr>
+                        <a:t> </a:t>
+                      </a:r>
+                      <a:r>
+                        <a:rPr lang="en-US" sz="1800" dirty="0" err="1">
+                          <a:solidFill>
+                            <a:srgbClr val="2B91AF"/>
+                          </a:solidFill>
+                          <a:latin typeface="Consolas" panose="020B0609020204030204" pitchFamily="49" charset="0"/>
+                        </a:rPr>
+                        <a:t>IConfiguration</a:t>
+                      </a:r>
+                      <a:r>
+                        <a:rPr lang="en-US" sz="1800" dirty="0">
+                          <a:solidFill>
+                            <a:srgbClr val="000000"/>
+                          </a:solidFill>
+                          <a:latin typeface="Consolas" panose="020B0609020204030204" pitchFamily="49" charset="0"/>
+                        </a:rPr>
+                        <a:t> Configuration { </a:t>
+                      </a:r>
+                      <a:r>
+                        <a:rPr lang="en-US" sz="1800" dirty="0">
+                          <a:solidFill>
+                            <a:srgbClr val="0000FF"/>
+                          </a:solidFill>
+                          <a:latin typeface="Consolas" panose="020B0609020204030204" pitchFamily="49" charset="0"/>
+                        </a:rPr>
+                        <a:t>get</a:t>
+                      </a:r>
+                      <a:r>
+                        <a:rPr lang="en-US" sz="1800" dirty="0">
+                          <a:solidFill>
+                            <a:srgbClr val="000000"/>
+                          </a:solidFill>
+                          <a:latin typeface="Consolas" panose="020B0609020204030204" pitchFamily="49" charset="0"/>
+                        </a:rPr>
+                        <a:t>; }</a:t>
+                      </a:r>
+                    </a:p>
+                  </a:txBody>
+                  <a:tcPr>
+                    <a:lnL w="12700" cap="flat" cmpd="sng" algn="ctr">
+                      <a:noFill/>
+                      <a:prstDash val="solid"/>
+                      <a:round/>
+                      <a:headEnd type="none" w="med" len="med"/>
+                      <a:tailEnd type="none" w="med" len="med"/>
+                    </a:lnL>
+                    <a:lnR w="12700" cap="flat" cmpd="sng" algn="ctr">
+                      <a:noFill/>
+                      <a:prstDash val="solid"/>
+                      <a:round/>
+                      <a:headEnd type="none" w="med" len="med"/>
+                      <a:tailEnd type="none" w="med" len="med"/>
+                    </a:lnR>
+                    <a:lnT w="12700" cap="flat" cmpd="sng" algn="ctr">
+                      <a:noFill/>
+                      <a:prstDash val="solid"/>
+                      <a:round/>
+                      <a:headEnd type="none" w="med" len="med"/>
+                      <a:tailEnd type="none" w="med" len="med"/>
+                    </a:lnT>
+                    <a:lnB w="12700" cap="flat" cmpd="sng" algn="ctr">
+                      <a:noFill/>
+                      <a:prstDash val="solid"/>
+                      <a:round/>
+                      <a:headEnd type="none" w="med" len="med"/>
+                      <a:tailEnd type="none" w="med" len="med"/>
+                    </a:lnB>
+                    <a:solidFill>
+                      <a:schemeClr val="tx2">
+                        <a:lumMod val="90000"/>
+                      </a:schemeClr>
+                    </a:solidFill>
+                  </a:tcPr>
+                </a:tc>
+                <a:extLst>
+                  <a:ext uri="{0D108BD9-81ED-4DB2-BD59-A6C34878D82A}">
+                    <a16:rowId xmlns:a16="http://schemas.microsoft.com/office/drawing/2014/main" val="3473222697"/>
+                  </a:ext>
+                </a:extLst>
+              </a:tr>
+            </a:tbl>
+          </a:graphicData>
+        </a:graphic>
+      </p:graphicFrame>
+      <p:sp>
+        <p:nvSpPr>
+          <p:cNvPr id="13" name="Rectangle 12">
+            <a:extLst>
+              <a:ext uri="{FF2B5EF4-FFF2-40B4-BE49-F238E27FC236}">
+                <a16:creationId xmlns:a16="http://schemas.microsoft.com/office/drawing/2014/main" id="{8155BA45-0C24-440B-9304-BAFB18B02174}"/>
+              </a:ext>
+            </a:extLst>
+          </p:cNvPr>
+          <p:cNvSpPr/>
+          <p:nvPr/>
+        </p:nvSpPr>
+        <p:spPr>
+          <a:xfrm>
+            <a:off x="5211641" y="4541356"/>
+            <a:ext cx="1697884" cy="446567"/>
+          </a:xfrm>
+          <a:prstGeom prst="rect">
+            <a:avLst/>
+          </a:prstGeom>
+          <a:ln w="57150">
+            <a:solidFill>
+              <a:schemeClr val="accent1">
+                <a:lumMod val="50000"/>
+              </a:schemeClr>
+            </a:solidFill>
+          </a:ln>
+        </p:spPr>
+        <p:style>
+          <a:lnRef idx="1">
+            <a:schemeClr val="accent1"/>
+          </a:lnRef>
+          <a:fillRef idx="2">
+            <a:schemeClr val="accent1"/>
+          </a:fillRef>
+          <a:effectRef idx="1">
+            <a:schemeClr val="accent1"/>
+          </a:effectRef>
+          <a:fontRef idx="minor">
+            <a:schemeClr val="dk1"/>
+          </a:fontRef>
+        </p:style>
+        <p:txBody>
+          <a:bodyPr rtlCol="0" anchor="ctr"/>
+          <a:lstStyle/>
+          <a:p>
+            <a:pPr algn="ctr"/>
+            <a:r>
+              <a:rPr lang="en-US" b="1" dirty="0" err="1"/>
               <a:t>Startup.cs</a:t>
             </a:r>
             <a:endParaRPr lang="en-US" b="1" dirty="0"/>
+          </a:p>
+        </p:txBody>
+      </p:sp>
+      <p:sp>
+        <p:nvSpPr>
+          <p:cNvPr id="14" name="Arrow: Bent-Up 13">
+            <a:extLst>
+              <a:ext uri="{FF2B5EF4-FFF2-40B4-BE49-F238E27FC236}">
+                <a16:creationId xmlns:a16="http://schemas.microsoft.com/office/drawing/2014/main" id="{1452720B-ED14-4BD1-AE9A-60F321D36480}"/>
+              </a:ext>
+            </a:extLst>
+          </p:cNvPr>
+          <p:cNvSpPr/>
+          <p:nvPr/>
+        </p:nvSpPr>
+        <p:spPr>
+          <a:xfrm rot="5400000">
+            <a:off x="4125098" y="4665686"/>
+            <a:ext cx="1399216" cy="1070042"/>
+          </a:xfrm>
+          <a:prstGeom prst="bentUpArrow">
+            <a:avLst/>
+          </a:prstGeom>
+          <a:ln>
+            <a:solidFill>
+              <a:schemeClr val="tx1"/>
+            </a:solidFill>
+          </a:ln>
+        </p:spPr>
+        <p:style>
+          <a:lnRef idx="2">
+            <a:schemeClr val="accent1">
+              <a:shade val="50000"/>
+            </a:schemeClr>
+          </a:lnRef>
+          <a:fillRef idx="1">
+            <a:schemeClr val="accent1"/>
+          </a:fillRef>
+          <a:effectRef idx="0">
+            <a:schemeClr val="accent1"/>
+          </a:effectRef>
+          <a:fontRef idx="minor">
+            <a:schemeClr val="lt1"/>
+          </a:fontRef>
+        </p:style>
+        <p:txBody>
+          <a:bodyPr rtlCol="0" anchor="ctr"/>
+          <a:lstStyle/>
+          <a:p>
+            <a:pPr algn="ctr"/>
+            <a:endParaRPr lang="en-US" dirty="0">
+              <a:solidFill>
+                <a:schemeClr val="tx1"/>
+              </a:solidFill>
+            </a:endParaRPr>
           </a:p>
         </p:txBody>
       </p:sp>
@@ -15947,7 +17307,7 @@
                                           </p:stCondLst>
                                         </p:cTn>
                                         <p:tgtEl>
-                                          <p:spTgt spid="8"/>
+                                          <p:spTgt spid="10"/>
                                         </p:tgtEl>
                                         <p:attrNameLst>
                                           <p:attrName>style.visibility</p:attrName>
@@ -15974,7 +17334,132 @@
                                           </p:stCondLst>
                                         </p:cTn>
                                         <p:tgtEl>
-                                          <p:spTgt spid="9"/>
+                                          <p:spTgt spid="11"/>
+                                        </p:tgtEl>
+                                        <p:attrNameLst>
+                                          <p:attrName>style.visibility</p:attrName>
+                                        </p:attrNameLst>
+                                      </p:cBhvr>
+                                      <p:to>
+                                        <p:strVal val="visible"/>
+                                      </p:to>
+                                    </p:set>
+                                  </p:childTnLst>
+                                </p:cTn>
+                              </p:par>
+                            </p:childTnLst>
+                          </p:cTn>
+                        </p:par>
+                      </p:childTnLst>
+                    </p:cTn>
+                  </p:par>
+                  <p:par>
+                    <p:cTn id="9" fill="hold">
+                      <p:stCondLst>
+                        <p:cond delay="indefinite"/>
+                      </p:stCondLst>
+                      <p:childTnLst>
+                        <p:par>
+                          <p:cTn id="10" fill="hold">
+                            <p:stCondLst>
+                              <p:cond delay="0"/>
+                            </p:stCondLst>
+                            <p:childTnLst>
+                              <p:par>
+                                <p:cTn id="11" presetID="22" presetClass="entr" presetSubtype="1" fill="hold" grpId="0" nodeType="clickEffect">
+                                  <p:stCondLst>
+                                    <p:cond delay="0"/>
+                                  </p:stCondLst>
+                                  <p:childTnLst>
+                                    <p:set>
+                                      <p:cBhvr>
+                                        <p:cTn id="12" dur="1" fill="hold">
+                                          <p:stCondLst>
+                                            <p:cond delay="0"/>
+                                          </p:stCondLst>
+                                        </p:cTn>
+                                        <p:tgtEl>
+                                          <p:spTgt spid="14"/>
+                                        </p:tgtEl>
+                                        <p:attrNameLst>
+                                          <p:attrName>style.visibility</p:attrName>
+                                        </p:attrNameLst>
+                                      </p:cBhvr>
+                                      <p:to>
+                                        <p:strVal val="visible"/>
+                                      </p:to>
+                                    </p:set>
+                                    <p:animEffect transition="in" filter="wipe(up)">
+                                      <p:cBhvr>
+                                        <p:cTn id="13" dur="500"/>
+                                        <p:tgtEl>
+                                          <p:spTgt spid="14"/>
+                                        </p:tgtEl>
+                                      </p:cBhvr>
+                                    </p:animEffect>
+                                  </p:childTnLst>
+                                </p:cTn>
+                              </p:par>
+                            </p:childTnLst>
+                          </p:cTn>
+                        </p:par>
+                      </p:childTnLst>
+                    </p:cTn>
+                  </p:par>
+                  <p:par>
+                    <p:cTn id="14" fill="hold">
+                      <p:stCondLst>
+                        <p:cond delay="indefinite"/>
+                      </p:stCondLst>
+                      <p:childTnLst>
+                        <p:par>
+                          <p:cTn id="15" fill="hold">
+                            <p:stCondLst>
+                              <p:cond delay="0"/>
+                            </p:stCondLst>
+                            <p:childTnLst>
+                              <p:par>
+                                <p:cTn id="16" presetID="1" presetClass="entr" presetSubtype="0" fill="hold" nodeType="clickEffect">
+                                  <p:stCondLst>
+                                    <p:cond delay="0"/>
+                                  </p:stCondLst>
+                                  <p:childTnLst>
+                                    <p:set>
+                                      <p:cBhvr>
+                                        <p:cTn id="17" dur="1" fill="hold">
+                                          <p:stCondLst>
+                                            <p:cond delay="0"/>
+                                          </p:stCondLst>
+                                        </p:cTn>
+                                        <p:tgtEl>
+                                          <p:spTgt spid="12"/>
+                                        </p:tgtEl>
+                                        <p:attrNameLst>
+                                          <p:attrName>style.visibility</p:attrName>
+                                        </p:attrNameLst>
+                                      </p:cBhvr>
+                                      <p:to>
+                                        <p:strVal val="visible"/>
+                                      </p:to>
+                                    </p:set>
+                                  </p:childTnLst>
+                                </p:cTn>
+                              </p:par>
+                              <p:par>
+                                <p:cTn id="18" presetID="1" presetClass="entr" presetSubtype="0" fill="hold" grpId="0" nodeType="withEffect">
+                                  <p:stCondLst>
+                                    <p:cond delay="0"/>
+                                  </p:stCondLst>
+                                  <p:childTnLst>
+                                    <p:set>
+                                      <p:cBhvr>
+                                        <p:cTn id="19" dur="1" fill="hold">
+                                          <p:stCondLst>
+                                            <p:cond delay="0"/>
+                                          </p:stCondLst>
+                                        </p:cTn>
+                                        <p:tgtEl>
+                                          <p:spTgt spid="13"/>
                                         </p:tgtEl>
                                         <p:attrNameLst>
                                           <p:attrName>style.visibility</p:attrName>
@@ -16015,7 +17500,9 @@
       </p:par>
     </p:tnLst>
     <p:bldLst>
-      <p:bldP spid="9" grpId="0" animBg="1"/>
+      <p:bldP spid="11" grpId="0" animBg="1"/>
+      <p:bldP spid="13" grpId="0" animBg="1"/>
+      <p:bldP spid="14" grpId="0" animBg="1"/>
     </p:bldLst>
   </p:timing>
 </p:sld>
@@ -17360,13 +18847,13 @@
   <p:clrMapOvr>
     <a:masterClrMapping/>
   </p:clrMapOvr>
-  <mc:AlternateContent xmlns:mc="http://schemas.openxmlformats.org/markup-compatibility/2006">
-    <mc:Choice xmlns:p14="http://schemas.microsoft.com/office/powerpoint/2010/main" Requires="p14">
+  <mc:AlternateContent xmlns:mc="http://schemas.openxmlformats.org/markup-compatibility/2006" xmlns:p14="http://schemas.microsoft.com/office/powerpoint/2010/main">
+    <mc:Choice Requires="p14">
       <p:transition spd="med" p14:dur="700" advTm="10000">
         <p:fade/>
       </p:transition>
     </mc:Choice>
-    <mc:Fallback>
+    <mc:Fallback xmlns="">
       <p:transition spd="med" advTm="10000">
         <p:fade/>
       </p:transition>
@@ -17617,13 +19104,13 @@
   <p:clrMapOvr>
     <a:masterClrMapping/>
   </p:clrMapOvr>
-  <mc:AlternateContent xmlns:mc="http://schemas.openxmlformats.org/markup-compatibility/2006">
-    <mc:Choice xmlns:p14="http://schemas.microsoft.com/office/powerpoint/2010/main" Requires="p14">
+  <mc:AlternateContent xmlns:mc="http://schemas.openxmlformats.org/markup-compatibility/2006" xmlns:p14="http://schemas.microsoft.com/office/powerpoint/2010/main">
+    <mc:Choice Requires="p14">
       <p:transition spd="med" p14:dur="700" advTm="10000">
         <p:fade/>
       </p:transition>
     </mc:Choice>
-    <mc:Fallback>
+    <mc:Fallback xmlns="">
       <p:transition spd="med" advTm="10000">
         <p:fade/>
       </p:transition>

--- a/Whats New in ASP.NET Core 2.0.pptx
+++ b/Whats New in ASP.NET Core 2.0.pptx
@@ -18626,9 +18626,7 @@
             <a:ext cx="9144000" cy="1040541"/>
           </a:xfrm>
           <a:solidFill>
-            <a:srgbClr val="6E3382">
-              <a:alpha val="74902"/>
-            </a:srgbClr>
+            <a:srgbClr val="6E3382"/>
           </a:solidFill>
           <a:ln>
             <a:noFill/>
@@ -19232,9 +19230,7 @@
             <a:ext cx="9144000" cy="1040541"/>
           </a:xfrm>
           <a:solidFill>
-            <a:srgbClr val="6E3382">
-              <a:alpha val="74902"/>
-            </a:srgbClr>
+            <a:srgbClr val="6E3382"/>
           </a:solidFill>
           <a:ln>
             <a:noFill/>

--- a/Whats New in ASP.NET Core 2.0.pptx
+++ b/Whats New in ASP.NET Core 2.0.pptx
@@ -18146,6 +18146,136 @@
           <a:chExt cx="0" cy="0"/>
         </a:xfrm>
       </p:grpSpPr>
+      <p:sp>
+        <p:nvSpPr>
+          <p:cNvPr id="3" name="Content Placeholder 2"/>
+          <p:cNvSpPr>
+            <a:spLocks noGrp="1"/>
+          </p:cNvSpPr>
+          <p:nvPr>
+            <p:ph sz="half" idx="2"/>
+          </p:nvPr>
+        </p:nvSpPr>
+        <p:spPr>
+          <a:xfrm>
+            <a:off x="6172194" y="1527073"/>
+            <a:ext cx="5181600" cy="4351338"/>
+          </a:xfrm>
+        </p:spPr>
+        <p:txBody>
+          <a:bodyPr>
+            <a:normAutofit fontScale="77500" lnSpcReduction="20000"/>
+          </a:bodyPr>
+          <a:lstStyle/>
+          <a:p>
+            <a:pPr marL="0" indent="0">
+              <a:buNone/>
+            </a:pPr>
+            <a:r>
+              <a:rPr lang="en-US" dirty="0"/>
+              <a:t>	</a:t>
+            </a:r>
+          </a:p>
+          <a:p>
+            <a:pPr marL="0" indent="0">
+              <a:buNone/>
+            </a:pPr>
+            <a:r>
+              <a:rPr lang="en-US" dirty="0"/>
+              <a:t>	@</a:t>
+            </a:r>
+            <a:r>
+              <a:rPr lang="en-US" dirty="0" err="1"/>
+              <a:t>Scott_Addie</a:t>
+            </a:r>
+            <a:endParaRPr lang="en-US" dirty="0"/>
+          </a:p>
+          <a:p>
+            <a:pPr marL="0" indent="0">
+              <a:buNone/>
+            </a:pPr>
+            <a:endParaRPr lang="en-US" dirty="0"/>
+          </a:p>
+          <a:p>
+            <a:pPr marL="0" indent="0">
+              <a:buNone/>
+            </a:pPr>
+            <a:endParaRPr lang="en-US" dirty="0"/>
+          </a:p>
+          <a:p>
+            <a:pPr marL="0" indent="0">
+              <a:buNone/>
+            </a:pPr>
+            <a:r>
+              <a:rPr lang="en-US" dirty="0"/>
+              <a:t>	docs.asp.net</a:t>
+            </a:r>
+          </a:p>
+          <a:p>
+            <a:pPr marL="0" indent="0">
+              <a:buNone/>
+            </a:pPr>
+            <a:endParaRPr lang="en-US" dirty="0"/>
+          </a:p>
+          <a:p>
+            <a:pPr marL="0" indent="0">
+              <a:buNone/>
+            </a:pPr>
+            <a:endParaRPr lang="en-US" dirty="0"/>
+          </a:p>
+          <a:p>
+            <a:pPr marL="0" indent="0">
+              <a:buNone/>
+            </a:pPr>
+            <a:r>
+              <a:rPr lang="en-US" sz="2400" dirty="0"/>
+              <a:t>	</a:t>
+            </a:r>
+            <a:r>
+              <a:rPr lang="en-US" dirty="0"/>
+              <a:t>github.com/</a:t>
+            </a:r>
+            <a:r>
+              <a:rPr lang="en-US" dirty="0" err="1"/>
+              <a:t>scottaddie</a:t>
+            </a:r>
+            <a:endParaRPr lang="en-US" dirty="0"/>
+          </a:p>
+          <a:p>
+            <a:pPr marL="0" indent="0">
+              <a:buNone/>
+            </a:pPr>
+            <a:r>
+              <a:rPr lang="en-US" dirty="0"/>
+              <a:t>	</a:t>
+            </a:r>
+          </a:p>
+          <a:p>
+            <a:pPr marL="0" indent="0">
+              <a:buNone/>
+            </a:pPr>
+            <a:r>
+              <a:rPr lang="en-US" dirty="0"/>
+              <a:t>		</a:t>
+            </a:r>
+          </a:p>
+          <a:p>
+            <a:pPr marL="0" indent="0">
+              <a:buNone/>
+            </a:pPr>
+            <a:r>
+              <a:rPr lang="en-US" dirty="0"/>
+              <a:t>		          http://bit.ly/2gdeJX2</a:t>
+            </a:r>
+          </a:p>
+          <a:p>
+            <a:pPr marL="0" indent="0">
+              <a:buNone/>
+            </a:pPr>
+            <a:endParaRPr lang="en-US" dirty="0"/>
+          </a:p>
+        </p:txBody>
+      </p:sp>
       <p:pic>
         <p:nvPicPr>
           <p:cNvPr id="17" name="Picture 16"/>
@@ -18168,7 +18298,7 @@
         </p:blipFill>
         <p:spPr>
           <a:xfrm>
-            <a:off x="6308458" y="3136565"/>
+            <a:off x="6300853" y="2654957"/>
             <a:ext cx="784448" cy="784448"/>
           </a:xfrm>
           <a:prstGeom prst="rect">
@@ -18195,123 +18325,6 @@
               <a:rPr lang="en-US" dirty="0"/>
               <a:t>Thank you!</a:t>
             </a:r>
-          </a:p>
-        </p:txBody>
-      </p:sp>
-      <p:sp>
-        <p:nvSpPr>
-          <p:cNvPr id="3" name="Content Placeholder 2"/>
-          <p:cNvSpPr>
-            <a:spLocks noGrp="1"/>
-          </p:cNvSpPr>
-          <p:nvPr>
-            <p:ph sz="half" idx="2"/>
-          </p:nvPr>
-        </p:nvSpPr>
-        <p:spPr/>
-        <p:txBody>
-          <a:bodyPr>
-            <a:normAutofit fontScale="92500" lnSpcReduction="20000"/>
-          </a:bodyPr>
-          <a:lstStyle/>
-          <a:p>
-            <a:pPr marL="0" indent="0">
-              <a:buNone/>
-            </a:pPr>
-            <a:r>
-              <a:rPr lang="en-US" dirty="0"/>
-              <a:t>	</a:t>
-            </a:r>
-          </a:p>
-          <a:p>
-            <a:pPr marL="0" indent="0">
-              <a:buNone/>
-            </a:pPr>
-            <a:r>
-              <a:rPr lang="en-US" dirty="0"/>
-              <a:t>	@Scott_Addie</a:t>
-            </a:r>
-          </a:p>
-          <a:p>
-            <a:pPr marL="0" indent="0">
-              <a:buNone/>
-            </a:pPr>
-            <a:endParaRPr lang="en-US" dirty="0"/>
-          </a:p>
-          <a:p>
-            <a:pPr marL="0" indent="0">
-              <a:buNone/>
-            </a:pPr>
-            <a:r>
-              <a:rPr lang="en-US" dirty="0"/>
-              <a:t>	</a:t>
-            </a:r>
-          </a:p>
-          <a:p>
-            <a:pPr marL="0" indent="0">
-              <a:buNone/>
-            </a:pPr>
-            <a:r>
-              <a:rPr lang="en-US" dirty="0"/>
-              <a:t>	docs.asp.net</a:t>
-            </a:r>
-          </a:p>
-          <a:p>
-            <a:pPr marL="0" indent="0">
-              <a:buNone/>
-            </a:pPr>
-            <a:endParaRPr lang="en-US" dirty="0"/>
-          </a:p>
-          <a:p>
-            <a:pPr marL="0" indent="0">
-              <a:buNone/>
-            </a:pPr>
-            <a:r>
-              <a:rPr lang="en-US" sz="2400" dirty="0"/>
-              <a:t>	</a:t>
-            </a:r>
-          </a:p>
-          <a:p>
-            <a:pPr marL="0" indent="0">
-              <a:buNone/>
-            </a:pPr>
-            <a:r>
-              <a:rPr lang="en-US" sz="2400" dirty="0"/>
-              <a:t>	</a:t>
-            </a:r>
-            <a:r>
-              <a:rPr lang="en-US" dirty="0"/>
-              <a:t>github.com/</a:t>
-            </a:r>
-            <a:r>
-              <a:rPr lang="en-US" dirty="0" err="1"/>
-              <a:t>scottaddie</a:t>
-            </a:r>
-            <a:endParaRPr lang="en-US" dirty="0"/>
-          </a:p>
-          <a:p>
-            <a:pPr marL="0" indent="0">
-              <a:buNone/>
-            </a:pPr>
-            <a:r>
-              <a:rPr lang="en-US" dirty="0"/>
-              <a:t>			</a:t>
-            </a:r>
-          </a:p>
-          <a:p>
-            <a:pPr marL="0" indent="0">
-              <a:buNone/>
-            </a:pPr>
-            <a:r>
-              <a:rPr lang="en-US" dirty="0"/>
-              <a:t>	</a:t>
-            </a:r>
-          </a:p>
-          <a:p>
-            <a:pPr marL="0" indent="0">
-              <a:buNone/>
-            </a:pPr>
-            <a:endParaRPr lang="en-US" dirty="0"/>
           </a:p>
         </p:txBody>
       </p:sp>
@@ -18337,7 +18350,7 @@
         </p:blipFill>
         <p:spPr>
           <a:xfrm>
-            <a:off x="6402414" y="1996977"/>
+            <a:off x="6402408" y="1698425"/>
             <a:ext cx="682893" cy="555188"/>
           </a:xfrm>
           <a:prstGeom prst="rect">
@@ -18369,7 +18382,7 @@
         </p:blipFill>
         <p:spPr bwMode="auto">
           <a:xfrm>
-            <a:off x="6244128" y="4294173"/>
+            <a:off x="6236522" y="3715450"/>
             <a:ext cx="913109" cy="913109"/>
           </a:xfrm>
           <a:prstGeom prst="rect">
@@ -18442,7 +18455,7 @@
         <p:spPr/>
         <p:txBody>
           <a:bodyPr>
-            <a:normAutofit fontScale="92500" lnSpcReduction="20000"/>
+            <a:normAutofit fontScale="77500" lnSpcReduction="20000"/>
           </a:bodyPr>
           <a:lstStyle/>
           <a:p>
@@ -18508,6 +18521,54 @@
           </a:p>
         </p:txBody>
       </p:sp>
+      <p:pic>
+        <p:nvPicPr>
+          <p:cNvPr id="1026" name="Picture 2" descr="http://6figuredev.com/wp-content/uploads/2015/12/The6FigureDeveloper_250.png">
+            <a:extLst>
+              <a:ext uri="{FF2B5EF4-FFF2-40B4-BE49-F238E27FC236}">
+                <a16:creationId xmlns:a16="http://schemas.microsoft.com/office/drawing/2014/main" id="{B151807B-264F-4ED6-B357-BC932E182C5F}"/>
+              </a:ext>
+            </a:extLst>
+          </p:cNvPr>
+          <p:cNvPicPr>
+            <a:picLocks noChangeAspect="1" noChangeArrowheads="1"/>
+          </p:cNvPicPr>
+          <p:nvPr/>
+        </p:nvPicPr>
+        <p:blipFill>
+          <a:blip r:embed="rId7">
+            <a:lum bright="70000" contrast="-70000"/>
+            <a:extLst>
+              <a:ext uri="{28A0092B-C50C-407E-A947-70E740481C1C}">
+                <a14:useLocalDpi xmlns:a14="http://schemas.microsoft.com/office/drawing/2010/main" val="0"/>
+              </a:ext>
+            </a:extLst>
+          </a:blip>
+          <a:srcRect/>
+          <a:stretch>
+            <a:fillRect/>
+          </a:stretch>
+        </p:blipFill>
+        <p:spPr bwMode="auto">
+          <a:xfrm>
+            <a:off x="6300853" y="4996340"/>
+            <a:ext cx="2381250" cy="476250"/>
+          </a:xfrm>
+          <a:prstGeom prst="rect">
+            <a:avLst/>
+          </a:prstGeom>
+          <a:noFill/>
+          <a:extLst>
+            <a:ext uri="{909E8E84-426E-40DD-AFC4-6F175D3DCCD1}">
+              <a14:hiddenFill xmlns:a14="http://schemas.microsoft.com/office/drawing/2010/main">
+                <a:solidFill>
+                  <a:srgbClr val="FFFFFF"/>
+                </a:solidFill>
+              </a14:hiddenFill>
+            </a:ext>
+          </a:extLst>
+        </p:spPr>
+      </p:pic>
     </p:spTree>
     <p:extLst>
       <p:ext uri="{BB962C8B-B14F-4D97-AF65-F5344CB8AC3E}">

--- a/Whats New in ASP.NET Core 2.0.pptx
+++ b/Whats New in ASP.NET Core 2.0.pptx
@@ -17697,7 +17697,7 @@
               <a:rPr lang="en-US" sz="2400" dirty="0">
                 <a:hlinkClick r:id="rId3"/>
               </a:rPr>
-              <a:t>http://bit.ly/2xVMWUG</a:t>
+              <a:t>bit.ly/2xVMWUG</a:t>
             </a:r>
             <a:endParaRPr lang="en-US" sz="2400" dirty="0"/>
           </a:p>
@@ -17742,7 +17742,7 @@
               <a:rPr lang="en-US" sz="2400" dirty="0">
                 <a:hlinkClick r:id="rId4"/>
               </a:rPr>
-              <a:t>http://bit.ly/2yGO9Nh</a:t>
+              <a:t>bit.ly/2yGO9Nh</a:t>
             </a:r>
             <a:endParaRPr lang="en-US" sz="2400" dirty="0"/>
           </a:p>
@@ -18265,7 +18265,7 @@
             </a:pPr>
             <a:r>
               <a:rPr lang="en-US" dirty="0"/>
-              <a:t>		          http://bit.ly/2gdeJX2</a:t>
+              <a:t>		                 bit.ly/2gdeJX2</a:t>
             </a:r>
           </a:p>
           <a:p>
@@ -18428,7 +18428,7 @@
         </p:blipFill>
         <p:spPr>
           <a:xfrm>
-            <a:off x="838206" y="1524497"/>
+            <a:off x="838194" y="1779358"/>
             <a:ext cx="4286250" cy="4286250"/>
           </a:xfrm>
           <a:prstGeom prst="rect">
@@ -18516,7 +18516,61 @@
                   </a:outerShdw>
                 </a:effectLst>
               </a:rPr>
-              <a:t>        http://bit.ly/2yLmkTS</a:t>
+              <a:t>        </a:t>
+            </a:r>
+          </a:p>
+          <a:p>
+            <a:pPr marL="0" indent="0">
+              <a:buNone/>
+            </a:pPr>
+            <a:r>
+              <a:rPr lang="en-US" sz="2600" b="1" dirty="0">
+                <a:ln w="9525">
+                  <a:solidFill>
+                    <a:schemeClr val="bg1"/>
+                  </a:solidFill>
+                  <a:prstDash val="solid"/>
+                </a:ln>
+                <a:solidFill>
+                  <a:schemeClr val="bg1"/>
+                </a:solidFill>
+                <a:effectLst>
+                  <a:outerShdw blurRad="12700" dist="38100" dir="2700000" algn="tl" rotWithShape="0">
+                    <a:schemeClr val="accent5">
+                      <a:lumMod val="60000"/>
+                      <a:lumOff val="40000"/>
+                    </a:schemeClr>
+                  </a:outerShdw>
+                </a:effectLst>
+              </a:rPr>
+              <a:t>	     </a:t>
+            </a:r>
+          </a:p>
+          <a:p>
+            <a:pPr marL="0" indent="0">
+              <a:buNone/>
+            </a:pPr>
+            <a:r>
+              <a:rPr lang="en-US" sz="2600" b="1" dirty="0">
+                <a:ln w="9525">
+                  <a:solidFill>
+                    <a:schemeClr val="bg1"/>
+                  </a:solidFill>
+                  <a:prstDash val="solid"/>
+                </a:ln>
+                <a:solidFill>
+                  <a:schemeClr val="bg1"/>
+                </a:solidFill>
+                <a:effectLst>
+                  <a:outerShdw blurRad="12700" dist="38100" dir="2700000" algn="tl" rotWithShape="0">
+                    <a:schemeClr val="accent5">
+                      <a:lumMod val="60000"/>
+                      <a:lumOff val="40000"/>
+                    </a:schemeClr>
+                  </a:outerShdw>
+                </a:effectLst>
+              </a:rPr>
+              <a:t>	      bit.ly/2yLmkTS</a:t>
             </a:r>
           </a:p>
         </p:txBody>

--- a/Whats New in ASP.NET Core 2.0.pptx
+++ b/Whats New in ASP.NET Core 2.0.pptx
@@ -23,7 +23,7 @@
     <p:sldId id="351" r:id="rId14"/>
     <p:sldId id="353" r:id="rId15"/>
     <p:sldId id="341" r:id="rId16"/>
-    <p:sldId id="320" r:id="rId17"/>
+    <p:sldId id="358" r:id="rId17"/>
   </p:sldIdLst>
   <p:sldSz cx="12192000" cy="6858000"/>
   <p:notesSz cx="6858000" cy="9144000"/>
@@ -41,7 +41,6 @@
         <p:sld r:id="rId14"/>
         <p:sld r:id="rId15"/>
         <p:sld r:id="rId16"/>
-        <p:sld r:id="rId17"/>
       </p:sldLst>
     </p:custShow>
     <p:custShow name="Sponsor Slides" id="1">
@@ -170,7 +169,7 @@
             <p14:sldId id="351"/>
             <p14:sldId id="353"/>
             <p14:sldId id="341"/>
-            <p14:sldId id="320"/>
+            <p14:sldId id="358"/>
           </p14:sldIdLst>
         </p14:section>
       </p14:sectionLst>
@@ -4555,7 +4554,7 @@
     </p:spTree>
     <p:extLst>
       <p:ext uri="{BB962C8B-B14F-4D97-AF65-F5344CB8AC3E}">
-        <p14:creationId xmlns:p14="http://schemas.microsoft.com/office/powerpoint/2010/main" val="2086728926"/>
+        <p14:creationId xmlns:p14="http://schemas.microsoft.com/office/powerpoint/2010/main" val="3295437793"/>
       </p:ext>
     </p:extLst>
   </p:cSld>
@@ -18126,9 +18125,15 @@
   <p:cSld>
     <p:bg>
       <p:bgPr>
-        <a:solidFill>
-          <a:srgbClr val="505050"/>
-        </a:solidFill>
+        <a:blipFill dpi="0" rotWithShape="1">
+          <a:blip r:embed="rId3">
+            <a:lum/>
+          </a:blip>
+          <a:srcRect/>
+          <a:stretch>
+            <a:fillRect/>
+          </a:stretch>
+        </a:blipFill>
         <a:effectLst/>
       </p:bgPr>
     </p:bg>
@@ -18146,487 +18151,10 @@
           <a:chExt cx="0" cy="0"/>
         </a:xfrm>
       </p:grpSpPr>
-      <p:sp>
-        <p:nvSpPr>
-          <p:cNvPr id="3" name="Content Placeholder 2"/>
-          <p:cNvSpPr>
-            <a:spLocks noGrp="1"/>
-          </p:cNvSpPr>
-          <p:nvPr>
-            <p:ph sz="half" idx="2"/>
-          </p:nvPr>
-        </p:nvSpPr>
-        <p:spPr>
-          <a:xfrm>
-            <a:off x="6172194" y="1527073"/>
-            <a:ext cx="5181600" cy="4351338"/>
-          </a:xfrm>
-        </p:spPr>
-        <p:txBody>
-          <a:bodyPr>
-            <a:normAutofit fontScale="77500" lnSpcReduction="20000"/>
-          </a:bodyPr>
-          <a:lstStyle/>
-          <a:p>
-            <a:pPr marL="0" indent="0">
-              <a:buNone/>
-            </a:pPr>
-            <a:r>
-              <a:rPr lang="en-US" dirty="0"/>
-              <a:t>	</a:t>
-            </a:r>
-          </a:p>
-          <a:p>
-            <a:pPr marL="0" indent="0">
-              <a:buNone/>
-            </a:pPr>
-            <a:r>
-              <a:rPr lang="en-US" dirty="0"/>
-              <a:t>	@</a:t>
-            </a:r>
-            <a:r>
-              <a:rPr lang="en-US" dirty="0" err="1"/>
-              <a:t>Scott_Addie</a:t>
-            </a:r>
-            <a:endParaRPr lang="en-US" dirty="0"/>
-          </a:p>
-          <a:p>
-            <a:pPr marL="0" indent="0">
-              <a:buNone/>
-            </a:pPr>
-            <a:endParaRPr lang="en-US" dirty="0"/>
-          </a:p>
-          <a:p>
-            <a:pPr marL="0" indent="0">
-              <a:buNone/>
-            </a:pPr>
-            <a:endParaRPr lang="en-US" dirty="0"/>
-          </a:p>
-          <a:p>
-            <a:pPr marL="0" indent="0">
-              <a:buNone/>
-            </a:pPr>
-            <a:r>
-              <a:rPr lang="en-US" dirty="0"/>
-              <a:t>	docs.asp.net</a:t>
-            </a:r>
-          </a:p>
-          <a:p>
-            <a:pPr marL="0" indent="0">
-              <a:buNone/>
-            </a:pPr>
-            <a:endParaRPr lang="en-US" dirty="0"/>
-          </a:p>
-          <a:p>
-            <a:pPr marL="0" indent="0">
-              <a:buNone/>
-            </a:pPr>
-            <a:endParaRPr lang="en-US" dirty="0"/>
-          </a:p>
-          <a:p>
-            <a:pPr marL="0" indent="0">
-              <a:buNone/>
-            </a:pPr>
-            <a:r>
-              <a:rPr lang="en-US" sz="2400" dirty="0"/>
-              <a:t>	</a:t>
-            </a:r>
-            <a:r>
-              <a:rPr lang="en-US" dirty="0"/>
-              <a:t>github.com/</a:t>
-            </a:r>
-            <a:r>
-              <a:rPr lang="en-US" dirty="0" err="1"/>
-              <a:t>scottaddie</a:t>
-            </a:r>
-            <a:endParaRPr lang="en-US" dirty="0"/>
-          </a:p>
-          <a:p>
-            <a:pPr marL="0" indent="0">
-              <a:buNone/>
-            </a:pPr>
-            <a:r>
-              <a:rPr lang="en-US" dirty="0"/>
-              <a:t>	</a:t>
-            </a:r>
-          </a:p>
-          <a:p>
-            <a:pPr marL="0" indent="0">
-              <a:buNone/>
-            </a:pPr>
-            <a:r>
-              <a:rPr lang="en-US" dirty="0"/>
-              <a:t>		</a:t>
-            </a:r>
-          </a:p>
-          <a:p>
-            <a:pPr marL="0" indent="0">
-              <a:buNone/>
-            </a:pPr>
-            <a:r>
-              <a:rPr lang="en-US" dirty="0"/>
-              <a:t>		                 bit.ly/2gdeJX2</a:t>
-            </a:r>
-          </a:p>
-          <a:p>
-            <a:pPr marL="0" indent="0">
-              <a:buNone/>
-            </a:pPr>
-            <a:endParaRPr lang="en-US" dirty="0"/>
-          </a:p>
-        </p:txBody>
-      </p:sp>
-      <p:pic>
-        <p:nvPicPr>
-          <p:cNvPr id="17" name="Picture 16"/>
-          <p:cNvPicPr>
-            <a:picLocks noChangeAspect="1"/>
-          </p:cNvPicPr>
-          <p:nvPr/>
-        </p:nvPicPr>
-        <p:blipFill>
-          <a:blip r:embed="rId3">
-            <a:extLst>
-              <a:ext uri="{28A0092B-C50C-407E-A947-70E740481C1C}">
-                <a14:useLocalDpi xmlns:a14="http://schemas.microsoft.com/office/drawing/2010/main" val="0"/>
-              </a:ext>
-            </a:extLst>
-          </a:blip>
-          <a:stretch>
-            <a:fillRect/>
-          </a:stretch>
-        </p:blipFill>
-        <p:spPr>
-          <a:xfrm>
-            <a:off x="6300853" y="2654957"/>
-            <a:ext cx="784448" cy="784448"/>
-          </a:xfrm>
-          <a:prstGeom prst="rect">
-            <a:avLst/>
-          </a:prstGeom>
-        </p:spPr>
-      </p:pic>
-      <p:sp>
-        <p:nvSpPr>
-          <p:cNvPr id="2" name="Title 1"/>
-          <p:cNvSpPr>
-            <a:spLocks noGrp="1"/>
-          </p:cNvSpPr>
-          <p:nvPr>
-            <p:ph type="title"/>
-          </p:nvPr>
-        </p:nvSpPr>
-        <p:spPr/>
-        <p:txBody>
-          <a:bodyPr/>
-          <a:lstStyle/>
-          <a:p>
-            <a:r>
-              <a:rPr lang="en-US" dirty="0"/>
-              <a:t>Thank you!</a:t>
-            </a:r>
-          </a:p>
-        </p:txBody>
-      </p:sp>
-      <p:pic>
-        <p:nvPicPr>
-          <p:cNvPr id="8" name="Picture 7"/>
-          <p:cNvPicPr>
-            <a:picLocks noChangeAspect="1"/>
-          </p:cNvPicPr>
-          <p:nvPr/>
-        </p:nvPicPr>
-        <p:blipFill>
-          <a:blip r:embed="rId4" cstate="print">
-            <a:extLst>
-              <a:ext uri="{28A0092B-C50C-407E-A947-70E740481C1C}">
-                <a14:useLocalDpi xmlns:a14="http://schemas.microsoft.com/office/drawing/2010/main" val="0"/>
-              </a:ext>
-            </a:extLst>
-          </a:blip>
-          <a:stretch>
-            <a:fillRect/>
-          </a:stretch>
-        </p:blipFill>
-        <p:spPr>
-          <a:xfrm>
-            <a:off x="6402408" y="1698425"/>
-            <a:ext cx="682893" cy="555188"/>
-          </a:xfrm>
-          <a:prstGeom prst="rect">
-            <a:avLst/>
-          </a:prstGeom>
-        </p:spPr>
-      </p:pic>
-      <p:pic>
-        <p:nvPicPr>
-          <p:cNvPr id="9" name="Picture 2" descr="http://www.freeiconspng.com/uploads/github-logo-icon-30.png"/>
-          <p:cNvPicPr>
-            <a:picLocks noChangeAspect="1" noChangeArrowheads="1"/>
-          </p:cNvPicPr>
-          <p:nvPr/>
-        </p:nvPicPr>
-        <p:blipFill>
-          <a:blip r:embed="rId5">
-            <a:lum bright="70000" contrast="-70000"/>
-            <a:extLst>
-              <a:ext uri="{28A0092B-C50C-407E-A947-70E740481C1C}">
-                <a14:useLocalDpi xmlns:a14="http://schemas.microsoft.com/office/drawing/2010/main" val="0"/>
-              </a:ext>
-            </a:extLst>
-          </a:blip>
-          <a:srcRect/>
-          <a:stretch>
-            <a:fillRect/>
-          </a:stretch>
-        </p:blipFill>
-        <p:spPr bwMode="auto">
-          <a:xfrm>
-            <a:off x="6236522" y="3715450"/>
-            <a:ext cx="913109" cy="913109"/>
-          </a:xfrm>
-          <a:prstGeom prst="rect">
-            <a:avLst/>
-          </a:prstGeom>
-          <a:noFill/>
-          <a:extLst>
-            <a:ext uri="{909E8E84-426E-40DD-AFC4-6F175D3DCCD1}">
-              <a14:hiddenFill xmlns:a14="http://schemas.microsoft.com/office/drawing/2010/main">
-                <a:solidFill>
-                  <a:srgbClr val="FFFFFF"/>
-                </a:solidFill>
-              </a14:hiddenFill>
-            </a:ext>
-          </a:extLst>
-        </p:spPr>
-      </p:pic>
-      <p:pic>
-        <p:nvPicPr>
-          <p:cNvPr id="5" name="Picture 4" descr="A close up of text on a black background&#10;&#10;Description generated with high confidence">
-            <a:extLst>
-              <a:ext uri="{FF2B5EF4-FFF2-40B4-BE49-F238E27FC236}">
-                <a16:creationId xmlns:a16="http://schemas.microsoft.com/office/drawing/2014/main" id="{2179D1B5-7DA0-4010-AC0C-4CD6109EA998}"/>
-              </a:ext>
-            </a:extLst>
-          </p:cNvPr>
-          <p:cNvPicPr>
-            <a:picLocks noChangeAspect="1"/>
-          </p:cNvPicPr>
-          <p:nvPr/>
-        </p:nvPicPr>
-        <p:blipFill>
-          <a:blip r:embed="rId6">
-            <a:extLst>
-              <a:ext uri="{28A0092B-C50C-407E-A947-70E740481C1C}">
-                <a14:useLocalDpi xmlns:a14="http://schemas.microsoft.com/office/drawing/2010/main" val="0"/>
-              </a:ext>
-            </a:extLst>
-          </a:blip>
-          <a:stretch>
-            <a:fillRect/>
-          </a:stretch>
-        </p:blipFill>
-        <p:spPr>
-          <a:xfrm>
-            <a:off x="838194" y="1779358"/>
-            <a:ext cx="4286250" cy="4286250"/>
-          </a:xfrm>
-          <a:prstGeom prst="rect">
-            <a:avLst/>
-          </a:prstGeom>
-        </p:spPr>
-      </p:pic>
-      <p:sp>
-        <p:nvSpPr>
-          <p:cNvPr id="10" name="Content Placeholder 9">
-            <a:extLst>
-              <a:ext uri="{FF2B5EF4-FFF2-40B4-BE49-F238E27FC236}">
-                <a16:creationId xmlns:a16="http://schemas.microsoft.com/office/drawing/2014/main" id="{9F04A7FB-E40B-4BC7-BAE0-674530CE7575}"/>
-              </a:ext>
-            </a:extLst>
-          </p:cNvPr>
-          <p:cNvSpPr>
-            <a:spLocks noGrp="1"/>
-          </p:cNvSpPr>
-          <p:nvPr>
-            <p:ph sz="half" idx="1"/>
-          </p:nvPr>
-        </p:nvSpPr>
-        <p:spPr/>
-        <p:txBody>
-          <a:bodyPr>
-            <a:normAutofit fontScale="77500" lnSpcReduction="20000"/>
-          </a:bodyPr>
-          <a:lstStyle/>
-          <a:p>
-            <a:endParaRPr lang="en-US" dirty="0"/>
-          </a:p>
-          <a:p>
-            <a:endParaRPr lang="en-US" dirty="0"/>
-          </a:p>
-          <a:p>
-            <a:endParaRPr lang="en-US" dirty="0"/>
-          </a:p>
-          <a:p>
-            <a:endParaRPr lang="en-US" dirty="0"/>
-          </a:p>
-          <a:p>
-            <a:endParaRPr lang="en-US" dirty="0"/>
-          </a:p>
-          <a:p>
-            <a:endParaRPr lang="en-US" dirty="0"/>
-          </a:p>
-          <a:p>
-            <a:endParaRPr lang="en-US" dirty="0"/>
-          </a:p>
-          <a:p>
-            <a:endParaRPr lang="en-US" dirty="0"/>
-          </a:p>
-          <a:p>
-            <a:pPr marL="0" indent="0">
-              <a:buNone/>
-            </a:pPr>
-            <a:endParaRPr lang="en-US" b="1" dirty="0">
-              <a:solidFill>
-                <a:schemeClr val="bg1"/>
-              </a:solidFill>
-            </a:endParaRPr>
-          </a:p>
-          <a:p>
-            <a:pPr marL="0" indent="0">
-              <a:buNone/>
-            </a:pPr>
-            <a:r>
-              <a:rPr lang="en-US" sz="2600" b="1" dirty="0">
-                <a:ln w="9525">
-                  <a:solidFill>
-                    <a:schemeClr val="bg1"/>
-                  </a:solidFill>
-                  <a:prstDash val="solid"/>
-                </a:ln>
-                <a:solidFill>
-                  <a:schemeClr val="bg1"/>
-                </a:solidFill>
-                <a:effectLst>
-                  <a:outerShdw blurRad="12700" dist="38100" dir="2700000" algn="tl" rotWithShape="0">
-                    <a:schemeClr val="accent5">
-                      <a:lumMod val="60000"/>
-                      <a:lumOff val="40000"/>
-                    </a:schemeClr>
-                  </a:outerShdw>
-                </a:effectLst>
-              </a:rPr>
-              <a:t>        </a:t>
-            </a:r>
-          </a:p>
-          <a:p>
-            <a:pPr marL="0" indent="0">
-              <a:buNone/>
-            </a:pPr>
-            <a:r>
-              <a:rPr lang="en-US" sz="2600" b="1" dirty="0">
-                <a:ln w="9525">
-                  <a:solidFill>
-                    <a:schemeClr val="bg1"/>
-                  </a:solidFill>
-                  <a:prstDash val="solid"/>
-                </a:ln>
-                <a:solidFill>
-                  <a:schemeClr val="bg1"/>
-                </a:solidFill>
-                <a:effectLst>
-                  <a:outerShdw blurRad="12700" dist="38100" dir="2700000" algn="tl" rotWithShape="0">
-                    <a:schemeClr val="accent5">
-                      <a:lumMod val="60000"/>
-                      <a:lumOff val="40000"/>
-                    </a:schemeClr>
-                  </a:outerShdw>
-                </a:effectLst>
-              </a:rPr>
-              <a:t>	     </a:t>
-            </a:r>
-          </a:p>
-          <a:p>
-            <a:pPr marL="0" indent="0">
-              <a:buNone/>
-            </a:pPr>
-            <a:r>
-              <a:rPr lang="en-US" sz="2600" b="1" dirty="0">
-                <a:ln w="9525">
-                  <a:solidFill>
-                    <a:schemeClr val="bg1"/>
-                  </a:solidFill>
-                  <a:prstDash val="solid"/>
-                </a:ln>
-                <a:solidFill>
-                  <a:schemeClr val="bg1"/>
-                </a:solidFill>
-                <a:effectLst>
-                  <a:outerShdw blurRad="12700" dist="38100" dir="2700000" algn="tl" rotWithShape="0">
-                    <a:schemeClr val="accent5">
-                      <a:lumMod val="60000"/>
-                      <a:lumOff val="40000"/>
-                    </a:schemeClr>
-                  </a:outerShdw>
-                </a:effectLst>
-              </a:rPr>
-              <a:t>	      bit.ly/2yLmkTS</a:t>
-            </a:r>
-          </a:p>
-        </p:txBody>
-      </p:sp>
-      <p:pic>
-        <p:nvPicPr>
-          <p:cNvPr id="1026" name="Picture 2" descr="http://6figuredev.com/wp-content/uploads/2015/12/The6FigureDeveloper_250.png">
-            <a:extLst>
-              <a:ext uri="{FF2B5EF4-FFF2-40B4-BE49-F238E27FC236}">
-                <a16:creationId xmlns:a16="http://schemas.microsoft.com/office/drawing/2014/main" id="{B151807B-264F-4ED6-B357-BC932E182C5F}"/>
-              </a:ext>
-            </a:extLst>
-          </p:cNvPr>
-          <p:cNvPicPr>
-            <a:picLocks noChangeAspect="1" noChangeArrowheads="1"/>
-          </p:cNvPicPr>
-          <p:nvPr/>
-        </p:nvPicPr>
-        <p:blipFill>
-          <a:blip r:embed="rId7">
-            <a:lum bright="70000" contrast="-70000"/>
-            <a:extLst>
-              <a:ext uri="{28A0092B-C50C-407E-A947-70E740481C1C}">
-                <a14:useLocalDpi xmlns:a14="http://schemas.microsoft.com/office/drawing/2010/main" val="0"/>
-              </a:ext>
-            </a:extLst>
-          </a:blip>
-          <a:srcRect/>
-          <a:stretch>
-            <a:fillRect/>
-          </a:stretch>
-        </p:blipFill>
-        <p:spPr bwMode="auto">
-          <a:xfrm>
-            <a:off x="6300853" y="4996340"/>
-            <a:ext cx="2381250" cy="476250"/>
-          </a:xfrm>
-          <a:prstGeom prst="rect">
-            <a:avLst/>
-          </a:prstGeom>
-          <a:noFill/>
-          <a:extLst>
-            <a:ext uri="{909E8E84-426E-40DD-AFC4-6F175D3DCCD1}">
-              <a14:hiddenFill xmlns:a14="http://schemas.microsoft.com/office/drawing/2010/main">
-                <a:solidFill>
-                  <a:srgbClr val="FFFFFF"/>
-                </a:solidFill>
-              </a14:hiddenFill>
-            </a:ext>
-          </a:extLst>
-        </p:spPr>
-      </p:pic>
     </p:spTree>
     <p:extLst>
       <p:ext uri="{BB962C8B-B14F-4D97-AF65-F5344CB8AC3E}">
-        <p14:creationId xmlns:p14="http://schemas.microsoft.com/office/powerpoint/2010/main" val="3283277495"/>
+        <p14:creationId xmlns:p14="http://schemas.microsoft.com/office/powerpoint/2010/main" val="3487032111"/>
       </p:ext>
     </p:extLst>
   </p:cSld>

--- a/Whats New in ASP.NET Core 2.0.pptx
+++ b/Whats New in ASP.NET Core 2.0.pptx
@@ -3495,7 +3495,7 @@
           <a:p>
             <a:fld id="{3B87D1B5-D667-42F5-9E38-2FD202ABDFA0}" type="datetimeFigureOut">
               <a:rPr lang="en-US" smtClean="0"/>
-              <a:t>10/15/2017</a:t>
+              <a:t>10/16/2017</a:t>
             </a:fld>
             <a:endParaRPr lang="en-US"/>
           </a:p>
@@ -5827,7 +5827,7 @@
           <a:p>
             <a:fld id="{EEC3160E-2579-4584-9765-DC1BA0B358F9}" type="datetimeFigureOut">
               <a:rPr lang="en-US" smtClean="0"/>
-              <a:t>10/15/2017</a:t>
+              <a:t>10/16/2017</a:t>
             </a:fld>
             <a:endParaRPr lang="en-US"/>
           </a:p>
@@ -5997,7 +5997,7 @@
           <a:p>
             <a:fld id="{EEC3160E-2579-4584-9765-DC1BA0B358F9}" type="datetimeFigureOut">
               <a:rPr lang="en-US" smtClean="0"/>
-              <a:t>10/15/2017</a:t>
+              <a:t>10/16/2017</a:t>
             </a:fld>
             <a:endParaRPr lang="en-US"/>
           </a:p>
@@ -6177,7 +6177,7 @@
           <a:p>
             <a:fld id="{EEC3160E-2579-4584-9765-DC1BA0B358F9}" type="datetimeFigureOut">
               <a:rPr lang="en-US" smtClean="0"/>
-              <a:t>10/15/2017</a:t>
+              <a:t>10/16/2017</a:t>
             </a:fld>
             <a:endParaRPr lang="en-US"/>
           </a:p>
@@ -8092,7 +8092,7 @@
           <a:p>
             <a:fld id="{EEC3160E-2579-4584-9765-DC1BA0B358F9}" type="datetimeFigureOut">
               <a:rPr lang="en-US" smtClean="0"/>
-              <a:t>10/15/2017</a:t>
+              <a:t>10/16/2017</a:t>
             </a:fld>
             <a:endParaRPr lang="en-US"/>
           </a:p>
@@ -9574,7 +9574,7 @@
           <a:p>
             <a:fld id="{EEC3160E-2579-4584-9765-DC1BA0B358F9}" type="datetimeFigureOut">
               <a:rPr lang="en-US" smtClean="0"/>
-              <a:t>10/15/2017</a:t>
+              <a:t>10/16/2017</a:t>
             </a:fld>
             <a:endParaRPr lang="en-US"/>
           </a:p>
@@ -10714,7 +10714,7 @@
           <a:p>
             <a:fld id="{EEC3160E-2579-4584-9765-DC1BA0B358F9}" type="datetimeFigureOut">
               <a:rPr lang="en-US" smtClean="0"/>
-              <a:t>10/15/2017</a:t>
+              <a:t>10/16/2017</a:t>
             </a:fld>
             <a:endParaRPr lang="en-US"/>
           </a:p>
@@ -11081,7 +11081,7 @@
           <a:p>
             <a:fld id="{EEC3160E-2579-4584-9765-DC1BA0B358F9}" type="datetimeFigureOut">
               <a:rPr lang="en-US" smtClean="0"/>
-              <a:t>10/15/2017</a:t>
+              <a:t>10/16/2017</a:t>
             </a:fld>
             <a:endParaRPr lang="en-US"/>
           </a:p>
@@ -11199,7 +11199,7 @@
           <a:p>
             <a:fld id="{EEC3160E-2579-4584-9765-DC1BA0B358F9}" type="datetimeFigureOut">
               <a:rPr lang="en-US" smtClean="0"/>
-              <a:t>10/15/2017</a:t>
+              <a:t>10/16/2017</a:t>
             </a:fld>
             <a:endParaRPr lang="en-US"/>
           </a:p>
@@ -11294,7 +11294,7 @@
           <a:p>
             <a:fld id="{EEC3160E-2579-4584-9765-DC1BA0B358F9}" type="datetimeFigureOut">
               <a:rPr lang="en-US" smtClean="0"/>
-              <a:t>10/15/2017</a:t>
+              <a:t>10/16/2017</a:t>
             </a:fld>
             <a:endParaRPr lang="en-US"/>
           </a:p>
@@ -11571,7 +11571,7 @@
           <a:p>
             <a:fld id="{EEC3160E-2579-4584-9765-DC1BA0B358F9}" type="datetimeFigureOut">
               <a:rPr lang="en-US" smtClean="0"/>
-              <a:t>10/15/2017</a:t>
+              <a:t>10/16/2017</a:t>
             </a:fld>
             <a:endParaRPr lang="en-US"/>
           </a:p>
@@ -11828,7 +11828,7 @@
           <a:p>
             <a:fld id="{EEC3160E-2579-4584-9765-DC1BA0B358F9}" type="datetimeFigureOut">
               <a:rPr lang="en-US" smtClean="0"/>
-              <a:t>10/15/2017</a:t>
+              <a:t>10/16/2017</a:t>
             </a:fld>
             <a:endParaRPr lang="en-US"/>
           </a:p>
@@ -12041,7 +12041,7 @@
           <a:p>
             <a:fld id="{EEC3160E-2579-4584-9765-DC1BA0B358F9}" type="datetimeFigureOut">
               <a:rPr lang="en-US" smtClean="0"/>
-              <a:t>10/15/2017</a:t>
+              <a:t>10/16/2017</a:t>
             </a:fld>
             <a:endParaRPr lang="en-US"/>
           </a:p>
@@ -17677,12 +17677,19 @@
             <a:pPr marL="0" indent="0">
               <a:buNone/>
             </a:pPr>
-            <a:endParaRPr lang="en-US" sz="2400" i="1" dirty="0"/>
+            <a:r>
+              <a:rPr lang="en-US" sz="2400" b="1" dirty="0"/>
+              <a:t>Migration Guides</a:t>
+            </a:r>
           </a:p>
           <a:p>
             <a:pPr marL="0" indent="0">
               <a:buNone/>
             </a:pPr>
+            <a:r>
+              <a:rPr lang="en-US" sz="2400" b="1" dirty="0"/>
+              <a:t>    </a:t>
+            </a:r>
             <a:r>
               <a:rPr lang="en-US" sz="2400" dirty="0"/>
               <a:t>Starting point:</a:t>
@@ -17698,32 +17705,16 @@
               </a:rPr>
               <a:t>bit.ly/2xVMWUG</a:t>
             </a:r>
-            <a:endParaRPr lang="en-US" sz="2400" dirty="0"/>
+            <a:endParaRPr lang="en-US" dirty="0"/>
           </a:p>
           <a:p>
             <a:pPr marL="0" indent="0">
               <a:buNone/>
             </a:pPr>
-            <a:endParaRPr lang="en-US" dirty="0"/>
-          </a:p>
-          <a:p>
-            <a:pPr marL="0" indent="0">
-              <a:buNone/>
-            </a:pPr>
-            <a:endParaRPr lang="en-US" dirty="0"/>
-          </a:p>
-          <a:p>
-            <a:pPr marL="0" indent="0">
-              <a:buNone/>
-            </a:pPr>
-            <a:endParaRPr lang="en-US" dirty="0">
-              <a:hlinkClick r:id="rId4"/>
-            </a:endParaRPr>
-          </a:p>
-          <a:p>
-            <a:pPr marL="0" indent="0">
-              <a:buNone/>
-            </a:pPr>
+            <a:r>
+              <a:rPr lang="en-US" sz="2400" dirty="0"/>
+              <a:t>    </a:t>
+            </a:r>
             <a:r>
               <a:rPr lang="en-US" sz="2400" dirty="0" err="1"/>
               <a:t>Auth</a:t>
@@ -17749,7 +17740,41 @@
             <a:pPr marL="0" indent="0">
               <a:buNone/>
             </a:pPr>
+            <a:endParaRPr lang="en-US" sz="2400" dirty="0"/>
+          </a:p>
+          <a:p>
+            <a:pPr marL="0" indent="0">
+              <a:buNone/>
+            </a:pPr>
+            <a:r>
+              <a:rPr lang="en-US" sz="2400" b="1" dirty="0"/>
+              <a:t>Podcast</a:t>
+            </a:r>
             <a:endParaRPr lang="en-US" dirty="0"/>
+          </a:p>
+          <a:p>
+            <a:pPr marL="0" indent="0">
+              <a:buNone/>
+            </a:pPr>
+            <a:r>
+              <a:rPr lang="en-US" sz="2400" b="1" dirty="0">
+                <a:hlinkClick r:id="rId5"/>
+              </a:rPr>
+              <a:t>bit.ly/2gdeJX2</a:t>
+            </a:r>
+            <a:endParaRPr lang="en-US" sz="2400" b="1" dirty="0"/>
+          </a:p>
+          <a:p>
+            <a:pPr marL="0" indent="0">
+              <a:buNone/>
+            </a:pPr>
+            <a:endParaRPr lang="en-US" sz="2400" b="1" dirty="0"/>
+          </a:p>
+          <a:p>
+            <a:pPr marL="0" indent="0">
+              <a:buNone/>
+            </a:pPr>
+            <a:endParaRPr lang="en-US" sz="2400" b="1" dirty="0"/>
           </a:p>
         </p:txBody>
       </p:sp>
@@ -17768,7 +17793,7 @@
           <p:nvPr/>
         </p:nvPicPr>
         <p:blipFill>
-          <a:blip r:embed="rId5"/>
+          <a:blip r:embed="rId6"/>
           <a:stretch>
             <a:fillRect/>
           </a:stretch>
@@ -17805,7 +17830,7 @@
           <p:nvPr/>
         </p:nvPicPr>
         <p:blipFill>
-          <a:blip r:embed="rId6"/>
+          <a:blip r:embed="rId7"/>
           <a:stretch>
             <a:fillRect/>
           </a:stretch>
@@ -17825,6 +17850,60 @@
               </a:prstClr>
             </a:outerShdw>
           </a:effectLst>
+        </p:spPr>
+      </p:pic>
+      <p:pic>
+        <p:nvPicPr>
+          <p:cNvPr id="1026" name="Picture 2" descr="http://6figuredev.com/wp-content/uploads/2015/12/The6FigureDeveloper_250.png">
+            <a:extLst>
+              <a:ext uri="{FF2B5EF4-FFF2-40B4-BE49-F238E27FC236}">
+                <a16:creationId xmlns:a16="http://schemas.microsoft.com/office/drawing/2014/main" id="{BF4A49DD-41A6-4168-AA00-551B59267D6F}"/>
+              </a:ext>
+            </a:extLst>
+          </p:cNvPr>
+          <p:cNvPicPr>
+            <a:picLocks noChangeAspect="1" noChangeArrowheads="1"/>
+          </p:cNvPicPr>
+          <p:nvPr/>
+        </p:nvPicPr>
+        <p:blipFill>
+          <a:blip r:embed="rId8">
+            <a:duotone>
+              <a:schemeClr val="accent1">
+                <a:shade val="45000"/>
+                <a:satMod val="135000"/>
+              </a:schemeClr>
+              <a:prstClr val="white"/>
+            </a:duotone>
+            <a:extLst>
+              <a:ext uri="{28A0092B-C50C-407E-A947-70E740481C1C}">
+                <a14:useLocalDpi xmlns:a14="http://schemas.microsoft.com/office/drawing/2010/main" val="0"/>
+              </a:ext>
+            </a:extLst>
+          </a:blip>
+          <a:srcRect/>
+          <a:stretch>
+            <a:fillRect/>
+          </a:stretch>
+        </p:blipFill>
+        <p:spPr bwMode="auto">
+          <a:xfrm>
+            <a:off x="885466" y="5508737"/>
+            <a:ext cx="2381250" cy="476250"/>
+          </a:xfrm>
+          <a:prstGeom prst="rect">
+            <a:avLst/>
+          </a:prstGeom>
+          <a:noFill/>
+          <a:extLst>
+            <a:ext uri="{909E8E84-426E-40DD-AFC4-6F175D3DCCD1}">
+              <a14:hiddenFill xmlns:a14="http://schemas.microsoft.com/office/drawing/2010/main">
+                <a:solidFill>
+                  <a:srgbClr val="FFFFFF"/>
+                </a:solidFill>
+              </a14:hiddenFill>
+            </a:ext>
+          </a:extLst>
         </p:spPr>
       </p:pic>
     </p:spTree>
@@ -17873,38 +17952,7 @@
                                         <p:tgtEl>
                                           <p:spTgt spid="11">
                                             <p:txEl>
-                                              <p:pRg st="1" end="1"/>
-                                            </p:txEl>
-                                          </p:spTgt>
-                                        </p:tgtEl>
-                                        <p:attrNameLst>
-                                          <p:attrName>style.visibility</p:attrName>
-                                        </p:attrNameLst>
-                                      </p:cBhvr>
-                                      <p:to>
-                                        <p:strVal val="visible"/>
-                                      </p:to>
-                                    </p:set>
-                                  </p:childTnLst>
-                                </p:cTn>
-                              </p:par>
-                              <p:par>
-                                <p:cTn id="7" presetID="1" presetClass="entr" presetSubtype="0" fill="hold" nodeType="withEffect">
-                                  <p:stCondLst>
-                                    <p:cond delay="0"/>
-                                  </p:stCondLst>
-                                  <p:childTnLst>
-                                    <p:set>
-                                      <p:cBhvr>
-                                        <p:cTn id="8" dur="1" fill="hold">
-                                          <p:stCondLst>
-                                            <p:cond delay="0"/>
-                                          </p:stCondLst>
-                                        </p:cTn>
-                                        <p:tgtEl>
-                                          <p:spTgt spid="11">
-                                            <p:txEl>
-                                              <p:pRg st="2" end="2"/>
+                                              <p:pRg st="0" end="0"/>
                                             </p:txEl>
                                           </p:spTgt>
                                         </p:tgtEl>
@@ -17926,19 +17974,50 @@
                     </p:cTn>
                   </p:par>
                   <p:par>
-                    <p:cTn id="9" fill="hold">
+                    <p:cTn id="7" fill="hold">
                       <p:stCondLst>
                         <p:cond delay="indefinite"/>
                       </p:stCondLst>
                       <p:childTnLst>
                         <p:par>
-                          <p:cTn id="10" fill="hold">
+                          <p:cTn id="8" fill="hold">
                             <p:stCondLst>
                               <p:cond delay="0"/>
                             </p:stCondLst>
                             <p:childTnLst>
                               <p:par>
-                                <p:cTn id="11" presetID="1" presetClass="entr" presetSubtype="0" fill="hold" nodeType="clickEffect">
+                                <p:cTn id="9" presetID="1" presetClass="entr" presetSubtype="0" fill="hold" nodeType="clickEffect">
+                                  <p:stCondLst>
+                                    <p:cond delay="0"/>
+                                  </p:stCondLst>
+                                  <p:childTnLst>
+                                    <p:set>
+                                      <p:cBhvr>
+                                        <p:cTn id="10" dur="1" fill="hold">
+                                          <p:stCondLst>
+                                            <p:cond delay="0"/>
+                                          </p:stCondLst>
+                                        </p:cTn>
+                                        <p:tgtEl>
+                                          <p:spTgt spid="11">
+                                            <p:txEl>
+                                              <p:pRg st="1" end="1"/>
+                                            </p:txEl>
+                                          </p:spTgt>
+                                        </p:tgtEl>
+                                        <p:attrNameLst>
+                                          <p:attrName>style.visibility</p:attrName>
+                                        </p:attrNameLst>
+                                      </p:cBhvr>
+                                      <p:to>
+                                        <p:strVal val="visible"/>
+                                      </p:to>
+                                    </p:set>
+                                  </p:childTnLst>
+                                </p:cTn>
+                              </p:par>
+                              <p:par>
+                                <p:cTn id="11" presetID="1" presetClass="entr" presetSubtype="0" fill="hold" nodeType="withEffect">
                                   <p:stCondLst>
                                     <p:cond delay="0"/>
                                   </p:stCondLst>
@@ -17951,7 +18030,11 @@
                                           </p:stCondLst>
                                         </p:cTn>
                                         <p:tgtEl>
-                                          <p:spTgt spid="3"/>
+                                          <p:spTgt spid="11">
+                                            <p:txEl>
+                                              <p:pRg st="2" end="2"/>
+                                            </p:txEl>
+                                          </p:spTgt>
                                         </p:tgtEl>
                                         <p:attrNameLst>
                                           <p:attrName>style.visibility</p:attrName>
@@ -17996,9 +18079,54 @@
                                           </p:stCondLst>
                                         </p:cTn>
                                         <p:tgtEl>
+                                          <p:spTgt spid="3"/>
+                                        </p:tgtEl>
+                                        <p:attrNameLst>
+                                          <p:attrName>style.visibility</p:attrName>
+                                        </p:attrNameLst>
+                                      </p:cBhvr>
+                                      <p:to>
+                                        <p:strVal val="visible"/>
+                                      </p:to>
+                                    </p:set>
+                                  </p:childTnLst>
+                                </p:cTn>
+                              </p:par>
+                            </p:childTnLst>
+                          </p:cTn>
+                        </p:par>
+                      </p:childTnLst>
+                    </p:cTn>
+                  </p:par>
+                  <p:par>
+                    <p:cTn id="17" fill="hold">
+                      <p:stCondLst>
+                        <p:cond delay="indefinite"/>
+                      </p:stCondLst>
+                      <p:childTnLst>
+                        <p:par>
+                          <p:cTn id="18" fill="hold">
+                            <p:stCondLst>
+                              <p:cond delay="0"/>
+                            </p:stCondLst>
+                            <p:childTnLst>
+                              <p:par>
+                                <p:cTn id="19" presetID="1" presetClass="entr" presetSubtype="0" fill="hold" nodeType="clickEffect">
+                                  <p:stCondLst>
+                                    <p:cond delay="0"/>
+                                  </p:stCondLst>
+                                  <p:childTnLst>
+                                    <p:set>
+                                      <p:cBhvr>
+                                        <p:cTn id="20" dur="1" fill="hold">
+                                          <p:stCondLst>
+                                            <p:cond delay="0"/>
+                                          </p:stCondLst>
+                                        </p:cTn>
+                                        <p:tgtEl>
                                           <p:spTgt spid="11">
                                             <p:txEl>
-                                              <p:pRg st="6" end="6"/>
+                                              <p:pRg st="3" end="3"/>
                                             </p:txEl>
                                           </p:spTgt>
                                         </p:tgtEl>
@@ -18014,14 +18142,14 @@
                                 </p:cTn>
                               </p:par>
                               <p:par>
-                                <p:cTn id="17" presetID="1" presetClass="entr" presetSubtype="0" fill="hold" nodeType="withEffect">
+                                <p:cTn id="21" presetID="1" presetClass="entr" presetSubtype="0" fill="hold" nodeType="withEffect">
                                   <p:stCondLst>
                                     <p:cond delay="0"/>
                                   </p:stCondLst>
                                   <p:childTnLst>
                                     <p:set>
                                       <p:cBhvr>
-                                        <p:cTn id="18" dur="1" fill="hold">
+                                        <p:cTn id="22" dur="1" fill="hold">
                                           <p:stCondLst>
                                             <p:cond delay="0"/>
                                           </p:stCondLst>
@@ -18029,7 +18157,7 @@
                                         <p:tgtEl>
                                           <p:spTgt spid="11">
                                             <p:txEl>
-                                              <p:pRg st="7" end="7"/>
+                                              <p:pRg st="4" end="4"/>
                                             </p:txEl>
                                           </p:spTgt>
                                         </p:tgtEl>
@@ -18051,32 +18179,139 @@
                     </p:cTn>
                   </p:par>
                   <p:par>
-                    <p:cTn id="19" fill="hold">
+                    <p:cTn id="23" fill="hold">
                       <p:stCondLst>
                         <p:cond delay="indefinite"/>
                       </p:stCondLst>
                       <p:childTnLst>
                         <p:par>
-                          <p:cTn id="20" fill="hold">
+                          <p:cTn id="24" fill="hold">
                             <p:stCondLst>
                               <p:cond delay="0"/>
                             </p:stCondLst>
                             <p:childTnLst>
                               <p:par>
-                                <p:cTn id="21" presetID="1" presetClass="entr" presetSubtype="0" fill="hold" nodeType="clickEffect">
+                                <p:cTn id="25" presetID="1" presetClass="entr" presetSubtype="0" fill="hold" nodeType="clickEffect">
                                   <p:stCondLst>
                                     <p:cond delay="0"/>
                                   </p:stCondLst>
                                   <p:childTnLst>
                                     <p:set>
                                       <p:cBhvr>
-                                        <p:cTn id="22" dur="1" fill="hold">
+                                        <p:cTn id="26" dur="1" fill="hold">
                                           <p:stCondLst>
                                             <p:cond delay="0"/>
                                           </p:stCondLst>
                                         </p:cTn>
                                         <p:tgtEl>
                                           <p:spTgt spid="4"/>
+                                        </p:tgtEl>
+                                        <p:attrNameLst>
+                                          <p:attrName>style.visibility</p:attrName>
+                                        </p:attrNameLst>
+                                      </p:cBhvr>
+                                      <p:to>
+                                        <p:strVal val="visible"/>
+                                      </p:to>
+                                    </p:set>
+                                  </p:childTnLst>
+                                </p:cTn>
+                              </p:par>
+                            </p:childTnLst>
+                          </p:cTn>
+                        </p:par>
+                      </p:childTnLst>
+                    </p:cTn>
+                  </p:par>
+                  <p:par>
+                    <p:cTn id="27" fill="hold">
+                      <p:stCondLst>
+                        <p:cond delay="indefinite"/>
+                      </p:stCondLst>
+                      <p:childTnLst>
+                        <p:par>
+                          <p:cTn id="28" fill="hold">
+                            <p:stCondLst>
+                              <p:cond delay="0"/>
+                            </p:stCondLst>
+                            <p:childTnLst>
+                              <p:par>
+                                <p:cTn id="29" presetID="1" presetClass="entr" presetSubtype="0" fill="hold" nodeType="clickEffect">
+                                  <p:stCondLst>
+                                    <p:cond delay="0"/>
+                                  </p:stCondLst>
+                                  <p:childTnLst>
+                                    <p:set>
+                                      <p:cBhvr>
+                                        <p:cTn id="30" dur="1" fill="hold">
+                                          <p:stCondLst>
+                                            <p:cond delay="0"/>
+                                          </p:stCondLst>
+                                        </p:cTn>
+                                        <p:tgtEl>
+                                          <p:spTgt spid="1026"/>
+                                        </p:tgtEl>
+                                        <p:attrNameLst>
+                                          <p:attrName>style.visibility</p:attrName>
+                                        </p:attrNameLst>
+                                      </p:cBhvr>
+                                      <p:to>
+                                        <p:strVal val="visible"/>
+                                      </p:to>
+                                    </p:set>
+                                  </p:childTnLst>
+                                </p:cTn>
+                              </p:par>
+                              <p:par>
+                                <p:cTn id="31" presetID="1" presetClass="entr" presetSubtype="0" fill="hold" nodeType="withEffect">
+                                  <p:stCondLst>
+                                    <p:cond delay="0"/>
+                                  </p:stCondLst>
+                                  <p:childTnLst>
+                                    <p:set>
+                                      <p:cBhvr>
+                                        <p:cTn id="32" dur="1" fill="hold">
+                                          <p:stCondLst>
+                                            <p:cond delay="0"/>
+                                          </p:stCondLst>
+                                        </p:cTn>
+                                        <p:tgtEl>
+                                          <p:spTgt spid="11">
+                                            <p:txEl>
+                                              <p:pRg st="6" end="6"/>
+                                            </p:txEl>
+                                          </p:spTgt>
+                                        </p:tgtEl>
+                                        <p:attrNameLst>
+                                          <p:attrName>style.visibility</p:attrName>
+                                        </p:attrNameLst>
+                                      </p:cBhvr>
+                                      <p:to>
+                                        <p:strVal val="visible"/>
+                                      </p:to>
+                                    </p:set>
+                                  </p:childTnLst>
+                                </p:cTn>
+                              </p:par>
+                              <p:par>
+                                <p:cTn id="33" presetID="1" presetClass="entr" presetSubtype="0" fill="hold" nodeType="withEffect">
+                                  <p:stCondLst>
+                                    <p:cond delay="0"/>
+                                  </p:stCondLst>
+                                  <p:childTnLst>
+                                    <p:set>
+                                      <p:cBhvr>
+                                        <p:cTn id="34" dur="1" fill="hold">
+                                          <p:stCondLst>
+                                            <p:cond delay="0"/>
+                                          </p:stCondLst>
+                                        </p:cTn>
+                                        <p:tgtEl>
+                                          <p:spTgt spid="11">
+                                            <p:txEl>
+                                              <p:pRg st="7" end="7"/>
+                                            </p:txEl>
+                                          </p:spTgt>
                                         </p:tgtEl>
                                         <p:attrNameLst>
                                           <p:attrName>style.visibility</p:attrName>

--- a/Whats New in ASP.NET Core 2.0.pptx
+++ b/Whats New in ASP.NET Core 2.0.pptx
@@ -41,6 +41,7 @@
         <p:sld r:id="rId14"/>
         <p:sld r:id="rId15"/>
         <p:sld r:id="rId16"/>
+        <p:sld r:id="rId17"/>
       </p:sldLst>
     </p:custShow>
     <p:custShow name="Sponsor Slides" id="1">
@@ -15260,15 +15261,7 @@
             </a:r>
             <a:r>
               <a:rPr lang="en-US" dirty="0"/>
-              <a:t> / Startup </a:t>
-            </a:r>
-            <a:r>
-              <a:rPr lang="en-US" strike="sngStrike" dirty="0"/>
-              <a:t>recap</a:t>
-            </a:r>
-            <a:r>
-              <a:rPr lang="en-US" dirty="0"/>
-              <a:t> nightmare</a:t>
+              <a:t> / Startup recap</a:t>
             </a:r>
           </a:p>
         </p:txBody>

--- a/Whats New in ASP.NET Core 2.0.pptx
+++ b/Whats New in ASP.NET Core 2.0.pptx
@@ -6,30 +6,31 @@
     <p:sldMasterId id="2147483847" r:id="rId2"/>
   </p:sldMasterIdLst>
   <p:notesMasterIdLst>
-    <p:notesMasterId r:id="rId18"/>
+    <p:notesMasterId r:id="rId16"/>
   </p:notesMasterIdLst>
   <p:sldIdLst>
-    <p:sldId id="355" r:id="rId3"/>
-    <p:sldId id="356" r:id="rId4"/>
-    <p:sldId id="357" r:id="rId5"/>
-    <p:sldId id="342" r:id="rId6"/>
-    <p:sldId id="322" r:id="rId7"/>
-    <p:sldId id="348" r:id="rId8"/>
-    <p:sldId id="346" r:id="rId9"/>
-    <p:sldId id="347" r:id="rId10"/>
-    <p:sldId id="345" r:id="rId11"/>
-    <p:sldId id="350" r:id="rId12"/>
-    <p:sldId id="354" r:id="rId13"/>
-    <p:sldId id="351" r:id="rId14"/>
-    <p:sldId id="353" r:id="rId15"/>
-    <p:sldId id="341" r:id="rId16"/>
-    <p:sldId id="358" r:id="rId17"/>
+    <p:sldId id="342" r:id="rId3"/>
+    <p:sldId id="322" r:id="rId4"/>
+    <p:sldId id="348" r:id="rId5"/>
+    <p:sldId id="346" r:id="rId6"/>
+    <p:sldId id="347" r:id="rId7"/>
+    <p:sldId id="345" r:id="rId8"/>
+    <p:sldId id="350" r:id="rId9"/>
+    <p:sldId id="354" r:id="rId10"/>
+    <p:sldId id="351" r:id="rId11"/>
+    <p:sldId id="353" r:id="rId12"/>
+    <p:sldId id="341" r:id="rId13"/>
+    <p:sldId id="359" r:id="rId14"/>
+    <p:sldId id="358" r:id="rId15"/>
   </p:sldIdLst>
   <p:sldSz cx="12192000" cy="6858000"/>
   <p:notesSz cx="6858000" cy="9144000"/>
   <p:custShowLst>
     <p:custShow name="Main Slides" id="0">
       <p:sldLst>
+        <p:sld r:id="rId3"/>
+        <p:sld r:id="rId4"/>
+        <p:sld r:id="rId5"/>
         <p:sld r:id="rId6"/>
         <p:sld r:id="rId7"/>
         <p:sld r:id="rId8"/>
@@ -40,15 +41,6 @@
         <p:sld r:id="rId13"/>
         <p:sld r:id="rId14"/>
         <p:sld r:id="rId15"/>
-        <p:sld r:id="rId16"/>
-        <p:sld r:id="rId17"/>
-      </p:sldLst>
-    </p:custShow>
-    <p:custShow name="Sponsor Slides" id="1">
-      <p:sldLst>
-        <p:sld r:id="rId3"/>
-        <p:sld r:id="rId4"/>
-        <p:sld r:id="rId5"/>
       </p:sldLst>
     </p:custShow>
   </p:custShowLst>
@@ -150,13 +142,6 @@
   <p:extLst>
     <p:ext uri="{521415D9-36F7-43E2-AB2F-B90AF26B5E84}">
       <p14:sectionLst xmlns:p14="http://schemas.microsoft.com/office/powerpoint/2010/main">
-        <p14:section name="Sponsor Slides" id="{AEE8F948-FC07-4905-9B45-61D727DED6BD}">
-          <p14:sldIdLst>
-            <p14:sldId id="355"/>
-            <p14:sldId id="356"/>
-            <p14:sldId id="357"/>
-          </p14:sldIdLst>
-        </p14:section>
         <p14:section name="Main Slides" id="{BD4AE434-FB75-488A-BE53-0A8BF7EA68DF}">
           <p14:sldIdLst>
             <p14:sldId id="342"/>
@@ -170,6 +155,7 @@
             <p14:sldId id="351"/>
             <p14:sldId id="353"/>
             <p14:sldId id="341"/>
+            <p14:sldId id="359"/>
             <p14:sldId id="358"/>
           </p14:sldIdLst>
         </p14:section>
@@ -3496,7 +3482,7 @@
           <a:p>
             <a:fld id="{3B87D1B5-D667-42F5-9E38-2FD202ABDFA0}" type="datetimeFigureOut">
               <a:rPr lang="en-US" smtClean="0"/>
-              <a:t>10/16/2017</a:t>
+              <a:t>11/8/2017</a:t>
             </a:fld>
             <a:endParaRPr lang="en-US"/>
           </a:p>
@@ -3807,7 +3793,7 @@
           <a:bodyPr/>
           <a:lstStyle/>
           <a:p>
-            <a:endParaRPr lang="en-US"/>
+            <a:endParaRPr lang="en-US" dirty="0"/>
           </a:p>
         </p:txBody>
       </p:sp>
@@ -3826,18 +3812,72 @@
           <a:bodyPr/>
           <a:lstStyle/>
           <a:p>
+            <a:pPr marL="0" marR="0" lvl="0" indent="0" defTabSz="914400" eaLnBrk="1" fontAlgn="auto" latinLnBrk="0" hangingPunct="1">
+              <a:lnSpc>
+                <a:spcPct val="100000"/>
+              </a:lnSpc>
+              <a:spcBef>
+                <a:spcPts val="0"/>
+              </a:spcBef>
+              <a:spcAft>
+                <a:spcPts val="0"/>
+              </a:spcAft>
+              <a:buClrTx/>
+              <a:buSzTx/>
+              <a:buFontTx/>
+              <a:buNone/>
+              <a:tabLst/>
+              <a:defRPr/>
+            </a:pPr>
             <a:fld id="{16A87904-88DE-4022-A424-ACD2E6FC1751}" type="slidenum">
-              <a:rPr lang="en-US" smtClean="0"/>
+              <a:rPr kumimoji="0" lang="en-US" sz="1800" b="0" i="0" u="none" strike="noStrike" kern="0" cap="none" spc="0" normalizeH="0" baseline="0" noProof="0" smtClean="0">
+                <a:ln>
+                  <a:noFill/>
+                </a:ln>
+                <a:solidFill>
+                  <a:sysClr val="windowText" lastClr="000000"/>
+                </a:solidFill>
+                <a:effectLst/>
+                <a:uLnTx/>
+                <a:uFillTx/>
+              </a:rPr>
+              <a:pPr marL="0" marR="0" lvl="0" indent="0" defTabSz="914400" eaLnBrk="1" fontAlgn="auto" latinLnBrk="0" hangingPunct="1">
+                <a:lnSpc>
+                  <a:spcPct val="100000"/>
+                </a:lnSpc>
+                <a:spcBef>
+                  <a:spcPts val="0"/>
+                </a:spcBef>
+                <a:spcAft>
+                  <a:spcPts val="0"/>
+                </a:spcAft>
+                <a:buClrTx/>
+                <a:buSzTx/>
+                <a:buFontTx/>
+                <a:buNone/>
+                <a:tabLst/>
+                <a:defRPr/>
+              </a:pPr>
               <a:t>1</a:t>
             </a:fld>
-            <a:endParaRPr lang="en-US"/>
+            <a:endParaRPr kumimoji="0" lang="en-US" sz="1800" b="0" i="0" u="none" strike="noStrike" kern="0" cap="none" spc="0" normalizeH="0" baseline="0" noProof="0" dirty="0">
+              <a:ln>
+                <a:noFill/>
+              </a:ln>
+              <a:solidFill>
+                <a:sysClr val="windowText" lastClr="000000"/>
+              </a:solidFill>
+              <a:effectLst/>
+              <a:uLnTx/>
+              <a:uFillTx/>
+            </a:endParaRPr>
           </a:p>
         </p:txBody>
       </p:sp>
     </p:spTree>
     <p:extLst>
       <p:ext uri="{BB962C8B-B14F-4D97-AF65-F5344CB8AC3E}">
-        <p14:creationId xmlns:p14="http://schemas.microsoft.com/office/powerpoint/2010/main" val="3186855013"/>
+        <p14:creationId xmlns:p14="http://schemas.microsoft.com/office/powerpoint/2010/main" val="2008151646"/>
       </p:ext>
     </p:extLst>
   </p:cSld>
@@ -3891,7 +3931,7 @@
           <a:bodyPr/>
           <a:lstStyle/>
           <a:p>
-            <a:endParaRPr lang="en-US" dirty="0"/>
+            <a:endParaRPr lang="en-US"/>
           </a:p>
         </p:txBody>
       </p:sp>
@@ -3910,18 +3950,78 @@
           <a:bodyPr/>
           <a:lstStyle/>
           <a:p>
+            <a:pPr marL="0" marR="0" lvl="0" indent="0" algn="r" defTabSz="457200" rtl="0" eaLnBrk="1" fontAlgn="auto" latinLnBrk="0" hangingPunct="1">
+              <a:lnSpc>
+                <a:spcPct val="100000"/>
+              </a:lnSpc>
+              <a:spcBef>
+                <a:spcPts val="0"/>
+              </a:spcBef>
+              <a:spcAft>
+                <a:spcPts val="0"/>
+              </a:spcAft>
+              <a:buClrTx/>
+              <a:buSzTx/>
+              <a:buFontTx/>
+              <a:buNone/>
+              <a:tabLst/>
+              <a:defRPr/>
+            </a:pPr>
             <a:fld id="{16A87904-88DE-4022-A424-ACD2E6FC1751}" type="slidenum">
-              <a:rPr lang="en-US" smtClean="0"/>
+              <a:rPr kumimoji="0" lang="en-US" sz="1200" b="0" i="0" u="none" strike="noStrike" kern="1200" cap="none" spc="0" normalizeH="0" baseline="0" noProof="0" smtClean="0">
+                <a:ln>
+                  <a:noFill/>
+                </a:ln>
+                <a:solidFill>
+                  <a:prstClr val="black"/>
+                </a:solidFill>
+                <a:effectLst/>
+                <a:uLnTx/>
+                <a:uFillTx/>
+                <a:latin typeface="Calibri" panose="020F0502020204030204"/>
+                <a:ea typeface="+mn-ea"/>
+                <a:cs typeface="+mn-cs"/>
+              </a:rPr>
+              <a:pPr marL="0" marR="0" lvl="0" indent="0" algn="r" defTabSz="457200" rtl="0" eaLnBrk="1" fontAlgn="auto" latinLnBrk="0" hangingPunct="1">
+                <a:lnSpc>
+                  <a:spcPct val="100000"/>
+                </a:lnSpc>
+                <a:spcBef>
+                  <a:spcPts val="0"/>
+                </a:spcBef>
+                <a:spcAft>
+                  <a:spcPts val="0"/>
+                </a:spcAft>
+                <a:buClrTx/>
+                <a:buSzTx/>
+                <a:buFontTx/>
+                <a:buNone/>
+                <a:tabLst/>
+                <a:defRPr/>
+              </a:pPr>
               <a:t>10</a:t>
             </a:fld>
-            <a:endParaRPr lang="en-US"/>
+            <a:endParaRPr kumimoji="0" lang="en-US" sz="1200" b="0" i="0" u="none" strike="noStrike" kern="1200" cap="none" spc="0" normalizeH="0" baseline="0" noProof="0">
+              <a:ln>
+                <a:noFill/>
+              </a:ln>
+              <a:solidFill>
+                <a:prstClr val="black"/>
+              </a:solidFill>
+              <a:effectLst/>
+              <a:uLnTx/>
+              <a:uFillTx/>
+              <a:latin typeface="Calibri" panose="020F0502020204030204"/>
+              <a:ea typeface="+mn-ea"/>
+              <a:cs typeface="+mn-cs"/>
+            </a:endParaRPr>
           </a:p>
         </p:txBody>
       </p:sp>
     </p:spTree>
     <p:extLst>
       <p:ext uri="{BB962C8B-B14F-4D97-AF65-F5344CB8AC3E}">
-        <p14:creationId xmlns:p14="http://schemas.microsoft.com/office/powerpoint/2010/main" val="932857803"/>
+        <p14:creationId xmlns:p14="http://schemas.microsoft.com/office/powerpoint/2010/main" val="2334602090"/>
       </p:ext>
     </p:extLst>
   </p:cSld>
@@ -3975,7 +4075,11 @@
           <a:bodyPr/>
           <a:lstStyle/>
           <a:p>
-            <a:endParaRPr lang="en-US"/>
+            <a:pPr marL="0" indent="0">
+              <a:buFontTx/>
+              <a:buNone/>
+            </a:pPr>
+            <a:endParaRPr lang="en-US" dirty="0"/>
           </a:p>
         </p:txBody>
       </p:sp>
@@ -3994,18 +4098,78 @@
           <a:bodyPr/>
           <a:lstStyle/>
           <a:p>
+            <a:pPr marL="0" marR="0" lvl="0" indent="0" algn="r" defTabSz="457200" rtl="0" eaLnBrk="1" fontAlgn="auto" latinLnBrk="0" hangingPunct="1">
+              <a:lnSpc>
+                <a:spcPct val="100000"/>
+              </a:lnSpc>
+              <a:spcBef>
+                <a:spcPts val="0"/>
+              </a:spcBef>
+              <a:spcAft>
+                <a:spcPts val="0"/>
+              </a:spcAft>
+              <a:buClrTx/>
+              <a:buSzTx/>
+              <a:buFontTx/>
+              <a:buNone/>
+              <a:tabLst/>
+              <a:defRPr/>
+            </a:pPr>
             <a:fld id="{16A87904-88DE-4022-A424-ACD2E6FC1751}" type="slidenum">
-              <a:rPr lang="en-US" smtClean="0"/>
+              <a:rPr kumimoji="0" lang="en-US" sz="1200" b="0" i="0" u="none" strike="noStrike" kern="1200" cap="none" spc="0" normalizeH="0" baseline="0" noProof="0" smtClean="0">
+                <a:ln>
+                  <a:noFill/>
+                </a:ln>
+                <a:solidFill>
+                  <a:prstClr val="black"/>
+                </a:solidFill>
+                <a:effectLst/>
+                <a:uLnTx/>
+                <a:uFillTx/>
+                <a:latin typeface="Calibri" panose="020F0502020204030204"/>
+                <a:ea typeface="+mn-ea"/>
+                <a:cs typeface="+mn-cs"/>
+              </a:rPr>
+              <a:pPr marL="0" marR="0" lvl="0" indent="0" algn="r" defTabSz="457200" rtl="0" eaLnBrk="1" fontAlgn="auto" latinLnBrk="0" hangingPunct="1">
+                <a:lnSpc>
+                  <a:spcPct val="100000"/>
+                </a:lnSpc>
+                <a:spcBef>
+                  <a:spcPts val="0"/>
+                </a:spcBef>
+                <a:spcAft>
+                  <a:spcPts val="0"/>
+                </a:spcAft>
+                <a:buClrTx/>
+                <a:buSzTx/>
+                <a:buFontTx/>
+                <a:buNone/>
+                <a:tabLst/>
+                <a:defRPr/>
+              </a:pPr>
               <a:t>11</a:t>
             </a:fld>
-            <a:endParaRPr lang="en-US"/>
+            <a:endParaRPr kumimoji="0" lang="en-US" sz="1200" b="0" i="0" u="none" strike="noStrike" kern="1200" cap="none" spc="0" normalizeH="0" baseline="0" noProof="0">
+              <a:ln>
+                <a:noFill/>
+              </a:ln>
+              <a:solidFill>
+                <a:prstClr val="black"/>
+              </a:solidFill>
+              <a:effectLst/>
+              <a:uLnTx/>
+              <a:uFillTx/>
+              <a:latin typeface="Calibri" panose="020F0502020204030204"/>
+              <a:ea typeface="+mn-ea"/>
+              <a:cs typeface="+mn-cs"/>
+            </a:endParaRPr>
           </a:p>
         </p:txBody>
       </p:sp>
     </p:spTree>
     <p:extLst>
       <p:ext uri="{BB962C8B-B14F-4D97-AF65-F5344CB8AC3E}">
-        <p14:creationId xmlns:p14="http://schemas.microsoft.com/office/powerpoint/2010/main" val="1151958679"/>
+        <p14:creationId xmlns:p14="http://schemas.microsoft.com/office/powerpoint/2010/main" val="187632969"/>
       </p:ext>
     </p:extLst>
   </p:cSld>
@@ -4059,33 +4223,7 @@
           <a:bodyPr/>
           <a:lstStyle/>
           <a:p>
-            <a:r>
-              <a:rPr lang="en-US" dirty="0" err="1"/>
-              <a:t>Program.cs</a:t>
-            </a:r>
-            <a:r>
-              <a:rPr lang="en-US" dirty="0"/>
-              <a:t> </a:t>
-            </a:r>
-            <a:r>
-              <a:rPr lang="en-US" dirty="0">
-                <a:sym typeface="Wingdings" panose="05000000000000000000" pitchFamily="2" charset="2"/>
-              </a:rPr>
-              <a:t> </a:t>
-            </a:r>
-            <a:r>
-              <a:rPr lang="en-US" b="1" dirty="0" err="1">
-                <a:sym typeface="Wingdings" panose="05000000000000000000" pitchFamily="2" charset="2"/>
-              </a:rPr>
-              <a:t>CreateDefaultBuilder</a:t>
-            </a:r>
-            <a:r>
-              <a:rPr lang="en-US" dirty="0">
-                <a:sym typeface="Wingdings" panose="05000000000000000000" pitchFamily="2" charset="2"/>
-              </a:rPr>
-              <a:t> method handles boilerplate</a:t>
-            </a:r>
-            <a:endParaRPr lang="en-US" dirty="0"/>
+            <a:endParaRPr lang="en-US"/>
           </a:p>
         </p:txBody>
       </p:sp>
@@ -4104,18 +4242,78 @@
           <a:bodyPr/>
           <a:lstStyle/>
           <a:p>
+            <a:pPr marL="0" marR="0" lvl="0" indent="0" algn="r" defTabSz="457200" rtl="0" eaLnBrk="1" fontAlgn="auto" latinLnBrk="0" hangingPunct="1">
+              <a:lnSpc>
+                <a:spcPct val="100000"/>
+              </a:lnSpc>
+              <a:spcBef>
+                <a:spcPts val="0"/>
+              </a:spcBef>
+              <a:spcAft>
+                <a:spcPts val="0"/>
+              </a:spcAft>
+              <a:buClrTx/>
+              <a:buSzTx/>
+              <a:buFontTx/>
+              <a:buNone/>
+              <a:tabLst/>
+              <a:defRPr/>
+            </a:pPr>
             <a:fld id="{16A87904-88DE-4022-A424-ACD2E6FC1751}" type="slidenum">
-              <a:rPr lang="en-US" smtClean="0"/>
+              <a:rPr kumimoji="0" lang="en-US" sz="1200" b="0" i="0" u="none" strike="noStrike" kern="1200" cap="none" spc="0" normalizeH="0" baseline="0" noProof="0" smtClean="0">
+                <a:ln>
+                  <a:noFill/>
+                </a:ln>
+                <a:solidFill>
+                  <a:prstClr val="black"/>
+                </a:solidFill>
+                <a:effectLst/>
+                <a:uLnTx/>
+                <a:uFillTx/>
+                <a:latin typeface="Calibri" panose="020F0502020204030204"/>
+                <a:ea typeface="+mn-ea"/>
+                <a:cs typeface="+mn-cs"/>
+              </a:rPr>
+              <a:pPr marL="0" marR="0" lvl="0" indent="0" algn="r" defTabSz="457200" rtl="0" eaLnBrk="1" fontAlgn="auto" latinLnBrk="0" hangingPunct="1">
+                <a:lnSpc>
+                  <a:spcPct val="100000"/>
+                </a:lnSpc>
+                <a:spcBef>
+                  <a:spcPts val="0"/>
+                </a:spcBef>
+                <a:spcAft>
+                  <a:spcPts val="0"/>
+                </a:spcAft>
+                <a:buClrTx/>
+                <a:buSzTx/>
+                <a:buFontTx/>
+                <a:buNone/>
+                <a:tabLst/>
+                <a:defRPr/>
+              </a:pPr>
               <a:t>12</a:t>
             </a:fld>
-            <a:endParaRPr lang="en-US"/>
+            <a:endParaRPr kumimoji="0" lang="en-US" sz="1200" b="0" i="0" u="none" strike="noStrike" kern="1200" cap="none" spc="0" normalizeH="0" baseline="0" noProof="0">
+              <a:ln>
+                <a:noFill/>
+              </a:ln>
+              <a:solidFill>
+                <a:prstClr val="black"/>
+              </a:solidFill>
+              <a:effectLst/>
+              <a:uLnTx/>
+              <a:uFillTx/>
+              <a:latin typeface="Calibri" panose="020F0502020204030204"/>
+              <a:ea typeface="+mn-ea"/>
+              <a:cs typeface="+mn-cs"/>
+            </a:endParaRPr>
           </a:p>
         </p:txBody>
       </p:sp>
     </p:spTree>
     <p:extLst>
       <p:ext uri="{BB962C8B-B14F-4D97-AF65-F5344CB8AC3E}">
-        <p14:creationId xmlns:p14="http://schemas.microsoft.com/office/powerpoint/2010/main" val="1408417399"/>
+        <p14:creationId xmlns:p14="http://schemas.microsoft.com/office/powerpoint/2010/main" val="3882044555"/>
       </p:ext>
     </p:extLst>
   </p:cSld>
@@ -4169,7 +4367,11 @@
           <a:bodyPr/>
           <a:lstStyle/>
           <a:p>
-            <a:endParaRPr lang="en-US"/>
+            <a:pPr marL="0" indent="0">
+              <a:buFontTx/>
+              <a:buNone/>
+            </a:pPr>
+            <a:endParaRPr lang="en-US" dirty="0"/>
           </a:p>
         </p:txBody>
       </p:sp>
@@ -4259,302 +4461,6 @@
     </p:spTree>
     <p:extLst>
       <p:ext uri="{BB962C8B-B14F-4D97-AF65-F5344CB8AC3E}">
-        <p14:creationId xmlns:p14="http://schemas.microsoft.com/office/powerpoint/2010/main" val="2334602090"/>
-      </p:ext>
-    </p:extLst>
-  </p:cSld>
-  <p:clrMapOvr>
-    <a:masterClrMapping/>
-  </p:clrMapOvr>
-</p:notes>
-</file>
-
-<file path=ppt/notesSlides/notesSlide14.xml><?xml version="1.0" encoding="utf-8"?>
-<p:notes xmlns:a="http://schemas.openxmlformats.org/drawingml/2006/main" xmlns:r="http://schemas.openxmlformats.org/officeDocument/2006/relationships" xmlns:p="http://schemas.openxmlformats.org/presentationml/2006/main">
-  <p:cSld>
-    <p:spTree>
-      <p:nvGrpSpPr>
-        <p:cNvPr id="1" name=""/>
-        <p:cNvGrpSpPr/>
-        <p:nvPr/>
-      </p:nvGrpSpPr>
-      <p:grpSpPr>
-        <a:xfrm>
-          <a:off x="0" y="0"/>
-          <a:ext cx="0" cy="0"/>
-          <a:chOff x="0" y="0"/>
-          <a:chExt cx="0" cy="0"/>
-        </a:xfrm>
-      </p:grpSpPr>
-      <p:sp>
-        <p:nvSpPr>
-          <p:cNvPr id="2" name="Slide Image Placeholder 1"/>
-          <p:cNvSpPr>
-            <a:spLocks noGrp="1" noRot="1" noChangeAspect="1"/>
-          </p:cNvSpPr>
-          <p:nvPr>
-            <p:ph type="sldImg"/>
-          </p:nvPr>
-        </p:nvSpPr>
-        <p:spPr/>
-      </p:sp>
-      <p:sp>
-        <p:nvSpPr>
-          <p:cNvPr id="3" name="Notes Placeholder 2"/>
-          <p:cNvSpPr>
-            <a:spLocks noGrp="1"/>
-          </p:cNvSpPr>
-          <p:nvPr>
-            <p:ph type="body" idx="1"/>
-          </p:nvPr>
-        </p:nvSpPr>
-        <p:spPr/>
-        <p:txBody>
-          <a:bodyPr/>
-          <a:lstStyle/>
-          <a:p>
-            <a:pPr marL="0" indent="0">
-              <a:buFontTx/>
-              <a:buNone/>
-            </a:pPr>
-            <a:endParaRPr lang="en-US" dirty="0"/>
-          </a:p>
-        </p:txBody>
-      </p:sp>
-      <p:sp>
-        <p:nvSpPr>
-          <p:cNvPr id="4" name="Slide Number Placeholder 3"/>
-          <p:cNvSpPr>
-            <a:spLocks noGrp="1"/>
-          </p:cNvSpPr>
-          <p:nvPr>
-            <p:ph type="sldNum" sz="quarter" idx="10"/>
-          </p:nvPr>
-        </p:nvSpPr>
-        <p:spPr/>
-        <p:txBody>
-          <a:bodyPr/>
-          <a:lstStyle/>
-          <a:p>
-            <a:pPr marL="0" marR="0" lvl="0" indent="0" algn="r" defTabSz="457200" rtl="0" eaLnBrk="1" fontAlgn="auto" latinLnBrk="0" hangingPunct="1">
-              <a:lnSpc>
-                <a:spcPct val="100000"/>
-              </a:lnSpc>
-              <a:spcBef>
-                <a:spcPts val="0"/>
-              </a:spcBef>
-              <a:spcAft>
-                <a:spcPts val="0"/>
-              </a:spcAft>
-              <a:buClrTx/>
-              <a:buSzTx/>
-              <a:buFontTx/>
-              <a:buNone/>
-              <a:tabLst/>
-              <a:defRPr/>
-            </a:pPr>
-            <a:fld id="{16A87904-88DE-4022-A424-ACD2E6FC1751}" type="slidenum">
-              <a:rPr kumimoji="0" lang="en-US" sz="1200" b="0" i="0" u="none" strike="noStrike" kern="1200" cap="none" spc="0" normalizeH="0" baseline="0" noProof="0" smtClean="0">
-                <a:ln>
-                  <a:noFill/>
-                </a:ln>
-                <a:solidFill>
-                  <a:prstClr val="black"/>
-                </a:solidFill>
-                <a:effectLst/>
-                <a:uLnTx/>
-                <a:uFillTx/>
-                <a:latin typeface="Calibri" panose="020F0502020204030204"/>
-                <a:ea typeface="+mn-ea"/>
-                <a:cs typeface="+mn-cs"/>
-              </a:rPr>
-              <a:pPr marL="0" marR="0" lvl="0" indent="0" algn="r" defTabSz="457200" rtl="0" eaLnBrk="1" fontAlgn="auto" latinLnBrk="0" hangingPunct="1">
-                <a:lnSpc>
-                  <a:spcPct val="100000"/>
-                </a:lnSpc>
-                <a:spcBef>
-                  <a:spcPts val="0"/>
-                </a:spcBef>
-                <a:spcAft>
-                  <a:spcPts val="0"/>
-                </a:spcAft>
-                <a:buClrTx/>
-                <a:buSzTx/>
-                <a:buFontTx/>
-                <a:buNone/>
-                <a:tabLst/>
-                <a:defRPr/>
-              </a:pPr>
-              <a:t>14</a:t>
-            </a:fld>
-            <a:endParaRPr kumimoji="0" lang="en-US" sz="1200" b="0" i="0" u="none" strike="noStrike" kern="1200" cap="none" spc="0" normalizeH="0" baseline="0" noProof="0">
-              <a:ln>
-                <a:noFill/>
-              </a:ln>
-              <a:solidFill>
-                <a:prstClr val="black"/>
-              </a:solidFill>
-              <a:effectLst/>
-              <a:uLnTx/>
-              <a:uFillTx/>
-              <a:latin typeface="Calibri" panose="020F0502020204030204"/>
-              <a:ea typeface="+mn-ea"/>
-              <a:cs typeface="+mn-cs"/>
-            </a:endParaRPr>
-          </a:p>
-        </p:txBody>
-      </p:sp>
-    </p:spTree>
-    <p:extLst>
-      <p:ext uri="{BB962C8B-B14F-4D97-AF65-F5344CB8AC3E}">
-        <p14:creationId xmlns:p14="http://schemas.microsoft.com/office/powerpoint/2010/main" val="187632969"/>
-      </p:ext>
-    </p:extLst>
-  </p:cSld>
-  <p:clrMapOvr>
-    <a:masterClrMapping/>
-  </p:clrMapOvr>
-</p:notes>
-</file>
-
-<file path=ppt/notesSlides/notesSlide15.xml><?xml version="1.0" encoding="utf-8"?>
-<p:notes xmlns:a="http://schemas.openxmlformats.org/drawingml/2006/main" xmlns:r="http://schemas.openxmlformats.org/officeDocument/2006/relationships" xmlns:p="http://schemas.openxmlformats.org/presentationml/2006/main">
-  <p:cSld>
-    <p:spTree>
-      <p:nvGrpSpPr>
-        <p:cNvPr id="1" name=""/>
-        <p:cNvGrpSpPr/>
-        <p:nvPr/>
-      </p:nvGrpSpPr>
-      <p:grpSpPr>
-        <a:xfrm>
-          <a:off x="0" y="0"/>
-          <a:ext cx="0" cy="0"/>
-          <a:chOff x="0" y="0"/>
-          <a:chExt cx="0" cy="0"/>
-        </a:xfrm>
-      </p:grpSpPr>
-      <p:sp>
-        <p:nvSpPr>
-          <p:cNvPr id="2" name="Slide Image Placeholder 1"/>
-          <p:cNvSpPr>
-            <a:spLocks noGrp="1" noRot="1" noChangeAspect="1"/>
-          </p:cNvSpPr>
-          <p:nvPr>
-            <p:ph type="sldImg"/>
-          </p:nvPr>
-        </p:nvSpPr>
-        <p:spPr/>
-      </p:sp>
-      <p:sp>
-        <p:nvSpPr>
-          <p:cNvPr id="3" name="Notes Placeholder 2"/>
-          <p:cNvSpPr>
-            <a:spLocks noGrp="1"/>
-          </p:cNvSpPr>
-          <p:nvPr>
-            <p:ph type="body" idx="1"/>
-          </p:nvPr>
-        </p:nvSpPr>
-        <p:spPr/>
-        <p:txBody>
-          <a:bodyPr/>
-          <a:lstStyle/>
-          <a:p>
-            <a:pPr marL="0" indent="0">
-              <a:buFontTx/>
-              <a:buNone/>
-            </a:pPr>
-            <a:endParaRPr lang="en-US" dirty="0"/>
-          </a:p>
-        </p:txBody>
-      </p:sp>
-      <p:sp>
-        <p:nvSpPr>
-          <p:cNvPr id="4" name="Slide Number Placeholder 3"/>
-          <p:cNvSpPr>
-            <a:spLocks noGrp="1"/>
-          </p:cNvSpPr>
-          <p:nvPr>
-            <p:ph type="sldNum" sz="quarter" idx="10"/>
-          </p:nvPr>
-        </p:nvSpPr>
-        <p:spPr/>
-        <p:txBody>
-          <a:bodyPr/>
-          <a:lstStyle/>
-          <a:p>
-            <a:pPr marL="0" marR="0" lvl="0" indent="0" algn="r" defTabSz="457200" rtl="0" eaLnBrk="1" fontAlgn="auto" latinLnBrk="0" hangingPunct="1">
-              <a:lnSpc>
-                <a:spcPct val="100000"/>
-              </a:lnSpc>
-              <a:spcBef>
-                <a:spcPts val="0"/>
-              </a:spcBef>
-              <a:spcAft>
-                <a:spcPts val="0"/>
-              </a:spcAft>
-              <a:buClrTx/>
-              <a:buSzTx/>
-              <a:buFontTx/>
-              <a:buNone/>
-              <a:tabLst/>
-              <a:defRPr/>
-            </a:pPr>
-            <a:fld id="{16A87904-88DE-4022-A424-ACD2E6FC1751}" type="slidenum">
-              <a:rPr kumimoji="0" lang="en-US" sz="1200" b="0" i="0" u="none" strike="noStrike" kern="1200" cap="none" spc="0" normalizeH="0" baseline="0" noProof="0" smtClean="0">
-                <a:ln>
-                  <a:noFill/>
-                </a:ln>
-                <a:solidFill>
-                  <a:prstClr val="black"/>
-                </a:solidFill>
-                <a:effectLst/>
-                <a:uLnTx/>
-                <a:uFillTx/>
-                <a:latin typeface="Calibri" panose="020F0502020204030204"/>
-                <a:ea typeface="+mn-ea"/>
-                <a:cs typeface="+mn-cs"/>
-              </a:rPr>
-              <a:pPr marL="0" marR="0" lvl="0" indent="0" algn="r" defTabSz="457200" rtl="0" eaLnBrk="1" fontAlgn="auto" latinLnBrk="0" hangingPunct="1">
-                <a:lnSpc>
-                  <a:spcPct val="100000"/>
-                </a:lnSpc>
-                <a:spcBef>
-                  <a:spcPts val="0"/>
-                </a:spcBef>
-                <a:spcAft>
-                  <a:spcPts val="0"/>
-                </a:spcAft>
-                <a:buClrTx/>
-                <a:buSzTx/>
-                <a:buFontTx/>
-                <a:buNone/>
-                <a:tabLst/>
-                <a:defRPr/>
-              </a:pPr>
-              <a:t>15</a:t>
-            </a:fld>
-            <a:endParaRPr kumimoji="0" lang="en-US" sz="1200" b="0" i="0" u="none" strike="noStrike" kern="1200" cap="none" spc="0" normalizeH="0" baseline="0" noProof="0">
-              <a:ln>
-                <a:noFill/>
-              </a:ln>
-              <a:solidFill>
-                <a:prstClr val="black"/>
-              </a:solidFill>
-              <a:effectLst/>
-              <a:uLnTx/>
-              <a:uFillTx/>
-              <a:latin typeface="Calibri" panose="020F0502020204030204"/>
-              <a:ea typeface="+mn-ea"/>
-              <a:cs typeface="+mn-cs"/>
-            </a:endParaRPr>
-          </a:p>
-        </p:txBody>
-      </p:sp>
-    </p:spTree>
-    <p:extLst>
-      <p:ext uri="{BB962C8B-B14F-4D97-AF65-F5344CB8AC3E}">
         <p14:creationId xmlns:p14="http://schemas.microsoft.com/office/powerpoint/2010/main" val="3295437793"/>
       </p:ext>
     </p:extLst>
@@ -4609,7 +4515,7 @@
           <a:bodyPr/>
           <a:lstStyle/>
           <a:p>
-            <a:endParaRPr lang="en-US" dirty="0"/>
+            <a:endParaRPr lang="en-US"/>
           </a:p>
         </p:txBody>
       </p:sp>
@@ -4628,72 +4534,18 @@
           <a:bodyPr/>
           <a:lstStyle/>
           <a:p>
-            <a:pPr marL="0" marR="0" lvl="0" indent="0" defTabSz="914400" eaLnBrk="1" fontAlgn="auto" latinLnBrk="0" hangingPunct="1">
-              <a:lnSpc>
-                <a:spcPct val="100000"/>
-              </a:lnSpc>
-              <a:spcBef>
-                <a:spcPts val="0"/>
-              </a:spcBef>
-              <a:spcAft>
-                <a:spcPts val="0"/>
-              </a:spcAft>
-              <a:buClrTx/>
-              <a:buSzTx/>
-              <a:buFontTx/>
-              <a:buNone/>
-              <a:tabLst/>
-              <a:defRPr/>
-            </a:pPr>
             <a:fld id="{16A87904-88DE-4022-A424-ACD2E6FC1751}" type="slidenum">
-              <a:rPr kumimoji="0" lang="en-US" sz="1800" b="0" i="0" u="none" strike="noStrike" kern="0" cap="none" spc="0" normalizeH="0" baseline="0" noProof="0" smtClean="0">
-                <a:ln>
-                  <a:noFill/>
-                </a:ln>
-                <a:solidFill>
-                  <a:sysClr val="windowText" lastClr="000000"/>
-                </a:solidFill>
-                <a:effectLst/>
-                <a:uLnTx/>
-                <a:uFillTx/>
-              </a:rPr>
-              <a:pPr marL="0" marR="0" lvl="0" indent="0" defTabSz="914400" eaLnBrk="1" fontAlgn="auto" latinLnBrk="0" hangingPunct="1">
-                <a:lnSpc>
-                  <a:spcPct val="100000"/>
-                </a:lnSpc>
-                <a:spcBef>
-                  <a:spcPts val="0"/>
-                </a:spcBef>
-                <a:spcAft>
-                  <a:spcPts val="0"/>
-                </a:spcAft>
-                <a:buClrTx/>
-                <a:buSzTx/>
-                <a:buFontTx/>
-                <a:buNone/>
-                <a:tabLst/>
-                <a:defRPr/>
-              </a:pPr>
+              <a:rPr lang="en-US" smtClean="0"/>
               <a:t>2</a:t>
             </a:fld>
-            <a:endParaRPr kumimoji="0" lang="en-US" sz="1800" b="0" i="0" u="none" strike="noStrike" kern="0" cap="none" spc="0" normalizeH="0" baseline="0" noProof="0" dirty="0">
-              <a:ln>
-                <a:noFill/>
-              </a:ln>
-              <a:solidFill>
-                <a:sysClr val="windowText" lastClr="000000"/>
-              </a:solidFill>
-              <a:effectLst/>
-              <a:uLnTx/>
-              <a:uFillTx/>
-            </a:endParaRPr>
+            <a:endParaRPr lang="en-US"/>
           </a:p>
         </p:txBody>
       </p:sp>
     </p:spTree>
     <p:extLst>
       <p:ext uri="{BB962C8B-B14F-4D97-AF65-F5344CB8AC3E}">
-        <p14:creationId xmlns:p14="http://schemas.microsoft.com/office/powerpoint/2010/main" val="106856817"/>
+        <p14:creationId xmlns:p14="http://schemas.microsoft.com/office/powerpoint/2010/main" val="1039297501"/>
       </p:ext>
     </p:extLst>
   </p:cSld>
@@ -4747,7 +4599,55 @@
           <a:bodyPr/>
           <a:lstStyle/>
           <a:p>
-            <a:endParaRPr lang="en-US"/>
+            <a:pPr marL="171450" marR="0" lvl="0" indent="-171450" algn="l" defTabSz="914400" rtl="0" eaLnBrk="1" fontAlgn="auto" latinLnBrk="0" hangingPunct="1">
+              <a:lnSpc>
+                <a:spcPct val="100000"/>
+              </a:lnSpc>
+              <a:spcBef>
+                <a:spcPts val="0"/>
+              </a:spcBef>
+              <a:spcAft>
+                <a:spcPts val="0"/>
+              </a:spcAft>
+              <a:buClrTx/>
+              <a:buSzTx/>
+              <a:buFontTx/>
+              <a:buChar char="-"/>
+              <a:tabLst/>
+              <a:defRPr/>
+            </a:pPr>
+            <a:r>
+              <a:rPr lang="en-US" dirty="0"/>
+              <a:t>1.x is the “donut of ASP.NET Core”</a:t>
+            </a:r>
+          </a:p>
+          <a:p>
+            <a:pPr marL="171450" indent="-171450">
+              <a:buFontTx/>
+              <a:buChar char="-"/>
+            </a:pPr>
+            <a:r>
+              <a:rPr lang="en-US" dirty="0"/>
+              <a:t>Release mode, FDD publish, </a:t>
+            </a:r>
+            <a:r>
+              <a:rPr lang="en-US" dirty="0" err="1"/>
+              <a:t>PublishOutput</a:t>
+            </a:r>
+            <a:r>
+              <a:rPr lang="en-US" dirty="0"/>
+              <a:t> folder</a:t>
+            </a:r>
+          </a:p>
+          <a:p>
+            <a:pPr marL="171450" indent="-171450">
+              <a:buFontTx/>
+              <a:buChar char="-"/>
+            </a:pPr>
+            <a:r>
+              <a:rPr lang="en-US" dirty="0"/>
+              <a:t>2 factors: View Compilation &amp; Runtime Store</a:t>
+            </a:r>
           </a:p>
         </p:txBody>
       </p:sp>
@@ -4766,18 +4666,78 @@
           <a:bodyPr/>
           <a:lstStyle/>
           <a:p>
+            <a:pPr marL="0" marR="0" lvl="0" indent="0" algn="r" defTabSz="457200" rtl="0" eaLnBrk="1" fontAlgn="auto" latinLnBrk="0" hangingPunct="1">
+              <a:lnSpc>
+                <a:spcPct val="100000"/>
+              </a:lnSpc>
+              <a:spcBef>
+                <a:spcPts val="0"/>
+              </a:spcBef>
+              <a:spcAft>
+                <a:spcPts val="0"/>
+              </a:spcAft>
+              <a:buClrTx/>
+              <a:buSzTx/>
+              <a:buFontTx/>
+              <a:buNone/>
+              <a:tabLst/>
+              <a:defRPr/>
+            </a:pPr>
             <a:fld id="{16A87904-88DE-4022-A424-ACD2E6FC1751}" type="slidenum">
-              <a:rPr lang="en-US" smtClean="0"/>
+              <a:rPr kumimoji="0" lang="en-US" sz="1200" b="0" i="0" u="none" strike="noStrike" kern="1200" cap="none" spc="0" normalizeH="0" baseline="0" noProof="0" smtClean="0">
+                <a:ln>
+                  <a:noFill/>
+                </a:ln>
+                <a:solidFill>
+                  <a:prstClr val="black"/>
+                </a:solidFill>
+                <a:effectLst/>
+                <a:uLnTx/>
+                <a:uFillTx/>
+                <a:latin typeface="Calibri" panose="020F0502020204030204"/>
+                <a:ea typeface="+mn-ea"/>
+                <a:cs typeface="+mn-cs"/>
+              </a:rPr>
+              <a:pPr marL="0" marR="0" lvl="0" indent="0" algn="r" defTabSz="457200" rtl="0" eaLnBrk="1" fontAlgn="auto" latinLnBrk="0" hangingPunct="1">
+                <a:lnSpc>
+                  <a:spcPct val="100000"/>
+                </a:lnSpc>
+                <a:spcBef>
+                  <a:spcPts val="0"/>
+                </a:spcBef>
+                <a:spcAft>
+                  <a:spcPts val="0"/>
+                </a:spcAft>
+                <a:buClrTx/>
+                <a:buSzTx/>
+                <a:buFontTx/>
+                <a:buNone/>
+                <a:tabLst/>
+                <a:defRPr/>
+              </a:pPr>
               <a:t>3</a:t>
             </a:fld>
-            <a:endParaRPr lang="en-US"/>
+            <a:endParaRPr kumimoji="0" lang="en-US" sz="1200" b="0" i="0" u="none" strike="noStrike" kern="1200" cap="none" spc="0" normalizeH="0" baseline="0" noProof="0">
+              <a:ln>
+                <a:noFill/>
+              </a:ln>
+              <a:solidFill>
+                <a:prstClr val="black"/>
+              </a:solidFill>
+              <a:effectLst/>
+              <a:uLnTx/>
+              <a:uFillTx/>
+              <a:latin typeface="Calibri" panose="020F0502020204030204"/>
+              <a:ea typeface="+mn-ea"/>
+              <a:cs typeface="+mn-cs"/>
+            </a:endParaRPr>
           </a:p>
         </p:txBody>
       </p:sp>
     </p:spTree>
     <p:extLst>
       <p:ext uri="{BB962C8B-B14F-4D97-AF65-F5344CB8AC3E}">
-        <p14:creationId xmlns:p14="http://schemas.microsoft.com/office/powerpoint/2010/main" val="2425393372"/>
+        <p14:creationId xmlns:p14="http://schemas.microsoft.com/office/powerpoint/2010/main" val="3226418743"/>
       </p:ext>
     </p:extLst>
   </p:cSld>
@@ -4831,7 +4791,10 @@
           <a:bodyPr/>
           <a:lstStyle/>
           <a:p>
-            <a:endParaRPr lang="en-US" dirty="0"/>
+            <a:r>
+              <a:rPr lang="en-US" dirty="0"/>
+              <a:t>On by default</a:t>
+            </a:r>
           </a:p>
         </p:txBody>
       </p:sp>
@@ -4850,7 +4813,7 @@
           <a:bodyPr/>
           <a:lstStyle/>
           <a:p>
-            <a:pPr marL="0" marR="0" lvl="0" indent="0" defTabSz="914400" eaLnBrk="1" fontAlgn="auto" latinLnBrk="0" hangingPunct="1">
+            <a:pPr marL="0" marR="0" lvl="0" indent="0" algn="r" defTabSz="457200" rtl="0" eaLnBrk="1" fontAlgn="auto" latinLnBrk="0" hangingPunct="1">
               <a:lnSpc>
                 <a:spcPct val="100000"/>
               </a:lnSpc>
@@ -4868,18 +4831,21 @@
               <a:defRPr/>
             </a:pPr>
             <a:fld id="{16A87904-88DE-4022-A424-ACD2E6FC1751}" type="slidenum">
-              <a:rPr kumimoji="0" lang="en-US" sz="1800" b="0" i="0" u="none" strike="noStrike" kern="0" cap="none" spc="0" normalizeH="0" baseline="0" noProof="0" smtClean="0">
+              <a:rPr kumimoji="0" lang="en-US" sz="1200" b="0" i="0" u="none" strike="noStrike" kern="1200" cap="none" spc="0" normalizeH="0" baseline="0" noProof="0" smtClean="0">
                 <a:ln>
                   <a:noFill/>
                 </a:ln>
                 <a:solidFill>
-                  <a:sysClr val="windowText" lastClr="000000"/>
+                  <a:prstClr val="black"/>
                 </a:solidFill>
                 <a:effectLst/>
                 <a:uLnTx/>
                 <a:uFillTx/>
+                <a:latin typeface="Calibri" panose="020F0502020204030204"/>
+                <a:ea typeface="+mn-ea"/>
+                <a:cs typeface="+mn-cs"/>
               </a:rPr>
-              <a:pPr marL="0" marR="0" lvl="0" indent="0" defTabSz="914400" eaLnBrk="1" fontAlgn="auto" latinLnBrk="0" hangingPunct="1">
+              <a:pPr marL="0" marR="0" lvl="0" indent="0" algn="r" defTabSz="457200" rtl="0" eaLnBrk="1" fontAlgn="auto" latinLnBrk="0" hangingPunct="1">
                 <a:lnSpc>
                   <a:spcPct val="100000"/>
                 </a:lnSpc>
@@ -4898,16 +4864,19 @@
               </a:pPr>
               <a:t>4</a:t>
             </a:fld>
-            <a:endParaRPr kumimoji="0" lang="en-US" sz="1800" b="0" i="0" u="none" strike="noStrike" kern="0" cap="none" spc="0" normalizeH="0" baseline="0" noProof="0" dirty="0">
+            <a:endParaRPr kumimoji="0" lang="en-US" sz="1200" b="0" i="0" u="none" strike="noStrike" kern="1200" cap="none" spc="0" normalizeH="0" baseline="0" noProof="0">
               <a:ln>
                 <a:noFill/>
               </a:ln>
               <a:solidFill>
-                <a:sysClr val="windowText" lastClr="000000"/>
+                <a:prstClr val="black"/>
               </a:solidFill>
               <a:effectLst/>
               <a:uLnTx/>
               <a:uFillTx/>
+              <a:latin typeface="Calibri" panose="020F0502020204030204"/>
+              <a:ea typeface="+mn-ea"/>
+              <a:cs typeface="+mn-cs"/>
             </a:endParaRPr>
           </a:p>
         </p:txBody>
@@ -4915,7 +4884,7 @@
     </p:spTree>
     <p:extLst>
       <p:ext uri="{BB962C8B-B14F-4D97-AF65-F5344CB8AC3E}">
-        <p14:creationId xmlns:p14="http://schemas.microsoft.com/office/powerpoint/2010/main" val="2008151646"/>
+        <p14:creationId xmlns:p14="http://schemas.microsoft.com/office/powerpoint/2010/main" val="1053288953"/>
       </p:ext>
     </p:extLst>
   </p:cSld>
@@ -4969,7 +4938,37 @@
           <a:bodyPr/>
           <a:lstStyle/>
           <a:p>
-            <a:endParaRPr lang="en-US"/>
+            <a:pPr marL="171450" indent="-171450">
+              <a:buFontTx/>
+              <a:buChar char="-"/>
+            </a:pPr>
+            <a:r>
+              <a:rPr lang="en-US" dirty="0"/>
+              <a:t>.NET Core 2.0 only (no .NET </a:t>
+            </a:r>
+            <a:r>
+              <a:rPr lang="en-US" dirty="0" err="1"/>
+              <a:t>Fx</a:t>
+            </a:r>
+            <a:r>
+              <a:rPr lang="en-US" dirty="0"/>
+              <a:t> support)</a:t>
+            </a:r>
+          </a:p>
+          <a:p>
+            <a:pPr marL="171450" indent="-171450">
+              <a:buFontTx/>
+              <a:buChar char="-"/>
+            </a:pPr>
+            <a:r>
+              <a:rPr lang="en-US" dirty="0"/>
+              <a:t>Package version aligns w/ </a:t>
+            </a:r>
+            <a:r>
+              <a:rPr lang="en-US"/>
+              <a:t>product version</a:t>
+            </a:r>
+            <a:endParaRPr lang="en-US" dirty="0"/>
           </a:p>
         </p:txBody>
       </p:sp>
@@ -4988,18 +4987,78 @@
           <a:bodyPr/>
           <a:lstStyle/>
           <a:p>
+            <a:pPr marL="0" marR="0" lvl="0" indent="0" algn="r" defTabSz="457200" rtl="0" eaLnBrk="1" fontAlgn="auto" latinLnBrk="0" hangingPunct="1">
+              <a:lnSpc>
+                <a:spcPct val="100000"/>
+              </a:lnSpc>
+              <a:spcBef>
+                <a:spcPts val="0"/>
+              </a:spcBef>
+              <a:spcAft>
+                <a:spcPts val="0"/>
+              </a:spcAft>
+              <a:buClrTx/>
+              <a:buSzTx/>
+              <a:buFontTx/>
+              <a:buNone/>
+              <a:tabLst/>
+              <a:defRPr/>
+            </a:pPr>
             <a:fld id="{16A87904-88DE-4022-A424-ACD2E6FC1751}" type="slidenum">
-              <a:rPr lang="en-US" smtClean="0"/>
+              <a:rPr kumimoji="0" lang="en-US" sz="1200" b="0" i="0" u="none" strike="noStrike" kern="1200" cap="none" spc="0" normalizeH="0" baseline="0" noProof="0" smtClean="0">
+                <a:ln>
+                  <a:noFill/>
+                </a:ln>
+                <a:solidFill>
+                  <a:prstClr val="black"/>
+                </a:solidFill>
+                <a:effectLst/>
+                <a:uLnTx/>
+                <a:uFillTx/>
+                <a:latin typeface="Calibri" panose="020F0502020204030204"/>
+                <a:ea typeface="+mn-ea"/>
+                <a:cs typeface="+mn-cs"/>
+              </a:rPr>
+              <a:pPr marL="0" marR="0" lvl="0" indent="0" algn="r" defTabSz="457200" rtl="0" eaLnBrk="1" fontAlgn="auto" latinLnBrk="0" hangingPunct="1">
+                <a:lnSpc>
+                  <a:spcPct val="100000"/>
+                </a:lnSpc>
+                <a:spcBef>
+                  <a:spcPts val="0"/>
+                </a:spcBef>
+                <a:spcAft>
+                  <a:spcPts val="0"/>
+                </a:spcAft>
+                <a:buClrTx/>
+                <a:buSzTx/>
+                <a:buFontTx/>
+                <a:buNone/>
+                <a:tabLst/>
+                <a:defRPr/>
+              </a:pPr>
               <a:t>5</a:t>
             </a:fld>
-            <a:endParaRPr lang="en-US"/>
+            <a:endParaRPr kumimoji="0" lang="en-US" sz="1200" b="0" i="0" u="none" strike="noStrike" kern="1200" cap="none" spc="0" normalizeH="0" baseline="0" noProof="0">
+              <a:ln>
+                <a:noFill/>
+              </a:ln>
+              <a:solidFill>
+                <a:prstClr val="black"/>
+              </a:solidFill>
+              <a:effectLst/>
+              <a:uLnTx/>
+              <a:uFillTx/>
+              <a:latin typeface="Calibri" panose="020F0502020204030204"/>
+              <a:ea typeface="+mn-ea"/>
+              <a:cs typeface="+mn-cs"/>
+            </a:endParaRPr>
           </a:p>
         </p:txBody>
       </p:sp>
     </p:spTree>
     <p:extLst>
       <p:ext uri="{BB962C8B-B14F-4D97-AF65-F5344CB8AC3E}">
-        <p14:creationId xmlns:p14="http://schemas.microsoft.com/office/powerpoint/2010/main" val="1039297501"/>
+        <p14:creationId xmlns:p14="http://schemas.microsoft.com/office/powerpoint/2010/main" val="945789481"/>
       </p:ext>
     </p:extLst>
   </p:cSld>
@@ -5053,26 +5112,17 @@
           <a:bodyPr/>
           <a:lstStyle/>
           <a:p>
-            <a:pPr marL="171450" marR="0" lvl="0" indent="-171450" algn="l" defTabSz="914400" rtl="0" eaLnBrk="1" fontAlgn="auto" latinLnBrk="0" hangingPunct="1">
-              <a:lnSpc>
-                <a:spcPct val="100000"/>
-              </a:lnSpc>
-              <a:spcBef>
-                <a:spcPts val="0"/>
-              </a:spcBef>
-              <a:spcAft>
-                <a:spcPts val="0"/>
-              </a:spcAft>
-              <a:buClrTx/>
-              <a:buSzTx/>
-              <a:buFontTx/>
-              <a:buChar char="-"/>
-              <a:tabLst/>
-              <a:defRPr/>
-            </a:pPr>
             <a:r>
               <a:rPr lang="en-US" dirty="0"/>
-              <a:t>1.x is the “donut of ASP.NET Core”</a:t>
+              <a:t>-   all EF Core &amp; ASP.NET Core deps (incl. 3</a:t>
+            </a:r>
+            <a:r>
+              <a:rPr lang="en-US" baseline="30000" dirty="0"/>
+              <a:t>rd</a:t>
+            </a:r>
+            <a:r>
+              <a:rPr lang="en-US" dirty="0"/>
+              <a:t> party)</a:t>
             </a:r>
           </a:p>
           <a:p>
@@ -5082,15 +5132,7 @@
             </a:pPr>
             <a:r>
               <a:rPr lang="en-US" dirty="0"/>
-              <a:t>Release mode, FDD publish, </a:t>
-            </a:r>
-            <a:r>
-              <a:rPr lang="en-US" dirty="0" err="1"/>
-              <a:t>PublishOutput</a:t>
-            </a:r>
-            <a:r>
-              <a:rPr lang="en-US" dirty="0"/>
-              <a:t> folder</a:t>
+              <a:t>FDD only</a:t>
             </a:r>
           </a:p>
           <a:p>
@@ -5100,7 +5142,7 @@
             </a:pPr>
             <a:r>
               <a:rPr lang="en-US" dirty="0"/>
-              <a:t>2 factors: View Compilation &amp; Runtime Store</a:t>
+              <a:t>installed w/ .NET Core 2.0 SDK</a:t>
             </a:r>
           </a:p>
         </p:txBody>
@@ -5191,7 +5233,7 @@
     </p:spTree>
     <p:extLst>
       <p:ext uri="{BB962C8B-B14F-4D97-AF65-F5344CB8AC3E}">
-        <p14:creationId xmlns:p14="http://schemas.microsoft.com/office/powerpoint/2010/main" val="3226418743"/>
+        <p14:creationId xmlns:p14="http://schemas.microsoft.com/office/powerpoint/2010/main" val="3309239607"/>
       </p:ext>
     </p:extLst>
   </p:cSld>
@@ -5245,10 +5287,7 @@
           <a:bodyPr/>
           <a:lstStyle/>
           <a:p>
-            <a:r>
-              <a:rPr lang="en-US" dirty="0"/>
-              <a:t>On by default</a:t>
-            </a:r>
+            <a:endParaRPr lang="en-US" dirty="0"/>
           </a:p>
         </p:txBody>
       </p:sp>
@@ -5267,78 +5306,18 @@
           <a:bodyPr/>
           <a:lstStyle/>
           <a:p>
-            <a:pPr marL="0" marR="0" lvl="0" indent="0" algn="r" defTabSz="457200" rtl="0" eaLnBrk="1" fontAlgn="auto" latinLnBrk="0" hangingPunct="1">
-              <a:lnSpc>
-                <a:spcPct val="100000"/>
-              </a:lnSpc>
-              <a:spcBef>
-                <a:spcPts val="0"/>
-              </a:spcBef>
-              <a:spcAft>
-                <a:spcPts val="0"/>
-              </a:spcAft>
-              <a:buClrTx/>
-              <a:buSzTx/>
-              <a:buFontTx/>
-              <a:buNone/>
-              <a:tabLst/>
-              <a:defRPr/>
-            </a:pPr>
             <a:fld id="{16A87904-88DE-4022-A424-ACD2E6FC1751}" type="slidenum">
-              <a:rPr kumimoji="0" lang="en-US" sz="1200" b="0" i="0" u="none" strike="noStrike" kern="1200" cap="none" spc="0" normalizeH="0" baseline="0" noProof="0" smtClean="0">
-                <a:ln>
-                  <a:noFill/>
-                </a:ln>
-                <a:solidFill>
-                  <a:prstClr val="black"/>
-                </a:solidFill>
-                <a:effectLst/>
-                <a:uLnTx/>
-                <a:uFillTx/>
-                <a:latin typeface="Calibri" panose="020F0502020204030204"/>
-                <a:ea typeface="+mn-ea"/>
-                <a:cs typeface="+mn-cs"/>
-              </a:rPr>
-              <a:pPr marL="0" marR="0" lvl="0" indent="0" algn="r" defTabSz="457200" rtl="0" eaLnBrk="1" fontAlgn="auto" latinLnBrk="0" hangingPunct="1">
-                <a:lnSpc>
-                  <a:spcPct val="100000"/>
-                </a:lnSpc>
-                <a:spcBef>
-                  <a:spcPts val="0"/>
-                </a:spcBef>
-                <a:spcAft>
-                  <a:spcPts val="0"/>
-                </a:spcAft>
-                <a:buClrTx/>
-                <a:buSzTx/>
-                <a:buFontTx/>
-                <a:buNone/>
-                <a:tabLst/>
-                <a:defRPr/>
-              </a:pPr>
+              <a:rPr lang="en-US" smtClean="0"/>
               <a:t>7</a:t>
             </a:fld>
-            <a:endParaRPr kumimoji="0" lang="en-US" sz="1200" b="0" i="0" u="none" strike="noStrike" kern="1200" cap="none" spc="0" normalizeH="0" baseline="0" noProof="0">
-              <a:ln>
-                <a:noFill/>
-              </a:ln>
-              <a:solidFill>
-                <a:prstClr val="black"/>
-              </a:solidFill>
-              <a:effectLst/>
-              <a:uLnTx/>
-              <a:uFillTx/>
-              <a:latin typeface="Calibri" panose="020F0502020204030204"/>
-              <a:ea typeface="+mn-ea"/>
-              <a:cs typeface="+mn-cs"/>
-            </a:endParaRPr>
+            <a:endParaRPr lang="en-US"/>
           </a:p>
         </p:txBody>
       </p:sp>
     </p:spTree>
     <p:extLst>
       <p:ext uri="{BB962C8B-B14F-4D97-AF65-F5344CB8AC3E}">
-        <p14:creationId xmlns:p14="http://schemas.microsoft.com/office/powerpoint/2010/main" val="1053288953"/>
+        <p14:creationId xmlns:p14="http://schemas.microsoft.com/office/powerpoint/2010/main" val="932857803"/>
       </p:ext>
     </p:extLst>
   </p:cSld>
@@ -5392,37 +5371,7 @@
           <a:bodyPr/>
           <a:lstStyle/>
           <a:p>
-            <a:pPr marL="171450" indent="-171450">
-              <a:buFontTx/>
-              <a:buChar char="-"/>
-            </a:pPr>
-            <a:r>
-              <a:rPr lang="en-US" dirty="0"/>
-              <a:t>.NET Core 2.0 only (no .NET </a:t>
-            </a:r>
-            <a:r>
-              <a:rPr lang="en-US" dirty="0" err="1"/>
-              <a:t>Fx</a:t>
-            </a:r>
-            <a:r>
-              <a:rPr lang="en-US" dirty="0"/>
-              <a:t> support)</a:t>
-            </a:r>
-          </a:p>
-          <a:p>
-            <a:pPr marL="171450" indent="-171450">
-              <a:buFontTx/>
-              <a:buChar char="-"/>
-            </a:pPr>
-            <a:r>
-              <a:rPr lang="en-US" dirty="0"/>
-              <a:t>Package version aligns w/ </a:t>
-            </a:r>
-            <a:r>
-              <a:rPr lang="en-US"/>
-              <a:t>product version</a:t>
-            </a:r>
-            <a:endParaRPr lang="en-US" dirty="0"/>
+            <a:endParaRPr lang="en-US"/>
           </a:p>
         </p:txBody>
       </p:sp>
@@ -5441,78 +5390,18 @@
           <a:bodyPr/>
           <a:lstStyle/>
           <a:p>
-            <a:pPr marL="0" marR="0" lvl="0" indent="0" algn="r" defTabSz="457200" rtl="0" eaLnBrk="1" fontAlgn="auto" latinLnBrk="0" hangingPunct="1">
-              <a:lnSpc>
-                <a:spcPct val="100000"/>
-              </a:lnSpc>
-              <a:spcBef>
-                <a:spcPts val="0"/>
-              </a:spcBef>
-              <a:spcAft>
-                <a:spcPts val="0"/>
-              </a:spcAft>
-              <a:buClrTx/>
-              <a:buSzTx/>
-              <a:buFontTx/>
-              <a:buNone/>
-              <a:tabLst/>
-              <a:defRPr/>
-            </a:pPr>
             <a:fld id="{16A87904-88DE-4022-A424-ACD2E6FC1751}" type="slidenum">
-              <a:rPr kumimoji="0" lang="en-US" sz="1200" b="0" i="0" u="none" strike="noStrike" kern="1200" cap="none" spc="0" normalizeH="0" baseline="0" noProof="0" smtClean="0">
-                <a:ln>
-                  <a:noFill/>
-                </a:ln>
-                <a:solidFill>
-                  <a:prstClr val="black"/>
-                </a:solidFill>
-                <a:effectLst/>
-                <a:uLnTx/>
-                <a:uFillTx/>
-                <a:latin typeface="Calibri" panose="020F0502020204030204"/>
-                <a:ea typeface="+mn-ea"/>
-                <a:cs typeface="+mn-cs"/>
-              </a:rPr>
-              <a:pPr marL="0" marR="0" lvl="0" indent="0" algn="r" defTabSz="457200" rtl="0" eaLnBrk="1" fontAlgn="auto" latinLnBrk="0" hangingPunct="1">
-                <a:lnSpc>
-                  <a:spcPct val="100000"/>
-                </a:lnSpc>
-                <a:spcBef>
-                  <a:spcPts val="0"/>
-                </a:spcBef>
-                <a:spcAft>
-                  <a:spcPts val="0"/>
-                </a:spcAft>
-                <a:buClrTx/>
-                <a:buSzTx/>
-                <a:buFontTx/>
-                <a:buNone/>
-                <a:tabLst/>
-                <a:defRPr/>
-              </a:pPr>
+              <a:rPr lang="en-US" smtClean="0"/>
               <a:t>8</a:t>
             </a:fld>
-            <a:endParaRPr kumimoji="0" lang="en-US" sz="1200" b="0" i="0" u="none" strike="noStrike" kern="1200" cap="none" spc="0" normalizeH="0" baseline="0" noProof="0">
-              <a:ln>
-                <a:noFill/>
-              </a:ln>
-              <a:solidFill>
-                <a:prstClr val="black"/>
-              </a:solidFill>
-              <a:effectLst/>
-              <a:uLnTx/>
-              <a:uFillTx/>
-              <a:latin typeface="Calibri" panose="020F0502020204030204"/>
-              <a:ea typeface="+mn-ea"/>
-              <a:cs typeface="+mn-cs"/>
-            </a:endParaRPr>
+            <a:endParaRPr lang="en-US"/>
           </a:p>
         </p:txBody>
       </p:sp>
     </p:spTree>
     <p:extLst>
       <p:ext uri="{BB962C8B-B14F-4D97-AF65-F5344CB8AC3E}">
-        <p14:creationId xmlns:p14="http://schemas.microsoft.com/office/powerpoint/2010/main" val="945789481"/>
+        <p14:creationId xmlns:p14="http://schemas.microsoft.com/office/powerpoint/2010/main" val="1151958679"/>
       </p:ext>
     </p:extLst>
   </p:cSld>
@@ -5567,37 +5456,32 @@
           <a:lstStyle/>
           <a:p>
             <a:r>
+              <a:rPr lang="en-US" dirty="0" err="1"/>
+              <a:t>Program.cs</a:t>
+            </a:r>
+            <a:r>
               <a:rPr lang="en-US" dirty="0"/>
-              <a:t>-   all EF Core &amp; ASP.NET Core deps (incl. 3</a:t>
-            </a:r>
-            <a:r>
-              <a:rPr lang="en-US" baseline="30000" dirty="0"/>
-              <a:t>rd</a:t>
-            </a:r>
-            <a:r>
-              <a:rPr lang="en-US" dirty="0"/>
-              <a:t> party)</a:t>
-            </a:r>
-          </a:p>
-          <a:p>
-            <a:pPr marL="171450" indent="-171450">
-              <a:buFontTx/>
-              <a:buChar char="-"/>
-            </a:pPr>
-            <a:r>
-              <a:rPr lang="en-US" dirty="0"/>
-              <a:t>FDD only</a:t>
-            </a:r>
-          </a:p>
-          <a:p>
-            <a:pPr marL="171450" indent="-171450">
-              <a:buFontTx/>
-              <a:buChar char="-"/>
-            </a:pPr>
-            <a:r>
-              <a:rPr lang="en-US" dirty="0"/>
-              <a:t>installed w/ .NET Core 2.0 SDK</a:t>
-            </a:r>
+              <a:t> </a:t>
+            </a:r>
+            <a:r>
+              <a:rPr lang="en-US" dirty="0">
+                <a:sym typeface="Wingdings" panose="05000000000000000000" pitchFamily="2" charset="2"/>
+              </a:rPr>
+              <a:t> </a:t>
+            </a:r>
+            <a:r>
+              <a:rPr lang="en-US" b="1" dirty="0" err="1">
+                <a:sym typeface="Wingdings" panose="05000000000000000000" pitchFamily="2" charset="2"/>
+              </a:rPr>
+              <a:t>CreateDefaultBuilder</a:t>
+            </a:r>
+            <a:r>
+              <a:rPr lang="en-US" dirty="0">
+                <a:sym typeface="Wingdings" panose="05000000000000000000" pitchFamily="2" charset="2"/>
+              </a:rPr>
+              <a:t> method handles boilerplate</a:t>
+            </a:r>
+            <a:endParaRPr lang="en-US" dirty="0"/>
           </a:p>
         </p:txBody>
       </p:sp>
@@ -5616,78 +5500,18 @@
           <a:bodyPr/>
           <a:lstStyle/>
           <a:p>
-            <a:pPr marL="0" marR="0" lvl="0" indent="0" algn="r" defTabSz="457200" rtl="0" eaLnBrk="1" fontAlgn="auto" latinLnBrk="0" hangingPunct="1">
-              <a:lnSpc>
-                <a:spcPct val="100000"/>
-              </a:lnSpc>
-              <a:spcBef>
-                <a:spcPts val="0"/>
-              </a:spcBef>
-              <a:spcAft>
-                <a:spcPts val="0"/>
-              </a:spcAft>
-              <a:buClrTx/>
-              <a:buSzTx/>
-              <a:buFontTx/>
-              <a:buNone/>
-              <a:tabLst/>
-              <a:defRPr/>
-            </a:pPr>
             <a:fld id="{16A87904-88DE-4022-A424-ACD2E6FC1751}" type="slidenum">
-              <a:rPr kumimoji="0" lang="en-US" sz="1200" b="0" i="0" u="none" strike="noStrike" kern="1200" cap="none" spc="0" normalizeH="0" baseline="0" noProof="0" smtClean="0">
-                <a:ln>
-                  <a:noFill/>
-                </a:ln>
-                <a:solidFill>
-                  <a:prstClr val="black"/>
-                </a:solidFill>
-                <a:effectLst/>
-                <a:uLnTx/>
-                <a:uFillTx/>
-                <a:latin typeface="Calibri" panose="020F0502020204030204"/>
-                <a:ea typeface="+mn-ea"/>
-                <a:cs typeface="+mn-cs"/>
-              </a:rPr>
-              <a:pPr marL="0" marR="0" lvl="0" indent="0" algn="r" defTabSz="457200" rtl="0" eaLnBrk="1" fontAlgn="auto" latinLnBrk="0" hangingPunct="1">
-                <a:lnSpc>
-                  <a:spcPct val="100000"/>
-                </a:lnSpc>
-                <a:spcBef>
-                  <a:spcPts val="0"/>
-                </a:spcBef>
-                <a:spcAft>
-                  <a:spcPts val="0"/>
-                </a:spcAft>
-                <a:buClrTx/>
-                <a:buSzTx/>
-                <a:buFontTx/>
-                <a:buNone/>
-                <a:tabLst/>
-                <a:defRPr/>
-              </a:pPr>
+              <a:rPr lang="en-US" smtClean="0"/>
               <a:t>9</a:t>
             </a:fld>
-            <a:endParaRPr kumimoji="0" lang="en-US" sz="1200" b="0" i="0" u="none" strike="noStrike" kern="1200" cap="none" spc="0" normalizeH="0" baseline="0" noProof="0">
-              <a:ln>
-                <a:noFill/>
-              </a:ln>
-              <a:solidFill>
-                <a:prstClr val="black"/>
-              </a:solidFill>
-              <a:effectLst/>
-              <a:uLnTx/>
-              <a:uFillTx/>
-              <a:latin typeface="Calibri" panose="020F0502020204030204"/>
-              <a:ea typeface="+mn-ea"/>
-              <a:cs typeface="+mn-cs"/>
-            </a:endParaRPr>
+            <a:endParaRPr lang="en-US"/>
           </a:p>
         </p:txBody>
       </p:sp>
     </p:spTree>
     <p:extLst>
       <p:ext uri="{BB962C8B-B14F-4D97-AF65-F5344CB8AC3E}">
-        <p14:creationId xmlns:p14="http://schemas.microsoft.com/office/powerpoint/2010/main" val="3309239607"/>
+        <p14:creationId xmlns:p14="http://schemas.microsoft.com/office/powerpoint/2010/main" val="1408417399"/>
       </p:ext>
     </p:extLst>
   </p:cSld>
@@ -5828,7 +5652,7 @@
           <a:p>
             <a:fld id="{EEC3160E-2579-4584-9765-DC1BA0B358F9}" type="datetimeFigureOut">
               <a:rPr lang="en-US" smtClean="0"/>
-              <a:t>10/16/2017</a:t>
+              <a:t>11/8/2017</a:t>
             </a:fld>
             <a:endParaRPr lang="en-US"/>
           </a:p>
@@ -5998,7 +5822,7 @@
           <a:p>
             <a:fld id="{EEC3160E-2579-4584-9765-DC1BA0B358F9}" type="datetimeFigureOut">
               <a:rPr lang="en-US" smtClean="0"/>
-              <a:t>10/16/2017</a:t>
+              <a:t>11/8/2017</a:t>
             </a:fld>
             <a:endParaRPr lang="en-US"/>
           </a:p>
@@ -6178,7 +6002,7 @@
           <a:p>
             <a:fld id="{EEC3160E-2579-4584-9765-DC1BA0B358F9}" type="datetimeFigureOut">
               <a:rPr lang="en-US" smtClean="0"/>
-              <a:t>10/16/2017</a:t>
+              <a:t>11/8/2017</a:t>
             </a:fld>
             <a:endParaRPr lang="en-US"/>
           </a:p>
@@ -8093,7 +7917,7 @@
           <a:p>
             <a:fld id="{EEC3160E-2579-4584-9765-DC1BA0B358F9}" type="datetimeFigureOut">
               <a:rPr lang="en-US" smtClean="0"/>
-              <a:t>10/16/2017</a:t>
+              <a:t>11/8/2017</a:t>
             </a:fld>
             <a:endParaRPr lang="en-US"/>
           </a:p>
@@ -9575,7 +9399,7 @@
           <a:p>
             <a:fld id="{EEC3160E-2579-4584-9765-DC1BA0B358F9}" type="datetimeFigureOut">
               <a:rPr lang="en-US" smtClean="0"/>
-              <a:t>10/16/2017</a:t>
+              <a:t>11/8/2017</a:t>
             </a:fld>
             <a:endParaRPr lang="en-US"/>
           </a:p>
@@ -10715,7 +10539,7 @@
           <a:p>
             <a:fld id="{EEC3160E-2579-4584-9765-DC1BA0B358F9}" type="datetimeFigureOut">
               <a:rPr lang="en-US" smtClean="0"/>
-              <a:t>10/16/2017</a:t>
+              <a:t>11/8/2017</a:t>
             </a:fld>
             <a:endParaRPr lang="en-US"/>
           </a:p>
@@ -11082,7 +10906,7 @@
           <a:p>
             <a:fld id="{EEC3160E-2579-4584-9765-DC1BA0B358F9}" type="datetimeFigureOut">
               <a:rPr lang="en-US" smtClean="0"/>
-              <a:t>10/16/2017</a:t>
+              <a:t>11/8/2017</a:t>
             </a:fld>
             <a:endParaRPr lang="en-US"/>
           </a:p>
@@ -11200,7 +11024,7 @@
           <a:p>
             <a:fld id="{EEC3160E-2579-4584-9765-DC1BA0B358F9}" type="datetimeFigureOut">
               <a:rPr lang="en-US" smtClean="0"/>
-              <a:t>10/16/2017</a:t>
+              <a:t>11/8/2017</a:t>
             </a:fld>
             <a:endParaRPr lang="en-US"/>
           </a:p>
@@ -11295,7 +11119,7 @@
           <a:p>
             <a:fld id="{EEC3160E-2579-4584-9765-DC1BA0B358F9}" type="datetimeFigureOut">
               <a:rPr lang="en-US" smtClean="0"/>
-              <a:t>10/16/2017</a:t>
+              <a:t>11/8/2017</a:t>
             </a:fld>
             <a:endParaRPr lang="en-US"/>
           </a:p>
@@ -11572,7 +11396,7 @@
           <a:p>
             <a:fld id="{EEC3160E-2579-4584-9765-DC1BA0B358F9}" type="datetimeFigureOut">
               <a:rPr lang="en-US" smtClean="0"/>
-              <a:t>10/16/2017</a:t>
+              <a:t>11/8/2017</a:t>
             </a:fld>
             <a:endParaRPr lang="en-US"/>
           </a:p>
@@ -11829,7 +11653,7 @@
           <a:p>
             <a:fld id="{EEC3160E-2579-4584-9765-DC1BA0B358F9}" type="datetimeFigureOut">
               <a:rPr lang="en-US" smtClean="0"/>
-              <a:t>10/16/2017</a:t>
+              <a:t>11/8/2017</a:t>
             </a:fld>
             <a:endParaRPr lang="en-US"/>
           </a:p>
@@ -12042,7 +11866,7 @@
           <a:p>
             <a:fld id="{EEC3160E-2579-4584-9765-DC1BA0B358F9}" type="datetimeFigureOut">
               <a:rPr lang="en-US" smtClean="0"/>
-              <a:t>10/16/2017</a:t>
+              <a:t>11/8/2017</a:t>
             </a:fld>
             <a:endParaRPr lang="en-US"/>
           </a:p>
@@ -14381,6 +14205,14 @@
 <file path=ppt/slides/slide1.xml><?xml version="1.0" encoding="utf-8"?>
 <p:sld xmlns:a="http://schemas.openxmlformats.org/drawingml/2006/main" xmlns:r="http://schemas.openxmlformats.org/officeDocument/2006/relationships" xmlns:p="http://schemas.openxmlformats.org/presentationml/2006/main">
   <p:cSld>
+    <p:bg>
+      <p:bgPr>
+        <a:solidFill>
+          <a:srgbClr val="7030A0"/>
+        </a:solidFill>
+        <a:effectLst/>
+      </p:bgPr>
+    </p:bg>
     <p:spTree>
       <p:nvGrpSpPr>
         <p:cNvPr id="1" name=""/>
@@ -14397,10 +14229,10 @@
       </p:grpSpPr>
       <p:pic>
         <p:nvPicPr>
-          <p:cNvPr id="5" name="Picture 4" descr="A screenshot of a cell phone&#10;&#10;Description generated with very high confidence">
+          <p:cNvPr id="13" name="Picture 12">
             <a:extLst>
               <a:ext uri="{FF2B5EF4-FFF2-40B4-BE49-F238E27FC236}">
-                <a16:creationId xmlns:a16="http://schemas.microsoft.com/office/drawing/2014/main" id="{357E7C0D-4A5C-4A66-BC48-4E9DBF20028E}"/>
+                <a16:creationId xmlns:a16="http://schemas.microsoft.com/office/drawing/2014/main" id="{A82AE72D-1EAB-4CAF-A6EB-CEE30FC935AA}"/>
               </a:ext>
             </a:extLst>
           </p:cNvPr>
@@ -14423,8 +14255,269 @@
         </p:blipFill>
         <p:spPr>
           <a:xfrm>
-            <a:off x="0" y="0"/>
-            <a:ext cx="12192000" cy="6858000"/>
+            <a:off x="-1160" y="0"/>
+            <a:ext cx="12193160" cy="3518745"/>
+          </a:xfrm>
+          <a:prstGeom prst="rect">
+            <a:avLst/>
+          </a:prstGeom>
+        </p:spPr>
+      </p:pic>
+      <p:pic>
+        <p:nvPicPr>
+          <p:cNvPr id="14" name="Picture 13">
+            <a:extLst>
+              <a:ext uri="{FF2B5EF4-FFF2-40B4-BE49-F238E27FC236}">
+                <a16:creationId xmlns:a16="http://schemas.microsoft.com/office/drawing/2014/main" id="{A63E95E6-20C5-44B7-BFA0-3AEC6FCB19A9}"/>
+              </a:ext>
+            </a:extLst>
+          </p:cNvPr>
+          <p:cNvPicPr>
+            <a:picLocks noChangeAspect="1"/>
+          </p:cNvPicPr>
+          <p:nvPr/>
+        </p:nvPicPr>
+        <p:blipFill>
+          <a:blip r:embed="rId3">
+            <a:extLst>
+              <a:ext uri="{28A0092B-C50C-407E-A947-70E740481C1C}">
+                <a14:useLocalDpi xmlns:a14="http://schemas.microsoft.com/office/drawing/2010/main" val="0"/>
+              </a:ext>
+            </a:extLst>
+          </a:blip>
+          <a:stretch>
+            <a:fillRect/>
+          </a:stretch>
+        </p:blipFill>
+        <p:spPr>
+          <a:xfrm rot="10800000">
+            <a:off x="0" y="3339255"/>
+            <a:ext cx="12193160" cy="3518745"/>
+          </a:xfrm>
+          <a:prstGeom prst="rect">
+            <a:avLst/>
+          </a:prstGeom>
+        </p:spPr>
+      </p:pic>
+      <p:sp>
+        <p:nvSpPr>
+          <p:cNvPr id="3" name="Subtitle 2"/>
+          <p:cNvSpPr>
+            <a:spLocks noGrp="1"/>
+          </p:cNvSpPr>
+          <p:nvPr>
+            <p:ph type="subTitle" idx="1"/>
+          </p:nvPr>
+        </p:nvSpPr>
+        <p:spPr>
+          <a:xfrm>
+            <a:off x="1524000" y="5303109"/>
+            <a:ext cx="9144000" cy="1040541"/>
+          </a:xfrm>
+          <a:solidFill>
+            <a:srgbClr val="6E3382"/>
+          </a:solidFill>
+          <a:ln>
+            <a:noFill/>
+          </a:ln>
+        </p:spPr>
+        <p:style>
+          <a:lnRef idx="0">
+            <a:scrgbClr r="0" g="0" b="0"/>
+          </a:lnRef>
+          <a:fillRef idx="0">
+            <a:scrgbClr r="0" g="0" b="0"/>
+          </a:fillRef>
+          <a:effectRef idx="0">
+            <a:scrgbClr r="0" g="0" b="0"/>
+          </a:effectRef>
+          <a:fontRef idx="minor">
+            <a:schemeClr val="lt1"/>
+          </a:fontRef>
+        </p:style>
+        <p:txBody>
+          <a:bodyPr>
+            <a:normAutofit/>
+          </a:bodyPr>
+          <a:lstStyle/>
+          <a:p>
+            <a:endParaRPr lang="en-US" sz="4800" b="1" dirty="0">
+              <a:latin typeface="+mj-lt"/>
+              <a:ea typeface="+mj-ea"/>
+              <a:cs typeface="+mj-cs"/>
+            </a:endParaRPr>
+          </a:p>
+        </p:txBody>
+      </p:sp>
+      <p:pic>
+        <p:nvPicPr>
+          <p:cNvPr id="7" name="Picture 6"/>
+          <p:cNvPicPr>
+            <a:picLocks noChangeAspect="1"/>
+          </p:cNvPicPr>
+          <p:nvPr/>
+        </p:nvPicPr>
+        <p:blipFill>
+          <a:blip r:embed="rId4">
+            <a:extLst>
+              <a:ext uri="{28A0092B-C50C-407E-A947-70E740481C1C}">
+                <a14:useLocalDpi xmlns:a14="http://schemas.microsoft.com/office/drawing/2010/main" val="0"/>
+              </a:ext>
+            </a:extLst>
+          </a:blip>
+          <a:stretch>
+            <a:fillRect/>
+          </a:stretch>
+        </p:blipFill>
+        <p:spPr>
+          <a:xfrm>
+            <a:off x="1593850" y="5361606"/>
+            <a:ext cx="925166" cy="923546"/>
+          </a:xfrm>
+          <a:prstGeom prst="rect">
+            <a:avLst/>
+          </a:prstGeom>
+        </p:spPr>
+      </p:pic>
+      <p:pic>
+        <p:nvPicPr>
+          <p:cNvPr id="11" name="MS logo white"/>
+          <p:cNvPicPr>
+            <a:picLocks noChangeAspect="1"/>
+          </p:cNvPicPr>
+          <p:nvPr/>
+        </p:nvPicPr>
+        <p:blipFill>
+          <a:blip r:embed="rId5" cstate="screen">
+            <a:extLst>
+              <a:ext uri="{28A0092B-C50C-407E-A947-70E740481C1C}">
+                <a14:useLocalDpi xmlns:a14="http://schemas.microsoft.com/office/drawing/2010/main"/>
+              </a:ext>
+            </a:extLst>
+          </a:blip>
+          <a:stretch>
+            <a:fillRect/>
+          </a:stretch>
+        </p:blipFill>
+        <p:spPr bwMode="gray">
+          <a:xfrm>
+            <a:off x="8813209" y="5655611"/>
+            <a:ext cx="1731976" cy="370540"/>
+          </a:xfrm>
+          <a:prstGeom prst="rect">
+            <a:avLst/>
+          </a:prstGeom>
+        </p:spPr>
+      </p:pic>
+      <p:sp>
+        <p:nvSpPr>
+          <p:cNvPr id="6" name="TextBox 5"/>
+          <p:cNvSpPr txBox="1"/>
+          <p:nvPr/>
+        </p:nvSpPr>
+        <p:spPr>
+          <a:xfrm>
+            <a:off x="2588866" y="5361606"/>
+            <a:ext cx="3018184" cy="861774"/>
+          </a:xfrm>
+          <a:prstGeom prst="rect">
+            <a:avLst/>
+          </a:prstGeom>
+          <a:noFill/>
+        </p:spPr>
+        <p:txBody>
+          <a:bodyPr wrap="square" rtlCol="0">
+            <a:spAutoFit/>
+          </a:bodyPr>
+          <a:lstStyle/>
+          <a:p>
+            <a:r>
+              <a:rPr lang="en-US" b="1" dirty="0"/>
+              <a:t>Scott Addie</a:t>
+            </a:r>
+          </a:p>
+          <a:p>
+            <a:r>
+              <a:rPr lang="en-US" sz="1600" b="1" dirty="0"/>
+              <a:t>Senior Content Developer</a:t>
+            </a:r>
+          </a:p>
+          <a:p>
+            <a:r>
+              <a:rPr lang="en-US" sz="1600" b="1" dirty="0"/>
+              <a:t>@</a:t>
+            </a:r>
+            <a:r>
+              <a:rPr lang="en-US" sz="1600" b="1" dirty="0" err="1"/>
+              <a:t>Scott_Addie</a:t>
+            </a:r>
+            <a:endParaRPr lang="en-US" sz="1600" b="1" dirty="0"/>
+          </a:p>
+        </p:txBody>
+      </p:sp>
+      <p:sp>
+        <p:nvSpPr>
+          <p:cNvPr id="2" name="Title 1"/>
+          <p:cNvSpPr>
+            <a:spLocks noGrp="1"/>
+          </p:cNvSpPr>
+          <p:nvPr>
+            <p:ph type="ctrTitle"/>
+          </p:nvPr>
+        </p:nvSpPr>
+        <p:spPr>
+          <a:xfrm>
+            <a:off x="-2320" y="1122363"/>
+            <a:ext cx="12194320" cy="2387600"/>
+          </a:xfrm>
+          <a:solidFill>
+            <a:srgbClr val="6E3382"/>
+          </a:solidFill>
+        </p:spPr>
+        <p:txBody>
+          <a:bodyPr anchor="ctr">
+            <a:normAutofit/>
+          </a:bodyPr>
+          <a:lstStyle/>
+          <a:p>
+            <a:r>
+              <a:rPr lang="en-US" sz="4800" b="1" dirty="0"/>
+              <a:t>What’s new in ASP.NET Core 2.0</a:t>
+            </a:r>
+            <a:endParaRPr lang="en-US" sz="4000" b="1" dirty="0"/>
+          </a:p>
+        </p:txBody>
+      </p:sp>
+      <p:pic>
+        <p:nvPicPr>
+          <p:cNvPr id="12" name="Picture 11" descr="A close up of a toy&#10;&#10;Description generated with high confidence">
+            <a:extLst>
+              <a:ext uri="{FF2B5EF4-FFF2-40B4-BE49-F238E27FC236}">
+                <a16:creationId xmlns:a16="http://schemas.microsoft.com/office/drawing/2014/main" id="{085B702E-14D6-4B82-9E01-0A7BB8FDFD9C}"/>
+              </a:ext>
+            </a:extLst>
+          </p:cNvPr>
+          <p:cNvPicPr>
+            <a:picLocks noChangeAspect="1"/>
+          </p:cNvPicPr>
+          <p:nvPr/>
+        </p:nvPicPr>
+        <p:blipFill>
+          <a:blip r:embed="rId6">
+            <a:extLst>
+              <a:ext uri="{28A0092B-C50C-407E-A947-70E740481C1C}">
+                <a14:useLocalDpi xmlns:a14="http://schemas.microsoft.com/office/drawing/2010/main" val="0"/>
+              </a:ext>
+            </a:extLst>
+          </a:blip>
+          <a:stretch>
+            <a:fillRect/>
+          </a:stretch>
+        </p:blipFill>
+        <p:spPr>
+          <a:xfrm>
+            <a:off x="8488721" y="2626919"/>
+            <a:ext cx="2380952" cy="2676190"/>
           </a:xfrm>
           <a:prstGeom prst="rect">
             <a:avLst/>
@@ -14434,25 +14527,13 @@
     </p:spTree>
     <p:extLst>
       <p:ext uri="{BB962C8B-B14F-4D97-AF65-F5344CB8AC3E}">
-        <p14:creationId xmlns:p14="http://schemas.microsoft.com/office/powerpoint/2010/main" val="1114018295"/>
+        <p14:creationId xmlns:p14="http://schemas.microsoft.com/office/powerpoint/2010/main" val="253120356"/>
       </p:ext>
     </p:extLst>
   </p:cSld>
   <p:clrMapOvr>
     <a:masterClrMapping/>
   </p:clrMapOvr>
-  <mc:AlternateContent xmlns:mc="http://schemas.openxmlformats.org/markup-compatibility/2006" xmlns:p14="http://schemas.microsoft.com/office/powerpoint/2010/main">
-    <mc:Choice Requires="p14">
-      <p:transition spd="med" p14:dur="700" advTm="10000">
-        <p:fade/>
-      </p:transition>
-    </mc:Choice>
-    <mc:Fallback xmlns="">
-      <p:transition spd="med" advTm="10000">
-        <p:fade/>
-      </p:transition>
-    </mc:Fallback>
-  </mc:AlternateContent>
 </p:sld>
 </file>
 
@@ -14536,3050 +14617,6 @@
           <a:p>
             <a:r>
               <a:rPr lang="en-US" dirty="0"/>
-              <a:t>Create a custom runtime store</a:t>
-            </a:r>
-          </a:p>
-        </p:txBody>
-      </p:sp>
-    </p:spTree>
-    <p:extLst>
-      <p:ext uri="{BB962C8B-B14F-4D97-AF65-F5344CB8AC3E}">
-        <p14:creationId xmlns:p14="http://schemas.microsoft.com/office/powerpoint/2010/main" val="1013864104"/>
-      </p:ext>
-    </p:extLst>
-  </p:cSld>
-  <p:clrMapOvr>
-    <a:masterClrMapping/>
-  </p:clrMapOvr>
-</p:sld>
-</file>
-
-<file path=ppt/slides/slide11.xml><?xml version="1.0" encoding="utf-8"?>
-<p:sld xmlns:a="http://schemas.openxmlformats.org/drawingml/2006/main" xmlns:r="http://schemas.openxmlformats.org/officeDocument/2006/relationships" xmlns:p="http://schemas.openxmlformats.org/presentationml/2006/main">
-  <p:cSld>
-    <p:bg>
-      <p:bgPr>
-        <a:solidFill>
-          <a:srgbClr val="505050"/>
-        </a:solidFill>
-        <a:effectLst/>
-      </p:bgPr>
-    </p:bg>
-    <p:spTree>
-      <p:nvGrpSpPr>
-        <p:cNvPr id="1" name=""/>
-        <p:cNvGrpSpPr/>
-        <p:nvPr/>
-      </p:nvGrpSpPr>
-      <p:grpSpPr>
-        <a:xfrm>
-          <a:off x="0" y="0"/>
-          <a:ext cx="0" cy="0"/>
-          <a:chOff x="0" y="0"/>
-          <a:chExt cx="0" cy="0"/>
-        </a:xfrm>
-      </p:grpSpPr>
-      <p:graphicFrame>
-        <p:nvGraphicFramePr>
-          <p:cNvPr id="6" name="Table 5">
-            <a:extLst>
-              <a:ext uri="{FF2B5EF4-FFF2-40B4-BE49-F238E27FC236}">
-                <a16:creationId xmlns:a16="http://schemas.microsoft.com/office/drawing/2014/main" id="{7DACCB6B-A346-4FFD-B676-32CFC6E35913}"/>
-              </a:ext>
-            </a:extLst>
-          </p:cNvPr>
-          <p:cNvGraphicFramePr>
-            <a:graphicFrameLocks noGrp="1"/>
-          </p:cNvGraphicFramePr>
-          <p:nvPr>
-            <p:extLst>
-              <p:ext uri="{D42A27DB-BD31-4B8C-83A1-F6EECF244321}">
-                <p14:modId xmlns:p14="http://schemas.microsoft.com/office/powerpoint/2010/main" val="2453041393"/>
-              </p:ext>
-            </p:extLst>
-          </p:nvPr>
-        </p:nvGraphicFramePr>
-        <p:xfrm>
-          <a:off x="838200" y="2278003"/>
-          <a:ext cx="7995249" cy="4206240"/>
-        </p:xfrm>
-        <a:graphic>
-          <a:graphicData uri="http://schemas.openxmlformats.org/drawingml/2006/table">
-            <a:tbl>
-              <a:tblPr firstRow="1" bandRow="1">
-                <a:tableStyleId>{5C22544A-7EE6-4342-B048-85BDC9FD1C3A}</a:tableStyleId>
-              </a:tblPr>
-              <a:tblGrid>
-                <a:gridCol w="7995249">
-                  <a:extLst>
-                    <a:ext uri="{9D8B030D-6E8A-4147-A177-3AD203B41FA5}">
-                      <a16:colId xmlns:a16="http://schemas.microsoft.com/office/drawing/2014/main" val="1057070397"/>
-                    </a:ext>
-                  </a:extLst>
-                </a:gridCol>
-              </a:tblGrid>
-              <a:tr h="584446">
-                <a:tc>
-                  <a:txBody>
-                    <a:bodyPr/>
-                    <a:lstStyle/>
-                    <a:p>
-                      <a:r>
-                        <a:rPr lang="en-US" sz="1800" dirty="0">
-                          <a:solidFill>
-                            <a:srgbClr val="0000FF"/>
-                          </a:solidFill>
-                          <a:latin typeface="Consolas" panose="020B0609020204030204" pitchFamily="49" charset="0"/>
-                        </a:rPr>
-                        <a:t>public</a:t>
-                      </a:r>
-                      <a:r>
-                        <a:rPr lang="en-US" sz="1800" dirty="0">
-                          <a:solidFill>
-                            <a:srgbClr val="000000"/>
-                          </a:solidFill>
-                          <a:latin typeface="Consolas" panose="020B0609020204030204" pitchFamily="49" charset="0"/>
-                        </a:rPr>
-                        <a:t> </a:t>
-                      </a:r>
-                      <a:r>
-                        <a:rPr lang="en-US" sz="1800" dirty="0">
-                          <a:solidFill>
-                            <a:srgbClr val="0000FF"/>
-                          </a:solidFill>
-                          <a:latin typeface="Consolas" panose="020B0609020204030204" pitchFamily="49" charset="0"/>
-                        </a:rPr>
-                        <a:t>class</a:t>
-                      </a:r>
-                      <a:r>
-                        <a:rPr lang="en-US" sz="1800" dirty="0">
-                          <a:solidFill>
-                            <a:srgbClr val="000000"/>
-                          </a:solidFill>
-                          <a:latin typeface="Consolas" panose="020B0609020204030204" pitchFamily="49" charset="0"/>
-                        </a:rPr>
-                        <a:t> </a:t>
-                      </a:r>
-                      <a:r>
-                        <a:rPr lang="en-US" sz="1800" dirty="0">
-                          <a:solidFill>
-                            <a:srgbClr val="2B91AF"/>
-                          </a:solidFill>
-                          <a:latin typeface="Consolas" panose="020B0609020204030204" pitchFamily="49" charset="0"/>
-                        </a:rPr>
-                        <a:t>Program</a:t>
-                      </a:r>
-                      <a:endParaRPr lang="en-US" sz="1800" dirty="0">
-                        <a:solidFill>
-                          <a:srgbClr val="000000"/>
-                        </a:solidFill>
-                        <a:latin typeface="Consolas" panose="020B0609020204030204" pitchFamily="49" charset="0"/>
-                      </a:endParaRPr>
-                    </a:p>
-                    <a:p>
-                      <a:r>
-                        <a:rPr lang="en-US" sz="1800" dirty="0">
-                          <a:solidFill>
-                            <a:srgbClr val="000000"/>
-                          </a:solidFill>
-                          <a:latin typeface="Consolas" panose="020B0609020204030204" pitchFamily="49" charset="0"/>
-                        </a:rPr>
-                        <a:t>{</a:t>
-                      </a:r>
-                    </a:p>
-                    <a:p>
-                      <a:r>
-                        <a:rPr lang="en-US" sz="1800" dirty="0">
-                          <a:solidFill>
-                            <a:srgbClr val="000000"/>
-                          </a:solidFill>
-                          <a:latin typeface="Consolas" panose="020B0609020204030204" pitchFamily="49" charset="0"/>
-                        </a:rPr>
-                        <a:t>    </a:t>
-                      </a:r>
-                      <a:r>
-                        <a:rPr lang="en-US" sz="1800" dirty="0">
-                          <a:solidFill>
-                            <a:srgbClr val="0000FF"/>
-                          </a:solidFill>
-                          <a:latin typeface="Consolas" panose="020B0609020204030204" pitchFamily="49" charset="0"/>
-                        </a:rPr>
-                        <a:t>public</a:t>
-                      </a:r>
-                      <a:r>
-                        <a:rPr lang="en-US" sz="1800" dirty="0">
-                          <a:solidFill>
-                            <a:srgbClr val="000000"/>
-                          </a:solidFill>
-                          <a:latin typeface="Consolas" panose="020B0609020204030204" pitchFamily="49" charset="0"/>
-                        </a:rPr>
-                        <a:t> </a:t>
-                      </a:r>
-                      <a:r>
-                        <a:rPr lang="en-US" sz="1800" dirty="0">
-                          <a:solidFill>
-                            <a:srgbClr val="0000FF"/>
-                          </a:solidFill>
-                          <a:latin typeface="Consolas" panose="020B0609020204030204" pitchFamily="49" charset="0"/>
-                        </a:rPr>
-                        <a:t>static</a:t>
-                      </a:r>
-                      <a:r>
-                        <a:rPr lang="en-US" sz="1800" dirty="0">
-                          <a:solidFill>
-                            <a:srgbClr val="000000"/>
-                          </a:solidFill>
-                          <a:latin typeface="Consolas" panose="020B0609020204030204" pitchFamily="49" charset="0"/>
-                        </a:rPr>
-                        <a:t> </a:t>
-                      </a:r>
-                      <a:r>
-                        <a:rPr lang="en-US" sz="1800" dirty="0">
-                          <a:solidFill>
-                            <a:srgbClr val="0000FF"/>
-                          </a:solidFill>
-                          <a:latin typeface="Consolas" panose="020B0609020204030204" pitchFamily="49" charset="0"/>
-                        </a:rPr>
-                        <a:t>void</a:t>
-                      </a:r>
-                      <a:r>
-                        <a:rPr lang="en-US" sz="1800" dirty="0">
-                          <a:solidFill>
-                            <a:srgbClr val="000000"/>
-                          </a:solidFill>
-                          <a:latin typeface="Consolas" panose="020B0609020204030204" pitchFamily="49" charset="0"/>
-                        </a:rPr>
-                        <a:t> Main(</a:t>
-                      </a:r>
-                      <a:r>
-                        <a:rPr lang="en-US" sz="1800" dirty="0">
-                          <a:solidFill>
-                            <a:srgbClr val="0000FF"/>
-                          </a:solidFill>
-                          <a:latin typeface="Consolas" panose="020B0609020204030204" pitchFamily="49" charset="0"/>
-                        </a:rPr>
-                        <a:t>string</a:t>
-                      </a:r>
-                      <a:r>
-                        <a:rPr lang="en-US" sz="1800" dirty="0">
-                          <a:solidFill>
-                            <a:srgbClr val="000000"/>
-                          </a:solidFill>
-                          <a:latin typeface="Consolas" panose="020B0609020204030204" pitchFamily="49" charset="0"/>
-                        </a:rPr>
-                        <a:t>[] </a:t>
-                      </a:r>
-                      <a:r>
-                        <a:rPr lang="en-US" sz="1800" dirty="0" err="1">
-                          <a:solidFill>
-                            <a:srgbClr val="000000"/>
-                          </a:solidFill>
-                          <a:latin typeface="Consolas" panose="020B0609020204030204" pitchFamily="49" charset="0"/>
-                        </a:rPr>
-                        <a:t>args</a:t>
-                      </a:r>
-                      <a:r>
-                        <a:rPr lang="en-US" sz="1800" dirty="0">
-                          <a:solidFill>
-                            <a:srgbClr val="000000"/>
-                          </a:solidFill>
-                          <a:latin typeface="Consolas" panose="020B0609020204030204" pitchFamily="49" charset="0"/>
-                        </a:rPr>
-                        <a:t>)</a:t>
-                      </a:r>
-                    </a:p>
-                    <a:p>
-                      <a:r>
-                        <a:rPr lang="en-US" sz="1800" dirty="0">
-                          <a:solidFill>
-                            <a:srgbClr val="000000"/>
-                          </a:solidFill>
-                          <a:latin typeface="Consolas" panose="020B0609020204030204" pitchFamily="49" charset="0"/>
-                        </a:rPr>
-                        <a:t>    {</a:t>
-                      </a:r>
-                    </a:p>
-                    <a:p>
-                      <a:r>
-                        <a:rPr lang="en-US" sz="1800" dirty="0">
-                          <a:solidFill>
-                            <a:srgbClr val="000000"/>
-                          </a:solidFill>
-                          <a:latin typeface="Consolas" panose="020B0609020204030204" pitchFamily="49" charset="0"/>
-                        </a:rPr>
-                        <a:t>        </a:t>
-                      </a:r>
-                      <a:r>
-                        <a:rPr lang="en-US" sz="1800" dirty="0" err="1">
-                          <a:solidFill>
-                            <a:srgbClr val="0000FF"/>
-                          </a:solidFill>
-                          <a:latin typeface="Consolas" panose="020B0609020204030204" pitchFamily="49" charset="0"/>
-                        </a:rPr>
-                        <a:t>var</a:t>
-                      </a:r>
-                      <a:r>
-                        <a:rPr lang="en-US" sz="1800" dirty="0">
-                          <a:solidFill>
-                            <a:srgbClr val="000000"/>
-                          </a:solidFill>
-                          <a:latin typeface="Consolas" panose="020B0609020204030204" pitchFamily="49" charset="0"/>
-                        </a:rPr>
-                        <a:t> host = </a:t>
-                      </a:r>
-                      <a:r>
-                        <a:rPr lang="en-US" sz="1800" dirty="0">
-                          <a:solidFill>
-                            <a:srgbClr val="0000FF"/>
-                          </a:solidFill>
-                          <a:latin typeface="Consolas" panose="020B0609020204030204" pitchFamily="49" charset="0"/>
-                        </a:rPr>
-                        <a:t>new</a:t>
-                      </a:r>
-                      <a:r>
-                        <a:rPr lang="en-US" sz="1800" dirty="0">
-                          <a:solidFill>
-                            <a:srgbClr val="000000"/>
-                          </a:solidFill>
-                          <a:latin typeface="Consolas" panose="020B0609020204030204" pitchFamily="49" charset="0"/>
-                        </a:rPr>
-                        <a:t> </a:t>
-                      </a:r>
-                      <a:r>
-                        <a:rPr lang="en-US" sz="1800" dirty="0" err="1">
-                          <a:solidFill>
-                            <a:srgbClr val="000000"/>
-                          </a:solidFill>
-                          <a:latin typeface="Consolas" panose="020B0609020204030204" pitchFamily="49" charset="0"/>
-                        </a:rPr>
-                        <a:t>WebHostBuilder</a:t>
-                      </a:r>
-                      <a:r>
-                        <a:rPr lang="en-US" sz="1800" dirty="0">
-                          <a:solidFill>
-                            <a:srgbClr val="000000"/>
-                          </a:solidFill>
-                          <a:latin typeface="Consolas" panose="020B0609020204030204" pitchFamily="49" charset="0"/>
-                        </a:rPr>
-                        <a:t>()</a:t>
-                      </a:r>
-                    </a:p>
-                    <a:p>
-                      <a:r>
-                        <a:rPr lang="en-US" sz="1800" dirty="0">
-                          <a:solidFill>
-                            <a:srgbClr val="000000"/>
-                          </a:solidFill>
-                          <a:latin typeface="Consolas" panose="020B0609020204030204" pitchFamily="49" charset="0"/>
-                        </a:rPr>
-                        <a:t>            .</a:t>
-                      </a:r>
-                      <a:r>
-                        <a:rPr lang="en-US" sz="1800" dirty="0" err="1">
-                          <a:solidFill>
-                            <a:srgbClr val="000000"/>
-                          </a:solidFill>
-                          <a:latin typeface="Consolas" panose="020B0609020204030204" pitchFamily="49" charset="0"/>
-                        </a:rPr>
-                        <a:t>UseKestrel</a:t>
-                      </a:r>
-                      <a:r>
-                        <a:rPr lang="en-US" sz="1800" dirty="0">
-                          <a:solidFill>
-                            <a:srgbClr val="000000"/>
-                          </a:solidFill>
-                          <a:latin typeface="Consolas" panose="020B0609020204030204" pitchFamily="49" charset="0"/>
-                        </a:rPr>
-                        <a:t>()</a:t>
-                      </a:r>
-                    </a:p>
-                    <a:p>
-                      <a:r>
-                        <a:rPr lang="en-US" sz="1800" dirty="0">
-                          <a:solidFill>
-                            <a:srgbClr val="000000"/>
-                          </a:solidFill>
-                          <a:latin typeface="Consolas" panose="020B0609020204030204" pitchFamily="49" charset="0"/>
-                        </a:rPr>
-                        <a:t>            .</a:t>
-                      </a:r>
-                      <a:r>
-                        <a:rPr lang="en-US" sz="1800" dirty="0" err="1">
-                          <a:solidFill>
-                            <a:srgbClr val="000000"/>
-                          </a:solidFill>
-                          <a:latin typeface="Consolas" panose="020B0609020204030204" pitchFamily="49" charset="0"/>
-                        </a:rPr>
-                        <a:t>UseContentRoot</a:t>
-                      </a:r>
-                      <a:r>
-                        <a:rPr lang="en-US" sz="1800" dirty="0">
-                          <a:solidFill>
-                            <a:srgbClr val="000000"/>
-                          </a:solidFill>
-                          <a:latin typeface="Consolas" panose="020B0609020204030204" pitchFamily="49" charset="0"/>
-                        </a:rPr>
-                        <a:t>(</a:t>
-                      </a:r>
-                      <a:r>
-                        <a:rPr lang="en-US" sz="1800" dirty="0" err="1">
-                          <a:solidFill>
-                            <a:srgbClr val="000000"/>
-                          </a:solidFill>
-                          <a:latin typeface="Consolas" panose="020B0609020204030204" pitchFamily="49" charset="0"/>
-                        </a:rPr>
-                        <a:t>Directory.GetCurrentDirectory</a:t>
-                      </a:r>
-                      <a:r>
-                        <a:rPr lang="en-US" sz="1800" dirty="0">
-                          <a:solidFill>
-                            <a:srgbClr val="000000"/>
-                          </a:solidFill>
-                          <a:latin typeface="Consolas" panose="020B0609020204030204" pitchFamily="49" charset="0"/>
-                        </a:rPr>
-                        <a:t>())</a:t>
-                      </a:r>
-                    </a:p>
-                    <a:p>
-                      <a:r>
-                        <a:rPr lang="en-US" sz="1800" dirty="0">
-                          <a:solidFill>
-                            <a:srgbClr val="000000"/>
-                          </a:solidFill>
-                          <a:latin typeface="Consolas" panose="020B0609020204030204" pitchFamily="49" charset="0"/>
-                        </a:rPr>
-                        <a:t>            .</a:t>
-                      </a:r>
-                      <a:r>
-                        <a:rPr lang="en-US" sz="1800" dirty="0" err="1">
-                          <a:solidFill>
-                            <a:srgbClr val="000000"/>
-                          </a:solidFill>
-                          <a:latin typeface="Consolas" panose="020B0609020204030204" pitchFamily="49" charset="0"/>
-                        </a:rPr>
-                        <a:t>UseIISIntegration</a:t>
-                      </a:r>
-                      <a:r>
-                        <a:rPr lang="en-US" sz="1800" dirty="0">
-                          <a:solidFill>
-                            <a:srgbClr val="000000"/>
-                          </a:solidFill>
-                          <a:latin typeface="Consolas" panose="020B0609020204030204" pitchFamily="49" charset="0"/>
-                        </a:rPr>
-                        <a:t>()</a:t>
-                      </a:r>
-                    </a:p>
-                    <a:p>
-                      <a:r>
-                        <a:rPr lang="en-US" sz="1800" dirty="0">
-                          <a:solidFill>
-                            <a:srgbClr val="000000"/>
-                          </a:solidFill>
-                          <a:latin typeface="Consolas" panose="020B0609020204030204" pitchFamily="49" charset="0"/>
-                        </a:rPr>
-                        <a:t>            .</a:t>
-                      </a:r>
-                      <a:r>
-                        <a:rPr lang="en-US" sz="1800" dirty="0" err="1">
-                          <a:solidFill>
-                            <a:srgbClr val="000000"/>
-                          </a:solidFill>
-                          <a:latin typeface="Consolas" panose="020B0609020204030204" pitchFamily="49" charset="0"/>
-                        </a:rPr>
-                        <a:t>UseStartup</a:t>
-                      </a:r>
-                      <a:r>
-                        <a:rPr lang="en-US" sz="1800" dirty="0">
-                          <a:solidFill>
-                            <a:srgbClr val="000000"/>
-                          </a:solidFill>
-                          <a:latin typeface="Consolas" panose="020B0609020204030204" pitchFamily="49" charset="0"/>
-                        </a:rPr>
-                        <a:t>&lt;Startup&gt;()</a:t>
-                      </a:r>
-                    </a:p>
-                    <a:p>
-                      <a:r>
-                        <a:rPr lang="en-US" sz="1800" dirty="0">
-                          <a:solidFill>
-                            <a:srgbClr val="000000"/>
-                          </a:solidFill>
-                          <a:latin typeface="Consolas" panose="020B0609020204030204" pitchFamily="49" charset="0"/>
-                        </a:rPr>
-                        <a:t>            .</a:t>
-                      </a:r>
-                      <a:r>
-                        <a:rPr lang="en-US" sz="1800" dirty="0" err="1">
-                          <a:solidFill>
-                            <a:srgbClr val="000000"/>
-                          </a:solidFill>
-                          <a:latin typeface="Consolas" panose="020B0609020204030204" pitchFamily="49" charset="0"/>
-                        </a:rPr>
-                        <a:t>UseApplicationInsights</a:t>
-                      </a:r>
-                      <a:r>
-                        <a:rPr lang="en-US" sz="1800" dirty="0">
-                          <a:solidFill>
-                            <a:srgbClr val="000000"/>
-                          </a:solidFill>
-                          <a:latin typeface="Consolas" panose="020B0609020204030204" pitchFamily="49" charset="0"/>
-                        </a:rPr>
-                        <a:t>()</a:t>
-                      </a:r>
-                    </a:p>
-                    <a:p>
-                      <a:r>
-                        <a:rPr lang="en-US" sz="1800" dirty="0">
-                          <a:solidFill>
-                            <a:srgbClr val="000000"/>
-                          </a:solidFill>
-                          <a:latin typeface="Consolas" panose="020B0609020204030204" pitchFamily="49" charset="0"/>
-                        </a:rPr>
-                        <a:t>            .Build();</a:t>
-                      </a:r>
-                    </a:p>
-                    <a:p>
-                      <a:endParaRPr lang="en-US" sz="1800" dirty="0">
-                        <a:solidFill>
-                          <a:srgbClr val="000000"/>
-                        </a:solidFill>
-                        <a:latin typeface="Consolas" panose="020B0609020204030204" pitchFamily="49" charset="0"/>
-                      </a:endParaRPr>
-                    </a:p>
-                    <a:p>
-                      <a:r>
-                        <a:rPr lang="en-US" sz="1800" dirty="0">
-                          <a:solidFill>
-                            <a:srgbClr val="000000"/>
-                          </a:solidFill>
-                          <a:latin typeface="Consolas" panose="020B0609020204030204" pitchFamily="49" charset="0"/>
-                        </a:rPr>
-                        <a:t>        </a:t>
-                      </a:r>
-                      <a:r>
-                        <a:rPr lang="en-US" sz="1800" dirty="0" err="1">
-                          <a:solidFill>
-                            <a:srgbClr val="000000"/>
-                          </a:solidFill>
-                          <a:latin typeface="Consolas" panose="020B0609020204030204" pitchFamily="49" charset="0"/>
-                        </a:rPr>
-                        <a:t>host.Run</a:t>
-                      </a:r>
-                      <a:r>
-                        <a:rPr lang="en-US" sz="1800" dirty="0">
-                          <a:solidFill>
-                            <a:srgbClr val="000000"/>
-                          </a:solidFill>
-                          <a:latin typeface="Consolas" panose="020B0609020204030204" pitchFamily="49" charset="0"/>
-                        </a:rPr>
-                        <a:t>();</a:t>
-                      </a:r>
-                    </a:p>
-                    <a:p>
-                      <a:r>
-                        <a:rPr lang="en-US" sz="1800" dirty="0">
-                          <a:solidFill>
-                            <a:srgbClr val="000000"/>
-                          </a:solidFill>
-                          <a:latin typeface="Consolas" panose="020B0609020204030204" pitchFamily="49" charset="0"/>
-                        </a:rPr>
-                        <a:t>    }</a:t>
-                      </a:r>
-                    </a:p>
-                    <a:p>
-                      <a:r>
-                        <a:rPr lang="en-US" sz="1800" dirty="0">
-                          <a:solidFill>
-                            <a:srgbClr val="000000"/>
-                          </a:solidFill>
-                          <a:latin typeface="Consolas" panose="020B0609020204030204" pitchFamily="49" charset="0"/>
-                        </a:rPr>
-                        <a:t>}</a:t>
-                      </a:r>
-                    </a:p>
-                  </a:txBody>
-                  <a:tcPr>
-                    <a:lnL w="12700" cap="flat" cmpd="sng" algn="ctr">
-                      <a:noFill/>
-                      <a:prstDash val="solid"/>
-                      <a:round/>
-                      <a:headEnd type="none" w="med" len="med"/>
-                      <a:tailEnd type="none" w="med" len="med"/>
-                    </a:lnL>
-                    <a:lnR w="12700" cap="flat" cmpd="sng" algn="ctr">
-                      <a:noFill/>
-                      <a:prstDash val="solid"/>
-                      <a:round/>
-                      <a:headEnd type="none" w="med" len="med"/>
-                      <a:tailEnd type="none" w="med" len="med"/>
-                    </a:lnR>
-                    <a:lnT w="12700" cap="flat" cmpd="sng" algn="ctr">
-                      <a:noFill/>
-                      <a:prstDash val="solid"/>
-                      <a:round/>
-                      <a:headEnd type="none" w="med" len="med"/>
-                      <a:tailEnd type="none" w="med" len="med"/>
-                    </a:lnT>
-                    <a:lnB w="12700" cap="flat" cmpd="sng" algn="ctr">
-                      <a:noFill/>
-                      <a:prstDash val="solid"/>
-                      <a:round/>
-                      <a:headEnd type="none" w="med" len="med"/>
-                      <a:tailEnd type="none" w="med" len="med"/>
-                    </a:lnB>
-                    <a:solidFill>
-                      <a:schemeClr val="tx1"/>
-                    </a:solidFill>
-                  </a:tcPr>
-                </a:tc>
-                <a:extLst>
-                  <a:ext uri="{0D108BD9-81ED-4DB2-BD59-A6C34878D82A}">
-                    <a16:rowId xmlns:a16="http://schemas.microsoft.com/office/drawing/2014/main" val="3473222697"/>
-                  </a:ext>
-                </a:extLst>
-              </a:tr>
-            </a:tbl>
-          </a:graphicData>
-        </a:graphic>
-      </p:graphicFrame>
-      <p:sp>
-        <p:nvSpPr>
-          <p:cNvPr id="5" name="Content Placeholder 4">
-            <a:extLst>
-              <a:ext uri="{FF2B5EF4-FFF2-40B4-BE49-F238E27FC236}">
-                <a16:creationId xmlns:a16="http://schemas.microsoft.com/office/drawing/2014/main" id="{9CFBC72C-AB15-47AB-8916-57F86A1148D5}"/>
-              </a:ext>
-            </a:extLst>
-          </p:cNvPr>
-          <p:cNvSpPr>
-            <a:spLocks noGrp="1"/>
-          </p:cNvSpPr>
-          <p:nvPr>
-            <p:ph idx="1"/>
-          </p:nvPr>
-        </p:nvSpPr>
-        <p:spPr>
-          <a:xfrm>
-            <a:off x="838200" y="1825625"/>
-            <a:ext cx="10515600" cy="4351338"/>
-          </a:xfrm>
-        </p:spPr>
-        <p:txBody>
-          <a:bodyPr/>
-          <a:lstStyle/>
-          <a:p>
-            <a:pPr marL="0" indent="0">
-              <a:buNone/>
-            </a:pPr>
-            <a:endParaRPr lang="en-US" dirty="0"/>
-          </a:p>
-        </p:txBody>
-      </p:sp>
-      <p:sp>
-        <p:nvSpPr>
-          <p:cNvPr id="9" name="Rectangle 8">
-            <a:extLst>
-              <a:ext uri="{FF2B5EF4-FFF2-40B4-BE49-F238E27FC236}">
-                <a16:creationId xmlns:a16="http://schemas.microsoft.com/office/drawing/2014/main" id="{B5A65503-54B9-4B87-848C-09B74EA16989}"/>
-              </a:ext>
-            </a:extLst>
-          </p:cNvPr>
-          <p:cNvSpPr/>
-          <p:nvPr/>
-        </p:nvSpPr>
-        <p:spPr>
-          <a:xfrm>
-            <a:off x="850988" y="1831434"/>
-            <a:ext cx="2900800" cy="446567"/>
-          </a:xfrm>
-          <a:prstGeom prst="rect">
-            <a:avLst/>
-          </a:prstGeom>
-          <a:ln w="57150">
-            <a:solidFill>
-              <a:schemeClr val="accent1">
-                <a:lumMod val="50000"/>
-              </a:schemeClr>
-            </a:solidFill>
-          </a:ln>
-        </p:spPr>
-        <p:style>
-          <a:lnRef idx="1">
-            <a:schemeClr val="accent1"/>
-          </a:lnRef>
-          <a:fillRef idx="2">
-            <a:schemeClr val="accent1"/>
-          </a:fillRef>
-          <a:effectRef idx="1">
-            <a:schemeClr val="accent1"/>
-          </a:effectRef>
-          <a:fontRef idx="minor">
-            <a:schemeClr val="dk1"/>
-          </a:fontRef>
-        </p:style>
-        <p:txBody>
-          <a:bodyPr rtlCol="0" anchor="ctr"/>
-          <a:lstStyle/>
-          <a:p>
-            <a:pPr algn="ctr"/>
-            <a:r>
-              <a:rPr lang="en-US" b="1" dirty="0" err="1"/>
-              <a:t>Program.cs</a:t>
-            </a:r>
-            <a:endParaRPr lang="en-US" b="1" dirty="0"/>
-          </a:p>
-        </p:txBody>
-      </p:sp>
-      <p:sp>
-        <p:nvSpPr>
-          <p:cNvPr id="4" name="Title 3">
-            <a:extLst>
-              <a:ext uri="{FF2B5EF4-FFF2-40B4-BE49-F238E27FC236}">
-                <a16:creationId xmlns:a16="http://schemas.microsoft.com/office/drawing/2014/main" id="{B71A2930-A580-46D5-894C-BB25FA5F1D99}"/>
-              </a:ext>
-            </a:extLst>
-          </p:cNvPr>
-          <p:cNvSpPr>
-            <a:spLocks noGrp="1"/>
-          </p:cNvSpPr>
-          <p:nvPr>
-            <p:ph type="title"/>
-          </p:nvPr>
-        </p:nvSpPr>
-        <p:spPr/>
-        <p:txBody>
-          <a:bodyPr/>
-          <a:lstStyle/>
-          <a:p>
-            <a:r>
-              <a:rPr lang="en-US" dirty="0"/>
-              <a:t>1.x </a:t>
-            </a:r>
-            <a:r>
-              <a:rPr lang="en-US" dirty="0" err="1"/>
-              <a:t>WebHost</a:t>
-            </a:r>
-            <a:r>
-              <a:rPr lang="en-US" dirty="0"/>
-              <a:t> / Startup recap</a:t>
-            </a:r>
-          </a:p>
-        </p:txBody>
-      </p:sp>
-      <p:graphicFrame>
-        <p:nvGraphicFramePr>
-          <p:cNvPr id="7" name="Table 6">
-            <a:extLst>
-              <a:ext uri="{FF2B5EF4-FFF2-40B4-BE49-F238E27FC236}">
-                <a16:creationId xmlns:a16="http://schemas.microsoft.com/office/drawing/2014/main" id="{EA076EF3-C1CD-4316-8EDE-08E7D16599DF}"/>
-              </a:ext>
-            </a:extLst>
-          </p:cNvPr>
-          <p:cNvGraphicFramePr>
-            <a:graphicFrameLocks noGrp="1"/>
-          </p:cNvGraphicFramePr>
-          <p:nvPr>
-            <p:extLst>
-              <p:ext uri="{D42A27DB-BD31-4B8C-83A1-F6EECF244321}">
-                <p14:modId xmlns:p14="http://schemas.microsoft.com/office/powerpoint/2010/main" val="1092362688"/>
-              </p:ext>
-            </p:extLst>
-          </p:nvPr>
-        </p:nvGraphicFramePr>
-        <p:xfrm>
-          <a:off x="1430547" y="2826643"/>
-          <a:ext cx="10515600" cy="3657600"/>
-        </p:xfrm>
-        <a:graphic>
-          <a:graphicData uri="http://schemas.openxmlformats.org/drawingml/2006/table">
-            <a:tbl>
-              <a:tblPr firstRow="1" bandRow="1">
-                <a:tableStyleId>{5C22544A-7EE6-4342-B048-85BDC9FD1C3A}</a:tableStyleId>
-              </a:tblPr>
-              <a:tblGrid>
-                <a:gridCol w="10515600">
-                  <a:extLst>
-                    <a:ext uri="{9D8B030D-6E8A-4147-A177-3AD203B41FA5}">
-                      <a16:colId xmlns:a16="http://schemas.microsoft.com/office/drawing/2014/main" val="1057070397"/>
-                    </a:ext>
-                  </a:extLst>
-                </a:gridCol>
-              </a:tblGrid>
-              <a:tr h="584446">
-                <a:tc>
-                  <a:txBody>
-                    <a:bodyPr/>
-                    <a:lstStyle/>
-                    <a:p>
-                      <a:r>
-                        <a:rPr lang="en-US" sz="1800" dirty="0">
-                          <a:solidFill>
-                            <a:srgbClr val="0000FF"/>
-                          </a:solidFill>
-                          <a:latin typeface="Consolas" panose="020B0609020204030204" pitchFamily="49" charset="0"/>
-                        </a:rPr>
-                        <a:t>public</a:t>
-                      </a:r>
-                      <a:r>
-                        <a:rPr lang="en-US" sz="1800" dirty="0">
-                          <a:solidFill>
-                            <a:srgbClr val="000000"/>
-                          </a:solidFill>
-                          <a:latin typeface="Consolas" panose="020B0609020204030204" pitchFamily="49" charset="0"/>
-                        </a:rPr>
-                        <a:t> Startup(</a:t>
-                      </a:r>
-                      <a:r>
-                        <a:rPr lang="en-US" sz="1800" dirty="0" err="1">
-                          <a:solidFill>
-                            <a:srgbClr val="2B91AF"/>
-                          </a:solidFill>
-                          <a:latin typeface="Consolas" panose="020B0609020204030204" pitchFamily="49" charset="0"/>
-                        </a:rPr>
-                        <a:t>IHostingEnvironment</a:t>
-                      </a:r>
-                      <a:r>
-                        <a:rPr lang="en-US" sz="1800" dirty="0">
-                          <a:solidFill>
-                            <a:srgbClr val="000000"/>
-                          </a:solidFill>
-                          <a:latin typeface="Consolas" panose="020B0609020204030204" pitchFamily="49" charset="0"/>
-                        </a:rPr>
-                        <a:t> </a:t>
-                      </a:r>
-                      <a:r>
-                        <a:rPr lang="en-US" sz="1800" dirty="0" err="1">
-                          <a:solidFill>
-                            <a:srgbClr val="000000"/>
-                          </a:solidFill>
-                          <a:latin typeface="Consolas" panose="020B0609020204030204" pitchFamily="49" charset="0"/>
-                        </a:rPr>
-                        <a:t>env</a:t>
-                      </a:r>
-                      <a:r>
-                        <a:rPr lang="en-US" sz="1800" dirty="0">
-                          <a:solidFill>
-                            <a:srgbClr val="000000"/>
-                          </a:solidFill>
-                          <a:latin typeface="Consolas" panose="020B0609020204030204" pitchFamily="49" charset="0"/>
-                        </a:rPr>
-                        <a:t>) {</a:t>
-                      </a:r>
-                    </a:p>
-                    <a:p>
-                      <a:r>
-                        <a:rPr lang="en-US" sz="1800" dirty="0">
-                          <a:solidFill>
-                            <a:srgbClr val="000000"/>
-                          </a:solidFill>
-                          <a:latin typeface="Consolas" panose="020B0609020204030204" pitchFamily="49" charset="0"/>
-                        </a:rPr>
-                        <a:t>    </a:t>
-                      </a:r>
-                      <a:r>
-                        <a:rPr lang="en-US" sz="1800" dirty="0" err="1">
-                          <a:solidFill>
-                            <a:srgbClr val="0000FF"/>
-                          </a:solidFill>
-                          <a:latin typeface="Consolas" panose="020B0609020204030204" pitchFamily="49" charset="0"/>
-                        </a:rPr>
-                        <a:t>var</a:t>
-                      </a:r>
-                      <a:r>
-                        <a:rPr lang="en-US" sz="1800" dirty="0">
-                          <a:solidFill>
-                            <a:srgbClr val="000000"/>
-                          </a:solidFill>
-                          <a:latin typeface="Consolas" panose="020B0609020204030204" pitchFamily="49" charset="0"/>
-                        </a:rPr>
-                        <a:t> builder = </a:t>
-                      </a:r>
-                      <a:r>
-                        <a:rPr lang="en-US" sz="1800" dirty="0">
-                          <a:solidFill>
-                            <a:srgbClr val="0000FF"/>
-                          </a:solidFill>
-                          <a:latin typeface="Consolas" panose="020B0609020204030204" pitchFamily="49" charset="0"/>
-                        </a:rPr>
-                        <a:t>new</a:t>
-                      </a:r>
-                      <a:r>
-                        <a:rPr lang="en-US" sz="1800" dirty="0">
-                          <a:solidFill>
-                            <a:srgbClr val="000000"/>
-                          </a:solidFill>
-                          <a:latin typeface="Consolas" panose="020B0609020204030204" pitchFamily="49" charset="0"/>
-                        </a:rPr>
-                        <a:t> </a:t>
-                      </a:r>
-                      <a:r>
-                        <a:rPr lang="en-US" sz="1800" dirty="0" err="1">
-                          <a:solidFill>
-                            <a:srgbClr val="2B91AF"/>
-                          </a:solidFill>
-                          <a:latin typeface="Consolas" panose="020B0609020204030204" pitchFamily="49" charset="0"/>
-                        </a:rPr>
-                        <a:t>ConfigurationBuilder</a:t>
-                      </a:r>
-                      <a:r>
-                        <a:rPr lang="en-US" sz="1800" dirty="0">
-                          <a:solidFill>
-                            <a:srgbClr val="000000"/>
-                          </a:solidFill>
-                          <a:latin typeface="Consolas" panose="020B0609020204030204" pitchFamily="49" charset="0"/>
-                        </a:rPr>
-                        <a:t>()</a:t>
-                      </a:r>
-                    </a:p>
-                    <a:p>
-                      <a:r>
-                        <a:rPr lang="en-US" sz="1800" dirty="0">
-                          <a:solidFill>
-                            <a:srgbClr val="000000"/>
-                          </a:solidFill>
-                          <a:latin typeface="Consolas" panose="020B0609020204030204" pitchFamily="49" charset="0"/>
-                        </a:rPr>
-                        <a:t>         .</a:t>
-                      </a:r>
-                      <a:r>
-                        <a:rPr lang="en-US" sz="1800" dirty="0" err="1">
-                          <a:solidFill>
-                            <a:srgbClr val="000000"/>
-                          </a:solidFill>
-                          <a:latin typeface="Consolas" panose="020B0609020204030204" pitchFamily="49" charset="0"/>
-                        </a:rPr>
-                        <a:t>SetBasePath</a:t>
-                      </a:r>
-                      <a:r>
-                        <a:rPr lang="en-US" sz="1800" dirty="0">
-                          <a:solidFill>
-                            <a:srgbClr val="000000"/>
-                          </a:solidFill>
-                          <a:latin typeface="Consolas" panose="020B0609020204030204" pitchFamily="49" charset="0"/>
-                        </a:rPr>
-                        <a:t>(</a:t>
-                      </a:r>
-                      <a:r>
-                        <a:rPr lang="en-US" sz="1800" dirty="0" err="1">
-                          <a:solidFill>
-                            <a:srgbClr val="000000"/>
-                          </a:solidFill>
-                          <a:latin typeface="Consolas" panose="020B0609020204030204" pitchFamily="49" charset="0"/>
-                        </a:rPr>
-                        <a:t>env.ContentRootPath</a:t>
-                      </a:r>
-                      <a:r>
-                        <a:rPr lang="en-US" sz="1800" dirty="0">
-                          <a:solidFill>
-                            <a:srgbClr val="000000"/>
-                          </a:solidFill>
-                          <a:latin typeface="Consolas" panose="020B0609020204030204" pitchFamily="49" charset="0"/>
-                        </a:rPr>
-                        <a:t>)</a:t>
-                      </a:r>
-                    </a:p>
-                    <a:p>
-                      <a:r>
-                        <a:rPr lang="en-US" sz="1800" dirty="0">
-                          <a:solidFill>
-                            <a:srgbClr val="000000"/>
-                          </a:solidFill>
-                          <a:latin typeface="Consolas" panose="020B0609020204030204" pitchFamily="49" charset="0"/>
-                        </a:rPr>
-                        <a:t>         .</a:t>
-                      </a:r>
-                      <a:r>
-                        <a:rPr lang="en-US" sz="1800" dirty="0" err="1">
-                          <a:solidFill>
-                            <a:srgbClr val="000000"/>
-                          </a:solidFill>
-                          <a:latin typeface="Consolas" panose="020B0609020204030204" pitchFamily="49" charset="0"/>
-                        </a:rPr>
-                        <a:t>AddJsonFile</a:t>
-                      </a:r>
-                      <a:r>
-                        <a:rPr lang="en-US" sz="1800" dirty="0">
-                          <a:solidFill>
-                            <a:srgbClr val="000000"/>
-                          </a:solidFill>
-                          <a:latin typeface="Consolas" panose="020B0609020204030204" pitchFamily="49" charset="0"/>
-                        </a:rPr>
-                        <a:t>(</a:t>
-                      </a:r>
-                      <a:r>
-                        <a:rPr lang="en-US" sz="1800" dirty="0">
-                          <a:solidFill>
-                            <a:srgbClr val="A31515"/>
-                          </a:solidFill>
-                          <a:latin typeface="Consolas" panose="020B0609020204030204" pitchFamily="49" charset="0"/>
-                        </a:rPr>
-                        <a:t>"</a:t>
-                      </a:r>
-                      <a:r>
-                        <a:rPr lang="en-US" sz="1800" dirty="0" err="1">
-                          <a:solidFill>
-                            <a:srgbClr val="A31515"/>
-                          </a:solidFill>
-                          <a:latin typeface="Consolas" panose="020B0609020204030204" pitchFamily="49" charset="0"/>
-                        </a:rPr>
-                        <a:t>appsettings.json</a:t>
-                      </a:r>
-                      <a:r>
-                        <a:rPr lang="en-US" sz="1800" dirty="0">
-                          <a:solidFill>
-                            <a:srgbClr val="A31515"/>
-                          </a:solidFill>
-                          <a:latin typeface="Consolas" panose="020B0609020204030204" pitchFamily="49" charset="0"/>
-                        </a:rPr>
-                        <a:t>"</a:t>
-                      </a:r>
-                      <a:r>
-                        <a:rPr lang="en-US" sz="1800" dirty="0">
-                          <a:solidFill>
-                            <a:srgbClr val="000000"/>
-                          </a:solidFill>
-                          <a:latin typeface="Consolas" panose="020B0609020204030204" pitchFamily="49" charset="0"/>
-                        </a:rPr>
-                        <a:t>, optional: </a:t>
-                      </a:r>
-                      <a:r>
-                        <a:rPr lang="en-US" sz="1800" dirty="0">
-                          <a:solidFill>
-                            <a:srgbClr val="0000FF"/>
-                          </a:solidFill>
-                          <a:latin typeface="Consolas" panose="020B0609020204030204" pitchFamily="49" charset="0"/>
-                        </a:rPr>
-                        <a:t>false</a:t>
-                      </a:r>
-                      <a:r>
-                        <a:rPr lang="en-US" sz="1800" dirty="0">
-                          <a:solidFill>
-                            <a:srgbClr val="000000"/>
-                          </a:solidFill>
-                          <a:latin typeface="Consolas" panose="020B0609020204030204" pitchFamily="49" charset="0"/>
-                        </a:rPr>
-                        <a:t>, </a:t>
-                      </a:r>
-                      <a:r>
-                        <a:rPr lang="en-US" sz="1800" dirty="0" err="1">
-                          <a:solidFill>
-                            <a:srgbClr val="000000"/>
-                          </a:solidFill>
-                          <a:latin typeface="Consolas" panose="020B0609020204030204" pitchFamily="49" charset="0"/>
-                        </a:rPr>
-                        <a:t>reloadOnChange</a:t>
-                      </a:r>
-                      <a:r>
-                        <a:rPr lang="en-US" sz="1800" dirty="0">
-                          <a:solidFill>
-                            <a:srgbClr val="000000"/>
-                          </a:solidFill>
-                          <a:latin typeface="Consolas" panose="020B0609020204030204" pitchFamily="49" charset="0"/>
-                        </a:rPr>
-                        <a:t>: </a:t>
-                      </a:r>
-                      <a:r>
-                        <a:rPr lang="en-US" sz="1800" dirty="0">
-                          <a:solidFill>
-                            <a:srgbClr val="0000FF"/>
-                          </a:solidFill>
-                          <a:latin typeface="Consolas" panose="020B0609020204030204" pitchFamily="49" charset="0"/>
-                        </a:rPr>
-                        <a:t>true</a:t>
-                      </a:r>
-                      <a:r>
-                        <a:rPr lang="en-US" sz="1800" dirty="0">
-                          <a:solidFill>
-                            <a:srgbClr val="000000"/>
-                          </a:solidFill>
-                          <a:latin typeface="Consolas" panose="020B0609020204030204" pitchFamily="49" charset="0"/>
-                        </a:rPr>
-                        <a:t>)</a:t>
-                      </a:r>
-                    </a:p>
-                    <a:p>
-                      <a:r>
-                        <a:rPr lang="en-US" sz="1800" dirty="0">
-                          <a:solidFill>
-                            <a:srgbClr val="000000"/>
-                          </a:solidFill>
-                          <a:latin typeface="Consolas" panose="020B0609020204030204" pitchFamily="49" charset="0"/>
-                        </a:rPr>
-                        <a:t>         .</a:t>
-                      </a:r>
-                      <a:r>
-                        <a:rPr lang="en-US" sz="1800" dirty="0" err="1">
-                          <a:solidFill>
-                            <a:srgbClr val="000000"/>
-                          </a:solidFill>
-                          <a:latin typeface="Consolas" panose="020B0609020204030204" pitchFamily="49" charset="0"/>
-                        </a:rPr>
-                        <a:t>AddJsonFile</a:t>
-                      </a:r>
-                      <a:r>
-                        <a:rPr lang="en-US" sz="1800" dirty="0">
-                          <a:solidFill>
-                            <a:srgbClr val="000000"/>
-                          </a:solidFill>
-                          <a:latin typeface="Consolas" panose="020B0609020204030204" pitchFamily="49" charset="0"/>
-                        </a:rPr>
-                        <a:t>(</a:t>
-                      </a:r>
-                      <a:r>
-                        <a:rPr lang="en-US" sz="1800" dirty="0">
-                          <a:solidFill>
-                            <a:srgbClr val="A31515"/>
-                          </a:solidFill>
-                          <a:latin typeface="Consolas" panose="020B0609020204030204" pitchFamily="49" charset="0"/>
-                        </a:rPr>
-                        <a:t>$"</a:t>
-                      </a:r>
-                      <a:r>
-                        <a:rPr lang="en-US" sz="1800" dirty="0" err="1">
-                          <a:solidFill>
-                            <a:srgbClr val="A31515"/>
-                          </a:solidFill>
-                          <a:latin typeface="Consolas" panose="020B0609020204030204" pitchFamily="49" charset="0"/>
-                        </a:rPr>
-                        <a:t>appsettings</a:t>
-                      </a:r>
-                      <a:r>
-                        <a:rPr lang="en-US" sz="1800" dirty="0">
-                          <a:solidFill>
-                            <a:srgbClr val="A31515"/>
-                          </a:solidFill>
-                          <a:latin typeface="Consolas" panose="020B0609020204030204" pitchFamily="49" charset="0"/>
-                        </a:rPr>
-                        <a:t>.</a:t>
-                      </a:r>
-                      <a:r>
-                        <a:rPr lang="en-US" sz="1800" dirty="0">
-                          <a:solidFill>
-                            <a:srgbClr val="000000"/>
-                          </a:solidFill>
-                          <a:latin typeface="Consolas" panose="020B0609020204030204" pitchFamily="49" charset="0"/>
-                        </a:rPr>
-                        <a:t>{</a:t>
-                      </a:r>
-                      <a:r>
-                        <a:rPr lang="en-US" sz="1800" dirty="0" err="1">
-                          <a:solidFill>
-                            <a:srgbClr val="000000"/>
-                          </a:solidFill>
-                          <a:latin typeface="Consolas" panose="020B0609020204030204" pitchFamily="49" charset="0"/>
-                        </a:rPr>
-                        <a:t>env.EnvironmentName</a:t>
-                      </a:r>
-                      <a:r>
-                        <a:rPr lang="en-US" sz="1800" dirty="0">
-                          <a:solidFill>
-                            <a:srgbClr val="000000"/>
-                          </a:solidFill>
-                          <a:latin typeface="Consolas" panose="020B0609020204030204" pitchFamily="49" charset="0"/>
-                        </a:rPr>
-                        <a:t>}</a:t>
-                      </a:r>
-                      <a:r>
-                        <a:rPr lang="en-US" sz="1800" dirty="0">
-                          <a:solidFill>
-                            <a:srgbClr val="A31515"/>
-                          </a:solidFill>
-                          <a:latin typeface="Consolas" panose="020B0609020204030204" pitchFamily="49" charset="0"/>
-                        </a:rPr>
-                        <a:t>.</a:t>
-                      </a:r>
-                      <a:r>
-                        <a:rPr lang="en-US" sz="1800" dirty="0" err="1">
-                          <a:solidFill>
-                            <a:srgbClr val="A31515"/>
-                          </a:solidFill>
-                          <a:latin typeface="Consolas" panose="020B0609020204030204" pitchFamily="49" charset="0"/>
-                        </a:rPr>
-                        <a:t>json</a:t>
-                      </a:r>
-                      <a:r>
-                        <a:rPr lang="en-US" sz="1800" dirty="0">
-                          <a:solidFill>
-                            <a:srgbClr val="A31515"/>
-                          </a:solidFill>
-                          <a:latin typeface="Consolas" panose="020B0609020204030204" pitchFamily="49" charset="0"/>
-                        </a:rPr>
-                        <a:t>"</a:t>
-                      </a:r>
-                      <a:r>
-                        <a:rPr lang="en-US" sz="1800" dirty="0">
-                          <a:solidFill>
-                            <a:srgbClr val="000000"/>
-                          </a:solidFill>
-                          <a:latin typeface="Consolas" panose="020B0609020204030204" pitchFamily="49" charset="0"/>
-                        </a:rPr>
-                        <a:t>, optional: </a:t>
-                      </a:r>
-                      <a:r>
-                        <a:rPr lang="en-US" sz="1800" dirty="0">
-                          <a:solidFill>
-                            <a:srgbClr val="0000FF"/>
-                          </a:solidFill>
-                          <a:latin typeface="Consolas" panose="020B0609020204030204" pitchFamily="49" charset="0"/>
-                        </a:rPr>
-                        <a:t>true</a:t>
-                      </a:r>
-                      <a:r>
-                        <a:rPr lang="en-US" sz="1800" dirty="0">
-                          <a:solidFill>
-                            <a:srgbClr val="000000"/>
-                          </a:solidFill>
-                          <a:latin typeface="Consolas" panose="020B0609020204030204" pitchFamily="49" charset="0"/>
-                        </a:rPr>
-                        <a:t>);</a:t>
-                      </a:r>
-                    </a:p>
-                    <a:p>
-                      <a:endParaRPr lang="en-US" sz="1800" dirty="0">
-                        <a:solidFill>
-                          <a:srgbClr val="000000"/>
-                        </a:solidFill>
-                        <a:latin typeface="Consolas" panose="020B0609020204030204" pitchFamily="49" charset="0"/>
-                      </a:endParaRPr>
-                    </a:p>
-                    <a:p>
-                      <a:r>
-                        <a:rPr lang="en-US" sz="1800" dirty="0">
-                          <a:solidFill>
-                            <a:srgbClr val="0000FF"/>
-                          </a:solidFill>
-                          <a:latin typeface="Consolas" panose="020B0609020204030204" pitchFamily="49" charset="0"/>
-                        </a:rPr>
-                        <a:t>    if</a:t>
-                      </a:r>
-                      <a:r>
-                        <a:rPr lang="en-US" sz="1800" dirty="0">
-                          <a:solidFill>
-                            <a:srgbClr val="000000"/>
-                          </a:solidFill>
-                          <a:latin typeface="Consolas" panose="020B0609020204030204" pitchFamily="49" charset="0"/>
-                        </a:rPr>
-                        <a:t> (</a:t>
-                      </a:r>
-                      <a:r>
-                        <a:rPr lang="en-US" sz="1800" dirty="0" err="1">
-                          <a:solidFill>
-                            <a:srgbClr val="000000"/>
-                          </a:solidFill>
-                          <a:latin typeface="Consolas" panose="020B0609020204030204" pitchFamily="49" charset="0"/>
-                        </a:rPr>
-                        <a:t>env.IsDevelopment</a:t>
-                      </a:r>
-                      <a:r>
-                        <a:rPr lang="en-US" sz="1800" dirty="0">
-                          <a:solidFill>
-                            <a:srgbClr val="000000"/>
-                          </a:solidFill>
-                          <a:latin typeface="Consolas" panose="020B0609020204030204" pitchFamily="49" charset="0"/>
-                        </a:rPr>
-                        <a:t>()) { </a:t>
-                      </a:r>
-                      <a:r>
-                        <a:rPr lang="en-US" sz="1800" dirty="0" err="1">
-                          <a:solidFill>
-                            <a:srgbClr val="000000"/>
-                          </a:solidFill>
-                          <a:latin typeface="Consolas" panose="020B0609020204030204" pitchFamily="49" charset="0"/>
-                        </a:rPr>
-                        <a:t>builder.AddUserSecrets</a:t>
-                      </a:r>
-                      <a:r>
-                        <a:rPr lang="en-US" sz="1800" dirty="0">
-                          <a:solidFill>
-                            <a:srgbClr val="000000"/>
-                          </a:solidFill>
-                          <a:latin typeface="Consolas" panose="020B0609020204030204" pitchFamily="49" charset="0"/>
-                        </a:rPr>
-                        <a:t>&lt;</a:t>
-                      </a:r>
-                      <a:r>
-                        <a:rPr lang="en-US" sz="1800" dirty="0">
-                          <a:solidFill>
-                            <a:srgbClr val="2B91AF"/>
-                          </a:solidFill>
-                          <a:latin typeface="Consolas" panose="020B0609020204030204" pitchFamily="49" charset="0"/>
-                        </a:rPr>
-                        <a:t>Startup</a:t>
-                      </a:r>
-                      <a:r>
-                        <a:rPr lang="en-US" sz="1800" dirty="0">
-                          <a:solidFill>
-                            <a:srgbClr val="000000"/>
-                          </a:solidFill>
-                          <a:latin typeface="Consolas" panose="020B0609020204030204" pitchFamily="49" charset="0"/>
-                        </a:rPr>
-                        <a:t>&gt;(); }</a:t>
-                      </a:r>
-                    </a:p>
-                    <a:p>
-                      <a:endParaRPr lang="en-US" sz="1800" dirty="0">
-                        <a:solidFill>
-                          <a:srgbClr val="000000"/>
-                        </a:solidFill>
-                        <a:latin typeface="Consolas" panose="020B0609020204030204" pitchFamily="49" charset="0"/>
-                      </a:endParaRPr>
-                    </a:p>
-                    <a:p>
-                      <a:r>
-                        <a:rPr lang="en-US" sz="1800" dirty="0">
-                          <a:solidFill>
-                            <a:srgbClr val="000000"/>
-                          </a:solidFill>
-                          <a:latin typeface="Consolas" panose="020B0609020204030204" pitchFamily="49" charset="0"/>
-                        </a:rPr>
-                        <a:t>    </a:t>
-                      </a:r>
-                      <a:r>
-                        <a:rPr lang="en-US" sz="1800" dirty="0" err="1">
-                          <a:solidFill>
-                            <a:srgbClr val="000000"/>
-                          </a:solidFill>
-                          <a:latin typeface="Consolas" panose="020B0609020204030204" pitchFamily="49" charset="0"/>
-                        </a:rPr>
-                        <a:t>builder.AddEnvironmentVariables</a:t>
-                      </a:r>
-                      <a:r>
-                        <a:rPr lang="en-US" sz="1800" dirty="0">
-                          <a:solidFill>
-                            <a:srgbClr val="000000"/>
-                          </a:solidFill>
-                          <a:latin typeface="Consolas" panose="020B0609020204030204" pitchFamily="49" charset="0"/>
-                        </a:rPr>
-                        <a:t>();</a:t>
-                      </a:r>
-                    </a:p>
-                    <a:p>
-                      <a:r>
-                        <a:rPr lang="en-US" sz="1800" dirty="0">
-                          <a:solidFill>
-                            <a:srgbClr val="000000"/>
-                          </a:solidFill>
-                          <a:latin typeface="Consolas" panose="020B0609020204030204" pitchFamily="49" charset="0"/>
-                        </a:rPr>
-                        <a:t>    Configuration = </a:t>
-                      </a:r>
-                      <a:r>
-                        <a:rPr lang="en-US" sz="1800" dirty="0" err="1">
-                          <a:solidFill>
-                            <a:srgbClr val="000000"/>
-                          </a:solidFill>
-                          <a:latin typeface="Consolas" panose="020B0609020204030204" pitchFamily="49" charset="0"/>
-                        </a:rPr>
-                        <a:t>builder.Build</a:t>
-                      </a:r>
-                      <a:r>
-                        <a:rPr lang="en-US" sz="1800" dirty="0">
-                          <a:solidFill>
-                            <a:srgbClr val="000000"/>
-                          </a:solidFill>
-                          <a:latin typeface="Consolas" panose="020B0609020204030204" pitchFamily="49" charset="0"/>
-                        </a:rPr>
-                        <a:t>();</a:t>
-                      </a:r>
-                    </a:p>
-                    <a:p>
-                      <a:r>
-                        <a:rPr lang="en-US" sz="1800" dirty="0">
-                          <a:solidFill>
-                            <a:srgbClr val="000000"/>
-                          </a:solidFill>
-                          <a:latin typeface="Consolas" panose="020B0609020204030204" pitchFamily="49" charset="0"/>
-                        </a:rPr>
-                        <a:t>}</a:t>
-                      </a:r>
-                    </a:p>
-                    <a:p>
-                      <a:endParaRPr lang="en-US" sz="1800" dirty="0">
-                        <a:solidFill>
-                          <a:srgbClr val="000000"/>
-                        </a:solidFill>
-                        <a:latin typeface="Consolas" panose="020B0609020204030204" pitchFamily="49" charset="0"/>
-                      </a:endParaRPr>
-                    </a:p>
-                    <a:p>
-                      <a:r>
-                        <a:rPr lang="en-US" sz="1800" dirty="0">
-                          <a:solidFill>
-                            <a:srgbClr val="0000FF"/>
-                          </a:solidFill>
-                          <a:latin typeface="Consolas" panose="020B0609020204030204" pitchFamily="49" charset="0"/>
-                        </a:rPr>
-                        <a:t>public</a:t>
-                      </a:r>
-                      <a:r>
-                        <a:rPr lang="en-US" sz="1800" dirty="0">
-                          <a:solidFill>
-                            <a:srgbClr val="000000"/>
-                          </a:solidFill>
-                          <a:latin typeface="Consolas" panose="020B0609020204030204" pitchFamily="49" charset="0"/>
-                        </a:rPr>
-                        <a:t> </a:t>
-                      </a:r>
-                      <a:r>
-                        <a:rPr lang="en-US" sz="1800" dirty="0" err="1">
-                          <a:solidFill>
-                            <a:srgbClr val="2B91AF"/>
-                          </a:solidFill>
-                          <a:latin typeface="Consolas" panose="020B0609020204030204" pitchFamily="49" charset="0"/>
-                        </a:rPr>
-                        <a:t>IConfigurationRoot</a:t>
-                      </a:r>
-                      <a:r>
-                        <a:rPr lang="en-US" sz="1800" dirty="0">
-                          <a:solidFill>
-                            <a:srgbClr val="000000"/>
-                          </a:solidFill>
-                          <a:latin typeface="Consolas" panose="020B0609020204030204" pitchFamily="49" charset="0"/>
-                        </a:rPr>
-                        <a:t> Configuration { </a:t>
-                      </a:r>
-                      <a:r>
-                        <a:rPr lang="en-US" sz="1800" dirty="0">
-                          <a:solidFill>
-                            <a:srgbClr val="0000FF"/>
-                          </a:solidFill>
-                          <a:latin typeface="Consolas" panose="020B0609020204030204" pitchFamily="49" charset="0"/>
-                        </a:rPr>
-                        <a:t>get</a:t>
-                      </a:r>
-                      <a:r>
-                        <a:rPr lang="en-US" sz="1800" dirty="0">
-                          <a:solidFill>
-                            <a:srgbClr val="000000"/>
-                          </a:solidFill>
-                          <a:latin typeface="Consolas" panose="020B0609020204030204" pitchFamily="49" charset="0"/>
-                        </a:rPr>
-                        <a:t>; }</a:t>
-                      </a:r>
-                    </a:p>
-                  </a:txBody>
-                  <a:tcPr>
-                    <a:lnL w="12700" cap="flat" cmpd="sng" algn="ctr">
-                      <a:noFill/>
-                      <a:prstDash val="solid"/>
-                      <a:round/>
-                      <a:headEnd type="none" w="med" len="med"/>
-                      <a:tailEnd type="none" w="med" len="med"/>
-                    </a:lnL>
-                    <a:lnR w="12700" cap="flat" cmpd="sng" algn="ctr">
-                      <a:noFill/>
-                      <a:prstDash val="solid"/>
-                      <a:round/>
-                      <a:headEnd type="none" w="med" len="med"/>
-                      <a:tailEnd type="none" w="med" len="med"/>
-                    </a:lnR>
-                    <a:lnT w="12700" cap="flat" cmpd="sng" algn="ctr">
-                      <a:noFill/>
-                      <a:prstDash val="solid"/>
-                      <a:round/>
-                      <a:headEnd type="none" w="med" len="med"/>
-                      <a:tailEnd type="none" w="med" len="med"/>
-                    </a:lnT>
-                    <a:lnB w="12700" cap="flat" cmpd="sng" algn="ctr">
-                      <a:noFill/>
-                      <a:prstDash val="solid"/>
-                      <a:round/>
-                      <a:headEnd type="none" w="med" len="med"/>
-                      <a:tailEnd type="none" w="med" len="med"/>
-                    </a:lnB>
-                    <a:solidFill>
-                      <a:schemeClr val="tx2">
-                        <a:lumMod val="90000"/>
-                      </a:schemeClr>
-                    </a:solidFill>
-                  </a:tcPr>
-                </a:tc>
-                <a:extLst>
-                  <a:ext uri="{0D108BD9-81ED-4DB2-BD59-A6C34878D82A}">
-                    <a16:rowId xmlns:a16="http://schemas.microsoft.com/office/drawing/2014/main" val="3473222697"/>
-                  </a:ext>
-                </a:extLst>
-              </a:tr>
-            </a:tbl>
-          </a:graphicData>
-        </a:graphic>
-      </p:graphicFrame>
-      <p:sp>
-        <p:nvSpPr>
-          <p:cNvPr id="8" name="Rectangle 7">
-            <a:extLst>
-              <a:ext uri="{FF2B5EF4-FFF2-40B4-BE49-F238E27FC236}">
-                <a16:creationId xmlns:a16="http://schemas.microsoft.com/office/drawing/2014/main" id="{1275D664-BEFF-44C0-AC98-5BAC68120D94}"/>
-              </a:ext>
-            </a:extLst>
-          </p:cNvPr>
-          <p:cNvSpPr/>
-          <p:nvPr/>
-        </p:nvSpPr>
-        <p:spPr>
-          <a:xfrm>
-            <a:off x="1443335" y="2380074"/>
-            <a:ext cx="2900800" cy="446567"/>
-          </a:xfrm>
-          <a:prstGeom prst="rect">
-            <a:avLst/>
-          </a:prstGeom>
-          <a:ln w="57150">
-            <a:solidFill>
-              <a:schemeClr val="accent1">
-                <a:lumMod val="50000"/>
-              </a:schemeClr>
-            </a:solidFill>
-          </a:ln>
-        </p:spPr>
-        <p:style>
-          <a:lnRef idx="1">
-            <a:schemeClr val="accent1"/>
-          </a:lnRef>
-          <a:fillRef idx="2">
-            <a:schemeClr val="accent1"/>
-          </a:fillRef>
-          <a:effectRef idx="1">
-            <a:schemeClr val="accent1"/>
-          </a:effectRef>
-          <a:fontRef idx="minor">
-            <a:schemeClr val="dk1"/>
-          </a:fontRef>
-        </p:style>
-        <p:txBody>
-          <a:bodyPr rtlCol="0" anchor="ctr"/>
-          <a:lstStyle/>
-          <a:p>
-            <a:pPr algn="ctr"/>
-            <a:r>
-              <a:rPr lang="en-US" b="1" dirty="0" err="1"/>
-              <a:t>Startup.cs</a:t>
-            </a:r>
-            <a:endParaRPr lang="en-US" b="1" dirty="0"/>
-          </a:p>
-        </p:txBody>
-      </p:sp>
-    </p:spTree>
-    <p:extLst>
-      <p:ext uri="{BB962C8B-B14F-4D97-AF65-F5344CB8AC3E}">
-        <p14:creationId xmlns:p14="http://schemas.microsoft.com/office/powerpoint/2010/main" val="1613751810"/>
-      </p:ext>
-    </p:extLst>
-  </p:cSld>
-  <p:clrMapOvr>
-    <a:masterClrMapping/>
-  </p:clrMapOvr>
-  <p:timing>
-    <p:tnLst>
-      <p:par>
-        <p:cTn id="1" dur="indefinite" restart="never" nodeType="tmRoot">
-          <p:childTnLst>
-            <p:seq concurrent="1" nextAc="seek">
-              <p:cTn id="2" dur="indefinite" nodeType="mainSeq">
-                <p:childTnLst>
-                  <p:par>
-                    <p:cTn id="3" fill="hold">
-                      <p:stCondLst>
-                        <p:cond delay="indefinite"/>
-                      </p:stCondLst>
-                      <p:childTnLst>
-                        <p:par>
-                          <p:cTn id="4" fill="hold">
-                            <p:stCondLst>
-                              <p:cond delay="0"/>
-                            </p:stCondLst>
-                            <p:childTnLst>
-                              <p:par>
-                                <p:cTn id="5" presetID="1" presetClass="entr" presetSubtype="0" fill="hold" nodeType="clickEffect">
-                                  <p:stCondLst>
-                                    <p:cond delay="0"/>
-                                  </p:stCondLst>
-                                  <p:childTnLst>
-                                    <p:set>
-                                      <p:cBhvr>
-                                        <p:cTn id="6" dur="1" fill="hold">
-                                          <p:stCondLst>
-                                            <p:cond delay="0"/>
-                                          </p:stCondLst>
-                                        </p:cTn>
-                                        <p:tgtEl>
-                                          <p:spTgt spid="6"/>
-                                        </p:tgtEl>
-                                        <p:attrNameLst>
-                                          <p:attrName>style.visibility</p:attrName>
-                                        </p:attrNameLst>
-                                      </p:cBhvr>
-                                      <p:to>
-                                        <p:strVal val="visible"/>
-                                      </p:to>
-                                    </p:set>
-                                  </p:childTnLst>
-                                </p:cTn>
-                              </p:par>
-                              <p:par>
-                                <p:cTn id="7" presetID="1" presetClass="entr" presetSubtype="0" fill="hold" grpId="0" nodeType="withEffect">
-                                  <p:stCondLst>
-                                    <p:cond delay="0"/>
-                                  </p:stCondLst>
-                                  <p:childTnLst>
-                                    <p:set>
-                                      <p:cBhvr>
-                                        <p:cTn id="8" dur="1" fill="hold">
-                                          <p:stCondLst>
-                                            <p:cond delay="0"/>
-                                          </p:stCondLst>
-                                        </p:cTn>
-                                        <p:tgtEl>
-                                          <p:spTgt spid="9"/>
-                                        </p:tgtEl>
-                                        <p:attrNameLst>
-                                          <p:attrName>style.visibility</p:attrName>
-                                        </p:attrNameLst>
-                                      </p:cBhvr>
-                                      <p:to>
-                                        <p:strVal val="visible"/>
-                                      </p:to>
-                                    </p:set>
-                                  </p:childTnLst>
-                                </p:cTn>
-                              </p:par>
-                            </p:childTnLst>
-                          </p:cTn>
-                        </p:par>
-                      </p:childTnLst>
-                    </p:cTn>
-                  </p:par>
-                  <p:par>
-                    <p:cTn id="9" fill="hold">
-                      <p:stCondLst>
-                        <p:cond delay="indefinite"/>
-                      </p:stCondLst>
-                      <p:childTnLst>
-                        <p:par>
-                          <p:cTn id="10" fill="hold">
-                            <p:stCondLst>
-                              <p:cond delay="0"/>
-                            </p:stCondLst>
-                            <p:childTnLst>
-                              <p:par>
-                                <p:cTn id="11" presetID="1" presetClass="entr" presetSubtype="0" fill="hold" nodeType="clickEffect">
-                                  <p:stCondLst>
-                                    <p:cond delay="0"/>
-                                  </p:stCondLst>
-                                  <p:childTnLst>
-                                    <p:set>
-                                      <p:cBhvr>
-                                        <p:cTn id="12" dur="1" fill="hold">
-                                          <p:stCondLst>
-                                            <p:cond delay="0"/>
-                                          </p:stCondLst>
-                                        </p:cTn>
-                                        <p:tgtEl>
-                                          <p:spTgt spid="7"/>
-                                        </p:tgtEl>
-                                        <p:attrNameLst>
-                                          <p:attrName>style.visibility</p:attrName>
-                                        </p:attrNameLst>
-                                      </p:cBhvr>
-                                      <p:to>
-                                        <p:strVal val="visible"/>
-                                      </p:to>
-                                    </p:set>
-                                  </p:childTnLst>
-                                </p:cTn>
-                              </p:par>
-                              <p:par>
-                                <p:cTn id="13" presetID="1" presetClass="entr" presetSubtype="0" fill="hold" grpId="0" nodeType="withEffect">
-                                  <p:stCondLst>
-                                    <p:cond delay="0"/>
-                                  </p:stCondLst>
-                                  <p:childTnLst>
-                                    <p:set>
-                                      <p:cBhvr>
-                                        <p:cTn id="14" dur="1" fill="hold">
-                                          <p:stCondLst>
-                                            <p:cond delay="0"/>
-                                          </p:stCondLst>
-                                        </p:cTn>
-                                        <p:tgtEl>
-                                          <p:spTgt spid="8"/>
-                                        </p:tgtEl>
-                                        <p:attrNameLst>
-                                          <p:attrName>style.visibility</p:attrName>
-                                        </p:attrNameLst>
-                                      </p:cBhvr>
-                                      <p:to>
-                                        <p:strVal val="visible"/>
-                                      </p:to>
-                                    </p:set>
-                                  </p:childTnLst>
-                                </p:cTn>
-                              </p:par>
-                            </p:childTnLst>
-                          </p:cTn>
-                        </p:par>
-                      </p:childTnLst>
-                    </p:cTn>
-                  </p:par>
-                </p:childTnLst>
-              </p:cTn>
-              <p:prevCondLst>
-                <p:cond evt="onPrev" delay="0">
-                  <p:tgtEl>
-                    <p:sldTgt/>
-                  </p:tgtEl>
-                </p:cond>
-              </p:prevCondLst>
-              <p:nextCondLst>
-                <p:cond evt="onNext" delay="0">
-                  <p:tgtEl>
-                    <p:sldTgt/>
-                  </p:tgtEl>
-                </p:cond>
-              </p:nextCondLst>
-            </p:seq>
-          </p:childTnLst>
-        </p:cTn>
-      </p:par>
-    </p:tnLst>
-    <p:bldLst>
-      <p:bldP spid="9" grpId="0" animBg="1"/>
-      <p:bldP spid="8" grpId="0" animBg="1"/>
-    </p:bldLst>
-  </p:timing>
-</p:sld>
-</file>
-
-<file path=ppt/slides/slide12.xml><?xml version="1.0" encoding="utf-8"?>
-<p:sld xmlns:a="http://schemas.openxmlformats.org/drawingml/2006/main" xmlns:r="http://schemas.openxmlformats.org/officeDocument/2006/relationships" xmlns:p="http://schemas.openxmlformats.org/presentationml/2006/main">
-  <p:cSld>
-    <p:bg>
-      <p:bgPr>
-        <a:solidFill>
-          <a:srgbClr val="505050"/>
-        </a:solidFill>
-        <a:effectLst/>
-      </p:bgPr>
-    </p:bg>
-    <p:spTree>
-      <p:nvGrpSpPr>
-        <p:cNvPr id="1" name=""/>
-        <p:cNvGrpSpPr/>
-        <p:nvPr/>
-      </p:nvGrpSpPr>
-      <p:grpSpPr>
-        <a:xfrm>
-          <a:off x="0" y="0"/>
-          <a:ext cx="0" cy="0"/>
-          <a:chOff x="0" y="0"/>
-          <a:chExt cx="0" cy="0"/>
-        </a:xfrm>
-      </p:grpSpPr>
-      <p:sp>
-        <p:nvSpPr>
-          <p:cNvPr id="4" name="Title 3">
-            <a:extLst>
-              <a:ext uri="{FF2B5EF4-FFF2-40B4-BE49-F238E27FC236}">
-                <a16:creationId xmlns:a16="http://schemas.microsoft.com/office/drawing/2014/main" id="{D17032A2-AE05-4562-87F8-460B924B72DD}"/>
-              </a:ext>
-            </a:extLst>
-          </p:cNvPr>
-          <p:cNvSpPr>
-            <a:spLocks noGrp="1"/>
-          </p:cNvSpPr>
-          <p:nvPr>
-            <p:ph type="title"/>
-          </p:nvPr>
-        </p:nvSpPr>
-        <p:spPr/>
-        <p:txBody>
-          <a:bodyPr/>
-          <a:lstStyle/>
-          <a:p>
-            <a:r>
-              <a:rPr lang="en-US" dirty="0" err="1"/>
-              <a:t>WebHost</a:t>
-            </a:r>
-            <a:r>
-              <a:rPr lang="en-US" dirty="0"/>
-              <a:t> / Startup simplification</a:t>
-            </a:r>
-          </a:p>
-        </p:txBody>
-      </p:sp>
-      <p:sp>
-        <p:nvSpPr>
-          <p:cNvPr id="6" name="Content Placeholder 5">
-            <a:extLst>
-              <a:ext uri="{FF2B5EF4-FFF2-40B4-BE49-F238E27FC236}">
-                <a16:creationId xmlns:a16="http://schemas.microsoft.com/office/drawing/2014/main" id="{5C2E2E16-9748-4A5F-9693-90B3E4BE1AA6}"/>
-              </a:ext>
-            </a:extLst>
-          </p:cNvPr>
-          <p:cNvSpPr>
-            <a:spLocks noGrp="1"/>
-          </p:cNvSpPr>
-          <p:nvPr>
-            <p:ph sz="half" idx="1"/>
-          </p:nvPr>
-        </p:nvSpPr>
-        <p:spPr/>
-        <p:txBody>
-          <a:bodyPr/>
-          <a:lstStyle/>
-          <a:p>
-            <a:pPr marL="0" indent="0">
-              <a:buNone/>
-            </a:pPr>
-            <a:endParaRPr lang="en-US" dirty="0"/>
-          </a:p>
-        </p:txBody>
-      </p:sp>
-      <p:sp>
-        <p:nvSpPr>
-          <p:cNvPr id="7" name="Content Placeholder 6">
-            <a:extLst>
-              <a:ext uri="{FF2B5EF4-FFF2-40B4-BE49-F238E27FC236}">
-                <a16:creationId xmlns:a16="http://schemas.microsoft.com/office/drawing/2014/main" id="{16BA1113-CBC6-411E-82CC-5BD3EB015665}"/>
-              </a:ext>
-            </a:extLst>
-          </p:cNvPr>
-          <p:cNvSpPr>
-            <a:spLocks noGrp="1"/>
-          </p:cNvSpPr>
-          <p:nvPr>
-            <p:ph sz="half" idx="2"/>
-          </p:nvPr>
-        </p:nvSpPr>
-        <p:spPr/>
-        <p:txBody>
-          <a:bodyPr/>
-          <a:lstStyle/>
-          <a:p>
-            <a:endParaRPr lang="en-US"/>
-          </a:p>
-        </p:txBody>
-      </p:sp>
-      <p:graphicFrame>
-        <p:nvGraphicFramePr>
-          <p:cNvPr id="10" name="Table 9">
-            <a:extLst>
-              <a:ext uri="{FF2B5EF4-FFF2-40B4-BE49-F238E27FC236}">
-                <a16:creationId xmlns:a16="http://schemas.microsoft.com/office/drawing/2014/main" id="{98816DAD-E72C-4325-B427-270EE71B3494}"/>
-              </a:ext>
-            </a:extLst>
-          </p:cNvPr>
-          <p:cNvGraphicFramePr>
-            <a:graphicFrameLocks noGrp="1"/>
-          </p:cNvGraphicFramePr>
-          <p:nvPr>
-            <p:extLst>
-              <p:ext uri="{D42A27DB-BD31-4B8C-83A1-F6EECF244321}">
-                <p14:modId xmlns:p14="http://schemas.microsoft.com/office/powerpoint/2010/main" val="1663258650"/>
-              </p:ext>
-            </p:extLst>
-          </p:nvPr>
-        </p:nvGraphicFramePr>
-        <p:xfrm>
-          <a:off x="838200" y="2286635"/>
-          <a:ext cx="7408653" cy="2834640"/>
-        </p:xfrm>
-        <a:graphic>
-          <a:graphicData uri="http://schemas.openxmlformats.org/drawingml/2006/table">
-            <a:tbl>
-              <a:tblPr firstRow="1" bandRow="1">
-                <a:tableStyleId>{5C22544A-7EE6-4342-B048-85BDC9FD1C3A}</a:tableStyleId>
-              </a:tblPr>
-              <a:tblGrid>
-                <a:gridCol w="7408653">
-                  <a:extLst>
-                    <a:ext uri="{9D8B030D-6E8A-4147-A177-3AD203B41FA5}">
-                      <a16:colId xmlns:a16="http://schemas.microsoft.com/office/drawing/2014/main" val="1057070397"/>
-                    </a:ext>
-                  </a:extLst>
-                </a:gridCol>
-              </a:tblGrid>
-              <a:tr h="584446">
-                <a:tc>
-                  <a:txBody>
-                    <a:bodyPr/>
-                    <a:lstStyle/>
-                    <a:p>
-                      <a:r>
-                        <a:rPr lang="en-US" sz="1800" dirty="0">
-                          <a:solidFill>
-                            <a:srgbClr val="0000FF"/>
-                          </a:solidFill>
-                          <a:latin typeface="Consolas" panose="020B0609020204030204" pitchFamily="49" charset="0"/>
-                        </a:rPr>
-                        <a:t>public</a:t>
-                      </a:r>
-                      <a:r>
-                        <a:rPr lang="en-US" sz="1800" dirty="0">
-                          <a:solidFill>
-                            <a:srgbClr val="000000"/>
-                          </a:solidFill>
-                          <a:latin typeface="Consolas" panose="020B0609020204030204" pitchFamily="49" charset="0"/>
-                        </a:rPr>
-                        <a:t> </a:t>
-                      </a:r>
-                      <a:r>
-                        <a:rPr lang="en-US" sz="1800" dirty="0">
-                          <a:solidFill>
-                            <a:srgbClr val="0000FF"/>
-                          </a:solidFill>
-                          <a:latin typeface="Consolas" panose="020B0609020204030204" pitchFamily="49" charset="0"/>
-                        </a:rPr>
-                        <a:t>class</a:t>
-                      </a:r>
-                      <a:r>
-                        <a:rPr lang="en-US" sz="1800" dirty="0">
-                          <a:solidFill>
-                            <a:srgbClr val="000000"/>
-                          </a:solidFill>
-                          <a:latin typeface="Consolas" panose="020B0609020204030204" pitchFamily="49" charset="0"/>
-                        </a:rPr>
-                        <a:t> </a:t>
-                      </a:r>
-                      <a:r>
-                        <a:rPr lang="en-US" sz="1800" dirty="0">
-                          <a:solidFill>
-                            <a:srgbClr val="2B91AF"/>
-                          </a:solidFill>
-                          <a:latin typeface="Consolas" panose="020B0609020204030204" pitchFamily="49" charset="0"/>
-                        </a:rPr>
-                        <a:t>Program</a:t>
-                      </a:r>
-                      <a:endParaRPr lang="en-US" sz="1800" dirty="0">
-                        <a:solidFill>
-                          <a:srgbClr val="000000"/>
-                        </a:solidFill>
-                        <a:latin typeface="Consolas" panose="020B0609020204030204" pitchFamily="49" charset="0"/>
-                      </a:endParaRPr>
-                    </a:p>
-                    <a:p>
-                      <a:r>
-                        <a:rPr lang="en-US" sz="1800" dirty="0">
-                          <a:solidFill>
-                            <a:srgbClr val="000000"/>
-                          </a:solidFill>
-                          <a:latin typeface="Consolas" panose="020B0609020204030204" pitchFamily="49" charset="0"/>
-                        </a:rPr>
-                        <a:t>{</a:t>
-                      </a:r>
-                    </a:p>
-                    <a:p>
-                      <a:r>
-                        <a:rPr lang="en-US" sz="1800" dirty="0">
-                          <a:solidFill>
-                            <a:srgbClr val="000000"/>
-                          </a:solidFill>
-                          <a:latin typeface="Consolas" panose="020B0609020204030204" pitchFamily="49" charset="0"/>
-                        </a:rPr>
-                        <a:t>    </a:t>
-                      </a:r>
-                      <a:r>
-                        <a:rPr lang="en-US" sz="1800" dirty="0">
-                          <a:solidFill>
-                            <a:srgbClr val="0000FF"/>
-                          </a:solidFill>
-                          <a:latin typeface="Consolas" panose="020B0609020204030204" pitchFamily="49" charset="0"/>
-                        </a:rPr>
-                        <a:t>public</a:t>
-                      </a:r>
-                      <a:r>
-                        <a:rPr lang="en-US" sz="1800" dirty="0">
-                          <a:solidFill>
-                            <a:srgbClr val="000000"/>
-                          </a:solidFill>
-                          <a:latin typeface="Consolas" panose="020B0609020204030204" pitchFamily="49" charset="0"/>
-                        </a:rPr>
-                        <a:t> </a:t>
-                      </a:r>
-                      <a:r>
-                        <a:rPr lang="en-US" sz="1800" dirty="0">
-                          <a:solidFill>
-                            <a:srgbClr val="0000FF"/>
-                          </a:solidFill>
-                          <a:latin typeface="Consolas" panose="020B0609020204030204" pitchFamily="49" charset="0"/>
-                        </a:rPr>
-                        <a:t>static</a:t>
-                      </a:r>
-                      <a:r>
-                        <a:rPr lang="en-US" sz="1800" dirty="0">
-                          <a:solidFill>
-                            <a:srgbClr val="000000"/>
-                          </a:solidFill>
-                          <a:latin typeface="Consolas" panose="020B0609020204030204" pitchFamily="49" charset="0"/>
-                        </a:rPr>
-                        <a:t> </a:t>
-                      </a:r>
-                      <a:r>
-                        <a:rPr lang="en-US" sz="1800" dirty="0">
-                          <a:solidFill>
-                            <a:srgbClr val="0000FF"/>
-                          </a:solidFill>
-                          <a:latin typeface="Consolas" panose="020B0609020204030204" pitchFamily="49" charset="0"/>
-                        </a:rPr>
-                        <a:t>void</a:t>
-                      </a:r>
-                      <a:r>
-                        <a:rPr lang="en-US" sz="1800" dirty="0">
-                          <a:solidFill>
-                            <a:srgbClr val="000000"/>
-                          </a:solidFill>
-                          <a:latin typeface="Consolas" panose="020B0609020204030204" pitchFamily="49" charset="0"/>
-                        </a:rPr>
-                        <a:t> Main(</a:t>
-                      </a:r>
-                      <a:r>
-                        <a:rPr lang="en-US" sz="1800" dirty="0">
-                          <a:solidFill>
-                            <a:srgbClr val="0000FF"/>
-                          </a:solidFill>
-                          <a:latin typeface="Consolas" panose="020B0609020204030204" pitchFamily="49" charset="0"/>
-                        </a:rPr>
-                        <a:t>string</a:t>
-                      </a:r>
-                      <a:r>
-                        <a:rPr lang="en-US" sz="1800" dirty="0">
-                          <a:solidFill>
-                            <a:srgbClr val="000000"/>
-                          </a:solidFill>
-                          <a:latin typeface="Consolas" panose="020B0609020204030204" pitchFamily="49" charset="0"/>
-                        </a:rPr>
-                        <a:t>[] </a:t>
-                      </a:r>
-                      <a:r>
-                        <a:rPr lang="en-US" sz="1800" dirty="0" err="1">
-                          <a:solidFill>
-                            <a:srgbClr val="000000"/>
-                          </a:solidFill>
-                          <a:latin typeface="Consolas" panose="020B0609020204030204" pitchFamily="49" charset="0"/>
-                        </a:rPr>
-                        <a:t>args</a:t>
-                      </a:r>
-                      <a:r>
-                        <a:rPr lang="en-US" sz="1800" dirty="0">
-                          <a:solidFill>
-                            <a:srgbClr val="000000"/>
-                          </a:solidFill>
-                          <a:latin typeface="Consolas" panose="020B0609020204030204" pitchFamily="49" charset="0"/>
-                        </a:rPr>
-                        <a:t>) =&gt; </a:t>
-                      </a:r>
-                    </a:p>
-                    <a:p>
-                      <a:r>
-                        <a:rPr lang="en-US" sz="1800" dirty="0">
-                          <a:solidFill>
-                            <a:srgbClr val="000000"/>
-                          </a:solidFill>
-                          <a:latin typeface="Consolas" panose="020B0609020204030204" pitchFamily="49" charset="0"/>
-                        </a:rPr>
-                        <a:t>        </a:t>
-                      </a:r>
-                      <a:r>
-                        <a:rPr lang="en-US" sz="1800" dirty="0" err="1">
-                          <a:solidFill>
-                            <a:srgbClr val="000000"/>
-                          </a:solidFill>
-                          <a:latin typeface="Consolas" panose="020B0609020204030204" pitchFamily="49" charset="0"/>
-                        </a:rPr>
-                        <a:t>BuildWebHost</a:t>
-                      </a:r>
-                      <a:r>
-                        <a:rPr lang="en-US" sz="1800" dirty="0">
-                          <a:solidFill>
-                            <a:srgbClr val="000000"/>
-                          </a:solidFill>
-                          <a:latin typeface="Consolas" panose="020B0609020204030204" pitchFamily="49" charset="0"/>
-                        </a:rPr>
-                        <a:t>(</a:t>
-                      </a:r>
-                      <a:r>
-                        <a:rPr lang="en-US" sz="1800" dirty="0" err="1">
-                          <a:solidFill>
-                            <a:srgbClr val="000000"/>
-                          </a:solidFill>
-                          <a:latin typeface="Consolas" panose="020B0609020204030204" pitchFamily="49" charset="0"/>
-                        </a:rPr>
-                        <a:t>args</a:t>
-                      </a:r>
-                      <a:r>
-                        <a:rPr lang="en-US" sz="1800" dirty="0">
-                          <a:solidFill>
-                            <a:srgbClr val="000000"/>
-                          </a:solidFill>
-                          <a:latin typeface="Consolas" panose="020B0609020204030204" pitchFamily="49" charset="0"/>
-                        </a:rPr>
-                        <a:t>).Run();</a:t>
-                      </a:r>
-                    </a:p>
-                    <a:p>
-                      <a:endParaRPr lang="en-US" sz="1800" dirty="0">
-                        <a:solidFill>
-                          <a:srgbClr val="000000"/>
-                        </a:solidFill>
-                        <a:latin typeface="Consolas" panose="020B0609020204030204" pitchFamily="49" charset="0"/>
-                      </a:endParaRPr>
-                    </a:p>
-                    <a:p>
-                      <a:r>
-                        <a:rPr lang="en-US" sz="1800" dirty="0">
-                          <a:solidFill>
-                            <a:srgbClr val="000000"/>
-                          </a:solidFill>
-                          <a:latin typeface="Consolas" panose="020B0609020204030204" pitchFamily="49" charset="0"/>
-                        </a:rPr>
-                        <a:t>    </a:t>
-                      </a:r>
-                      <a:r>
-                        <a:rPr lang="en-US" sz="1800" dirty="0">
-                          <a:solidFill>
-                            <a:srgbClr val="0000FF"/>
-                          </a:solidFill>
-                          <a:latin typeface="Consolas" panose="020B0609020204030204" pitchFamily="49" charset="0"/>
-                        </a:rPr>
-                        <a:t>public</a:t>
-                      </a:r>
-                      <a:r>
-                        <a:rPr lang="en-US" sz="1800" dirty="0">
-                          <a:solidFill>
-                            <a:srgbClr val="000000"/>
-                          </a:solidFill>
-                          <a:latin typeface="Consolas" panose="020B0609020204030204" pitchFamily="49" charset="0"/>
-                        </a:rPr>
-                        <a:t> </a:t>
-                      </a:r>
-                      <a:r>
-                        <a:rPr lang="en-US" sz="1800" dirty="0">
-                          <a:solidFill>
-                            <a:srgbClr val="0000FF"/>
-                          </a:solidFill>
-                          <a:latin typeface="Consolas" panose="020B0609020204030204" pitchFamily="49" charset="0"/>
-                        </a:rPr>
-                        <a:t>static</a:t>
-                      </a:r>
-                      <a:r>
-                        <a:rPr lang="en-US" sz="1800" dirty="0">
-                          <a:solidFill>
-                            <a:srgbClr val="000000"/>
-                          </a:solidFill>
-                          <a:latin typeface="Consolas" panose="020B0609020204030204" pitchFamily="49" charset="0"/>
-                        </a:rPr>
-                        <a:t> </a:t>
-                      </a:r>
-                      <a:r>
-                        <a:rPr lang="en-US" sz="1800" dirty="0" err="1">
-                          <a:solidFill>
-                            <a:srgbClr val="000000"/>
-                          </a:solidFill>
-                          <a:latin typeface="Consolas" panose="020B0609020204030204" pitchFamily="49" charset="0"/>
-                        </a:rPr>
-                        <a:t>IWebHost</a:t>
-                      </a:r>
-                      <a:r>
-                        <a:rPr lang="en-US" sz="1800" dirty="0">
-                          <a:solidFill>
-                            <a:srgbClr val="000000"/>
-                          </a:solidFill>
-                          <a:latin typeface="Consolas" panose="020B0609020204030204" pitchFamily="49" charset="0"/>
-                        </a:rPr>
-                        <a:t> </a:t>
-                      </a:r>
-                      <a:r>
-                        <a:rPr lang="en-US" sz="1800" dirty="0" err="1">
-                          <a:solidFill>
-                            <a:srgbClr val="000000"/>
-                          </a:solidFill>
-                          <a:latin typeface="Consolas" panose="020B0609020204030204" pitchFamily="49" charset="0"/>
-                        </a:rPr>
-                        <a:t>BuildWebHost</a:t>
-                      </a:r>
-                      <a:r>
-                        <a:rPr lang="en-US" sz="1800" dirty="0">
-                          <a:solidFill>
-                            <a:srgbClr val="000000"/>
-                          </a:solidFill>
-                          <a:latin typeface="Consolas" panose="020B0609020204030204" pitchFamily="49" charset="0"/>
-                        </a:rPr>
-                        <a:t>(</a:t>
-                      </a:r>
-                      <a:r>
-                        <a:rPr lang="en-US" sz="1800" dirty="0">
-                          <a:solidFill>
-                            <a:srgbClr val="0000FF"/>
-                          </a:solidFill>
-                          <a:latin typeface="Consolas" panose="020B0609020204030204" pitchFamily="49" charset="0"/>
-                        </a:rPr>
-                        <a:t>string</a:t>
-                      </a:r>
-                      <a:r>
-                        <a:rPr lang="en-US" sz="1800" dirty="0">
-                          <a:solidFill>
-                            <a:srgbClr val="000000"/>
-                          </a:solidFill>
-                          <a:latin typeface="Consolas" panose="020B0609020204030204" pitchFamily="49" charset="0"/>
-                        </a:rPr>
-                        <a:t>[] </a:t>
-                      </a:r>
-                      <a:r>
-                        <a:rPr lang="en-US" sz="1800" dirty="0" err="1">
-                          <a:solidFill>
-                            <a:srgbClr val="000000"/>
-                          </a:solidFill>
-                          <a:latin typeface="Consolas" panose="020B0609020204030204" pitchFamily="49" charset="0"/>
-                        </a:rPr>
-                        <a:t>args</a:t>
-                      </a:r>
-                      <a:r>
-                        <a:rPr lang="en-US" sz="1800" dirty="0">
-                          <a:solidFill>
-                            <a:srgbClr val="000000"/>
-                          </a:solidFill>
-                          <a:latin typeface="Consolas" panose="020B0609020204030204" pitchFamily="49" charset="0"/>
-                        </a:rPr>
-                        <a:t>) =&gt;</a:t>
-                      </a:r>
-                    </a:p>
-                    <a:p>
-                      <a:r>
-                        <a:rPr lang="en-US" sz="1800" dirty="0">
-                          <a:solidFill>
-                            <a:srgbClr val="000000"/>
-                          </a:solidFill>
-                          <a:latin typeface="Consolas" panose="020B0609020204030204" pitchFamily="49" charset="0"/>
-                        </a:rPr>
-                        <a:t>        </a:t>
-                      </a:r>
-                      <a:r>
-                        <a:rPr lang="en-US" sz="1800" dirty="0" err="1">
-                          <a:solidFill>
-                            <a:srgbClr val="000000"/>
-                          </a:solidFill>
-                          <a:latin typeface="Consolas" panose="020B0609020204030204" pitchFamily="49" charset="0"/>
-                        </a:rPr>
-                        <a:t>WebHost.CreateDefaultBuilder</a:t>
-                      </a:r>
-                      <a:r>
-                        <a:rPr lang="en-US" sz="1800" dirty="0">
-                          <a:solidFill>
-                            <a:srgbClr val="000000"/>
-                          </a:solidFill>
-                          <a:latin typeface="Consolas" panose="020B0609020204030204" pitchFamily="49" charset="0"/>
-                        </a:rPr>
-                        <a:t>(</a:t>
-                      </a:r>
-                      <a:r>
-                        <a:rPr lang="en-US" sz="1800" dirty="0" err="1">
-                          <a:solidFill>
-                            <a:srgbClr val="000000"/>
-                          </a:solidFill>
-                          <a:latin typeface="Consolas" panose="020B0609020204030204" pitchFamily="49" charset="0"/>
-                        </a:rPr>
-                        <a:t>args</a:t>
-                      </a:r>
-                      <a:r>
-                        <a:rPr lang="en-US" sz="1800" dirty="0">
-                          <a:solidFill>
-                            <a:srgbClr val="000000"/>
-                          </a:solidFill>
-                          <a:latin typeface="Consolas" panose="020B0609020204030204" pitchFamily="49" charset="0"/>
-                        </a:rPr>
-                        <a:t>)</a:t>
-                      </a:r>
-                    </a:p>
-                    <a:p>
-                      <a:r>
-                        <a:rPr lang="en-US" sz="1800" dirty="0">
-                          <a:solidFill>
-                            <a:srgbClr val="000000"/>
-                          </a:solidFill>
-                          <a:latin typeface="Consolas" panose="020B0609020204030204" pitchFamily="49" charset="0"/>
-                        </a:rPr>
-                        <a:t>            .</a:t>
-                      </a:r>
-                      <a:r>
-                        <a:rPr lang="en-US" sz="1800" dirty="0" err="1">
-                          <a:solidFill>
-                            <a:srgbClr val="000000"/>
-                          </a:solidFill>
-                          <a:latin typeface="Consolas" panose="020B0609020204030204" pitchFamily="49" charset="0"/>
-                        </a:rPr>
-                        <a:t>UseStartup</a:t>
-                      </a:r>
-                      <a:r>
-                        <a:rPr lang="en-US" sz="1800" dirty="0">
-                          <a:solidFill>
-                            <a:srgbClr val="000000"/>
-                          </a:solidFill>
-                          <a:latin typeface="Consolas" panose="020B0609020204030204" pitchFamily="49" charset="0"/>
-                        </a:rPr>
-                        <a:t>&lt;Startup&gt;()</a:t>
-                      </a:r>
-                    </a:p>
-                    <a:p>
-                      <a:r>
-                        <a:rPr lang="en-US" sz="1800" dirty="0">
-                          <a:solidFill>
-                            <a:srgbClr val="000000"/>
-                          </a:solidFill>
-                          <a:latin typeface="Consolas" panose="020B0609020204030204" pitchFamily="49" charset="0"/>
-                        </a:rPr>
-                        <a:t>            .Build();</a:t>
-                      </a:r>
-                    </a:p>
-                    <a:p>
-                      <a:r>
-                        <a:rPr lang="en-US" sz="1800" dirty="0">
-                          <a:solidFill>
-                            <a:srgbClr val="000000"/>
-                          </a:solidFill>
-                          <a:latin typeface="Consolas" panose="020B0609020204030204" pitchFamily="49" charset="0"/>
-                        </a:rPr>
-                        <a:t>}</a:t>
-                      </a:r>
-                    </a:p>
-                  </a:txBody>
-                  <a:tcPr>
-                    <a:lnL w="12700" cap="flat" cmpd="sng" algn="ctr">
-                      <a:noFill/>
-                      <a:prstDash val="solid"/>
-                      <a:round/>
-                      <a:headEnd type="none" w="med" len="med"/>
-                      <a:tailEnd type="none" w="med" len="med"/>
-                    </a:lnL>
-                    <a:lnR w="12700" cap="flat" cmpd="sng" algn="ctr">
-                      <a:noFill/>
-                      <a:prstDash val="solid"/>
-                      <a:round/>
-                      <a:headEnd type="none" w="med" len="med"/>
-                      <a:tailEnd type="none" w="med" len="med"/>
-                    </a:lnR>
-                    <a:lnT w="12700" cap="flat" cmpd="sng" algn="ctr">
-                      <a:noFill/>
-                      <a:prstDash val="solid"/>
-                      <a:round/>
-                      <a:headEnd type="none" w="med" len="med"/>
-                      <a:tailEnd type="none" w="med" len="med"/>
-                    </a:lnT>
-                    <a:lnB w="12700" cap="flat" cmpd="sng" algn="ctr">
-                      <a:noFill/>
-                      <a:prstDash val="solid"/>
-                      <a:round/>
-                      <a:headEnd type="none" w="med" len="med"/>
-                      <a:tailEnd type="none" w="med" len="med"/>
-                    </a:lnB>
-                    <a:solidFill>
-                      <a:schemeClr val="tx1"/>
-                    </a:solidFill>
-                  </a:tcPr>
-                </a:tc>
-                <a:extLst>
-                  <a:ext uri="{0D108BD9-81ED-4DB2-BD59-A6C34878D82A}">
-                    <a16:rowId xmlns:a16="http://schemas.microsoft.com/office/drawing/2014/main" val="3473222697"/>
-                  </a:ext>
-                </a:extLst>
-              </a:tr>
-            </a:tbl>
-          </a:graphicData>
-        </a:graphic>
-      </p:graphicFrame>
-      <p:sp>
-        <p:nvSpPr>
-          <p:cNvPr id="11" name="Rectangle 10">
-            <a:extLst>
-              <a:ext uri="{FF2B5EF4-FFF2-40B4-BE49-F238E27FC236}">
-                <a16:creationId xmlns:a16="http://schemas.microsoft.com/office/drawing/2014/main" id="{3FD31E7E-737B-4F1D-9B31-3301F7C2FA3A}"/>
-              </a:ext>
-            </a:extLst>
-          </p:cNvPr>
-          <p:cNvSpPr/>
-          <p:nvPr/>
-        </p:nvSpPr>
-        <p:spPr>
-          <a:xfrm>
-            <a:off x="850988" y="1840066"/>
-            <a:ext cx="2900800" cy="446567"/>
-          </a:xfrm>
-          <a:prstGeom prst="rect">
-            <a:avLst/>
-          </a:prstGeom>
-          <a:ln w="57150">
-            <a:solidFill>
-              <a:schemeClr val="accent1">
-                <a:lumMod val="50000"/>
-              </a:schemeClr>
-            </a:solidFill>
-          </a:ln>
-        </p:spPr>
-        <p:style>
-          <a:lnRef idx="1">
-            <a:schemeClr val="accent1"/>
-          </a:lnRef>
-          <a:fillRef idx="2">
-            <a:schemeClr val="accent1"/>
-          </a:fillRef>
-          <a:effectRef idx="1">
-            <a:schemeClr val="accent1"/>
-          </a:effectRef>
-          <a:fontRef idx="minor">
-            <a:schemeClr val="dk1"/>
-          </a:fontRef>
-        </p:style>
-        <p:txBody>
-          <a:bodyPr rtlCol="0" anchor="ctr"/>
-          <a:lstStyle/>
-          <a:p>
-            <a:pPr algn="ctr"/>
-            <a:r>
-              <a:rPr lang="en-US" b="1" dirty="0" err="1"/>
-              <a:t>Program.cs</a:t>
-            </a:r>
-            <a:endParaRPr lang="en-US" b="1" dirty="0"/>
-          </a:p>
-        </p:txBody>
-      </p:sp>
-      <p:graphicFrame>
-        <p:nvGraphicFramePr>
-          <p:cNvPr id="12" name="Table 11">
-            <a:extLst>
-              <a:ext uri="{FF2B5EF4-FFF2-40B4-BE49-F238E27FC236}">
-                <a16:creationId xmlns:a16="http://schemas.microsoft.com/office/drawing/2014/main" id="{0D900527-3EF5-48DB-BAA9-05F3521219A1}"/>
-              </a:ext>
-            </a:extLst>
-          </p:cNvPr>
-          <p:cNvGraphicFramePr>
-            <a:graphicFrameLocks noGrp="1"/>
-          </p:cNvGraphicFramePr>
-          <p:nvPr>
-            <p:extLst>
-              <p:ext uri="{D42A27DB-BD31-4B8C-83A1-F6EECF244321}">
-                <p14:modId xmlns:p14="http://schemas.microsoft.com/office/powerpoint/2010/main" val="907461904"/>
-              </p:ext>
-            </p:extLst>
-          </p:nvPr>
-        </p:nvGraphicFramePr>
-        <p:xfrm>
-          <a:off x="5198853" y="4987925"/>
-          <a:ext cx="6154947" cy="1188720"/>
-        </p:xfrm>
-        <a:graphic>
-          <a:graphicData uri="http://schemas.openxmlformats.org/drawingml/2006/table">
-            <a:tbl>
-              <a:tblPr firstRow="1" bandRow="1">
-                <a:tableStyleId>{5C22544A-7EE6-4342-B048-85BDC9FD1C3A}</a:tableStyleId>
-              </a:tblPr>
-              <a:tblGrid>
-                <a:gridCol w="6154947">
-                  <a:extLst>
-                    <a:ext uri="{9D8B030D-6E8A-4147-A177-3AD203B41FA5}">
-                      <a16:colId xmlns:a16="http://schemas.microsoft.com/office/drawing/2014/main" val="1057070397"/>
-                    </a:ext>
-                  </a:extLst>
-                </a:gridCol>
-              </a:tblGrid>
-              <a:tr h="584446">
-                <a:tc>
-                  <a:txBody>
-                    <a:bodyPr/>
-                    <a:lstStyle/>
-                    <a:p>
-                      <a:r>
-                        <a:rPr lang="en-US" sz="1800" dirty="0">
-                          <a:solidFill>
-                            <a:srgbClr val="0000FF"/>
-                          </a:solidFill>
-                          <a:latin typeface="Consolas" panose="020B0609020204030204" pitchFamily="49" charset="0"/>
-                        </a:rPr>
-                        <a:t>public</a:t>
-                      </a:r>
-                      <a:r>
-                        <a:rPr lang="en-US" sz="1800" dirty="0">
-                          <a:solidFill>
-                            <a:srgbClr val="000000"/>
-                          </a:solidFill>
-                          <a:latin typeface="Consolas" panose="020B0609020204030204" pitchFamily="49" charset="0"/>
-                        </a:rPr>
-                        <a:t> Startup(</a:t>
-                      </a:r>
-                      <a:r>
-                        <a:rPr lang="en-US" sz="1800" dirty="0" err="1">
-                          <a:solidFill>
-                            <a:srgbClr val="2B91AF"/>
-                          </a:solidFill>
-                          <a:latin typeface="Consolas" panose="020B0609020204030204" pitchFamily="49" charset="0"/>
-                        </a:rPr>
-                        <a:t>IConfiguration</a:t>
-                      </a:r>
-                      <a:r>
-                        <a:rPr lang="en-US" sz="1800" dirty="0">
-                          <a:solidFill>
-                            <a:srgbClr val="000000"/>
-                          </a:solidFill>
-                          <a:latin typeface="Consolas" panose="020B0609020204030204" pitchFamily="49" charset="0"/>
-                        </a:rPr>
-                        <a:t> configuration) =&gt;</a:t>
-                      </a:r>
-                    </a:p>
-                    <a:p>
-                      <a:r>
-                        <a:rPr lang="en-US" sz="1800" dirty="0">
-                          <a:solidFill>
-                            <a:srgbClr val="000000"/>
-                          </a:solidFill>
-                          <a:latin typeface="Consolas" panose="020B0609020204030204" pitchFamily="49" charset="0"/>
-                        </a:rPr>
-                        <a:t>    Configuration = configuration;</a:t>
-                      </a:r>
-                    </a:p>
-                    <a:p>
-                      <a:endParaRPr lang="en-US" sz="1800" dirty="0">
-                        <a:solidFill>
-                          <a:srgbClr val="000000"/>
-                        </a:solidFill>
-                        <a:latin typeface="Consolas" panose="020B0609020204030204" pitchFamily="49" charset="0"/>
-                      </a:endParaRPr>
-                    </a:p>
-                    <a:p>
-                      <a:r>
-                        <a:rPr lang="en-US" sz="1800" dirty="0">
-                          <a:solidFill>
-                            <a:srgbClr val="0000FF"/>
-                          </a:solidFill>
-                          <a:latin typeface="Consolas" panose="020B0609020204030204" pitchFamily="49" charset="0"/>
-                        </a:rPr>
-                        <a:t>public</a:t>
-                      </a:r>
-                      <a:r>
-                        <a:rPr lang="en-US" sz="1800" dirty="0">
-                          <a:solidFill>
-                            <a:srgbClr val="000000"/>
-                          </a:solidFill>
-                          <a:latin typeface="Consolas" panose="020B0609020204030204" pitchFamily="49" charset="0"/>
-                        </a:rPr>
-                        <a:t> </a:t>
-                      </a:r>
-                      <a:r>
-                        <a:rPr lang="en-US" sz="1800" dirty="0" err="1">
-                          <a:solidFill>
-                            <a:srgbClr val="2B91AF"/>
-                          </a:solidFill>
-                          <a:latin typeface="Consolas" panose="020B0609020204030204" pitchFamily="49" charset="0"/>
-                        </a:rPr>
-                        <a:t>IConfiguration</a:t>
-                      </a:r>
-                      <a:r>
-                        <a:rPr lang="en-US" sz="1800" dirty="0">
-                          <a:solidFill>
-                            <a:srgbClr val="000000"/>
-                          </a:solidFill>
-                          <a:latin typeface="Consolas" panose="020B0609020204030204" pitchFamily="49" charset="0"/>
-                        </a:rPr>
-                        <a:t> Configuration { </a:t>
-                      </a:r>
-                      <a:r>
-                        <a:rPr lang="en-US" sz="1800" dirty="0">
-                          <a:solidFill>
-                            <a:srgbClr val="0000FF"/>
-                          </a:solidFill>
-                          <a:latin typeface="Consolas" panose="020B0609020204030204" pitchFamily="49" charset="0"/>
-                        </a:rPr>
-                        <a:t>get</a:t>
-                      </a:r>
-                      <a:r>
-                        <a:rPr lang="en-US" sz="1800" dirty="0">
-                          <a:solidFill>
-                            <a:srgbClr val="000000"/>
-                          </a:solidFill>
-                          <a:latin typeface="Consolas" panose="020B0609020204030204" pitchFamily="49" charset="0"/>
-                        </a:rPr>
-                        <a:t>; }</a:t>
-                      </a:r>
-                    </a:p>
-                  </a:txBody>
-                  <a:tcPr>
-                    <a:lnL w="12700" cap="flat" cmpd="sng" algn="ctr">
-                      <a:noFill/>
-                      <a:prstDash val="solid"/>
-                      <a:round/>
-                      <a:headEnd type="none" w="med" len="med"/>
-                      <a:tailEnd type="none" w="med" len="med"/>
-                    </a:lnL>
-                    <a:lnR w="12700" cap="flat" cmpd="sng" algn="ctr">
-                      <a:noFill/>
-                      <a:prstDash val="solid"/>
-                      <a:round/>
-                      <a:headEnd type="none" w="med" len="med"/>
-                      <a:tailEnd type="none" w="med" len="med"/>
-                    </a:lnR>
-                    <a:lnT w="12700" cap="flat" cmpd="sng" algn="ctr">
-                      <a:noFill/>
-                      <a:prstDash val="solid"/>
-                      <a:round/>
-                      <a:headEnd type="none" w="med" len="med"/>
-                      <a:tailEnd type="none" w="med" len="med"/>
-                    </a:lnT>
-                    <a:lnB w="12700" cap="flat" cmpd="sng" algn="ctr">
-                      <a:noFill/>
-                      <a:prstDash val="solid"/>
-                      <a:round/>
-                      <a:headEnd type="none" w="med" len="med"/>
-                      <a:tailEnd type="none" w="med" len="med"/>
-                    </a:lnB>
-                    <a:solidFill>
-                      <a:schemeClr val="tx2">
-                        <a:lumMod val="90000"/>
-                      </a:schemeClr>
-                    </a:solidFill>
-                  </a:tcPr>
-                </a:tc>
-                <a:extLst>
-                  <a:ext uri="{0D108BD9-81ED-4DB2-BD59-A6C34878D82A}">
-                    <a16:rowId xmlns:a16="http://schemas.microsoft.com/office/drawing/2014/main" val="3473222697"/>
-                  </a:ext>
-                </a:extLst>
-              </a:tr>
-            </a:tbl>
-          </a:graphicData>
-        </a:graphic>
-      </p:graphicFrame>
-      <p:sp>
-        <p:nvSpPr>
-          <p:cNvPr id="13" name="Rectangle 12">
-            <a:extLst>
-              <a:ext uri="{FF2B5EF4-FFF2-40B4-BE49-F238E27FC236}">
-                <a16:creationId xmlns:a16="http://schemas.microsoft.com/office/drawing/2014/main" id="{8155BA45-0C24-440B-9304-BAFB18B02174}"/>
-              </a:ext>
-            </a:extLst>
-          </p:cNvPr>
-          <p:cNvSpPr/>
-          <p:nvPr/>
-        </p:nvSpPr>
-        <p:spPr>
-          <a:xfrm>
-            <a:off x="5211641" y="4541356"/>
-            <a:ext cx="1697884" cy="446567"/>
-          </a:xfrm>
-          <a:prstGeom prst="rect">
-            <a:avLst/>
-          </a:prstGeom>
-          <a:ln w="57150">
-            <a:solidFill>
-              <a:schemeClr val="accent1">
-                <a:lumMod val="50000"/>
-              </a:schemeClr>
-            </a:solidFill>
-          </a:ln>
-        </p:spPr>
-        <p:style>
-          <a:lnRef idx="1">
-            <a:schemeClr val="accent1"/>
-          </a:lnRef>
-          <a:fillRef idx="2">
-            <a:schemeClr val="accent1"/>
-          </a:fillRef>
-          <a:effectRef idx="1">
-            <a:schemeClr val="accent1"/>
-          </a:effectRef>
-          <a:fontRef idx="minor">
-            <a:schemeClr val="dk1"/>
-          </a:fontRef>
-        </p:style>
-        <p:txBody>
-          <a:bodyPr rtlCol="0" anchor="ctr"/>
-          <a:lstStyle/>
-          <a:p>
-            <a:pPr algn="ctr"/>
-            <a:r>
-              <a:rPr lang="en-US" b="1" dirty="0" err="1"/>
-              <a:t>Startup.cs</a:t>
-            </a:r>
-            <a:endParaRPr lang="en-US" b="1" dirty="0"/>
-          </a:p>
-        </p:txBody>
-      </p:sp>
-      <p:sp>
-        <p:nvSpPr>
-          <p:cNvPr id="14" name="Arrow: Bent-Up 13">
-            <a:extLst>
-              <a:ext uri="{FF2B5EF4-FFF2-40B4-BE49-F238E27FC236}">
-                <a16:creationId xmlns:a16="http://schemas.microsoft.com/office/drawing/2014/main" id="{1452720B-ED14-4BD1-AE9A-60F321D36480}"/>
-              </a:ext>
-            </a:extLst>
-          </p:cNvPr>
-          <p:cNvSpPr/>
-          <p:nvPr/>
-        </p:nvSpPr>
-        <p:spPr>
-          <a:xfrm rot="5400000">
-            <a:off x="4125098" y="4665686"/>
-            <a:ext cx="1399216" cy="1070042"/>
-          </a:xfrm>
-          <a:prstGeom prst="bentUpArrow">
-            <a:avLst/>
-          </a:prstGeom>
-          <a:ln>
-            <a:solidFill>
-              <a:schemeClr val="tx1"/>
-            </a:solidFill>
-          </a:ln>
-        </p:spPr>
-        <p:style>
-          <a:lnRef idx="2">
-            <a:schemeClr val="accent1">
-              <a:shade val="50000"/>
-            </a:schemeClr>
-          </a:lnRef>
-          <a:fillRef idx="1">
-            <a:schemeClr val="accent1"/>
-          </a:fillRef>
-          <a:effectRef idx="0">
-            <a:schemeClr val="accent1"/>
-          </a:effectRef>
-          <a:fontRef idx="minor">
-            <a:schemeClr val="lt1"/>
-          </a:fontRef>
-        </p:style>
-        <p:txBody>
-          <a:bodyPr rtlCol="0" anchor="ctr"/>
-          <a:lstStyle/>
-          <a:p>
-            <a:pPr algn="ctr"/>
-            <a:endParaRPr lang="en-US" dirty="0">
-              <a:solidFill>
-                <a:schemeClr val="tx1"/>
-              </a:solidFill>
-            </a:endParaRPr>
-          </a:p>
-        </p:txBody>
-      </p:sp>
-    </p:spTree>
-    <p:extLst>
-      <p:ext uri="{BB962C8B-B14F-4D97-AF65-F5344CB8AC3E}">
-        <p14:creationId xmlns:p14="http://schemas.microsoft.com/office/powerpoint/2010/main" val="2569080708"/>
-      </p:ext>
-    </p:extLst>
-  </p:cSld>
-  <p:clrMapOvr>
-    <a:masterClrMapping/>
-  </p:clrMapOvr>
-  <p:timing>
-    <p:tnLst>
-      <p:par>
-        <p:cTn id="1" dur="indefinite" restart="never" nodeType="tmRoot">
-          <p:childTnLst>
-            <p:seq concurrent="1" nextAc="seek">
-              <p:cTn id="2" dur="indefinite" nodeType="mainSeq">
-                <p:childTnLst>
-                  <p:par>
-                    <p:cTn id="3" fill="hold">
-                      <p:stCondLst>
-                        <p:cond delay="indefinite"/>
-                      </p:stCondLst>
-                      <p:childTnLst>
-                        <p:par>
-                          <p:cTn id="4" fill="hold">
-                            <p:stCondLst>
-                              <p:cond delay="0"/>
-                            </p:stCondLst>
-                            <p:childTnLst>
-                              <p:par>
-                                <p:cTn id="5" presetID="1" presetClass="entr" presetSubtype="0" fill="hold" nodeType="clickEffect">
-                                  <p:stCondLst>
-                                    <p:cond delay="0"/>
-                                  </p:stCondLst>
-                                  <p:childTnLst>
-                                    <p:set>
-                                      <p:cBhvr>
-                                        <p:cTn id="6" dur="1" fill="hold">
-                                          <p:stCondLst>
-                                            <p:cond delay="0"/>
-                                          </p:stCondLst>
-                                        </p:cTn>
-                                        <p:tgtEl>
-                                          <p:spTgt spid="10"/>
-                                        </p:tgtEl>
-                                        <p:attrNameLst>
-                                          <p:attrName>style.visibility</p:attrName>
-                                        </p:attrNameLst>
-                                      </p:cBhvr>
-                                      <p:to>
-                                        <p:strVal val="visible"/>
-                                      </p:to>
-                                    </p:set>
-                                  </p:childTnLst>
-                                </p:cTn>
-                              </p:par>
-                              <p:par>
-                                <p:cTn id="7" presetID="1" presetClass="entr" presetSubtype="0" fill="hold" grpId="0" nodeType="withEffect">
-                                  <p:stCondLst>
-                                    <p:cond delay="0"/>
-                                  </p:stCondLst>
-                                  <p:childTnLst>
-                                    <p:set>
-                                      <p:cBhvr>
-                                        <p:cTn id="8" dur="1" fill="hold">
-                                          <p:stCondLst>
-                                            <p:cond delay="0"/>
-                                          </p:stCondLst>
-                                        </p:cTn>
-                                        <p:tgtEl>
-                                          <p:spTgt spid="11"/>
-                                        </p:tgtEl>
-                                        <p:attrNameLst>
-                                          <p:attrName>style.visibility</p:attrName>
-                                        </p:attrNameLst>
-                                      </p:cBhvr>
-                                      <p:to>
-                                        <p:strVal val="visible"/>
-                                      </p:to>
-                                    </p:set>
-                                  </p:childTnLst>
-                                </p:cTn>
-                              </p:par>
-                            </p:childTnLst>
-                          </p:cTn>
-                        </p:par>
-                      </p:childTnLst>
-                    </p:cTn>
-                  </p:par>
-                  <p:par>
-                    <p:cTn id="9" fill="hold">
-                      <p:stCondLst>
-                        <p:cond delay="indefinite"/>
-                      </p:stCondLst>
-                      <p:childTnLst>
-                        <p:par>
-                          <p:cTn id="10" fill="hold">
-                            <p:stCondLst>
-                              <p:cond delay="0"/>
-                            </p:stCondLst>
-                            <p:childTnLst>
-                              <p:par>
-                                <p:cTn id="11" presetID="22" presetClass="entr" presetSubtype="1" fill="hold" grpId="0" nodeType="clickEffect">
-                                  <p:stCondLst>
-                                    <p:cond delay="0"/>
-                                  </p:stCondLst>
-                                  <p:childTnLst>
-                                    <p:set>
-                                      <p:cBhvr>
-                                        <p:cTn id="12" dur="1" fill="hold">
-                                          <p:stCondLst>
-                                            <p:cond delay="0"/>
-                                          </p:stCondLst>
-                                        </p:cTn>
-                                        <p:tgtEl>
-                                          <p:spTgt spid="14"/>
-                                        </p:tgtEl>
-                                        <p:attrNameLst>
-                                          <p:attrName>style.visibility</p:attrName>
-                                        </p:attrNameLst>
-                                      </p:cBhvr>
-                                      <p:to>
-                                        <p:strVal val="visible"/>
-                                      </p:to>
-                                    </p:set>
-                                    <p:animEffect transition="in" filter="wipe(up)">
-                                      <p:cBhvr>
-                                        <p:cTn id="13" dur="500"/>
-                                        <p:tgtEl>
-                                          <p:spTgt spid="14"/>
-                                        </p:tgtEl>
-                                      </p:cBhvr>
-                                    </p:animEffect>
-                                  </p:childTnLst>
-                                </p:cTn>
-                              </p:par>
-                            </p:childTnLst>
-                          </p:cTn>
-                        </p:par>
-                      </p:childTnLst>
-                    </p:cTn>
-                  </p:par>
-                  <p:par>
-                    <p:cTn id="14" fill="hold">
-                      <p:stCondLst>
-                        <p:cond delay="indefinite"/>
-                      </p:stCondLst>
-                      <p:childTnLst>
-                        <p:par>
-                          <p:cTn id="15" fill="hold">
-                            <p:stCondLst>
-                              <p:cond delay="0"/>
-                            </p:stCondLst>
-                            <p:childTnLst>
-                              <p:par>
-                                <p:cTn id="16" presetID="1" presetClass="entr" presetSubtype="0" fill="hold" nodeType="clickEffect">
-                                  <p:stCondLst>
-                                    <p:cond delay="0"/>
-                                  </p:stCondLst>
-                                  <p:childTnLst>
-                                    <p:set>
-                                      <p:cBhvr>
-                                        <p:cTn id="17" dur="1" fill="hold">
-                                          <p:stCondLst>
-                                            <p:cond delay="0"/>
-                                          </p:stCondLst>
-                                        </p:cTn>
-                                        <p:tgtEl>
-                                          <p:spTgt spid="12"/>
-                                        </p:tgtEl>
-                                        <p:attrNameLst>
-                                          <p:attrName>style.visibility</p:attrName>
-                                        </p:attrNameLst>
-                                      </p:cBhvr>
-                                      <p:to>
-                                        <p:strVal val="visible"/>
-                                      </p:to>
-                                    </p:set>
-                                  </p:childTnLst>
-                                </p:cTn>
-                              </p:par>
-                              <p:par>
-                                <p:cTn id="18" presetID="1" presetClass="entr" presetSubtype="0" fill="hold" grpId="0" nodeType="withEffect">
-                                  <p:stCondLst>
-                                    <p:cond delay="0"/>
-                                  </p:stCondLst>
-                                  <p:childTnLst>
-                                    <p:set>
-                                      <p:cBhvr>
-                                        <p:cTn id="19" dur="1" fill="hold">
-                                          <p:stCondLst>
-                                            <p:cond delay="0"/>
-                                          </p:stCondLst>
-                                        </p:cTn>
-                                        <p:tgtEl>
-                                          <p:spTgt spid="13"/>
-                                        </p:tgtEl>
-                                        <p:attrNameLst>
-                                          <p:attrName>style.visibility</p:attrName>
-                                        </p:attrNameLst>
-                                      </p:cBhvr>
-                                      <p:to>
-                                        <p:strVal val="visible"/>
-                                      </p:to>
-                                    </p:set>
-                                  </p:childTnLst>
-                                </p:cTn>
-                              </p:par>
-                            </p:childTnLst>
-                          </p:cTn>
-                        </p:par>
-                      </p:childTnLst>
-                    </p:cTn>
-                  </p:par>
-                </p:childTnLst>
-              </p:cTn>
-              <p:prevCondLst>
-                <p:cond evt="onPrev" delay="0">
-                  <p:tgtEl>
-                    <p:sldTgt/>
-                  </p:tgtEl>
-                </p:cond>
-              </p:prevCondLst>
-              <p:nextCondLst>
-                <p:cond evt="onNext" delay="0">
-                  <p:tgtEl>
-                    <p:sldTgt/>
-                  </p:tgtEl>
-                </p:cond>
-              </p:nextCondLst>
-            </p:seq>
-          </p:childTnLst>
-        </p:cTn>
-      </p:par>
-    </p:tnLst>
-    <p:bldLst>
-      <p:bldP spid="11" grpId="0" animBg="1"/>
-      <p:bldP spid="13" grpId="0" animBg="1"/>
-      <p:bldP spid="14" grpId="0" animBg="1"/>
-    </p:bldLst>
-  </p:timing>
-</p:sld>
-</file>
-
-<file path=ppt/slides/slide13.xml><?xml version="1.0" encoding="utf-8"?>
-<p:sld xmlns:a="http://schemas.openxmlformats.org/drawingml/2006/main" xmlns:r="http://schemas.openxmlformats.org/officeDocument/2006/relationships" xmlns:p="http://schemas.openxmlformats.org/presentationml/2006/main">
-  <p:cSld>
-    <p:bg>
-      <p:bgPr>
-        <a:solidFill>
-          <a:srgbClr val="505050"/>
-        </a:solidFill>
-        <a:effectLst/>
-      </p:bgPr>
-    </p:bg>
-    <p:spTree>
-      <p:nvGrpSpPr>
-        <p:cNvPr id="1" name=""/>
-        <p:cNvGrpSpPr/>
-        <p:nvPr/>
-      </p:nvGrpSpPr>
-      <p:grpSpPr>
-        <a:xfrm>
-          <a:off x="0" y="0"/>
-          <a:ext cx="0" cy="0"/>
-          <a:chOff x="0" y="0"/>
-          <a:chExt cx="0" cy="0"/>
-        </a:xfrm>
-      </p:grpSpPr>
-      <p:sp>
-        <p:nvSpPr>
-          <p:cNvPr id="5" name="Title 4">
-            <a:extLst>
-              <a:ext uri="{FF2B5EF4-FFF2-40B4-BE49-F238E27FC236}">
-                <a16:creationId xmlns:a16="http://schemas.microsoft.com/office/drawing/2014/main" id="{F43BA709-5577-422C-9FB6-05CC66D94DB3}"/>
-              </a:ext>
-            </a:extLst>
-          </p:cNvPr>
-          <p:cNvSpPr>
-            <a:spLocks noGrp="1"/>
-          </p:cNvSpPr>
-          <p:nvPr>
-            <p:ph type="title"/>
-          </p:nvPr>
-        </p:nvSpPr>
-        <p:spPr/>
-        <p:txBody>
-          <a:bodyPr/>
-          <a:lstStyle/>
-          <a:p>
-            <a:r>
-              <a:rPr lang="en-US" dirty="0">
-                <a:solidFill>
-                  <a:srgbClr val="A0C4E5"/>
-                </a:solidFill>
-              </a:rPr>
-              <a:t>DEMO</a:t>
-            </a:r>
-          </a:p>
-        </p:txBody>
-      </p:sp>
-      <p:sp>
-        <p:nvSpPr>
-          <p:cNvPr id="6" name="Text Placeholder 5">
-            <a:extLst>
-              <a:ext uri="{FF2B5EF4-FFF2-40B4-BE49-F238E27FC236}">
-                <a16:creationId xmlns:a16="http://schemas.microsoft.com/office/drawing/2014/main" id="{C8594BAD-33C7-429F-B7C6-F62B424226E0}"/>
-              </a:ext>
-            </a:extLst>
-          </p:cNvPr>
-          <p:cNvSpPr>
-            <a:spLocks noGrp="1"/>
-          </p:cNvSpPr>
-          <p:nvPr>
-            <p:ph type="body" idx="1"/>
-          </p:nvPr>
-        </p:nvSpPr>
-        <p:spPr/>
-        <p:txBody>
-          <a:bodyPr/>
-          <a:lstStyle/>
-          <a:p>
-            <a:r>
-              <a:rPr lang="en-US" dirty="0"/>
               <a:t>Add configuration providers</a:t>
             </a:r>
           </a:p>
@@ -17598,7 +14635,7 @@
 </p:sld>
 </file>
 
-<file path=ppt/slides/slide14.xml><?xml version="1.0" encoding="utf-8"?>
+<file path=ppt/slides/slide11.xml><?xml version="1.0" encoding="utf-8"?>
 <p:sld xmlns:a="http://schemas.openxmlformats.org/drawingml/2006/main" xmlns:r="http://schemas.openxmlformats.org/officeDocument/2006/relationships" xmlns:p="http://schemas.openxmlformats.org/presentationml/2006/main">
   <p:cSld>
     <p:bg>
@@ -18348,390 +15385,7 @@
 </p:sld>
 </file>
 
-<file path=ppt/slides/slide15.xml><?xml version="1.0" encoding="utf-8"?>
-<p:sld xmlns:a="http://schemas.openxmlformats.org/drawingml/2006/main" xmlns:r="http://schemas.openxmlformats.org/officeDocument/2006/relationships" xmlns:p="http://schemas.openxmlformats.org/presentationml/2006/main">
-  <p:cSld>
-    <p:bg>
-      <p:bgPr>
-        <a:blipFill dpi="0" rotWithShape="1">
-          <a:blip r:embed="rId3">
-            <a:lum/>
-          </a:blip>
-          <a:srcRect/>
-          <a:stretch>
-            <a:fillRect/>
-          </a:stretch>
-        </a:blipFill>
-        <a:effectLst/>
-      </p:bgPr>
-    </p:bg>
-    <p:spTree>
-      <p:nvGrpSpPr>
-        <p:cNvPr id="1" name=""/>
-        <p:cNvGrpSpPr/>
-        <p:nvPr/>
-      </p:nvGrpSpPr>
-      <p:grpSpPr>
-        <a:xfrm>
-          <a:off x="0" y="0"/>
-          <a:ext cx="0" cy="0"/>
-          <a:chOff x="0" y="0"/>
-          <a:chExt cx="0" cy="0"/>
-        </a:xfrm>
-      </p:grpSpPr>
-    </p:spTree>
-    <p:extLst>
-      <p:ext uri="{BB962C8B-B14F-4D97-AF65-F5344CB8AC3E}">
-        <p14:creationId xmlns:p14="http://schemas.microsoft.com/office/powerpoint/2010/main" val="3487032111"/>
-      </p:ext>
-    </p:extLst>
-  </p:cSld>
-  <p:clrMapOvr>
-    <a:masterClrMapping/>
-  </p:clrMapOvr>
-</p:sld>
-</file>
-
-<file path=ppt/slides/slide2.xml><?xml version="1.0" encoding="utf-8"?>
-<p:sld xmlns:a="http://schemas.openxmlformats.org/drawingml/2006/main" xmlns:r="http://schemas.openxmlformats.org/officeDocument/2006/relationships" xmlns:p="http://schemas.openxmlformats.org/presentationml/2006/main">
-  <p:cSld>
-    <p:spTree>
-      <p:nvGrpSpPr>
-        <p:cNvPr id="1" name=""/>
-        <p:cNvGrpSpPr/>
-        <p:nvPr/>
-      </p:nvGrpSpPr>
-      <p:grpSpPr>
-        <a:xfrm>
-          <a:off x="0" y="0"/>
-          <a:ext cx="0" cy="0"/>
-          <a:chOff x="0" y="0"/>
-          <a:chExt cx="0" cy="0"/>
-        </a:xfrm>
-      </p:grpSpPr>
-      <p:pic>
-        <p:nvPicPr>
-          <p:cNvPr id="13" name="Picture 12">
-            <a:extLst>
-              <a:ext uri="{FF2B5EF4-FFF2-40B4-BE49-F238E27FC236}">
-                <a16:creationId xmlns:a16="http://schemas.microsoft.com/office/drawing/2014/main" id="{A82AE72D-1EAB-4CAF-A6EB-CEE30FC935AA}"/>
-              </a:ext>
-            </a:extLst>
-          </p:cNvPr>
-          <p:cNvPicPr>
-            <a:picLocks noChangeAspect="1"/>
-          </p:cNvPicPr>
-          <p:nvPr/>
-        </p:nvPicPr>
-        <p:blipFill>
-          <a:blip r:embed="rId3">
-            <a:extLst>
-              <a:ext uri="{28A0092B-C50C-407E-A947-70E740481C1C}">
-                <a14:useLocalDpi xmlns:a14="http://schemas.microsoft.com/office/drawing/2010/main" val="0"/>
-              </a:ext>
-            </a:extLst>
-          </a:blip>
-          <a:stretch>
-            <a:fillRect/>
-          </a:stretch>
-        </p:blipFill>
-        <p:spPr>
-          <a:xfrm>
-            <a:off x="-1160" y="0"/>
-            <a:ext cx="12193160" cy="3518745"/>
-          </a:xfrm>
-          <a:prstGeom prst="rect">
-            <a:avLst/>
-          </a:prstGeom>
-        </p:spPr>
-      </p:pic>
-      <p:pic>
-        <p:nvPicPr>
-          <p:cNvPr id="14" name="Picture 13">
-            <a:extLst>
-              <a:ext uri="{FF2B5EF4-FFF2-40B4-BE49-F238E27FC236}">
-                <a16:creationId xmlns:a16="http://schemas.microsoft.com/office/drawing/2014/main" id="{A63E95E6-20C5-44B7-BFA0-3AEC6FCB19A9}"/>
-              </a:ext>
-            </a:extLst>
-          </p:cNvPr>
-          <p:cNvPicPr>
-            <a:picLocks noChangeAspect="1"/>
-          </p:cNvPicPr>
-          <p:nvPr/>
-        </p:nvPicPr>
-        <p:blipFill>
-          <a:blip r:embed="rId3">
-            <a:extLst>
-              <a:ext uri="{28A0092B-C50C-407E-A947-70E740481C1C}">
-                <a14:useLocalDpi xmlns:a14="http://schemas.microsoft.com/office/drawing/2010/main" val="0"/>
-              </a:ext>
-            </a:extLst>
-          </a:blip>
-          <a:stretch>
-            <a:fillRect/>
-          </a:stretch>
-        </p:blipFill>
-        <p:spPr>
-          <a:xfrm rot="10800000">
-            <a:off x="0" y="3339255"/>
-            <a:ext cx="12193160" cy="3518745"/>
-          </a:xfrm>
-          <a:prstGeom prst="rect">
-            <a:avLst/>
-          </a:prstGeom>
-        </p:spPr>
-      </p:pic>
-      <p:sp>
-        <p:nvSpPr>
-          <p:cNvPr id="3" name="Subtitle 2"/>
-          <p:cNvSpPr>
-            <a:spLocks noGrp="1"/>
-          </p:cNvSpPr>
-          <p:nvPr>
-            <p:ph type="subTitle" idx="1"/>
-          </p:nvPr>
-        </p:nvSpPr>
-        <p:spPr>
-          <a:xfrm>
-            <a:off x="1524000" y="5303109"/>
-            <a:ext cx="9144000" cy="1040541"/>
-          </a:xfrm>
-          <a:solidFill>
-            <a:srgbClr val="6E3382"/>
-          </a:solidFill>
-          <a:ln>
-            <a:noFill/>
-          </a:ln>
-        </p:spPr>
-        <p:style>
-          <a:lnRef idx="0">
-            <a:scrgbClr r="0" g="0" b="0"/>
-          </a:lnRef>
-          <a:fillRef idx="0">
-            <a:scrgbClr r="0" g="0" b="0"/>
-          </a:fillRef>
-          <a:effectRef idx="0">
-            <a:scrgbClr r="0" g="0" b="0"/>
-          </a:effectRef>
-          <a:fontRef idx="minor">
-            <a:schemeClr val="lt1"/>
-          </a:fontRef>
-        </p:style>
-        <p:txBody>
-          <a:bodyPr>
-            <a:normAutofit/>
-          </a:bodyPr>
-          <a:lstStyle/>
-          <a:p>
-            <a:endParaRPr lang="en-US" sz="4800" b="1" dirty="0">
-              <a:latin typeface="+mj-lt"/>
-              <a:ea typeface="+mj-ea"/>
-              <a:cs typeface="+mj-cs"/>
-            </a:endParaRPr>
-          </a:p>
-        </p:txBody>
-      </p:sp>
-      <p:pic>
-        <p:nvPicPr>
-          <p:cNvPr id="7" name="Picture 6"/>
-          <p:cNvPicPr>
-            <a:picLocks noChangeAspect="1"/>
-          </p:cNvPicPr>
-          <p:nvPr/>
-        </p:nvPicPr>
-        <p:blipFill>
-          <a:blip r:embed="rId4">
-            <a:extLst>
-              <a:ext uri="{28A0092B-C50C-407E-A947-70E740481C1C}">
-                <a14:useLocalDpi xmlns:a14="http://schemas.microsoft.com/office/drawing/2010/main" val="0"/>
-              </a:ext>
-            </a:extLst>
-          </a:blip>
-          <a:stretch>
-            <a:fillRect/>
-          </a:stretch>
-        </p:blipFill>
-        <p:spPr>
-          <a:xfrm>
-            <a:off x="1593850" y="5361606"/>
-            <a:ext cx="925166" cy="923546"/>
-          </a:xfrm>
-          <a:prstGeom prst="rect">
-            <a:avLst/>
-          </a:prstGeom>
-        </p:spPr>
-      </p:pic>
-      <p:pic>
-        <p:nvPicPr>
-          <p:cNvPr id="11" name="MS logo white"/>
-          <p:cNvPicPr>
-            <a:picLocks noChangeAspect="1"/>
-          </p:cNvPicPr>
-          <p:nvPr/>
-        </p:nvPicPr>
-        <p:blipFill>
-          <a:blip r:embed="rId5" cstate="screen">
-            <a:extLst>
-              <a:ext uri="{28A0092B-C50C-407E-A947-70E740481C1C}">
-                <a14:useLocalDpi xmlns:a14="http://schemas.microsoft.com/office/drawing/2010/main"/>
-              </a:ext>
-            </a:extLst>
-          </a:blip>
-          <a:stretch>
-            <a:fillRect/>
-          </a:stretch>
-        </p:blipFill>
-        <p:spPr bwMode="gray">
-          <a:xfrm>
-            <a:off x="8813209" y="5655611"/>
-            <a:ext cx="1731976" cy="370540"/>
-          </a:xfrm>
-          <a:prstGeom prst="rect">
-            <a:avLst/>
-          </a:prstGeom>
-        </p:spPr>
-      </p:pic>
-      <p:sp>
-        <p:nvSpPr>
-          <p:cNvPr id="6" name="TextBox 5"/>
-          <p:cNvSpPr txBox="1"/>
-          <p:nvPr/>
-        </p:nvSpPr>
-        <p:spPr>
-          <a:xfrm>
-            <a:off x="2588866" y="5361606"/>
-            <a:ext cx="3018184" cy="861774"/>
-          </a:xfrm>
-          <a:prstGeom prst="rect">
-            <a:avLst/>
-          </a:prstGeom>
-          <a:noFill/>
-        </p:spPr>
-        <p:txBody>
-          <a:bodyPr wrap="square" rtlCol="0">
-            <a:spAutoFit/>
-          </a:bodyPr>
-          <a:lstStyle/>
-          <a:p>
-            <a:r>
-              <a:rPr lang="en-US" b="1" dirty="0"/>
-              <a:t>Scott Addie</a:t>
-            </a:r>
-          </a:p>
-          <a:p>
-            <a:r>
-              <a:rPr lang="en-US" sz="1600" b="1" dirty="0"/>
-              <a:t>Senior Content Developer</a:t>
-            </a:r>
-          </a:p>
-          <a:p>
-            <a:r>
-              <a:rPr lang="en-US" sz="1600" b="1" dirty="0"/>
-              <a:t>@</a:t>
-            </a:r>
-            <a:r>
-              <a:rPr lang="en-US" sz="1600" b="1" dirty="0" err="1"/>
-              <a:t>Scott_Addie</a:t>
-            </a:r>
-            <a:endParaRPr lang="en-US" sz="1600" b="1" dirty="0"/>
-          </a:p>
-        </p:txBody>
-      </p:sp>
-      <p:sp>
-        <p:nvSpPr>
-          <p:cNvPr id="2" name="Title 1"/>
-          <p:cNvSpPr>
-            <a:spLocks noGrp="1"/>
-          </p:cNvSpPr>
-          <p:nvPr>
-            <p:ph type="ctrTitle"/>
-          </p:nvPr>
-        </p:nvSpPr>
-        <p:spPr>
-          <a:xfrm>
-            <a:off x="-2320" y="1122363"/>
-            <a:ext cx="12194320" cy="2387600"/>
-          </a:xfrm>
-          <a:solidFill>
-            <a:srgbClr val="6E3382"/>
-          </a:solidFill>
-        </p:spPr>
-        <p:txBody>
-          <a:bodyPr anchor="ctr">
-            <a:normAutofit/>
-          </a:bodyPr>
-          <a:lstStyle/>
-          <a:p>
-            <a:r>
-              <a:rPr lang="en-US" sz="4800" b="1" dirty="0"/>
-              <a:t>What’s new in ASP.NET Core 2.0</a:t>
-            </a:r>
-            <a:endParaRPr lang="en-US" sz="4000" b="1" dirty="0"/>
-          </a:p>
-        </p:txBody>
-      </p:sp>
-      <p:pic>
-        <p:nvPicPr>
-          <p:cNvPr id="12" name="Picture 11" descr="A close up of a toy&#10;&#10;Description generated with high confidence">
-            <a:extLst>
-              <a:ext uri="{FF2B5EF4-FFF2-40B4-BE49-F238E27FC236}">
-                <a16:creationId xmlns:a16="http://schemas.microsoft.com/office/drawing/2014/main" id="{085B702E-14D6-4B82-9E01-0A7BB8FDFD9C}"/>
-              </a:ext>
-            </a:extLst>
-          </p:cNvPr>
-          <p:cNvPicPr>
-            <a:picLocks noChangeAspect="1"/>
-          </p:cNvPicPr>
-          <p:nvPr/>
-        </p:nvPicPr>
-        <p:blipFill>
-          <a:blip r:embed="rId6">
-            <a:extLst>
-              <a:ext uri="{28A0092B-C50C-407E-A947-70E740481C1C}">
-                <a14:useLocalDpi xmlns:a14="http://schemas.microsoft.com/office/drawing/2010/main" val="0"/>
-              </a:ext>
-            </a:extLst>
-          </a:blip>
-          <a:stretch>
-            <a:fillRect/>
-          </a:stretch>
-        </p:blipFill>
-        <p:spPr>
-          <a:xfrm>
-            <a:off x="8488721" y="2626919"/>
-            <a:ext cx="2380952" cy="2676190"/>
-          </a:xfrm>
-          <a:prstGeom prst="rect">
-            <a:avLst/>
-          </a:prstGeom>
-        </p:spPr>
-      </p:pic>
-    </p:spTree>
-    <p:extLst>
-      <p:ext uri="{BB962C8B-B14F-4D97-AF65-F5344CB8AC3E}">
-        <p14:creationId xmlns:p14="http://schemas.microsoft.com/office/powerpoint/2010/main" val="784440291"/>
-      </p:ext>
-    </p:extLst>
-  </p:cSld>
-  <p:clrMapOvr>
-    <a:masterClrMapping/>
-  </p:clrMapOvr>
-  <mc:AlternateContent xmlns:mc="http://schemas.openxmlformats.org/markup-compatibility/2006" xmlns:p14="http://schemas.microsoft.com/office/powerpoint/2010/main">
-    <mc:Choice Requires="p14">
-      <p:transition spd="med" p14:dur="700" advTm="10000">
-        <p:fade/>
-      </p:transition>
-    </mc:Choice>
-    <mc:Fallback xmlns="">
-      <p:transition spd="med" advTm="10000">
-        <p:fade/>
-      </p:transition>
-    </mc:Fallback>
-  </mc:AlternateContent>
-</p:sld>
-</file>
-
-<file path=ppt/slides/slide3.xml><?xml version="1.0" encoding="utf-8"?>
+<file path=ppt/slides/slide12.xml><?xml version="1.0" encoding="utf-8"?>
 <p:sld xmlns:a="http://schemas.openxmlformats.org/drawingml/2006/main" xmlns:r="http://schemas.openxmlformats.org/officeDocument/2006/relationships" xmlns:p="http://schemas.openxmlformats.org/presentationml/2006/main">
   <p:cSld>
     <p:bg>
@@ -18966,7 +15620,7 @@
     </p:spTree>
     <p:extLst>
       <p:ext uri="{BB962C8B-B14F-4D97-AF65-F5344CB8AC3E}">
-        <p14:creationId xmlns:p14="http://schemas.microsoft.com/office/powerpoint/2010/main" val="2643677531"/>
+        <p14:creationId xmlns:p14="http://schemas.microsoft.com/office/powerpoint/2010/main" val="1330212409"/>
       </p:ext>
     </p:extLst>
   </p:cSld>
@@ -18988,14 +15642,20 @@
 </p:sld>
 </file>
 
-<file path=ppt/slides/slide4.xml><?xml version="1.0" encoding="utf-8"?>
+<file path=ppt/slides/slide13.xml><?xml version="1.0" encoding="utf-8"?>
 <p:sld xmlns:a="http://schemas.openxmlformats.org/drawingml/2006/main" xmlns:r="http://schemas.openxmlformats.org/officeDocument/2006/relationships" xmlns:p="http://schemas.openxmlformats.org/presentationml/2006/main">
   <p:cSld>
     <p:bg>
       <p:bgPr>
-        <a:solidFill>
-          <a:srgbClr val="7030A0"/>
-        </a:solidFill>
+        <a:blipFill dpi="0" rotWithShape="1">
+          <a:blip r:embed="rId3">
+            <a:lum/>
+          </a:blip>
+          <a:srcRect/>
+          <a:stretch>
+            <a:fillRect/>
+          </a:stretch>
+        </a:blipFill>
         <a:effectLst/>
       </p:bgPr>
     </p:bg>
@@ -19013,307 +15673,10 @@
           <a:chExt cx="0" cy="0"/>
         </a:xfrm>
       </p:grpSpPr>
-      <p:pic>
-        <p:nvPicPr>
-          <p:cNvPr id="13" name="Picture 12">
-            <a:extLst>
-              <a:ext uri="{FF2B5EF4-FFF2-40B4-BE49-F238E27FC236}">
-                <a16:creationId xmlns:a16="http://schemas.microsoft.com/office/drawing/2014/main" id="{A82AE72D-1EAB-4CAF-A6EB-CEE30FC935AA}"/>
-              </a:ext>
-            </a:extLst>
-          </p:cNvPr>
-          <p:cNvPicPr>
-            <a:picLocks noChangeAspect="1"/>
-          </p:cNvPicPr>
-          <p:nvPr/>
-        </p:nvPicPr>
-        <p:blipFill>
-          <a:blip r:embed="rId3">
-            <a:extLst>
-              <a:ext uri="{28A0092B-C50C-407E-A947-70E740481C1C}">
-                <a14:useLocalDpi xmlns:a14="http://schemas.microsoft.com/office/drawing/2010/main" val="0"/>
-              </a:ext>
-            </a:extLst>
-          </a:blip>
-          <a:stretch>
-            <a:fillRect/>
-          </a:stretch>
-        </p:blipFill>
-        <p:spPr>
-          <a:xfrm>
-            <a:off x="-1160" y="0"/>
-            <a:ext cx="12193160" cy="3518745"/>
-          </a:xfrm>
-          <a:prstGeom prst="rect">
-            <a:avLst/>
-          </a:prstGeom>
-        </p:spPr>
-      </p:pic>
-      <p:pic>
-        <p:nvPicPr>
-          <p:cNvPr id="14" name="Picture 13">
-            <a:extLst>
-              <a:ext uri="{FF2B5EF4-FFF2-40B4-BE49-F238E27FC236}">
-                <a16:creationId xmlns:a16="http://schemas.microsoft.com/office/drawing/2014/main" id="{A63E95E6-20C5-44B7-BFA0-3AEC6FCB19A9}"/>
-              </a:ext>
-            </a:extLst>
-          </p:cNvPr>
-          <p:cNvPicPr>
-            <a:picLocks noChangeAspect="1"/>
-          </p:cNvPicPr>
-          <p:nvPr/>
-        </p:nvPicPr>
-        <p:blipFill>
-          <a:blip r:embed="rId3">
-            <a:extLst>
-              <a:ext uri="{28A0092B-C50C-407E-A947-70E740481C1C}">
-                <a14:useLocalDpi xmlns:a14="http://schemas.microsoft.com/office/drawing/2010/main" val="0"/>
-              </a:ext>
-            </a:extLst>
-          </a:blip>
-          <a:stretch>
-            <a:fillRect/>
-          </a:stretch>
-        </p:blipFill>
-        <p:spPr>
-          <a:xfrm rot="10800000">
-            <a:off x="0" y="3339255"/>
-            <a:ext cx="12193160" cy="3518745"/>
-          </a:xfrm>
-          <a:prstGeom prst="rect">
-            <a:avLst/>
-          </a:prstGeom>
-        </p:spPr>
-      </p:pic>
-      <p:sp>
-        <p:nvSpPr>
-          <p:cNvPr id="3" name="Subtitle 2"/>
-          <p:cNvSpPr>
-            <a:spLocks noGrp="1"/>
-          </p:cNvSpPr>
-          <p:nvPr>
-            <p:ph type="subTitle" idx="1"/>
-          </p:nvPr>
-        </p:nvSpPr>
-        <p:spPr>
-          <a:xfrm>
-            <a:off x="1524000" y="5303109"/>
-            <a:ext cx="9144000" cy="1040541"/>
-          </a:xfrm>
-          <a:solidFill>
-            <a:srgbClr val="6E3382"/>
-          </a:solidFill>
-          <a:ln>
-            <a:noFill/>
-          </a:ln>
-        </p:spPr>
-        <p:style>
-          <a:lnRef idx="0">
-            <a:scrgbClr r="0" g="0" b="0"/>
-          </a:lnRef>
-          <a:fillRef idx="0">
-            <a:scrgbClr r="0" g="0" b="0"/>
-          </a:fillRef>
-          <a:effectRef idx="0">
-            <a:scrgbClr r="0" g="0" b="0"/>
-          </a:effectRef>
-          <a:fontRef idx="minor">
-            <a:schemeClr val="lt1"/>
-          </a:fontRef>
-        </p:style>
-        <p:txBody>
-          <a:bodyPr>
-            <a:normAutofit/>
-          </a:bodyPr>
-          <a:lstStyle/>
-          <a:p>
-            <a:endParaRPr lang="en-US" sz="4800" b="1" dirty="0">
-              <a:latin typeface="+mj-lt"/>
-              <a:ea typeface="+mj-ea"/>
-              <a:cs typeface="+mj-cs"/>
-            </a:endParaRPr>
-          </a:p>
-        </p:txBody>
-      </p:sp>
-      <p:pic>
-        <p:nvPicPr>
-          <p:cNvPr id="7" name="Picture 6"/>
-          <p:cNvPicPr>
-            <a:picLocks noChangeAspect="1"/>
-          </p:cNvPicPr>
-          <p:nvPr/>
-        </p:nvPicPr>
-        <p:blipFill>
-          <a:blip r:embed="rId4">
-            <a:extLst>
-              <a:ext uri="{28A0092B-C50C-407E-A947-70E740481C1C}">
-                <a14:useLocalDpi xmlns:a14="http://schemas.microsoft.com/office/drawing/2010/main" val="0"/>
-              </a:ext>
-            </a:extLst>
-          </a:blip>
-          <a:stretch>
-            <a:fillRect/>
-          </a:stretch>
-        </p:blipFill>
-        <p:spPr>
-          <a:xfrm>
-            <a:off x="1593850" y="5361606"/>
-            <a:ext cx="925166" cy="923546"/>
-          </a:xfrm>
-          <a:prstGeom prst="rect">
-            <a:avLst/>
-          </a:prstGeom>
-        </p:spPr>
-      </p:pic>
-      <p:pic>
-        <p:nvPicPr>
-          <p:cNvPr id="11" name="MS logo white"/>
-          <p:cNvPicPr>
-            <a:picLocks noChangeAspect="1"/>
-          </p:cNvPicPr>
-          <p:nvPr/>
-        </p:nvPicPr>
-        <p:blipFill>
-          <a:blip r:embed="rId5" cstate="screen">
-            <a:extLst>
-              <a:ext uri="{28A0092B-C50C-407E-A947-70E740481C1C}">
-                <a14:useLocalDpi xmlns:a14="http://schemas.microsoft.com/office/drawing/2010/main"/>
-              </a:ext>
-            </a:extLst>
-          </a:blip>
-          <a:stretch>
-            <a:fillRect/>
-          </a:stretch>
-        </p:blipFill>
-        <p:spPr bwMode="gray">
-          <a:xfrm>
-            <a:off x="8813209" y="5655611"/>
-            <a:ext cx="1731976" cy="370540"/>
-          </a:xfrm>
-          <a:prstGeom prst="rect">
-            <a:avLst/>
-          </a:prstGeom>
-        </p:spPr>
-      </p:pic>
-      <p:sp>
-        <p:nvSpPr>
-          <p:cNvPr id="6" name="TextBox 5"/>
-          <p:cNvSpPr txBox="1"/>
-          <p:nvPr/>
-        </p:nvSpPr>
-        <p:spPr>
-          <a:xfrm>
-            <a:off x="2588866" y="5361606"/>
-            <a:ext cx="3018184" cy="861774"/>
-          </a:xfrm>
-          <a:prstGeom prst="rect">
-            <a:avLst/>
-          </a:prstGeom>
-          <a:noFill/>
-        </p:spPr>
-        <p:txBody>
-          <a:bodyPr wrap="square" rtlCol="0">
-            <a:spAutoFit/>
-          </a:bodyPr>
-          <a:lstStyle/>
-          <a:p>
-            <a:r>
-              <a:rPr lang="en-US" b="1" dirty="0"/>
-              <a:t>Scott Addie</a:t>
-            </a:r>
-          </a:p>
-          <a:p>
-            <a:r>
-              <a:rPr lang="en-US" sz="1600" b="1" dirty="0"/>
-              <a:t>Senior Content Developer</a:t>
-            </a:r>
-          </a:p>
-          <a:p>
-            <a:r>
-              <a:rPr lang="en-US" sz="1600" b="1" dirty="0"/>
-              <a:t>@</a:t>
-            </a:r>
-            <a:r>
-              <a:rPr lang="en-US" sz="1600" b="1" dirty="0" err="1"/>
-              <a:t>Scott_Addie</a:t>
-            </a:r>
-            <a:endParaRPr lang="en-US" sz="1600" b="1" dirty="0"/>
-          </a:p>
-        </p:txBody>
-      </p:sp>
-      <p:sp>
-        <p:nvSpPr>
-          <p:cNvPr id="2" name="Title 1"/>
-          <p:cNvSpPr>
-            <a:spLocks noGrp="1"/>
-          </p:cNvSpPr>
-          <p:nvPr>
-            <p:ph type="ctrTitle"/>
-          </p:nvPr>
-        </p:nvSpPr>
-        <p:spPr>
-          <a:xfrm>
-            <a:off x="-2320" y="1122363"/>
-            <a:ext cx="12194320" cy="2387600"/>
-          </a:xfrm>
-          <a:solidFill>
-            <a:srgbClr val="6E3382"/>
-          </a:solidFill>
-        </p:spPr>
-        <p:txBody>
-          <a:bodyPr anchor="ctr">
-            <a:normAutofit/>
-          </a:bodyPr>
-          <a:lstStyle/>
-          <a:p>
-            <a:r>
-              <a:rPr lang="en-US" sz="4800" b="1" dirty="0"/>
-              <a:t>What’s new in ASP.NET Core 2.0</a:t>
-            </a:r>
-            <a:endParaRPr lang="en-US" sz="4000" b="1" dirty="0"/>
-          </a:p>
-        </p:txBody>
-      </p:sp>
-      <p:pic>
-        <p:nvPicPr>
-          <p:cNvPr id="12" name="Picture 11" descr="A close up of a toy&#10;&#10;Description generated with high confidence">
-            <a:extLst>
-              <a:ext uri="{FF2B5EF4-FFF2-40B4-BE49-F238E27FC236}">
-                <a16:creationId xmlns:a16="http://schemas.microsoft.com/office/drawing/2014/main" id="{085B702E-14D6-4B82-9E01-0A7BB8FDFD9C}"/>
-              </a:ext>
-            </a:extLst>
-          </p:cNvPr>
-          <p:cNvPicPr>
-            <a:picLocks noChangeAspect="1"/>
-          </p:cNvPicPr>
-          <p:nvPr/>
-        </p:nvPicPr>
-        <p:blipFill>
-          <a:blip r:embed="rId6">
-            <a:extLst>
-              <a:ext uri="{28A0092B-C50C-407E-A947-70E740481C1C}">
-                <a14:useLocalDpi xmlns:a14="http://schemas.microsoft.com/office/drawing/2010/main" val="0"/>
-              </a:ext>
-            </a:extLst>
-          </a:blip>
-          <a:stretch>
-            <a:fillRect/>
-          </a:stretch>
-        </p:blipFill>
-        <p:spPr>
-          <a:xfrm>
-            <a:off x="8488721" y="2626919"/>
-            <a:ext cx="2380952" cy="2676190"/>
-          </a:xfrm>
-          <a:prstGeom prst="rect">
-            <a:avLst/>
-          </a:prstGeom>
-        </p:spPr>
-      </p:pic>
     </p:spTree>
     <p:extLst>
       <p:ext uri="{BB962C8B-B14F-4D97-AF65-F5344CB8AC3E}">
-        <p14:creationId xmlns:p14="http://schemas.microsoft.com/office/powerpoint/2010/main" val="253120356"/>
+        <p14:creationId xmlns:p14="http://schemas.microsoft.com/office/powerpoint/2010/main" val="3487032111"/>
       </p:ext>
     </p:extLst>
   </p:cSld>
@@ -19323,7 +15686,7 @@
 </p:sld>
 </file>
 
-<file path=ppt/slides/slide5.xml><?xml version="1.0" encoding="utf-8"?>
+<file path=ppt/slides/slide2.xml><?xml version="1.0" encoding="utf-8"?>
 <p:sld xmlns:a="http://schemas.openxmlformats.org/drawingml/2006/main" xmlns:r="http://schemas.openxmlformats.org/officeDocument/2006/relationships" xmlns:p="http://schemas.openxmlformats.org/presentationml/2006/main">
   <p:cSld>
     <p:bg>
@@ -19899,7 +16262,7 @@
 </p:sld>
 </file>
 
-<file path=ppt/slides/slide6.xml><?xml version="1.0" encoding="utf-8"?>
+<file path=ppt/slides/slide3.xml><?xml version="1.0" encoding="utf-8"?>
 <p:sld xmlns:a="http://schemas.openxmlformats.org/drawingml/2006/main" xmlns:r="http://schemas.openxmlformats.org/officeDocument/2006/relationships" xmlns:p="http://schemas.openxmlformats.org/presentationml/2006/main">
   <p:cSld>
     <p:bg>
@@ -20089,7 +16452,7 @@
 </p:sld>
 </file>
 
-<file path=ppt/slides/slide7.xml><?xml version="1.0" encoding="utf-8"?>
+<file path=ppt/slides/slide4.xml><?xml version="1.0" encoding="utf-8"?>
 <p:sld xmlns:a="http://schemas.openxmlformats.org/drawingml/2006/main" xmlns:r="http://schemas.openxmlformats.org/officeDocument/2006/relationships" xmlns:p="http://schemas.openxmlformats.org/presentationml/2006/main">
   <p:cSld>
     <p:bg>
@@ -21518,7 +17881,7 @@
 </p:sld>
 </file>
 
-<file path=ppt/slides/slide8.xml><?xml version="1.0" encoding="utf-8"?>
+<file path=ppt/slides/slide5.xml><?xml version="1.0" encoding="utf-8"?>
 <p:sld xmlns:a="http://schemas.openxmlformats.org/drawingml/2006/main" xmlns:r="http://schemas.openxmlformats.org/officeDocument/2006/relationships" xmlns:p="http://schemas.openxmlformats.org/presentationml/2006/main">
   <p:cSld>
     <p:bg>
@@ -22289,7 +18652,7 @@
 </p:sld>
 </file>
 
-<file path=ppt/slides/slide9.xml><?xml version="1.0" encoding="utf-8"?>
+<file path=ppt/slides/slide6.xml><?xml version="1.0" encoding="utf-8"?>
 <p:sld xmlns:a="http://schemas.openxmlformats.org/drawingml/2006/main" xmlns:r="http://schemas.openxmlformats.org/officeDocument/2006/relationships" xmlns:p="http://schemas.openxmlformats.org/presentationml/2006/main">
   <p:cSld>
     <p:bg>
@@ -22733,6 +19096,3050 @@
   <p:clrMapOvr>
     <a:masterClrMapping/>
   </p:clrMapOvr>
+</p:sld>
+</file>
+
+<file path=ppt/slides/slide7.xml><?xml version="1.0" encoding="utf-8"?>
+<p:sld xmlns:a="http://schemas.openxmlformats.org/drawingml/2006/main" xmlns:r="http://schemas.openxmlformats.org/officeDocument/2006/relationships" xmlns:p="http://schemas.openxmlformats.org/presentationml/2006/main">
+  <p:cSld>
+    <p:bg>
+      <p:bgPr>
+        <a:solidFill>
+          <a:srgbClr val="505050"/>
+        </a:solidFill>
+        <a:effectLst/>
+      </p:bgPr>
+    </p:bg>
+    <p:spTree>
+      <p:nvGrpSpPr>
+        <p:cNvPr id="1" name=""/>
+        <p:cNvGrpSpPr/>
+        <p:nvPr/>
+      </p:nvGrpSpPr>
+      <p:grpSpPr>
+        <a:xfrm>
+          <a:off x="0" y="0"/>
+          <a:ext cx="0" cy="0"/>
+          <a:chOff x="0" y="0"/>
+          <a:chExt cx="0" cy="0"/>
+        </a:xfrm>
+      </p:grpSpPr>
+      <p:sp>
+        <p:nvSpPr>
+          <p:cNvPr id="5" name="Title 4">
+            <a:extLst>
+              <a:ext uri="{FF2B5EF4-FFF2-40B4-BE49-F238E27FC236}">
+                <a16:creationId xmlns:a16="http://schemas.microsoft.com/office/drawing/2014/main" id="{F43BA709-5577-422C-9FB6-05CC66D94DB3}"/>
+              </a:ext>
+            </a:extLst>
+          </p:cNvPr>
+          <p:cNvSpPr>
+            <a:spLocks noGrp="1"/>
+          </p:cNvSpPr>
+          <p:nvPr>
+            <p:ph type="title"/>
+          </p:nvPr>
+        </p:nvSpPr>
+        <p:spPr/>
+        <p:txBody>
+          <a:bodyPr/>
+          <a:lstStyle/>
+          <a:p>
+            <a:r>
+              <a:rPr lang="en-US" dirty="0">
+                <a:solidFill>
+                  <a:srgbClr val="A0C4E5"/>
+                </a:solidFill>
+              </a:rPr>
+              <a:t>DEMO</a:t>
+            </a:r>
+          </a:p>
+        </p:txBody>
+      </p:sp>
+      <p:sp>
+        <p:nvSpPr>
+          <p:cNvPr id="6" name="Text Placeholder 5">
+            <a:extLst>
+              <a:ext uri="{FF2B5EF4-FFF2-40B4-BE49-F238E27FC236}">
+                <a16:creationId xmlns:a16="http://schemas.microsoft.com/office/drawing/2014/main" id="{C8594BAD-33C7-429F-B7C6-F62B424226E0}"/>
+              </a:ext>
+            </a:extLst>
+          </p:cNvPr>
+          <p:cNvSpPr>
+            <a:spLocks noGrp="1"/>
+          </p:cNvSpPr>
+          <p:nvPr>
+            <p:ph type="body" idx="1"/>
+          </p:nvPr>
+        </p:nvSpPr>
+        <p:spPr/>
+        <p:txBody>
+          <a:bodyPr/>
+          <a:lstStyle/>
+          <a:p>
+            <a:r>
+              <a:rPr lang="en-US" dirty="0"/>
+              <a:t>Create a custom runtime store</a:t>
+            </a:r>
+          </a:p>
+        </p:txBody>
+      </p:sp>
+    </p:spTree>
+    <p:extLst>
+      <p:ext uri="{BB962C8B-B14F-4D97-AF65-F5344CB8AC3E}">
+        <p14:creationId xmlns:p14="http://schemas.microsoft.com/office/powerpoint/2010/main" val="1013864104"/>
+      </p:ext>
+    </p:extLst>
+  </p:cSld>
+  <p:clrMapOvr>
+    <a:masterClrMapping/>
+  </p:clrMapOvr>
+</p:sld>
+</file>
+
+<file path=ppt/slides/slide8.xml><?xml version="1.0" encoding="utf-8"?>
+<p:sld xmlns:a="http://schemas.openxmlformats.org/drawingml/2006/main" xmlns:r="http://schemas.openxmlformats.org/officeDocument/2006/relationships" xmlns:p="http://schemas.openxmlformats.org/presentationml/2006/main">
+  <p:cSld>
+    <p:bg>
+      <p:bgPr>
+        <a:solidFill>
+          <a:srgbClr val="505050"/>
+        </a:solidFill>
+        <a:effectLst/>
+      </p:bgPr>
+    </p:bg>
+    <p:spTree>
+      <p:nvGrpSpPr>
+        <p:cNvPr id="1" name=""/>
+        <p:cNvGrpSpPr/>
+        <p:nvPr/>
+      </p:nvGrpSpPr>
+      <p:grpSpPr>
+        <a:xfrm>
+          <a:off x="0" y="0"/>
+          <a:ext cx="0" cy="0"/>
+          <a:chOff x="0" y="0"/>
+          <a:chExt cx="0" cy="0"/>
+        </a:xfrm>
+      </p:grpSpPr>
+      <p:graphicFrame>
+        <p:nvGraphicFramePr>
+          <p:cNvPr id="6" name="Table 5">
+            <a:extLst>
+              <a:ext uri="{FF2B5EF4-FFF2-40B4-BE49-F238E27FC236}">
+                <a16:creationId xmlns:a16="http://schemas.microsoft.com/office/drawing/2014/main" id="{7DACCB6B-A346-4FFD-B676-32CFC6E35913}"/>
+              </a:ext>
+            </a:extLst>
+          </p:cNvPr>
+          <p:cNvGraphicFramePr>
+            <a:graphicFrameLocks noGrp="1"/>
+          </p:cNvGraphicFramePr>
+          <p:nvPr>
+            <p:extLst>
+              <p:ext uri="{D42A27DB-BD31-4B8C-83A1-F6EECF244321}">
+                <p14:modId xmlns:p14="http://schemas.microsoft.com/office/powerpoint/2010/main" val="2453041393"/>
+              </p:ext>
+            </p:extLst>
+          </p:nvPr>
+        </p:nvGraphicFramePr>
+        <p:xfrm>
+          <a:off x="838200" y="2278003"/>
+          <a:ext cx="7995249" cy="4206240"/>
+        </p:xfrm>
+        <a:graphic>
+          <a:graphicData uri="http://schemas.openxmlformats.org/drawingml/2006/table">
+            <a:tbl>
+              <a:tblPr firstRow="1" bandRow="1">
+                <a:tableStyleId>{5C22544A-7EE6-4342-B048-85BDC9FD1C3A}</a:tableStyleId>
+              </a:tblPr>
+              <a:tblGrid>
+                <a:gridCol w="7995249">
+                  <a:extLst>
+                    <a:ext uri="{9D8B030D-6E8A-4147-A177-3AD203B41FA5}">
+                      <a16:colId xmlns:a16="http://schemas.microsoft.com/office/drawing/2014/main" val="1057070397"/>
+                    </a:ext>
+                  </a:extLst>
+                </a:gridCol>
+              </a:tblGrid>
+              <a:tr h="584446">
+                <a:tc>
+                  <a:txBody>
+                    <a:bodyPr/>
+                    <a:lstStyle/>
+                    <a:p>
+                      <a:r>
+                        <a:rPr lang="en-US" sz="1800" dirty="0">
+                          <a:solidFill>
+                            <a:srgbClr val="0000FF"/>
+                          </a:solidFill>
+                          <a:latin typeface="Consolas" panose="020B0609020204030204" pitchFamily="49" charset="0"/>
+                        </a:rPr>
+                        <a:t>public</a:t>
+                      </a:r>
+                      <a:r>
+                        <a:rPr lang="en-US" sz="1800" dirty="0">
+                          <a:solidFill>
+                            <a:srgbClr val="000000"/>
+                          </a:solidFill>
+                          <a:latin typeface="Consolas" panose="020B0609020204030204" pitchFamily="49" charset="0"/>
+                        </a:rPr>
+                        <a:t> </a:t>
+                      </a:r>
+                      <a:r>
+                        <a:rPr lang="en-US" sz="1800" dirty="0">
+                          <a:solidFill>
+                            <a:srgbClr val="0000FF"/>
+                          </a:solidFill>
+                          <a:latin typeface="Consolas" panose="020B0609020204030204" pitchFamily="49" charset="0"/>
+                        </a:rPr>
+                        <a:t>class</a:t>
+                      </a:r>
+                      <a:r>
+                        <a:rPr lang="en-US" sz="1800" dirty="0">
+                          <a:solidFill>
+                            <a:srgbClr val="000000"/>
+                          </a:solidFill>
+                          <a:latin typeface="Consolas" panose="020B0609020204030204" pitchFamily="49" charset="0"/>
+                        </a:rPr>
+                        <a:t> </a:t>
+                      </a:r>
+                      <a:r>
+                        <a:rPr lang="en-US" sz="1800" dirty="0">
+                          <a:solidFill>
+                            <a:srgbClr val="2B91AF"/>
+                          </a:solidFill>
+                          <a:latin typeface="Consolas" panose="020B0609020204030204" pitchFamily="49" charset="0"/>
+                        </a:rPr>
+                        <a:t>Program</a:t>
+                      </a:r>
+                      <a:endParaRPr lang="en-US" sz="1800" dirty="0">
+                        <a:solidFill>
+                          <a:srgbClr val="000000"/>
+                        </a:solidFill>
+                        <a:latin typeface="Consolas" panose="020B0609020204030204" pitchFamily="49" charset="0"/>
+                      </a:endParaRPr>
+                    </a:p>
+                    <a:p>
+                      <a:r>
+                        <a:rPr lang="en-US" sz="1800" dirty="0">
+                          <a:solidFill>
+                            <a:srgbClr val="000000"/>
+                          </a:solidFill>
+                          <a:latin typeface="Consolas" panose="020B0609020204030204" pitchFamily="49" charset="0"/>
+                        </a:rPr>
+                        <a:t>{</a:t>
+                      </a:r>
+                    </a:p>
+                    <a:p>
+                      <a:r>
+                        <a:rPr lang="en-US" sz="1800" dirty="0">
+                          <a:solidFill>
+                            <a:srgbClr val="000000"/>
+                          </a:solidFill>
+                          <a:latin typeface="Consolas" panose="020B0609020204030204" pitchFamily="49" charset="0"/>
+                        </a:rPr>
+                        <a:t>    </a:t>
+                      </a:r>
+                      <a:r>
+                        <a:rPr lang="en-US" sz="1800" dirty="0">
+                          <a:solidFill>
+                            <a:srgbClr val="0000FF"/>
+                          </a:solidFill>
+                          <a:latin typeface="Consolas" panose="020B0609020204030204" pitchFamily="49" charset="0"/>
+                        </a:rPr>
+                        <a:t>public</a:t>
+                      </a:r>
+                      <a:r>
+                        <a:rPr lang="en-US" sz="1800" dirty="0">
+                          <a:solidFill>
+                            <a:srgbClr val="000000"/>
+                          </a:solidFill>
+                          <a:latin typeface="Consolas" panose="020B0609020204030204" pitchFamily="49" charset="0"/>
+                        </a:rPr>
+                        <a:t> </a:t>
+                      </a:r>
+                      <a:r>
+                        <a:rPr lang="en-US" sz="1800" dirty="0">
+                          <a:solidFill>
+                            <a:srgbClr val="0000FF"/>
+                          </a:solidFill>
+                          <a:latin typeface="Consolas" panose="020B0609020204030204" pitchFamily="49" charset="0"/>
+                        </a:rPr>
+                        <a:t>static</a:t>
+                      </a:r>
+                      <a:r>
+                        <a:rPr lang="en-US" sz="1800" dirty="0">
+                          <a:solidFill>
+                            <a:srgbClr val="000000"/>
+                          </a:solidFill>
+                          <a:latin typeface="Consolas" panose="020B0609020204030204" pitchFamily="49" charset="0"/>
+                        </a:rPr>
+                        <a:t> </a:t>
+                      </a:r>
+                      <a:r>
+                        <a:rPr lang="en-US" sz="1800" dirty="0">
+                          <a:solidFill>
+                            <a:srgbClr val="0000FF"/>
+                          </a:solidFill>
+                          <a:latin typeface="Consolas" panose="020B0609020204030204" pitchFamily="49" charset="0"/>
+                        </a:rPr>
+                        <a:t>void</a:t>
+                      </a:r>
+                      <a:r>
+                        <a:rPr lang="en-US" sz="1800" dirty="0">
+                          <a:solidFill>
+                            <a:srgbClr val="000000"/>
+                          </a:solidFill>
+                          <a:latin typeface="Consolas" panose="020B0609020204030204" pitchFamily="49" charset="0"/>
+                        </a:rPr>
+                        <a:t> Main(</a:t>
+                      </a:r>
+                      <a:r>
+                        <a:rPr lang="en-US" sz="1800" dirty="0">
+                          <a:solidFill>
+                            <a:srgbClr val="0000FF"/>
+                          </a:solidFill>
+                          <a:latin typeface="Consolas" panose="020B0609020204030204" pitchFamily="49" charset="0"/>
+                        </a:rPr>
+                        <a:t>string</a:t>
+                      </a:r>
+                      <a:r>
+                        <a:rPr lang="en-US" sz="1800" dirty="0">
+                          <a:solidFill>
+                            <a:srgbClr val="000000"/>
+                          </a:solidFill>
+                          <a:latin typeface="Consolas" panose="020B0609020204030204" pitchFamily="49" charset="0"/>
+                        </a:rPr>
+                        <a:t>[] </a:t>
+                      </a:r>
+                      <a:r>
+                        <a:rPr lang="en-US" sz="1800" dirty="0" err="1">
+                          <a:solidFill>
+                            <a:srgbClr val="000000"/>
+                          </a:solidFill>
+                          <a:latin typeface="Consolas" panose="020B0609020204030204" pitchFamily="49" charset="0"/>
+                        </a:rPr>
+                        <a:t>args</a:t>
+                      </a:r>
+                      <a:r>
+                        <a:rPr lang="en-US" sz="1800" dirty="0">
+                          <a:solidFill>
+                            <a:srgbClr val="000000"/>
+                          </a:solidFill>
+                          <a:latin typeface="Consolas" panose="020B0609020204030204" pitchFamily="49" charset="0"/>
+                        </a:rPr>
+                        <a:t>)</a:t>
+                      </a:r>
+                    </a:p>
+                    <a:p>
+                      <a:r>
+                        <a:rPr lang="en-US" sz="1800" dirty="0">
+                          <a:solidFill>
+                            <a:srgbClr val="000000"/>
+                          </a:solidFill>
+                          <a:latin typeface="Consolas" panose="020B0609020204030204" pitchFamily="49" charset="0"/>
+                        </a:rPr>
+                        <a:t>    {</a:t>
+                      </a:r>
+                    </a:p>
+                    <a:p>
+                      <a:r>
+                        <a:rPr lang="en-US" sz="1800" dirty="0">
+                          <a:solidFill>
+                            <a:srgbClr val="000000"/>
+                          </a:solidFill>
+                          <a:latin typeface="Consolas" panose="020B0609020204030204" pitchFamily="49" charset="0"/>
+                        </a:rPr>
+                        <a:t>        </a:t>
+                      </a:r>
+                      <a:r>
+                        <a:rPr lang="en-US" sz="1800" dirty="0" err="1">
+                          <a:solidFill>
+                            <a:srgbClr val="0000FF"/>
+                          </a:solidFill>
+                          <a:latin typeface="Consolas" panose="020B0609020204030204" pitchFamily="49" charset="0"/>
+                        </a:rPr>
+                        <a:t>var</a:t>
+                      </a:r>
+                      <a:r>
+                        <a:rPr lang="en-US" sz="1800" dirty="0">
+                          <a:solidFill>
+                            <a:srgbClr val="000000"/>
+                          </a:solidFill>
+                          <a:latin typeface="Consolas" panose="020B0609020204030204" pitchFamily="49" charset="0"/>
+                        </a:rPr>
+                        <a:t> host = </a:t>
+                      </a:r>
+                      <a:r>
+                        <a:rPr lang="en-US" sz="1800" dirty="0">
+                          <a:solidFill>
+                            <a:srgbClr val="0000FF"/>
+                          </a:solidFill>
+                          <a:latin typeface="Consolas" panose="020B0609020204030204" pitchFamily="49" charset="0"/>
+                        </a:rPr>
+                        <a:t>new</a:t>
+                      </a:r>
+                      <a:r>
+                        <a:rPr lang="en-US" sz="1800" dirty="0">
+                          <a:solidFill>
+                            <a:srgbClr val="000000"/>
+                          </a:solidFill>
+                          <a:latin typeface="Consolas" panose="020B0609020204030204" pitchFamily="49" charset="0"/>
+                        </a:rPr>
+                        <a:t> </a:t>
+                      </a:r>
+                      <a:r>
+                        <a:rPr lang="en-US" sz="1800" dirty="0" err="1">
+                          <a:solidFill>
+                            <a:srgbClr val="000000"/>
+                          </a:solidFill>
+                          <a:latin typeface="Consolas" panose="020B0609020204030204" pitchFamily="49" charset="0"/>
+                        </a:rPr>
+                        <a:t>WebHostBuilder</a:t>
+                      </a:r>
+                      <a:r>
+                        <a:rPr lang="en-US" sz="1800" dirty="0">
+                          <a:solidFill>
+                            <a:srgbClr val="000000"/>
+                          </a:solidFill>
+                          <a:latin typeface="Consolas" panose="020B0609020204030204" pitchFamily="49" charset="0"/>
+                        </a:rPr>
+                        <a:t>()</a:t>
+                      </a:r>
+                    </a:p>
+                    <a:p>
+                      <a:r>
+                        <a:rPr lang="en-US" sz="1800" dirty="0">
+                          <a:solidFill>
+                            <a:srgbClr val="000000"/>
+                          </a:solidFill>
+                          <a:latin typeface="Consolas" panose="020B0609020204030204" pitchFamily="49" charset="0"/>
+                        </a:rPr>
+                        <a:t>            .</a:t>
+                      </a:r>
+                      <a:r>
+                        <a:rPr lang="en-US" sz="1800" dirty="0" err="1">
+                          <a:solidFill>
+                            <a:srgbClr val="000000"/>
+                          </a:solidFill>
+                          <a:latin typeface="Consolas" panose="020B0609020204030204" pitchFamily="49" charset="0"/>
+                        </a:rPr>
+                        <a:t>UseKestrel</a:t>
+                      </a:r>
+                      <a:r>
+                        <a:rPr lang="en-US" sz="1800" dirty="0">
+                          <a:solidFill>
+                            <a:srgbClr val="000000"/>
+                          </a:solidFill>
+                          <a:latin typeface="Consolas" panose="020B0609020204030204" pitchFamily="49" charset="0"/>
+                        </a:rPr>
+                        <a:t>()</a:t>
+                      </a:r>
+                    </a:p>
+                    <a:p>
+                      <a:r>
+                        <a:rPr lang="en-US" sz="1800" dirty="0">
+                          <a:solidFill>
+                            <a:srgbClr val="000000"/>
+                          </a:solidFill>
+                          <a:latin typeface="Consolas" panose="020B0609020204030204" pitchFamily="49" charset="0"/>
+                        </a:rPr>
+                        <a:t>            .</a:t>
+                      </a:r>
+                      <a:r>
+                        <a:rPr lang="en-US" sz="1800" dirty="0" err="1">
+                          <a:solidFill>
+                            <a:srgbClr val="000000"/>
+                          </a:solidFill>
+                          <a:latin typeface="Consolas" panose="020B0609020204030204" pitchFamily="49" charset="0"/>
+                        </a:rPr>
+                        <a:t>UseContentRoot</a:t>
+                      </a:r>
+                      <a:r>
+                        <a:rPr lang="en-US" sz="1800" dirty="0">
+                          <a:solidFill>
+                            <a:srgbClr val="000000"/>
+                          </a:solidFill>
+                          <a:latin typeface="Consolas" panose="020B0609020204030204" pitchFamily="49" charset="0"/>
+                        </a:rPr>
+                        <a:t>(</a:t>
+                      </a:r>
+                      <a:r>
+                        <a:rPr lang="en-US" sz="1800" dirty="0" err="1">
+                          <a:solidFill>
+                            <a:srgbClr val="000000"/>
+                          </a:solidFill>
+                          <a:latin typeface="Consolas" panose="020B0609020204030204" pitchFamily="49" charset="0"/>
+                        </a:rPr>
+                        <a:t>Directory.GetCurrentDirectory</a:t>
+                      </a:r>
+                      <a:r>
+                        <a:rPr lang="en-US" sz="1800" dirty="0">
+                          <a:solidFill>
+                            <a:srgbClr val="000000"/>
+                          </a:solidFill>
+                          <a:latin typeface="Consolas" panose="020B0609020204030204" pitchFamily="49" charset="0"/>
+                        </a:rPr>
+                        <a:t>())</a:t>
+                      </a:r>
+                    </a:p>
+                    <a:p>
+                      <a:r>
+                        <a:rPr lang="en-US" sz="1800" dirty="0">
+                          <a:solidFill>
+                            <a:srgbClr val="000000"/>
+                          </a:solidFill>
+                          <a:latin typeface="Consolas" panose="020B0609020204030204" pitchFamily="49" charset="0"/>
+                        </a:rPr>
+                        <a:t>            .</a:t>
+                      </a:r>
+                      <a:r>
+                        <a:rPr lang="en-US" sz="1800" dirty="0" err="1">
+                          <a:solidFill>
+                            <a:srgbClr val="000000"/>
+                          </a:solidFill>
+                          <a:latin typeface="Consolas" panose="020B0609020204030204" pitchFamily="49" charset="0"/>
+                        </a:rPr>
+                        <a:t>UseIISIntegration</a:t>
+                      </a:r>
+                      <a:r>
+                        <a:rPr lang="en-US" sz="1800" dirty="0">
+                          <a:solidFill>
+                            <a:srgbClr val="000000"/>
+                          </a:solidFill>
+                          <a:latin typeface="Consolas" panose="020B0609020204030204" pitchFamily="49" charset="0"/>
+                        </a:rPr>
+                        <a:t>()</a:t>
+                      </a:r>
+                    </a:p>
+                    <a:p>
+                      <a:r>
+                        <a:rPr lang="en-US" sz="1800" dirty="0">
+                          <a:solidFill>
+                            <a:srgbClr val="000000"/>
+                          </a:solidFill>
+                          <a:latin typeface="Consolas" panose="020B0609020204030204" pitchFamily="49" charset="0"/>
+                        </a:rPr>
+                        <a:t>            .</a:t>
+                      </a:r>
+                      <a:r>
+                        <a:rPr lang="en-US" sz="1800" dirty="0" err="1">
+                          <a:solidFill>
+                            <a:srgbClr val="000000"/>
+                          </a:solidFill>
+                          <a:latin typeface="Consolas" panose="020B0609020204030204" pitchFamily="49" charset="0"/>
+                        </a:rPr>
+                        <a:t>UseStartup</a:t>
+                      </a:r>
+                      <a:r>
+                        <a:rPr lang="en-US" sz="1800" dirty="0">
+                          <a:solidFill>
+                            <a:srgbClr val="000000"/>
+                          </a:solidFill>
+                          <a:latin typeface="Consolas" panose="020B0609020204030204" pitchFamily="49" charset="0"/>
+                        </a:rPr>
+                        <a:t>&lt;Startup&gt;()</a:t>
+                      </a:r>
+                    </a:p>
+                    <a:p>
+                      <a:r>
+                        <a:rPr lang="en-US" sz="1800" dirty="0">
+                          <a:solidFill>
+                            <a:srgbClr val="000000"/>
+                          </a:solidFill>
+                          <a:latin typeface="Consolas" panose="020B0609020204030204" pitchFamily="49" charset="0"/>
+                        </a:rPr>
+                        <a:t>            .</a:t>
+                      </a:r>
+                      <a:r>
+                        <a:rPr lang="en-US" sz="1800" dirty="0" err="1">
+                          <a:solidFill>
+                            <a:srgbClr val="000000"/>
+                          </a:solidFill>
+                          <a:latin typeface="Consolas" panose="020B0609020204030204" pitchFamily="49" charset="0"/>
+                        </a:rPr>
+                        <a:t>UseApplicationInsights</a:t>
+                      </a:r>
+                      <a:r>
+                        <a:rPr lang="en-US" sz="1800" dirty="0">
+                          <a:solidFill>
+                            <a:srgbClr val="000000"/>
+                          </a:solidFill>
+                          <a:latin typeface="Consolas" panose="020B0609020204030204" pitchFamily="49" charset="0"/>
+                        </a:rPr>
+                        <a:t>()</a:t>
+                      </a:r>
+                    </a:p>
+                    <a:p>
+                      <a:r>
+                        <a:rPr lang="en-US" sz="1800" dirty="0">
+                          <a:solidFill>
+                            <a:srgbClr val="000000"/>
+                          </a:solidFill>
+                          <a:latin typeface="Consolas" panose="020B0609020204030204" pitchFamily="49" charset="0"/>
+                        </a:rPr>
+                        <a:t>            .Build();</a:t>
+                      </a:r>
+                    </a:p>
+                    <a:p>
+                      <a:endParaRPr lang="en-US" sz="1800" dirty="0">
+                        <a:solidFill>
+                          <a:srgbClr val="000000"/>
+                        </a:solidFill>
+                        <a:latin typeface="Consolas" panose="020B0609020204030204" pitchFamily="49" charset="0"/>
+                      </a:endParaRPr>
+                    </a:p>
+                    <a:p>
+                      <a:r>
+                        <a:rPr lang="en-US" sz="1800" dirty="0">
+                          <a:solidFill>
+                            <a:srgbClr val="000000"/>
+                          </a:solidFill>
+                          <a:latin typeface="Consolas" panose="020B0609020204030204" pitchFamily="49" charset="0"/>
+                        </a:rPr>
+                        <a:t>        </a:t>
+                      </a:r>
+                      <a:r>
+                        <a:rPr lang="en-US" sz="1800" dirty="0" err="1">
+                          <a:solidFill>
+                            <a:srgbClr val="000000"/>
+                          </a:solidFill>
+                          <a:latin typeface="Consolas" panose="020B0609020204030204" pitchFamily="49" charset="0"/>
+                        </a:rPr>
+                        <a:t>host.Run</a:t>
+                      </a:r>
+                      <a:r>
+                        <a:rPr lang="en-US" sz="1800" dirty="0">
+                          <a:solidFill>
+                            <a:srgbClr val="000000"/>
+                          </a:solidFill>
+                          <a:latin typeface="Consolas" panose="020B0609020204030204" pitchFamily="49" charset="0"/>
+                        </a:rPr>
+                        <a:t>();</a:t>
+                      </a:r>
+                    </a:p>
+                    <a:p>
+                      <a:r>
+                        <a:rPr lang="en-US" sz="1800" dirty="0">
+                          <a:solidFill>
+                            <a:srgbClr val="000000"/>
+                          </a:solidFill>
+                          <a:latin typeface="Consolas" panose="020B0609020204030204" pitchFamily="49" charset="0"/>
+                        </a:rPr>
+                        <a:t>    }</a:t>
+                      </a:r>
+                    </a:p>
+                    <a:p>
+                      <a:r>
+                        <a:rPr lang="en-US" sz="1800" dirty="0">
+                          <a:solidFill>
+                            <a:srgbClr val="000000"/>
+                          </a:solidFill>
+                          <a:latin typeface="Consolas" panose="020B0609020204030204" pitchFamily="49" charset="0"/>
+                        </a:rPr>
+                        <a:t>}</a:t>
+                      </a:r>
+                    </a:p>
+                  </a:txBody>
+                  <a:tcPr>
+                    <a:lnL w="12700" cap="flat" cmpd="sng" algn="ctr">
+                      <a:noFill/>
+                      <a:prstDash val="solid"/>
+                      <a:round/>
+                      <a:headEnd type="none" w="med" len="med"/>
+                      <a:tailEnd type="none" w="med" len="med"/>
+                    </a:lnL>
+                    <a:lnR w="12700" cap="flat" cmpd="sng" algn="ctr">
+                      <a:noFill/>
+                      <a:prstDash val="solid"/>
+                      <a:round/>
+                      <a:headEnd type="none" w="med" len="med"/>
+                      <a:tailEnd type="none" w="med" len="med"/>
+                    </a:lnR>
+                    <a:lnT w="12700" cap="flat" cmpd="sng" algn="ctr">
+                      <a:noFill/>
+                      <a:prstDash val="solid"/>
+                      <a:round/>
+                      <a:headEnd type="none" w="med" len="med"/>
+                      <a:tailEnd type="none" w="med" len="med"/>
+                    </a:lnT>
+                    <a:lnB w="12700" cap="flat" cmpd="sng" algn="ctr">
+                      <a:noFill/>
+                      <a:prstDash val="solid"/>
+                      <a:round/>
+                      <a:headEnd type="none" w="med" len="med"/>
+                      <a:tailEnd type="none" w="med" len="med"/>
+                    </a:lnB>
+                    <a:solidFill>
+                      <a:schemeClr val="tx1"/>
+                    </a:solidFill>
+                  </a:tcPr>
+                </a:tc>
+                <a:extLst>
+                  <a:ext uri="{0D108BD9-81ED-4DB2-BD59-A6C34878D82A}">
+                    <a16:rowId xmlns:a16="http://schemas.microsoft.com/office/drawing/2014/main" val="3473222697"/>
+                  </a:ext>
+                </a:extLst>
+              </a:tr>
+            </a:tbl>
+          </a:graphicData>
+        </a:graphic>
+      </p:graphicFrame>
+      <p:sp>
+        <p:nvSpPr>
+          <p:cNvPr id="5" name="Content Placeholder 4">
+            <a:extLst>
+              <a:ext uri="{FF2B5EF4-FFF2-40B4-BE49-F238E27FC236}">
+                <a16:creationId xmlns:a16="http://schemas.microsoft.com/office/drawing/2014/main" id="{9CFBC72C-AB15-47AB-8916-57F86A1148D5}"/>
+              </a:ext>
+            </a:extLst>
+          </p:cNvPr>
+          <p:cNvSpPr>
+            <a:spLocks noGrp="1"/>
+          </p:cNvSpPr>
+          <p:nvPr>
+            <p:ph idx="1"/>
+          </p:nvPr>
+        </p:nvSpPr>
+        <p:spPr>
+          <a:xfrm>
+            <a:off x="838200" y="1825625"/>
+            <a:ext cx="10515600" cy="4351338"/>
+          </a:xfrm>
+        </p:spPr>
+        <p:txBody>
+          <a:bodyPr/>
+          <a:lstStyle/>
+          <a:p>
+            <a:pPr marL="0" indent="0">
+              <a:buNone/>
+            </a:pPr>
+            <a:endParaRPr lang="en-US" dirty="0"/>
+          </a:p>
+        </p:txBody>
+      </p:sp>
+      <p:sp>
+        <p:nvSpPr>
+          <p:cNvPr id="9" name="Rectangle 8">
+            <a:extLst>
+              <a:ext uri="{FF2B5EF4-FFF2-40B4-BE49-F238E27FC236}">
+                <a16:creationId xmlns:a16="http://schemas.microsoft.com/office/drawing/2014/main" id="{B5A65503-54B9-4B87-848C-09B74EA16989}"/>
+              </a:ext>
+            </a:extLst>
+          </p:cNvPr>
+          <p:cNvSpPr/>
+          <p:nvPr/>
+        </p:nvSpPr>
+        <p:spPr>
+          <a:xfrm>
+            <a:off x="850988" y="1831434"/>
+            <a:ext cx="2900800" cy="446567"/>
+          </a:xfrm>
+          <a:prstGeom prst="rect">
+            <a:avLst/>
+          </a:prstGeom>
+          <a:ln w="57150">
+            <a:solidFill>
+              <a:schemeClr val="accent1">
+                <a:lumMod val="50000"/>
+              </a:schemeClr>
+            </a:solidFill>
+          </a:ln>
+        </p:spPr>
+        <p:style>
+          <a:lnRef idx="1">
+            <a:schemeClr val="accent1"/>
+          </a:lnRef>
+          <a:fillRef idx="2">
+            <a:schemeClr val="accent1"/>
+          </a:fillRef>
+          <a:effectRef idx="1">
+            <a:schemeClr val="accent1"/>
+          </a:effectRef>
+          <a:fontRef idx="minor">
+            <a:schemeClr val="dk1"/>
+          </a:fontRef>
+        </p:style>
+        <p:txBody>
+          <a:bodyPr rtlCol="0" anchor="ctr"/>
+          <a:lstStyle/>
+          <a:p>
+            <a:pPr algn="ctr"/>
+            <a:r>
+              <a:rPr lang="en-US" b="1" dirty="0" err="1"/>
+              <a:t>Program.cs</a:t>
+            </a:r>
+            <a:endParaRPr lang="en-US" b="1" dirty="0"/>
+          </a:p>
+        </p:txBody>
+      </p:sp>
+      <p:sp>
+        <p:nvSpPr>
+          <p:cNvPr id="4" name="Title 3">
+            <a:extLst>
+              <a:ext uri="{FF2B5EF4-FFF2-40B4-BE49-F238E27FC236}">
+                <a16:creationId xmlns:a16="http://schemas.microsoft.com/office/drawing/2014/main" id="{B71A2930-A580-46D5-894C-BB25FA5F1D99}"/>
+              </a:ext>
+            </a:extLst>
+          </p:cNvPr>
+          <p:cNvSpPr>
+            <a:spLocks noGrp="1"/>
+          </p:cNvSpPr>
+          <p:nvPr>
+            <p:ph type="title"/>
+          </p:nvPr>
+        </p:nvSpPr>
+        <p:spPr/>
+        <p:txBody>
+          <a:bodyPr/>
+          <a:lstStyle/>
+          <a:p>
+            <a:r>
+              <a:rPr lang="en-US" dirty="0"/>
+              <a:t>1.x </a:t>
+            </a:r>
+            <a:r>
+              <a:rPr lang="en-US" dirty="0" err="1"/>
+              <a:t>WebHost</a:t>
+            </a:r>
+            <a:r>
+              <a:rPr lang="en-US" dirty="0"/>
+              <a:t> / Startup recap</a:t>
+            </a:r>
+          </a:p>
+        </p:txBody>
+      </p:sp>
+      <p:graphicFrame>
+        <p:nvGraphicFramePr>
+          <p:cNvPr id="7" name="Table 6">
+            <a:extLst>
+              <a:ext uri="{FF2B5EF4-FFF2-40B4-BE49-F238E27FC236}">
+                <a16:creationId xmlns:a16="http://schemas.microsoft.com/office/drawing/2014/main" id="{EA076EF3-C1CD-4316-8EDE-08E7D16599DF}"/>
+              </a:ext>
+            </a:extLst>
+          </p:cNvPr>
+          <p:cNvGraphicFramePr>
+            <a:graphicFrameLocks noGrp="1"/>
+          </p:cNvGraphicFramePr>
+          <p:nvPr>
+            <p:extLst>
+              <p:ext uri="{D42A27DB-BD31-4B8C-83A1-F6EECF244321}">
+                <p14:modId xmlns:p14="http://schemas.microsoft.com/office/powerpoint/2010/main" val="1092362688"/>
+              </p:ext>
+            </p:extLst>
+          </p:nvPr>
+        </p:nvGraphicFramePr>
+        <p:xfrm>
+          <a:off x="1430547" y="2826643"/>
+          <a:ext cx="10515600" cy="3657600"/>
+        </p:xfrm>
+        <a:graphic>
+          <a:graphicData uri="http://schemas.openxmlformats.org/drawingml/2006/table">
+            <a:tbl>
+              <a:tblPr firstRow="1" bandRow="1">
+                <a:tableStyleId>{5C22544A-7EE6-4342-B048-85BDC9FD1C3A}</a:tableStyleId>
+              </a:tblPr>
+              <a:tblGrid>
+                <a:gridCol w="10515600">
+                  <a:extLst>
+                    <a:ext uri="{9D8B030D-6E8A-4147-A177-3AD203B41FA5}">
+                      <a16:colId xmlns:a16="http://schemas.microsoft.com/office/drawing/2014/main" val="1057070397"/>
+                    </a:ext>
+                  </a:extLst>
+                </a:gridCol>
+              </a:tblGrid>
+              <a:tr h="584446">
+                <a:tc>
+                  <a:txBody>
+                    <a:bodyPr/>
+                    <a:lstStyle/>
+                    <a:p>
+                      <a:r>
+                        <a:rPr lang="en-US" sz="1800" dirty="0">
+                          <a:solidFill>
+                            <a:srgbClr val="0000FF"/>
+                          </a:solidFill>
+                          <a:latin typeface="Consolas" panose="020B0609020204030204" pitchFamily="49" charset="0"/>
+                        </a:rPr>
+                        <a:t>public</a:t>
+                      </a:r>
+                      <a:r>
+                        <a:rPr lang="en-US" sz="1800" dirty="0">
+                          <a:solidFill>
+                            <a:srgbClr val="000000"/>
+                          </a:solidFill>
+                          <a:latin typeface="Consolas" panose="020B0609020204030204" pitchFamily="49" charset="0"/>
+                        </a:rPr>
+                        <a:t> Startup(</a:t>
+                      </a:r>
+                      <a:r>
+                        <a:rPr lang="en-US" sz="1800" dirty="0" err="1">
+                          <a:solidFill>
+                            <a:srgbClr val="2B91AF"/>
+                          </a:solidFill>
+                          <a:latin typeface="Consolas" panose="020B0609020204030204" pitchFamily="49" charset="0"/>
+                        </a:rPr>
+                        <a:t>IHostingEnvironment</a:t>
+                      </a:r>
+                      <a:r>
+                        <a:rPr lang="en-US" sz="1800" dirty="0">
+                          <a:solidFill>
+                            <a:srgbClr val="000000"/>
+                          </a:solidFill>
+                          <a:latin typeface="Consolas" panose="020B0609020204030204" pitchFamily="49" charset="0"/>
+                        </a:rPr>
+                        <a:t> </a:t>
+                      </a:r>
+                      <a:r>
+                        <a:rPr lang="en-US" sz="1800" dirty="0" err="1">
+                          <a:solidFill>
+                            <a:srgbClr val="000000"/>
+                          </a:solidFill>
+                          <a:latin typeface="Consolas" panose="020B0609020204030204" pitchFamily="49" charset="0"/>
+                        </a:rPr>
+                        <a:t>env</a:t>
+                      </a:r>
+                      <a:r>
+                        <a:rPr lang="en-US" sz="1800" dirty="0">
+                          <a:solidFill>
+                            <a:srgbClr val="000000"/>
+                          </a:solidFill>
+                          <a:latin typeface="Consolas" panose="020B0609020204030204" pitchFamily="49" charset="0"/>
+                        </a:rPr>
+                        <a:t>) {</a:t>
+                      </a:r>
+                    </a:p>
+                    <a:p>
+                      <a:r>
+                        <a:rPr lang="en-US" sz="1800" dirty="0">
+                          <a:solidFill>
+                            <a:srgbClr val="000000"/>
+                          </a:solidFill>
+                          <a:latin typeface="Consolas" panose="020B0609020204030204" pitchFamily="49" charset="0"/>
+                        </a:rPr>
+                        <a:t>    </a:t>
+                      </a:r>
+                      <a:r>
+                        <a:rPr lang="en-US" sz="1800" dirty="0" err="1">
+                          <a:solidFill>
+                            <a:srgbClr val="0000FF"/>
+                          </a:solidFill>
+                          <a:latin typeface="Consolas" panose="020B0609020204030204" pitchFamily="49" charset="0"/>
+                        </a:rPr>
+                        <a:t>var</a:t>
+                      </a:r>
+                      <a:r>
+                        <a:rPr lang="en-US" sz="1800" dirty="0">
+                          <a:solidFill>
+                            <a:srgbClr val="000000"/>
+                          </a:solidFill>
+                          <a:latin typeface="Consolas" panose="020B0609020204030204" pitchFamily="49" charset="0"/>
+                        </a:rPr>
+                        <a:t> builder = </a:t>
+                      </a:r>
+                      <a:r>
+                        <a:rPr lang="en-US" sz="1800" dirty="0">
+                          <a:solidFill>
+                            <a:srgbClr val="0000FF"/>
+                          </a:solidFill>
+                          <a:latin typeface="Consolas" panose="020B0609020204030204" pitchFamily="49" charset="0"/>
+                        </a:rPr>
+                        <a:t>new</a:t>
+                      </a:r>
+                      <a:r>
+                        <a:rPr lang="en-US" sz="1800" dirty="0">
+                          <a:solidFill>
+                            <a:srgbClr val="000000"/>
+                          </a:solidFill>
+                          <a:latin typeface="Consolas" panose="020B0609020204030204" pitchFamily="49" charset="0"/>
+                        </a:rPr>
+                        <a:t> </a:t>
+                      </a:r>
+                      <a:r>
+                        <a:rPr lang="en-US" sz="1800" dirty="0" err="1">
+                          <a:solidFill>
+                            <a:srgbClr val="2B91AF"/>
+                          </a:solidFill>
+                          <a:latin typeface="Consolas" panose="020B0609020204030204" pitchFamily="49" charset="0"/>
+                        </a:rPr>
+                        <a:t>ConfigurationBuilder</a:t>
+                      </a:r>
+                      <a:r>
+                        <a:rPr lang="en-US" sz="1800" dirty="0">
+                          <a:solidFill>
+                            <a:srgbClr val="000000"/>
+                          </a:solidFill>
+                          <a:latin typeface="Consolas" panose="020B0609020204030204" pitchFamily="49" charset="0"/>
+                        </a:rPr>
+                        <a:t>()</a:t>
+                      </a:r>
+                    </a:p>
+                    <a:p>
+                      <a:r>
+                        <a:rPr lang="en-US" sz="1800" dirty="0">
+                          <a:solidFill>
+                            <a:srgbClr val="000000"/>
+                          </a:solidFill>
+                          <a:latin typeface="Consolas" panose="020B0609020204030204" pitchFamily="49" charset="0"/>
+                        </a:rPr>
+                        <a:t>         .</a:t>
+                      </a:r>
+                      <a:r>
+                        <a:rPr lang="en-US" sz="1800" dirty="0" err="1">
+                          <a:solidFill>
+                            <a:srgbClr val="000000"/>
+                          </a:solidFill>
+                          <a:latin typeface="Consolas" panose="020B0609020204030204" pitchFamily="49" charset="0"/>
+                        </a:rPr>
+                        <a:t>SetBasePath</a:t>
+                      </a:r>
+                      <a:r>
+                        <a:rPr lang="en-US" sz="1800" dirty="0">
+                          <a:solidFill>
+                            <a:srgbClr val="000000"/>
+                          </a:solidFill>
+                          <a:latin typeface="Consolas" panose="020B0609020204030204" pitchFamily="49" charset="0"/>
+                        </a:rPr>
+                        <a:t>(</a:t>
+                      </a:r>
+                      <a:r>
+                        <a:rPr lang="en-US" sz="1800" dirty="0" err="1">
+                          <a:solidFill>
+                            <a:srgbClr val="000000"/>
+                          </a:solidFill>
+                          <a:latin typeface="Consolas" panose="020B0609020204030204" pitchFamily="49" charset="0"/>
+                        </a:rPr>
+                        <a:t>env.ContentRootPath</a:t>
+                      </a:r>
+                      <a:r>
+                        <a:rPr lang="en-US" sz="1800" dirty="0">
+                          <a:solidFill>
+                            <a:srgbClr val="000000"/>
+                          </a:solidFill>
+                          <a:latin typeface="Consolas" panose="020B0609020204030204" pitchFamily="49" charset="0"/>
+                        </a:rPr>
+                        <a:t>)</a:t>
+                      </a:r>
+                    </a:p>
+                    <a:p>
+                      <a:r>
+                        <a:rPr lang="en-US" sz="1800" dirty="0">
+                          <a:solidFill>
+                            <a:srgbClr val="000000"/>
+                          </a:solidFill>
+                          <a:latin typeface="Consolas" panose="020B0609020204030204" pitchFamily="49" charset="0"/>
+                        </a:rPr>
+                        <a:t>         .</a:t>
+                      </a:r>
+                      <a:r>
+                        <a:rPr lang="en-US" sz="1800" dirty="0" err="1">
+                          <a:solidFill>
+                            <a:srgbClr val="000000"/>
+                          </a:solidFill>
+                          <a:latin typeface="Consolas" panose="020B0609020204030204" pitchFamily="49" charset="0"/>
+                        </a:rPr>
+                        <a:t>AddJsonFile</a:t>
+                      </a:r>
+                      <a:r>
+                        <a:rPr lang="en-US" sz="1800" dirty="0">
+                          <a:solidFill>
+                            <a:srgbClr val="000000"/>
+                          </a:solidFill>
+                          <a:latin typeface="Consolas" panose="020B0609020204030204" pitchFamily="49" charset="0"/>
+                        </a:rPr>
+                        <a:t>(</a:t>
+                      </a:r>
+                      <a:r>
+                        <a:rPr lang="en-US" sz="1800" dirty="0">
+                          <a:solidFill>
+                            <a:srgbClr val="A31515"/>
+                          </a:solidFill>
+                          <a:latin typeface="Consolas" panose="020B0609020204030204" pitchFamily="49" charset="0"/>
+                        </a:rPr>
+                        <a:t>"</a:t>
+                      </a:r>
+                      <a:r>
+                        <a:rPr lang="en-US" sz="1800" dirty="0" err="1">
+                          <a:solidFill>
+                            <a:srgbClr val="A31515"/>
+                          </a:solidFill>
+                          <a:latin typeface="Consolas" panose="020B0609020204030204" pitchFamily="49" charset="0"/>
+                        </a:rPr>
+                        <a:t>appsettings.json</a:t>
+                      </a:r>
+                      <a:r>
+                        <a:rPr lang="en-US" sz="1800" dirty="0">
+                          <a:solidFill>
+                            <a:srgbClr val="A31515"/>
+                          </a:solidFill>
+                          <a:latin typeface="Consolas" panose="020B0609020204030204" pitchFamily="49" charset="0"/>
+                        </a:rPr>
+                        <a:t>"</a:t>
+                      </a:r>
+                      <a:r>
+                        <a:rPr lang="en-US" sz="1800" dirty="0">
+                          <a:solidFill>
+                            <a:srgbClr val="000000"/>
+                          </a:solidFill>
+                          <a:latin typeface="Consolas" panose="020B0609020204030204" pitchFamily="49" charset="0"/>
+                        </a:rPr>
+                        <a:t>, optional: </a:t>
+                      </a:r>
+                      <a:r>
+                        <a:rPr lang="en-US" sz="1800" dirty="0">
+                          <a:solidFill>
+                            <a:srgbClr val="0000FF"/>
+                          </a:solidFill>
+                          <a:latin typeface="Consolas" panose="020B0609020204030204" pitchFamily="49" charset="0"/>
+                        </a:rPr>
+                        <a:t>false</a:t>
+                      </a:r>
+                      <a:r>
+                        <a:rPr lang="en-US" sz="1800" dirty="0">
+                          <a:solidFill>
+                            <a:srgbClr val="000000"/>
+                          </a:solidFill>
+                          <a:latin typeface="Consolas" panose="020B0609020204030204" pitchFamily="49" charset="0"/>
+                        </a:rPr>
+                        <a:t>, </a:t>
+                      </a:r>
+                      <a:r>
+                        <a:rPr lang="en-US" sz="1800" dirty="0" err="1">
+                          <a:solidFill>
+                            <a:srgbClr val="000000"/>
+                          </a:solidFill>
+                          <a:latin typeface="Consolas" panose="020B0609020204030204" pitchFamily="49" charset="0"/>
+                        </a:rPr>
+                        <a:t>reloadOnChange</a:t>
+                      </a:r>
+                      <a:r>
+                        <a:rPr lang="en-US" sz="1800" dirty="0">
+                          <a:solidFill>
+                            <a:srgbClr val="000000"/>
+                          </a:solidFill>
+                          <a:latin typeface="Consolas" panose="020B0609020204030204" pitchFamily="49" charset="0"/>
+                        </a:rPr>
+                        <a:t>: </a:t>
+                      </a:r>
+                      <a:r>
+                        <a:rPr lang="en-US" sz="1800" dirty="0">
+                          <a:solidFill>
+                            <a:srgbClr val="0000FF"/>
+                          </a:solidFill>
+                          <a:latin typeface="Consolas" panose="020B0609020204030204" pitchFamily="49" charset="0"/>
+                        </a:rPr>
+                        <a:t>true</a:t>
+                      </a:r>
+                      <a:r>
+                        <a:rPr lang="en-US" sz="1800" dirty="0">
+                          <a:solidFill>
+                            <a:srgbClr val="000000"/>
+                          </a:solidFill>
+                          <a:latin typeface="Consolas" panose="020B0609020204030204" pitchFamily="49" charset="0"/>
+                        </a:rPr>
+                        <a:t>)</a:t>
+                      </a:r>
+                    </a:p>
+                    <a:p>
+                      <a:r>
+                        <a:rPr lang="en-US" sz="1800" dirty="0">
+                          <a:solidFill>
+                            <a:srgbClr val="000000"/>
+                          </a:solidFill>
+                          <a:latin typeface="Consolas" panose="020B0609020204030204" pitchFamily="49" charset="0"/>
+                        </a:rPr>
+                        <a:t>         .</a:t>
+                      </a:r>
+                      <a:r>
+                        <a:rPr lang="en-US" sz="1800" dirty="0" err="1">
+                          <a:solidFill>
+                            <a:srgbClr val="000000"/>
+                          </a:solidFill>
+                          <a:latin typeface="Consolas" panose="020B0609020204030204" pitchFamily="49" charset="0"/>
+                        </a:rPr>
+                        <a:t>AddJsonFile</a:t>
+                      </a:r>
+                      <a:r>
+                        <a:rPr lang="en-US" sz="1800" dirty="0">
+                          <a:solidFill>
+                            <a:srgbClr val="000000"/>
+                          </a:solidFill>
+                          <a:latin typeface="Consolas" panose="020B0609020204030204" pitchFamily="49" charset="0"/>
+                        </a:rPr>
+                        <a:t>(</a:t>
+                      </a:r>
+                      <a:r>
+                        <a:rPr lang="en-US" sz="1800" dirty="0">
+                          <a:solidFill>
+                            <a:srgbClr val="A31515"/>
+                          </a:solidFill>
+                          <a:latin typeface="Consolas" panose="020B0609020204030204" pitchFamily="49" charset="0"/>
+                        </a:rPr>
+                        <a:t>$"</a:t>
+                      </a:r>
+                      <a:r>
+                        <a:rPr lang="en-US" sz="1800" dirty="0" err="1">
+                          <a:solidFill>
+                            <a:srgbClr val="A31515"/>
+                          </a:solidFill>
+                          <a:latin typeface="Consolas" panose="020B0609020204030204" pitchFamily="49" charset="0"/>
+                        </a:rPr>
+                        <a:t>appsettings</a:t>
+                      </a:r>
+                      <a:r>
+                        <a:rPr lang="en-US" sz="1800" dirty="0">
+                          <a:solidFill>
+                            <a:srgbClr val="A31515"/>
+                          </a:solidFill>
+                          <a:latin typeface="Consolas" panose="020B0609020204030204" pitchFamily="49" charset="0"/>
+                        </a:rPr>
+                        <a:t>.</a:t>
+                      </a:r>
+                      <a:r>
+                        <a:rPr lang="en-US" sz="1800" dirty="0">
+                          <a:solidFill>
+                            <a:srgbClr val="000000"/>
+                          </a:solidFill>
+                          <a:latin typeface="Consolas" panose="020B0609020204030204" pitchFamily="49" charset="0"/>
+                        </a:rPr>
+                        <a:t>{</a:t>
+                      </a:r>
+                      <a:r>
+                        <a:rPr lang="en-US" sz="1800" dirty="0" err="1">
+                          <a:solidFill>
+                            <a:srgbClr val="000000"/>
+                          </a:solidFill>
+                          <a:latin typeface="Consolas" panose="020B0609020204030204" pitchFamily="49" charset="0"/>
+                        </a:rPr>
+                        <a:t>env.EnvironmentName</a:t>
+                      </a:r>
+                      <a:r>
+                        <a:rPr lang="en-US" sz="1800" dirty="0">
+                          <a:solidFill>
+                            <a:srgbClr val="000000"/>
+                          </a:solidFill>
+                          <a:latin typeface="Consolas" panose="020B0609020204030204" pitchFamily="49" charset="0"/>
+                        </a:rPr>
+                        <a:t>}</a:t>
+                      </a:r>
+                      <a:r>
+                        <a:rPr lang="en-US" sz="1800" dirty="0">
+                          <a:solidFill>
+                            <a:srgbClr val="A31515"/>
+                          </a:solidFill>
+                          <a:latin typeface="Consolas" panose="020B0609020204030204" pitchFamily="49" charset="0"/>
+                        </a:rPr>
+                        <a:t>.</a:t>
+                      </a:r>
+                      <a:r>
+                        <a:rPr lang="en-US" sz="1800" dirty="0" err="1">
+                          <a:solidFill>
+                            <a:srgbClr val="A31515"/>
+                          </a:solidFill>
+                          <a:latin typeface="Consolas" panose="020B0609020204030204" pitchFamily="49" charset="0"/>
+                        </a:rPr>
+                        <a:t>json</a:t>
+                      </a:r>
+                      <a:r>
+                        <a:rPr lang="en-US" sz="1800" dirty="0">
+                          <a:solidFill>
+                            <a:srgbClr val="A31515"/>
+                          </a:solidFill>
+                          <a:latin typeface="Consolas" panose="020B0609020204030204" pitchFamily="49" charset="0"/>
+                        </a:rPr>
+                        <a:t>"</a:t>
+                      </a:r>
+                      <a:r>
+                        <a:rPr lang="en-US" sz="1800" dirty="0">
+                          <a:solidFill>
+                            <a:srgbClr val="000000"/>
+                          </a:solidFill>
+                          <a:latin typeface="Consolas" panose="020B0609020204030204" pitchFamily="49" charset="0"/>
+                        </a:rPr>
+                        <a:t>, optional: </a:t>
+                      </a:r>
+                      <a:r>
+                        <a:rPr lang="en-US" sz="1800" dirty="0">
+                          <a:solidFill>
+                            <a:srgbClr val="0000FF"/>
+                          </a:solidFill>
+                          <a:latin typeface="Consolas" panose="020B0609020204030204" pitchFamily="49" charset="0"/>
+                        </a:rPr>
+                        <a:t>true</a:t>
+                      </a:r>
+                      <a:r>
+                        <a:rPr lang="en-US" sz="1800" dirty="0">
+                          <a:solidFill>
+                            <a:srgbClr val="000000"/>
+                          </a:solidFill>
+                          <a:latin typeface="Consolas" panose="020B0609020204030204" pitchFamily="49" charset="0"/>
+                        </a:rPr>
+                        <a:t>);</a:t>
+                      </a:r>
+                    </a:p>
+                    <a:p>
+                      <a:endParaRPr lang="en-US" sz="1800" dirty="0">
+                        <a:solidFill>
+                          <a:srgbClr val="000000"/>
+                        </a:solidFill>
+                        <a:latin typeface="Consolas" panose="020B0609020204030204" pitchFamily="49" charset="0"/>
+                      </a:endParaRPr>
+                    </a:p>
+                    <a:p>
+                      <a:r>
+                        <a:rPr lang="en-US" sz="1800" dirty="0">
+                          <a:solidFill>
+                            <a:srgbClr val="0000FF"/>
+                          </a:solidFill>
+                          <a:latin typeface="Consolas" panose="020B0609020204030204" pitchFamily="49" charset="0"/>
+                        </a:rPr>
+                        <a:t>    if</a:t>
+                      </a:r>
+                      <a:r>
+                        <a:rPr lang="en-US" sz="1800" dirty="0">
+                          <a:solidFill>
+                            <a:srgbClr val="000000"/>
+                          </a:solidFill>
+                          <a:latin typeface="Consolas" panose="020B0609020204030204" pitchFamily="49" charset="0"/>
+                        </a:rPr>
+                        <a:t> (</a:t>
+                      </a:r>
+                      <a:r>
+                        <a:rPr lang="en-US" sz="1800" dirty="0" err="1">
+                          <a:solidFill>
+                            <a:srgbClr val="000000"/>
+                          </a:solidFill>
+                          <a:latin typeface="Consolas" panose="020B0609020204030204" pitchFamily="49" charset="0"/>
+                        </a:rPr>
+                        <a:t>env.IsDevelopment</a:t>
+                      </a:r>
+                      <a:r>
+                        <a:rPr lang="en-US" sz="1800" dirty="0">
+                          <a:solidFill>
+                            <a:srgbClr val="000000"/>
+                          </a:solidFill>
+                          <a:latin typeface="Consolas" panose="020B0609020204030204" pitchFamily="49" charset="0"/>
+                        </a:rPr>
+                        <a:t>()) { </a:t>
+                      </a:r>
+                      <a:r>
+                        <a:rPr lang="en-US" sz="1800" dirty="0" err="1">
+                          <a:solidFill>
+                            <a:srgbClr val="000000"/>
+                          </a:solidFill>
+                          <a:latin typeface="Consolas" panose="020B0609020204030204" pitchFamily="49" charset="0"/>
+                        </a:rPr>
+                        <a:t>builder.AddUserSecrets</a:t>
+                      </a:r>
+                      <a:r>
+                        <a:rPr lang="en-US" sz="1800" dirty="0">
+                          <a:solidFill>
+                            <a:srgbClr val="000000"/>
+                          </a:solidFill>
+                          <a:latin typeface="Consolas" panose="020B0609020204030204" pitchFamily="49" charset="0"/>
+                        </a:rPr>
+                        <a:t>&lt;</a:t>
+                      </a:r>
+                      <a:r>
+                        <a:rPr lang="en-US" sz="1800" dirty="0">
+                          <a:solidFill>
+                            <a:srgbClr val="2B91AF"/>
+                          </a:solidFill>
+                          <a:latin typeface="Consolas" panose="020B0609020204030204" pitchFamily="49" charset="0"/>
+                        </a:rPr>
+                        <a:t>Startup</a:t>
+                      </a:r>
+                      <a:r>
+                        <a:rPr lang="en-US" sz="1800" dirty="0">
+                          <a:solidFill>
+                            <a:srgbClr val="000000"/>
+                          </a:solidFill>
+                          <a:latin typeface="Consolas" panose="020B0609020204030204" pitchFamily="49" charset="0"/>
+                        </a:rPr>
+                        <a:t>&gt;(); }</a:t>
+                      </a:r>
+                    </a:p>
+                    <a:p>
+                      <a:endParaRPr lang="en-US" sz="1800" dirty="0">
+                        <a:solidFill>
+                          <a:srgbClr val="000000"/>
+                        </a:solidFill>
+                        <a:latin typeface="Consolas" panose="020B0609020204030204" pitchFamily="49" charset="0"/>
+                      </a:endParaRPr>
+                    </a:p>
+                    <a:p>
+                      <a:r>
+                        <a:rPr lang="en-US" sz="1800" dirty="0">
+                          <a:solidFill>
+                            <a:srgbClr val="000000"/>
+                          </a:solidFill>
+                          <a:latin typeface="Consolas" panose="020B0609020204030204" pitchFamily="49" charset="0"/>
+                        </a:rPr>
+                        <a:t>    </a:t>
+                      </a:r>
+                      <a:r>
+                        <a:rPr lang="en-US" sz="1800" dirty="0" err="1">
+                          <a:solidFill>
+                            <a:srgbClr val="000000"/>
+                          </a:solidFill>
+                          <a:latin typeface="Consolas" panose="020B0609020204030204" pitchFamily="49" charset="0"/>
+                        </a:rPr>
+                        <a:t>builder.AddEnvironmentVariables</a:t>
+                      </a:r>
+                      <a:r>
+                        <a:rPr lang="en-US" sz="1800" dirty="0">
+                          <a:solidFill>
+                            <a:srgbClr val="000000"/>
+                          </a:solidFill>
+                          <a:latin typeface="Consolas" panose="020B0609020204030204" pitchFamily="49" charset="0"/>
+                        </a:rPr>
+                        <a:t>();</a:t>
+                      </a:r>
+                    </a:p>
+                    <a:p>
+                      <a:r>
+                        <a:rPr lang="en-US" sz="1800" dirty="0">
+                          <a:solidFill>
+                            <a:srgbClr val="000000"/>
+                          </a:solidFill>
+                          <a:latin typeface="Consolas" panose="020B0609020204030204" pitchFamily="49" charset="0"/>
+                        </a:rPr>
+                        <a:t>    Configuration = </a:t>
+                      </a:r>
+                      <a:r>
+                        <a:rPr lang="en-US" sz="1800" dirty="0" err="1">
+                          <a:solidFill>
+                            <a:srgbClr val="000000"/>
+                          </a:solidFill>
+                          <a:latin typeface="Consolas" panose="020B0609020204030204" pitchFamily="49" charset="0"/>
+                        </a:rPr>
+                        <a:t>builder.Build</a:t>
+                      </a:r>
+                      <a:r>
+                        <a:rPr lang="en-US" sz="1800" dirty="0">
+                          <a:solidFill>
+                            <a:srgbClr val="000000"/>
+                          </a:solidFill>
+                          <a:latin typeface="Consolas" panose="020B0609020204030204" pitchFamily="49" charset="0"/>
+                        </a:rPr>
+                        <a:t>();</a:t>
+                      </a:r>
+                    </a:p>
+                    <a:p>
+                      <a:r>
+                        <a:rPr lang="en-US" sz="1800" dirty="0">
+                          <a:solidFill>
+                            <a:srgbClr val="000000"/>
+                          </a:solidFill>
+                          <a:latin typeface="Consolas" panose="020B0609020204030204" pitchFamily="49" charset="0"/>
+                        </a:rPr>
+                        <a:t>}</a:t>
+                      </a:r>
+                    </a:p>
+                    <a:p>
+                      <a:endParaRPr lang="en-US" sz="1800" dirty="0">
+                        <a:solidFill>
+                          <a:srgbClr val="000000"/>
+                        </a:solidFill>
+                        <a:latin typeface="Consolas" panose="020B0609020204030204" pitchFamily="49" charset="0"/>
+                      </a:endParaRPr>
+                    </a:p>
+                    <a:p>
+                      <a:r>
+                        <a:rPr lang="en-US" sz="1800" dirty="0">
+                          <a:solidFill>
+                            <a:srgbClr val="0000FF"/>
+                          </a:solidFill>
+                          <a:latin typeface="Consolas" panose="020B0609020204030204" pitchFamily="49" charset="0"/>
+                        </a:rPr>
+                        <a:t>public</a:t>
+                      </a:r>
+                      <a:r>
+                        <a:rPr lang="en-US" sz="1800" dirty="0">
+                          <a:solidFill>
+                            <a:srgbClr val="000000"/>
+                          </a:solidFill>
+                          <a:latin typeface="Consolas" panose="020B0609020204030204" pitchFamily="49" charset="0"/>
+                        </a:rPr>
+                        <a:t> </a:t>
+                      </a:r>
+                      <a:r>
+                        <a:rPr lang="en-US" sz="1800" dirty="0" err="1">
+                          <a:solidFill>
+                            <a:srgbClr val="2B91AF"/>
+                          </a:solidFill>
+                          <a:latin typeface="Consolas" panose="020B0609020204030204" pitchFamily="49" charset="0"/>
+                        </a:rPr>
+                        <a:t>IConfigurationRoot</a:t>
+                      </a:r>
+                      <a:r>
+                        <a:rPr lang="en-US" sz="1800" dirty="0">
+                          <a:solidFill>
+                            <a:srgbClr val="000000"/>
+                          </a:solidFill>
+                          <a:latin typeface="Consolas" panose="020B0609020204030204" pitchFamily="49" charset="0"/>
+                        </a:rPr>
+                        <a:t> Configuration { </a:t>
+                      </a:r>
+                      <a:r>
+                        <a:rPr lang="en-US" sz="1800" dirty="0">
+                          <a:solidFill>
+                            <a:srgbClr val="0000FF"/>
+                          </a:solidFill>
+                          <a:latin typeface="Consolas" panose="020B0609020204030204" pitchFamily="49" charset="0"/>
+                        </a:rPr>
+                        <a:t>get</a:t>
+                      </a:r>
+                      <a:r>
+                        <a:rPr lang="en-US" sz="1800" dirty="0">
+                          <a:solidFill>
+                            <a:srgbClr val="000000"/>
+                          </a:solidFill>
+                          <a:latin typeface="Consolas" panose="020B0609020204030204" pitchFamily="49" charset="0"/>
+                        </a:rPr>
+                        <a:t>; }</a:t>
+                      </a:r>
+                    </a:p>
+                  </a:txBody>
+                  <a:tcPr>
+                    <a:lnL w="12700" cap="flat" cmpd="sng" algn="ctr">
+                      <a:noFill/>
+                      <a:prstDash val="solid"/>
+                      <a:round/>
+                      <a:headEnd type="none" w="med" len="med"/>
+                      <a:tailEnd type="none" w="med" len="med"/>
+                    </a:lnL>
+                    <a:lnR w="12700" cap="flat" cmpd="sng" algn="ctr">
+                      <a:noFill/>
+                      <a:prstDash val="solid"/>
+                      <a:round/>
+                      <a:headEnd type="none" w="med" len="med"/>
+                      <a:tailEnd type="none" w="med" len="med"/>
+                    </a:lnR>
+                    <a:lnT w="12700" cap="flat" cmpd="sng" algn="ctr">
+                      <a:noFill/>
+                      <a:prstDash val="solid"/>
+                      <a:round/>
+                      <a:headEnd type="none" w="med" len="med"/>
+                      <a:tailEnd type="none" w="med" len="med"/>
+                    </a:lnT>
+                    <a:lnB w="12700" cap="flat" cmpd="sng" algn="ctr">
+                      <a:noFill/>
+                      <a:prstDash val="solid"/>
+                      <a:round/>
+                      <a:headEnd type="none" w="med" len="med"/>
+                      <a:tailEnd type="none" w="med" len="med"/>
+                    </a:lnB>
+                    <a:solidFill>
+                      <a:schemeClr val="tx2">
+                        <a:lumMod val="90000"/>
+                      </a:schemeClr>
+                    </a:solidFill>
+                  </a:tcPr>
+                </a:tc>
+                <a:extLst>
+                  <a:ext uri="{0D108BD9-81ED-4DB2-BD59-A6C34878D82A}">
+                    <a16:rowId xmlns:a16="http://schemas.microsoft.com/office/drawing/2014/main" val="3473222697"/>
+                  </a:ext>
+                </a:extLst>
+              </a:tr>
+            </a:tbl>
+          </a:graphicData>
+        </a:graphic>
+      </p:graphicFrame>
+      <p:sp>
+        <p:nvSpPr>
+          <p:cNvPr id="8" name="Rectangle 7">
+            <a:extLst>
+              <a:ext uri="{FF2B5EF4-FFF2-40B4-BE49-F238E27FC236}">
+                <a16:creationId xmlns:a16="http://schemas.microsoft.com/office/drawing/2014/main" id="{1275D664-BEFF-44C0-AC98-5BAC68120D94}"/>
+              </a:ext>
+            </a:extLst>
+          </p:cNvPr>
+          <p:cNvSpPr/>
+          <p:nvPr/>
+        </p:nvSpPr>
+        <p:spPr>
+          <a:xfrm>
+            <a:off x="1443335" y="2380074"/>
+            <a:ext cx="2900800" cy="446567"/>
+          </a:xfrm>
+          <a:prstGeom prst="rect">
+            <a:avLst/>
+          </a:prstGeom>
+          <a:ln w="57150">
+            <a:solidFill>
+              <a:schemeClr val="accent1">
+                <a:lumMod val="50000"/>
+              </a:schemeClr>
+            </a:solidFill>
+          </a:ln>
+        </p:spPr>
+        <p:style>
+          <a:lnRef idx="1">
+            <a:schemeClr val="accent1"/>
+          </a:lnRef>
+          <a:fillRef idx="2">
+            <a:schemeClr val="accent1"/>
+          </a:fillRef>
+          <a:effectRef idx="1">
+            <a:schemeClr val="accent1"/>
+          </a:effectRef>
+          <a:fontRef idx="minor">
+            <a:schemeClr val="dk1"/>
+          </a:fontRef>
+        </p:style>
+        <p:txBody>
+          <a:bodyPr rtlCol="0" anchor="ctr"/>
+          <a:lstStyle/>
+          <a:p>
+            <a:pPr algn="ctr"/>
+            <a:r>
+              <a:rPr lang="en-US" b="1" dirty="0" err="1"/>
+              <a:t>Startup.cs</a:t>
+            </a:r>
+            <a:endParaRPr lang="en-US" b="1" dirty="0"/>
+          </a:p>
+        </p:txBody>
+      </p:sp>
+    </p:spTree>
+    <p:extLst>
+      <p:ext uri="{BB962C8B-B14F-4D97-AF65-F5344CB8AC3E}">
+        <p14:creationId xmlns:p14="http://schemas.microsoft.com/office/powerpoint/2010/main" val="1613751810"/>
+      </p:ext>
+    </p:extLst>
+  </p:cSld>
+  <p:clrMapOvr>
+    <a:masterClrMapping/>
+  </p:clrMapOvr>
+  <p:timing>
+    <p:tnLst>
+      <p:par>
+        <p:cTn id="1" dur="indefinite" restart="never" nodeType="tmRoot">
+          <p:childTnLst>
+            <p:seq concurrent="1" nextAc="seek">
+              <p:cTn id="2" dur="indefinite" nodeType="mainSeq">
+                <p:childTnLst>
+                  <p:par>
+                    <p:cTn id="3" fill="hold">
+                      <p:stCondLst>
+                        <p:cond delay="indefinite"/>
+                      </p:stCondLst>
+                      <p:childTnLst>
+                        <p:par>
+                          <p:cTn id="4" fill="hold">
+                            <p:stCondLst>
+                              <p:cond delay="0"/>
+                            </p:stCondLst>
+                            <p:childTnLst>
+                              <p:par>
+                                <p:cTn id="5" presetID="1" presetClass="entr" presetSubtype="0" fill="hold" nodeType="clickEffect">
+                                  <p:stCondLst>
+                                    <p:cond delay="0"/>
+                                  </p:stCondLst>
+                                  <p:childTnLst>
+                                    <p:set>
+                                      <p:cBhvr>
+                                        <p:cTn id="6" dur="1" fill="hold">
+                                          <p:stCondLst>
+                                            <p:cond delay="0"/>
+                                          </p:stCondLst>
+                                        </p:cTn>
+                                        <p:tgtEl>
+                                          <p:spTgt spid="6"/>
+                                        </p:tgtEl>
+                                        <p:attrNameLst>
+                                          <p:attrName>style.visibility</p:attrName>
+                                        </p:attrNameLst>
+                                      </p:cBhvr>
+                                      <p:to>
+                                        <p:strVal val="visible"/>
+                                      </p:to>
+                                    </p:set>
+                                  </p:childTnLst>
+                                </p:cTn>
+                              </p:par>
+                              <p:par>
+                                <p:cTn id="7" presetID="1" presetClass="entr" presetSubtype="0" fill="hold" grpId="0" nodeType="withEffect">
+                                  <p:stCondLst>
+                                    <p:cond delay="0"/>
+                                  </p:stCondLst>
+                                  <p:childTnLst>
+                                    <p:set>
+                                      <p:cBhvr>
+                                        <p:cTn id="8" dur="1" fill="hold">
+                                          <p:stCondLst>
+                                            <p:cond delay="0"/>
+                                          </p:stCondLst>
+                                        </p:cTn>
+                                        <p:tgtEl>
+                                          <p:spTgt spid="9"/>
+                                        </p:tgtEl>
+                                        <p:attrNameLst>
+                                          <p:attrName>style.visibility</p:attrName>
+                                        </p:attrNameLst>
+                                      </p:cBhvr>
+                                      <p:to>
+                                        <p:strVal val="visible"/>
+                                      </p:to>
+                                    </p:set>
+                                  </p:childTnLst>
+                                </p:cTn>
+                              </p:par>
+                            </p:childTnLst>
+                          </p:cTn>
+                        </p:par>
+                      </p:childTnLst>
+                    </p:cTn>
+                  </p:par>
+                  <p:par>
+                    <p:cTn id="9" fill="hold">
+                      <p:stCondLst>
+                        <p:cond delay="indefinite"/>
+                      </p:stCondLst>
+                      <p:childTnLst>
+                        <p:par>
+                          <p:cTn id="10" fill="hold">
+                            <p:stCondLst>
+                              <p:cond delay="0"/>
+                            </p:stCondLst>
+                            <p:childTnLst>
+                              <p:par>
+                                <p:cTn id="11" presetID="1" presetClass="entr" presetSubtype="0" fill="hold" nodeType="clickEffect">
+                                  <p:stCondLst>
+                                    <p:cond delay="0"/>
+                                  </p:stCondLst>
+                                  <p:childTnLst>
+                                    <p:set>
+                                      <p:cBhvr>
+                                        <p:cTn id="12" dur="1" fill="hold">
+                                          <p:stCondLst>
+                                            <p:cond delay="0"/>
+                                          </p:stCondLst>
+                                        </p:cTn>
+                                        <p:tgtEl>
+                                          <p:spTgt spid="7"/>
+                                        </p:tgtEl>
+                                        <p:attrNameLst>
+                                          <p:attrName>style.visibility</p:attrName>
+                                        </p:attrNameLst>
+                                      </p:cBhvr>
+                                      <p:to>
+                                        <p:strVal val="visible"/>
+                                      </p:to>
+                                    </p:set>
+                                  </p:childTnLst>
+                                </p:cTn>
+                              </p:par>
+                              <p:par>
+                                <p:cTn id="13" presetID="1" presetClass="entr" presetSubtype="0" fill="hold" grpId="0" nodeType="withEffect">
+                                  <p:stCondLst>
+                                    <p:cond delay="0"/>
+                                  </p:stCondLst>
+                                  <p:childTnLst>
+                                    <p:set>
+                                      <p:cBhvr>
+                                        <p:cTn id="14" dur="1" fill="hold">
+                                          <p:stCondLst>
+                                            <p:cond delay="0"/>
+                                          </p:stCondLst>
+                                        </p:cTn>
+                                        <p:tgtEl>
+                                          <p:spTgt spid="8"/>
+                                        </p:tgtEl>
+                                        <p:attrNameLst>
+                                          <p:attrName>style.visibility</p:attrName>
+                                        </p:attrNameLst>
+                                      </p:cBhvr>
+                                      <p:to>
+                                        <p:strVal val="visible"/>
+                                      </p:to>
+                                    </p:set>
+                                  </p:childTnLst>
+                                </p:cTn>
+                              </p:par>
+                            </p:childTnLst>
+                          </p:cTn>
+                        </p:par>
+                      </p:childTnLst>
+                    </p:cTn>
+                  </p:par>
+                </p:childTnLst>
+              </p:cTn>
+              <p:prevCondLst>
+                <p:cond evt="onPrev" delay="0">
+                  <p:tgtEl>
+                    <p:sldTgt/>
+                  </p:tgtEl>
+                </p:cond>
+              </p:prevCondLst>
+              <p:nextCondLst>
+                <p:cond evt="onNext" delay="0">
+                  <p:tgtEl>
+                    <p:sldTgt/>
+                  </p:tgtEl>
+                </p:cond>
+              </p:nextCondLst>
+            </p:seq>
+          </p:childTnLst>
+        </p:cTn>
+      </p:par>
+    </p:tnLst>
+    <p:bldLst>
+      <p:bldP spid="9" grpId="0" animBg="1"/>
+      <p:bldP spid="8" grpId="0" animBg="1"/>
+    </p:bldLst>
+  </p:timing>
+</p:sld>
+</file>
+
+<file path=ppt/slides/slide9.xml><?xml version="1.0" encoding="utf-8"?>
+<p:sld xmlns:a="http://schemas.openxmlformats.org/drawingml/2006/main" xmlns:r="http://schemas.openxmlformats.org/officeDocument/2006/relationships" xmlns:p="http://schemas.openxmlformats.org/presentationml/2006/main">
+  <p:cSld>
+    <p:bg>
+      <p:bgPr>
+        <a:solidFill>
+          <a:srgbClr val="505050"/>
+        </a:solidFill>
+        <a:effectLst/>
+      </p:bgPr>
+    </p:bg>
+    <p:spTree>
+      <p:nvGrpSpPr>
+        <p:cNvPr id="1" name=""/>
+        <p:cNvGrpSpPr/>
+        <p:nvPr/>
+      </p:nvGrpSpPr>
+      <p:grpSpPr>
+        <a:xfrm>
+          <a:off x="0" y="0"/>
+          <a:ext cx="0" cy="0"/>
+          <a:chOff x="0" y="0"/>
+          <a:chExt cx="0" cy="0"/>
+        </a:xfrm>
+      </p:grpSpPr>
+      <p:sp>
+        <p:nvSpPr>
+          <p:cNvPr id="4" name="Title 3">
+            <a:extLst>
+              <a:ext uri="{FF2B5EF4-FFF2-40B4-BE49-F238E27FC236}">
+                <a16:creationId xmlns:a16="http://schemas.microsoft.com/office/drawing/2014/main" id="{D17032A2-AE05-4562-87F8-460B924B72DD}"/>
+              </a:ext>
+            </a:extLst>
+          </p:cNvPr>
+          <p:cNvSpPr>
+            <a:spLocks noGrp="1"/>
+          </p:cNvSpPr>
+          <p:nvPr>
+            <p:ph type="title"/>
+          </p:nvPr>
+        </p:nvSpPr>
+        <p:spPr/>
+        <p:txBody>
+          <a:bodyPr/>
+          <a:lstStyle/>
+          <a:p>
+            <a:r>
+              <a:rPr lang="en-US" dirty="0" err="1"/>
+              <a:t>WebHost</a:t>
+            </a:r>
+            <a:r>
+              <a:rPr lang="en-US" dirty="0"/>
+              <a:t> / Startup simplification</a:t>
+            </a:r>
+          </a:p>
+        </p:txBody>
+      </p:sp>
+      <p:sp>
+        <p:nvSpPr>
+          <p:cNvPr id="6" name="Content Placeholder 5">
+            <a:extLst>
+              <a:ext uri="{FF2B5EF4-FFF2-40B4-BE49-F238E27FC236}">
+                <a16:creationId xmlns:a16="http://schemas.microsoft.com/office/drawing/2014/main" id="{5C2E2E16-9748-4A5F-9693-90B3E4BE1AA6}"/>
+              </a:ext>
+            </a:extLst>
+          </p:cNvPr>
+          <p:cNvSpPr>
+            <a:spLocks noGrp="1"/>
+          </p:cNvSpPr>
+          <p:nvPr>
+            <p:ph sz="half" idx="1"/>
+          </p:nvPr>
+        </p:nvSpPr>
+        <p:spPr/>
+        <p:txBody>
+          <a:bodyPr/>
+          <a:lstStyle/>
+          <a:p>
+            <a:pPr marL="0" indent="0">
+              <a:buNone/>
+            </a:pPr>
+            <a:endParaRPr lang="en-US" dirty="0"/>
+          </a:p>
+        </p:txBody>
+      </p:sp>
+      <p:sp>
+        <p:nvSpPr>
+          <p:cNvPr id="7" name="Content Placeholder 6">
+            <a:extLst>
+              <a:ext uri="{FF2B5EF4-FFF2-40B4-BE49-F238E27FC236}">
+                <a16:creationId xmlns:a16="http://schemas.microsoft.com/office/drawing/2014/main" id="{16BA1113-CBC6-411E-82CC-5BD3EB015665}"/>
+              </a:ext>
+            </a:extLst>
+          </p:cNvPr>
+          <p:cNvSpPr>
+            <a:spLocks noGrp="1"/>
+          </p:cNvSpPr>
+          <p:nvPr>
+            <p:ph sz="half" idx="2"/>
+          </p:nvPr>
+        </p:nvSpPr>
+        <p:spPr/>
+        <p:txBody>
+          <a:bodyPr/>
+          <a:lstStyle/>
+          <a:p>
+            <a:endParaRPr lang="en-US"/>
+          </a:p>
+        </p:txBody>
+      </p:sp>
+      <p:graphicFrame>
+        <p:nvGraphicFramePr>
+          <p:cNvPr id="10" name="Table 9">
+            <a:extLst>
+              <a:ext uri="{FF2B5EF4-FFF2-40B4-BE49-F238E27FC236}">
+                <a16:creationId xmlns:a16="http://schemas.microsoft.com/office/drawing/2014/main" id="{98816DAD-E72C-4325-B427-270EE71B3494}"/>
+              </a:ext>
+            </a:extLst>
+          </p:cNvPr>
+          <p:cNvGraphicFramePr>
+            <a:graphicFrameLocks noGrp="1"/>
+          </p:cNvGraphicFramePr>
+          <p:nvPr>
+            <p:extLst>
+              <p:ext uri="{D42A27DB-BD31-4B8C-83A1-F6EECF244321}">
+                <p14:modId xmlns:p14="http://schemas.microsoft.com/office/powerpoint/2010/main" val="1663258650"/>
+              </p:ext>
+            </p:extLst>
+          </p:nvPr>
+        </p:nvGraphicFramePr>
+        <p:xfrm>
+          <a:off x="838200" y="2286635"/>
+          <a:ext cx="7408653" cy="2834640"/>
+        </p:xfrm>
+        <a:graphic>
+          <a:graphicData uri="http://schemas.openxmlformats.org/drawingml/2006/table">
+            <a:tbl>
+              <a:tblPr firstRow="1" bandRow="1">
+                <a:tableStyleId>{5C22544A-7EE6-4342-B048-85BDC9FD1C3A}</a:tableStyleId>
+              </a:tblPr>
+              <a:tblGrid>
+                <a:gridCol w="7408653">
+                  <a:extLst>
+                    <a:ext uri="{9D8B030D-6E8A-4147-A177-3AD203B41FA5}">
+                      <a16:colId xmlns:a16="http://schemas.microsoft.com/office/drawing/2014/main" val="1057070397"/>
+                    </a:ext>
+                  </a:extLst>
+                </a:gridCol>
+              </a:tblGrid>
+              <a:tr h="584446">
+                <a:tc>
+                  <a:txBody>
+                    <a:bodyPr/>
+                    <a:lstStyle/>
+                    <a:p>
+                      <a:r>
+                        <a:rPr lang="en-US" sz="1800" dirty="0">
+                          <a:solidFill>
+                            <a:srgbClr val="0000FF"/>
+                          </a:solidFill>
+                          <a:latin typeface="Consolas" panose="020B0609020204030204" pitchFamily="49" charset="0"/>
+                        </a:rPr>
+                        <a:t>public</a:t>
+                      </a:r>
+                      <a:r>
+                        <a:rPr lang="en-US" sz="1800" dirty="0">
+                          <a:solidFill>
+                            <a:srgbClr val="000000"/>
+                          </a:solidFill>
+                          <a:latin typeface="Consolas" panose="020B0609020204030204" pitchFamily="49" charset="0"/>
+                        </a:rPr>
+                        <a:t> </a:t>
+                      </a:r>
+                      <a:r>
+                        <a:rPr lang="en-US" sz="1800" dirty="0">
+                          <a:solidFill>
+                            <a:srgbClr val="0000FF"/>
+                          </a:solidFill>
+                          <a:latin typeface="Consolas" panose="020B0609020204030204" pitchFamily="49" charset="0"/>
+                        </a:rPr>
+                        <a:t>class</a:t>
+                      </a:r>
+                      <a:r>
+                        <a:rPr lang="en-US" sz="1800" dirty="0">
+                          <a:solidFill>
+                            <a:srgbClr val="000000"/>
+                          </a:solidFill>
+                          <a:latin typeface="Consolas" panose="020B0609020204030204" pitchFamily="49" charset="0"/>
+                        </a:rPr>
+                        <a:t> </a:t>
+                      </a:r>
+                      <a:r>
+                        <a:rPr lang="en-US" sz="1800" dirty="0">
+                          <a:solidFill>
+                            <a:srgbClr val="2B91AF"/>
+                          </a:solidFill>
+                          <a:latin typeface="Consolas" panose="020B0609020204030204" pitchFamily="49" charset="0"/>
+                        </a:rPr>
+                        <a:t>Program</a:t>
+                      </a:r>
+                      <a:endParaRPr lang="en-US" sz="1800" dirty="0">
+                        <a:solidFill>
+                          <a:srgbClr val="000000"/>
+                        </a:solidFill>
+                        <a:latin typeface="Consolas" panose="020B0609020204030204" pitchFamily="49" charset="0"/>
+                      </a:endParaRPr>
+                    </a:p>
+                    <a:p>
+                      <a:r>
+                        <a:rPr lang="en-US" sz="1800" dirty="0">
+                          <a:solidFill>
+                            <a:srgbClr val="000000"/>
+                          </a:solidFill>
+                          <a:latin typeface="Consolas" panose="020B0609020204030204" pitchFamily="49" charset="0"/>
+                        </a:rPr>
+                        <a:t>{</a:t>
+                      </a:r>
+                    </a:p>
+                    <a:p>
+                      <a:r>
+                        <a:rPr lang="en-US" sz="1800" dirty="0">
+                          <a:solidFill>
+                            <a:srgbClr val="000000"/>
+                          </a:solidFill>
+                          <a:latin typeface="Consolas" panose="020B0609020204030204" pitchFamily="49" charset="0"/>
+                        </a:rPr>
+                        <a:t>    </a:t>
+                      </a:r>
+                      <a:r>
+                        <a:rPr lang="en-US" sz="1800" dirty="0">
+                          <a:solidFill>
+                            <a:srgbClr val="0000FF"/>
+                          </a:solidFill>
+                          <a:latin typeface="Consolas" panose="020B0609020204030204" pitchFamily="49" charset="0"/>
+                        </a:rPr>
+                        <a:t>public</a:t>
+                      </a:r>
+                      <a:r>
+                        <a:rPr lang="en-US" sz="1800" dirty="0">
+                          <a:solidFill>
+                            <a:srgbClr val="000000"/>
+                          </a:solidFill>
+                          <a:latin typeface="Consolas" panose="020B0609020204030204" pitchFamily="49" charset="0"/>
+                        </a:rPr>
+                        <a:t> </a:t>
+                      </a:r>
+                      <a:r>
+                        <a:rPr lang="en-US" sz="1800" dirty="0">
+                          <a:solidFill>
+                            <a:srgbClr val="0000FF"/>
+                          </a:solidFill>
+                          <a:latin typeface="Consolas" panose="020B0609020204030204" pitchFamily="49" charset="0"/>
+                        </a:rPr>
+                        <a:t>static</a:t>
+                      </a:r>
+                      <a:r>
+                        <a:rPr lang="en-US" sz="1800" dirty="0">
+                          <a:solidFill>
+                            <a:srgbClr val="000000"/>
+                          </a:solidFill>
+                          <a:latin typeface="Consolas" panose="020B0609020204030204" pitchFamily="49" charset="0"/>
+                        </a:rPr>
+                        <a:t> </a:t>
+                      </a:r>
+                      <a:r>
+                        <a:rPr lang="en-US" sz="1800" dirty="0">
+                          <a:solidFill>
+                            <a:srgbClr val="0000FF"/>
+                          </a:solidFill>
+                          <a:latin typeface="Consolas" panose="020B0609020204030204" pitchFamily="49" charset="0"/>
+                        </a:rPr>
+                        <a:t>void</a:t>
+                      </a:r>
+                      <a:r>
+                        <a:rPr lang="en-US" sz="1800" dirty="0">
+                          <a:solidFill>
+                            <a:srgbClr val="000000"/>
+                          </a:solidFill>
+                          <a:latin typeface="Consolas" panose="020B0609020204030204" pitchFamily="49" charset="0"/>
+                        </a:rPr>
+                        <a:t> Main(</a:t>
+                      </a:r>
+                      <a:r>
+                        <a:rPr lang="en-US" sz="1800" dirty="0">
+                          <a:solidFill>
+                            <a:srgbClr val="0000FF"/>
+                          </a:solidFill>
+                          <a:latin typeface="Consolas" panose="020B0609020204030204" pitchFamily="49" charset="0"/>
+                        </a:rPr>
+                        <a:t>string</a:t>
+                      </a:r>
+                      <a:r>
+                        <a:rPr lang="en-US" sz="1800" dirty="0">
+                          <a:solidFill>
+                            <a:srgbClr val="000000"/>
+                          </a:solidFill>
+                          <a:latin typeface="Consolas" panose="020B0609020204030204" pitchFamily="49" charset="0"/>
+                        </a:rPr>
+                        <a:t>[] </a:t>
+                      </a:r>
+                      <a:r>
+                        <a:rPr lang="en-US" sz="1800" dirty="0" err="1">
+                          <a:solidFill>
+                            <a:srgbClr val="000000"/>
+                          </a:solidFill>
+                          <a:latin typeface="Consolas" panose="020B0609020204030204" pitchFamily="49" charset="0"/>
+                        </a:rPr>
+                        <a:t>args</a:t>
+                      </a:r>
+                      <a:r>
+                        <a:rPr lang="en-US" sz="1800" dirty="0">
+                          <a:solidFill>
+                            <a:srgbClr val="000000"/>
+                          </a:solidFill>
+                          <a:latin typeface="Consolas" panose="020B0609020204030204" pitchFamily="49" charset="0"/>
+                        </a:rPr>
+                        <a:t>) =&gt; </a:t>
+                      </a:r>
+                    </a:p>
+                    <a:p>
+                      <a:r>
+                        <a:rPr lang="en-US" sz="1800" dirty="0">
+                          <a:solidFill>
+                            <a:srgbClr val="000000"/>
+                          </a:solidFill>
+                          <a:latin typeface="Consolas" panose="020B0609020204030204" pitchFamily="49" charset="0"/>
+                        </a:rPr>
+                        <a:t>        </a:t>
+                      </a:r>
+                      <a:r>
+                        <a:rPr lang="en-US" sz="1800" dirty="0" err="1">
+                          <a:solidFill>
+                            <a:srgbClr val="000000"/>
+                          </a:solidFill>
+                          <a:latin typeface="Consolas" panose="020B0609020204030204" pitchFamily="49" charset="0"/>
+                        </a:rPr>
+                        <a:t>BuildWebHost</a:t>
+                      </a:r>
+                      <a:r>
+                        <a:rPr lang="en-US" sz="1800" dirty="0">
+                          <a:solidFill>
+                            <a:srgbClr val="000000"/>
+                          </a:solidFill>
+                          <a:latin typeface="Consolas" panose="020B0609020204030204" pitchFamily="49" charset="0"/>
+                        </a:rPr>
+                        <a:t>(</a:t>
+                      </a:r>
+                      <a:r>
+                        <a:rPr lang="en-US" sz="1800" dirty="0" err="1">
+                          <a:solidFill>
+                            <a:srgbClr val="000000"/>
+                          </a:solidFill>
+                          <a:latin typeface="Consolas" panose="020B0609020204030204" pitchFamily="49" charset="0"/>
+                        </a:rPr>
+                        <a:t>args</a:t>
+                      </a:r>
+                      <a:r>
+                        <a:rPr lang="en-US" sz="1800" dirty="0">
+                          <a:solidFill>
+                            <a:srgbClr val="000000"/>
+                          </a:solidFill>
+                          <a:latin typeface="Consolas" panose="020B0609020204030204" pitchFamily="49" charset="0"/>
+                        </a:rPr>
+                        <a:t>).Run();</a:t>
+                      </a:r>
+                    </a:p>
+                    <a:p>
+                      <a:endParaRPr lang="en-US" sz="1800" dirty="0">
+                        <a:solidFill>
+                          <a:srgbClr val="000000"/>
+                        </a:solidFill>
+                        <a:latin typeface="Consolas" panose="020B0609020204030204" pitchFamily="49" charset="0"/>
+                      </a:endParaRPr>
+                    </a:p>
+                    <a:p>
+                      <a:r>
+                        <a:rPr lang="en-US" sz="1800" dirty="0">
+                          <a:solidFill>
+                            <a:srgbClr val="000000"/>
+                          </a:solidFill>
+                          <a:latin typeface="Consolas" panose="020B0609020204030204" pitchFamily="49" charset="0"/>
+                        </a:rPr>
+                        <a:t>    </a:t>
+                      </a:r>
+                      <a:r>
+                        <a:rPr lang="en-US" sz="1800" dirty="0">
+                          <a:solidFill>
+                            <a:srgbClr val="0000FF"/>
+                          </a:solidFill>
+                          <a:latin typeface="Consolas" panose="020B0609020204030204" pitchFamily="49" charset="0"/>
+                        </a:rPr>
+                        <a:t>public</a:t>
+                      </a:r>
+                      <a:r>
+                        <a:rPr lang="en-US" sz="1800" dirty="0">
+                          <a:solidFill>
+                            <a:srgbClr val="000000"/>
+                          </a:solidFill>
+                          <a:latin typeface="Consolas" panose="020B0609020204030204" pitchFamily="49" charset="0"/>
+                        </a:rPr>
+                        <a:t> </a:t>
+                      </a:r>
+                      <a:r>
+                        <a:rPr lang="en-US" sz="1800" dirty="0">
+                          <a:solidFill>
+                            <a:srgbClr val="0000FF"/>
+                          </a:solidFill>
+                          <a:latin typeface="Consolas" panose="020B0609020204030204" pitchFamily="49" charset="0"/>
+                        </a:rPr>
+                        <a:t>static</a:t>
+                      </a:r>
+                      <a:r>
+                        <a:rPr lang="en-US" sz="1800" dirty="0">
+                          <a:solidFill>
+                            <a:srgbClr val="000000"/>
+                          </a:solidFill>
+                          <a:latin typeface="Consolas" panose="020B0609020204030204" pitchFamily="49" charset="0"/>
+                        </a:rPr>
+                        <a:t> </a:t>
+                      </a:r>
+                      <a:r>
+                        <a:rPr lang="en-US" sz="1800" dirty="0" err="1">
+                          <a:solidFill>
+                            <a:srgbClr val="000000"/>
+                          </a:solidFill>
+                          <a:latin typeface="Consolas" panose="020B0609020204030204" pitchFamily="49" charset="0"/>
+                        </a:rPr>
+                        <a:t>IWebHost</a:t>
+                      </a:r>
+                      <a:r>
+                        <a:rPr lang="en-US" sz="1800" dirty="0">
+                          <a:solidFill>
+                            <a:srgbClr val="000000"/>
+                          </a:solidFill>
+                          <a:latin typeface="Consolas" panose="020B0609020204030204" pitchFamily="49" charset="0"/>
+                        </a:rPr>
+                        <a:t> </a:t>
+                      </a:r>
+                      <a:r>
+                        <a:rPr lang="en-US" sz="1800" dirty="0" err="1">
+                          <a:solidFill>
+                            <a:srgbClr val="000000"/>
+                          </a:solidFill>
+                          <a:latin typeface="Consolas" panose="020B0609020204030204" pitchFamily="49" charset="0"/>
+                        </a:rPr>
+                        <a:t>BuildWebHost</a:t>
+                      </a:r>
+                      <a:r>
+                        <a:rPr lang="en-US" sz="1800" dirty="0">
+                          <a:solidFill>
+                            <a:srgbClr val="000000"/>
+                          </a:solidFill>
+                          <a:latin typeface="Consolas" panose="020B0609020204030204" pitchFamily="49" charset="0"/>
+                        </a:rPr>
+                        <a:t>(</a:t>
+                      </a:r>
+                      <a:r>
+                        <a:rPr lang="en-US" sz="1800" dirty="0">
+                          <a:solidFill>
+                            <a:srgbClr val="0000FF"/>
+                          </a:solidFill>
+                          <a:latin typeface="Consolas" panose="020B0609020204030204" pitchFamily="49" charset="0"/>
+                        </a:rPr>
+                        <a:t>string</a:t>
+                      </a:r>
+                      <a:r>
+                        <a:rPr lang="en-US" sz="1800" dirty="0">
+                          <a:solidFill>
+                            <a:srgbClr val="000000"/>
+                          </a:solidFill>
+                          <a:latin typeface="Consolas" panose="020B0609020204030204" pitchFamily="49" charset="0"/>
+                        </a:rPr>
+                        <a:t>[] </a:t>
+                      </a:r>
+                      <a:r>
+                        <a:rPr lang="en-US" sz="1800" dirty="0" err="1">
+                          <a:solidFill>
+                            <a:srgbClr val="000000"/>
+                          </a:solidFill>
+                          <a:latin typeface="Consolas" panose="020B0609020204030204" pitchFamily="49" charset="0"/>
+                        </a:rPr>
+                        <a:t>args</a:t>
+                      </a:r>
+                      <a:r>
+                        <a:rPr lang="en-US" sz="1800" dirty="0">
+                          <a:solidFill>
+                            <a:srgbClr val="000000"/>
+                          </a:solidFill>
+                          <a:latin typeface="Consolas" panose="020B0609020204030204" pitchFamily="49" charset="0"/>
+                        </a:rPr>
+                        <a:t>) =&gt;</a:t>
+                      </a:r>
+                    </a:p>
+                    <a:p>
+                      <a:r>
+                        <a:rPr lang="en-US" sz="1800" dirty="0">
+                          <a:solidFill>
+                            <a:srgbClr val="000000"/>
+                          </a:solidFill>
+                          <a:latin typeface="Consolas" panose="020B0609020204030204" pitchFamily="49" charset="0"/>
+                        </a:rPr>
+                        <a:t>        </a:t>
+                      </a:r>
+                      <a:r>
+                        <a:rPr lang="en-US" sz="1800" dirty="0" err="1">
+                          <a:solidFill>
+                            <a:srgbClr val="000000"/>
+                          </a:solidFill>
+                          <a:latin typeface="Consolas" panose="020B0609020204030204" pitchFamily="49" charset="0"/>
+                        </a:rPr>
+                        <a:t>WebHost.CreateDefaultBuilder</a:t>
+                      </a:r>
+                      <a:r>
+                        <a:rPr lang="en-US" sz="1800" dirty="0">
+                          <a:solidFill>
+                            <a:srgbClr val="000000"/>
+                          </a:solidFill>
+                          <a:latin typeface="Consolas" panose="020B0609020204030204" pitchFamily="49" charset="0"/>
+                        </a:rPr>
+                        <a:t>(</a:t>
+                      </a:r>
+                      <a:r>
+                        <a:rPr lang="en-US" sz="1800" dirty="0" err="1">
+                          <a:solidFill>
+                            <a:srgbClr val="000000"/>
+                          </a:solidFill>
+                          <a:latin typeface="Consolas" panose="020B0609020204030204" pitchFamily="49" charset="0"/>
+                        </a:rPr>
+                        <a:t>args</a:t>
+                      </a:r>
+                      <a:r>
+                        <a:rPr lang="en-US" sz="1800" dirty="0">
+                          <a:solidFill>
+                            <a:srgbClr val="000000"/>
+                          </a:solidFill>
+                          <a:latin typeface="Consolas" panose="020B0609020204030204" pitchFamily="49" charset="0"/>
+                        </a:rPr>
+                        <a:t>)</a:t>
+                      </a:r>
+                    </a:p>
+                    <a:p>
+                      <a:r>
+                        <a:rPr lang="en-US" sz="1800" dirty="0">
+                          <a:solidFill>
+                            <a:srgbClr val="000000"/>
+                          </a:solidFill>
+                          <a:latin typeface="Consolas" panose="020B0609020204030204" pitchFamily="49" charset="0"/>
+                        </a:rPr>
+                        <a:t>            .</a:t>
+                      </a:r>
+                      <a:r>
+                        <a:rPr lang="en-US" sz="1800" dirty="0" err="1">
+                          <a:solidFill>
+                            <a:srgbClr val="000000"/>
+                          </a:solidFill>
+                          <a:latin typeface="Consolas" panose="020B0609020204030204" pitchFamily="49" charset="0"/>
+                        </a:rPr>
+                        <a:t>UseStartup</a:t>
+                      </a:r>
+                      <a:r>
+                        <a:rPr lang="en-US" sz="1800" dirty="0">
+                          <a:solidFill>
+                            <a:srgbClr val="000000"/>
+                          </a:solidFill>
+                          <a:latin typeface="Consolas" panose="020B0609020204030204" pitchFamily="49" charset="0"/>
+                        </a:rPr>
+                        <a:t>&lt;Startup&gt;()</a:t>
+                      </a:r>
+                    </a:p>
+                    <a:p>
+                      <a:r>
+                        <a:rPr lang="en-US" sz="1800" dirty="0">
+                          <a:solidFill>
+                            <a:srgbClr val="000000"/>
+                          </a:solidFill>
+                          <a:latin typeface="Consolas" panose="020B0609020204030204" pitchFamily="49" charset="0"/>
+                        </a:rPr>
+                        <a:t>            .Build();</a:t>
+                      </a:r>
+                    </a:p>
+                    <a:p>
+                      <a:r>
+                        <a:rPr lang="en-US" sz="1800" dirty="0">
+                          <a:solidFill>
+                            <a:srgbClr val="000000"/>
+                          </a:solidFill>
+                          <a:latin typeface="Consolas" panose="020B0609020204030204" pitchFamily="49" charset="0"/>
+                        </a:rPr>
+                        <a:t>}</a:t>
+                      </a:r>
+                    </a:p>
+                  </a:txBody>
+                  <a:tcPr>
+                    <a:lnL w="12700" cap="flat" cmpd="sng" algn="ctr">
+                      <a:noFill/>
+                      <a:prstDash val="solid"/>
+                      <a:round/>
+                      <a:headEnd type="none" w="med" len="med"/>
+                      <a:tailEnd type="none" w="med" len="med"/>
+                    </a:lnL>
+                    <a:lnR w="12700" cap="flat" cmpd="sng" algn="ctr">
+                      <a:noFill/>
+                      <a:prstDash val="solid"/>
+                      <a:round/>
+                      <a:headEnd type="none" w="med" len="med"/>
+                      <a:tailEnd type="none" w="med" len="med"/>
+                    </a:lnR>
+                    <a:lnT w="12700" cap="flat" cmpd="sng" algn="ctr">
+                      <a:noFill/>
+                      <a:prstDash val="solid"/>
+                      <a:round/>
+                      <a:headEnd type="none" w="med" len="med"/>
+                      <a:tailEnd type="none" w="med" len="med"/>
+                    </a:lnT>
+                    <a:lnB w="12700" cap="flat" cmpd="sng" algn="ctr">
+                      <a:noFill/>
+                      <a:prstDash val="solid"/>
+                      <a:round/>
+                      <a:headEnd type="none" w="med" len="med"/>
+                      <a:tailEnd type="none" w="med" len="med"/>
+                    </a:lnB>
+                    <a:solidFill>
+                      <a:schemeClr val="tx1"/>
+                    </a:solidFill>
+                  </a:tcPr>
+                </a:tc>
+                <a:extLst>
+                  <a:ext uri="{0D108BD9-81ED-4DB2-BD59-A6C34878D82A}">
+                    <a16:rowId xmlns:a16="http://schemas.microsoft.com/office/drawing/2014/main" val="3473222697"/>
+                  </a:ext>
+                </a:extLst>
+              </a:tr>
+            </a:tbl>
+          </a:graphicData>
+        </a:graphic>
+      </p:graphicFrame>
+      <p:sp>
+        <p:nvSpPr>
+          <p:cNvPr id="11" name="Rectangle 10">
+            <a:extLst>
+              <a:ext uri="{FF2B5EF4-FFF2-40B4-BE49-F238E27FC236}">
+                <a16:creationId xmlns:a16="http://schemas.microsoft.com/office/drawing/2014/main" id="{3FD31E7E-737B-4F1D-9B31-3301F7C2FA3A}"/>
+              </a:ext>
+            </a:extLst>
+          </p:cNvPr>
+          <p:cNvSpPr/>
+          <p:nvPr/>
+        </p:nvSpPr>
+        <p:spPr>
+          <a:xfrm>
+            <a:off x="850988" y="1840066"/>
+            <a:ext cx="2900800" cy="446567"/>
+          </a:xfrm>
+          <a:prstGeom prst="rect">
+            <a:avLst/>
+          </a:prstGeom>
+          <a:ln w="57150">
+            <a:solidFill>
+              <a:schemeClr val="accent1">
+                <a:lumMod val="50000"/>
+              </a:schemeClr>
+            </a:solidFill>
+          </a:ln>
+        </p:spPr>
+        <p:style>
+          <a:lnRef idx="1">
+            <a:schemeClr val="accent1"/>
+          </a:lnRef>
+          <a:fillRef idx="2">
+            <a:schemeClr val="accent1"/>
+          </a:fillRef>
+          <a:effectRef idx="1">
+            <a:schemeClr val="accent1"/>
+          </a:effectRef>
+          <a:fontRef idx="minor">
+            <a:schemeClr val="dk1"/>
+          </a:fontRef>
+        </p:style>
+        <p:txBody>
+          <a:bodyPr rtlCol="0" anchor="ctr"/>
+          <a:lstStyle/>
+          <a:p>
+            <a:pPr algn="ctr"/>
+            <a:r>
+              <a:rPr lang="en-US" b="1" dirty="0" err="1"/>
+              <a:t>Program.cs</a:t>
+            </a:r>
+            <a:endParaRPr lang="en-US" b="1" dirty="0"/>
+          </a:p>
+        </p:txBody>
+      </p:sp>
+      <p:graphicFrame>
+        <p:nvGraphicFramePr>
+          <p:cNvPr id="12" name="Table 11">
+            <a:extLst>
+              <a:ext uri="{FF2B5EF4-FFF2-40B4-BE49-F238E27FC236}">
+                <a16:creationId xmlns:a16="http://schemas.microsoft.com/office/drawing/2014/main" id="{0D900527-3EF5-48DB-BAA9-05F3521219A1}"/>
+              </a:ext>
+            </a:extLst>
+          </p:cNvPr>
+          <p:cNvGraphicFramePr>
+            <a:graphicFrameLocks noGrp="1"/>
+          </p:cNvGraphicFramePr>
+          <p:nvPr>
+            <p:extLst>
+              <p:ext uri="{D42A27DB-BD31-4B8C-83A1-F6EECF244321}">
+                <p14:modId xmlns:p14="http://schemas.microsoft.com/office/powerpoint/2010/main" val="907461904"/>
+              </p:ext>
+            </p:extLst>
+          </p:nvPr>
+        </p:nvGraphicFramePr>
+        <p:xfrm>
+          <a:off x="5198853" y="4987925"/>
+          <a:ext cx="6154947" cy="1188720"/>
+        </p:xfrm>
+        <a:graphic>
+          <a:graphicData uri="http://schemas.openxmlformats.org/drawingml/2006/table">
+            <a:tbl>
+              <a:tblPr firstRow="1" bandRow="1">
+                <a:tableStyleId>{5C22544A-7EE6-4342-B048-85BDC9FD1C3A}</a:tableStyleId>
+              </a:tblPr>
+              <a:tblGrid>
+                <a:gridCol w="6154947">
+                  <a:extLst>
+                    <a:ext uri="{9D8B030D-6E8A-4147-A177-3AD203B41FA5}">
+                      <a16:colId xmlns:a16="http://schemas.microsoft.com/office/drawing/2014/main" val="1057070397"/>
+                    </a:ext>
+                  </a:extLst>
+                </a:gridCol>
+              </a:tblGrid>
+              <a:tr h="584446">
+                <a:tc>
+                  <a:txBody>
+                    <a:bodyPr/>
+                    <a:lstStyle/>
+                    <a:p>
+                      <a:r>
+                        <a:rPr lang="en-US" sz="1800" dirty="0">
+                          <a:solidFill>
+                            <a:srgbClr val="0000FF"/>
+                          </a:solidFill>
+                          <a:latin typeface="Consolas" panose="020B0609020204030204" pitchFamily="49" charset="0"/>
+                        </a:rPr>
+                        <a:t>public</a:t>
+                      </a:r>
+                      <a:r>
+                        <a:rPr lang="en-US" sz="1800" dirty="0">
+                          <a:solidFill>
+                            <a:srgbClr val="000000"/>
+                          </a:solidFill>
+                          <a:latin typeface="Consolas" panose="020B0609020204030204" pitchFamily="49" charset="0"/>
+                        </a:rPr>
+                        <a:t> Startup(</a:t>
+                      </a:r>
+                      <a:r>
+                        <a:rPr lang="en-US" sz="1800" dirty="0" err="1">
+                          <a:solidFill>
+                            <a:srgbClr val="2B91AF"/>
+                          </a:solidFill>
+                          <a:latin typeface="Consolas" panose="020B0609020204030204" pitchFamily="49" charset="0"/>
+                        </a:rPr>
+                        <a:t>IConfiguration</a:t>
+                      </a:r>
+                      <a:r>
+                        <a:rPr lang="en-US" sz="1800" dirty="0">
+                          <a:solidFill>
+                            <a:srgbClr val="000000"/>
+                          </a:solidFill>
+                          <a:latin typeface="Consolas" panose="020B0609020204030204" pitchFamily="49" charset="0"/>
+                        </a:rPr>
+                        <a:t> configuration) =&gt;</a:t>
+                      </a:r>
+                    </a:p>
+                    <a:p>
+                      <a:r>
+                        <a:rPr lang="en-US" sz="1800" dirty="0">
+                          <a:solidFill>
+                            <a:srgbClr val="000000"/>
+                          </a:solidFill>
+                          <a:latin typeface="Consolas" panose="020B0609020204030204" pitchFamily="49" charset="0"/>
+                        </a:rPr>
+                        <a:t>    Configuration = configuration;</a:t>
+                      </a:r>
+                    </a:p>
+                    <a:p>
+                      <a:endParaRPr lang="en-US" sz="1800" dirty="0">
+                        <a:solidFill>
+                          <a:srgbClr val="000000"/>
+                        </a:solidFill>
+                        <a:latin typeface="Consolas" panose="020B0609020204030204" pitchFamily="49" charset="0"/>
+                      </a:endParaRPr>
+                    </a:p>
+                    <a:p>
+                      <a:r>
+                        <a:rPr lang="en-US" sz="1800" dirty="0">
+                          <a:solidFill>
+                            <a:srgbClr val="0000FF"/>
+                          </a:solidFill>
+                          <a:latin typeface="Consolas" panose="020B0609020204030204" pitchFamily="49" charset="0"/>
+                        </a:rPr>
+                        <a:t>public</a:t>
+                      </a:r>
+                      <a:r>
+                        <a:rPr lang="en-US" sz="1800" dirty="0">
+                          <a:solidFill>
+                            <a:srgbClr val="000000"/>
+                          </a:solidFill>
+                          <a:latin typeface="Consolas" panose="020B0609020204030204" pitchFamily="49" charset="0"/>
+                        </a:rPr>
+                        <a:t> </a:t>
+                      </a:r>
+                      <a:r>
+                        <a:rPr lang="en-US" sz="1800" dirty="0" err="1">
+                          <a:solidFill>
+                            <a:srgbClr val="2B91AF"/>
+                          </a:solidFill>
+                          <a:latin typeface="Consolas" panose="020B0609020204030204" pitchFamily="49" charset="0"/>
+                        </a:rPr>
+                        <a:t>IConfiguration</a:t>
+                      </a:r>
+                      <a:r>
+                        <a:rPr lang="en-US" sz="1800" dirty="0">
+                          <a:solidFill>
+                            <a:srgbClr val="000000"/>
+                          </a:solidFill>
+                          <a:latin typeface="Consolas" panose="020B0609020204030204" pitchFamily="49" charset="0"/>
+                        </a:rPr>
+                        <a:t> Configuration { </a:t>
+                      </a:r>
+                      <a:r>
+                        <a:rPr lang="en-US" sz="1800" dirty="0">
+                          <a:solidFill>
+                            <a:srgbClr val="0000FF"/>
+                          </a:solidFill>
+                          <a:latin typeface="Consolas" panose="020B0609020204030204" pitchFamily="49" charset="0"/>
+                        </a:rPr>
+                        <a:t>get</a:t>
+                      </a:r>
+                      <a:r>
+                        <a:rPr lang="en-US" sz="1800" dirty="0">
+                          <a:solidFill>
+                            <a:srgbClr val="000000"/>
+                          </a:solidFill>
+                          <a:latin typeface="Consolas" panose="020B0609020204030204" pitchFamily="49" charset="0"/>
+                        </a:rPr>
+                        <a:t>; }</a:t>
+                      </a:r>
+                    </a:p>
+                  </a:txBody>
+                  <a:tcPr>
+                    <a:lnL w="12700" cap="flat" cmpd="sng" algn="ctr">
+                      <a:noFill/>
+                      <a:prstDash val="solid"/>
+                      <a:round/>
+                      <a:headEnd type="none" w="med" len="med"/>
+                      <a:tailEnd type="none" w="med" len="med"/>
+                    </a:lnL>
+                    <a:lnR w="12700" cap="flat" cmpd="sng" algn="ctr">
+                      <a:noFill/>
+                      <a:prstDash val="solid"/>
+                      <a:round/>
+                      <a:headEnd type="none" w="med" len="med"/>
+                      <a:tailEnd type="none" w="med" len="med"/>
+                    </a:lnR>
+                    <a:lnT w="12700" cap="flat" cmpd="sng" algn="ctr">
+                      <a:noFill/>
+                      <a:prstDash val="solid"/>
+                      <a:round/>
+                      <a:headEnd type="none" w="med" len="med"/>
+                      <a:tailEnd type="none" w="med" len="med"/>
+                    </a:lnT>
+                    <a:lnB w="12700" cap="flat" cmpd="sng" algn="ctr">
+                      <a:noFill/>
+                      <a:prstDash val="solid"/>
+                      <a:round/>
+                      <a:headEnd type="none" w="med" len="med"/>
+                      <a:tailEnd type="none" w="med" len="med"/>
+                    </a:lnB>
+                    <a:solidFill>
+                      <a:schemeClr val="tx2">
+                        <a:lumMod val="90000"/>
+                      </a:schemeClr>
+                    </a:solidFill>
+                  </a:tcPr>
+                </a:tc>
+                <a:extLst>
+                  <a:ext uri="{0D108BD9-81ED-4DB2-BD59-A6C34878D82A}">
+                    <a16:rowId xmlns:a16="http://schemas.microsoft.com/office/drawing/2014/main" val="3473222697"/>
+                  </a:ext>
+                </a:extLst>
+              </a:tr>
+            </a:tbl>
+          </a:graphicData>
+        </a:graphic>
+      </p:graphicFrame>
+      <p:sp>
+        <p:nvSpPr>
+          <p:cNvPr id="13" name="Rectangle 12">
+            <a:extLst>
+              <a:ext uri="{FF2B5EF4-FFF2-40B4-BE49-F238E27FC236}">
+                <a16:creationId xmlns:a16="http://schemas.microsoft.com/office/drawing/2014/main" id="{8155BA45-0C24-440B-9304-BAFB18B02174}"/>
+              </a:ext>
+            </a:extLst>
+          </p:cNvPr>
+          <p:cNvSpPr/>
+          <p:nvPr/>
+        </p:nvSpPr>
+        <p:spPr>
+          <a:xfrm>
+            <a:off x="5211641" y="4541356"/>
+            <a:ext cx="1697884" cy="446567"/>
+          </a:xfrm>
+          <a:prstGeom prst="rect">
+            <a:avLst/>
+          </a:prstGeom>
+          <a:ln w="57150">
+            <a:solidFill>
+              <a:schemeClr val="accent1">
+                <a:lumMod val="50000"/>
+              </a:schemeClr>
+            </a:solidFill>
+          </a:ln>
+        </p:spPr>
+        <p:style>
+          <a:lnRef idx="1">
+            <a:schemeClr val="accent1"/>
+          </a:lnRef>
+          <a:fillRef idx="2">
+            <a:schemeClr val="accent1"/>
+          </a:fillRef>
+          <a:effectRef idx="1">
+            <a:schemeClr val="accent1"/>
+          </a:effectRef>
+          <a:fontRef idx="minor">
+            <a:schemeClr val="dk1"/>
+          </a:fontRef>
+        </p:style>
+        <p:txBody>
+          <a:bodyPr rtlCol="0" anchor="ctr"/>
+          <a:lstStyle/>
+          <a:p>
+            <a:pPr algn="ctr"/>
+            <a:r>
+              <a:rPr lang="en-US" b="1" dirty="0" err="1"/>
+              <a:t>Startup.cs</a:t>
+            </a:r>
+            <a:endParaRPr lang="en-US" b="1" dirty="0"/>
+          </a:p>
+        </p:txBody>
+      </p:sp>
+      <p:sp>
+        <p:nvSpPr>
+          <p:cNvPr id="14" name="Arrow: Bent-Up 13">
+            <a:extLst>
+              <a:ext uri="{FF2B5EF4-FFF2-40B4-BE49-F238E27FC236}">
+                <a16:creationId xmlns:a16="http://schemas.microsoft.com/office/drawing/2014/main" id="{1452720B-ED14-4BD1-AE9A-60F321D36480}"/>
+              </a:ext>
+            </a:extLst>
+          </p:cNvPr>
+          <p:cNvSpPr/>
+          <p:nvPr/>
+        </p:nvSpPr>
+        <p:spPr>
+          <a:xfrm rot="5400000">
+            <a:off x="4125098" y="4665686"/>
+            <a:ext cx="1399216" cy="1070042"/>
+          </a:xfrm>
+          <a:prstGeom prst="bentUpArrow">
+            <a:avLst/>
+          </a:prstGeom>
+          <a:ln>
+            <a:solidFill>
+              <a:schemeClr val="tx1"/>
+            </a:solidFill>
+          </a:ln>
+        </p:spPr>
+        <p:style>
+          <a:lnRef idx="2">
+            <a:schemeClr val="accent1">
+              <a:shade val="50000"/>
+            </a:schemeClr>
+          </a:lnRef>
+          <a:fillRef idx="1">
+            <a:schemeClr val="accent1"/>
+          </a:fillRef>
+          <a:effectRef idx="0">
+            <a:schemeClr val="accent1"/>
+          </a:effectRef>
+          <a:fontRef idx="minor">
+            <a:schemeClr val="lt1"/>
+          </a:fontRef>
+        </p:style>
+        <p:txBody>
+          <a:bodyPr rtlCol="0" anchor="ctr"/>
+          <a:lstStyle/>
+          <a:p>
+            <a:pPr algn="ctr"/>
+            <a:endParaRPr lang="en-US" dirty="0">
+              <a:solidFill>
+                <a:schemeClr val="tx1"/>
+              </a:solidFill>
+            </a:endParaRPr>
+          </a:p>
+        </p:txBody>
+      </p:sp>
+    </p:spTree>
+    <p:extLst>
+      <p:ext uri="{BB962C8B-B14F-4D97-AF65-F5344CB8AC3E}">
+        <p14:creationId xmlns:p14="http://schemas.microsoft.com/office/powerpoint/2010/main" val="2569080708"/>
+      </p:ext>
+    </p:extLst>
+  </p:cSld>
+  <p:clrMapOvr>
+    <a:masterClrMapping/>
+  </p:clrMapOvr>
+  <p:timing>
+    <p:tnLst>
+      <p:par>
+        <p:cTn id="1" dur="indefinite" restart="never" nodeType="tmRoot">
+          <p:childTnLst>
+            <p:seq concurrent="1" nextAc="seek">
+              <p:cTn id="2" dur="indefinite" nodeType="mainSeq">
+                <p:childTnLst>
+                  <p:par>
+                    <p:cTn id="3" fill="hold">
+                      <p:stCondLst>
+                        <p:cond delay="indefinite"/>
+                      </p:stCondLst>
+                      <p:childTnLst>
+                        <p:par>
+                          <p:cTn id="4" fill="hold">
+                            <p:stCondLst>
+                              <p:cond delay="0"/>
+                            </p:stCondLst>
+                            <p:childTnLst>
+                              <p:par>
+                                <p:cTn id="5" presetID="1" presetClass="entr" presetSubtype="0" fill="hold" nodeType="clickEffect">
+                                  <p:stCondLst>
+                                    <p:cond delay="0"/>
+                                  </p:stCondLst>
+                                  <p:childTnLst>
+                                    <p:set>
+                                      <p:cBhvr>
+                                        <p:cTn id="6" dur="1" fill="hold">
+                                          <p:stCondLst>
+                                            <p:cond delay="0"/>
+                                          </p:stCondLst>
+                                        </p:cTn>
+                                        <p:tgtEl>
+                                          <p:spTgt spid="10"/>
+                                        </p:tgtEl>
+                                        <p:attrNameLst>
+                                          <p:attrName>style.visibility</p:attrName>
+                                        </p:attrNameLst>
+                                      </p:cBhvr>
+                                      <p:to>
+                                        <p:strVal val="visible"/>
+                                      </p:to>
+                                    </p:set>
+                                  </p:childTnLst>
+                                </p:cTn>
+                              </p:par>
+                              <p:par>
+                                <p:cTn id="7" presetID="1" presetClass="entr" presetSubtype="0" fill="hold" grpId="0" nodeType="withEffect">
+                                  <p:stCondLst>
+                                    <p:cond delay="0"/>
+                                  </p:stCondLst>
+                                  <p:childTnLst>
+                                    <p:set>
+                                      <p:cBhvr>
+                                        <p:cTn id="8" dur="1" fill="hold">
+                                          <p:stCondLst>
+                                            <p:cond delay="0"/>
+                                          </p:stCondLst>
+                                        </p:cTn>
+                                        <p:tgtEl>
+                                          <p:spTgt spid="11"/>
+                                        </p:tgtEl>
+                                        <p:attrNameLst>
+                                          <p:attrName>style.visibility</p:attrName>
+                                        </p:attrNameLst>
+                                      </p:cBhvr>
+                                      <p:to>
+                                        <p:strVal val="visible"/>
+                                      </p:to>
+                                    </p:set>
+                                  </p:childTnLst>
+                                </p:cTn>
+                              </p:par>
+                            </p:childTnLst>
+                          </p:cTn>
+                        </p:par>
+                      </p:childTnLst>
+                    </p:cTn>
+                  </p:par>
+                  <p:par>
+                    <p:cTn id="9" fill="hold">
+                      <p:stCondLst>
+                        <p:cond delay="indefinite"/>
+                      </p:stCondLst>
+                      <p:childTnLst>
+                        <p:par>
+                          <p:cTn id="10" fill="hold">
+                            <p:stCondLst>
+                              <p:cond delay="0"/>
+                            </p:stCondLst>
+                            <p:childTnLst>
+                              <p:par>
+                                <p:cTn id="11" presetID="22" presetClass="entr" presetSubtype="1" fill="hold" grpId="0" nodeType="clickEffect">
+                                  <p:stCondLst>
+                                    <p:cond delay="0"/>
+                                  </p:stCondLst>
+                                  <p:childTnLst>
+                                    <p:set>
+                                      <p:cBhvr>
+                                        <p:cTn id="12" dur="1" fill="hold">
+                                          <p:stCondLst>
+                                            <p:cond delay="0"/>
+                                          </p:stCondLst>
+                                        </p:cTn>
+                                        <p:tgtEl>
+                                          <p:spTgt spid="14"/>
+                                        </p:tgtEl>
+                                        <p:attrNameLst>
+                                          <p:attrName>style.visibility</p:attrName>
+                                        </p:attrNameLst>
+                                      </p:cBhvr>
+                                      <p:to>
+                                        <p:strVal val="visible"/>
+                                      </p:to>
+                                    </p:set>
+                                    <p:animEffect transition="in" filter="wipe(up)">
+                                      <p:cBhvr>
+                                        <p:cTn id="13" dur="500"/>
+                                        <p:tgtEl>
+                                          <p:spTgt spid="14"/>
+                                        </p:tgtEl>
+                                      </p:cBhvr>
+                                    </p:animEffect>
+                                  </p:childTnLst>
+                                </p:cTn>
+                              </p:par>
+                            </p:childTnLst>
+                          </p:cTn>
+                        </p:par>
+                      </p:childTnLst>
+                    </p:cTn>
+                  </p:par>
+                  <p:par>
+                    <p:cTn id="14" fill="hold">
+                      <p:stCondLst>
+                        <p:cond delay="indefinite"/>
+                      </p:stCondLst>
+                      <p:childTnLst>
+                        <p:par>
+                          <p:cTn id="15" fill="hold">
+                            <p:stCondLst>
+                              <p:cond delay="0"/>
+                            </p:stCondLst>
+                            <p:childTnLst>
+                              <p:par>
+                                <p:cTn id="16" presetID="1" presetClass="entr" presetSubtype="0" fill="hold" nodeType="clickEffect">
+                                  <p:stCondLst>
+                                    <p:cond delay="0"/>
+                                  </p:stCondLst>
+                                  <p:childTnLst>
+                                    <p:set>
+                                      <p:cBhvr>
+                                        <p:cTn id="17" dur="1" fill="hold">
+                                          <p:stCondLst>
+                                            <p:cond delay="0"/>
+                                          </p:stCondLst>
+                                        </p:cTn>
+                                        <p:tgtEl>
+                                          <p:spTgt spid="12"/>
+                                        </p:tgtEl>
+                                        <p:attrNameLst>
+                                          <p:attrName>style.visibility</p:attrName>
+                                        </p:attrNameLst>
+                                      </p:cBhvr>
+                                      <p:to>
+                                        <p:strVal val="visible"/>
+                                      </p:to>
+                                    </p:set>
+                                  </p:childTnLst>
+                                </p:cTn>
+                              </p:par>
+                              <p:par>
+                                <p:cTn id="18" presetID="1" presetClass="entr" presetSubtype="0" fill="hold" grpId="0" nodeType="withEffect">
+                                  <p:stCondLst>
+                                    <p:cond delay="0"/>
+                                  </p:stCondLst>
+                                  <p:childTnLst>
+                                    <p:set>
+                                      <p:cBhvr>
+                                        <p:cTn id="19" dur="1" fill="hold">
+                                          <p:stCondLst>
+                                            <p:cond delay="0"/>
+                                          </p:stCondLst>
+                                        </p:cTn>
+                                        <p:tgtEl>
+                                          <p:spTgt spid="13"/>
+                                        </p:tgtEl>
+                                        <p:attrNameLst>
+                                          <p:attrName>style.visibility</p:attrName>
+                                        </p:attrNameLst>
+                                      </p:cBhvr>
+                                      <p:to>
+                                        <p:strVal val="visible"/>
+                                      </p:to>
+                                    </p:set>
+                                  </p:childTnLst>
+                                </p:cTn>
+                              </p:par>
+                            </p:childTnLst>
+                          </p:cTn>
+                        </p:par>
+                      </p:childTnLst>
+                    </p:cTn>
+                  </p:par>
+                </p:childTnLst>
+              </p:cTn>
+              <p:prevCondLst>
+                <p:cond evt="onPrev" delay="0">
+                  <p:tgtEl>
+                    <p:sldTgt/>
+                  </p:tgtEl>
+                </p:cond>
+              </p:prevCondLst>
+              <p:nextCondLst>
+                <p:cond evt="onNext" delay="0">
+                  <p:tgtEl>
+                    <p:sldTgt/>
+                  </p:tgtEl>
+                </p:cond>
+              </p:nextCondLst>
+            </p:seq>
+          </p:childTnLst>
+        </p:cTn>
+      </p:par>
+    </p:tnLst>
+    <p:bldLst>
+      <p:bldP spid="11" grpId="0" animBg="1"/>
+      <p:bldP spid="13" grpId="0" animBg="1"/>
+      <p:bldP spid="14" grpId="0" animBg="1"/>
+    </p:bldLst>
+  </p:timing>
 </p:sld>
 </file>
 

--- a/Whats New in ASP.NET Core 2.0.pptx
+++ b/Whats New in ASP.NET Core 2.0.pptx
@@ -15627,16 +15627,12 @@
   <p:clrMapOvr>
     <a:masterClrMapping/>
   </p:clrMapOvr>
-  <mc:AlternateContent xmlns:mc="http://schemas.openxmlformats.org/markup-compatibility/2006" xmlns:p14="http://schemas.microsoft.com/office/powerpoint/2010/main">
-    <mc:Choice Requires="p14">
-      <p:transition spd="med" p14:dur="700" advTm="10000">
-        <p:fade/>
-      </p:transition>
+  <mc:AlternateContent xmlns:mc="http://schemas.openxmlformats.org/markup-compatibility/2006">
+    <mc:Choice xmlns:p14="http://schemas.microsoft.com/office/powerpoint/2010/main" Requires="p14">
+      <p:transition spd="slow" p14:dur="2000" advTm="0"/>
     </mc:Choice>
-    <mc:Fallback xmlns="">
-      <p:transition spd="med" advTm="10000">
-        <p:fade/>
-      </p:transition>
+    <mc:Fallback>
+      <p:transition spd="slow" advTm="0"/>
     </mc:Fallback>
   </mc:AlternateContent>
 </p:sld>

--- a/Whats New in ASP.NET Core 2.0.pptx
+++ b/Whats New in ASP.NET Core 2.0.pptx
@@ -1374,12 +1374,12 @@
         </a:fontRef>
       </dsp:style>
       <dsp:txBody>
-        <a:bodyPr spcFirstLastPara="0" vert="horz" wrap="square" lIns="91440" tIns="60960" rIns="91440" bIns="60960" numCol="1" spcCol="1270" anchor="ctr" anchorCtr="0">
+        <a:bodyPr spcFirstLastPara="0" vert="horz" wrap="square" lIns="99060" tIns="66040" rIns="99060" bIns="66040" numCol="1" spcCol="1270" anchor="ctr" anchorCtr="0">
           <a:noAutofit/>
         </a:bodyPr>
         <a:lstStyle/>
         <a:p>
-          <a:pPr marL="0" lvl="0" indent="0" algn="ctr" defTabSz="2133600">
+          <a:pPr marL="0" lvl="0" indent="0" algn="ctr" defTabSz="2311400">
             <a:lnSpc>
               <a:spcPct val="90000"/>
             </a:lnSpc>
@@ -1392,7 +1392,7 @@
             <a:buNone/>
           </a:pPr>
           <a:r>
-            <a:rPr lang="en-US" sz="4800" b="1" kern="1200" dirty="0"/>
+            <a:rPr lang="en-US" sz="5200" b="1" kern="1200" dirty="0"/>
             <a:t>v1.1</a:t>
           </a:r>
         </a:p>
@@ -1512,12 +1512,12 @@
         <a:fontRef idx="minor"/>
       </dsp:style>
       <dsp:txBody>
-        <a:bodyPr spcFirstLastPara="0" vert="horz" wrap="square" lIns="41910" tIns="27940" rIns="41910" bIns="27940" numCol="1" spcCol="1270" anchor="ctr" anchorCtr="0">
+        <a:bodyPr spcFirstLastPara="0" vert="horz" wrap="square" lIns="43815" tIns="29210" rIns="43815" bIns="29210" numCol="1" spcCol="1270" anchor="ctr" anchorCtr="0">
           <a:noAutofit/>
         </a:bodyPr>
         <a:lstStyle/>
         <a:p>
-          <a:pPr marL="0" lvl="0" indent="0" algn="ctr" defTabSz="977900">
+          <a:pPr marL="0" lvl="0" indent="0" algn="ctr" defTabSz="1022350">
             <a:lnSpc>
               <a:spcPct val="90000"/>
             </a:lnSpc>
@@ -1530,7 +1530,7 @@
             <a:buNone/>
           </a:pPr>
           <a:r>
-            <a:rPr lang="en-US" sz="2200" kern="1200" dirty="0"/>
+            <a:rPr lang="en-US" sz="2300" kern="1200" dirty="0"/>
             <a:t>16.8 MB</a:t>
           </a:r>
         </a:p>
@@ -1650,12 +1650,12 @@
         <a:fontRef idx="minor"/>
       </dsp:style>
       <dsp:txBody>
-        <a:bodyPr spcFirstLastPara="0" vert="horz" wrap="square" lIns="41910" tIns="27940" rIns="41910" bIns="27940" numCol="1" spcCol="1270" anchor="ctr" anchorCtr="0">
+        <a:bodyPr spcFirstLastPara="0" vert="horz" wrap="square" lIns="43815" tIns="29210" rIns="43815" bIns="29210" numCol="1" spcCol="1270" anchor="ctr" anchorCtr="0">
           <a:noAutofit/>
         </a:bodyPr>
         <a:lstStyle/>
         <a:p>
-          <a:pPr marL="0" lvl="0" indent="0" algn="ctr" defTabSz="977900">
+          <a:pPr marL="0" lvl="0" indent="0" algn="ctr" defTabSz="1022350">
             <a:lnSpc>
               <a:spcPct val="90000"/>
             </a:lnSpc>
@@ -1668,12 +1668,12 @@
             <a:buNone/>
           </a:pPr>
           <a:r>
-            <a:rPr lang="en-US" sz="2200" kern="1200" dirty="0"/>
+            <a:rPr lang="en-US" sz="2300" kern="1200" dirty="0"/>
             <a:t>26.7 MB</a:t>
           </a:r>
         </a:p>
         <a:p>
-          <a:pPr marL="0" lvl="0" indent="0" algn="ctr" defTabSz="977900">
+          <a:pPr marL="0" lvl="0" indent="0" algn="ctr" defTabSz="1022350">
             <a:lnSpc>
               <a:spcPct val="90000"/>
             </a:lnSpc>
@@ -1686,7 +1686,7 @@
             <a:buNone/>
           </a:pPr>
           <a:r>
-            <a:rPr lang="en-US" sz="2200" kern="1200" dirty="0"/>
+            <a:rPr lang="en-US" sz="2300" kern="1200" dirty="0"/>
             <a:t>w/ Identity</a:t>
           </a:r>
         </a:p>
@@ -1748,12 +1748,12 @@
         </a:fontRef>
       </dsp:style>
       <dsp:txBody>
-        <a:bodyPr spcFirstLastPara="0" vert="horz" wrap="square" lIns="91440" tIns="60960" rIns="91440" bIns="60960" numCol="1" spcCol="1270" anchor="ctr" anchorCtr="0">
+        <a:bodyPr spcFirstLastPara="0" vert="horz" wrap="square" lIns="99060" tIns="66040" rIns="99060" bIns="66040" numCol="1" spcCol="1270" anchor="ctr" anchorCtr="0">
           <a:noAutofit/>
         </a:bodyPr>
         <a:lstStyle/>
         <a:p>
-          <a:pPr marL="0" lvl="0" indent="0" algn="ctr" defTabSz="2133600">
+          <a:pPr marL="0" lvl="0" indent="0" algn="ctr" defTabSz="2311400">
             <a:lnSpc>
               <a:spcPct val="90000"/>
             </a:lnSpc>
@@ -1766,7 +1766,7 @@
             <a:buNone/>
           </a:pPr>
           <a:r>
-            <a:rPr lang="en-US" sz="4800" b="1" kern="1200" dirty="0"/>
+            <a:rPr lang="en-US" sz="5200" b="1" kern="1200" dirty="0"/>
             <a:t>v2.0</a:t>
           </a:r>
         </a:p>
@@ -1886,12 +1886,12 @@
         <a:fontRef idx="minor"/>
       </dsp:style>
       <dsp:txBody>
-        <a:bodyPr spcFirstLastPara="0" vert="horz" wrap="square" lIns="41910" tIns="27940" rIns="41910" bIns="27940" numCol="1" spcCol="1270" anchor="ctr" anchorCtr="0">
+        <a:bodyPr spcFirstLastPara="0" vert="horz" wrap="square" lIns="43815" tIns="29210" rIns="43815" bIns="29210" numCol="1" spcCol="1270" anchor="ctr" anchorCtr="0">
           <a:noAutofit/>
         </a:bodyPr>
         <a:lstStyle/>
         <a:p>
-          <a:pPr marL="0" lvl="0" indent="0" algn="ctr" defTabSz="977900">
+          <a:pPr marL="0" lvl="0" indent="0" algn="ctr" defTabSz="1022350">
             <a:lnSpc>
               <a:spcPct val="90000"/>
             </a:lnSpc>
@@ -1904,7 +1904,7 @@
             <a:buNone/>
           </a:pPr>
           <a:r>
-            <a:rPr lang="en-US" sz="2200" kern="1200" dirty="0"/>
+            <a:rPr lang="en-US" sz="2300" kern="1200" dirty="0"/>
             <a:t>2.63 MB</a:t>
           </a:r>
         </a:p>
@@ -2024,12 +2024,12 @@
         <a:fontRef idx="minor"/>
       </dsp:style>
       <dsp:txBody>
-        <a:bodyPr spcFirstLastPara="0" vert="horz" wrap="square" lIns="41910" tIns="27940" rIns="41910" bIns="27940" numCol="1" spcCol="1270" anchor="ctr" anchorCtr="0">
+        <a:bodyPr spcFirstLastPara="0" vert="horz" wrap="square" lIns="43815" tIns="29210" rIns="43815" bIns="29210" numCol="1" spcCol="1270" anchor="ctr" anchorCtr="0">
           <a:noAutofit/>
         </a:bodyPr>
         <a:lstStyle/>
         <a:p>
-          <a:pPr marL="0" lvl="0" indent="0" algn="ctr" defTabSz="977900">
+          <a:pPr marL="0" lvl="0" indent="0" algn="ctr" defTabSz="1022350">
             <a:lnSpc>
               <a:spcPct val="90000"/>
             </a:lnSpc>
@@ -2042,12 +2042,12 @@
             <a:buNone/>
           </a:pPr>
           <a:r>
-            <a:rPr lang="en-US" sz="2200" kern="1200" dirty="0"/>
+            <a:rPr lang="en-US" sz="2300" kern="1200" dirty="0"/>
             <a:t>3.09 MB</a:t>
           </a:r>
         </a:p>
         <a:p>
-          <a:pPr marL="0" lvl="0" indent="0" algn="ctr" defTabSz="977900">
+          <a:pPr marL="0" lvl="0" indent="0" algn="ctr" defTabSz="1022350">
             <a:lnSpc>
               <a:spcPct val="90000"/>
             </a:lnSpc>
@@ -2060,7 +2060,7 @@
             <a:buNone/>
           </a:pPr>
           <a:r>
-            <a:rPr lang="en-US" sz="2200" kern="1200" dirty="0"/>
+            <a:rPr lang="en-US" sz="2300" kern="1200" dirty="0"/>
             <a:t>w/ Identity</a:t>
           </a:r>
         </a:p>
@@ -15627,14 +15627,6 @@
   <p:clrMapOvr>
     <a:masterClrMapping/>
   </p:clrMapOvr>
-  <mc:AlternateContent xmlns:mc="http://schemas.openxmlformats.org/markup-compatibility/2006">
-    <mc:Choice xmlns:p14="http://schemas.microsoft.com/office/powerpoint/2010/main" Requires="p14">
-      <p:transition spd="slow" p14:dur="2000" advTm="0"/>
-    </mc:Choice>
-    <mc:Fallback>
-      <p:transition spd="slow" advTm="0"/>
-    </mc:Fallback>
-  </mc:AlternateContent>
 </p:sld>
 </file>
 

--- a/Whats New in ASP.NET Core 2.0.pptx
+++ b/Whats New in ASP.NET Core 2.0.pptx
@@ -169,10 +169,6 @@
     </p:ext>
   </p:extLst>
 </p:presentation>
-</file>
-
-<file path=ppt/revisionInfo.xml><?xml version="1.0" encoding="utf-8"?>
-<p1510:revInfo xmlns:a="http://schemas.openxmlformats.org/drawingml/2006/main" xmlns:r="http://schemas.openxmlformats.org/officeDocument/2006/relationships" xmlns:p1510="http://schemas.microsoft.com/office/powerpoint/2015/10/main"/>
 </file>
 
 <file path=ppt/diagrams/colors1.xml><?xml version="1.0" encoding="utf-8"?>
@@ -1374,12 +1370,12 @@
         </a:fontRef>
       </dsp:style>
       <dsp:txBody>
-        <a:bodyPr spcFirstLastPara="0" vert="horz" wrap="square" lIns="99060" tIns="66040" rIns="99060" bIns="66040" numCol="1" spcCol="1270" anchor="ctr" anchorCtr="0">
+        <a:bodyPr spcFirstLastPara="0" vert="horz" wrap="square" lIns="91440" tIns="60960" rIns="91440" bIns="60960" numCol="1" spcCol="1270" anchor="ctr" anchorCtr="0">
           <a:noAutofit/>
         </a:bodyPr>
         <a:lstStyle/>
         <a:p>
-          <a:pPr marL="0" lvl="0" indent="0" algn="ctr" defTabSz="2311400">
+          <a:pPr marL="0" lvl="0" indent="0" algn="ctr" defTabSz="2133600">
             <a:lnSpc>
               <a:spcPct val="90000"/>
             </a:lnSpc>
@@ -1392,7 +1388,7 @@
             <a:buNone/>
           </a:pPr>
           <a:r>
-            <a:rPr lang="en-US" sz="5200" b="1" kern="1200" dirty="0"/>
+            <a:rPr lang="en-US" sz="4800" b="1" kern="1200" dirty="0"/>
             <a:t>v1.1</a:t>
           </a:r>
         </a:p>
@@ -1512,12 +1508,12 @@
         <a:fontRef idx="minor"/>
       </dsp:style>
       <dsp:txBody>
-        <a:bodyPr spcFirstLastPara="0" vert="horz" wrap="square" lIns="43815" tIns="29210" rIns="43815" bIns="29210" numCol="1" spcCol="1270" anchor="ctr" anchorCtr="0">
+        <a:bodyPr spcFirstLastPara="0" vert="horz" wrap="square" lIns="41910" tIns="27940" rIns="41910" bIns="27940" numCol="1" spcCol="1270" anchor="ctr" anchorCtr="0">
           <a:noAutofit/>
         </a:bodyPr>
         <a:lstStyle/>
         <a:p>
-          <a:pPr marL="0" lvl="0" indent="0" algn="ctr" defTabSz="1022350">
+          <a:pPr marL="0" lvl="0" indent="0" algn="ctr" defTabSz="977900">
             <a:lnSpc>
               <a:spcPct val="90000"/>
             </a:lnSpc>
@@ -1530,7 +1526,7 @@
             <a:buNone/>
           </a:pPr>
           <a:r>
-            <a:rPr lang="en-US" sz="2300" kern="1200" dirty="0"/>
+            <a:rPr lang="en-US" sz="2200" kern="1200" dirty="0"/>
             <a:t>16.8 MB</a:t>
           </a:r>
         </a:p>
@@ -1650,12 +1646,12 @@
         <a:fontRef idx="minor"/>
       </dsp:style>
       <dsp:txBody>
-        <a:bodyPr spcFirstLastPara="0" vert="horz" wrap="square" lIns="43815" tIns="29210" rIns="43815" bIns="29210" numCol="1" spcCol="1270" anchor="ctr" anchorCtr="0">
+        <a:bodyPr spcFirstLastPara="0" vert="horz" wrap="square" lIns="41910" tIns="27940" rIns="41910" bIns="27940" numCol="1" spcCol="1270" anchor="ctr" anchorCtr="0">
           <a:noAutofit/>
         </a:bodyPr>
         <a:lstStyle/>
         <a:p>
-          <a:pPr marL="0" lvl="0" indent="0" algn="ctr" defTabSz="1022350">
+          <a:pPr marL="0" lvl="0" indent="0" algn="ctr" defTabSz="977900">
             <a:lnSpc>
               <a:spcPct val="90000"/>
             </a:lnSpc>
@@ -1668,12 +1664,12 @@
             <a:buNone/>
           </a:pPr>
           <a:r>
-            <a:rPr lang="en-US" sz="2300" kern="1200" dirty="0"/>
+            <a:rPr lang="en-US" sz="2200" kern="1200" dirty="0"/>
             <a:t>26.7 MB</a:t>
           </a:r>
         </a:p>
         <a:p>
-          <a:pPr marL="0" lvl="0" indent="0" algn="ctr" defTabSz="1022350">
+          <a:pPr marL="0" lvl="0" indent="0" algn="ctr" defTabSz="977900">
             <a:lnSpc>
               <a:spcPct val="90000"/>
             </a:lnSpc>
@@ -1686,7 +1682,7 @@
             <a:buNone/>
           </a:pPr>
           <a:r>
-            <a:rPr lang="en-US" sz="2300" kern="1200" dirty="0"/>
+            <a:rPr lang="en-US" sz="2200" kern="1200" dirty="0"/>
             <a:t>w/ Identity</a:t>
           </a:r>
         </a:p>
@@ -1748,12 +1744,12 @@
         </a:fontRef>
       </dsp:style>
       <dsp:txBody>
-        <a:bodyPr spcFirstLastPara="0" vert="horz" wrap="square" lIns="99060" tIns="66040" rIns="99060" bIns="66040" numCol="1" spcCol="1270" anchor="ctr" anchorCtr="0">
+        <a:bodyPr spcFirstLastPara="0" vert="horz" wrap="square" lIns="91440" tIns="60960" rIns="91440" bIns="60960" numCol="1" spcCol="1270" anchor="ctr" anchorCtr="0">
           <a:noAutofit/>
         </a:bodyPr>
         <a:lstStyle/>
         <a:p>
-          <a:pPr marL="0" lvl="0" indent="0" algn="ctr" defTabSz="2311400">
+          <a:pPr marL="0" lvl="0" indent="0" algn="ctr" defTabSz="2133600">
             <a:lnSpc>
               <a:spcPct val="90000"/>
             </a:lnSpc>
@@ -1766,7 +1762,7 @@
             <a:buNone/>
           </a:pPr>
           <a:r>
-            <a:rPr lang="en-US" sz="5200" b="1" kern="1200" dirty="0"/>
+            <a:rPr lang="en-US" sz="4800" b="1" kern="1200" dirty="0"/>
             <a:t>v2.0</a:t>
           </a:r>
         </a:p>
@@ -1886,12 +1882,12 @@
         <a:fontRef idx="minor"/>
       </dsp:style>
       <dsp:txBody>
-        <a:bodyPr spcFirstLastPara="0" vert="horz" wrap="square" lIns="43815" tIns="29210" rIns="43815" bIns="29210" numCol="1" spcCol="1270" anchor="ctr" anchorCtr="0">
+        <a:bodyPr spcFirstLastPara="0" vert="horz" wrap="square" lIns="41910" tIns="27940" rIns="41910" bIns="27940" numCol="1" spcCol="1270" anchor="ctr" anchorCtr="0">
           <a:noAutofit/>
         </a:bodyPr>
         <a:lstStyle/>
         <a:p>
-          <a:pPr marL="0" lvl="0" indent="0" algn="ctr" defTabSz="1022350">
+          <a:pPr marL="0" lvl="0" indent="0" algn="ctr" defTabSz="977900">
             <a:lnSpc>
               <a:spcPct val="90000"/>
             </a:lnSpc>
@@ -1904,7 +1900,7 @@
             <a:buNone/>
           </a:pPr>
           <a:r>
-            <a:rPr lang="en-US" sz="2300" kern="1200" dirty="0"/>
+            <a:rPr lang="en-US" sz="2200" kern="1200" dirty="0"/>
             <a:t>2.63 MB</a:t>
           </a:r>
         </a:p>
@@ -2024,12 +2020,12 @@
         <a:fontRef idx="minor"/>
       </dsp:style>
       <dsp:txBody>
-        <a:bodyPr spcFirstLastPara="0" vert="horz" wrap="square" lIns="43815" tIns="29210" rIns="43815" bIns="29210" numCol="1" spcCol="1270" anchor="ctr" anchorCtr="0">
+        <a:bodyPr spcFirstLastPara="0" vert="horz" wrap="square" lIns="41910" tIns="27940" rIns="41910" bIns="27940" numCol="1" spcCol="1270" anchor="ctr" anchorCtr="0">
           <a:noAutofit/>
         </a:bodyPr>
         <a:lstStyle/>
         <a:p>
-          <a:pPr marL="0" lvl="0" indent="0" algn="ctr" defTabSz="1022350">
+          <a:pPr marL="0" lvl="0" indent="0" algn="ctr" defTabSz="977900">
             <a:lnSpc>
               <a:spcPct val="90000"/>
             </a:lnSpc>
@@ -2042,12 +2038,12 @@
             <a:buNone/>
           </a:pPr>
           <a:r>
-            <a:rPr lang="en-US" sz="2300" kern="1200" dirty="0"/>
+            <a:rPr lang="en-US" sz="2200" kern="1200" dirty="0"/>
             <a:t>3.09 MB</a:t>
           </a:r>
         </a:p>
         <a:p>
-          <a:pPr marL="0" lvl="0" indent="0" algn="ctr" defTabSz="1022350">
+          <a:pPr marL="0" lvl="0" indent="0" algn="ctr" defTabSz="977900">
             <a:lnSpc>
               <a:spcPct val="90000"/>
             </a:lnSpc>
@@ -2060,7 +2056,7 @@
             <a:buNone/>
           </a:pPr>
           <a:r>
-            <a:rPr lang="en-US" sz="2300" kern="1200" dirty="0"/>
+            <a:rPr lang="en-US" sz="2200" kern="1200" dirty="0"/>
             <a:t>w/ Identity</a:t>
           </a:r>
         </a:p>
@@ -3482,7 +3478,7 @@
           <a:p>
             <a:fld id="{3B87D1B5-D667-42F5-9E38-2FD202ABDFA0}" type="datetimeFigureOut">
               <a:rPr lang="en-US" smtClean="0"/>
-              <a:t>11/8/2017</a:t>
+              <a:t>2/9/2018</a:t>
             </a:fld>
             <a:endParaRPr lang="en-US"/>
           </a:p>
@@ -4791,9 +4787,30 @@
           <a:bodyPr/>
           <a:lstStyle/>
           <a:p>
+            <a:pPr marL="171450" indent="-171450">
+              <a:buFontTx/>
+              <a:buChar char="-"/>
+            </a:pPr>
             <a:r>
               <a:rPr lang="en-US" dirty="0"/>
               <a:t>On by default</a:t>
+            </a:r>
+          </a:p>
+          <a:p>
+            <a:pPr marL="171450" indent="-171450">
+              <a:buFontTx/>
+              <a:buChar char="-"/>
+            </a:pPr>
+            <a:endParaRPr lang="en-US" dirty="0"/>
+          </a:p>
+          <a:p>
+            <a:pPr marL="171450" indent="-171450">
+              <a:buFontTx/>
+              <a:buChar char="-"/>
+            </a:pPr>
+            <a:r>
+              <a:rPr lang="en-US" dirty="0"/>
+              <a:t>2.1 supports it at build time too</a:t>
             </a:r>
           </a:p>
         </p:txBody>
@@ -4956,19 +4973,41 @@
             </a:r>
           </a:p>
           <a:p>
+            <a:pPr marL="628650" lvl="1" indent="-171450">
+              <a:buFontTx/>
+              <a:buChar char="-"/>
+            </a:pPr>
+            <a:r>
+              <a:rPr lang="en-US" dirty="0"/>
+              <a:t>.NET </a:t>
+            </a:r>
+            <a:r>
+              <a:rPr lang="en-US" dirty="0" err="1"/>
+              <a:t>Fx</a:t>
+            </a:r>
+            <a:r>
+              <a:rPr lang="en-US" dirty="0"/>
+              <a:t> support in 2.1 (</a:t>
+            </a:r>
+            <a:r>
+              <a:rPr lang="en-US" dirty="0" err="1"/>
+              <a:t>Microsoft.AspNetCore.App</a:t>
+            </a:r>
+            <a:r>
+              <a:rPr lang="en-US"/>
+              <a:t> package)</a:t>
+            </a:r>
+            <a:endParaRPr lang="en-US" dirty="0"/>
+          </a:p>
+          <a:p>
             <a:pPr marL="171450" indent="-171450">
               <a:buFontTx/>
               <a:buChar char="-"/>
             </a:pPr>
             <a:r>
               <a:rPr lang="en-US" dirty="0"/>
-              <a:t>Package version aligns w/ </a:t>
-            </a:r>
-            <a:r>
-              <a:rPr lang="en-US"/>
-              <a:t>product version</a:t>
-            </a:r>
-            <a:endParaRPr lang="en-US" dirty="0"/>
+              <a:t>Package version aligns w/ product version</a:t>
+            </a:r>
           </a:p>
         </p:txBody>
       </p:sp>
@@ -5456,6 +5495,15 @@
           <a:lstStyle/>
           <a:p>
             <a:r>
+              <a:rPr lang="en-US" b="1" dirty="0"/>
+              <a:t>SHOW GITHUB PAGE!!!</a:t>
+            </a:r>
+          </a:p>
+          <a:p>
+            <a:endParaRPr lang="en-US" b="1" dirty="0"/>
+          </a:p>
+          <a:p>
+            <a:r>
               <a:rPr lang="en-US" dirty="0" err="1"/>
               <a:t>Program.cs</a:t>
             </a:r>
@@ -5479,7 +5527,70 @@
               <a:rPr lang="en-US" dirty="0">
                 <a:sym typeface="Wingdings" panose="05000000000000000000" pitchFamily="2" charset="2"/>
               </a:rPr>
-              <a:t> method handles boilerplate</a:t>
+              <a:t> method handles boilerplate:</a:t>
+            </a:r>
+          </a:p>
+          <a:p>
+            <a:pPr marL="171450" indent="-171450">
+              <a:buFontTx/>
+              <a:buChar char="-"/>
+            </a:pPr>
+            <a:r>
+              <a:rPr lang="en-US" dirty="0" err="1">
+                <a:sym typeface="Wingdings" panose="05000000000000000000" pitchFamily="2" charset="2"/>
+              </a:rPr>
+              <a:t>UseIISIntegration</a:t>
+            </a:r>
+            <a:endParaRPr lang="en-US" dirty="0">
+              <a:sym typeface="Wingdings" panose="05000000000000000000" pitchFamily="2" charset="2"/>
+            </a:endParaRPr>
+          </a:p>
+          <a:p>
+            <a:pPr marL="171450" indent="-171450">
+              <a:buFontTx/>
+              <a:buChar char="-"/>
+            </a:pPr>
+            <a:r>
+              <a:rPr lang="en-US" dirty="0" err="1">
+                <a:sym typeface="Wingdings" panose="05000000000000000000" pitchFamily="2" charset="2"/>
+              </a:rPr>
+              <a:t>UseKestrel</a:t>
+            </a:r>
+            <a:endParaRPr lang="en-US" dirty="0">
+              <a:sym typeface="Wingdings" panose="05000000000000000000" pitchFamily="2" charset="2"/>
+            </a:endParaRPr>
+          </a:p>
+          <a:p>
+            <a:pPr marL="171450" indent="-171450">
+              <a:buFontTx/>
+              <a:buChar char="-"/>
+            </a:pPr>
+            <a:r>
+              <a:rPr lang="en-US" dirty="0" err="1">
+                <a:sym typeface="Wingdings" panose="05000000000000000000" pitchFamily="2" charset="2"/>
+              </a:rPr>
+              <a:t>UseContentRoot</a:t>
+            </a:r>
+            <a:endParaRPr lang="en-US" dirty="0">
+              <a:sym typeface="Wingdings" panose="05000000000000000000" pitchFamily="2" charset="2"/>
+            </a:endParaRPr>
+          </a:p>
+          <a:p>
+            <a:pPr marL="171450" indent="-171450">
+              <a:buFontTx/>
+              <a:buChar char="-"/>
+            </a:pPr>
+            <a:r>
+              <a:rPr lang="en-US" dirty="0" err="1">
+                <a:sym typeface="Wingdings" panose="05000000000000000000" pitchFamily="2" charset="2"/>
+              </a:rPr>
+              <a:t>UseApplicationInsights</a:t>
+            </a:r>
+            <a:r>
+              <a:rPr lang="en-US" dirty="0">
+                <a:sym typeface="Wingdings" panose="05000000000000000000" pitchFamily="2" charset="2"/>
+              </a:rPr>
+              <a:t> (light-up in VS 2017)</a:t>
             </a:r>
             <a:endParaRPr lang="en-US" dirty="0"/>
           </a:p>
@@ -5652,7 +5763,7 @@
           <a:p>
             <a:fld id="{EEC3160E-2579-4584-9765-DC1BA0B358F9}" type="datetimeFigureOut">
               <a:rPr lang="en-US" smtClean="0"/>
-              <a:t>11/8/2017</a:t>
+              <a:t>2/9/2018</a:t>
             </a:fld>
             <a:endParaRPr lang="en-US"/>
           </a:p>
@@ -5822,7 +5933,7 @@
           <a:p>
             <a:fld id="{EEC3160E-2579-4584-9765-DC1BA0B358F9}" type="datetimeFigureOut">
               <a:rPr lang="en-US" smtClean="0"/>
-              <a:t>11/8/2017</a:t>
+              <a:t>2/9/2018</a:t>
             </a:fld>
             <a:endParaRPr lang="en-US"/>
           </a:p>
@@ -6002,7 +6113,7 @@
           <a:p>
             <a:fld id="{EEC3160E-2579-4584-9765-DC1BA0B358F9}" type="datetimeFigureOut">
               <a:rPr lang="en-US" smtClean="0"/>
-              <a:t>11/8/2017</a:t>
+              <a:t>2/9/2018</a:t>
             </a:fld>
             <a:endParaRPr lang="en-US"/>
           </a:p>
@@ -7917,7 +8028,7 @@
           <a:p>
             <a:fld id="{EEC3160E-2579-4584-9765-DC1BA0B358F9}" type="datetimeFigureOut">
               <a:rPr lang="en-US" smtClean="0"/>
-              <a:t>11/8/2017</a:t>
+              <a:t>2/9/2018</a:t>
             </a:fld>
             <a:endParaRPr lang="en-US"/>
           </a:p>
@@ -9399,7 +9510,7 @@
           <a:p>
             <a:fld id="{EEC3160E-2579-4584-9765-DC1BA0B358F9}" type="datetimeFigureOut">
               <a:rPr lang="en-US" smtClean="0"/>
-              <a:t>11/8/2017</a:t>
+              <a:t>2/9/2018</a:t>
             </a:fld>
             <a:endParaRPr lang="en-US"/>
           </a:p>
@@ -10539,7 +10650,7 @@
           <a:p>
             <a:fld id="{EEC3160E-2579-4584-9765-DC1BA0B358F9}" type="datetimeFigureOut">
               <a:rPr lang="en-US" smtClean="0"/>
-              <a:t>11/8/2017</a:t>
+              <a:t>2/9/2018</a:t>
             </a:fld>
             <a:endParaRPr lang="en-US"/>
           </a:p>
@@ -10906,7 +11017,7 @@
           <a:p>
             <a:fld id="{EEC3160E-2579-4584-9765-DC1BA0B358F9}" type="datetimeFigureOut">
               <a:rPr lang="en-US" smtClean="0"/>
-              <a:t>11/8/2017</a:t>
+              <a:t>2/9/2018</a:t>
             </a:fld>
             <a:endParaRPr lang="en-US"/>
           </a:p>
@@ -11024,7 +11135,7 @@
           <a:p>
             <a:fld id="{EEC3160E-2579-4584-9765-DC1BA0B358F9}" type="datetimeFigureOut">
               <a:rPr lang="en-US" smtClean="0"/>
-              <a:t>11/8/2017</a:t>
+              <a:t>2/9/2018</a:t>
             </a:fld>
             <a:endParaRPr lang="en-US"/>
           </a:p>
@@ -11119,7 +11230,7 @@
           <a:p>
             <a:fld id="{EEC3160E-2579-4584-9765-DC1BA0B358F9}" type="datetimeFigureOut">
               <a:rPr lang="en-US" smtClean="0"/>
-              <a:t>11/8/2017</a:t>
+              <a:t>2/9/2018</a:t>
             </a:fld>
             <a:endParaRPr lang="en-US"/>
           </a:p>
@@ -11396,7 +11507,7 @@
           <a:p>
             <a:fld id="{EEC3160E-2579-4584-9765-DC1BA0B358F9}" type="datetimeFigureOut">
               <a:rPr lang="en-US" smtClean="0"/>
-              <a:t>11/8/2017</a:t>
+              <a:t>2/9/2018</a:t>
             </a:fld>
             <a:endParaRPr lang="en-US"/>
           </a:p>
@@ -11653,7 +11764,7 @@
           <a:p>
             <a:fld id="{EEC3160E-2579-4584-9765-DC1BA0B358F9}" type="datetimeFigureOut">
               <a:rPr lang="en-US" smtClean="0"/>
-              <a:t>11/8/2017</a:t>
+              <a:t>2/9/2018</a:t>
             </a:fld>
             <a:endParaRPr lang="en-US"/>
           </a:p>
@@ -11866,7 +11977,7 @@
           <a:p>
             <a:fld id="{EEC3160E-2579-4584-9765-DC1BA0B358F9}" type="datetimeFigureOut">
               <a:rPr lang="en-US" smtClean="0"/>
-              <a:t>11/8/2017</a:t>
+              <a:t>2/9/2018</a:t>
             </a:fld>
             <a:endParaRPr lang="en-US"/>
           </a:p>
@@ -15661,6 +15772,40 @@
           <a:chExt cx="0" cy="0"/>
         </a:xfrm>
       </p:grpSpPr>
+      <p:sp>
+        <p:nvSpPr>
+          <p:cNvPr id="2" name="TextBox 1">
+            <a:extLst>
+              <a:ext uri="{FF2B5EF4-FFF2-40B4-BE49-F238E27FC236}">
+                <a16:creationId xmlns:a16="http://schemas.microsoft.com/office/drawing/2014/main" id="{FE150DB8-52DE-4EA6-98C7-B30357DC53DD}"/>
+              </a:ext>
+            </a:extLst>
+          </p:cNvPr>
+          <p:cNvSpPr txBox="1"/>
+          <p:nvPr/>
+        </p:nvSpPr>
+        <p:spPr>
+          <a:xfrm>
+            <a:off x="7517718" y="4664054"/>
+            <a:ext cx="3988993" cy="969632"/>
+          </a:xfrm>
+          <a:prstGeom prst="rect">
+            <a:avLst/>
+          </a:prstGeom>
+          <a:solidFill>
+            <a:srgbClr val="505251"/>
+          </a:solidFill>
+        </p:spPr>
+        <p:txBody>
+          <a:bodyPr wrap="square" rtlCol="0">
+            <a:spAutoFit/>
+          </a:bodyPr>
+          <a:lstStyle/>
+          <a:p>
+            <a:endParaRPr lang="en-US" dirty="0"/>
+          </a:p>
+        </p:txBody>
+      </p:sp>
     </p:spTree>
     <p:extLst>
       <p:ext uri="{BB962C8B-B14F-4D97-AF65-F5344CB8AC3E}">
